--- a/Tutorial/P-tutorial.pptx
+++ b/Tutorial/P-tutorial.pptx
@@ -205,7 +205,7 @@
           <a:p>
             <a:fld id="{4D6C1395-F38E-4BBC-A387-C9D21622F6E5}" type="datetimeFigureOut">
               <a:rPr lang="en-US" smtClean="0"/>
-              <a:t>3/26/2017</a:t>
+              <a:t>3/30/2017</a:t>
             </a:fld>
             <a:endParaRPr lang="en-US"/>
           </a:p>
@@ -702,7 +702,7 @@
           <a:p>
             <a:fld id="{4E05C90B-F8EE-4FB7-AEE7-9B0B98AB9CDF}" type="datetimeFigureOut">
               <a:rPr lang="en-US" smtClean="0"/>
-              <a:t>3/26/2017</a:t>
+              <a:t>3/30/2017</a:t>
             </a:fld>
             <a:endParaRPr lang="en-US"/>
           </a:p>
@@ -870,7 +870,7 @@
           <a:p>
             <a:fld id="{4E05C90B-F8EE-4FB7-AEE7-9B0B98AB9CDF}" type="datetimeFigureOut">
               <a:rPr lang="en-US" smtClean="0"/>
-              <a:t>3/26/2017</a:t>
+              <a:t>3/30/2017</a:t>
             </a:fld>
             <a:endParaRPr lang="en-US"/>
           </a:p>
@@ -1048,7 +1048,7 @@
           <a:p>
             <a:fld id="{4E05C90B-F8EE-4FB7-AEE7-9B0B98AB9CDF}" type="datetimeFigureOut">
               <a:rPr lang="en-US" smtClean="0"/>
-              <a:t>3/26/2017</a:t>
+              <a:t>3/30/2017</a:t>
             </a:fld>
             <a:endParaRPr lang="en-US"/>
           </a:p>
@@ -1216,7 +1216,7 @@
           <a:p>
             <a:fld id="{4E05C90B-F8EE-4FB7-AEE7-9B0B98AB9CDF}" type="datetimeFigureOut">
               <a:rPr lang="en-US" smtClean="0"/>
-              <a:t>3/26/2017</a:t>
+              <a:t>3/30/2017</a:t>
             </a:fld>
             <a:endParaRPr lang="en-US"/>
           </a:p>
@@ -1461,7 +1461,7 @@
           <a:p>
             <a:fld id="{4E05C90B-F8EE-4FB7-AEE7-9B0B98AB9CDF}" type="datetimeFigureOut">
               <a:rPr lang="en-US" smtClean="0"/>
-              <a:t>3/26/2017</a:t>
+              <a:t>3/30/2017</a:t>
             </a:fld>
             <a:endParaRPr lang="en-US"/>
           </a:p>
@@ -1690,7 +1690,7 @@
           <a:p>
             <a:fld id="{4E05C90B-F8EE-4FB7-AEE7-9B0B98AB9CDF}" type="datetimeFigureOut">
               <a:rPr lang="en-US" smtClean="0"/>
-              <a:t>3/26/2017</a:t>
+              <a:t>3/30/2017</a:t>
             </a:fld>
             <a:endParaRPr lang="en-US"/>
           </a:p>
@@ -2054,7 +2054,7 @@
           <a:p>
             <a:fld id="{4E05C90B-F8EE-4FB7-AEE7-9B0B98AB9CDF}" type="datetimeFigureOut">
               <a:rPr lang="en-US" smtClean="0"/>
-              <a:t>3/26/2017</a:t>
+              <a:t>3/30/2017</a:t>
             </a:fld>
             <a:endParaRPr lang="en-US"/>
           </a:p>
@@ -2171,7 +2171,7 @@
           <a:p>
             <a:fld id="{4E05C90B-F8EE-4FB7-AEE7-9B0B98AB9CDF}" type="datetimeFigureOut">
               <a:rPr lang="en-US" smtClean="0"/>
-              <a:t>3/26/2017</a:t>
+              <a:t>3/30/2017</a:t>
             </a:fld>
             <a:endParaRPr lang="en-US"/>
           </a:p>
@@ -2266,7 +2266,7 @@
           <a:p>
             <a:fld id="{4E05C90B-F8EE-4FB7-AEE7-9B0B98AB9CDF}" type="datetimeFigureOut">
               <a:rPr lang="en-US" smtClean="0"/>
-              <a:t>3/26/2017</a:t>
+              <a:t>3/30/2017</a:t>
             </a:fld>
             <a:endParaRPr lang="en-US"/>
           </a:p>
@@ -2541,7 +2541,7 @@
           <a:p>
             <a:fld id="{4E05C90B-F8EE-4FB7-AEE7-9B0B98AB9CDF}" type="datetimeFigureOut">
               <a:rPr lang="en-US" smtClean="0"/>
-              <a:t>3/26/2017</a:t>
+              <a:t>3/30/2017</a:t>
             </a:fld>
             <a:endParaRPr lang="en-US"/>
           </a:p>
@@ -2793,7 +2793,7 @@
           <a:p>
             <a:fld id="{4E05C90B-F8EE-4FB7-AEE7-9B0B98AB9CDF}" type="datetimeFigureOut">
               <a:rPr lang="en-US" smtClean="0"/>
-              <a:t>3/26/2017</a:t>
+              <a:t>3/30/2017</a:t>
             </a:fld>
             <a:endParaRPr lang="en-US"/>
           </a:p>
@@ -3004,7 +3004,7 @@
           <a:p>
             <a:fld id="{4E05C90B-F8EE-4FB7-AEE7-9B0B98AB9CDF}" type="datetimeFigureOut">
               <a:rPr lang="en-US" smtClean="0"/>
-              <a:t>3/26/2017</a:t>
+              <a:t>3/30/2017</a:t>
             </a:fld>
             <a:endParaRPr lang="en-US"/>
           </a:p>
@@ -5377,12 +5377,8 @@
           <a:lstStyle/>
           <a:p>
             <a:r>
-              <a:rPr lang="en-US"/>
-              <a:t>Show </a:t>
-            </a:r>
-            <a:r>
               <a:rPr lang="en-US" dirty="0"/>
-              <a:t>the FFI for </a:t>
+              <a:t>Show the FFI for </a:t>
             </a:r>
             <a:r>
               <a:rPr lang="en-US" dirty="0" err="1"/>
@@ -5631,26 +5627,27 @@
           <a:p>
             <a:r>
               <a:rPr lang="en-US" dirty="0"/>
-              <a:t>Data-race freedom</a:t>
+              <a:t>Memory management</a:t>
+            </a:r>
+          </a:p>
+          <a:p>
+            <a:endParaRPr lang="en-US"/>
+          </a:p>
+          <a:p>
+            <a:r>
+              <a:rPr lang="en-US"/>
+              <a:t>Data-race </a:t>
+            </a:r>
+            <a:r>
+              <a:rPr lang="en-US" dirty="0"/>
+              <a:t>freedom</a:t>
             </a:r>
           </a:p>
           <a:p>
             <a:endParaRPr lang="en-US" dirty="0"/>
           </a:p>
           <a:p>
-            <a:r>
-              <a:rPr lang="en-US" dirty="0"/>
-              <a:t>Memory management</a:t>
-            </a:r>
-          </a:p>
-          <a:p>
             <a:endParaRPr lang="en-US" dirty="0"/>
-          </a:p>
-          <a:p>
-            <a:r>
-              <a:rPr lang="en-US" dirty="0"/>
-              <a:t>Refinement checking</a:t>
-            </a:r>
           </a:p>
         </p:txBody>
       </p:sp>

--- a/Tutorial/P-tutorial.pptx
+++ b/Tutorial/P-tutorial.pptx
@@ -5631,16 +5631,12 @@
             </a:r>
           </a:p>
           <a:p>
-            <a:endParaRPr lang="en-US"/>
-          </a:p>
-          <a:p>
-            <a:r>
-              <a:rPr lang="en-US"/>
-              <a:t>Data-race </a:t>
-            </a:r>
+            <a:endParaRPr lang="en-US" dirty="0"/>
+          </a:p>
+          <a:p>
             <a:r>
               <a:rPr lang="en-US" dirty="0"/>
-              <a:t>freedom</a:t>
+              <a:t>Data-race freedom</a:t>
             </a:r>
           </a:p>
           <a:p>

--- a/Tutorial/P-tutorial.pptx
+++ b/Tutorial/P-tutorial.pptx
@@ -5,18 +5,19 @@
     <p:sldMasterId id="2147483648" r:id="rId1"/>
   </p:sldMasterIdLst>
   <p:notesMasterIdLst>
-    <p:notesMasterId r:id="rId11"/>
+    <p:notesMasterId r:id="rId12"/>
   </p:notesMasterIdLst>
   <p:sldIdLst>
     <p:sldId id="256" r:id="rId2"/>
-    <p:sldId id="257" r:id="rId3"/>
+    <p:sldId id="265" r:id="rId3"/>
     <p:sldId id="258" r:id="rId4"/>
-    <p:sldId id="259" r:id="rId5"/>
-    <p:sldId id="260" r:id="rId6"/>
-    <p:sldId id="261" r:id="rId7"/>
-    <p:sldId id="262" r:id="rId8"/>
-    <p:sldId id="264" r:id="rId9"/>
+    <p:sldId id="266" r:id="rId5"/>
+    <p:sldId id="259" r:id="rId6"/>
+    <p:sldId id="260" r:id="rId7"/>
+    <p:sldId id="261" r:id="rId8"/>
+    <p:sldId id="262" r:id="rId9"/>
     <p:sldId id="263" r:id="rId10"/>
+    <p:sldId id="267" r:id="rId11"/>
   </p:sldIdLst>
   <p:sldSz cx="12192000" cy="6858000"/>
   <p:notesSz cx="6858000" cy="9144000"/>
@@ -205,7 +206,7 @@
           <a:p>
             <a:fld id="{4D6C1395-F38E-4BBC-A387-C9D21622F6E5}" type="datetimeFigureOut">
               <a:rPr lang="en-US" smtClean="0"/>
-              <a:t>3/30/2017</a:t>
+              <a:t>4/2/2017</a:t>
             </a:fld>
             <a:endParaRPr lang="en-US"/>
           </a:p>
@@ -518,33 +519,59 @@
           <a:p>
             <a:r>
               <a:rPr lang="en-US" dirty="0"/>
-              <a:t>Heisenbug is a pun on Heisenberg uncertainty</a:t>
-            </a:r>
-            <a:r>
-              <a:rPr lang="en-US" baseline="0" dirty="0"/>
-              <a:t> principle.  The causes that manifest a Heisenbug are so rare that observing the system (via logging, breakpoints, etc.) “fixes” the bug.</a:t>
-            </a:r>
-          </a:p>
-          <a:p>
-            <a:endParaRPr lang="en-US" baseline="0" dirty="0"/>
-          </a:p>
-          <a:p>
-            <a:r>
-              <a:rPr lang="en-US" baseline="0" dirty="0"/>
-              <a:t>The main idea behind P is simple: All sources of nondeterminism in the program execution are known to the compiler and testing tool.  The compiler allows the testing tool to easily gain control over these sources of nondeterminism and try different alternatives algorithmically.  This capability allows the tool to quickly find and reproduce Heisenbugs that would manifest after months or sometimes even years of field deployment.</a:t>
-            </a:r>
-            <a:endParaRPr lang="en-US" dirty="0"/>
-          </a:p>
-        </p:txBody>
-      </p:sp>
-      <p:sp>
-        <p:nvSpPr>
-          <p:cNvPr id="4" name="Slide Number Placeholder 3"/>
+              <a:t>It is worth pointing out that controllers are everywhere.</a:t>
+            </a:r>
+          </a:p>
+          <a:p>
+            <a:r>
+              <a:rPr lang="en-US" dirty="0"/>
+              <a:t>Programming technologies we are developing and refining for the </a:t>
+            </a:r>
+            <a:r>
+              <a:rPr lang="en-US" dirty="0" err="1"/>
+              <a:t>SafeCPS</a:t>
+            </a:r>
+            <a:r>
+              <a:rPr lang="en-US" dirty="0"/>
+              <a:t> expedition are being for solving reliability problems across the company, in Windows and Devices Group and in Azure.</a:t>
+            </a:r>
+          </a:p>
+          <a:p>
+            <a:r>
+              <a:rPr lang="en-US" dirty="0"/>
+              <a:t>All these applications rest atop the reasoning and </a:t>
+            </a:r>
+            <a:r>
+              <a:rPr lang="en-US"/>
+              <a:t>programming techniques embodied </a:t>
+            </a:r>
+            <a:r>
+              <a:rPr lang="en-US" dirty="0"/>
+              <a:t>in the P framework.</a:t>
+            </a:r>
+          </a:p>
+          <a:p>
+            <a:r>
+              <a:rPr lang="en-US" dirty="0"/>
+              <a:t>P code can interoperate with the most significant languages used in our infrastructure code.</a:t>
+            </a:r>
+          </a:p>
+          <a:p>
+            <a:r>
+              <a:rPr lang="en-US" dirty="0"/>
+              <a:t>More importantly, P provides first-class support for modeling, specification and scalable verification, which enables us to build reliable software.</a:t>
+            </a:r>
+          </a:p>
+        </p:txBody>
+      </p:sp>
+      <p:sp>
+        <p:nvSpPr>
+          <p:cNvPr id="4" name="Header Placeholder 3"/>
           <p:cNvSpPr>
             <a:spLocks noGrp="1"/>
           </p:cNvSpPr>
           <p:nvPr>
-            <p:ph type="sldNum" sz="quarter" idx="10"/>
+            <p:ph type="hdr" sz="quarter" idx="10"/>
           </p:nvPr>
         </p:nvSpPr>
         <p:spPr/>
@@ -552,18 +579,137 @@
           <a:bodyPr/>
           <a:lstStyle/>
           <a:p>
-            <a:fld id="{CA443ADE-9283-4D47-880B-C111D4733DC8}" type="slidenum">
-              <a:rPr lang="en-GB" smtClean="0"/>
-              <a:t>2</a:t>
+            <a:endParaRPr lang="en-US" dirty="0"/>
+          </a:p>
+        </p:txBody>
+      </p:sp>
+      <p:sp>
+        <p:nvSpPr>
+          <p:cNvPr id="5" name="Footer Placeholder 4"/>
+          <p:cNvSpPr>
+            <a:spLocks noGrp="1"/>
+          </p:cNvSpPr>
+          <p:nvPr>
+            <p:ph type="ftr" sz="quarter" idx="11"/>
+          </p:nvPr>
+        </p:nvSpPr>
+        <p:spPr/>
+        <p:txBody>
+          <a:bodyPr/>
+          <a:lstStyle/>
+          <a:p>
+            <a:pPr defTabSz="966211" eaLnBrk="0" hangingPunct="0"/>
+            <a:r>
+              <a:rPr lang="en-US" sz="400">
+                <a:gradFill>
+                  <a:gsLst>
+                    <a:gs pos="0">
+                      <a:prstClr val="black"/>
+                    </a:gs>
+                    <a:gs pos="100000">
+                      <a:prstClr val="black"/>
+                    </a:gs>
+                  </a:gsLst>
+                  <a:lin ang="5400000" scaled="0"/>
+                </a:gradFill>
+                <a:latin typeface="Segoe UI" pitchFamily="34" charset="0"/>
+                <a:ea typeface="Segoe UI" pitchFamily="34" charset="0"/>
+                <a:cs typeface="Segoe UI" pitchFamily="34" charset="0"/>
+              </a:rPr>
+              <a:t>© 2014 Microsoft Corporation. All rights reserved. Microsoft, Windows, and other product names are or may be registered trademarks and/or trademarks in the U.S. and/or other countries.</a:t>
+            </a:r>
+          </a:p>
+          <a:p>
+            <a:pPr defTabSz="966211" eaLnBrk="0" hangingPunct="0"/>
+            <a:r>
+              <a:rPr lang="en-US" sz="400">
+                <a:gradFill>
+                  <a:gsLst>
+                    <a:gs pos="0">
+                      <a:prstClr val="black"/>
+                    </a:gs>
+                    <a:gs pos="100000">
+                      <a:prstClr val="black"/>
+                    </a:gs>
+                  </a:gsLst>
+                  <a:lin ang="5400000" scaled="0"/>
+                </a:gradFill>
+                <a:latin typeface="Segoe UI" pitchFamily="34" charset="0"/>
+                <a:ea typeface="Segoe UI" pitchFamily="34" charset="0"/>
+                <a:cs typeface="Segoe UI" pitchFamily="34" charset="0"/>
+              </a:rPr>
+              <a:t>The information herein is for informational purposes only and represents the current view of Microsoft Corporation as of the date of this presentation.  Because Microsoft must respond to changing market conditions, it should not be interpreted to be a commitment on the part of Microsoft, and Microsoft cannot guarantee the accuracy of any information provided after the date of this presentation.  MICROSOFT MAKES NO WARRANTIES, EXPRESS, IMPLIED OR STATUTORY, AS TO THE INFORMATION IN THIS PRESENTATION.</a:t>
+            </a:r>
+            <a:endParaRPr lang="en-US" sz="400" dirty="0">
+              <a:gradFill>
+                <a:gsLst>
+                  <a:gs pos="0">
+                    <a:prstClr val="black"/>
+                  </a:gs>
+                  <a:gs pos="100000">
+                    <a:prstClr val="black"/>
+                  </a:gs>
+                </a:gsLst>
+                <a:lin ang="5400000" scaled="0"/>
+              </a:gradFill>
+              <a:latin typeface="Segoe UI" pitchFamily="34" charset="0"/>
+              <a:ea typeface="Segoe UI" pitchFamily="34" charset="0"/>
+              <a:cs typeface="Segoe UI" pitchFamily="34" charset="0"/>
+            </a:endParaRPr>
+          </a:p>
+        </p:txBody>
+      </p:sp>
+      <p:sp>
+        <p:nvSpPr>
+          <p:cNvPr id="6" name="Date Placeholder 5"/>
+          <p:cNvSpPr>
+            <a:spLocks noGrp="1"/>
+          </p:cNvSpPr>
+          <p:nvPr>
+            <p:ph type="dt" idx="12"/>
+          </p:nvPr>
+        </p:nvSpPr>
+        <p:spPr/>
+        <p:txBody>
+          <a:bodyPr/>
+          <a:lstStyle/>
+          <a:p>
+            <a:fld id="{DCC5E34C-0BEF-42D1-A3A4-98A0EFA3EE0B}" type="datetime8">
+              <a:rPr lang="en-US" smtClean="0"/>
+              <a:t>4/2/2017 2:50 PM</a:t>
             </a:fld>
-            <a:endParaRPr lang="en-GB"/>
+            <a:endParaRPr lang="en-US" dirty="0"/>
+          </a:p>
+        </p:txBody>
+      </p:sp>
+      <p:sp>
+        <p:nvSpPr>
+          <p:cNvPr id="7" name="Slide Number Placeholder 6"/>
+          <p:cNvSpPr>
+            <a:spLocks noGrp="1"/>
+          </p:cNvSpPr>
+          <p:nvPr>
+            <p:ph type="sldNum" sz="quarter" idx="13"/>
+          </p:nvPr>
+        </p:nvSpPr>
+        <p:spPr/>
+        <p:txBody>
+          <a:bodyPr/>
+          <a:lstStyle/>
+          <a:p>
+            <a:fld id="{B4008EB6-D09E-4580-8CD6-DDB14511944F}" type="slidenum">
+              <a:rPr lang="en-US" smtClean="0"/>
+              <a:pPr/>
+              <a:t>4</a:t>
+            </a:fld>
+            <a:endParaRPr lang="en-US" dirty="0"/>
           </a:p>
         </p:txBody>
       </p:sp>
     </p:spTree>
     <p:extLst>
       <p:ext uri="{BB962C8B-B14F-4D97-AF65-F5344CB8AC3E}">
-        <p14:creationId xmlns:p14="http://schemas.microsoft.com/office/powerpoint/2010/main" val="175424909"/>
+        <p14:creationId xmlns:p14="http://schemas.microsoft.com/office/powerpoint/2010/main" val="4278783492"/>
       </p:ext>
     </p:extLst>
   </p:cSld>
@@ -702,7 +848,7 @@
           <a:p>
             <a:fld id="{4E05C90B-F8EE-4FB7-AEE7-9B0B98AB9CDF}" type="datetimeFigureOut">
               <a:rPr lang="en-US" smtClean="0"/>
-              <a:t>3/30/2017</a:t>
+              <a:t>4/2/2017</a:t>
             </a:fld>
             <a:endParaRPr lang="en-US"/>
           </a:p>
@@ -870,7 +1016,7 @@
           <a:p>
             <a:fld id="{4E05C90B-F8EE-4FB7-AEE7-9B0B98AB9CDF}" type="datetimeFigureOut">
               <a:rPr lang="en-US" smtClean="0"/>
-              <a:t>3/30/2017</a:t>
+              <a:t>4/2/2017</a:t>
             </a:fld>
             <a:endParaRPr lang="en-US"/>
           </a:p>
@@ -1048,7 +1194,7 @@
           <a:p>
             <a:fld id="{4E05C90B-F8EE-4FB7-AEE7-9B0B98AB9CDF}" type="datetimeFigureOut">
               <a:rPr lang="en-US" smtClean="0"/>
-              <a:t>3/30/2017</a:t>
+              <a:t>4/2/2017</a:t>
             </a:fld>
             <a:endParaRPr lang="en-US"/>
           </a:p>
@@ -1106,6 +1252,153 @@
   <p:clrMapOvr>
     <a:masterClrMapping/>
   </p:clrMapOvr>
+</p:sldLayout>
+</file>
+
+<file path=ppt/slideLayouts/slideLayout12.xml><?xml version="1.0" encoding="utf-8"?>
+<p:sldLayout xmlns:a="http://schemas.openxmlformats.org/drawingml/2006/main" xmlns:r="http://schemas.openxmlformats.org/officeDocument/2006/relationships" xmlns:p="http://schemas.openxmlformats.org/presentationml/2006/main" userDrawn="1">
+  <p:cSld name="Title &amp; Non-bulleted text">
+    <p:spTree>
+      <p:nvGrpSpPr>
+        <p:cNvPr id="1" name=""/>
+        <p:cNvGrpSpPr/>
+        <p:nvPr/>
+      </p:nvGrpSpPr>
+      <p:grpSpPr>
+        <a:xfrm>
+          <a:off x="0" y="0"/>
+          <a:ext cx="0" cy="0"/>
+          <a:chOff x="0" y="0"/>
+          <a:chExt cx="0" cy="0"/>
+        </a:xfrm>
+      </p:grpSpPr>
+      <p:sp>
+        <p:nvSpPr>
+          <p:cNvPr id="2" name="Title 1"/>
+          <p:cNvSpPr>
+            <a:spLocks noGrp="1"/>
+          </p:cNvSpPr>
+          <p:nvPr>
+            <p:ph type="title"/>
+          </p:nvPr>
+        </p:nvSpPr>
+        <p:spPr/>
+        <p:txBody>
+          <a:bodyPr/>
+          <a:lstStyle/>
+          <a:p>
+            <a:r>
+              <a:rPr lang="en-US"/>
+              <a:t>Click to edit Master title style</a:t>
+            </a:r>
+            <a:endParaRPr lang="en-US" dirty="0"/>
+          </a:p>
+        </p:txBody>
+      </p:sp>
+      <p:sp>
+        <p:nvSpPr>
+          <p:cNvPr id="6" name="Text Placeholder 5"/>
+          <p:cNvSpPr>
+            <a:spLocks noGrp="1"/>
+          </p:cNvSpPr>
+          <p:nvPr>
+            <p:ph type="body" sz="quarter" idx="10"/>
+          </p:nvPr>
+        </p:nvSpPr>
+        <p:spPr>
+          <a:xfrm>
+            <a:off x="269239" y="1189177"/>
+            <a:ext cx="11653523" cy="1985641"/>
+          </a:xfrm>
+        </p:spPr>
+        <p:txBody>
+          <a:bodyPr/>
+          <a:lstStyle>
+            <a:lvl1pPr marL="0" indent="0">
+              <a:buNone/>
+              <a:defRPr>
+                <a:gradFill>
+                  <a:gsLst>
+                    <a:gs pos="1250">
+                      <a:schemeClr val="tx1"/>
+                    </a:gs>
+                    <a:gs pos="99000">
+                      <a:schemeClr val="tx1"/>
+                    </a:gs>
+                  </a:gsLst>
+                  <a:lin ang="5400000" scaled="0"/>
+                </a:gradFill>
+              </a:defRPr>
+            </a:lvl1pPr>
+            <a:lvl2pPr marL="0" indent="0">
+              <a:buFontTx/>
+              <a:buNone/>
+              <a:defRPr sz="1961"/>
+            </a:lvl2pPr>
+            <a:lvl3pPr marL="224097" indent="0">
+              <a:buNone/>
+              <a:defRPr/>
+            </a:lvl3pPr>
+            <a:lvl4pPr marL="448193" indent="0">
+              <a:buNone/>
+              <a:defRPr/>
+            </a:lvl4pPr>
+            <a:lvl5pPr marL="672290" indent="0">
+              <a:buNone/>
+              <a:defRPr/>
+            </a:lvl5pPr>
+          </a:lstStyle>
+          <a:p>
+            <a:pPr lvl="0"/>
+            <a:r>
+              <a:rPr lang="en-US"/>
+              <a:t>Click to edit Master text styles</a:t>
+            </a:r>
+          </a:p>
+          <a:p>
+            <a:pPr lvl="1"/>
+            <a:r>
+              <a:rPr lang="en-US"/>
+              <a:t>Second level</a:t>
+            </a:r>
+          </a:p>
+          <a:p>
+            <a:pPr lvl="2"/>
+            <a:r>
+              <a:rPr lang="en-US"/>
+              <a:t>Third level</a:t>
+            </a:r>
+          </a:p>
+          <a:p>
+            <a:pPr lvl="3"/>
+            <a:r>
+              <a:rPr lang="en-US"/>
+              <a:t>Fourth level</a:t>
+            </a:r>
+          </a:p>
+          <a:p>
+            <a:pPr lvl="4"/>
+            <a:r>
+              <a:rPr lang="en-US"/>
+              <a:t>Fifth level</a:t>
+            </a:r>
+            <a:endParaRPr lang="en-US" dirty="0"/>
+          </a:p>
+        </p:txBody>
+      </p:sp>
+    </p:spTree>
+    <p:extLst>
+      <p:ext uri="{BB962C8B-B14F-4D97-AF65-F5344CB8AC3E}">
+        <p14:creationId xmlns:p14="http://schemas.microsoft.com/office/powerpoint/2010/main" val="3969595751"/>
+      </p:ext>
+    </p:extLst>
+  </p:cSld>
+  <p:clrMapOvr>
+    <a:masterClrMapping/>
+  </p:clrMapOvr>
+  <p:transition>
+    <p:fade/>
+  </p:transition>
 </p:sldLayout>
 </file>
 
@@ -1216,7 +1509,7 @@
           <a:p>
             <a:fld id="{4E05C90B-F8EE-4FB7-AEE7-9B0B98AB9CDF}" type="datetimeFigureOut">
               <a:rPr lang="en-US" smtClean="0"/>
-              <a:t>3/30/2017</a:t>
+              <a:t>4/2/2017</a:t>
             </a:fld>
             <a:endParaRPr lang="en-US"/>
           </a:p>
@@ -1461,7 +1754,7 @@
           <a:p>
             <a:fld id="{4E05C90B-F8EE-4FB7-AEE7-9B0B98AB9CDF}" type="datetimeFigureOut">
               <a:rPr lang="en-US" smtClean="0"/>
-              <a:t>3/30/2017</a:t>
+              <a:t>4/2/2017</a:t>
             </a:fld>
             <a:endParaRPr lang="en-US"/>
           </a:p>
@@ -1690,7 +1983,7 @@
           <a:p>
             <a:fld id="{4E05C90B-F8EE-4FB7-AEE7-9B0B98AB9CDF}" type="datetimeFigureOut">
               <a:rPr lang="en-US" smtClean="0"/>
-              <a:t>3/30/2017</a:t>
+              <a:t>4/2/2017</a:t>
             </a:fld>
             <a:endParaRPr lang="en-US"/>
           </a:p>
@@ -2054,7 +2347,7 @@
           <a:p>
             <a:fld id="{4E05C90B-F8EE-4FB7-AEE7-9B0B98AB9CDF}" type="datetimeFigureOut">
               <a:rPr lang="en-US" smtClean="0"/>
-              <a:t>3/30/2017</a:t>
+              <a:t>4/2/2017</a:t>
             </a:fld>
             <a:endParaRPr lang="en-US"/>
           </a:p>
@@ -2171,7 +2464,7 @@
           <a:p>
             <a:fld id="{4E05C90B-F8EE-4FB7-AEE7-9B0B98AB9CDF}" type="datetimeFigureOut">
               <a:rPr lang="en-US" smtClean="0"/>
-              <a:t>3/30/2017</a:t>
+              <a:t>4/2/2017</a:t>
             </a:fld>
             <a:endParaRPr lang="en-US"/>
           </a:p>
@@ -2266,7 +2559,7 @@
           <a:p>
             <a:fld id="{4E05C90B-F8EE-4FB7-AEE7-9B0B98AB9CDF}" type="datetimeFigureOut">
               <a:rPr lang="en-US" smtClean="0"/>
-              <a:t>3/30/2017</a:t>
+              <a:t>4/2/2017</a:t>
             </a:fld>
             <a:endParaRPr lang="en-US"/>
           </a:p>
@@ -2541,7 +2834,7 @@
           <a:p>
             <a:fld id="{4E05C90B-F8EE-4FB7-AEE7-9B0B98AB9CDF}" type="datetimeFigureOut">
               <a:rPr lang="en-US" smtClean="0"/>
-              <a:t>3/30/2017</a:t>
+              <a:t>4/2/2017</a:t>
             </a:fld>
             <a:endParaRPr lang="en-US"/>
           </a:p>
@@ -2793,7 +3086,7 @@
           <a:p>
             <a:fld id="{4E05C90B-F8EE-4FB7-AEE7-9B0B98AB9CDF}" type="datetimeFigureOut">
               <a:rPr lang="en-US" smtClean="0"/>
-              <a:t>3/30/2017</a:t>
+              <a:t>4/2/2017</a:t>
             </a:fld>
             <a:endParaRPr lang="en-US"/>
           </a:p>
@@ -3004,7 +3297,7 @@
           <a:p>
             <a:fld id="{4E05C90B-F8EE-4FB7-AEE7-9B0B98AB9CDF}" type="datetimeFigureOut">
               <a:rPr lang="en-US" smtClean="0"/>
-              <a:t>3/30/2017</a:t>
+              <a:t>4/2/2017</a:t>
             </a:fld>
             <a:endParaRPr lang="en-US"/>
           </a:p>
@@ -3108,6 +3401,7 @@
     <p:sldLayoutId id="2147483657" r:id="rId9"/>
     <p:sldLayoutId id="2147483658" r:id="rId10"/>
     <p:sldLayoutId id="2147483659" r:id="rId11"/>
+    <p:sldLayoutId id="2147483660" r:id="rId12"/>
   </p:sldLayoutIdLst>
   <p:txStyles>
     <p:titleStyle>
@@ -3489,6 +3783,2545 @@
 </p:sld>
 </file>
 
+<file path=ppt/slides/slide10.xml><?xml version="1.0" encoding="utf-8"?>
+<p:sld xmlns:a="http://schemas.openxmlformats.org/drawingml/2006/main" xmlns:r="http://schemas.openxmlformats.org/officeDocument/2006/relationships" xmlns:p="http://schemas.openxmlformats.org/presentationml/2006/main">
+  <p:cSld>
+    <p:spTree>
+      <p:nvGrpSpPr>
+        <p:cNvPr id="1" name=""/>
+        <p:cNvGrpSpPr/>
+        <p:nvPr/>
+      </p:nvGrpSpPr>
+      <p:grpSpPr>
+        <a:xfrm>
+          <a:off x="0" y="0"/>
+          <a:ext cx="0" cy="0"/>
+          <a:chOff x="0" y="0"/>
+          <a:chExt cx="0" cy="0"/>
+        </a:xfrm>
+      </p:grpSpPr>
+      <p:sp>
+        <p:nvSpPr>
+          <p:cNvPr id="2" name="Title 1"/>
+          <p:cNvSpPr>
+            <a:spLocks noGrp="1"/>
+          </p:cNvSpPr>
+          <p:nvPr>
+            <p:ph type="title"/>
+          </p:nvPr>
+        </p:nvSpPr>
+        <p:spPr/>
+        <p:txBody>
+          <a:bodyPr>
+            <a:noAutofit/>
+          </a:bodyPr>
+          <a:lstStyle/>
+          <a:p>
+            <a:r>
+              <a:rPr lang="en-US" sz="4000" dirty="0"/>
+              <a:t>Systematic testing as a search problem</a:t>
+            </a:r>
+          </a:p>
+        </p:txBody>
+      </p:sp>
+      <p:grpSp>
+        <p:nvGrpSpPr>
+          <p:cNvPr id="7" name="Group 6"/>
+          <p:cNvGrpSpPr/>
+          <p:nvPr/>
+        </p:nvGrpSpPr>
+        <p:grpSpPr>
+          <a:xfrm>
+            <a:off x="2347935" y="2143015"/>
+            <a:ext cx="7661434" cy="2504868"/>
+            <a:chOff x="506176" y="124273"/>
+            <a:chExt cx="7231540" cy="1973104"/>
+          </a:xfrm>
+        </p:grpSpPr>
+        <p:sp>
+          <p:nvSpPr>
+            <p:cNvPr id="8" name="Oval 7"/>
+            <p:cNvSpPr/>
+            <p:nvPr/>
+          </p:nvSpPr>
+          <p:spPr>
+            <a:xfrm>
+              <a:off x="3871986" y="124273"/>
+              <a:ext cx="479081" cy="432156"/>
+            </a:xfrm>
+            <a:prstGeom prst="ellipse">
+              <a:avLst/>
+            </a:prstGeom>
+            <a:noFill/>
+            <a:ln w="25400">
+              <a:solidFill>
+                <a:schemeClr val="tx1"/>
+              </a:solidFill>
+            </a:ln>
+          </p:spPr>
+          <p:style>
+            <a:lnRef idx="2">
+              <a:schemeClr val="accent1">
+                <a:shade val="50000"/>
+              </a:schemeClr>
+            </a:lnRef>
+            <a:fillRef idx="1">
+              <a:schemeClr val="accent1"/>
+            </a:fillRef>
+            <a:effectRef idx="0">
+              <a:schemeClr val="accent1"/>
+            </a:effectRef>
+            <a:fontRef idx="minor">
+              <a:schemeClr val="lt1"/>
+            </a:fontRef>
+          </p:style>
+          <p:txBody>
+            <a:bodyPr rtlCol="0" anchor="ctr"/>
+            <a:lstStyle/>
+            <a:p>
+              <a:pPr algn="ctr"/>
+              <a:endParaRPr lang="en-US" sz="962"/>
+            </a:p>
+          </p:txBody>
+        </p:sp>
+        <p:sp>
+          <p:nvSpPr>
+            <p:cNvPr id="9" name="Oval 8"/>
+            <p:cNvSpPr/>
+            <p:nvPr/>
+          </p:nvSpPr>
+          <p:spPr>
+            <a:xfrm>
+              <a:off x="3875167" y="877098"/>
+              <a:ext cx="479081" cy="432156"/>
+            </a:xfrm>
+            <a:prstGeom prst="ellipse">
+              <a:avLst/>
+            </a:prstGeom>
+            <a:noFill/>
+            <a:ln w="25400">
+              <a:solidFill>
+                <a:schemeClr val="tx1"/>
+              </a:solidFill>
+            </a:ln>
+          </p:spPr>
+          <p:style>
+            <a:lnRef idx="2">
+              <a:schemeClr val="accent1">
+                <a:shade val="50000"/>
+              </a:schemeClr>
+            </a:lnRef>
+            <a:fillRef idx="1">
+              <a:schemeClr val="accent1"/>
+            </a:fillRef>
+            <a:effectRef idx="0">
+              <a:schemeClr val="accent1"/>
+            </a:effectRef>
+            <a:fontRef idx="minor">
+              <a:schemeClr val="lt1"/>
+            </a:fontRef>
+          </p:style>
+          <p:txBody>
+            <a:bodyPr rtlCol="0" anchor="ctr"/>
+            <a:lstStyle/>
+            <a:p>
+              <a:pPr algn="ctr"/>
+              <a:endParaRPr lang="en-US" sz="962"/>
+            </a:p>
+          </p:txBody>
+        </p:sp>
+        <p:sp>
+          <p:nvSpPr>
+            <p:cNvPr id="10" name="Oval 9"/>
+            <p:cNvSpPr/>
+            <p:nvPr/>
+          </p:nvSpPr>
+          <p:spPr>
+            <a:xfrm>
+              <a:off x="6429106" y="877098"/>
+              <a:ext cx="479081" cy="432156"/>
+            </a:xfrm>
+            <a:prstGeom prst="ellipse">
+              <a:avLst/>
+            </a:prstGeom>
+            <a:noFill/>
+            <a:ln w="25400">
+              <a:solidFill>
+                <a:schemeClr val="tx1"/>
+              </a:solidFill>
+            </a:ln>
+          </p:spPr>
+          <p:style>
+            <a:lnRef idx="2">
+              <a:schemeClr val="accent1">
+                <a:shade val="50000"/>
+              </a:schemeClr>
+            </a:lnRef>
+            <a:fillRef idx="1">
+              <a:schemeClr val="accent1"/>
+            </a:fillRef>
+            <a:effectRef idx="0">
+              <a:schemeClr val="accent1"/>
+            </a:effectRef>
+            <a:fontRef idx="minor">
+              <a:schemeClr val="lt1"/>
+            </a:fontRef>
+          </p:style>
+          <p:txBody>
+            <a:bodyPr rtlCol="0" anchor="ctr"/>
+            <a:lstStyle/>
+            <a:p>
+              <a:pPr algn="ctr"/>
+              <a:endParaRPr lang="en-US" sz="962"/>
+            </a:p>
+          </p:txBody>
+        </p:sp>
+        <p:sp>
+          <p:nvSpPr>
+            <p:cNvPr id="11" name="Oval 10"/>
+            <p:cNvSpPr/>
+            <p:nvPr/>
+          </p:nvSpPr>
+          <p:spPr>
+            <a:xfrm>
+              <a:off x="1321227" y="877098"/>
+              <a:ext cx="479081" cy="432156"/>
+            </a:xfrm>
+            <a:prstGeom prst="ellipse">
+              <a:avLst/>
+            </a:prstGeom>
+            <a:noFill/>
+            <a:ln w="25400">
+              <a:solidFill>
+                <a:schemeClr val="tx1"/>
+              </a:solidFill>
+            </a:ln>
+          </p:spPr>
+          <p:style>
+            <a:lnRef idx="2">
+              <a:schemeClr val="accent1">
+                <a:shade val="50000"/>
+              </a:schemeClr>
+            </a:lnRef>
+            <a:fillRef idx="1">
+              <a:schemeClr val="accent1"/>
+            </a:fillRef>
+            <a:effectRef idx="0">
+              <a:schemeClr val="accent1"/>
+            </a:effectRef>
+            <a:fontRef idx="minor">
+              <a:schemeClr val="lt1"/>
+            </a:fontRef>
+          </p:style>
+          <p:txBody>
+            <a:bodyPr rtlCol="0" anchor="ctr"/>
+            <a:lstStyle/>
+            <a:p>
+              <a:pPr algn="ctr"/>
+              <a:endParaRPr lang="en-US" sz="962"/>
+            </a:p>
+          </p:txBody>
+        </p:sp>
+        <p:sp>
+          <p:nvSpPr>
+            <p:cNvPr id="12" name="Oval 11"/>
+            <p:cNvSpPr/>
+            <p:nvPr/>
+          </p:nvSpPr>
+          <p:spPr>
+            <a:xfrm>
+              <a:off x="3879062" y="1656650"/>
+              <a:ext cx="479081" cy="432156"/>
+            </a:xfrm>
+            <a:prstGeom prst="ellipse">
+              <a:avLst/>
+            </a:prstGeom>
+            <a:noFill/>
+            <a:ln w="25400">
+              <a:solidFill>
+                <a:schemeClr val="tx1"/>
+              </a:solidFill>
+            </a:ln>
+          </p:spPr>
+          <p:style>
+            <a:lnRef idx="2">
+              <a:schemeClr val="accent1">
+                <a:shade val="50000"/>
+              </a:schemeClr>
+            </a:lnRef>
+            <a:fillRef idx="1">
+              <a:schemeClr val="accent1"/>
+            </a:fillRef>
+            <a:effectRef idx="0">
+              <a:schemeClr val="accent1"/>
+            </a:effectRef>
+            <a:fontRef idx="minor">
+              <a:schemeClr val="lt1"/>
+            </a:fontRef>
+          </p:style>
+          <p:txBody>
+            <a:bodyPr rtlCol="0" anchor="ctr"/>
+            <a:lstStyle/>
+            <a:p>
+              <a:pPr algn="ctr"/>
+              <a:endParaRPr lang="en-US" sz="962"/>
+            </a:p>
+          </p:txBody>
+        </p:sp>
+        <p:sp>
+          <p:nvSpPr>
+            <p:cNvPr id="13" name="Oval 12"/>
+            <p:cNvSpPr/>
+            <p:nvPr/>
+          </p:nvSpPr>
+          <p:spPr>
+            <a:xfrm>
+              <a:off x="6439568" y="1656650"/>
+              <a:ext cx="479081" cy="432156"/>
+            </a:xfrm>
+            <a:prstGeom prst="ellipse">
+              <a:avLst/>
+            </a:prstGeom>
+            <a:noFill/>
+            <a:ln w="25400">
+              <a:solidFill>
+                <a:schemeClr val="tx1"/>
+              </a:solidFill>
+            </a:ln>
+          </p:spPr>
+          <p:style>
+            <a:lnRef idx="2">
+              <a:schemeClr val="accent1">
+                <a:shade val="50000"/>
+              </a:schemeClr>
+            </a:lnRef>
+            <a:fillRef idx="1">
+              <a:schemeClr val="accent1"/>
+            </a:fillRef>
+            <a:effectRef idx="0">
+              <a:schemeClr val="accent1"/>
+            </a:effectRef>
+            <a:fontRef idx="minor">
+              <a:schemeClr val="lt1"/>
+            </a:fontRef>
+          </p:style>
+          <p:txBody>
+            <a:bodyPr rtlCol="0" anchor="ctr"/>
+            <a:lstStyle/>
+            <a:p>
+              <a:pPr algn="ctr"/>
+              <a:endParaRPr lang="en-US" sz="962"/>
+            </a:p>
+          </p:txBody>
+        </p:sp>
+        <p:sp>
+          <p:nvSpPr>
+            <p:cNvPr id="14" name="Oval 13"/>
+            <p:cNvSpPr/>
+            <p:nvPr/>
+          </p:nvSpPr>
+          <p:spPr>
+            <a:xfrm>
+              <a:off x="1323042" y="1656650"/>
+              <a:ext cx="479081" cy="432156"/>
+            </a:xfrm>
+            <a:prstGeom prst="ellipse">
+              <a:avLst/>
+            </a:prstGeom>
+            <a:noFill/>
+            <a:ln w="25400">
+              <a:solidFill>
+                <a:schemeClr val="tx1"/>
+              </a:solidFill>
+            </a:ln>
+          </p:spPr>
+          <p:style>
+            <a:lnRef idx="2">
+              <a:schemeClr val="accent1">
+                <a:shade val="50000"/>
+              </a:schemeClr>
+            </a:lnRef>
+            <a:fillRef idx="1">
+              <a:schemeClr val="accent1"/>
+            </a:fillRef>
+            <a:effectRef idx="0">
+              <a:schemeClr val="accent1"/>
+            </a:effectRef>
+            <a:fontRef idx="minor">
+              <a:schemeClr val="lt1"/>
+            </a:fontRef>
+          </p:style>
+          <p:txBody>
+            <a:bodyPr rtlCol="0" anchor="ctr"/>
+            <a:lstStyle/>
+            <a:p>
+              <a:pPr algn="ctr"/>
+              <a:endParaRPr lang="en-US" sz="962"/>
+            </a:p>
+          </p:txBody>
+        </p:sp>
+        <p:sp>
+          <p:nvSpPr>
+            <p:cNvPr id="15" name="Oval 14"/>
+            <p:cNvSpPr/>
+            <p:nvPr/>
+          </p:nvSpPr>
+          <p:spPr>
+            <a:xfrm>
+              <a:off x="3092833" y="1656650"/>
+              <a:ext cx="479081" cy="432156"/>
+            </a:xfrm>
+            <a:prstGeom prst="ellipse">
+              <a:avLst/>
+            </a:prstGeom>
+            <a:noFill/>
+            <a:ln w="25400">
+              <a:solidFill>
+                <a:schemeClr val="tx1"/>
+              </a:solidFill>
+            </a:ln>
+          </p:spPr>
+          <p:style>
+            <a:lnRef idx="2">
+              <a:schemeClr val="accent1">
+                <a:shade val="50000"/>
+              </a:schemeClr>
+            </a:lnRef>
+            <a:fillRef idx="1">
+              <a:schemeClr val="accent1"/>
+            </a:fillRef>
+            <a:effectRef idx="0">
+              <a:schemeClr val="accent1"/>
+            </a:effectRef>
+            <a:fontRef idx="minor">
+              <a:schemeClr val="lt1"/>
+            </a:fontRef>
+          </p:style>
+          <p:txBody>
+            <a:bodyPr rtlCol="0" anchor="ctr"/>
+            <a:lstStyle/>
+            <a:p>
+              <a:pPr algn="ctr"/>
+              <a:endParaRPr lang="en-US" sz="962"/>
+            </a:p>
+          </p:txBody>
+        </p:sp>
+        <p:sp>
+          <p:nvSpPr>
+            <p:cNvPr id="16" name="Oval 15"/>
+            <p:cNvSpPr/>
+            <p:nvPr/>
+          </p:nvSpPr>
+          <p:spPr>
+            <a:xfrm>
+              <a:off x="5646771" y="1656650"/>
+              <a:ext cx="479081" cy="432156"/>
+            </a:xfrm>
+            <a:prstGeom prst="ellipse">
+              <a:avLst/>
+            </a:prstGeom>
+            <a:noFill/>
+            <a:ln w="25400">
+              <a:solidFill>
+                <a:schemeClr val="tx1"/>
+              </a:solidFill>
+            </a:ln>
+          </p:spPr>
+          <p:style>
+            <a:lnRef idx="2">
+              <a:schemeClr val="accent1">
+                <a:shade val="50000"/>
+              </a:schemeClr>
+            </a:lnRef>
+            <a:fillRef idx="1">
+              <a:schemeClr val="accent1"/>
+            </a:fillRef>
+            <a:effectRef idx="0">
+              <a:schemeClr val="accent1"/>
+            </a:effectRef>
+            <a:fontRef idx="minor">
+              <a:schemeClr val="lt1"/>
+            </a:fontRef>
+          </p:style>
+          <p:txBody>
+            <a:bodyPr rtlCol="0" anchor="ctr"/>
+            <a:lstStyle/>
+            <a:p>
+              <a:pPr algn="ctr"/>
+              <a:endParaRPr lang="en-US" sz="962"/>
+            </a:p>
+          </p:txBody>
+        </p:sp>
+        <p:sp>
+          <p:nvSpPr>
+            <p:cNvPr id="17" name="Oval 16"/>
+            <p:cNvSpPr/>
+            <p:nvPr/>
+          </p:nvSpPr>
+          <p:spPr>
+            <a:xfrm>
+              <a:off x="517110" y="1656650"/>
+              <a:ext cx="479081" cy="432156"/>
+            </a:xfrm>
+            <a:prstGeom prst="ellipse">
+              <a:avLst/>
+            </a:prstGeom>
+            <a:noFill/>
+            <a:ln w="25400">
+              <a:solidFill>
+                <a:schemeClr val="tx1"/>
+              </a:solidFill>
+            </a:ln>
+          </p:spPr>
+          <p:style>
+            <a:lnRef idx="2">
+              <a:schemeClr val="accent1">
+                <a:shade val="50000"/>
+              </a:schemeClr>
+            </a:lnRef>
+            <a:fillRef idx="1">
+              <a:schemeClr val="accent1"/>
+            </a:fillRef>
+            <a:effectRef idx="0">
+              <a:schemeClr val="accent1"/>
+            </a:effectRef>
+            <a:fontRef idx="minor">
+              <a:schemeClr val="lt1"/>
+            </a:fontRef>
+          </p:style>
+          <p:txBody>
+            <a:bodyPr rtlCol="0" anchor="ctr"/>
+            <a:lstStyle/>
+            <a:p>
+              <a:pPr algn="ctr"/>
+              <a:endParaRPr lang="en-US" sz="962"/>
+            </a:p>
+          </p:txBody>
+        </p:sp>
+        <p:sp>
+          <p:nvSpPr>
+            <p:cNvPr id="18" name="Oval 17"/>
+            <p:cNvSpPr/>
+            <p:nvPr/>
+          </p:nvSpPr>
+          <p:spPr>
+            <a:xfrm>
+              <a:off x="4724652" y="1665221"/>
+              <a:ext cx="479081" cy="432156"/>
+            </a:xfrm>
+            <a:prstGeom prst="ellipse">
+              <a:avLst/>
+            </a:prstGeom>
+            <a:noFill/>
+            <a:ln w="25400">
+              <a:solidFill>
+                <a:schemeClr val="tx1"/>
+              </a:solidFill>
+            </a:ln>
+          </p:spPr>
+          <p:style>
+            <a:lnRef idx="2">
+              <a:schemeClr val="accent1">
+                <a:shade val="50000"/>
+              </a:schemeClr>
+            </a:lnRef>
+            <a:fillRef idx="1">
+              <a:schemeClr val="accent1"/>
+            </a:fillRef>
+            <a:effectRef idx="0">
+              <a:schemeClr val="accent1"/>
+            </a:effectRef>
+            <a:fontRef idx="minor">
+              <a:schemeClr val="lt1"/>
+            </a:fontRef>
+          </p:style>
+          <p:txBody>
+            <a:bodyPr rtlCol="0" anchor="ctr"/>
+            <a:lstStyle/>
+            <a:p>
+              <a:pPr algn="ctr"/>
+              <a:endParaRPr lang="en-US" sz="962"/>
+            </a:p>
+          </p:txBody>
+        </p:sp>
+        <p:sp>
+          <p:nvSpPr>
+            <p:cNvPr id="19" name="Oval 18"/>
+            <p:cNvSpPr/>
+            <p:nvPr/>
+          </p:nvSpPr>
+          <p:spPr>
+            <a:xfrm>
+              <a:off x="7258635" y="1656650"/>
+              <a:ext cx="479081" cy="432156"/>
+            </a:xfrm>
+            <a:prstGeom prst="ellipse">
+              <a:avLst/>
+            </a:prstGeom>
+            <a:noFill/>
+            <a:ln w="25400">
+              <a:solidFill>
+                <a:schemeClr val="tx1"/>
+              </a:solidFill>
+            </a:ln>
+          </p:spPr>
+          <p:style>
+            <a:lnRef idx="2">
+              <a:schemeClr val="accent1">
+                <a:shade val="50000"/>
+              </a:schemeClr>
+            </a:lnRef>
+            <a:fillRef idx="1">
+              <a:schemeClr val="accent1"/>
+            </a:fillRef>
+            <a:effectRef idx="0">
+              <a:schemeClr val="accent1"/>
+            </a:effectRef>
+            <a:fontRef idx="minor">
+              <a:schemeClr val="lt1"/>
+            </a:fontRef>
+          </p:style>
+          <p:txBody>
+            <a:bodyPr rtlCol="0" anchor="ctr"/>
+            <a:lstStyle/>
+            <a:p>
+              <a:pPr algn="ctr"/>
+              <a:endParaRPr lang="en-US" sz="962"/>
+            </a:p>
+          </p:txBody>
+        </p:sp>
+        <p:sp>
+          <p:nvSpPr>
+            <p:cNvPr id="20" name="Oval 19"/>
+            <p:cNvSpPr/>
+            <p:nvPr/>
+          </p:nvSpPr>
+          <p:spPr>
+            <a:xfrm>
+              <a:off x="2128974" y="1656650"/>
+              <a:ext cx="479081" cy="432156"/>
+            </a:xfrm>
+            <a:prstGeom prst="ellipse">
+              <a:avLst/>
+            </a:prstGeom>
+            <a:noFill/>
+            <a:ln w="25400">
+              <a:solidFill>
+                <a:schemeClr val="tx1"/>
+              </a:solidFill>
+            </a:ln>
+          </p:spPr>
+          <p:style>
+            <a:lnRef idx="2">
+              <a:schemeClr val="accent1">
+                <a:shade val="50000"/>
+              </a:schemeClr>
+            </a:lnRef>
+            <a:fillRef idx="1">
+              <a:schemeClr val="accent1"/>
+            </a:fillRef>
+            <a:effectRef idx="0">
+              <a:schemeClr val="accent1"/>
+            </a:effectRef>
+            <a:fontRef idx="minor">
+              <a:schemeClr val="lt1"/>
+            </a:fontRef>
+          </p:style>
+          <p:txBody>
+            <a:bodyPr rtlCol="0" anchor="ctr"/>
+            <a:lstStyle/>
+            <a:p>
+              <a:pPr algn="ctr"/>
+              <a:endParaRPr lang="en-US" sz="962"/>
+            </a:p>
+          </p:txBody>
+        </p:sp>
+        <p:cxnSp>
+          <p:nvCxnSpPr>
+            <p:cNvPr id="21" name="Straight Arrow Connector 20"/>
+            <p:cNvCxnSpPr>
+              <a:stCxn id="8" idx="3"/>
+              <a:endCxn id="11" idx="7"/>
+            </p:cNvCxnSpPr>
+            <p:nvPr/>
+          </p:nvCxnSpPr>
+          <p:spPr>
+            <a:xfrm flipH="1">
+              <a:off x="1730148" y="493141"/>
+              <a:ext cx="2211998" cy="447245"/>
+            </a:xfrm>
+            <a:prstGeom prst="straightConnector1">
+              <a:avLst/>
+            </a:prstGeom>
+            <a:ln w="19050">
+              <a:solidFill>
+                <a:schemeClr val="tx1"/>
+              </a:solidFill>
+              <a:tailEnd type="triangle"/>
+            </a:ln>
+          </p:spPr>
+          <p:style>
+            <a:lnRef idx="1">
+              <a:schemeClr val="accent1"/>
+            </a:lnRef>
+            <a:fillRef idx="0">
+              <a:schemeClr val="accent1"/>
+            </a:fillRef>
+            <a:effectRef idx="0">
+              <a:schemeClr val="accent1"/>
+            </a:effectRef>
+            <a:fontRef idx="minor">
+              <a:schemeClr val="tx1"/>
+            </a:fontRef>
+          </p:style>
+        </p:cxnSp>
+        <p:cxnSp>
+          <p:nvCxnSpPr>
+            <p:cNvPr id="22" name="Straight Arrow Connector 21"/>
+            <p:cNvCxnSpPr>
+              <a:stCxn id="8" idx="4"/>
+              <a:endCxn id="9" idx="0"/>
+            </p:cNvCxnSpPr>
+            <p:nvPr/>
+          </p:nvCxnSpPr>
+          <p:spPr>
+            <a:xfrm>
+              <a:off x="4111527" y="556429"/>
+              <a:ext cx="3180" cy="320669"/>
+            </a:xfrm>
+            <a:prstGeom prst="straightConnector1">
+              <a:avLst/>
+            </a:prstGeom>
+            <a:ln w="19050">
+              <a:solidFill>
+                <a:schemeClr val="tx1"/>
+              </a:solidFill>
+              <a:tailEnd type="triangle"/>
+            </a:ln>
+          </p:spPr>
+          <p:style>
+            <a:lnRef idx="1">
+              <a:schemeClr val="accent1"/>
+            </a:lnRef>
+            <a:fillRef idx="0">
+              <a:schemeClr val="accent1"/>
+            </a:fillRef>
+            <a:effectRef idx="0">
+              <a:schemeClr val="accent1"/>
+            </a:effectRef>
+            <a:fontRef idx="minor">
+              <a:schemeClr val="tx1"/>
+            </a:fontRef>
+          </p:style>
+        </p:cxnSp>
+        <p:cxnSp>
+          <p:nvCxnSpPr>
+            <p:cNvPr id="23" name="Straight Arrow Connector 22"/>
+            <p:cNvCxnSpPr>
+              <a:stCxn id="8" idx="5"/>
+              <a:endCxn id="10" idx="1"/>
+            </p:cNvCxnSpPr>
+            <p:nvPr/>
+          </p:nvCxnSpPr>
+          <p:spPr>
+            <a:xfrm>
+              <a:off x="4280907" y="493141"/>
+              <a:ext cx="2218359" cy="447245"/>
+            </a:xfrm>
+            <a:prstGeom prst="straightConnector1">
+              <a:avLst/>
+            </a:prstGeom>
+            <a:ln w="19050">
+              <a:solidFill>
+                <a:schemeClr val="tx1"/>
+              </a:solidFill>
+              <a:tailEnd type="triangle"/>
+            </a:ln>
+          </p:spPr>
+          <p:style>
+            <a:lnRef idx="1">
+              <a:schemeClr val="accent1"/>
+            </a:lnRef>
+            <a:fillRef idx="0">
+              <a:schemeClr val="accent1"/>
+            </a:fillRef>
+            <a:effectRef idx="0">
+              <a:schemeClr val="accent1"/>
+            </a:effectRef>
+            <a:fontRef idx="minor">
+              <a:schemeClr val="tx1"/>
+            </a:fontRef>
+          </p:style>
+        </p:cxnSp>
+        <p:cxnSp>
+          <p:nvCxnSpPr>
+            <p:cNvPr id="24" name="Straight Arrow Connector 23"/>
+            <p:cNvCxnSpPr>
+              <a:stCxn id="11" idx="3"/>
+              <a:endCxn id="17" idx="0"/>
+            </p:cNvCxnSpPr>
+            <p:nvPr/>
+          </p:nvCxnSpPr>
+          <p:spPr>
+            <a:xfrm flipH="1">
+              <a:off x="756650" y="1245967"/>
+              <a:ext cx="634737" cy="410683"/>
+            </a:xfrm>
+            <a:prstGeom prst="straightConnector1">
+              <a:avLst/>
+            </a:prstGeom>
+            <a:ln w="19050">
+              <a:solidFill>
+                <a:schemeClr val="tx1"/>
+              </a:solidFill>
+              <a:tailEnd type="triangle"/>
+            </a:ln>
+          </p:spPr>
+          <p:style>
+            <a:lnRef idx="1">
+              <a:schemeClr val="accent1"/>
+            </a:lnRef>
+            <a:fillRef idx="0">
+              <a:schemeClr val="accent1"/>
+            </a:fillRef>
+            <a:effectRef idx="0">
+              <a:schemeClr val="accent1"/>
+            </a:effectRef>
+            <a:fontRef idx="minor">
+              <a:schemeClr val="tx1"/>
+            </a:fontRef>
+          </p:style>
+        </p:cxnSp>
+        <p:cxnSp>
+          <p:nvCxnSpPr>
+            <p:cNvPr id="25" name="Straight Arrow Connector 24"/>
+            <p:cNvCxnSpPr>
+              <a:stCxn id="11" idx="4"/>
+              <a:endCxn id="14" idx="0"/>
+            </p:cNvCxnSpPr>
+            <p:nvPr/>
+          </p:nvCxnSpPr>
+          <p:spPr>
+            <a:xfrm>
+              <a:off x="1560768" y="1309255"/>
+              <a:ext cx="1815" cy="347395"/>
+            </a:xfrm>
+            <a:prstGeom prst="straightConnector1">
+              <a:avLst/>
+            </a:prstGeom>
+            <a:ln w="19050">
+              <a:solidFill>
+                <a:schemeClr val="tx1"/>
+              </a:solidFill>
+              <a:tailEnd type="triangle"/>
+            </a:ln>
+          </p:spPr>
+          <p:style>
+            <a:lnRef idx="1">
+              <a:schemeClr val="accent1"/>
+            </a:lnRef>
+            <a:fillRef idx="0">
+              <a:schemeClr val="accent1"/>
+            </a:fillRef>
+            <a:effectRef idx="0">
+              <a:schemeClr val="accent1"/>
+            </a:effectRef>
+            <a:fontRef idx="minor">
+              <a:schemeClr val="tx1"/>
+            </a:fontRef>
+          </p:style>
+        </p:cxnSp>
+        <p:cxnSp>
+          <p:nvCxnSpPr>
+            <p:cNvPr id="26" name="Straight Arrow Connector 25"/>
+            <p:cNvCxnSpPr>
+              <a:stCxn id="11" idx="5"/>
+              <a:endCxn id="20" idx="0"/>
+            </p:cNvCxnSpPr>
+            <p:nvPr/>
+          </p:nvCxnSpPr>
+          <p:spPr>
+            <a:xfrm>
+              <a:off x="1730148" y="1245967"/>
+              <a:ext cx="638366" cy="410683"/>
+            </a:xfrm>
+            <a:prstGeom prst="straightConnector1">
+              <a:avLst/>
+            </a:prstGeom>
+            <a:ln w="19050">
+              <a:solidFill>
+                <a:schemeClr val="tx1"/>
+              </a:solidFill>
+              <a:tailEnd type="triangle"/>
+            </a:ln>
+          </p:spPr>
+          <p:style>
+            <a:lnRef idx="1">
+              <a:schemeClr val="accent1"/>
+            </a:lnRef>
+            <a:fillRef idx="0">
+              <a:schemeClr val="accent1"/>
+            </a:fillRef>
+            <a:effectRef idx="0">
+              <a:schemeClr val="accent1"/>
+            </a:effectRef>
+            <a:fontRef idx="minor">
+              <a:schemeClr val="tx1"/>
+            </a:fontRef>
+          </p:style>
+        </p:cxnSp>
+        <p:cxnSp>
+          <p:nvCxnSpPr>
+            <p:cNvPr id="27" name="Straight Arrow Connector 26"/>
+            <p:cNvCxnSpPr>
+              <a:stCxn id="9" idx="3"/>
+              <a:endCxn id="15" idx="0"/>
+            </p:cNvCxnSpPr>
+            <p:nvPr/>
+          </p:nvCxnSpPr>
+          <p:spPr>
+            <a:xfrm flipH="1">
+              <a:off x="3332373" y="1245967"/>
+              <a:ext cx="612953" cy="410683"/>
+            </a:xfrm>
+            <a:prstGeom prst="straightConnector1">
+              <a:avLst/>
+            </a:prstGeom>
+            <a:ln w="19050">
+              <a:solidFill>
+                <a:schemeClr val="tx1"/>
+              </a:solidFill>
+              <a:tailEnd type="triangle"/>
+            </a:ln>
+          </p:spPr>
+          <p:style>
+            <a:lnRef idx="1">
+              <a:schemeClr val="accent1"/>
+            </a:lnRef>
+            <a:fillRef idx="0">
+              <a:schemeClr val="accent1"/>
+            </a:fillRef>
+            <a:effectRef idx="0">
+              <a:schemeClr val="accent1"/>
+            </a:effectRef>
+            <a:fontRef idx="minor">
+              <a:schemeClr val="tx1"/>
+            </a:fontRef>
+          </p:style>
+        </p:cxnSp>
+        <p:cxnSp>
+          <p:nvCxnSpPr>
+            <p:cNvPr id="28" name="Straight Arrow Connector 27"/>
+            <p:cNvCxnSpPr>
+              <a:stCxn id="9" idx="4"/>
+              <a:endCxn id="12" idx="0"/>
+            </p:cNvCxnSpPr>
+            <p:nvPr/>
+          </p:nvCxnSpPr>
+          <p:spPr>
+            <a:xfrm>
+              <a:off x="4114707" y="1309255"/>
+              <a:ext cx="3895" cy="347395"/>
+            </a:xfrm>
+            <a:prstGeom prst="straightConnector1">
+              <a:avLst/>
+            </a:prstGeom>
+            <a:ln w="19050">
+              <a:solidFill>
+                <a:schemeClr val="tx1"/>
+              </a:solidFill>
+              <a:tailEnd type="triangle"/>
+            </a:ln>
+          </p:spPr>
+          <p:style>
+            <a:lnRef idx="1">
+              <a:schemeClr val="accent1"/>
+            </a:lnRef>
+            <a:fillRef idx="0">
+              <a:schemeClr val="accent1"/>
+            </a:fillRef>
+            <a:effectRef idx="0">
+              <a:schemeClr val="accent1"/>
+            </a:effectRef>
+            <a:fontRef idx="minor">
+              <a:schemeClr val="tx1"/>
+            </a:fontRef>
+          </p:style>
+        </p:cxnSp>
+        <p:cxnSp>
+          <p:nvCxnSpPr>
+            <p:cNvPr id="29" name="Straight Arrow Connector 28"/>
+            <p:cNvCxnSpPr>
+              <a:stCxn id="9" idx="5"/>
+              <a:endCxn id="18" idx="0"/>
+            </p:cNvCxnSpPr>
+            <p:nvPr/>
+          </p:nvCxnSpPr>
+          <p:spPr>
+            <a:xfrm>
+              <a:off x="4284088" y="1245967"/>
+              <a:ext cx="680105" cy="419254"/>
+            </a:xfrm>
+            <a:prstGeom prst="straightConnector1">
+              <a:avLst/>
+            </a:prstGeom>
+            <a:ln w="19050">
+              <a:solidFill>
+                <a:schemeClr val="tx1"/>
+              </a:solidFill>
+              <a:tailEnd type="triangle"/>
+            </a:ln>
+          </p:spPr>
+          <p:style>
+            <a:lnRef idx="1">
+              <a:schemeClr val="accent1"/>
+            </a:lnRef>
+            <a:fillRef idx="0">
+              <a:schemeClr val="accent1"/>
+            </a:fillRef>
+            <a:effectRef idx="0">
+              <a:schemeClr val="accent1"/>
+            </a:effectRef>
+            <a:fontRef idx="minor">
+              <a:schemeClr val="tx1"/>
+            </a:fontRef>
+          </p:style>
+        </p:cxnSp>
+        <p:cxnSp>
+          <p:nvCxnSpPr>
+            <p:cNvPr id="30" name="Straight Arrow Connector 29"/>
+            <p:cNvCxnSpPr>
+              <a:stCxn id="10" idx="3"/>
+              <a:endCxn id="16" idx="0"/>
+            </p:cNvCxnSpPr>
+            <p:nvPr/>
+          </p:nvCxnSpPr>
+          <p:spPr>
+            <a:xfrm flipH="1">
+              <a:off x="5886312" y="1245967"/>
+              <a:ext cx="612954" cy="410683"/>
+            </a:xfrm>
+            <a:prstGeom prst="straightConnector1">
+              <a:avLst/>
+            </a:prstGeom>
+            <a:ln w="19050">
+              <a:solidFill>
+                <a:schemeClr val="tx1"/>
+              </a:solidFill>
+              <a:tailEnd type="triangle"/>
+            </a:ln>
+          </p:spPr>
+          <p:style>
+            <a:lnRef idx="1">
+              <a:schemeClr val="accent1"/>
+            </a:lnRef>
+            <a:fillRef idx="0">
+              <a:schemeClr val="accent1"/>
+            </a:fillRef>
+            <a:effectRef idx="0">
+              <a:schemeClr val="accent1"/>
+            </a:effectRef>
+            <a:fontRef idx="minor">
+              <a:schemeClr val="tx1"/>
+            </a:fontRef>
+          </p:style>
+        </p:cxnSp>
+        <p:cxnSp>
+          <p:nvCxnSpPr>
+            <p:cNvPr id="31" name="Straight Arrow Connector 30"/>
+            <p:cNvCxnSpPr>
+              <a:stCxn id="10" idx="4"/>
+              <a:endCxn id="13" idx="0"/>
+            </p:cNvCxnSpPr>
+            <p:nvPr/>
+          </p:nvCxnSpPr>
+          <p:spPr>
+            <a:xfrm>
+              <a:off x="6668646" y="1309255"/>
+              <a:ext cx="10462" cy="347395"/>
+            </a:xfrm>
+            <a:prstGeom prst="straightConnector1">
+              <a:avLst/>
+            </a:prstGeom>
+            <a:ln w="19050">
+              <a:solidFill>
+                <a:schemeClr val="tx1"/>
+              </a:solidFill>
+              <a:tailEnd type="triangle"/>
+            </a:ln>
+          </p:spPr>
+          <p:style>
+            <a:lnRef idx="1">
+              <a:schemeClr val="accent1"/>
+            </a:lnRef>
+            <a:fillRef idx="0">
+              <a:schemeClr val="accent1"/>
+            </a:fillRef>
+            <a:effectRef idx="0">
+              <a:schemeClr val="accent1"/>
+            </a:effectRef>
+            <a:fontRef idx="minor">
+              <a:schemeClr val="tx1"/>
+            </a:fontRef>
+          </p:style>
+        </p:cxnSp>
+        <p:cxnSp>
+          <p:nvCxnSpPr>
+            <p:cNvPr id="32" name="Straight Arrow Connector 31"/>
+            <p:cNvCxnSpPr>
+              <a:stCxn id="10" idx="5"/>
+              <a:endCxn id="19" idx="0"/>
+            </p:cNvCxnSpPr>
+            <p:nvPr/>
+          </p:nvCxnSpPr>
+          <p:spPr>
+            <a:xfrm>
+              <a:off x="6838027" y="1245967"/>
+              <a:ext cx="660149" cy="410683"/>
+            </a:xfrm>
+            <a:prstGeom prst="straightConnector1">
+              <a:avLst/>
+            </a:prstGeom>
+            <a:ln w="19050">
+              <a:solidFill>
+                <a:schemeClr val="tx1"/>
+              </a:solidFill>
+              <a:tailEnd type="triangle"/>
+            </a:ln>
+          </p:spPr>
+          <p:style>
+            <a:lnRef idx="1">
+              <a:schemeClr val="accent1"/>
+            </a:lnRef>
+            <a:fillRef idx="0">
+              <a:schemeClr val="accent1"/>
+            </a:fillRef>
+            <a:effectRef idx="0">
+              <a:schemeClr val="accent1"/>
+            </a:effectRef>
+            <a:fontRef idx="minor">
+              <a:schemeClr val="tx1"/>
+            </a:fontRef>
+          </p:style>
+        </p:cxnSp>
+        <mc:AlternateContent xmlns:mc="http://schemas.openxmlformats.org/markup-compatibility/2006" xmlns:a14="http://schemas.microsoft.com/office/drawing/2010/main">
+          <mc:Choice Requires="a14">
+            <p:sp>
+              <p:nvSpPr>
+                <p:cNvPr id="33" name="Rectangle 32"/>
+                <p:cNvSpPr/>
+                <p:nvPr/>
+              </p:nvSpPr>
+              <p:spPr>
+                <a:xfrm>
+                  <a:off x="3850120" y="166913"/>
+                  <a:ext cx="455190" cy="247222"/>
+                </a:xfrm>
+                <a:prstGeom prst="rect">
+                  <a:avLst/>
+                </a:prstGeom>
+              </p:spPr>
+              <p:txBody>
+                <a:bodyPr wrap="none">
+                  <a:spAutoFit/>
+                </a:bodyPr>
+                <a:lstStyle/>
+                <a:p>
+                  <a:pPr/>
+                  <a14:m>
+                    <m:oMathPara xmlns:m="http://schemas.openxmlformats.org/officeDocument/2006/math">
+                      <m:oMathParaPr>
+                        <m:jc m:val="centerGroup"/>
+                      </m:oMathParaPr>
+                      <m:oMath xmlns:m="http://schemas.openxmlformats.org/officeDocument/2006/math">
+                        <m:sSub>
+                          <m:sSubPr>
+                            <m:ctrlPr>
+                              <a:rPr lang="en-US" sz="1440" i="1">
+                                <a:latin typeface="Cambria Math" panose="02040503050406030204" pitchFamily="18" charset="0"/>
+                              </a:rPr>
+                            </m:ctrlPr>
+                          </m:sSubPr>
+                          <m:e>
+                            <m:r>
+                              <a:rPr lang="en-US" sz="1440" i="1">
+                                <a:latin typeface="Cambria Math" panose="02040503050406030204" pitchFamily="18" charset="0"/>
+                              </a:rPr>
+                              <m:t>  </m:t>
+                            </m:r>
+                            <m:r>
+                              <a:rPr lang="en-US" sz="1440" i="1">
+                                <a:latin typeface="Cambria Math" panose="02040503050406030204" pitchFamily="18" charset="0"/>
+                              </a:rPr>
+                              <m:t>𝑆</m:t>
+                            </m:r>
+                          </m:e>
+                          <m:sub>
+                            <m:r>
+                              <a:rPr lang="en-US" sz="1440" i="1">
+                                <a:latin typeface="Cambria Math" panose="02040503050406030204" pitchFamily="18" charset="0"/>
+                              </a:rPr>
+                              <m:t>0</m:t>
+                            </m:r>
+                          </m:sub>
+                        </m:sSub>
+                      </m:oMath>
+                    </m:oMathPara>
+                  </a14:m>
+                  <a:endParaRPr lang="en-US" sz="1440" dirty="0"/>
+                </a:p>
+              </p:txBody>
+            </p:sp>
+          </mc:Choice>
+          <mc:Fallback xmlns="">
+            <p:sp>
+              <p:nvSpPr>
+                <p:cNvPr id="3" name="Rectangle 2"/>
+                <p:cNvSpPr>
+                  <a:spLocks noRot="1" noChangeAspect="1" noMove="1" noResize="1" noEditPoints="1" noAdjustHandles="1" noChangeArrowheads="1" noChangeShapeType="1" noTextEdit="1"/>
+                </p:cNvSpPr>
+                <p:nvPr/>
+              </p:nvSpPr>
+              <p:spPr>
+                <a:xfrm>
+                  <a:off x="3850120" y="166913"/>
+                  <a:ext cx="500947" cy="307721"/>
+                </a:xfrm>
+                <a:prstGeom prst="rect">
+                  <a:avLst/>
+                </a:prstGeom>
+                <a:blipFill rotWithShape="0">
+                  <a:blip r:embed="rId2"/>
+                  <a:stretch>
+                    <a:fillRect/>
+                  </a:stretch>
+                </a:blipFill>
+              </p:spPr>
+              <p:txBody>
+                <a:bodyPr/>
+                <a:lstStyle/>
+                <a:p>
+                  <a:r>
+                    <a:rPr lang="en-US">
+                      <a:noFill/>
+                    </a:rPr>
+                    <a:t> </a:t>
+                  </a:r>
+                </a:p>
+              </p:txBody>
+            </p:sp>
+          </mc:Fallback>
+        </mc:AlternateContent>
+        <mc:AlternateContent xmlns:mc="http://schemas.openxmlformats.org/markup-compatibility/2006" xmlns:a14="http://schemas.microsoft.com/office/drawing/2010/main">
+          <mc:Choice Requires="a14">
+            <p:sp>
+              <p:nvSpPr>
+                <p:cNvPr id="34" name="Rectangle 33"/>
+                <p:cNvSpPr/>
+                <p:nvPr/>
+              </p:nvSpPr>
+              <p:spPr>
+                <a:xfrm>
+                  <a:off x="3870321" y="964040"/>
+                  <a:ext cx="420459" cy="225408"/>
+                </a:xfrm>
+                <a:prstGeom prst="rect">
+                  <a:avLst/>
+                </a:prstGeom>
+              </p:spPr>
+              <p:txBody>
+                <a:bodyPr wrap="none">
+                  <a:spAutoFit/>
+                </a:bodyPr>
+                <a:lstStyle/>
+                <a:p>
+                  <a:pPr/>
+                  <a14:m>
+                    <m:oMathPara xmlns:m="http://schemas.openxmlformats.org/officeDocument/2006/math">
+                      <m:oMathParaPr>
+                        <m:jc m:val="centerGroup"/>
+                      </m:oMathParaPr>
+                      <m:oMath xmlns:m="http://schemas.openxmlformats.org/officeDocument/2006/math">
+                        <m:sSub>
+                          <m:sSubPr>
+                            <m:ctrlPr>
+                              <a:rPr lang="en-US" sz="1260" i="1">
+                                <a:latin typeface="Cambria Math" panose="02040503050406030204" pitchFamily="18" charset="0"/>
+                              </a:rPr>
+                            </m:ctrlPr>
+                          </m:sSubPr>
+                          <m:e>
+                            <m:r>
+                              <a:rPr lang="en-US" sz="1260" i="1">
+                                <a:latin typeface="Cambria Math" panose="02040503050406030204" pitchFamily="18" charset="0"/>
+                              </a:rPr>
+                              <m:t>  </m:t>
+                            </m:r>
+                            <m:r>
+                              <a:rPr lang="en-US" sz="1260" i="1">
+                                <a:latin typeface="Cambria Math" panose="02040503050406030204" pitchFamily="18" charset="0"/>
+                              </a:rPr>
+                              <m:t>𝑆</m:t>
+                            </m:r>
+                          </m:e>
+                          <m:sub>
+                            <m:r>
+                              <a:rPr lang="en-US" sz="1260" i="1">
+                                <a:latin typeface="Cambria Math" panose="02040503050406030204" pitchFamily="18" charset="0"/>
+                              </a:rPr>
+                              <m:t>2</m:t>
+                            </m:r>
+                          </m:sub>
+                        </m:sSub>
+                      </m:oMath>
+                    </m:oMathPara>
+                  </a14:m>
+                  <a:endParaRPr lang="en-US" sz="1260" dirty="0"/>
+                </a:p>
+              </p:txBody>
+            </p:sp>
+          </mc:Choice>
+          <mc:Fallback xmlns="">
+            <p:sp>
+              <p:nvSpPr>
+                <p:cNvPr id="35" name="Rectangle 34"/>
+                <p:cNvSpPr>
+                  <a:spLocks noRot="1" noChangeAspect="1" noMove="1" noResize="1" noEditPoints="1" noAdjustHandles="1" noChangeArrowheads="1" noChangeShapeType="1" noTextEdit="1"/>
+                </p:cNvSpPr>
+                <p:nvPr/>
+              </p:nvSpPr>
+              <p:spPr>
+                <a:xfrm>
+                  <a:off x="3870321" y="964040"/>
+                  <a:ext cx="442384" cy="255966"/>
+                </a:xfrm>
+                <a:prstGeom prst="rect">
+                  <a:avLst/>
+                </a:prstGeom>
+                <a:blipFill rotWithShape="0">
+                  <a:blip r:embed="rId3"/>
+                  <a:stretch>
+                    <a:fillRect/>
+                  </a:stretch>
+                </a:blipFill>
+              </p:spPr>
+              <p:txBody>
+                <a:bodyPr/>
+                <a:lstStyle/>
+                <a:p>
+                  <a:r>
+                    <a:rPr lang="en-US">
+                      <a:noFill/>
+                    </a:rPr>
+                    <a:t> </a:t>
+                  </a:r>
+                </a:p>
+              </p:txBody>
+            </p:sp>
+          </mc:Fallback>
+        </mc:AlternateContent>
+        <mc:AlternateContent xmlns:mc="http://schemas.openxmlformats.org/markup-compatibility/2006" xmlns:a14="http://schemas.microsoft.com/office/drawing/2010/main">
+          <mc:Choice Requires="a14">
+            <p:sp>
+              <p:nvSpPr>
+                <p:cNvPr id="35" name="Rectangle 34"/>
+                <p:cNvSpPr/>
+                <p:nvPr/>
+              </p:nvSpPr>
+              <p:spPr>
+                <a:xfrm>
+                  <a:off x="1294614" y="933850"/>
+                  <a:ext cx="451137" cy="247222"/>
+                </a:xfrm>
+                <a:prstGeom prst="rect">
+                  <a:avLst/>
+                </a:prstGeom>
+              </p:spPr>
+              <p:txBody>
+                <a:bodyPr wrap="none">
+                  <a:spAutoFit/>
+                </a:bodyPr>
+                <a:lstStyle/>
+                <a:p>
+                  <a:pPr/>
+                  <a14:m>
+                    <m:oMathPara xmlns:m="http://schemas.openxmlformats.org/officeDocument/2006/math">
+                      <m:oMathParaPr>
+                        <m:jc m:val="centerGroup"/>
+                      </m:oMathParaPr>
+                      <m:oMath xmlns:m="http://schemas.openxmlformats.org/officeDocument/2006/math">
+                        <m:sSub>
+                          <m:sSubPr>
+                            <m:ctrlPr>
+                              <a:rPr lang="en-US" sz="1440" i="1">
+                                <a:latin typeface="Cambria Math" panose="02040503050406030204" pitchFamily="18" charset="0"/>
+                              </a:rPr>
+                            </m:ctrlPr>
+                          </m:sSubPr>
+                          <m:e>
+                            <m:r>
+                              <a:rPr lang="en-US" sz="1440" i="1">
+                                <a:latin typeface="Cambria Math" panose="02040503050406030204" pitchFamily="18" charset="0"/>
+                              </a:rPr>
+                              <m:t>  </m:t>
+                            </m:r>
+                            <m:r>
+                              <a:rPr lang="en-US" sz="1440" i="1">
+                                <a:latin typeface="Cambria Math" panose="02040503050406030204" pitchFamily="18" charset="0"/>
+                              </a:rPr>
+                              <m:t>𝑆</m:t>
+                            </m:r>
+                          </m:e>
+                          <m:sub>
+                            <m:r>
+                              <a:rPr lang="en-US" sz="1440" i="1">
+                                <a:latin typeface="Cambria Math" panose="02040503050406030204" pitchFamily="18" charset="0"/>
+                              </a:rPr>
+                              <m:t>1</m:t>
+                            </m:r>
+                          </m:sub>
+                        </m:sSub>
+                      </m:oMath>
+                    </m:oMathPara>
+                  </a14:m>
+                  <a:endParaRPr lang="en-US" sz="1440" dirty="0"/>
+                </a:p>
+              </p:txBody>
+            </p:sp>
+          </mc:Choice>
+          <mc:Fallback xmlns="">
+            <p:sp>
+              <p:nvSpPr>
+                <p:cNvPr id="37" name="Rectangle 36"/>
+                <p:cNvSpPr>
+                  <a:spLocks noRot="1" noChangeAspect="1" noMove="1" noResize="1" noEditPoints="1" noAdjustHandles="1" noChangeArrowheads="1" noChangeShapeType="1" noTextEdit="1"/>
+                </p:cNvSpPr>
+                <p:nvPr/>
+              </p:nvSpPr>
+              <p:spPr>
+                <a:xfrm>
+                  <a:off x="1294614" y="933850"/>
+                  <a:ext cx="496340" cy="307721"/>
+                </a:xfrm>
+                <a:prstGeom prst="rect">
+                  <a:avLst/>
+                </a:prstGeom>
+                <a:blipFill rotWithShape="0">
+                  <a:blip r:embed="rId4"/>
+                  <a:stretch>
+                    <a:fillRect/>
+                  </a:stretch>
+                </a:blipFill>
+              </p:spPr>
+              <p:txBody>
+                <a:bodyPr/>
+                <a:lstStyle/>
+                <a:p>
+                  <a:r>
+                    <a:rPr lang="en-US">
+                      <a:noFill/>
+                    </a:rPr>
+                    <a:t> </a:t>
+                  </a:r>
+                </a:p>
+              </p:txBody>
+            </p:sp>
+          </mc:Fallback>
+        </mc:AlternateContent>
+        <mc:AlternateContent xmlns:mc="http://schemas.openxmlformats.org/markup-compatibility/2006" xmlns:a14="http://schemas.microsoft.com/office/drawing/2010/main">
+          <mc:Choice Requires="a14">
+            <p:sp>
+              <p:nvSpPr>
+                <p:cNvPr id="36" name="Rectangle 35"/>
+                <p:cNvSpPr/>
+                <p:nvPr/>
+              </p:nvSpPr>
+              <p:spPr>
+                <a:xfrm>
+                  <a:off x="6395589" y="933850"/>
+                  <a:ext cx="455190" cy="247222"/>
+                </a:xfrm>
+                <a:prstGeom prst="rect">
+                  <a:avLst/>
+                </a:prstGeom>
+              </p:spPr>
+              <p:txBody>
+                <a:bodyPr wrap="none">
+                  <a:spAutoFit/>
+                </a:bodyPr>
+                <a:lstStyle/>
+                <a:p>
+                  <a:pPr/>
+                  <a14:m>
+                    <m:oMathPara xmlns:m="http://schemas.openxmlformats.org/officeDocument/2006/math">
+                      <m:oMathParaPr>
+                        <m:jc m:val="centerGroup"/>
+                      </m:oMathParaPr>
+                      <m:oMath xmlns:m="http://schemas.openxmlformats.org/officeDocument/2006/math">
+                        <m:sSub>
+                          <m:sSubPr>
+                            <m:ctrlPr>
+                              <a:rPr lang="en-US" sz="1440" i="1">
+                                <a:latin typeface="Cambria Math" panose="02040503050406030204" pitchFamily="18" charset="0"/>
+                              </a:rPr>
+                            </m:ctrlPr>
+                          </m:sSubPr>
+                          <m:e>
+                            <m:r>
+                              <a:rPr lang="en-US" sz="1440" i="1">
+                                <a:latin typeface="Cambria Math" panose="02040503050406030204" pitchFamily="18" charset="0"/>
+                              </a:rPr>
+                              <m:t>  </m:t>
+                            </m:r>
+                            <m:r>
+                              <a:rPr lang="en-US" sz="1440" i="1">
+                                <a:latin typeface="Cambria Math" panose="02040503050406030204" pitchFamily="18" charset="0"/>
+                              </a:rPr>
+                              <m:t>𝑆</m:t>
+                            </m:r>
+                          </m:e>
+                          <m:sub>
+                            <m:r>
+                              <a:rPr lang="en-US" sz="1440" i="1">
+                                <a:latin typeface="Cambria Math" panose="02040503050406030204" pitchFamily="18" charset="0"/>
+                              </a:rPr>
+                              <m:t>3</m:t>
+                            </m:r>
+                          </m:sub>
+                        </m:sSub>
+                      </m:oMath>
+                    </m:oMathPara>
+                  </a14:m>
+                  <a:endParaRPr lang="en-US" sz="1440" dirty="0"/>
+                </a:p>
+              </p:txBody>
+            </p:sp>
+          </mc:Choice>
+          <mc:Fallback xmlns="">
+            <p:sp>
+              <p:nvSpPr>
+                <p:cNvPr id="39" name="Rectangle 38"/>
+                <p:cNvSpPr>
+                  <a:spLocks noRot="1" noChangeAspect="1" noMove="1" noResize="1" noEditPoints="1" noAdjustHandles="1" noChangeArrowheads="1" noChangeShapeType="1" noTextEdit="1"/>
+                </p:cNvSpPr>
+                <p:nvPr/>
+              </p:nvSpPr>
+              <p:spPr>
+                <a:xfrm>
+                  <a:off x="6395589" y="933850"/>
+                  <a:ext cx="500947" cy="307721"/>
+                </a:xfrm>
+                <a:prstGeom prst="rect">
+                  <a:avLst/>
+                </a:prstGeom>
+                <a:blipFill rotWithShape="0">
+                  <a:blip r:embed="rId5"/>
+                  <a:stretch>
+                    <a:fillRect/>
+                  </a:stretch>
+                </a:blipFill>
+              </p:spPr>
+              <p:txBody>
+                <a:bodyPr/>
+                <a:lstStyle/>
+                <a:p>
+                  <a:r>
+                    <a:rPr lang="en-US">
+                      <a:noFill/>
+                    </a:rPr>
+                    <a:t> </a:t>
+                  </a:r>
+                </a:p>
+              </p:txBody>
+            </p:sp>
+          </mc:Fallback>
+        </mc:AlternateContent>
+        <mc:AlternateContent xmlns:mc="http://schemas.openxmlformats.org/markup-compatibility/2006" xmlns:a14="http://schemas.microsoft.com/office/drawing/2010/main">
+          <mc:Choice Requires="a14">
+            <p:sp>
+              <p:nvSpPr>
+                <p:cNvPr id="37" name="Rectangle 36"/>
+                <p:cNvSpPr/>
+                <p:nvPr/>
+              </p:nvSpPr>
+              <p:spPr>
+                <a:xfrm>
+                  <a:off x="1293701" y="1707613"/>
+                  <a:ext cx="455190" cy="247222"/>
+                </a:xfrm>
+                <a:prstGeom prst="rect">
+                  <a:avLst/>
+                </a:prstGeom>
+              </p:spPr>
+              <p:txBody>
+                <a:bodyPr wrap="none">
+                  <a:spAutoFit/>
+                </a:bodyPr>
+                <a:lstStyle/>
+                <a:p>
+                  <a:pPr/>
+                  <a14:m>
+                    <m:oMathPara xmlns:m="http://schemas.openxmlformats.org/officeDocument/2006/math">
+                      <m:oMathParaPr>
+                        <m:jc m:val="centerGroup"/>
+                      </m:oMathParaPr>
+                      <m:oMath xmlns:m="http://schemas.openxmlformats.org/officeDocument/2006/math">
+                        <m:sSub>
+                          <m:sSubPr>
+                            <m:ctrlPr>
+                              <a:rPr lang="en-US" sz="1440" i="1">
+                                <a:latin typeface="Cambria Math" panose="02040503050406030204" pitchFamily="18" charset="0"/>
+                              </a:rPr>
+                            </m:ctrlPr>
+                          </m:sSubPr>
+                          <m:e>
+                            <m:r>
+                              <a:rPr lang="en-US" sz="1440" i="1">
+                                <a:latin typeface="Cambria Math" panose="02040503050406030204" pitchFamily="18" charset="0"/>
+                              </a:rPr>
+                              <m:t>  </m:t>
+                            </m:r>
+                            <m:r>
+                              <a:rPr lang="en-US" sz="1440" i="1">
+                                <a:latin typeface="Cambria Math" panose="02040503050406030204" pitchFamily="18" charset="0"/>
+                              </a:rPr>
+                              <m:t>𝑆</m:t>
+                            </m:r>
+                          </m:e>
+                          <m:sub>
+                            <m:r>
+                              <a:rPr lang="en-US" sz="1440" i="1">
+                                <a:latin typeface="Cambria Math" panose="02040503050406030204" pitchFamily="18" charset="0"/>
+                              </a:rPr>
+                              <m:t>5</m:t>
+                            </m:r>
+                          </m:sub>
+                        </m:sSub>
+                      </m:oMath>
+                    </m:oMathPara>
+                  </a14:m>
+                  <a:endParaRPr lang="en-US" sz="1440" dirty="0"/>
+                </a:p>
+              </p:txBody>
+            </p:sp>
+          </mc:Choice>
+          <mc:Fallback xmlns="">
+            <p:sp>
+              <p:nvSpPr>
+                <p:cNvPr id="41" name="Rectangle 40"/>
+                <p:cNvSpPr>
+                  <a:spLocks noRot="1" noChangeAspect="1" noMove="1" noResize="1" noEditPoints="1" noAdjustHandles="1" noChangeArrowheads="1" noChangeShapeType="1" noTextEdit="1"/>
+                </p:cNvSpPr>
+                <p:nvPr/>
+              </p:nvSpPr>
+              <p:spPr>
+                <a:xfrm>
+                  <a:off x="1293701" y="1707613"/>
+                  <a:ext cx="500947" cy="307721"/>
+                </a:xfrm>
+                <a:prstGeom prst="rect">
+                  <a:avLst/>
+                </a:prstGeom>
+                <a:blipFill rotWithShape="0">
+                  <a:blip r:embed="rId6"/>
+                  <a:stretch>
+                    <a:fillRect/>
+                  </a:stretch>
+                </a:blipFill>
+              </p:spPr>
+              <p:txBody>
+                <a:bodyPr/>
+                <a:lstStyle/>
+                <a:p>
+                  <a:r>
+                    <a:rPr lang="en-US">
+                      <a:noFill/>
+                    </a:rPr>
+                    <a:t> </a:t>
+                  </a:r>
+                </a:p>
+              </p:txBody>
+            </p:sp>
+          </mc:Fallback>
+        </mc:AlternateContent>
+        <mc:AlternateContent xmlns:mc="http://schemas.openxmlformats.org/markup-compatibility/2006" xmlns:a14="http://schemas.microsoft.com/office/drawing/2010/main">
+          <mc:Choice Requires="a14">
+            <p:sp>
+              <p:nvSpPr>
+                <p:cNvPr id="38" name="Rectangle 37"/>
+                <p:cNvSpPr/>
+                <p:nvPr/>
+              </p:nvSpPr>
+              <p:spPr>
+                <a:xfrm>
+                  <a:off x="506176" y="1717535"/>
+                  <a:ext cx="455190" cy="247222"/>
+                </a:xfrm>
+                <a:prstGeom prst="rect">
+                  <a:avLst/>
+                </a:prstGeom>
+              </p:spPr>
+              <p:txBody>
+                <a:bodyPr wrap="none">
+                  <a:spAutoFit/>
+                </a:bodyPr>
+                <a:lstStyle/>
+                <a:p>
+                  <a:pPr/>
+                  <a14:m>
+                    <m:oMathPara xmlns:m="http://schemas.openxmlformats.org/officeDocument/2006/math">
+                      <m:oMathParaPr>
+                        <m:jc m:val="centerGroup"/>
+                      </m:oMathParaPr>
+                      <m:oMath xmlns:m="http://schemas.openxmlformats.org/officeDocument/2006/math">
+                        <m:sSub>
+                          <m:sSubPr>
+                            <m:ctrlPr>
+                              <a:rPr lang="en-US" sz="1440" i="1">
+                                <a:latin typeface="Cambria Math" panose="02040503050406030204" pitchFamily="18" charset="0"/>
+                              </a:rPr>
+                            </m:ctrlPr>
+                          </m:sSubPr>
+                          <m:e>
+                            <m:r>
+                              <a:rPr lang="en-US" sz="1440" i="1">
+                                <a:latin typeface="Cambria Math" panose="02040503050406030204" pitchFamily="18" charset="0"/>
+                              </a:rPr>
+                              <m:t>  </m:t>
+                            </m:r>
+                            <m:r>
+                              <a:rPr lang="en-US" sz="1440" i="1">
+                                <a:latin typeface="Cambria Math" panose="02040503050406030204" pitchFamily="18" charset="0"/>
+                              </a:rPr>
+                              <m:t>𝑆</m:t>
+                            </m:r>
+                          </m:e>
+                          <m:sub>
+                            <m:r>
+                              <a:rPr lang="en-US" sz="1440" i="1">
+                                <a:latin typeface="Cambria Math" panose="02040503050406030204" pitchFamily="18" charset="0"/>
+                              </a:rPr>
+                              <m:t>4</m:t>
+                            </m:r>
+                          </m:sub>
+                        </m:sSub>
+                      </m:oMath>
+                    </m:oMathPara>
+                  </a14:m>
+                  <a:endParaRPr lang="en-US" sz="1440" dirty="0"/>
+                </a:p>
+              </p:txBody>
+            </p:sp>
+          </mc:Choice>
+          <mc:Fallback xmlns="">
+            <p:sp>
+              <p:nvSpPr>
+                <p:cNvPr id="43" name="Rectangle 42"/>
+                <p:cNvSpPr>
+                  <a:spLocks noRot="1" noChangeAspect="1" noMove="1" noResize="1" noEditPoints="1" noAdjustHandles="1" noChangeArrowheads="1" noChangeShapeType="1" noTextEdit="1"/>
+                </p:cNvSpPr>
+                <p:nvPr/>
+              </p:nvSpPr>
+              <p:spPr>
+                <a:xfrm>
+                  <a:off x="506176" y="1717535"/>
+                  <a:ext cx="500947" cy="307721"/>
+                </a:xfrm>
+                <a:prstGeom prst="rect">
+                  <a:avLst/>
+                </a:prstGeom>
+                <a:blipFill rotWithShape="0">
+                  <a:blip r:embed="rId7"/>
+                  <a:stretch>
+                    <a:fillRect/>
+                  </a:stretch>
+                </a:blipFill>
+              </p:spPr>
+              <p:txBody>
+                <a:bodyPr/>
+                <a:lstStyle/>
+                <a:p>
+                  <a:r>
+                    <a:rPr lang="en-US">
+                      <a:noFill/>
+                    </a:rPr>
+                    <a:t> </a:t>
+                  </a:r>
+                </a:p>
+              </p:txBody>
+            </p:sp>
+          </mc:Fallback>
+        </mc:AlternateContent>
+        <mc:AlternateContent xmlns:mc="http://schemas.openxmlformats.org/markup-compatibility/2006" xmlns:a14="http://schemas.microsoft.com/office/drawing/2010/main">
+          <mc:Choice Requires="a14">
+            <p:sp>
+              <p:nvSpPr>
+                <p:cNvPr id="39" name="Rectangle 38"/>
+                <p:cNvSpPr/>
+                <p:nvPr/>
+              </p:nvSpPr>
+              <p:spPr>
+                <a:xfrm>
+                  <a:off x="2106783" y="1717535"/>
+                  <a:ext cx="455190" cy="247222"/>
+                </a:xfrm>
+                <a:prstGeom prst="rect">
+                  <a:avLst/>
+                </a:prstGeom>
+              </p:spPr>
+              <p:txBody>
+                <a:bodyPr wrap="none">
+                  <a:spAutoFit/>
+                </a:bodyPr>
+                <a:lstStyle/>
+                <a:p>
+                  <a:pPr/>
+                  <a14:m>
+                    <m:oMathPara xmlns:m="http://schemas.openxmlformats.org/officeDocument/2006/math">
+                      <m:oMathParaPr>
+                        <m:jc m:val="centerGroup"/>
+                      </m:oMathParaPr>
+                      <m:oMath xmlns:m="http://schemas.openxmlformats.org/officeDocument/2006/math">
+                        <m:sSub>
+                          <m:sSubPr>
+                            <m:ctrlPr>
+                              <a:rPr lang="en-US" sz="1440" i="1">
+                                <a:latin typeface="Cambria Math" panose="02040503050406030204" pitchFamily="18" charset="0"/>
+                              </a:rPr>
+                            </m:ctrlPr>
+                          </m:sSubPr>
+                          <m:e>
+                            <m:r>
+                              <a:rPr lang="en-US" sz="1440" i="1">
+                                <a:latin typeface="Cambria Math" panose="02040503050406030204" pitchFamily="18" charset="0"/>
+                              </a:rPr>
+                              <m:t>  </m:t>
+                            </m:r>
+                            <m:r>
+                              <a:rPr lang="en-US" sz="1440" i="1">
+                                <a:latin typeface="Cambria Math" panose="02040503050406030204" pitchFamily="18" charset="0"/>
+                              </a:rPr>
+                              <m:t>𝑆</m:t>
+                            </m:r>
+                          </m:e>
+                          <m:sub>
+                            <m:r>
+                              <a:rPr lang="en-US" sz="1440" i="1">
+                                <a:latin typeface="Cambria Math" panose="02040503050406030204" pitchFamily="18" charset="0"/>
+                              </a:rPr>
+                              <m:t>6</m:t>
+                            </m:r>
+                          </m:sub>
+                        </m:sSub>
+                      </m:oMath>
+                    </m:oMathPara>
+                  </a14:m>
+                  <a:endParaRPr lang="en-US" sz="1440" dirty="0"/>
+                </a:p>
+              </p:txBody>
+            </p:sp>
+          </mc:Choice>
+          <mc:Fallback xmlns="">
+            <p:sp>
+              <p:nvSpPr>
+                <p:cNvPr id="45" name="Rectangle 44"/>
+                <p:cNvSpPr>
+                  <a:spLocks noRot="1" noChangeAspect="1" noMove="1" noResize="1" noEditPoints="1" noAdjustHandles="1" noChangeArrowheads="1" noChangeShapeType="1" noTextEdit="1"/>
+                </p:cNvSpPr>
+                <p:nvPr/>
+              </p:nvSpPr>
+              <p:spPr>
+                <a:xfrm>
+                  <a:off x="2106783" y="1717535"/>
+                  <a:ext cx="500947" cy="307721"/>
+                </a:xfrm>
+                <a:prstGeom prst="rect">
+                  <a:avLst/>
+                </a:prstGeom>
+                <a:blipFill rotWithShape="0">
+                  <a:blip r:embed="rId8"/>
+                  <a:stretch>
+                    <a:fillRect/>
+                  </a:stretch>
+                </a:blipFill>
+              </p:spPr>
+              <p:txBody>
+                <a:bodyPr/>
+                <a:lstStyle/>
+                <a:p>
+                  <a:r>
+                    <a:rPr lang="en-US">
+                      <a:noFill/>
+                    </a:rPr>
+                    <a:t> </a:t>
+                  </a:r>
+                </a:p>
+              </p:txBody>
+            </p:sp>
+          </mc:Fallback>
+        </mc:AlternateContent>
+        <mc:AlternateContent xmlns:mc="http://schemas.openxmlformats.org/markup-compatibility/2006" xmlns:a14="http://schemas.microsoft.com/office/drawing/2010/main">
+          <mc:Choice Requires="a14">
+            <p:sp>
+              <p:nvSpPr>
+                <p:cNvPr id="40" name="Rectangle 39"/>
+                <p:cNvSpPr/>
+                <p:nvPr/>
+              </p:nvSpPr>
+              <p:spPr>
+                <a:xfrm>
+                  <a:off x="3065219" y="1700554"/>
+                  <a:ext cx="455190" cy="247222"/>
+                </a:xfrm>
+                <a:prstGeom prst="rect">
+                  <a:avLst/>
+                </a:prstGeom>
+              </p:spPr>
+              <p:txBody>
+                <a:bodyPr wrap="none">
+                  <a:spAutoFit/>
+                </a:bodyPr>
+                <a:lstStyle/>
+                <a:p>
+                  <a:pPr/>
+                  <a14:m>
+                    <m:oMathPara xmlns:m="http://schemas.openxmlformats.org/officeDocument/2006/math">
+                      <m:oMathParaPr>
+                        <m:jc m:val="centerGroup"/>
+                      </m:oMathParaPr>
+                      <m:oMath xmlns:m="http://schemas.openxmlformats.org/officeDocument/2006/math">
+                        <m:sSub>
+                          <m:sSubPr>
+                            <m:ctrlPr>
+                              <a:rPr lang="en-US" sz="1440" i="1">
+                                <a:latin typeface="Cambria Math" panose="02040503050406030204" pitchFamily="18" charset="0"/>
+                              </a:rPr>
+                            </m:ctrlPr>
+                          </m:sSubPr>
+                          <m:e>
+                            <m:r>
+                              <a:rPr lang="en-US" sz="1440" i="1">
+                                <a:latin typeface="Cambria Math" panose="02040503050406030204" pitchFamily="18" charset="0"/>
+                              </a:rPr>
+                              <m:t>  </m:t>
+                            </m:r>
+                            <m:r>
+                              <a:rPr lang="en-US" sz="1440" i="1">
+                                <a:latin typeface="Cambria Math" panose="02040503050406030204" pitchFamily="18" charset="0"/>
+                              </a:rPr>
+                              <m:t>𝑆</m:t>
+                            </m:r>
+                          </m:e>
+                          <m:sub>
+                            <m:r>
+                              <a:rPr lang="en-US" sz="1440" i="1">
+                                <a:latin typeface="Cambria Math" panose="02040503050406030204" pitchFamily="18" charset="0"/>
+                              </a:rPr>
+                              <m:t>7</m:t>
+                            </m:r>
+                          </m:sub>
+                        </m:sSub>
+                      </m:oMath>
+                    </m:oMathPara>
+                  </a14:m>
+                  <a:endParaRPr lang="en-US" sz="1440" dirty="0"/>
+                </a:p>
+              </p:txBody>
+            </p:sp>
+          </mc:Choice>
+          <mc:Fallback xmlns="">
+            <p:sp>
+              <p:nvSpPr>
+                <p:cNvPr id="47" name="Rectangle 46"/>
+                <p:cNvSpPr>
+                  <a:spLocks noRot="1" noChangeAspect="1" noMove="1" noResize="1" noEditPoints="1" noAdjustHandles="1" noChangeArrowheads="1" noChangeShapeType="1" noTextEdit="1"/>
+                </p:cNvSpPr>
+                <p:nvPr/>
+              </p:nvSpPr>
+              <p:spPr>
+                <a:xfrm>
+                  <a:off x="3065219" y="1700554"/>
+                  <a:ext cx="500947" cy="307721"/>
+                </a:xfrm>
+                <a:prstGeom prst="rect">
+                  <a:avLst/>
+                </a:prstGeom>
+                <a:blipFill rotWithShape="0">
+                  <a:blip r:embed="rId9"/>
+                  <a:stretch>
+                    <a:fillRect/>
+                  </a:stretch>
+                </a:blipFill>
+              </p:spPr>
+              <p:txBody>
+                <a:bodyPr/>
+                <a:lstStyle/>
+                <a:p>
+                  <a:r>
+                    <a:rPr lang="en-US">
+                      <a:noFill/>
+                    </a:rPr>
+                    <a:t> </a:t>
+                  </a:r>
+                </a:p>
+              </p:txBody>
+            </p:sp>
+          </mc:Fallback>
+        </mc:AlternateContent>
+        <mc:AlternateContent xmlns:mc="http://schemas.openxmlformats.org/markup-compatibility/2006" xmlns:a14="http://schemas.microsoft.com/office/drawing/2010/main">
+          <mc:Choice Requires="a14">
+            <p:sp>
+              <p:nvSpPr>
+                <p:cNvPr id="41" name="Rectangle 40"/>
+                <p:cNvSpPr/>
+                <p:nvPr/>
+              </p:nvSpPr>
+              <p:spPr>
+                <a:xfrm>
+                  <a:off x="3843565" y="1717535"/>
+                  <a:ext cx="455190" cy="247222"/>
+                </a:xfrm>
+                <a:prstGeom prst="rect">
+                  <a:avLst/>
+                </a:prstGeom>
+              </p:spPr>
+              <p:txBody>
+                <a:bodyPr wrap="none">
+                  <a:spAutoFit/>
+                </a:bodyPr>
+                <a:lstStyle/>
+                <a:p>
+                  <a:pPr/>
+                  <a14:m>
+                    <m:oMathPara xmlns:m="http://schemas.openxmlformats.org/officeDocument/2006/math">
+                      <m:oMathParaPr>
+                        <m:jc m:val="centerGroup"/>
+                      </m:oMathParaPr>
+                      <m:oMath xmlns:m="http://schemas.openxmlformats.org/officeDocument/2006/math">
+                        <m:sSub>
+                          <m:sSubPr>
+                            <m:ctrlPr>
+                              <a:rPr lang="en-US" sz="1440" i="1">
+                                <a:latin typeface="Cambria Math" panose="02040503050406030204" pitchFamily="18" charset="0"/>
+                              </a:rPr>
+                            </m:ctrlPr>
+                          </m:sSubPr>
+                          <m:e>
+                            <m:r>
+                              <a:rPr lang="en-US" sz="1440" i="1">
+                                <a:latin typeface="Cambria Math" panose="02040503050406030204" pitchFamily="18" charset="0"/>
+                              </a:rPr>
+                              <m:t>  </m:t>
+                            </m:r>
+                            <m:r>
+                              <a:rPr lang="en-US" sz="1440" i="1">
+                                <a:latin typeface="Cambria Math" panose="02040503050406030204" pitchFamily="18" charset="0"/>
+                              </a:rPr>
+                              <m:t>𝑆</m:t>
+                            </m:r>
+                          </m:e>
+                          <m:sub>
+                            <m:r>
+                              <a:rPr lang="en-US" sz="1440" i="1">
+                                <a:latin typeface="Cambria Math" panose="02040503050406030204" pitchFamily="18" charset="0"/>
+                              </a:rPr>
+                              <m:t>8</m:t>
+                            </m:r>
+                          </m:sub>
+                        </m:sSub>
+                      </m:oMath>
+                    </m:oMathPara>
+                  </a14:m>
+                  <a:endParaRPr lang="en-US" sz="1440" dirty="0"/>
+                </a:p>
+              </p:txBody>
+            </p:sp>
+          </mc:Choice>
+          <mc:Fallback xmlns="">
+            <p:sp>
+              <p:nvSpPr>
+                <p:cNvPr id="49" name="Rectangle 48"/>
+                <p:cNvSpPr>
+                  <a:spLocks noRot="1" noChangeAspect="1" noMove="1" noResize="1" noEditPoints="1" noAdjustHandles="1" noChangeArrowheads="1" noChangeShapeType="1" noTextEdit="1"/>
+                </p:cNvSpPr>
+                <p:nvPr/>
+              </p:nvSpPr>
+              <p:spPr>
+                <a:xfrm>
+                  <a:off x="3843565" y="1717535"/>
+                  <a:ext cx="500947" cy="307721"/>
+                </a:xfrm>
+                <a:prstGeom prst="rect">
+                  <a:avLst/>
+                </a:prstGeom>
+                <a:blipFill rotWithShape="0">
+                  <a:blip r:embed="rId10"/>
+                  <a:stretch>
+                    <a:fillRect/>
+                  </a:stretch>
+                </a:blipFill>
+              </p:spPr>
+              <p:txBody>
+                <a:bodyPr/>
+                <a:lstStyle/>
+                <a:p>
+                  <a:r>
+                    <a:rPr lang="en-US">
+                      <a:noFill/>
+                    </a:rPr>
+                    <a:t> </a:t>
+                  </a:r>
+                </a:p>
+              </p:txBody>
+            </p:sp>
+          </mc:Fallback>
+        </mc:AlternateContent>
+        <mc:AlternateContent xmlns:mc="http://schemas.openxmlformats.org/markup-compatibility/2006" xmlns:a14="http://schemas.microsoft.com/office/drawing/2010/main">
+          <mc:Choice Requires="a14">
+            <p:sp>
+              <p:nvSpPr>
+                <p:cNvPr id="42" name="Rectangle 41"/>
+                <p:cNvSpPr/>
+                <p:nvPr/>
+              </p:nvSpPr>
+              <p:spPr>
+                <a:xfrm>
+                  <a:off x="4706789" y="1727439"/>
+                  <a:ext cx="450653" cy="247222"/>
+                </a:xfrm>
+                <a:prstGeom prst="rect">
+                  <a:avLst/>
+                </a:prstGeom>
+              </p:spPr>
+              <p:txBody>
+                <a:bodyPr wrap="none">
+                  <a:spAutoFit/>
+                </a:bodyPr>
+                <a:lstStyle/>
+                <a:p>
+                  <a:pPr/>
+                  <a14:m>
+                    <m:oMathPara xmlns:m="http://schemas.openxmlformats.org/officeDocument/2006/math">
+                      <m:oMathParaPr>
+                        <m:jc m:val="centerGroup"/>
+                      </m:oMathParaPr>
+                      <m:oMath xmlns:m="http://schemas.openxmlformats.org/officeDocument/2006/math">
+                        <m:sSub>
+                          <m:sSubPr>
+                            <m:ctrlPr>
+                              <a:rPr lang="en-US" sz="1440" i="1">
+                                <a:latin typeface="Cambria Math" panose="02040503050406030204" pitchFamily="18" charset="0"/>
+                              </a:rPr>
+                            </m:ctrlPr>
+                          </m:sSubPr>
+                          <m:e>
+                            <m:r>
+                              <a:rPr lang="en-US" sz="1440" i="1">
+                                <a:latin typeface="Cambria Math" panose="02040503050406030204" pitchFamily="18" charset="0"/>
+                              </a:rPr>
+                              <m:t>  </m:t>
+                            </m:r>
+                            <m:r>
+                              <a:rPr lang="en-US" sz="1440" i="1">
+                                <a:latin typeface="Cambria Math" panose="02040503050406030204" pitchFamily="18" charset="0"/>
+                              </a:rPr>
+                              <m:t>𝑆</m:t>
+                            </m:r>
+                          </m:e>
+                          <m:sub>
+                            <m:r>
+                              <a:rPr lang="en-US" sz="1440" i="1">
+                                <a:latin typeface="Cambria Math" panose="02040503050406030204" pitchFamily="18" charset="0"/>
+                              </a:rPr>
+                              <m:t>9</m:t>
+                            </m:r>
+                          </m:sub>
+                        </m:sSub>
+                      </m:oMath>
+                    </m:oMathPara>
+                  </a14:m>
+                  <a:endParaRPr lang="en-US" sz="1440" dirty="0"/>
+                </a:p>
+              </p:txBody>
+            </p:sp>
+          </mc:Choice>
+          <mc:Fallback xmlns="">
+            <p:sp>
+              <p:nvSpPr>
+                <p:cNvPr id="51" name="Rectangle 50"/>
+                <p:cNvSpPr>
+                  <a:spLocks noRot="1" noChangeAspect="1" noMove="1" noResize="1" noEditPoints="1" noAdjustHandles="1" noChangeArrowheads="1" noChangeShapeType="1" noTextEdit="1"/>
+                </p:cNvSpPr>
+                <p:nvPr/>
+              </p:nvSpPr>
+              <p:spPr>
+                <a:xfrm>
+                  <a:off x="4706789" y="1727439"/>
+                  <a:ext cx="497834" cy="307721"/>
+                </a:xfrm>
+                <a:prstGeom prst="rect">
+                  <a:avLst/>
+                </a:prstGeom>
+                <a:blipFill rotWithShape="0">
+                  <a:blip r:embed="rId11"/>
+                  <a:stretch>
+                    <a:fillRect/>
+                  </a:stretch>
+                </a:blipFill>
+              </p:spPr>
+              <p:txBody>
+                <a:bodyPr/>
+                <a:lstStyle/>
+                <a:p>
+                  <a:r>
+                    <a:rPr lang="en-US">
+                      <a:noFill/>
+                    </a:rPr>
+                    <a:t> </a:t>
+                  </a:r>
+                </a:p>
+              </p:txBody>
+            </p:sp>
+          </mc:Fallback>
+        </mc:AlternateContent>
+        <mc:AlternateContent xmlns:mc="http://schemas.openxmlformats.org/markup-compatibility/2006" xmlns:a14="http://schemas.microsoft.com/office/drawing/2010/main">
+          <mc:Choice Requires="a14">
+            <p:sp>
+              <p:nvSpPr>
+                <p:cNvPr id="43" name="Rectangle 42"/>
+                <p:cNvSpPr/>
+                <p:nvPr/>
+              </p:nvSpPr>
+              <p:spPr>
+                <a:xfrm>
+                  <a:off x="5596121" y="1717535"/>
+                  <a:ext cx="525256" cy="247222"/>
+                </a:xfrm>
+                <a:prstGeom prst="rect">
+                  <a:avLst/>
+                </a:prstGeom>
+              </p:spPr>
+              <p:txBody>
+                <a:bodyPr wrap="none">
+                  <a:spAutoFit/>
+                </a:bodyPr>
+                <a:lstStyle/>
+                <a:p>
+                  <a:pPr/>
+                  <a14:m>
+                    <m:oMathPara xmlns:m="http://schemas.openxmlformats.org/officeDocument/2006/math">
+                      <m:oMathParaPr>
+                        <m:jc m:val="centerGroup"/>
+                      </m:oMathParaPr>
+                      <m:oMath xmlns:m="http://schemas.openxmlformats.org/officeDocument/2006/math">
+                        <m:sSub>
+                          <m:sSubPr>
+                            <m:ctrlPr>
+                              <a:rPr lang="en-US" sz="1440" i="1">
+                                <a:latin typeface="Cambria Math" panose="02040503050406030204" pitchFamily="18" charset="0"/>
+                              </a:rPr>
+                            </m:ctrlPr>
+                          </m:sSubPr>
+                          <m:e>
+                            <m:r>
+                              <a:rPr lang="en-US" sz="1440" i="1">
+                                <a:latin typeface="Cambria Math" panose="02040503050406030204" pitchFamily="18" charset="0"/>
+                              </a:rPr>
+                              <m:t>  </m:t>
+                            </m:r>
+                            <m:r>
+                              <a:rPr lang="en-US" sz="1440" i="1">
+                                <a:latin typeface="Cambria Math" panose="02040503050406030204" pitchFamily="18" charset="0"/>
+                              </a:rPr>
+                              <m:t>𝑆</m:t>
+                            </m:r>
+                          </m:e>
+                          <m:sub>
+                            <m:r>
+                              <a:rPr lang="en-US" sz="1440" i="1">
+                                <a:latin typeface="Cambria Math" panose="02040503050406030204" pitchFamily="18" charset="0"/>
+                              </a:rPr>
+                              <m:t>10</m:t>
+                            </m:r>
+                          </m:sub>
+                        </m:sSub>
+                      </m:oMath>
+                    </m:oMathPara>
+                  </a14:m>
+                  <a:endParaRPr lang="en-US" sz="1440" dirty="0"/>
+                </a:p>
+              </p:txBody>
+            </p:sp>
+          </mc:Choice>
+          <mc:Fallback xmlns="">
+            <p:sp>
+              <p:nvSpPr>
+                <p:cNvPr id="53" name="Rectangle 52"/>
+                <p:cNvSpPr>
+                  <a:spLocks noRot="1" noChangeAspect="1" noMove="1" noResize="1" noEditPoints="1" noAdjustHandles="1" noChangeArrowheads="1" noChangeShapeType="1" noTextEdit="1"/>
+                </p:cNvSpPr>
+                <p:nvPr/>
+              </p:nvSpPr>
+              <p:spPr>
+                <a:xfrm>
+                  <a:off x="5596121" y="1717535"/>
+                  <a:ext cx="580381" cy="307721"/>
+                </a:xfrm>
+                <a:prstGeom prst="rect">
+                  <a:avLst/>
+                </a:prstGeom>
+                <a:blipFill rotWithShape="0">
+                  <a:blip r:embed="rId12"/>
+                  <a:stretch>
+                    <a:fillRect/>
+                  </a:stretch>
+                </a:blipFill>
+              </p:spPr>
+              <p:txBody>
+                <a:bodyPr/>
+                <a:lstStyle/>
+                <a:p>
+                  <a:r>
+                    <a:rPr lang="en-US">
+                      <a:noFill/>
+                    </a:rPr>
+                    <a:t> </a:t>
+                  </a:r>
+                </a:p>
+              </p:txBody>
+            </p:sp>
+          </mc:Fallback>
+        </mc:AlternateContent>
+        <mc:AlternateContent xmlns:mc="http://schemas.openxmlformats.org/markup-compatibility/2006" xmlns:a14="http://schemas.microsoft.com/office/drawing/2010/main">
+          <mc:Choice Requires="a14">
+            <p:sp>
+              <p:nvSpPr>
+                <p:cNvPr id="44" name="Rectangle 43"/>
+                <p:cNvSpPr/>
+                <p:nvPr/>
+              </p:nvSpPr>
+              <p:spPr>
+                <a:xfrm>
+                  <a:off x="6388918" y="1698439"/>
+                  <a:ext cx="525256" cy="247222"/>
+                </a:xfrm>
+                <a:prstGeom prst="rect">
+                  <a:avLst/>
+                </a:prstGeom>
+              </p:spPr>
+              <p:txBody>
+                <a:bodyPr wrap="none">
+                  <a:spAutoFit/>
+                </a:bodyPr>
+                <a:lstStyle/>
+                <a:p>
+                  <a:pPr/>
+                  <a14:m>
+                    <m:oMathPara xmlns:m="http://schemas.openxmlformats.org/officeDocument/2006/math">
+                      <m:oMathParaPr>
+                        <m:jc m:val="centerGroup"/>
+                      </m:oMathParaPr>
+                      <m:oMath xmlns:m="http://schemas.openxmlformats.org/officeDocument/2006/math">
+                        <m:sSub>
+                          <m:sSubPr>
+                            <m:ctrlPr>
+                              <a:rPr lang="en-US" sz="1440" i="1">
+                                <a:latin typeface="Cambria Math" panose="02040503050406030204" pitchFamily="18" charset="0"/>
+                              </a:rPr>
+                            </m:ctrlPr>
+                          </m:sSubPr>
+                          <m:e>
+                            <m:r>
+                              <a:rPr lang="en-US" sz="1440" i="1">
+                                <a:latin typeface="Cambria Math" panose="02040503050406030204" pitchFamily="18" charset="0"/>
+                              </a:rPr>
+                              <m:t>  </m:t>
+                            </m:r>
+                            <m:r>
+                              <a:rPr lang="en-US" sz="1440" i="1">
+                                <a:latin typeface="Cambria Math" panose="02040503050406030204" pitchFamily="18" charset="0"/>
+                              </a:rPr>
+                              <m:t>𝑆</m:t>
+                            </m:r>
+                          </m:e>
+                          <m:sub>
+                            <m:r>
+                              <a:rPr lang="en-US" sz="1440" i="1">
+                                <a:latin typeface="Cambria Math" panose="02040503050406030204" pitchFamily="18" charset="0"/>
+                              </a:rPr>
+                              <m:t>11</m:t>
+                            </m:r>
+                          </m:sub>
+                        </m:sSub>
+                      </m:oMath>
+                    </m:oMathPara>
+                  </a14:m>
+                  <a:endParaRPr lang="en-US" sz="1440" dirty="0"/>
+                </a:p>
+              </p:txBody>
+            </p:sp>
+          </mc:Choice>
+          <mc:Fallback xmlns="">
+            <p:sp>
+              <p:nvSpPr>
+                <p:cNvPr id="55" name="Rectangle 54"/>
+                <p:cNvSpPr>
+                  <a:spLocks noRot="1" noChangeAspect="1" noMove="1" noResize="1" noEditPoints="1" noAdjustHandles="1" noChangeArrowheads="1" noChangeShapeType="1" noTextEdit="1"/>
+                </p:cNvSpPr>
+                <p:nvPr/>
+              </p:nvSpPr>
+              <p:spPr>
+                <a:xfrm>
+                  <a:off x="6388918" y="1698439"/>
+                  <a:ext cx="580381" cy="307721"/>
+                </a:xfrm>
+                <a:prstGeom prst="rect">
+                  <a:avLst/>
+                </a:prstGeom>
+                <a:blipFill rotWithShape="0">
+                  <a:blip r:embed="rId13"/>
+                  <a:stretch>
+                    <a:fillRect/>
+                  </a:stretch>
+                </a:blipFill>
+              </p:spPr>
+              <p:txBody>
+                <a:bodyPr/>
+                <a:lstStyle/>
+                <a:p>
+                  <a:r>
+                    <a:rPr lang="en-US">
+                      <a:noFill/>
+                    </a:rPr>
+                    <a:t> </a:t>
+                  </a:r>
+                </a:p>
+              </p:txBody>
+            </p:sp>
+          </mc:Fallback>
+        </mc:AlternateContent>
+        <mc:AlternateContent xmlns:mc="http://schemas.openxmlformats.org/markup-compatibility/2006" xmlns:a14="http://schemas.microsoft.com/office/drawing/2010/main">
+          <mc:Choice Requires="a14">
+            <p:sp>
+              <p:nvSpPr>
+                <p:cNvPr id="45" name="Rectangle 44"/>
+                <p:cNvSpPr/>
+                <p:nvPr/>
+              </p:nvSpPr>
+              <p:spPr>
+                <a:xfrm>
+                  <a:off x="7207985" y="1698439"/>
+                  <a:ext cx="525256" cy="247222"/>
+                </a:xfrm>
+                <a:prstGeom prst="rect">
+                  <a:avLst/>
+                </a:prstGeom>
+              </p:spPr>
+              <p:txBody>
+                <a:bodyPr wrap="none">
+                  <a:spAutoFit/>
+                </a:bodyPr>
+                <a:lstStyle/>
+                <a:p>
+                  <a:pPr/>
+                  <a14:m>
+                    <m:oMathPara xmlns:m="http://schemas.openxmlformats.org/officeDocument/2006/math">
+                      <m:oMathParaPr>
+                        <m:jc m:val="centerGroup"/>
+                      </m:oMathParaPr>
+                      <m:oMath xmlns:m="http://schemas.openxmlformats.org/officeDocument/2006/math">
+                        <m:sSub>
+                          <m:sSubPr>
+                            <m:ctrlPr>
+                              <a:rPr lang="en-US" sz="1440" i="1">
+                                <a:latin typeface="Cambria Math" panose="02040503050406030204" pitchFamily="18" charset="0"/>
+                              </a:rPr>
+                            </m:ctrlPr>
+                          </m:sSubPr>
+                          <m:e>
+                            <m:r>
+                              <a:rPr lang="en-US" sz="1440" i="1">
+                                <a:latin typeface="Cambria Math" panose="02040503050406030204" pitchFamily="18" charset="0"/>
+                              </a:rPr>
+                              <m:t>  </m:t>
+                            </m:r>
+                            <m:r>
+                              <a:rPr lang="en-US" sz="1440" i="1">
+                                <a:latin typeface="Cambria Math" panose="02040503050406030204" pitchFamily="18" charset="0"/>
+                              </a:rPr>
+                              <m:t>𝑆</m:t>
+                            </m:r>
+                          </m:e>
+                          <m:sub>
+                            <m:r>
+                              <a:rPr lang="en-US" sz="1440" i="1">
+                                <a:latin typeface="Cambria Math" panose="02040503050406030204" pitchFamily="18" charset="0"/>
+                              </a:rPr>
+                              <m:t>12</m:t>
+                            </m:r>
+                          </m:sub>
+                        </m:sSub>
+                      </m:oMath>
+                    </m:oMathPara>
+                  </a14:m>
+                  <a:endParaRPr lang="en-US" sz="1440" dirty="0"/>
+                </a:p>
+              </p:txBody>
+            </p:sp>
+          </mc:Choice>
+          <mc:Fallback xmlns="">
+            <p:sp>
+              <p:nvSpPr>
+                <p:cNvPr id="57" name="Rectangle 56"/>
+                <p:cNvSpPr>
+                  <a:spLocks noRot="1" noChangeAspect="1" noMove="1" noResize="1" noEditPoints="1" noAdjustHandles="1" noChangeArrowheads="1" noChangeShapeType="1" noTextEdit="1"/>
+                </p:cNvSpPr>
+                <p:nvPr/>
+              </p:nvSpPr>
+              <p:spPr>
+                <a:xfrm>
+                  <a:off x="7207985" y="1698439"/>
+                  <a:ext cx="580381" cy="307721"/>
+                </a:xfrm>
+                <a:prstGeom prst="rect">
+                  <a:avLst/>
+                </a:prstGeom>
+                <a:blipFill rotWithShape="0">
+                  <a:blip r:embed="rId14"/>
+                  <a:stretch>
+                    <a:fillRect/>
+                  </a:stretch>
+                </a:blipFill>
+              </p:spPr>
+              <p:txBody>
+                <a:bodyPr/>
+                <a:lstStyle/>
+                <a:p>
+                  <a:r>
+                    <a:rPr lang="en-US">
+                      <a:noFill/>
+                    </a:rPr>
+                    <a:t> </a:t>
+                  </a:r>
+                </a:p>
+              </p:txBody>
+            </p:sp>
+          </mc:Fallback>
+        </mc:AlternateContent>
+      </p:grpSp>
+    </p:spTree>
+    <p:extLst>
+      <p:ext uri="{BB962C8B-B14F-4D97-AF65-F5344CB8AC3E}">
+        <p14:creationId xmlns:p14="http://schemas.microsoft.com/office/powerpoint/2010/main" val="1273171544"/>
+      </p:ext>
+    </p:extLst>
+  </p:cSld>
+  <p:clrMapOvr>
+    <a:masterClrMapping/>
+  </p:clrMapOvr>
+</p:sld>
+</file>
+
 <file path=ppt/slides/slide2.xml><?xml version="1.0" encoding="utf-8"?>
 <p:sld xmlns:a="http://schemas.openxmlformats.org/drawingml/2006/main" xmlns:r="http://schemas.openxmlformats.org/officeDocument/2006/relationships" xmlns:p="http://schemas.openxmlformats.org/presentationml/2006/main">
   <p:cSld>
@@ -3516,120 +6349,295 @@
             <p:ph type="title"/>
           </p:nvPr>
         </p:nvSpPr>
+        <p:spPr/>
+        <p:txBody>
+          <a:bodyPr/>
+          <a:lstStyle/>
+          <a:p>
+            <a:r>
+              <a:rPr lang="en-US" dirty="0"/>
+              <a:t>The Heisenbug problem</a:t>
+            </a:r>
+          </a:p>
+        </p:txBody>
+      </p:sp>
+      <p:sp>
+        <p:nvSpPr>
+          <p:cNvPr id="6" name="Rectangle 5"/>
+          <p:cNvSpPr/>
+          <p:nvPr/>
+        </p:nvSpPr>
         <p:spPr>
           <a:xfrm>
-            <a:off x="914003" y="365125"/>
-            <a:ext cx="10515600" cy="1485797"/>
+            <a:off x="5848285" y="2011680"/>
+            <a:ext cx="2225040" cy="1270000"/>
           </a:xfrm>
+          <a:prstGeom prst="rect">
+            <a:avLst/>
+          </a:prstGeom>
+          <a:noFill/>
+          <a:ln w="25400">
+            <a:solidFill>
+              <a:schemeClr val="tx1"/>
+            </a:solidFill>
+          </a:ln>
         </p:spPr>
-        <p:txBody>
-          <a:bodyPr>
-            <a:normAutofit/>
+        <p:style>
+          <a:lnRef idx="2">
+            <a:schemeClr val="accent1">
+              <a:shade val="50000"/>
+            </a:schemeClr>
+          </a:lnRef>
+          <a:fillRef idx="1">
+            <a:schemeClr val="accent1"/>
+          </a:fillRef>
+          <a:effectRef idx="0">
+            <a:schemeClr val="accent1"/>
+          </a:effectRef>
+          <a:fontRef idx="minor">
+            <a:schemeClr val="lt1"/>
+          </a:fontRef>
+        </p:style>
+        <p:txBody>
+          <a:bodyPr rtlCol="0" anchor="ctr"/>
+          <a:lstStyle/>
+          <a:p>
+            <a:pPr algn="ctr"/>
+            <a:endParaRPr lang="en-US"/>
+          </a:p>
+        </p:txBody>
+      </p:sp>
+      <p:sp>
+        <p:nvSpPr>
+          <p:cNvPr id="7" name="TextBox 6"/>
+          <p:cNvSpPr txBox="1"/>
+          <p:nvPr/>
+        </p:nvSpPr>
+        <p:spPr>
+          <a:xfrm>
+            <a:off x="3015991" y="2410460"/>
+            <a:ext cx="1222258" cy="523220"/>
+          </a:xfrm>
+          <a:prstGeom prst="rect">
+            <a:avLst/>
+          </a:prstGeom>
+          <a:noFill/>
+        </p:spPr>
+        <p:txBody>
+          <a:bodyPr wrap="none" rtlCol="0">
+            <a:spAutoFit/>
           </a:bodyPr>
           <a:lstStyle/>
           <a:p>
             <a:r>
-              <a:rPr lang="en-US" sz="4000" dirty="0"/>
-              <a:t>P: A language to prevent Heisenbugs in asynchronous systems</a:t>
-            </a:r>
-          </a:p>
-        </p:txBody>
-      </p:sp>
-      <p:sp>
-        <p:nvSpPr>
-          <p:cNvPr id="3" name="Content Placeholder 2"/>
-          <p:cNvSpPr>
-            <a:spLocks noGrp="1"/>
-          </p:cNvSpPr>
-          <p:nvPr>
-            <p:ph idx="1"/>
-          </p:nvPr>
+              <a:rPr lang="en-US" sz="2800" dirty="0"/>
+              <a:t>System</a:t>
+            </a:r>
+          </a:p>
+        </p:txBody>
+      </p:sp>
+      <p:sp>
+        <p:nvSpPr>
+          <p:cNvPr id="8" name="TextBox 7"/>
+          <p:cNvSpPr txBox="1"/>
+          <p:nvPr/>
         </p:nvSpPr>
         <p:spPr>
           <a:xfrm>
-            <a:off x="914003" y="2187673"/>
-            <a:ext cx="10515600" cy="4009911"/>
+            <a:off x="5933440" y="2410460"/>
+            <a:ext cx="2054730" cy="523220"/>
           </a:xfrm>
+          <a:prstGeom prst="rect">
+            <a:avLst/>
+          </a:prstGeom>
+          <a:noFill/>
         </p:spPr>
         <p:txBody>
-          <a:bodyPr>
-            <a:normAutofit/>
+          <a:bodyPr wrap="none" rtlCol="0">
+            <a:spAutoFit/>
           </a:bodyPr>
           <a:lstStyle/>
           <a:p>
             <a:r>
-              <a:rPr lang="en-US" dirty="0"/>
-              <a:t>Heisenbug: A bug due to rare concurrent interactions and failures</a:t>
-            </a:r>
-          </a:p>
-          <a:p>
-            <a:pPr lvl="1"/>
-            <a:r>
-              <a:rPr lang="en-US" dirty="0"/>
+              <a:rPr lang="en-US" sz="2800" dirty="0"/>
+              <a:t>Environment</a:t>
+            </a:r>
+          </a:p>
+        </p:txBody>
+      </p:sp>
+      <p:sp>
+        <p:nvSpPr>
+          <p:cNvPr id="9" name="Rectangle 8"/>
+          <p:cNvSpPr/>
+          <p:nvPr/>
+        </p:nvSpPr>
+        <p:spPr>
+          <a:xfrm>
+            <a:off x="2514600" y="2011680"/>
+            <a:ext cx="2225040" cy="1270000"/>
+          </a:xfrm>
+          <a:prstGeom prst="rect">
+            <a:avLst/>
+          </a:prstGeom>
+          <a:noFill/>
+          <a:ln w="25400">
+            <a:solidFill>
+              <a:schemeClr val="tx1"/>
+            </a:solidFill>
+          </a:ln>
+        </p:spPr>
+        <p:style>
+          <a:lnRef idx="2">
+            <a:schemeClr val="accent1">
+              <a:shade val="50000"/>
+            </a:schemeClr>
+          </a:lnRef>
+          <a:fillRef idx="1">
+            <a:schemeClr val="accent1"/>
+          </a:fillRef>
+          <a:effectRef idx="0">
+            <a:schemeClr val="accent1"/>
+          </a:effectRef>
+          <a:fontRef idx="minor">
+            <a:schemeClr val="lt1"/>
+          </a:fontRef>
+        </p:style>
+        <p:txBody>
+          <a:bodyPr rtlCol="0" anchor="ctr"/>
+          <a:lstStyle/>
+          <a:p>
+            <a:pPr algn="ctr"/>
+            <a:endParaRPr lang="en-US"/>
+          </a:p>
+        </p:txBody>
+      </p:sp>
+      <p:cxnSp>
+        <p:nvCxnSpPr>
+          <p:cNvPr id="13" name="Straight Arrow Connector 12"/>
+          <p:cNvCxnSpPr>
+            <a:stCxn id="9" idx="3"/>
+            <a:endCxn id="6" idx="1"/>
+          </p:cNvCxnSpPr>
+          <p:nvPr/>
+        </p:nvCxnSpPr>
+        <p:spPr>
+          <a:xfrm>
+            <a:off x="4739640" y="2646680"/>
+            <a:ext cx="1108645" cy="0"/>
+          </a:xfrm>
+          <a:prstGeom prst="straightConnector1">
+            <a:avLst/>
+          </a:prstGeom>
+          <a:ln w="25400">
+            <a:solidFill>
+              <a:schemeClr val="tx1"/>
+            </a:solidFill>
+            <a:headEnd type="triangle"/>
+            <a:tailEnd type="triangle"/>
+          </a:ln>
+        </p:spPr>
+        <p:style>
+          <a:lnRef idx="1">
+            <a:schemeClr val="accent1"/>
+          </a:lnRef>
+          <a:fillRef idx="0">
+            <a:schemeClr val="accent1"/>
+          </a:fillRef>
+          <a:effectRef idx="0">
+            <a:schemeClr val="accent1"/>
+          </a:effectRef>
+          <a:fontRef idx="minor">
+            <a:schemeClr val="tx1"/>
+          </a:fontRef>
+        </p:style>
+      </p:cxnSp>
+      <p:sp>
+        <p:nvSpPr>
+          <p:cNvPr id="15" name="TextBox 14"/>
+          <p:cNvSpPr txBox="1"/>
+          <p:nvPr/>
+        </p:nvSpPr>
+        <p:spPr>
+          <a:xfrm>
+            <a:off x="1244600" y="3683952"/>
+            <a:ext cx="10170413" cy="2123658"/>
+          </a:xfrm>
+          <a:prstGeom prst="rect">
+            <a:avLst/>
+          </a:prstGeom>
+          <a:noFill/>
+        </p:spPr>
+        <p:txBody>
+          <a:bodyPr wrap="none" rtlCol="0">
+            <a:spAutoFit/>
+          </a:bodyPr>
+          <a:lstStyle/>
+          <a:p>
+            <a:pPr marL="342900" indent="-342900">
+              <a:buFont typeface="Arial" panose="020B0604020202020204" pitchFamily="34" charset="0"/>
+              <a:buChar char="•"/>
+            </a:pPr>
+            <a:r>
+              <a:rPr lang="en-US" sz="2400" dirty="0"/>
+              <a:t>Happen when interaction between system and environment is uncontrollable</a:t>
+            </a:r>
+          </a:p>
+          <a:p>
+            <a:pPr marL="800100" lvl="1" indent="-342900">
+              <a:buFont typeface="Arial" panose="020B0604020202020204" pitchFamily="34" charset="0"/>
+              <a:buChar char="•"/>
+            </a:pPr>
+            <a:r>
+              <a:rPr lang="en-US" sz="2000" dirty="0"/>
+              <a:t>Timing-dependent behavior</a:t>
+            </a:r>
+          </a:p>
+          <a:p>
+            <a:pPr marL="800100" lvl="1" indent="-342900">
+              <a:buFont typeface="Arial" panose="020B0604020202020204" pitchFamily="34" charset="0"/>
+              <a:buChar char="•"/>
+            </a:pPr>
+            <a:r>
+              <a:rPr lang="en-US" sz="2000" dirty="0"/>
+              <a:t>Failures</a:t>
+            </a:r>
+          </a:p>
+          <a:p>
+            <a:pPr marL="800100" lvl="1" indent="-342900">
+              <a:buFont typeface="Arial" panose="020B0604020202020204" pitchFamily="34" charset="0"/>
+              <a:buChar char="•"/>
+            </a:pPr>
+            <a:r>
+              <a:rPr lang="en-US" sz="2000" dirty="0"/>
+              <a:t>Physical world, more generally</a:t>
+            </a:r>
+          </a:p>
+          <a:p>
+            <a:pPr marL="342900" indent="-342900">
+              <a:buFont typeface="Arial" panose="020B0604020202020204" pitchFamily="34" charset="0"/>
+              <a:buChar char="•"/>
+            </a:pPr>
+            <a:r>
+              <a:rPr lang="en-US" sz="2400" dirty="0"/>
               <a:t>Extremely difficult to reproduce, diagnose, and fix</a:t>
             </a:r>
           </a:p>
           <a:p>
-            <a:pPr lvl="1"/>
-            <a:r>
-              <a:rPr lang="en-US" dirty="0"/>
+            <a:pPr marL="342900" indent="-342900">
+              <a:buFont typeface="Arial" panose="020B0604020202020204" pitchFamily="34" charset="0"/>
+              <a:buChar char="•"/>
+            </a:pPr>
+            <a:r>
+              <a:rPr lang="en-US" sz="2400" dirty="0"/>
               <a:t>Enormous impediment to programmer productivity and software quality</a:t>
             </a:r>
-          </a:p>
-          <a:p>
-            <a:pPr lvl="1"/>
-            <a:endParaRPr lang="en-US" dirty="0"/>
-          </a:p>
-          <a:p>
-            <a:r>
-              <a:rPr lang="en-US" dirty="0"/>
-              <a:t>A P program is collection of </a:t>
-            </a:r>
-            <a:r>
-              <a:rPr lang="en-US" b="1" dirty="0"/>
-              <a:t>state machines </a:t>
-            </a:r>
-            <a:r>
-              <a:rPr lang="en-US" dirty="0"/>
-              <a:t>(actors with states)</a:t>
-            </a:r>
-          </a:p>
-          <a:p>
-            <a:pPr lvl="1"/>
-            <a:r>
-              <a:rPr lang="en-US" dirty="0"/>
-              <a:t>Systematic testing of concurrent interactions and failure scenarios </a:t>
-            </a:r>
-          </a:p>
-          <a:p>
-            <a:pPr lvl="1"/>
-            <a:r>
-              <a:rPr lang="en-US" dirty="0"/>
-              <a:t>Compiled code runs in production: tested code identical to executed code</a:t>
-            </a:r>
-          </a:p>
-          <a:p>
-            <a:endParaRPr lang="en-US" dirty="0"/>
-          </a:p>
-          <a:p>
-            <a:r>
-              <a:rPr lang="en-US" dirty="0"/>
-              <a:t>Open source: </a:t>
-            </a:r>
-            <a:r>
-              <a:rPr lang="en-US" dirty="0">
-                <a:hlinkClick r:id="rId3"/>
-              </a:rPr>
-              <a:t>http://github.com/p-org</a:t>
-            </a:r>
-            <a:endParaRPr lang="en-US" dirty="0"/>
           </a:p>
         </p:txBody>
       </p:sp>
     </p:spTree>
     <p:extLst>
       <p:ext uri="{BB962C8B-B14F-4D97-AF65-F5344CB8AC3E}">
-        <p14:creationId xmlns:p14="http://schemas.microsoft.com/office/powerpoint/2010/main" val="4177265204"/>
+        <p14:creationId xmlns:p14="http://schemas.microsoft.com/office/powerpoint/2010/main" val="2734397116"/>
       </p:ext>
     </p:extLst>
   </p:cSld>
@@ -4311,8 +7319,8 @@
           </p:nvSpPr>
           <p:spPr>
             <a:xfrm>
-              <a:off x="3714750" y="2931653"/>
-              <a:ext cx="1822422" cy="1200329"/>
+              <a:off x="3794760" y="2931653"/>
+              <a:ext cx="1742412" cy="1200329"/>
             </a:xfrm>
             <a:prstGeom prst="rect">
               <a:avLst/>
@@ -4320,7 +7328,7 @@
             <a:noFill/>
           </p:spPr>
           <p:txBody>
-            <a:bodyPr wrap="none" rtlCol="0">
+            <a:bodyPr wrap="square" rtlCol="0">
               <a:spAutoFit/>
             </a:bodyPr>
             <a:lstStyle/>
@@ -4337,21 +7345,24 @@
               <a:endParaRPr lang="en-US" dirty="0"/>
             </a:p>
             <a:p>
+              <a:pPr algn="ctr"/>
               <a:r>
                 <a:rPr lang="en-US" dirty="0"/>
-                <a:t>Unit Test with</a:t>
+                <a:t>Unit </a:t>
               </a:r>
             </a:p>
             <a:p>
+              <a:pPr algn="ctr"/>
               <a:r>
                 <a:rPr lang="en-US" dirty="0"/>
-                <a:t>Controllable </a:t>
+                <a:t>Interaction </a:t>
               </a:r>
             </a:p>
             <a:p>
+              <a:pPr algn="ctr"/>
               <a:r>
                 <a:rPr lang="en-US" dirty="0"/>
-                <a:t>Nondeterminism </a:t>
+                <a:t>Test </a:t>
               </a:r>
             </a:p>
           </p:txBody>
@@ -4593,6 +7604,7 @@
           <p:nvCxnSpPr>
             <p:cNvPr id="3" name="Straight Arrow Connector 2"/>
             <p:cNvCxnSpPr>
+              <a:cxnSpLocks/>
               <a:stCxn id="29" idx="3"/>
               <a:endCxn id="27" idx="2"/>
             </p:cNvCxnSpPr>
@@ -4637,8 +7649,8 @@
         </p:nvSpPr>
         <p:spPr>
           <a:xfrm>
-            <a:off x="671670" y="301555"/>
-            <a:ext cx="10728771" cy="1446550"/>
+            <a:off x="757912" y="301555"/>
+            <a:ext cx="10556288" cy="1446550"/>
           </a:xfrm>
           <a:prstGeom prst="rect">
             <a:avLst/>
@@ -4654,14 +7666,14 @@
             <a:pPr algn="ctr"/>
             <a:r>
               <a:rPr lang="en-US" sz="4400" dirty="0"/>
-              <a:t>Find and fix Heisenbugs during development </a:t>
+              <a:t>Find and fix Heisenbugs during system</a:t>
             </a:r>
           </a:p>
           <a:p>
             <a:pPr algn="ctr"/>
             <a:r>
               <a:rPr lang="en-US" sz="4400" dirty="0"/>
-              <a:t>and testing (not in production)!</a:t>
+              <a:t>development and testing (not in production)!</a:t>
             </a:r>
           </a:p>
         </p:txBody>
@@ -4773,13 +7785,1056 @@
       </p:grpSpPr>
       <p:sp>
         <p:nvSpPr>
+          <p:cNvPr id="2" name="Title 1"/>
+          <p:cNvSpPr>
+            <a:spLocks noGrp="1"/>
+          </p:cNvSpPr>
+          <p:nvPr>
+            <p:ph type="title"/>
+          </p:nvPr>
+        </p:nvSpPr>
+        <p:spPr>
+          <a:xfrm>
+            <a:off x="269241" y="289957"/>
+            <a:ext cx="11655840" cy="899537"/>
+          </a:xfrm>
+        </p:spPr>
+        <p:txBody>
+          <a:bodyPr>
+            <a:normAutofit/>
+          </a:bodyPr>
+          <a:lstStyle/>
+          <a:p>
+            <a:r>
+              <a:rPr lang="en-US" dirty="0"/>
+              <a:t>P: A language for writing asynchronous controllers</a:t>
+            </a:r>
+            <a:endParaRPr lang="en-US" dirty="0"/>
+          </a:p>
+        </p:txBody>
+      </p:sp>
+      <p:sp>
+        <p:nvSpPr>
+          <p:cNvPr id="4" name="Rectangle 3"/>
+          <p:cNvSpPr/>
+          <p:nvPr/>
+        </p:nvSpPr>
+        <p:spPr bwMode="auto">
+          <a:xfrm>
+            <a:off x="3496397" y="4863254"/>
+            <a:ext cx="1882472" cy="896425"/>
+          </a:xfrm>
+          <a:prstGeom prst="rect">
+            <a:avLst/>
+          </a:prstGeom>
+          <a:noFill/>
+          <a:ln w="25400">
+            <a:solidFill>
+              <a:srgbClr val="000000"/>
+            </a:solidFill>
+            <a:headEnd type="none" w="med" len="med"/>
+            <a:tailEnd type="none" w="med" len="med"/>
+          </a:ln>
+          <a:effectLst/>
+        </p:spPr>
+        <p:style>
+          <a:lnRef idx="1">
+            <a:schemeClr val="accent2"/>
+          </a:lnRef>
+          <a:fillRef idx="3">
+            <a:schemeClr val="accent2"/>
+          </a:fillRef>
+          <a:effectRef idx="2">
+            <a:schemeClr val="accent2"/>
+          </a:effectRef>
+          <a:fontRef idx="minor">
+            <a:schemeClr val="lt1"/>
+          </a:fontRef>
+        </p:style>
+        <p:txBody>
+          <a:bodyPr rot="0" spcFirstLastPara="0" vertOverflow="overflow" horzOverflow="overflow" vert="horz" wrap="square" lIns="179285" tIns="143428" rIns="179285" bIns="143428" numCol="1" spcCol="0" rtlCol="0" fromWordArt="0" anchor="t" anchorCtr="0" forceAA="0" compatLnSpc="1">
+            <a:prstTxWarp prst="textNoShape">
+              <a:avLst/>
+            </a:prstTxWarp>
+            <a:noAutofit/>
+          </a:bodyPr>
+          <a:lstStyle/>
+          <a:p>
+            <a:pPr algn="ctr" defTabSz="914102" fontAlgn="base">
+              <a:lnSpc>
+                <a:spcPct val="90000"/>
+              </a:lnSpc>
+              <a:spcBef>
+                <a:spcPct val="0"/>
+              </a:spcBef>
+              <a:spcAft>
+                <a:spcPct val="0"/>
+              </a:spcAft>
+            </a:pPr>
+            <a:endParaRPr lang="en-US" sz="2353" dirty="0" err="1">
+              <a:gradFill>
+                <a:gsLst>
+                  <a:gs pos="0">
+                    <a:srgbClr val="FFFFFF"/>
+                  </a:gs>
+                  <a:gs pos="100000">
+                    <a:srgbClr val="FFFFFF"/>
+                  </a:gs>
+                </a:gsLst>
+                <a:lin ang="5400000" scaled="0"/>
+              </a:gradFill>
+              <a:ea typeface="Segoe UI" pitchFamily="34" charset="0"/>
+              <a:cs typeface="Segoe UI" pitchFamily="34" charset="0"/>
+            </a:endParaRPr>
+          </a:p>
+        </p:txBody>
+      </p:sp>
+      <p:sp>
+        <p:nvSpPr>
+          <p:cNvPr id="6" name="TextBox 5"/>
+          <p:cNvSpPr txBox="1"/>
+          <p:nvPr/>
+        </p:nvSpPr>
+        <p:spPr>
+          <a:xfrm>
+            <a:off x="3675680" y="4952906"/>
+            <a:ext cx="1386391" cy="724135"/>
+          </a:xfrm>
+          <a:prstGeom prst="rect">
+            <a:avLst/>
+          </a:prstGeom>
+          <a:noFill/>
+        </p:spPr>
+        <p:txBody>
+          <a:bodyPr wrap="none" lIns="179285" tIns="143428" rIns="179285" bIns="143428" rtlCol="0">
+            <a:spAutoFit/>
+          </a:bodyPr>
+          <a:lstStyle/>
+          <a:p>
+            <a:pPr>
+              <a:lnSpc>
+                <a:spcPct val="90000"/>
+              </a:lnSpc>
+              <a:spcAft>
+                <a:spcPts val="588"/>
+              </a:spcAft>
+            </a:pPr>
+            <a:r>
+              <a:rPr lang="en-US" sz="3137" dirty="0">
+                <a:solidFill>
+                  <a:schemeClr val="tx1">
+                    <a:lumMod val="50000"/>
+                  </a:schemeClr>
+                </a:solidFill>
+              </a:rPr>
+              <a:t>P </a:t>
+            </a:r>
+            <a:r>
+              <a:rPr lang="en-US" sz="3137" dirty="0">
+                <a:solidFill>
+                  <a:schemeClr val="tx1">
+                    <a:lumMod val="50000"/>
+                  </a:schemeClr>
+                </a:solidFill>
+                <a:sym typeface="Symbol" panose="05050102010706020507" pitchFamily="18" charset="2"/>
+              </a:rPr>
+              <a:t> C</a:t>
+            </a:r>
+            <a:endParaRPr lang="en-US" sz="3137" dirty="0">
+              <a:solidFill>
+                <a:schemeClr val="tx1">
+                  <a:lumMod val="50000"/>
+                </a:schemeClr>
+              </a:solidFill>
+            </a:endParaRPr>
+          </a:p>
+        </p:txBody>
+      </p:sp>
+      <p:sp>
+        <p:nvSpPr>
+          <p:cNvPr id="7" name="Rectangle 6"/>
+          <p:cNvSpPr/>
+          <p:nvPr/>
+        </p:nvSpPr>
+        <p:spPr bwMode="auto">
+          <a:xfrm>
+            <a:off x="6364926" y="4863254"/>
+            <a:ext cx="1882472" cy="896425"/>
+          </a:xfrm>
+          <a:prstGeom prst="rect">
+            <a:avLst/>
+          </a:prstGeom>
+          <a:noFill/>
+          <a:ln w="25400">
+            <a:solidFill>
+              <a:srgbClr val="000000"/>
+            </a:solidFill>
+            <a:headEnd type="none" w="med" len="med"/>
+            <a:tailEnd type="none" w="med" len="med"/>
+          </a:ln>
+          <a:effectLst/>
+        </p:spPr>
+        <p:style>
+          <a:lnRef idx="1">
+            <a:schemeClr val="accent2"/>
+          </a:lnRef>
+          <a:fillRef idx="3">
+            <a:schemeClr val="accent2"/>
+          </a:fillRef>
+          <a:effectRef idx="2">
+            <a:schemeClr val="accent2"/>
+          </a:effectRef>
+          <a:fontRef idx="minor">
+            <a:schemeClr val="lt1"/>
+          </a:fontRef>
+        </p:style>
+        <p:txBody>
+          <a:bodyPr rot="0" spcFirstLastPara="0" vertOverflow="overflow" horzOverflow="overflow" vert="horz" wrap="square" lIns="179285" tIns="143428" rIns="179285" bIns="143428" numCol="1" spcCol="0" rtlCol="0" fromWordArt="0" anchor="t" anchorCtr="0" forceAA="0" compatLnSpc="1">
+            <a:prstTxWarp prst="textNoShape">
+              <a:avLst/>
+            </a:prstTxWarp>
+            <a:noAutofit/>
+          </a:bodyPr>
+          <a:lstStyle/>
+          <a:p>
+            <a:pPr algn="ctr" defTabSz="914102" fontAlgn="base">
+              <a:lnSpc>
+                <a:spcPct val="90000"/>
+              </a:lnSpc>
+              <a:spcBef>
+                <a:spcPct val="0"/>
+              </a:spcBef>
+              <a:spcAft>
+                <a:spcPct val="0"/>
+              </a:spcAft>
+            </a:pPr>
+            <a:endParaRPr lang="en-US" sz="2353" dirty="0" err="1">
+              <a:gradFill>
+                <a:gsLst>
+                  <a:gs pos="0">
+                    <a:srgbClr val="FFFFFF"/>
+                  </a:gs>
+                  <a:gs pos="100000">
+                    <a:srgbClr val="FFFFFF"/>
+                  </a:gs>
+                </a:gsLst>
+                <a:lin ang="5400000" scaled="0"/>
+              </a:gradFill>
+              <a:ea typeface="Segoe UI" pitchFamily="34" charset="0"/>
+              <a:cs typeface="Segoe UI" pitchFamily="34" charset="0"/>
+            </a:endParaRPr>
+          </a:p>
+        </p:txBody>
+      </p:sp>
+      <p:sp>
+        <p:nvSpPr>
+          <p:cNvPr id="8" name="TextBox 7"/>
+          <p:cNvSpPr txBox="1"/>
+          <p:nvPr/>
+        </p:nvSpPr>
+        <p:spPr>
+          <a:xfrm>
+            <a:off x="6295656" y="4952906"/>
+            <a:ext cx="1790091" cy="724135"/>
+          </a:xfrm>
+          <a:prstGeom prst="rect">
+            <a:avLst/>
+          </a:prstGeom>
+          <a:noFill/>
+        </p:spPr>
+        <p:txBody>
+          <a:bodyPr wrap="none" lIns="179285" tIns="143428" rIns="179285" bIns="143428" rtlCol="0">
+            <a:spAutoFit/>
+          </a:bodyPr>
+          <a:lstStyle/>
+          <a:p>
+            <a:pPr>
+              <a:lnSpc>
+                <a:spcPct val="90000"/>
+              </a:lnSpc>
+              <a:spcAft>
+                <a:spcPts val="588"/>
+              </a:spcAft>
+            </a:pPr>
+            <a:r>
+              <a:rPr lang="en-US" sz="3137" dirty="0">
+                <a:solidFill>
+                  <a:schemeClr val="tx1">
+                    <a:lumMod val="50000"/>
+                  </a:schemeClr>
+                </a:solidFill>
+              </a:rPr>
+              <a:t>P </a:t>
+            </a:r>
+            <a:r>
+              <a:rPr lang="en-US" sz="3137" dirty="0">
+                <a:solidFill>
+                  <a:schemeClr val="tx1">
+                    <a:lumMod val="50000"/>
+                  </a:schemeClr>
+                </a:solidFill>
+                <a:sym typeface="Symbol" panose="05050102010706020507" pitchFamily="18" charset="2"/>
+              </a:rPr>
+              <a:t> C++</a:t>
+            </a:r>
+            <a:endParaRPr lang="en-US" sz="3137" dirty="0">
+              <a:solidFill>
+                <a:schemeClr val="tx1">
+                  <a:lumMod val="50000"/>
+                </a:schemeClr>
+              </a:solidFill>
+            </a:endParaRPr>
+          </a:p>
+        </p:txBody>
+      </p:sp>
+      <p:sp>
+        <p:nvSpPr>
+          <p:cNvPr id="9" name="Rectangle 8"/>
+          <p:cNvSpPr/>
+          <p:nvPr/>
+        </p:nvSpPr>
+        <p:spPr bwMode="auto">
+          <a:xfrm>
+            <a:off x="9233454" y="4863254"/>
+            <a:ext cx="1882472" cy="896425"/>
+          </a:xfrm>
+          <a:prstGeom prst="rect">
+            <a:avLst/>
+          </a:prstGeom>
+          <a:noFill/>
+          <a:ln w="25400">
+            <a:solidFill>
+              <a:srgbClr val="000000"/>
+            </a:solidFill>
+            <a:headEnd type="none" w="med" len="med"/>
+            <a:tailEnd type="none" w="med" len="med"/>
+          </a:ln>
+          <a:effectLst/>
+        </p:spPr>
+        <p:style>
+          <a:lnRef idx="1">
+            <a:schemeClr val="accent2"/>
+          </a:lnRef>
+          <a:fillRef idx="3">
+            <a:schemeClr val="accent2"/>
+          </a:fillRef>
+          <a:effectRef idx="2">
+            <a:schemeClr val="accent2"/>
+          </a:effectRef>
+          <a:fontRef idx="minor">
+            <a:schemeClr val="lt1"/>
+          </a:fontRef>
+        </p:style>
+        <p:txBody>
+          <a:bodyPr rot="0" spcFirstLastPara="0" vertOverflow="overflow" horzOverflow="overflow" vert="horz" wrap="square" lIns="179285" tIns="143428" rIns="179285" bIns="143428" numCol="1" spcCol="0" rtlCol="0" fromWordArt="0" anchor="t" anchorCtr="0" forceAA="0" compatLnSpc="1">
+            <a:prstTxWarp prst="textNoShape">
+              <a:avLst/>
+            </a:prstTxWarp>
+            <a:noAutofit/>
+          </a:bodyPr>
+          <a:lstStyle/>
+          <a:p>
+            <a:pPr algn="ctr" defTabSz="914102" fontAlgn="base">
+              <a:lnSpc>
+                <a:spcPct val="90000"/>
+              </a:lnSpc>
+              <a:spcBef>
+                <a:spcPct val="0"/>
+              </a:spcBef>
+              <a:spcAft>
+                <a:spcPct val="0"/>
+              </a:spcAft>
+            </a:pPr>
+            <a:endParaRPr lang="en-US" sz="2353" dirty="0" err="1">
+              <a:gradFill>
+                <a:gsLst>
+                  <a:gs pos="0">
+                    <a:srgbClr val="FFFFFF"/>
+                  </a:gs>
+                  <a:gs pos="100000">
+                    <a:srgbClr val="FFFFFF"/>
+                  </a:gs>
+                </a:gsLst>
+                <a:lin ang="5400000" scaled="0"/>
+              </a:gradFill>
+              <a:ea typeface="Segoe UI" pitchFamily="34" charset="0"/>
+              <a:cs typeface="Segoe UI" pitchFamily="34" charset="0"/>
+            </a:endParaRPr>
+          </a:p>
+        </p:txBody>
+      </p:sp>
+      <p:sp>
+        <p:nvSpPr>
+          <p:cNvPr id="10" name="TextBox 9"/>
+          <p:cNvSpPr txBox="1"/>
+          <p:nvPr/>
+        </p:nvSpPr>
+        <p:spPr>
+          <a:xfrm>
+            <a:off x="9312729" y="4952906"/>
+            <a:ext cx="1586766" cy="724135"/>
+          </a:xfrm>
+          <a:prstGeom prst="rect">
+            <a:avLst/>
+          </a:prstGeom>
+          <a:noFill/>
+        </p:spPr>
+        <p:txBody>
+          <a:bodyPr wrap="none" lIns="179285" tIns="143428" rIns="179285" bIns="143428" rtlCol="0">
+            <a:spAutoFit/>
+          </a:bodyPr>
+          <a:lstStyle/>
+          <a:p>
+            <a:pPr>
+              <a:lnSpc>
+                <a:spcPct val="90000"/>
+              </a:lnSpc>
+              <a:spcAft>
+                <a:spcPts val="588"/>
+              </a:spcAft>
+            </a:pPr>
+            <a:r>
+              <a:rPr lang="en-US" sz="3137" dirty="0">
+                <a:solidFill>
+                  <a:schemeClr val="tx1">
+                    <a:lumMod val="50000"/>
+                  </a:schemeClr>
+                </a:solidFill>
+              </a:rPr>
+              <a:t>P </a:t>
+            </a:r>
+            <a:r>
+              <a:rPr lang="en-US" sz="3137" dirty="0">
+                <a:solidFill>
+                  <a:schemeClr val="tx1">
+                    <a:lumMod val="50000"/>
+                  </a:schemeClr>
+                </a:solidFill>
+                <a:sym typeface="Symbol" panose="05050102010706020507" pitchFamily="18" charset="2"/>
+              </a:rPr>
+              <a:t> C#</a:t>
+            </a:r>
+            <a:endParaRPr lang="en-US" sz="3137" dirty="0">
+              <a:solidFill>
+                <a:schemeClr val="tx1">
+                  <a:lumMod val="50000"/>
+                </a:schemeClr>
+              </a:solidFill>
+            </a:endParaRPr>
+          </a:p>
+        </p:txBody>
+      </p:sp>
+      <p:sp>
+        <p:nvSpPr>
+          <p:cNvPr id="14" name="Rectangle 13"/>
+          <p:cNvSpPr/>
+          <p:nvPr/>
+        </p:nvSpPr>
+        <p:spPr bwMode="auto">
+          <a:xfrm>
+            <a:off x="2599982" y="3886195"/>
+            <a:ext cx="9412358" cy="2142409"/>
+          </a:xfrm>
+          <a:prstGeom prst="rect">
+            <a:avLst/>
+          </a:prstGeom>
+          <a:noFill/>
+          <a:ln w="25400">
+            <a:solidFill>
+              <a:schemeClr val="tx1">
+                <a:lumMod val="50000"/>
+              </a:schemeClr>
+            </a:solidFill>
+            <a:headEnd type="none" w="med" len="med"/>
+            <a:tailEnd type="none" w="med" len="med"/>
+          </a:ln>
+          <a:effectLst/>
+        </p:spPr>
+        <p:style>
+          <a:lnRef idx="1">
+            <a:schemeClr val="accent2"/>
+          </a:lnRef>
+          <a:fillRef idx="3">
+            <a:schemeClr val="accent2"/>
+          </a:fillRef>
+          <a:effectRef idx="2">
+            <a:schemeClr val="accent2"/>
+          </a:effectRef>
+          <a:fontRef idx="minor">
+            <a:schemeClr val="lt1"/>
+          </a:fontRef>
+        </p:style>
+        <p:txBody>
+          <a:bodyPr rot="0" spcFirstLastPara="0" vertOverflow="overflow" horzOverflow="overflow" vert="horz" wrap="square" lIns="179285" tIns="143428" rIns="179285" bIns="143428" numCol="1" spcCol="0" rtlCol="0" fromWordArt="0" anchor="t" anchorCtr="0" forceAA="0" compatLnSpc="1">
+            <a:prstTxWarp prst="textNoShape">
+              <a:avLst/>
+            </a:prstTxWarp>
+            <a:noAutofit/>
+          </a:bodyPr>
+          <a:lstStyle/>
+          <a:p>
+            <a:pPr algn="ctr" defTabSz="914102" fontAlgn="base">
+              <a:lnSpc>
+                <a:spcPct val="90000"/>
+              </a:lnSpc>
+              <a:spcBef>
+                <a:spcPct val="0"/>
+              </a:spcBef>
+              <a:spcAft>
+                <a:spcPct val="0"/>
+              </a:spcAft>
+            </a:pPr>
+            <a:endParaRPr lang="en-US" sz="2353" dirty="0">
+              <a:solidFill>
+                <a:schemeClr val="tx1">
+                  <a:lumMod val="50000"/>
+                </a:schemeClr>
+              </a:solidFill>
+              <a:ea typeface="Segoe UI" pitchFamily="34" charset="0"/>
+              <a:cs typeface="Segoe UI" pitchFamily="34" charset="0"/>
+            </a:endParaRPr>
+          </a:p>
+        </p:txBody>
+      </p:sp>
+      <p:sp>
+        <p:nvSpPr>
+          <p:cNvPr id="16" name="TextBox 15"/>
+          <p:cNvSpPr txBox="1"/>
+          <p:nvPr/>
+        </p:nvSpPr>
+        <p:spPr>
+          <a:xfrm>
+            <a:off x="2958548" y="4114031"/>
+            <a:ext cx="1200443" cy="724135"/>
+          </a:xfrm>
+          <a:prstGeom prst="rect">
+            <a:avLst/>
+          </a:prstGeom>
+          <a:noFill/>
+        </p:spPr>
+        <p:txBody>
+          <a:bodyPr wrap="none" lIns="179285" tIns="143428" rIns="179285" bIns="143428" rtlCol="0">
+            <a:spAutoFit/>
+          </a:bodyPr>
+          <a:lstStyle/>
+          <a:p>
+            <a:pPr>
+              <a:lnSpc>
+                <a:spcPct val="90000"/>
+              </a:lnSpc>
+              <a:spcAft>
+                <a:spcPts val="588"/>
+              </a:spcAft>
+            </a:pPr>
+            <a:r>
+              <a:rPr lang="en-US" sz="3137" dirty="0">
+                <a:gradFill>
+                  <a:gsLst>
+                    <a:gs pos="2917">
+                      <a:schemeClr val="tx1"/>
+                    </a:gs>
+                    <a:gs pos="30000">
+                      <a:schemeClr val="tx1"/>
+                    </a:gs>
+                  </a:gsLst>
+                  <a:lin ang="5400000" scaled="0"/>
+                </a:gradFill>
+              </a:rPr>
+              <a:t>Code</a:t>
+            </a:r>
+          </a:p>
+        </p:txBody>
+      </p:sp>
+      <p:sp>
+        <p:nvSpPr>
+          <p:cNvPr id="17" name="TextBox 16"/>
+          <p:cNvSpPr txBox="1"/>
+          <p:nvPr/>
+        </p:nvSpPr>
+        <p:spPr>
+          <a:xfrm>
+            <a:off x="4572094" y="4114031"/>
+            <a:ext cx="1580354" cy="724135"/>
+          </a:xfrm>
+          <a:prstGeom prst="rect">
+            <a:avLst/>
+          </a:prstGeom>
+          <a:noFill/>
+        </p:spPr>
+        <p:txBody>
+          <a:bodyPr wrap="none" lIns="179285" tIns="143428" rIns="179285" bIns="143428" rtlCol="0">
+            <a:spAutoFit/>
+          </a:bodyPr>
+          <a:lstStyle/>
+          <a:p>
+            <a:pPr>
+              <a:lnSpc>
+                <a:spcPct val="90000"/>
+              </a:lnSpc>
+              <a:spcAft>
+                <a:spcPts val="588"/>
+              </a:spcAft>
+            </a:pPr>
+            <a:r>
+              <a:rPr lang="en-US" sz="3137" dirty="0">
+                <a:gradFill>
+                  <a:gsLst>
+                    <a:gs pos="2917">
+                      <a:schemeClr val="tx1"/>
+                    </a:gs>
+                    <a:gs pos="30000">
+                      <a:schemeClr val="tx1"/>
+                    </a:gs>
+                  </a:gsLst>
+                  <a:lin ang="5400000" scaled="0"/>
+                </a:gradFill>
+              </a:rPr>
+              <a:t>Models</a:t>
+            </a:r>
+          </a:p>
+        </p:txBody>
+      </p:sp>
+      <p:sp>
+        <p:nvSpPr>
+          <p:cNvPr id="18" name="TextBox 17"/>
+          <p:cNvSpPr txBox="1"/>
+          <p:nvPr/>
+        </p:nvSpPr>
+        <p:spPr>
+          <a:xfrm>
+            <a:off x="6633849" y="4114031"/>
+            <a:ext cx="2443732" cy="724135"/>
+          </a:xfrm>
+          <a:prstGeom prst="rect">
+            <a:avLst/>
+          </a:prstGeom>
+          <a:noFill/>
+        </p:spPr>
+        <p:txBody>
+          <a:bodyPr wrap="none" lIns="179285" tIns="143428" rIns="179285" bIns="143428" rtlCol="0">
+            <a:spAutoFit/>
+          </a:bodyPr>
+          <a:lstStyle/>
+          <a:p>
+            <a:pPr>
+              <a:lnSpc>
+                <a:spcPct val="90000"/>
+              </a:lnSpc>
+              <a:spcAft>
+                <a:spcPts val="588"/>
+              </a:spcAft>
+            </a:pPr>
+            <a:r>
+              <a:rPr lang="en-US" sz="3137" dirty="0">
+                <a:gradFill>
+                  <a:gsLst>
+                    <a:gs pos="2917">
+                      <a:schemeClr val="tx1"/>
+                    </a:gs>
+                    <a:gs pos="30000">
+                      <a:schemeClr val="tx1"/>
+                    </a:gs>
+                  </a:gsLst>
+                  <a:lin ang="5400000" scaled="0"/>
+                </a:gradFill>
+              </a:rPr>
+              <a:t>Specification</a:t>
+            </a:r>
+          </a:p>
+        </p:txBody>
+      </p:sp>
+      <p:sp>
+        <p:nvSpPr>
+          <p:cNvPr id="20" name="TextBox 19"/>
+          <p:cNvSpPr txBox="1"/>
+          <p:nvPr/>
+        </p:nvSpPr>
+        <p:spPr>
+          <a:xfrm>
+            <a:off x="4034245" y="2078243"/>
+            <a:ext cx="5329696" cy="633625"/>
+          </a:xfrm>
+          <a:prstGeom prst="rect">
+            <a:avLst/>
+          </a:prstGeom>
+          <a:noFill/>
+        </p:spPr>
+        <p:txBody>
+          <a:bodyPr wrap="square" rtlCol="0">
+            <a:spAutoFit/>
+          </a:bodyPr>
+          <a:lstStyle/>
+          <a:p>
+            <a:r>
+              <a:rPr lang="en-US" sz="3529" dirty="0">
+                <a:solidFill>
+                  <a:srgbClr val="FF0000"/>
+                </a:solidFill>
+              </a:rPr>
+              <a:t>OS kernels  </a:t>
+            </a:r>
+            <a:r>
+              <a:rPr lang="en-US" sz="2745" dirty="0"/>
+              <a:t>USB, Bluetooth, …</a:t>
+            </a:r>
+          </a:p>
+        </p:txBody>
+      </p:sp>
+      <p:sp>
+        <p:nvSpPr>
+          <p:cNvPr id="21" name="TextBox 20"/>
+          <p:cNvSpPr txBox="1"/>
+          <p:nvPr/>
+        </p:nvSpPr>
+        <p:spPr>
+          <a:xfrm>
+            <a:off x="4034245" y="2871155"/>
+            <a:ext cx="5999143" cy="635430"/>
+          </a:xfrm>
+          <a:prstGeom prst="rect">
+            <a:avLst/>
+          </a:prstGeom>
+          <a:noFill/>
+        </p:spPr>
+        <p:txBody>
+          <a:bodyPr wrap="none" rtlCol="0">
+            <a:spAutoFit/>
+          </a:bodyPr>
+          <a:lstStyle/>
+          <a:p>
+            <a:r>
+              <a:rPr lang="en-US" sz="3529" dirty="0">
+                <a:solidFill>
+                  <a:srgbClr val="FF0000"/>
+                </a:solidFill>
+              </a:rPr>
+              <a:t>Datacenters  </a:t>
+            </a:r>
+            <a:r>
+              <a:rPr lang="en-US" sz="2745" dirty="0"/>
+              <a:t>Batch, Node, Storage, …</a:t>
+            </a:r>
+          </a:p>
+        </p:txBody>
+      </p:sp>
+      <p:sp>
+        <p:nvSpPr>
+          <p:cNvPr id="22" name="TextBox 21"/>
+          <p:cNvSpPr txBox="1"/>
+          <p:nvPr/>
+        </p:nvSpPr>
+        <p:spPr>
+          <a:xfrm>
+            <a:off x="4034245" y="1271470"/>
+            <a:ext cx="5145636" cy="633625"/>
+          </a:xfrm>
+          <a:prstGeom prst="rect">
+            <a:avLst/>
+          </a:prstGeom>
+          <a:noFill/>
+        </p:spPr>
+        <p:txBody>
+          <a:bodyPr wrap="square" rtlCol="0">
+            <a:spAutoFit/>
+          </a:bodyPr>
+          <a:lstStyle/>
+          <a:p>
+            <a:r>
+              <a:rPr lang="en-US" sz="3529" dirty="0">
+                <a:solidFill>
+                  <a:srgbClr val="FF0000"/>
+                </a:solidFill>
+              </a:rPr>
+              <a:t>Devices</a:t>
+            </a:r>
+            <a:r>
+              <a:rPr lang="en-US" sz="2745" dirty="0">
+                <a:solidFill>
+                  <a:srgbClr val="FF0000"/>
+                </a:solidFill>
+              </a:rPr>
+              <a:t>  </a:t>
+            </a:r>
+            <a:r>
+              <a:rPr lang="en-US" sz="2745" dirty="0">
+                <a:solidFill>
+                  <a:schemeClr val="tx1">
+                    <a:lumMod val="50000"/>
+                  </a:schemeClr>
+                </a:solidFill>
+              </a:rPr>
+              <a:t>Drones, HoloLens, …</a:t>
+            </a:r>
+          </a:p>
+        </p:txBody>
+      </p:sp>
+      <p:sp>
+        <p:nvSpPr>
+          <p:cNvPr id="24" name="TextBox 23"/>
+          <p:cNvSpPr txBox="1"/>
+          <p:nvPr/>
+        </p:nvSpPr>
+        <p:spPr>
+          <a:xfrm>
+            <a:off x="9502377" y="4114031"/>
+            <a:ext cx="2224954" cy="724135"/>
+          </a:xfrm>
+          <a:prstGeom prst="rect">
+            <a:avLst/>
+          </a:prstGeom>
+          <a:noFill/>
+        </p:spPr>
+        <p:txBody>
+          <a:bodyPr wrap="none" lIns="179285" tIns="143428" rIns="179285" bIns="143428" rtlCol="0">
+            <a:spAutoFit/>
+          </a:bodyPr>
+          <a:lstStyle/>
+          <a:p>
+            <a:pPr>
+              <a:lnSpc>
+                <a:spcPct val="90000"/>
+              </a:lnSpc>
+              <a:spcAft>
+                <a:spcPts val="588"/>
+              </a:spcAft>
+            </a:pPr>
+            <a:r>
+              <a:rPr lang="en-US" sz="3137" dirty="0">
+                <a:gradFill>
+                  <a:gsLst>
+                    <a:gs pos="2917">
+                      <a:schemeClr val="tx1"/>
+                    </a:gs>
+                    <a:gs pos="30000">
+                      <a:schemeClr val="tx1"/>
+                    </a:gs>
+                  </a:gsLst>
+                  <a:lin ang="5400000" scaled="0"/>
+                </a:gradFill>
+              </a:rPr>
+              <a:t>Verification</a:t>
+            </a:r>
+          </a:p>
+        </p:txBody>
+      </p:sp>
+      <p:sp>
+        <p:nvSpPr>
+          <p:cNvPr id="3" name="TextBox 2"/>
+          <p:cNvSpPr txBox="1"/>
+          <p:nvPr/>
+        </p:nvSpPr>
+        <p:spPr>
+          <a:xfrm>
+            <a:off x="358944" y="4415057"/>
+            <a:ext cx="2039775" cy="1235557"/>
+          </a:xfrm>
+          <a:prstGeom prst="rect">
+            <a:avLst/>
+          </a:prstGeom>
+          <a:noFill/>
+        </p:spPr>
+        <p:txBody>
+          <a:bodyPr wrap="none" lIns="179285" tIns="143428" rIns="179285" bIns="143428" rtlCol="0">
+            <a:spAutoFit/>
+          </a:bodyPr>
+          <a:lstStyle/>
+          <a:p>
+            <a:pPr>
+              <a:lnSpc>
+                <a:spcPct val="90000"/>
+              </a:lnSpc>
+              <a:spcAft>
+                <a:spcPts val="588"/>
+              </a:spcAft>
+            </a:pPr>
+            <a:r>
+              <a:rPr lang="en-US" sz="3137" dirty="0">
+                <a:gradFill>
+                  <a:gsLst>
+                    <a:gs pos="2917">
+                      <a:schemeClr val="tx1"/>
+                    </a:gs>
+                    <a:gs pos="30000">
+                      <a:schemeClr val="tx1"/>
+                    </a:gs>
+                  </a:gsLst>
+                  <a:lin ang="5400000" scaled="0"/>
+                </a:gradFill>
+              </a:rPr>
+              <a:t>Deep </a:t>
+            </a:r>
+          </a:p>
+          <a:p>
+            <a:pPr>
+              <a:lnSpc>
+                <a:spcPct val="90000"/>
+              </a:lnSpc>
+              <a:spcAft>
+                <a:spcPts val="588"/>
+              </a:spcAft>
+            </a:pPr>
+            <a:r>
+              <a:rPr lang="en-US" sz="3137" dirty="0">
+                <a:gradFill>
+                  <a:gsLst>
+                    <a:gs pos="2917">
+                      <a:schemeClr val="tx1"/>
+                    </a:gs>
+                    <a:gs pos="30000">
+                      <a:schemeClr val="tx1"/>
+                    </a:gs>
+                  </a:gsLst>
+                  <a:lin ang="5400000" scaled="0"/>
+                </a:gradFill>
+              </a:rPr>
+              <a:t>Reasoning</a:t>
+            </a:r>
+          </a:p>
+        </p:txBody>
+      </p:sp>
+      <p:sp>
+        <p:nvSpPr>
+          <p:cNvPr id="5" name="TextBox 4"/>
+          <p:cNvSpPr txBox="1"/>
+          <p:nvPr/>
+        </p:nvSpPr>
+        <p:spPr>
+          <a:xfrm>
+            <a:off x="358944" y="1725812"/>
+            <a:ext cx="2691620" cy="1746979"/>
+          </a:xfrm>
+          <a:prstGeom prst="rect">
+            <a:avLst/>
+          </a:prstGeom>
+          <a:noFill/>
+        </p:spPr>
+        <p:txBody>
+          <a:bodyPr wrap="none" lIns="179285" tIns="143428" rIns="179285" bIns="143428" rtlCol="0">
+            <a:spAutoFit/>
+          </a:bodyPr>
+          <a:lstStyle/>
+          <a:p>
+            <a:pPr>
+              <a:lnSpc>
+                <a:spcPct val="90000"/>
+              </a:lnSpc>
+              <a:spcAft>
+                <a:spcPts val="588"/>
+              </a:spcAft>
+            </a:pPr>
+            <a:r>
+              <a:rPr lang="en-US" sz="3137" dirty="0">
+                <a:gradFill>
+                  <a:gsLst>
+                    <a:gs pos="2917">
+                      <a:schemeClr val="tx1"/>
+                    </a:gs>
+                    <a:gs pos="30000">
+                      <a:schemeClr val="tx1"/>
+                    </a:gs>
+                  </a:gsLst>
+                  <a:lin ang="5400000" scaled="0"/>
+                </a:gradFill>
+              </a:rPr>
+              <a:t>Ubiquitous in </a:t>
+            </a:r>
+          </a:p>
+          <a:p>
+            <a:pPr>
+              <a:lnSpc>
+                <a:spcPct val="90000"/>
+              </a:lnSpc>
+              <a:spcAft>
+                <a:spcPts val="588"/>
+              </a:spcAft>
+            </a:pPr>
+            <a:r>
+              <a:rPr lang="en-US" sz="3137" dirty="0">
+                <a:gradFill>
+                  <a:gsLst>
+                    <a:gs pos="2917">
+                      <a:schemeClr val="tx1"/>
+                    </a:gs>
+                    <a:gs pos="30000">
+                      <a:schemeClr val="tx1"/>
+                    </a:gs>
+                  </a:gsLst>
+                  <a:lin ang="5400000" scaled="0"/>
+                </a:gradFill>
+              </a:rPr>
+              <a:t>Microsoft </a:t>
+            </a:r>
+          </a:p>
+          <a:p>
+            <a:pPr>
+              <a:lnSpc>
+                <a:spcPct val="90000"/>
+              </a:lnSpc>
+              <a:spcAft>
+                <a:spcPts val="588"/>
+              </a:spcAft>
+            </a:pPr>
+            <a:r>
+              <a:rPr lang="en-US" sz="3137" dirty="0">
+                <a:gradFill>
+                  <a:gsLst>
+                    <a:gs pos="2917">
+                      <a:schemeClr val="tx1"/>
+                    </a:gs>
+                    <a:gs pos="30000">
+                      <a:schemeClr val="tx1"/>
+                    </a:gs>
+                  </a:gsLst>
+                  <a:lin ang="5400000" scaled="0"/>
+                </a:gradFill>
+              </a:rPr>
+              <a:t>infrastructure</a:t>
+            </a:r>
+          </a:p>
+        </p:txBody>
+      </p:sp>
+    </p:spTree>
+    <p:extLst>
+      <p:ext uri="{BB962C8B-B14F-4D97-AF65-F5344CB8AC3E}">
+        <p14:creationId xmlns:p14="http://schemas.microsoft.com/office/powerpoint/2010/main" val="740318394"/>
+      </p:ext>
+    </p:extLst>
+  </p:cSld>
+  <p:clrMapOvr>
+    <a:masterClrMapping/>
+  </p:clrMapOvr>
+  <p:transition>
+    <p:fade/>
+  </p:transition>
+</p:sld>
+</file>
+
+<file path=ppt/slides/slide5.xml><?xml version="1.0" encoding="utf-8"?>
+<p:sld xmlns:a="http://schemas.openxmlformats.org/drawingml/2006/main" xmlns:r="http://schemas.openxmlformats.org/officeDocument/2006/relationships" xmlns:p="http://schemas.openxmlformats.org/presentationml/2006/main">
+  <p:cSld>
+    <p:spTree>
+      <p:nvGrpSpPr>
+        <p:cNvPr id="1" name=""/>
+        <p:cNvGrpSpPr/>
+        <p:nvPr/>
+      </p:nvGrpSpPr>
+      <p:grpSpPr>
+        <a:xfrm>
+          <a:off x="0" y="0"/>
+          <a:ext cx="0" cy="0"/>
+          <a:chOff x="0" y="0"/>
+          <a:chExt cx="0" cy="0"/>
+        </a:xfrm>
+      </p:grpSpPr>
+      <p:sp>
+        <p:nvSpPr>
           <p:cNvPr id="4" name="TextBox 3"/>
           <p:cNvSpPr txBox="1"/>
           <p:nvPr/>
         </p:nvSpPr>
         <p:spPr>
           <a:xfrm>
-            <a:off x="1238864" y="1976283"/>
+            <a:off x="1238864" y="1727363"/>
             <a:ext cx="3247556" cy="4524315"/>
           </a:xfrm>
           <a:prstGeom prst="rect">
@@ -4867,7 +8922,7 @@
         </p:nvSpPr>
         <p:spPr>
           <a:xfrm>
-            <a:off x="5331541" y="1976283"/>
+            <a:off x="5331541" y="1727363"/>
             <a:ext cx="2132763" cy="1938992"/>
           </a:xfrm>
           <a:prstGeom prst="rect">
@@ -4915,7 +8970,7 @@
         </p:nvSpPr>
         <p:spPr>
           <a:xfrm>
-            <a:off x="8200102" y="1976283"/>
+            <a:off x="8200102" y="1727363"/>
             <a:ext cx="2232599" cy="1938992"/>
           </a:xfrm>
           <a:prstGeom prst="rect">
@@ -4963,7 +9018,7 @@
         </p:nvSpPr>
         <p:spPr>
           <a:xfrm>
-            <a:off x="5405283" y="5051324"/>
+            <a:off x="5405283" y="4802404"/>
             <a:ext cx="1911101" cy="1354217"/>
           </a:xfrm>
           <a:prstGeom prst="rect">
@@ -5207,121 +9262,6 @@
 </p:sld>
 </file>
 
-<file path=ppt/slides/slide5.xml><?xml version="1.0" encoding="utf-8"?>
-<p:sld xmlns:a="http://schemas.openxmlformats.org/drawingml/2006/main" xmlns:r="http://schemas.openxmlformats.org/officeDocument/2006/relationships" xmlns:p="http://schemas.openxmlformats.org/presentationml/2006/main">
-  <p:cSld>
-    <p:spTree>
-      <p:nvGrpSpPr>
-        <p:cNvPr id="1" name=""/>
-        <p:cNvGrpSpPr/>
-        <p:nvPr/>
-      </p:nvGrpSpPr>
-      <p:grpSpPr>
-        <a:xfrm>
-          <a:off x="0" y="0"/>
-          <a:ext cx="0" cy="0"/>
-          <a:chOff x="0" y="0"/>
-          <a:chExt cx="0" cy="0"/>
-        </a:xfrm>
-      </p:grpSpPr>
-      <p:sp>
-        <p:nvSpPr>
-          <p:cNvPr id="2" name="Title 1"/>
-          <p:cNvSpPr>
-            <a:spLocks noGrp="1"/>
-          </p:cNvSpPr>
-          <p:nvPr>
-            <p:ph type="title"/>
-          </p:nvPr>
-        </p:nvSpPr>
-        <p:spPr/>
-        <p:txBody>
-          <a:bodyPr/>
-          <a:lstStyle/>
-          <a:p>
-            <a:r>
-              <a:rPr lang="en-US" dirty="0"/>
-              <a:t>Expressing asynchrony in P</a:t>
-            </a:r>
-          </a:p>
-        </p:txBody>
-      </p:sp>
-      <p:sp>
-        <p:nvSpPr>
-          <p:cNvPr id="3" name="Content Placeholder 2"/>
-          <p:cNvSpPr>
-            <a:spLocks noGrp="1"/>
-          </p:cNvSpPr>
-          <p:nvPr>
-            <p:ph idx="1"/>
-          </p:nvPr>
-        </p:nvSpPr>
-        <p:spPr/>
-        <p:txBody>
-          <a:bodyPr/>
-          <a:lstStyle/>
-          <a:p>
-            <a:r>
-              <a:rPr lang="en-US" dirty="0"/>
-              <a:t>Ping </a:t>
-            </a:r>
-            <a:r>
-              <a:rPr lang="en-US"/>
-              <a:t>Pong example with Timer</a:t>
-            </a:r>
-            <a:endParaRPr lang="en-US" dirty="0"/>
-          </a:p>
-          <a:p>
-            <a:r>
-              <a:rPr lang="en-US" dirty="0"/>
-              <a:t>Illustrate basic language features</a:t>
-            </a:r>
-          </a:p>
-          <a:p>
-            <a:r>
-              <a:rPr lang="en-US" dirty="0"/>
-              <a:t>Get students familiar with basic tool chain</a:t>
-            </a:r>
-          </a:p>
-          <a:p>
-            <a:r>
-              <a:rPr lang="en-US" dirty="0"/>
-              <a:t>The problem of systematic testing</a:t>
-            </a:r>
-          </a:p>
-          <a:p>
-            <a:r>
-              <a:rPr lang="en-US" dirty="0"/>
-              <a:t>The problem of specification</a:t>
-            </a:r>
-          </a:p>
-          <a:p>
-            <a:r>
-              <a:rPr lang="en-US" dirty="0"/>
-              <a:t>Add safety monitor</a:t>
-            </a:r>
-          </a:p>
-          <a:p>
-            <a:r>
-              <a:rPr lang="en-US" dirty="0"/>
-              <a:t>Add liveness monitor</a:t>
-            </a:r>
-          </a:p>
-        </p:txBody>
-      </p:sp>
-    </p:spTree>
-    <p:extLst>
-      <p:ext uri="{BB962C8B-B14F-4D97-AF65-F5344CB8AC3E}">
-        <p14:creationId xmlns:p14="http://schemas.microsoft.com/office/powerpoint/2010/main" val="369208347"/>
-      </p:ext>
-    </p:extLst>
-  </p:cSld>
-  <p:clrMapOvr>
-    <a:masterClrMapping/>
-  </p:clrMapOvr>
-</p:sld>
-</file>
-
 <file path=ppt/slides/slide6.xml><?xml version="1.0" encoding="utf-8"?>
 <p:sld xmlns:a="http://schemas.openxmlformats.org/drawingml/2006/main" xmlns:r="http://schemas.openxmlformats.org/officeDocument/2006/relationships" xmlns:p="http://schemas.openxmlformats.org/presentationml/2006/main">
   <p:cSld>
@@ -5356,7 +9296,7 @@
           <a:p>
             <a:r>
               <a:rPr lang="en-US" dirty="0"/>
-              <a:t>Environment modeling</a:t>
+              <a:t>Expressing asynchrony in P</a:t>
             </a:r>
           </a:p>
         </p:txBody>
@@ -5378,24 +9318,43 @@
           <a:p>
             <a:r>
               <a:rPr lang="en-US" dirty="0"/>
-              <a:t>Show the FFI for </a:t>
-            </a:r>
-            <a:r>
-              <a:rPr lang="en-US" dirty="0" err="1"/>
-              <a:t>PingPong</a:t>
-            </a:r>
+              <a:t>Ping Pong example with Timer</a:t>
+            </a:r>
+          </a:p>
+          <a:p>
             <a:r>
               <a:rPr lang="en-US" dirty="0"/>
-              <a:t> with Timer</a:t>
-            </a:r>
-          </a:p>
-          <a:p>
-            <a:endParaRPr lang="en-US" dirty="0"/>
+              <a:t>Illustrate basic language features</a:t>
+            </a:r>
           </a:p>
           <a:p>
             <a:r>
               <a:rPr lang="en-US" dirty="0"/>
-              <a:t>Show how to model failures using events</a:t>
+              <a:t>Get students familiar with basic tool chain</a:t>
+            </a:r>
+          </a:p>
+          <a:p>
+            <a:r>
+              <a:rPr lang="en-US" dirty="0"/>
+              <a:t>The problem of systematic testing</a:t>
+            </a:r>
+          </a:p>
+          <a:p>
+            <a:r>
+              <a:rPr lang="en-US" dirty="0"/>
+              <a:t>The problem of specification</a:t>
+            </a:r>
+          </a:p>
+          <a:p>
+            <a:r>
+              <a:rPr lang="en-US" dirty="0"/>
+              <a:t>Safety</a:t>
+            </a:r>
+          </a:p>
+          <a:p>
+            <a:r>
+              <a:rPr lang="en-US" dirty="0"/>
+              <a:t>Liveness</a:t>
             </a:r>
           </a:p>
         </p:txBody>
@@ -5403,7 +9362,7 @@
     </p:spTree>
     <p:extLst>
       <p:ext uri="{BB962C8B-B14F-4D97-AF65-F5344CB8AC3E}">
-        <p14:creationId xmlns:p14="http://schemas.microsoft.com/office/powerpoint/2010/main" val="2455387089"/>
+        <p14:creationId xmlns:p14="http://schemas.microsoft.com/office/powerpoint/2010/main" val="369208347"/>
       </p:ext>
     </p:extLst>
   </p:cSld>
@@ -5447,7 +9406,7 @@
           <a:p>
             <a:r>
               <a:rPr lang="en-US" dirty="0"/>
-              <a:t>Unit interaction tests</a:t>
+              <a:t>Environment modeling</a:t>
             </a:r>
           </a:p>
         </p:txBody>
@@ -5469,7 +9428,7 @@
           <a:p>
             <a:r>
               <a:rPr lang="en-US" dirty="0"/>
-              <a:t>Explain module constructors</a:t>
+              <a:t>Foreign function interface</a:t>
             </a:r>
           </a:p>
           <a:p>
@@ -5478,7 +9437,7 @@
           <a:p>
             <a:r>
               <a:rPr lang="en-US" dirty="0"/>
-              <a:t>Explain safety test declarations</a:t>
+              <a:t>Modeling failures using events</a:t>
             </a:r>
           </a:p>
         </p:txBody>
@@ -5486,7 +9445,7 @@
     </p:spTree>
     <p:extLst>
       <p:ext uri="{BB962C8B-B14F-4D97-AF65-F5344CB8AC3E}">
-        <p14:creationId xmlns:p14="http://schemas.microsoft.com/office/powerpoint/2010/main" val="628802943"/>
+        <p14:creationId xmlns:p14="http://schemas.microsoft.com/office/powerpoint/2010/main" val="2455387089"/>
       </p:ext>
     </p:extLst>
   </p:cSld>
@@ -5530,11 +9489,7 @@
           <a:p>
             <a:r>
               <a:rPr lang="en-US" dirty="0"/>
-              <a:t>Bring it all </a:t>
-            </a:r>
-            <a:r>
-              <a:rPr lang="en-US"/>
-              <a:t>together using Pool Server</a:t>
+              <a:t>Unit interaction tests</a:t>
             </a:r>
           </a:p>
         </p:txBody>
@@ -5554,14 +9509,23 @@
           <a:bodyPr/>
           <a:lstStyle/>
           <a:p>
-            <a:endParaRPr lang="en-US"/>
+            <a:r>
+              <a:rPr lang="en-US" dirty="0"/>
+              <a:t>Module constructors</a:t>
+            </a:r>
+          </a:p>
+          <a:p>
+            <a:r>
+              <a:rPr lang="en-US" dirty="0"/>
+              <a:t>Test declarations</a:t>
+            </a:r>
           </a:p>
         </p:txBody>
       </p:sp>
     </p:spTree>
     <p:extLst>
       <p:ext uri="{BB962C8B-B14F-4D97-AF65-F5344CB8AC3E}">
-        <p14:creationId xmlns:p14="http://schemas.microsoft.com/office/powerpoint/2010/main" val="1843792751"/>
+        <p14:creationId xmlns:p14="http://schemas.microsoft.com/office/powerpoint/2010/main" val="628802943"/>
       </p:ext>
     </p:extLst>
   </p:cSld>
@@ -5629,9 +9593,6 @@
               <a:rPr lang="en-US" dirty="0"/>
               <a:t>Memory management</a:t>
             </a:r>
-          </a:p>
-          <a:p>
-            <a:endParaRPr lang="en-US" dirty="0"/>
           </a:p>
           <a:p>
             <a:r>

--- a/Tutorial/P-tutorial.pptx
+++ b/Tutorial/P-tutorial.pptx
@@ -124,6 +124,10 @@
 </p:presentation>
 </file>
 
+<file path=ppt/revisionInfo.xml><?xml version="1.0" encoding="utf-8"?>
+<p1510:revInfo xmlns:a="http://schemas.openxmlformats.org/drawingml/2006/main" xmlns:r="http://schemas.openxmlformats.org/officeDocument/2006/relationships" xmlns:p1510="http://schemas.microsoft.com/office/powerpoint/2015/10/main"/>
+</file>
+
 <file path=ppt/notesMasters/notesMaster1.xml><?xml version="1.0" encoding="utf-8"?>
 <p:notesMaster xmlns:a="http://schemas.openxmlformats.org/drawingml/2006/main" xmlns:r="http://schemas.openxmlformats.org/officeDocument/2006/relationships" xmlns:p="http://schemas.openxmlformats.org/presentationml/2006/main">
   <p:cSld>
@@ -206,7 +210,7 @@
           <a:p>
             <a:fld id="{4D6C1395-F38E-4BBC-A387-C9D21622F6E5}" type="datetimeFigureOut">
               <a:rPr lang="en-US" smtClean="0"/>
-              <a:t>4/2/2017</a:t>
+              <a:t>5/20/2017</a:t>
             </a:fld>
             <a:endParaRPr lang="en-US"/>
           </a:p>
@@ -676,7 +680,7 @@
           <a:p>
             <a:fld id="{DCC5E34C-0BEF-42D1-A3A4-98A0EFA3EE0B}" type="datetime8">
               <a:rPr lang="en-US" smtClean="0"/>
-              <a:t>4/2/2017 2:50 PM</a:t>
+              <a:t>5/20/2017 3:36 PM</a:t>
             </a:fld>
             <a:endParaRPr lang="en-US" dirty="0"/>
           </a:p>
@@ -848,7 +852,7 @@
           <a:p>
             <a:fld id="{4E05C90B-F8EE-4FB7-AEE7-9B0B98AB9CDF}" type="datetimeFigureOut">
               <a:rPr lang="en-US" smtClean="0"/>
-              <a:t>4/2/2017</a:t>
+              <a:t>5/20/2017</a:t>
             </a:fld>
             <a:endParaRPr lang="en-US"/>
           </a:p>
@@ -1016,7 +1020,7 @@
           <a:p>
             <a:fld id="{4E05C90B-F8EE-4FB7-AEE7-9B0B98AB9CDF}" type="datetimeFigureOut">
               <a:rPr lang="en-US" smtClean="0"/>
-              <a:t>4/2/2017</a:t>
+              <a:t>5/20/2017</a:t>
             </a:fld>
             <a:endParaRPr lang="en-US"/>
           </a:p>
@@ -1194,7 +1198,7 @@
           <a:p>
             <a:fld id="{4E05C90B-F8EE-4FB7-AEE7-9B0B98AB9CDF}" type="datetimeFigureOut">
               <a:rPr lang="en-US" smtClean="0"/>
-              <a:t>4/2/2017</a:t>
+              <a:t>5/20/2017</a:t>
             </a:fld>
             <a:endParaRPr lang="en-US"/>
           </a:p>
@@ -1509,7 +1513,7 @@
           <a:p>
             <a:fld id="{4E05C90B-F8EE-4FB7-AEE7-9B0B98AB9CDF}" type="datetimeFigureOut">
               <a:rPr lang="en-US" smtClean="0"/>
-              <a:t>4/2/2017</a:t>
+              <a:t>5/20/2017</a:t>
             </a:fld>
             <a:endParaRPr lang="en-US"/>
           </a:p>
@@ -1754,7 +1758,7 @@
           <a:p>
             <a:fld id="{4E05C90B-F8EE-4FB7-AEE7-9B0B98AB9CDF}" type="datetimeFigureOut">
               <a:rPr lang="en-US" smtClean="0"/>
-              <a:t>4/2/2017</a:t>
+              <a:t>5/20/2017</a:t>
             </a:fld>
             <a:endParaRPr lang="en-US"/>
           </a:p>
@@ -1983,7 +1987,7 @@
           <a:p>
             <a:fld id="{4E05C90B-F8EE-4FB7-AEE7-9B0B98AB9CDF}" type="datetimeFigureOut">
               <a:rPr lang="en-US" smtClean="0"/>
-              <a:t>4/2/2017</a:t>
+              <a:t>5/20/2017</a:t>
             </a:fld>
             <a:endParaRPr lang="en-US"/>
           </a:p>
@@ -2347,7 +2351,7 @@
           <a:p>
             <a:fld id="{4E05C90B-F8EE-4FB7-AEE7-9B0B98AB9CDF}" type="datetimeFigureOut">
               <a:rPr lang="en-US" smtClean="0"/>
-              <a:t>4/2/2017</a:t>
+              <a:t>5/20/2017</a:t>
             </a:fld>
             <a:endParaRPr lang="en-US"/>
           </a:p>
@@ -2464,7 +2468,7 @@
           <a:p>
             <a:fld id="{4E05C90B-F8EE-4FB7-AEE7-9B0B98AB9CDF}" type="datetimeFigureOut">
               <a:rPr lang="en-US" smtClean="0"/>
-              <a:t>4/2/2017</a:t>
+              <a:t>5/20/2017</a:t>
             </a:fld>
             <a:endParaRPr lang="en-US"/>
           </a:p>
@@ -2559,7 +2563,7 @@
           <a:p>
             <a:fld id="{4E05C90B-F8EE-4FB7-AEE7-9B0B98AB9CDF}" type="datetimeFigureOut">
               <a:rPr lang="en-US" smtClean="0"/>
-              <a:t>4/2/2017</a:t>
+              <a:t>5/20/2017</a:t>
             </a:fld>
             <a:endParaRPr lang="en-US"/>
           </a:p>
@@ -2834,7 +2838,7 @@
           <a:p>
             <a:fld id="{4E05C90B-F8EE-4FB7-AEE7-9B0B98AB9CDF}" type="datetimeFigureOut">
               <a:rPr lang="en-US" smtClean="0"/>
-              <a:t>4/2/2017</a:t>
+              <a:t>5/20/2017</a:t>
             </a:fld>
             <a:endParaRPr lang="en-US"/>
           </a:p>
@@ -3086,7 +3090,7 @@
           <a:p>
             <a:fld id="{4E05C90B-F8EE-4FB7-AEE7-9B0B98AB9CDF}" type="datetimeFigureOut">
               <a:rPr lang="en-US" smtClean="0"/>
-              <a:t>4/2/2017</a:t>
+              <a:t>5/20/2017</a:t>
             </a:fld>
             <a:endParaRPr lang="en-US"/>
           </a:p>
@@ -3297,7 +3301,7 @@
           <a:p>
             <a:fld id="{4E05C90B-F8EE-4FB7-AEE7-9B0B98AB9CDF}" type="datetimeFigureOut">
               <a:rPr lang="en-US" smtClean="0"/>
-              <a:t>4/2/2017</a:t>
+              <a:t>5/20/2017</a:t>
             </a:fld>
             <a:endParaRPr lang="en-US"/>
           </a:p>
@@ -3727,15 +3731,12 @@
           <a:p>
             <a:pPr algn="l"/>
             <a:r>
+              <a:rPr lang="en-US" sz="4800"/>
+              <a:t>The </a:t>
+            </a:r>
+            <a:r>
               <a:rPr lang="en-US" sz="4800" dirty="0"/>
-              <a:t>Modern Specification and Verification:</a:t>
-            </a:r>
-            <a:br>
-              <a:rPr lang="en-US" sz="4800" dirty="0"/>
-            </a:br>
-            <a:r>
-              <a:rPr lang="en-US" sz="4800" dirty="0"/>
-              <a:t>The P Programming Language</a:t>
+              <a:t>P Programming Language</a:t>
             </a:r>
           </a:p>
         </p:txBody>
@@ -7809,7 +7810,6 @@
               <a:rPr lang="en-US" dirty="0"/>
               <a:t>P: A language for writing asynchronous controllers</a:t>
             </a:r>
-            <a:endParaRPr lang="en-US" dirty="0"/>
           </a:p>
         </p:txBody>
       </p:sp>

--- a/Tutorial/P-tutorial.pptx
+++ b/Tutorial/P-tutorial.pptx
@@ -5,19 +5,22 @@
     <p:sldMasterId id="2147483648" r:id="rId1"/>
   </p:sldMasterIdLst>
   <p:notesMasterIdLst>
-    <p:notesMasterId r:id="rId12"/>
+    <p:notesMasterId r:id="rId15"/>
   </p:notesMasterIdLst>
   <p:sldIdLst>
     <p:sldId id="256" r:id="rId2"/>
     <p:sldId id="265" r:id="rId3"/>
-    <p:sldId id="258" r:id="rId4"/>
-    <p:sldId id="266" r:id="rId5"/>
-    <p:sldId id="259" r:id="rId6"/>
-    <p:sldId id="260" r:id="rId7"/>
-    <p:sldId id="261" r:id="rId8"/>
-    <p:sldId id="262" r:id="rId9"/>
-    <p:sldId id="263" r:id="rId10"/>
-    <p:sldId id="267" r:id="rId11"/>
+    <p:sldId id="269" r:id="rId4"/>
+    <p:sldId id="270" r:id="rId5"/>
+    <p:sldId id="271" r:id="rId6"/>
+    <p:sldId id="258" r:id="rId7"/>
+    <p:sldId id="266" r:id="rId8"/>
+    <p:sldId id="259" r:id="rId9"/>
+    <p:sldId id="260" r:id="rId10"/>
+    <p:sldId id="261" r:id="rId11"/>
+    <p:sldId id="262" r:id="rId12"/>
+    <p:sldId id="263" r:id="rId13"/>
+    <p:sldId id="267" r:id="rId14"/>
   </p:sldIdLst>
   <p:sldSz cx="12192000" cy="6858000"/>
   <p:notesSz cx="6858000" cy="9144000"/>
@@ -704,7 +707,7 @@
             <a:fld id="{B4008EB6-D09E-4580-8CD6-DDB14511944F}" type="slidenum">
               <a:rPr lang="en-US" smtClean="0"/>
               <a:pPr/>
-              <a:t>4</a:t>
+              <a:t>7</a:t>
             </a:fld>
             <a:endParaRPr lang="en-US" dirty="0"/>
           </a:p>
@@ -3731,12 +3734,8 @@
           <a:p>
             <a:pPr algn="l"/>
             <a:r>
-              <a:rPr lang="en-US" sz="4800"/>
-              <a:t>The </a:t>
-            </a:r>
-            <a:r>
               <a:rPr lang="en-US" sz="4800" dirty="0"/>
-              <a:t>P Programming Language</a:t>
+              <a:t>The P Programming Language</a:t>
             </a:r>
           </a:p>
         </p:txBody>
@@ -3785,6 +3784,255 @@
 </file>
 
 <file path=ppt/slides/slide10.xml><?xml version="1.0" encoding="utf-8"?>
+<p:sld xmlns:a="http://schemas.openxmlformats.org/drawingml/2006/main" xmlns:r="http://schemas.openxmlformats.org/officeDocument/2006/relationships" xmlns:p="http://schemas.openxmlformats.org/presentationml/2006/main">
+  <p:cSld>
+    <p:spTree>
+      <p:nvGrpSpPr>
+        <p:cNvPr id="1" name=""/>
+        <p:cNvGrpSpPr/>
+        <p:nvPr/>
+      </p:nvGrpSpPr>
+      <p:grpSpPr>
+        <a:xfrm>
+          <a:off x="0" y="0"/>
+          <a:ext cx="0" cy="0"/>
+          <a:chOff x="0" y="0"/>
+          <a:chExt cx="0" cy="0"/>
+        </a:xfrm>
+      </p:grpSpPr>
+      <p:sp>
+        <p:nvSpPr>
+          <p:cNvPr id="2" name="Title 1"/>
+          <p:cNvSpPr>
+            <a:spLocks noGrp="1"/>
+          </p:cNvSpPr>
+          <p:nvPr>
+            <p:ph type="title"/>
+          </p:nvPr>
+        </p:nvSpPr>
+        <p:spPr/>
+        <p:txBody>
+          <a:bodyPr/>
+          <a:lstStyle/>
+          <a:p>
+            <a:r>
+              <a:rPr lang="en-US" dirty="0"/>
+              <a:t>Environment modeling</a:t>
+            </a:r>
+          </a:p>
+        </p:txBody>
+      </p:sp>
+      <p:sp>
+        <p:nvSpPr>
+          <p:cNvPr id="3" name="Content Placeholder 2"/>
+          <p:cNvSpPr>
+            <a:spLocks noGrp="1"/>
+          </p:cNvSpPr>
+          <p:nvPr>
+            <p:ph idx="1"/>
+          </p:nvPr>
+        </p:nvSpPr>
+        <p:spPr/>
+        <p:txBody>
+          <a:bodyPr/>
+          <a:lstStyle/>
+          <a:p>
+            <a:r>
+              <a:rPr lang="en-US" dirty="0"/>
+              <a:t>Foreign function interface</a:t>
+            </a:r>
+          </a:p>
+          <a:p>
+            <a:endParaRPr lang="en-US" dirty="0"/>
+          </a:p>
+          <a:p>
+            <a:r>
+              <a:rPr lang="en-US" dirty="0"/>
+              <a:t>Modeling failures using events</a:t>
+            </a:r>
+          </a:p>
+        </p:txBody>
+      </p:sp>
+    </p:spTree>
+    <p:extLst>
+      <p:ext uri="{BB962C8B-B14F-4D97-AF65-F5344CB8AC3E}">
+        <p14:creationId xmlns:p14="http://schemas.microsoft.com/office/powerpoint/2010/main" val="2455387089"/>
+      </p:ext>
+    </p:extLst>
+  </p:cSld>
+  <p:clrMapOvr>
+    <a:masterClrMapping/>
+  </p:clrMapOvr>
+</p:sld>
+</file>
+
+<file path=ppt/slides/slide11.xml><?xml version="1.0" encoding="utf-8"?>
+<p:sld xmlns:a="http://schemas.openxmlformats.org/drawingml/2006/main" xmlns:r="http://schemas.openxmlformats.org/officeDocument/2006/relationships" xmlns:p="http://schemas.openxmlformats.org/presentationml/2006/main">
+  <p:cSld>
+    <p:spTree>
+      <p:nvGrpSpPr>
+        <p:cNvPr id="1" name=""/>
+        <p:cNvGrpSpPr/>
+        <p:nvPr/>
+      </p:nvGrpSpPr>
+      <p:grpSpPr>
+        <a:xfrm>
+          <a:off x="0" y="0"/>
+          <a:ext cx="0" cy="0"/>
+          <a:chOff x="0" y="0"/>
+          <a:chExt cx="0" cy="0"/>
+        </a:xfrm>
+      </p:grpSpPr>
+      <p:sp>
+        <p:nvSpPr>
+          <p:cNvPr id="2" name="Title 1"/>
+          <p:cNvSpPr>
+            <a:spLocks noGrp="1"/>
+          </p:cNvSpPr>
+          <p:nvPr>
+            <p:ph type="title"/>
+          </p:nvPr>
+        </p:nvSpPr>
+        <p:spPr/>
+        <p:txBody>
+          <a:bodyPr/>
+          <a:lstStyle/>
+          <a:p>
+            <a:r>
+              <a:rPr lang="en-US" dirty="0"/>
+              <a:t>Unit interaction tests</a:t>
+            </a:r>
+          </a:p>
+        </p:txBody>
+      </p:sp>
+      <p:sp>
+        <p:nvSpPr>
+          <p:cNvPr id="3" name="Content Placeholder 2"/>
+          <p:cNvSpPr>
+            <a:spLocks noGrp="1"/>
+          </p:cNvSpPr>
+          <p:nvPr>
+            <p:ph idx="1"/>
+          </p:nvPr>
+        </p:nvSpPr>
+        <p:spPr/>
+        <p:txBody>
+          <a:bodyPr/>
+          <a:lstStyle/>
+          <a:p>
+            <a:r>
+              <a:rPr lang="en-US" dirty="0"/>
+              <a:t>Module constructors</a:t>
+            </a:r>
+          </a:p>
+          <a:p>
+            <a:r>
+              <a:rPr lang="en-US" dirty="0"/>
+              <a:t>Test declarations</a:t>
+            </a:r>
+          </a:p>
+        </p:txBody>
+      </p:sp>
+    </p:spTree>
+    <p:extLst>
+      <p:ext uri="{BB962C8B-B14F-4D97-AF65-F5344CB8AC3E}">
+        <p14:creationId xmlns:p14="http://schemas.microsoft.com/office/powerpoint/2010/main" val="628802943"/>
+      </p:ext>
+    </p:extLst>
+  </p:cSld>
+  <p:clrMapOvr>
+    <a:masterClrMapping/>
+  </p:clrMapOvr>
+</p:sld>
+</file>
+
+<file path=ppt/slides/slide12.xml><?xml version="1.0" encoding="utf-8"?>
+<p:sld xmlns:a="http://schemas.openxmlformats.org/drawingml/2006/main" xmlns:r="http://schemas.openxmlformats.org/officeDocument/2006/relationships" xmlns:p="http://schemas.openxmlformats.org/presentationml/2006/main">
+  <p:cSld>
+    <p:spTree>
+      <p:nvGrpSpPr>
+        <p:cNvPr id="1" name=""/>
+        <p:cNvGrpSpPr/>
+        <p:nvPr/>
+      </p:nvGrpSpPr>
+      <p:grpSpPr>
+        <a:xfrm>
+          <a:off x="0" y="0"/>
+          <a:ext cx="0" cy="0"/>
+          <a:chOff x="0" y="0"/>
+          <a:chExt cx="0" cy="0"/>
+        </a:xfrm>
+      </p:grpSpPr>
+      <p:sp>
+        <p:nvSpPr>
+          <p:cNvPr id="2" name="Title 1"/>
+          <p:cNvSpPr>
+            <a:spLocks noGrp="1"/>
+          </p:cNvSpPr>
+          <p:nvPr>
+            <p:ph type="title"/>
+          </p:nvPr>
+        </p:nvSpPr>
+        <p:spPr/>
+        <p:txBody>
+          <a:bodyPr/>
+          <a:lstStyle/>
+          <a:p>
+            <a:r>
+              <a:rPr lang="en-US" dirty="0"/>
+              <a:t>Advanced language features</a:t>
+            </a:r>
+          </a:p>
+        </p:txBody>
+      </p:sp>
+      <p:sp>
+        <p:nvSpPr>
+          <p:cNvPr id="3" name="Content Placeholder 2"/>
+          <p:cNvSpPr>
+            <a:spLocks noGrp="1"/>
+          </p:cNvSpPr>
+          <p:nvPr>
+            <p:ph idx="1"/>
+          </p:nvPr>
+        </p:nvSpPr>
+        <p:spPr/>
+        <p:txBody>
+          <a:bodyPr/>
+          <a:lstStyle/>
+          <a:p>
+            <a:r>
+              <a:rPr lang="en-US" dirty="0"/>
+              <a:t>Memory management</a:t>
+            </a:r>
+          </a:p>
+          <a:p>
+            <a:r>
+              <a:rPr lang="en-US" dirty="0"/>
+              <a:t>Data-race freedom</a:t>
+            </a:r>
+          </a:p>
+          <a:p>
+            <a:endParaRPr lang="en-US" dirty="0"/>
+          </a:p>
+          <a:p>
+            <a:endParaRPr lang="en-US" dirty="0"/>
+          </a:p>
+        </p:txBody>
+      </p:sp>
+    </p:spTree>
+    <p:extLst>
+      <p:ext uri="{BB962C8B-B14F-4D97-AF65-F5344CB8AC3E}">
+        <p14:creationId xmlns:p14="http://schemas.microsoft.com/office/powerpoint/2010/main" val="3168878971"/>
+      </p:ext>
+    </p:extLst>
+  </p:cSld>
+  <p:clrMapOvr>
+    <a:masterClrMapping/>
+  </p:clrMapOvr>
+</p:sld>
+</file>
+
+<file path=ppt/slides/slide13.xml><?xml version="1.0" encoding="utf-8"?>
 <p:sld xmlns:a="http://schemas.openxmlformats.org/drawingml/2006/main" xmlns:r="http://schemas.openxmlformats.org/officeDocument/2006/relationships" xmlns:p="http://schemas.openxmlformats.org/presentationml/2006/main">
   <p:cSld>
     <p:spTree>
@@ -6665,6 +6913,2765 @@
           <a:chExt cx="0" cy="0"/>
         </a:xfrm>
       </p:grpSpPr>
+      <p:sp>
+        <p:nvSpPr>
+          <p:cNvPr id="2" name="Title 1"/>
+          <p:cNvSpPr>
+            <a:spLocks noGrp="1"/>
+          </p:cNvSpPr>
+          <p:nvPr>
+            <p:ph type="title"/>
+          </p:nvPr>
+        </p:nvSpPr>
+        <p:spPr/>
+        <p:txBody>
+          <a:bodyPr/>
+          <a:lstStyle/>
+          <a:p>
+            <a:r>
+              <a:rPr lang="en-US" dirty="0"/>
+              <a:t>Extent Management in Azure Storage vNext</a:t>
+            </a:r>
+          </a:p>
+        </p:txBody>
+      </p:sp>
+      <p:sp>
+        <p:nvSpPr>
+          <p:cNvPr id="4" name="Slide Number Placeholder 3"/>
+          <p:cNvSpPr>
+            <a:spLocks noGrp="1"/>
+          </p:cNvSpPr>
+          <p:nvPr>
+            <p:ph type="sldNum" sz="quarter" idx="11"/>
+          </p:nvPr>
+        </p:nvSpPr>
+        <p:spPr/>
+        <p:txBody>
+          <a:bodyPr/>
+          <a:lstStyle/>
+          <a:p>
+            <a:fld id="{42EDC8D7-FF1B-4ADC-94E7-0E5A9DF51F65}" type="slidenum">
+              <a:rPr lang="en-US" smtClean="0"/>
+              <a:pPr/>
+              <a:t>3</a:t>
+            </a:fld>
+            <a:endParaRPr lang="en-US" dirty="0"/>
+          </a:p>
+        </p:txBody>
+      </p:sp>
+      <p:sp>
+        <p:nvSpPr>
+          <p:cNvPr id="6" name="Rectangle 5"/>
+          <p:cNvSpPr/>
+          <p:nvPr/>
+        </p:nvSpPr>
+        <p:spPr bwMode="auto">
+          <a:xfrm>
+            <a:off x="1143000" y="1745776"/>
+            <a:ext cx="1404730" cy="861392"/>
+          </a:xfrm>
+          <a:prstGeom prst="rect">
+            <a:avLst/>
+          </a:prstGeom>
+          <a:ln>
+            <a:headEnd type="none" w="med" len="med"/>
+            <a:tailEnd type="none" w="med" len="med"/>
+          </a:ln>
+        </p:spPr>
+        <p:style>
+          <a:lnRef idx="2">
+            <a:schemeClr val="accent2"/>
+          </a:lnRef>
+          <a:fillRef idx="1">
+            <a:schemeClr val="lt1"/>
+          </a:fillRef>
+          <a:effectRef idx="0">
+            <a:schemeClr val="accent2"/>
+          </a:effectRef>
+          <a:fontRef idx="minor">
+            <a:schemeClr val="dk1"/>
+          </a:fontRef>
+        </p:style>
+        <p:txBody>
+          <a:bodyPr vert="horz" wrap="square" lIns="91436" tIns="45718" rIns="91436" bIns="45718" numCol="1" rtlCol="0" anchor="ctr" anchorCtr="0" compatLnSpc="1">
+            <a:prstTxWarp prst="textNoShape">
+              <a:avLst/>
+            </a:prstTxWarp>
+          </a:bodyPr>
+          <a:lstStyle/>
+          <a:p>
+            <a:pPr algn="ctr" defTabSz="914099" fontAlgn="base">
+              <a:spcBef>
+                <a:spcPct val="0"/>
+              </a:spcBef>
+              <a:spcAft>
+                <a:spcPct val="0"/>
+              </a:spcAft>
+            </a:pPr>
+            <a:r>
+              <a:rPr lang="en-US" sz="2200" b="1" dirty="0">
+                <a:solidFill>
+                  <a:schemeClr val="tx1"/>
+                </a:solidFill>
+                <a:latin typeface="Segoe UI" pitchFamily="34" charset="0"/>
+                <a:ea typeface="Segoe UI" pitchFamily="34" charset="0"/>
+                <a:cs typeface="Segoe UI" pitchFamily="34" charset="0"/>
+              </a:rPr>
+              <a:t>Extent Manager</a:t>
+            </a:r>
+          </a:p>
+        </p:txBody>
+      </p:sp>
+      <p:grpSp>
+        <p:nvGrpSpPr>
+          <p:cNvPr id="7" name="Group 13"/>
+          <p:cNvGrpSpPr>
+            <a:grpSpLocks noChangeAspect="1"/>
+          </p:cNvGrpSpPr>
+          <p:nvPr/>
+        </p:nvGrpSpPr>
+        <p:grpSpPr>
+          <a:xfrm>
+            <a:off x="433054" y="4725988"/>
+            <a:ext cx="786146" cy="912812"/>
+            <a:chOff x="1855304" y="4157374"/>
+            <a:chExt cx="1855305" cy="2464904"/>
+          </a:xfrm>
+        </p:grpSpPr>
+        <p:sp>
+          <p:nvSpPr>
+            <p:cNvPr id="8" name="Rectangle 7"/>
+            <p:cNvSpPr/>
+            <p:nvPr/>
+          </p:nvSpPr>
+          <p:spPr bwMode="auto">
+            <a:xfrm>
+              <a:off x="1855304" y="4157374"/>
+              <a:ext cx="1855305" cy="2464904"/>
+            </a:xfrm>
+            <a:prstGeom prst="rect">
+              <a:avLst/>
+            </a:prstGeom>
+            <a:ln>
+              <a:headEnd type="none" w="med" len="med"/>
+              <a:tailEnd type="none" w="med" len="med"/>
+            </a:ln>
+          </p:spPr>
+          <p:style>
+            <a:lnRef idx="2">
+              <a:schemeClr val="accent2"/>
+            </a:lnRef>
+            <a:fillRef idx="1">
+              <a:schemeClr val="lt1"/>
+            </a:fillRef>
+            <a:effectRef idx="0">
+              <a:schemeClr val="accent2"/>
+            </a:effectRef>
+            <a:fontRef idx="minor">
+              <a:schemeClr val="dk1"/>
+            </a:fontRef>
+          </p:style>
+          <p:txBody>
+            <a:bodyPr vert="horz" wrap="square" lIns="91436" tIns="45718" rIns="91436" bIns="45718" numCol="1" rtlCol="0" anchor="t" anchorCtr="0" compatLnSpc="1">
+              <a:prstTxWarp prst="textNoShape">
+                <a:avLst/>
+              </a:prstTxWarp>
+            </a:bodyPr>
+            <a:lstStyle/>
+            <a:p>
+              <a:pPr algn="ctr" defTabSz="914099" fontAlgn="base">
+                <a:spcBef>
+                  <a:spcPct val="0"/>
+                </a:spcBef>
+                <a:spcAft>
+                  <a:spcPct val="0"/>
+                </a:spcAft>
+              </a:pPr>
+              <a:r>
+                <a:rPr lang="en-US" sz="2200" b="1" dirty="0">
+                  <a:solidFill>
+                    <a:schemeClr val="tx1"/>
+                  </a:solidFill>
+                  <a:latin typeface="Segoe UI" pitchFamily="34" charset="0"/>
+                  <a:ea typeface="Segoe UI" pitchFamily="34" charset="0"/>
+                  <a:cs typeface="Segoe UI" pitchFamily="34" charset="0"/>
+                </a:rPr>
+                <a:t>EN</a:t>
+              </a:r>
+            </a:p>
+          </p:txBody>
+        </p:sp>
+        <p:sp>
+          <p:nvSpPr>
+            <p:cNvPr id="9" name="Flowchart: Magnetic Disk 8"/>
+            <p:cNvSpPr/>
+            <p:nvPr/>
+          </p:nvSpPr>
+          <p:spPr bwMode="auto">
+            <a:xfrm>
+              <a:off x="2570922" y="5592417"/>
+              <a:ext cx="795130" cy="689113"/>
+            </a:xfrm>
+            <a:prstGeom prst="flowChartMagneticDisk">
+              <a:avLst/>
+            </a:prstGeom>
+            <a:ln>
+              <a:headEnd type="none" w="med" len="med"/>
+              <a:tailEnd type="none" w="med" len="med"/>
+            </a:ln>
+          </p:spPr>
+          <p:style>
+            <a:lnRef idx="2">
+              <a:schemeClr val="accent2"/>
+            </a:lnRef>
+            <a:fillRef idx="1">
+              <a:schemeClr val="lt1"/>
+            </a:fillRef>
+            <a:effectRef idx="0">
+              <a:schemeClr val="accent2"/>
+            </a:effectRef>
+            <a:fontRef idx="minor">
+              <a:schemeClr val="dk1"/>
+            </a:fontRef>
+          </p:style>
+          <p:txBody>
+            <a:bodyPr vert="horz" wrap="square" lIns="91436" tIns="45718" rIns="91436" bIns="45718" numCol="1" rtlCol="0" anchor="ctr" anchorCtr="0" compatLnSpc="1">
+              <a:prstTxWarp prst="textNoShape">
+                <a:avLst/>
+              </a:prstTxWarp>
+            </a:bodyPr>
+            <a:lstStyle/>
+            <a:p>
+              <a:pPr algn="ctr" defTabSz="914099" fontAlgn="base">
+                <a:spcBef>
+                  <a:spcPct val="0"/>
+                </a:spcBef>
+                <a:spcAft>
+                  <a:spcPct val="0"/>
+                </a:spcAft>
+              </a:pPr>
+              <a:endParaRPr lang="en-US" sz="2200" dirty="0">
+                <a:solidFill>
+                  <a:schemeClr val="tx1"/>
+                </a:solidFill>
+              </a:endParaRPr>
+            </a:p>
+          </p:txBody>
+        </p:sp>
+      </p:grpSp>
+      <p:sp>
+        <p:nvSpPr>
+          <p:cNvPr id="10" name="Rectangle 9"/>
+          <p:cNvSpPr/>
+          <p:nvPr/>
+        </p:nvSpPr>
+        <p:spPr bwMode="auto">
+          <a:xfrm>
+            <a:off x="3176905" y="1752600"/>
+            <a:ext cx="1404730" cy="861392"/>
+          </a:xfrm>
+          <a:prstGeom prst="rect">
+            <a:avLst/>
+          </a:prstGeom>
+          <a:ln>
+            <a:headEnd type="none" w="med" len="med"/>
+            <a:tailEnd type="none" w="med" len="med"/>
+          </a:ln>
+        </p:spPr>
+        <p:style>
+          <a:lnRef idx="2">
+            <a:schemeClr val="accent2"/>
+          </a:lnRef>
+          <a:fillRef idx="1">
+            <a:schemeClr val="lt1"/>
+          </a:fillRef>
+          <a:effectRef idx="0">
+            <a:schemeClr val="accent2"/>
+          </a:effectRef>
+          <a:fontRef idx="minor">
+            <a:schemeClr val="dk1"/>
+          </a:fontRef>
+        </p:style>
+        <p:txBody>
+          <a:bodyPr vert="horz" wrap="square" lIns="91436" tIns="45718" rIns="91436" bIns="45718" numCol="1" rtlCol="0" anchor="ctr" anchorCtr="0" compatLnSpc="1">
+            <a:prstTxWarp prst="textNoShape">
+              <a:avLst/>
+            </a:prstTxWarp>
+          </a:bodyPr>
+          <a:lstStyle/>
+          <a:p>
+            <a:pPr algn="ctr" defTabSz="914099" fontAlgn="base">
+              <a:spcBef>
+                <a:spcPct val="0"/>
+              </a:spcBef>
+              <a:spcAft>
+                <a:spcPct val="0"/>
+              </a:spcAft>
+            </a:pPr>
+            <a:r>
+              <a:rPr lang="en-US" sz="2200" b="1" dirty="0">
+                <a:solidFill>
+                  <a:schemeClr val="tx1"/>
+                </a:solidFill>
+                <a:latin typeface="Segoe UI" pitchFamily="34" charset="0"/>
+                <a:ea typeface="Segoe UI" pitchFamily="34" charset="0"/>
+                <a:cs typeface="Segoe UI" pitchFamily="34" charset="0"/>
+              </a:rPr>
+              <a:t>Extent Manager</a:t>
+            </a:r>
+          </a:p>
+        </p:txBody>
+      </p:sp>
+      <p:sp>
+        <p:nvSpPr>
+          <p:cNvPr id="11" name="Rectangle 10"/>
+          <p:cNvSpPr/>
+          <p:nvPr/>
+        </p:nvSpPr>
+        <p:spPr bwMode="auto">
+          <a:xfrm>
+            <a:off x="7634511" y="1752600"/>
+            <a:ext cx="1404730" cy="861392"/>
+          </a:xfrm>
+          <a:prstGeom prst="rect">
+            <a:avLst/>
+          </a:prstGeom>
+          <a:ln>
+            <a:headEnd type="none" w="med" len="med"/>
+            <a:tailEnd type="none" w="med" len="med"/>
+          </a:ln>
+        </p:spPr>
+        <p:style>
+          <a:lnRef idx="2">
+            <a:schemeClr val="accent2"/>
+          </a:lnRef>
+          <a:fillRef idx="1">
+            <a:schemeClr val="lt1"/>
+          </a:fillRef>
+          <a:effectRef idx="0">
+            <a:schemeClr val="accent2"/>
+          </a:effectRef>
+          <a:fontRef idx="minor">
+            <a:schemeClr val="dk1"/>
+          </a:fontRef>
+        </p:style>
+        <p:txBody>
+          <a:bodyPr vert="horz" wrap="square" lIns="91436" tIns="45718" rIns="91436" bIns="45718" numCol="1" rtlCol="0" anchor="ctr" anchorCtr="0" compatLnSpc="1">
+            <a:prstTxWarp prst="textNoShape">
+              <a:avLst/>
+            </a:prstTxWarp>
+          </a:bodyPr>
+          <a:lstStyle/>
+          <a:p>
+            <a:pPr algn="ctr" defTabSz="914099" fontAlgn="base">
+              <a:spcBef>
+                <a:spcPct val="0"/>
+              </a:spcBef>
+              <a:spcAft>
+                <a:spcPct val="0"/>
+              </a:spcAft>
+            </a:pPr>
+            <a:r>
+              <a:rPr lang="en-US" sz="2200" b="1" dirty="0">
+                <a:solidFill>
+                  <a:schemeClr val="tx1"/>
+                </a:solidFill>
+                <a:latin typeface="Segoe UI" pitchFamily="34" charset="0"/>
+                <a:ea typeface="Segoe UI" pitchFamily="34" charset="0"/>
+                <a:cs typeface="Segoe UI" pitchFamily="34" charset="0"/>
+              </a:rPr>
+              <a:t>Extent Manager</a:t>
+            </a:r>
+          </a:p>
+        </p:txBody>
+      </p:sp>
+      <p:sp>
+        <p:nvSpPr>
+          <p:cNvPr id="12" name="Rectangle 11"/>
+          <p:cNvSpPr/>
+          <p:nvPr/>
+        </p:nvSpPr>
+        <p:spPr bwMode="auto">
+          <a:xfrm>
+            <a:off x="9668416" y="1759424"/>
+            <a:ext cx="1404730" cy="861392"/>
+          </a:xfrm>
+          <a:prstGeom prst="rect">
+            <a:avLst/>
+          </a:prstGeom>
+          <a:ln>
+            <a:headEnd type="none" w="med" len="med"/>
+            <a:tailEnd type="none" w="med" len="med"/>
+          </a:ln>
+        </p:spPr>
+        <p:style>
+          <a:lnRef idx="2">
+            <a:schemeClr val="accent2"/>
+          </a:lnRef>
+          <a:fillRef idx="1">
+            <a:schemeClr val="lt1"/>
+          </a:fillRef>
+          <a:effectRef idx="0">
+            <a:schemeClr val="accent2"/>
+          </a:effectRef>
+          <a:fontRef idx="minor">
+            <a:schemeClr val="dk1"/>
+          </a:fontRef>
+        </p:style>
+        <p:txBody>
+          <a:bodyPr vert="horz" wrap="square" lIns="91436" tIns="45718" rIns="91436" bIns="45718" numCol="1" rtlCol="0" anchor="ctr" anchorCtr="0" compatLnSpc="1">
+            <a:prstTxWarp prst="textNoShape">
+              <a:avLst/>
+            </a:prstTxWarp>
+          </a:bodyPr>
+          <a:lstStyle/>
+          <a:p>
+            <a:pPr algn="ctr" defTabSz="914099" fontAlgn="base">
+              <a:spcBef>
+                <a:spcPct val="0"/>
+              </a:spcBef>
+              <a:spcAft>
+                <a:spcPct val="0"/>
+              </a:spcAft>
+            </a:pPr>
+            <a:r>
+              <a:rPr lang="en-US" sz="2200" b="1" dirty="0">
+                <a:solidFill>
+                  <a:schemeClr val="tx1"/>
+                </a:solidFill>
+                <a:latin typeface="Segoe UI" pitchFamily="34" charset="0"/>
+                <a:ea typeface="Segoe UI" pitchFamily="34" charset="0"/>
+                <a:cs typeface="Segoe UI" pitchFamily="34" charset="0"/>
+              </a:rPr>
+              <a:t>Extent Manager</a:t>
+            </a:r>
+          </a:p>
+        </p:txBody>
+      </p:sp>
+      <p:grpSp>
+        <p:nvGrpSpPr>
+          <p:cNvPr id="13" name="Group 13"/>
+          <p:cNvGrpSpPr>
+            <a:grpSpLocks noChangeAspect="1"/>
+          </p:cNvGrpSpPr>
+          <p:nvPr/>
+        </p:nvGrpSpPr>
+        <p:grpSpPr>
+          <a:xfrm>
+            <a:off x="1804654" y="4725988"/>
+            <a:ext cx="786146" cy="912812"/>
+            <a:chOff x="1855304" y="4081670"/>
+            <a:chExt cx="1855305" cy="2464904"/>
+          </a:xfrm>
+        </p:grpSpPr>
+        <p:sp>
+          <p:nvSpPr>
+            <p:cNvPr id="14" name="Rectangle 13"/>
+            <p:cNvSpPr/>
+            <p:nvPr/>
+          </p:nvSpPr>
+          <p:spPr bwMode="auto">
+            <a:xfrm>
+              <a:off x="1855304" y="4081670"/>
+              <a:ext cx="1855305" cy="2464904"/>
+            </a:xfrm>
+            <a:prstGeom prst="rect">
+              <a:avLst/>
+            </a:prstGeom>
+            <a:ln>
+              <a:headEnd type="none" w="med" len="med"/>
+              <a:tailEnd type="none" w="med" len="med"/>
+            </a:ln>
+          </p:spPr>
+          <p:style>
+            <a:lnRef idx="2">
+              <a:schemeClr val="accent2"/>
+            </a:lnRef>
+            <a:fillRef idx="1">
+              <a:schemeClr val="lt1"/>
+            </a:fillRef>
+            <a:effectRef idx="0">
+              <a:schemeClr val="accent2"/>
+            </a:effectRef>
+            <a:fontRef idx="minor">
+              <a:schemeClr val="dk1"/>
+            </a:fontRef>
+          </p:style>
+          <p:txBody>
+            <a:bodyPr vert="horz" wrap="square" lIns="91436" tIns="45718" rIns="91436" bIns="45718" numCol="1" rtlCol="0" anchor="t" anchorCtr="0" compatLnSpc="1">
+              <a:prstTxWarp prst="textNoShape">
+                <a:avLst/>
+              </a:prstTxWarp>
+            </a:bodyPr>
+            <a:lstStyle/>
+            <a:p>
+              <a:pPr algn="ctr" defTabSz="914099" fontAlgn="base">
+                <a:spcBef>
+                  <a:spcPct val="0"/>
+                </a:spcBef>
+                <a:spcAft>
+                  <a:spcPct val="0"/>
+                </a:spcAft>
+              </a:pPr>
+              <a:r>
+                <a:rPr lang="en-US" sz="2200" b="1" dirty="0">
+                  <a:solidFill>
+                    <a:schemeClr val="tx1"/>
+                  </a:solidFill>
+                  <a:latin typeface="Segoe UI" pitchFamily="34" charset="0"/>
+                  <a:ea typeface="Segoe UI" pitchFamily="34" charset="0"/>
+                  <a:cs typeface="Segoe UI" pitchFamily="34" charset="0"/>
+                </a:rPr>
+                <a:t>EN</a:t>
+              </a:r>
+            </a:p>
+          </p:txBody>
+        </p:sp>
+        <p:sp>
+          <p:nvSpPr>
+            <p:cNvPr id="15" name="Flowchart: Magnetic Disk 14"/>
+            <p:cNvSpPr/>
+            <p:nvPr/>
+          </p:nvSpPr>
+          <p:spPr bwMode="auto">
+            <a:xfrm>
+              <a:off x="2570922" y="5592417"/>
+              <a:ext cx="795130" cy="689113"/>
+            </a:xfrm>
+            <a:prstGeom prst="flowChartMagneticDisk">
+              <a:avLst/>
+            </a:prstGeom>
+            <a:ln>
+              <a:headEnd type="none" w="med" len="med"/>
+              <a:tailEnd type="none" w="med" len="med"/>
+            </a:ln>
+          </p:spPr>
+          <p:style>
+            <a:lnRef idx="2">
+              <a:schemeClr val="accent2"/>
+            </a:lnRef>
+            <a:fillRef idx="1">
+              <a:schemeClr val="lt1"/>
+            </a:fillRef>
+            <a:effectRef idx="0">
+              <a:schemeClr val="accent2"/>
+            </a:effectRef>
+            <a:fontRef idx="minor">
+              <a:schemeClr val="dk1"/>
+            </a:fontRef>
+          </p:style>
+          <p:txBody>
+            <a:bodyPr vert="horz" wrap="square" lIns="91436" tIns="45718" rIns="91436" bIns="45718" numCol="1" rtlCol="0" anchor="ctr" anchorCtr="0" compatLnSpc="1">
+              <a:prstTxWarp prst="textNoShape">
+                <a:avLst/>
+              </a:prstTxWarp>
+            </a:bodyPr>
+            <a:lstStyle/>
+            <a:p>
+              <a:pPr algn="ctr" defTabSz="914099" fontAlgn="base">
+                <a:spcBef>
+                  <a:spcPct val="0"/>
+                </a:spcBef>
+                <a:spcAft>
+                  <a:spcPct val="0"/>
+                </a:spcAft>
+              </a:pPr>
+              <a:endParaRPr lang="en-US" sz="2200" dirty="0">
+                <a:solidFill>
+                  <a:schemeClr val="tx1"/>
+                </a:solidFill>
+              </a:endParaRPr>
+            </a:p>
+          </p:txBody>
+        </p:sp>
+      </p:grpSp>
+      <p:grpSp>
+        <p:nvGrpSpPr>
+          <p:cNvPr id="16" name="Group 13"/>
+          <p:cNvGrpSpPr>
+            <a:grpSpLocks noChangeAspect="1"/>
+          </p:cNvGrpSpPr>
+          <p:nvPr/>
+        </p:nvGrpSpPr>
+        <p:grpSpPr>
+          <a:xfrm>
+            <a:off x="3176254" y="4724400"/>
+            <a:ext cx="786146" cy="912812"/>
+            <a:chOff x="1855304" y="4157374"/>
+            <a:chExt cx="1855305" cy="2464904"/>
+          </a:xfrm>
+        </p:grpSpPr>
+        <p:sp>
+          <p:nvSpPr>
+            <p:cNvPr id="17" name="Rectangle 16"/>
+            <p:cNvSpPr/>
+            <p:nvPr/>
+          </p:nvSpPr>
+          <p:spPr bwMode="auto">
+            <a:xfrm>
+              <a:off x="1855304" y="4157374"/>
+              <a:ext cx="1855305" cy="2464904"/>
+            </a:xfrm>
+            <a:prstGeom prst="rect">
+              <a:avLst/>
+            </a:prstGeom>
+            <a:ln>
+              <a:headEnd type="none" w="med" len="med"/>
+              <a:tailEnd type="none" w="med" len="med"/>
+            </a:ln>
+          </p:spPr>
+          <p:style>
+            <a:lnRef idx="2">
+              <a:schemeClr val="accent2"/>
+            </a:lnRef>
+            <a:fillRef idx="1">
+              <a:schemeClr val="lt1"/>
+            </a:fillRef>
+            <a:effectRef idx="0">
+              <a:schemeClr val="accent2"/>
+            </a:effectRef>
+            <a:fontRef idx="minor">
+              <a:schemeClr val="dk1"/>
+            </a:fontRef>
+          </p:style>
+          <p:txBody>
+            <a:bodyPr vert="horz" wrap="square" lIns="91436" tIns="45718" rIns="91436" bIns="45718" numCol="1" rtlCol="0" anchor="t" anchorCtr="0" compatLnSpc="1">
+              <a:prstTxWarp prst="textNoShape">
+                <a:avLst/>
+              </a:prstTxWarp>
+            </a:bodyPr>
+            <a:lstStyle/>
+            <a:p>
+              <a:pPr algn="ctr" defTabSz="914099" fontAlgn="base">
+                <a:spcBef>
+                  <a:spcPct val="0"/>
+                </a:spcBef>
+                <a:spcAft>
+                  <a:spcPct val="0"/>
+                </a:spcAft>
+              </a:pPr>
+              <a:r>
+                <a:rPr lang="en-US" sz="2200" b="1" dirty="0">
+                  <a:solidFill>
+                    <a:schemeClr val="tx1"/>
+                  </a:solidFill>
+                  <a:latin typeface="Segoe UI" pitchFamily="34" charset="0"/>
+                  <a:ea typeface="Segoe UI" pitchFamily="34" charset="0"/>
+                  <a:cs typeface="Segoe UI" pitchFamily="34" charset="0"/>
+                </a:rPr>
+                <a:t>EN</a:t>
+              </a:r>
+            </a:p>
+          </p:txBody>
+        </p:sp>
+        <p:sp>
+          <p:nvSpPr>
+            <p:cNvPr id="18" name="Flowchart: Magnetic Disk 17"/>
+            <p:cNvSpPr/>
+            <p:nvPr/>
+          </p:nvSpPr>
+          <p:spPr bwMode="auto">
+            <a:xfrm>
+              <a:off x="2570922" y="5592417"/>
+              <a:ext cx="795130" cy="689113"/>
+            </a:xfrm>
+            <a:prstGeom prst="flowChartMagneticDisk">
+              <a:avLst/>
+            </a:prstGeom>
+            <a:ln>
+              <a:headEnd type="none" w="med" len="med"/>
+              <a:tailEnd type="none" w="med" len="med"/>
+            </a:ln>
+          </p:spPr>
+          <p:style>
+            <a:lnRef idx="2">
+              <a:schemeClr val="accent2"/>
+            </a:lnRef>
+            <a:fillRef idx="1">
+              <a:schemeClr val="lt1"/>
+            </a:fillRef>
+            <a:effectRef idx="0">
+              <a:schemeClr val="accent2"/>
+            </a:effectRef>
+            <a:fontRef idx="minor">
+              <a:schemeClr val="dk1"/>
+            </a:fontRef>
+          </p:style>
+          <p:txBody>
+            <a:bodyPr vert="horz" wrap="square" lIns="91436" tIns="45718" rIns="91436" bIns="45718" numCol="1" rtlCol="0" anchor="ctr" anchorCtr="0" compatLnSpc="1">
+              <a:prstTxWarp prst="textNoShape">
+                <a:avLst/>
+              </a:prstTxWarp>
+            </a:bodyPr>
+            <a:lstStyle/>
+            <a:p>
+              <a:pPr algn="ctr" defTabSz="914099" fontAlgn="base">
+                <a:spcBef>
+                  <a:spcPct val="0"/>
+                </a:spcBef>
+                <a:spcAft>
+                  <a:spcPct val="0"/>
+                </a:spcAft>
+              </a:pPr>
+              <a:endParaRPr lang="en-US" sz="2200" dirty="0">
+                <a:solidFill>
+                  <a:schemeClr val="tx1"/>
+                </a:solidFill>
+              </a:endParaRPr>
+            </a:p>
+          </p:txBody>
+        </p:sp>
+      </p:grpSp>
+      <p:grpSp>
+        <p:nvGrpSpPr>
+          <p:cNvPr id="19" name="Group 13"/>
+          <p:cNvGrpSpPr>
+            <a:grpSpLocks noChangeAspect="1"/>
+          </p:cNvGrpSpPr>
+          <p:nvPr/>
+        </p:nvGrpSpPr>
+        <p:grpSpPr>
+          <a:xfrm>
+            <a:off x="4547854" y="4724400"/>
+            <a:ext cx="786146" cy="912812"/>
+            <a:chOff x="1855304" y="4081670"/>
+            <a:chExt cx="1855305" cy="2464904"/>
+          </a:xfrm>
+        </p:grpSpPr>
+        <p:sp>
+          <p:nvSpPr>
+            <p:cNvPr id="20" name="Rectangle 19"/>
+            <p:cNvSpPr/>
+            <p:nvPr/>
+          </p:nvSpPr>
+          <p:spPr bwMode="auto">
+            <a:xfrm>
+              <a:off x="1855304" y="4081670"/>
+              <a:ext cx="1855305" cy="2464904"/>
+            </a:xfrm>
+            <a:prstGeom prst="rect">
+              <a:avLst/>
+            </a:prstGeom>
+            <a:ln>
+              <a:headEnd type="none" w="med" len="med"/>
+              <a:tailEnd type="none" w="med" len="med"/>
+            </a:ln>
+          </p:spPr>
+          <p:style>
+            <a:lnRef idx="2">
+              <a:schemeClr val="accent2"/>
+            </a:lnRef>
+            <a:fillRef idx="1">
+              <a:schemeClr val="lt1"/>
+            </a:fillRef>
+            <a:effectRef idx="0">
+              <a:schemeClr val="accent2"/>
+            </a:effectRef>
+            <a:fontRef idx="minor">
+              <a:schemeClr val="dk1"/>
+            </a:fontRef>
+          </p:style>
+          <p:txBody>
+            <a:bodyPr vert="horz" wrap="square" lIns="91436" tIns="45718" rIns="91436" bIns="45718" numCol="1" rtlCol="0" anchor="t" anchorCtr="0" compatLnSpc="1">
+              <a:prstTxWarp prst="textNoShape">
+                <a:avLst/>
+              </a:prstTxWarp>
+            </a:bodyPr>
+            <a:lstStyle/>
+            <a:p>
+              <a:pPr algn="ctr" defTabSz="914099" fontAlgn="base">
+                <a:spcBef>
+                  <a:spcPct val="0"/>
+                </a:spcBef>
+                <a:spcAft>
+                  <a:spcPct val="0"/>
+                </a:spcAft>
+              </a:pPr>
+              <a:r>
+                <a:rPr lang="en-US" sz="2200" b="1" dirty="0">
+                  <a:solidFill>
+                    <a:schemeClr val="tx1"/>
+                  </a:solidFill>
+                  <a:latin typeface="Segoe UI" pitchFamily="34" charset="0"/>
+                  <a:ea typeface="Segoe UI" pitchFamily="34" charset="0"/>
+                  <a:cs typeface="Segoe UI" pitchFamily="34" charset="0"/>
+                </a:rPr>
+                <a:t>EN</a:t>
+              </a:r>
+            </a:p>
+          </p:txBody>
+        </p:sp>
+        <p:sp>
+          <p:nvSpPr>
+            <p:cNvPr id="21" name="Flowchart: Magnetic Disk 20"/>
+            <p:cNvSpPr/>
+            <p:nvPr/>
+          </p:nvSpPr>
+          <p:spPr bwMode="auto">
+            <a:xfrm>
+              <a:off x="2570922" y="5592417"/>
+              <a:ext cx="795130" cy="689113"/>
+            </a:xfrm>
+            <a:prstGeom prst="flowChartMagneticDisk">
+              <a:avLst/>
+            </a:prstGeom>
+            <a:ln>
+              <a:headEnd type="none" w="med" len="med"/>
+              <a:tailEnd type="none" w="med" len="med"/>
+            </a:ln>
+          </p:spPr>
+          <p:style>
+            <a:lnRef idx="2">
+              <a:schemeClr val="accent2"/>
+            </a:lnRef>
+            <a:fillRef idx="1">
+              <a:schemeClr val="lt1"/>
+            </a:fillRef>
+            <a:effectRef idx="0">
+              <a:schemeClr val="accent2"/>
+            </a:effectRef>
+            <a:fontRef idx="minor">
+              <a:schemeClr val="dk1"/>
+            </a:fontRef>
+          </p:style>
+          <p:txBody>
+            <a:bodyPr vert="horz" wrap="square" lIns="91436" tIns="45718" rIns="91436" bIns="45718" numCol="1" rtlCol="0" anchor="ctr" anchorCtr="0" compatLnSpc="1">
+              <a:prstTxWarp prst="textNoShape">
+                <a:avLst/>
+              </a:prstTxWarp>
+            </a:bodyPr>
+            <a:lstStyle/>
+            <a:p>
+              <a:pPr algn="ctr" defTabSz="914099" fontAlgn="base">
+                <a:spcBef>
+                  <a:spcPct val="0"/>
+                </a:spcBef>
+                <a:spcAft>
+                  <a:spcPct val="0"/>
+                </a:spcAft>
+              </a:pPr>
+              <a:endParaRPr lang="en-US" sz="2200" dirty="0">
+                <a:solidFill>
+                  <a:schemeClr val="tx1"/>
+                </a:solidFill>
+              </a:endParaRPr>
+            </a:p>
+          </p:txBody>
+        </p:sp>
+      </p:grpSp>
+      <p:grpSp>
+        <p:nvGrpSpPr>
+          <p:cNvPr id="22" name="Group 13"/>
+          <p:cNvGrpSpPr>
+            <a:grpSpLocks noChangeAspect="1"/>
+          </p:cNvGrpSpPr>
+          <p:nvPr/>
+        </p:nvGrpSpPr>
+        <p:grpSpPr>
+          <a:xfrm>
+            <a:off x="6934200" y="4725988"/>
+            <a:ext cx="786146" cy="912812"/>
+            <a:chOff x="1855304" y="4157374"/>
+            <a:chExt cx="1855305" cy="2464904"/>
+          </a:xfrm>
+        </p:grpSpPr>
+        <p:sp>
+          <p:nvSpPr>
+            <p:cNvPr id="23" name="Rectangle 22"/>
+            <p:cNvSpPr/>
+            <p:nvPr/>
+          </p:nvSpPr>
+          <p:spPr bwMode="auto">
+            <a:xfrm>
+              <a:off x="1855304" y="4157374"/>
+              <a:ext cx="1855305" cy="2464904"/>
+            </a:xfrm>
+            <a:prstGeom prst="rect">
+              <a:avLst/>
+            </a:prstGeom>
+            <a:ln>
+              <a:headEnd type="none" w="med" len="med"/>
+              <a:tailEnd type="none" w="med" len="med"/>
+            </a:ln>
+          </p:spPr>
+          <p:style>
+            <a:lnRef idx="2">
+              <a:schemeClr val="accent2"/>
+            </a:lnRef>
+            <a:fillRef idx="1">
+              <a:schemeClr val="lt1"/>
+            </a:fillRef>
+            <a:effectRef idx="0">
+              <a:schemeClr val="accent2"/>
+            </a:effectRef>
+            <a:fontRef idx="minor">
+              <a:schemeClr val="dk1"/>
+            </a:fontRef>
+          </p:style>
+          <p:txBody>
+            <a:bodyPr vert="horz" wrap="square" lIns="91436" tIns="45718" rIns="91436" bIns="45718" numCol="1" rtlCol="0" anchor="t" anchorCtr="0" compatLnSpc="1">
+              <a:prstTxWarp prst="textNoShape">
+                <a:avLst/>
+              </a:prstTxWarp>
+            </a:bodyPr>
+            <a:lstStyle/>
+            <a:p>
+              <a:pPr algn="ctr" defTabSz="914099" fontAlgn="base">
+                <a:spcBef>
+                  <a:spcPct val="0"/>
+                </a:spcBef>
+                <a:spcAft>
+                  <a:spcPct val="0"/>
+                </a:spcAft>
+              </a:pPr>
+              <a:r>
+                <a:rPr lang="en-US" sz="2200" b="1" dirty="0">
+                  <a:solidFill>
+                    <a:schemeClr val="tx1"/>
+                  </a:solidFill>
+                  <a:latin typeface="Segoe UI" pitchFamily="34" charset="0"/>
+                  <a:ea typeface="Segoe UI" pitchFamily="34" charset="0"/>
+                  <a:cs typeface="Segoe UI" pitchFamily="34" charset="0"/>
+                </a:rPr>
+                <a:t>EN</a:t>
+              </a:r>
+            </a:p>
+          </p:txBody>
+        </p:sp>
+        <p:sp>
+          <p:nvSpPr>
+            <p:cNvPr id="24" name="Flowchart: Magnetic Disk 23"/>
+            <p:cNvSpPr/>
+            <p:nvPr/>
+          </p:nvSpPr>
+          <p:spPr bwMode="auto">
+            <a:xfrm>
+              <a:off x="2570922" y="5592417"/>
+              <a:ext cx="795130" cy="689113"/>
+            </a:xfrm>
+            <a:prstGeom prst="flowChartMagneticDisk">
+              <a:avLst/>
+            </a:prstGeom>
+            <a:ln>
+              <a:headEnd type="none" w="med" len="med"/>
+              <a:tailEnd type="none" w="med" len="med"/>
+            </a:ln>
+          </p:spPr>
+          <p:style>
+            <a:lnRef idx="2">
+              <a:schemeClr val="accent2"/>
+            </a:lnRef>
+            <a:fillRef idx="1">
+              <a:schemeClr val="lt1"/>
+            </a:fillRef>
+            <a:effectRef idx="0">
+              <a:schemeClr val="accent2"/>
+            </a:effectRef>
+            <a:fontRef idx="minor">
+              <a:schemeClr val="dk1"/>
+            </a:fontRef>
+          </p:style>
+          <p:txBody>
+            <a:bodyPr vert="horz" wrap="square" lIns="91436" tIns="45718" rIns="91436" bIns="45718" numCol="1" rtlCol="0" anchor="ctr" anchorCtr="0" compatLnSpc="1">
+              <a:prstTxWarp prst="textNoShape">
+                <a:avLst/>
+              </a:prstTxWarp>
+            </a:bodyPr>
+            <a:lstStyle/>
+            <a:p>
+              <a:pPr algn="ctr" defTabSz="914099" fontAlgn="base">
+                <a:spcBef>
+                  <a:spcPct val="0"/>
+                </a:spcBef>
+                <a:spcAft>
+                  <a:spcPct val="0"/>
+                </a:spcAft>
+              </a:pPr>
+              <a:endParaRPr lang="en-US" sz="2200" dirty="0">
+                <a:solidFill>
+                  <a:schemeClr val="tx1"/>
+                </a:solidFill>
+              </a:endParaRPr>
+            </a:p>
+          </p:txBody>
+        </p:sp>
+      </p:grpSp>
+      <p:grpSp>
+        <p:nvGrpSpPr>
+          <p:cNvPr id="25" name="Group 13"/>
+          <p:cNvGrpSpPr>
+            <a:grpSpLocks noChangeAspect="1"/>
+          </p:cNvGrpSpPr>
+          <p:nvPr/>
+        </p:nvGrpSpPr>
+        <p:grpSpPr>
+          <a:xfrm>
+            <a:off x="8305800" y="4725988"/>
+            <a:ext cx="786146" cy="912812"/>
+            <a:chOff x="1855304" y="4081670"/>
+            <a:chExt cx="1855305" cy="2464904"/>
+          </a:xfrm>
+        </p:grpSpPr>
+        <p:sp>
+          <p:nvSpPr>
+            <p:cNvPr id="26" name="Rectangle 25"/>
+            <p:cNvSpPr/>
+            <p:nvPr/>
+          </p:nvSpPr>
+          <p:spPr bwMode="auto">
+            <a:xfrm>
+              <a:off x="1855304" y="4081670"/>
+              <a:ext cx="1855305" cy="2464904"/>
+            </a:xfrm>
+            <a:prstGeom prst="rect">
+              <a:avLst/>
+            </a:prstGeom>
+            <a:ln>
+              <a:headEnd type="none" w="med" len="med"/>
+              <a:tailEnd type="none" w="med" len="med"/>
+            </a:ln>
+          </p:spPr>
+          <p:style>
+            <a:lnRef idx="2">
+              <a:schemeClr val="accent2"/>
+            </a:lnRef>
+            <a:fillRef idx="1">
+              <a:schemeClr val="lt1"/>
+            </a:fillRef>
+            <a:effectRef idx="0">
+              <a:schemeClr val="accent2"/>
+            </a:effectRef>
+            <a:fontRef idx="minor">
+              <a:schemeClr val="dk1"/>
+            </a:fontRef>
+          </p:style>
+          <p:txBody>
+            <a:bodyPr vert="horz" wrap="square" lIns="91436" tIns="45718" rIns="91436" bIns="45718" numCol="1" rtlCol="0" anchor="t" anchorCtr="0" compatLnSpc="1">
+              <a:prstTxWarp prst="textNoShape">
+                <a:avLst/>
+              </a:prstTxWarp>
+            </a:bodyPr>
+            <a:lstStyle/>
+            <a:p>
+              <a:pPr algn="ctr" defTabSz="914099" fontAlgn="base">
+                <a:spcBef>
+                  <a:spcPct val="0"/>
+                </a:spcBef>
+                <a:spcAft>
+                  <a:spcPct val="0"/>
+                </a:spcAft>
+              </a:pPr>
+              <a:r>
+                <a:rPr lang="en-US" sz="2200" b="1" dirty="0">
+                  <a:solidFill>
+                    <a:schemeClr val="tx1"/>
+                  </a:solidFill>
+                  <a:latin typeface="Segoe UI" pitchFamily="34" charset="0"/>
+                  <a:ea typeface="Segoe UI" pitchFamily="34" charset="0"/>
+                  <a:cs typeface="Segoe UI" pitchFamily="34" charset="0"/>
+                </a:rPr>
+                <a:t>EN</a:t>
+              </a:r>
+            </a:p>
+          </p:txBody>
+        </p:sp>
+        <p:sp>
+          <p:nvSpPr>
+            <p:cNvPr id="27" name="Flowchart: Magnetic Disk 26"/>
+            <p:cNvSpPr/>
+            <p:nvPr/>
+          </p:nvSpPr>
+          <p:spPr bwMode="auto">
+            <a:xfrm>
+              <a:off x="2570922" y="5592417"/>
+              <a:ext cx="795130" cy="689113"/>
+            </a:xfrm>
+            <a:prstGeom prst="flowChartMagneticDisk">
+              <a:avLst/>
+            </a:prstGeom>
+            <a:ln>
+              <a:headEnd type="none" w="med" len="med"/>
+              <a:tailEnd type="none" w="med" len="med"/>
+            </a:ln>
+          </p:spPr>
+          <p:style>
+            <a:lnRef idx="2">
+              <a:schemeClr val="accent2"/>
+            </a:lnRef>
+            <a:fillRef idx="1">
+              <a:schemeClr val="lt1"/>
+            </a:fillRef>
+            <a:effectRef idx="0">
+              <a:schemeClr val="accent2"/>
+            </a:effectRef>
+            <a:fontRef idx="minor">
+              <a:schemeClr val="dk1"/>
+            </a:fontRef>
+          </p:style>
+          <p:txBody>
+            <a:bodyPr vert="horz" wrap="square" lIns="91436" tIns="45718" rIns="91436" bIns="45718" numCol="1" rtlCol="0" anchor="ctr" anchorCtr="0" compatLnSpc="1">
+              <a:prstTxWarp prst="textNoShape">
+                <a:avLst/>
+              </a:prstTxWarp>
+            </a:bodyPr>
+            <a:lstStyle/>
+            <a:p>
+              <a:pPr algn="ctr" defTabSz="914099" fontAlgn="base">
+                <a:spcBef>
+                  <a:spcPct val="0"/>
+                </a:spcBef>
+                <a:spcAft>
+                  <a:spcPct val="0"/>
+                </a:spcAft>
+              </a:pPr>
+              <a:endParaRPr lang="en-US" sz="2200" dirty="0">
+                <a:solidFill>
+                  <a:schemeClr val="tx1"/>
+                </a:solidFill>
+              </a:endParaRPr>
+            </a:p>
+          </p:txBody>
+        </p:sp>
+      </p:grpSp>
+      <p:grpSp>
+        <p:nvGrpSpPr>
+          <p:cNvPr id="28" name="Group 13"/>
+          <p:cNvGrpSpPr>
+            <a:grpSpLocks noChangeAspect="1"/>
+          </p:cNvGrpSpPr>
+          <p:nvPr/>
+        </p:nvGrpSpPr>
+        <p:grpSpPr>
+          <a:xfrm>
+            <a:off x="9677400" y="4724400"/>
+            <a:ext cx="786146" cy="912812"/>
+            <a:chOff x="1855304" y="4157374"/>
+            <a:chExt cx="1855305" cy="2464904"/>
+          </a:xfrm>
+        </p:grpSpPr>
+        <p:sp>
+          <p:nvSpPr>
+            <p:cNvPr id="29" name="Rectangle 28"/>
+            <p:cNvSpPr/>
+            <p:nvPr/>
+          </p:nvSpPr>
+          <p:spPr bwMode="auto">
+            <a:xfrm>
+              <a:off x="1855304" y="4157374"/>
+              <a:ext cx="1855305" cy="2464904"/>
+            </a:xfrm>
+            <a:prstGeom prst="rect">
+              <a:avLst/>
+            </a:prstGeom>
+            <a:ln>
+              <a:headEnd type="none" w="med" len="med"/>
+              <a:tailEnd type="none" w="med" len="med"/>
+            </a:ln>
+          </p:spPr>
+          <p:style>
+            <a:lnRef idx="2">
+              <a:schemeClr val="accent2"/>
+            </a:lnRef>
+            <a:fillRef idx="1">
+              <a:schemeClr val="lt1"/>
+            </a:fillRef>
+            <a:effectRef idx="0">
+              <a:schemeClr val="accent2"/>
+            </a:effectRef>
+            <a:fontRef idx="minor">
+              <a:schemeClr val="dk1"/>
+            </a:fontRef>
+          </p:style>
+          <p:txBody>
+            <a:bodyPr vert="horz" wrap="square" lIns="91436" tIns="45718" rIns="91436" bIns="45718" numCol="1" rtlCol="0" anchor="t" anchorCtr="0" compatLnSpc="1">
+              <a:prstTxWarp prst="textNoShape">
+                <a:avLst/>
+              </a:prstTxWarp>
+            </a:bodyPr>
+            <a:lstStyle/>
+            <a:p>
+              <a:pPr algn="ctr" defTabSz="914099" fontAlgn="base">
+                <a:spcBef>
+                  <a:spcPct val="0"/>
+                </a:spcBef>
+                <a:spcAft>
+                  <a:spcPct val="0"/>
+                </a:spcAft>
+              </a:pPr>
+              <a:r>
+                <a:rPr lang="en-US" sz="2200" b="1" dirty="0">
+                  <a:solidFill>
+                    <a:schemeClr val="tx1"/>
+                  </a:solidFill>
+                  <a:latin typeface="Segoe UI" pitchFamily="34" charset="0"/>
+                  <a:ea typeface="Segoe UI" pitchFamily="34" charset="0"/>
+                  <a:cs typeface="Segoe UI" pitchFamily="34" charset="0"/>
+                </a:rPr>
+                <a:t>EN</a:t>
+              </a:r>
+            </a:p>
+          </p:txBody>
+        </p:sp>
+        <p:sp>
+          <p:nvSpPr>
+            <p:cNvPr id="30" name="Flowchart: Magnetic Disk 29"/>
+            <p:cNvSpPr/>
+            <p:nvPr/>
+          </p:nvSpPr>
+          <p:spPr bwMode="auto">
+            <a:xfrm>
+              <a:off x="2570922" y="5592417"/>
+              <a:ext cx="795130" cy="689113"/>
+            </a:xfrm>
+            <a:prstGeom prst="flowChartMagneticDisk">
+              <a:avLst/>
+            </a:prstGeom>
+            <a:ln>
+              <a:headEnd type="none" w="med" len="med"/>
+              <a:tailEnd type="none" w="med" len="med"/>
+            </a:ln>
+          </p:spPr>
+          <p:style>
+            <a:lnRef idx="2">
+              <a:schemeClr val="accent2"/>
+            </a:lnRef>
+            <a:fillRef idx="1">
+              <a:schemeClr val="lt1"/>
+            </a:fillRef>
+            <a:effectRef idx="0">
+              <a:schemeClr val="accent2"/>
+            </a:effectRef>
+            <a:fontRef idx="minor">
+              <a:schemeClr val="dk1"/>
+            </a:fontRef>
+          </p:style>
+          <p:txBody>
+            <a:bodyPr vert="horz" wrap="square" lIns="91436" tIns="45718" rIns="91436" bIns="45718" numCol="1" rtlCol="0" anchor="ctr" anchorCtr="0" compatLnSpc="1">
+              <a:prstTxWarp prst="textNoShape">
+                <a:avLst/>
+              </a:prstTxWarp>
+            </a:bodyPr>
+            <a:lstStyle/>
+            <a:p>
+              <a:pPr algn="ctr" defTabSz="914099" fontAlgn="base">
+                <a:spcBef>
+                  <a:spcPct val="0"/>
+                </a:spcBef>
+                <a:spcAft>
+                  <a:spcPct val="0"/>
+                </a:spcAft>
+              </a:pPr>
+              <a:endParaRPr lang="en-US" sz="2200" dirty="0">
+                <a:solidFill>
+                  <a:schemeClr val="tx1"/>
+                </a:solidFill>
+              </a:endParaRPr>
+            </a:p>
+          </p:txBody>
+        </p:sp>
+      </p:grpSp>
+      <p:grpSp>
+        <p:nvGrpSpPr>
+          <p:cNvPr id="31" name="Group 13"/>
+          <p:cNvGrpSpPr>
+            <a:grpSpLocks noChangeAspect="1"/>
+          </p:cNvGrpSpPr>
+          <p:nvPr/>
+        </p:nvGrpSpPr>
+        <p:grpSpPr>
+          <a:xfrm>
+            <a:off x="11049000" y="4724400"/>
+            <a:ext cx="786146" cy="912812"/>
+            <a:chOff x="1855304" y="4081670"/>
+            <a:chExt cx="1855305" cy="2464904"/>
+          </a:xfrm>
+        </p:grpSpPr>
+        <p:sp>
+          <p:nvSpPr>
+            <p:cNvPr id="32" name="Rectangle 31"/>
+            <p:cNvSpPr/>
+            <p:nvPr/>
+          </p:nvSpPr>
+          <p:spPr bwMode="auto">
+            <a:xfrm>
+              <a:off x="1855304" y="4081670"/>
+              <a:ext cx="1855305" cy="2464904"/>
+            </a:xfrm>
+            <a:prstGeom prst="rect">
+              <a:avLst/>
+            </a:prstGeom>
+            <a:ln>
+              <a:headEnd type="none" w="med" len="med"/>
+              <a:tailEnd type="none" w="med" len="med"/>
+            </a:ln>
+          </p:spPr>
+          <p:style>
+            <a:lnRef idx="2">
+              <a:schemeClr val="accent2"/>
+            </a:lnRef>
+            <a:fillRef idx="1">
+              <a:schemeClr val="lt1"/>
+            </a:fillRef>
+            <a:effectRef idx="0">
+              <a:schemeClr val="accent2"/>
+            </a:effectRef>
+            <a:fontRef idx="minor">
+              <a:schemeClr val="dk1"/>
+            </a:fontRef>
+          </p:style>
+          <p:txBody>
+            <a:bodyPr vert="horz" wrap="square" lIns="91436" tIns="45718" rIns="91436" bIns="45718" numCol="1" rtlCol="0" anchor="t" anchorCtr="0" compatLnSpc="1">
+              <a:prstTxWarp prst="textNoShape">
+                <a:avLst/>
+              </a:prstTxWarp>
+            </a:bodyPr>
+            <a:lstStyle/>
+            <a:p>
+              <a:pPr algn="ctr" defTabSz="914099" fontAlgn="base">
+                <a:spcBef>
+                  <a:spcPct val="0"/>
+                </a:spcBef>
+                <a:spcAft>
+                  <a:spcPct val="0"/>
+                </a:spcAft>
+              </a:pPr>
+              <a:r>
+                <a:rPr lang="en-US" sz="2200" b="1" dirty="0">
+                  <a:solidFill>
+                    <a:schemeClr val="tx1"/>
+                  </a:solidFill>
+                  <a:latin typeface="Segoe UI" pitchFamily="34" charset="0"/>
+                  <a:ea typeface="Segoe UI" pitchFamily="34" charset="0"/>
+                  <a:cs typeface="Segoe UI" pitchFamily="34" charset="0"/>
+                </a:rPr>
+                <a:t>EN</a:t>
+              </a:r>
+            </a:p>
+          </p:txBody>
+        </p:sp>
+        <p:sp>
+          <p:nvSpPr>
+            <p:cNvPr id="33" name="Flowchart: Magnetic Disk 32"/>
+            <p:cNvSpPr/>
+            <p:nvPr/>
+          </p:nvSpPr>
+          <p:spPr bwMode="auto">
+            <a:xfrm>
+              <a:off x="2570922" y="5592417"/>
+              <a:ext cx="795130" cy="689113"/>
+            </a:xfrm>
+            <a:prstGeom prst="flowChartMagneticDisk">
+              <a:avLst/>
+            </a:prstGeom>
+            <a:ln>
+              <a:headEnd type="none" w="med" len="med"/>
+              <a:tailEnd type="none" w="med" len="med"/>
+            </a:ln>
+          </p:spPr>
+          <p:style>
+            <a:lnRef idx="2">
+              <a:schemeClr val="accent2"/>
+            </a:lnRef>
+            <a:fillRef idx="1">
+              <a:schemeClr val="lt1"/>
+            </a:fillRef>
+            <a:effectRef idx="0">
+              <a:schemeClr val="accent2"/>
+            </a:effectRef>
+            <a:fontRef idx="minor">
+              <a:schemeClr val="dk1"/>
+            </a:fontRef>
+          </p:style>
+          <p:txBody>
+            <a:bodyPr vert="horz" wrap="square" lIns="91436" tIns="45718" rIns="91436" bIns="45718" numCol="1" rtlCol="0" anchor="ctr" anchorCtr="0" compatLnSpc="1">
+              <a:prstTxWarp prst="textNoShape">
+                <a:avLst/>
+              </a:prstTxWarp>
+            </a:bodyPr>
+            <a:lstStyle/>
+            <a:p>
+              <a:pPr algn="ctr" defTabSz="914099" fontAlgn="base">
+                <a:spcBef>
+                  <a:spcPct val="0"/>
+                </a:spcBef>
+                <a:spcAft>
+                  <a:spcPct val="0"/>
+                </a:spcAft>
+              </a:pPr>
+              <a:endParaRPr lang="en-US" sz="2200" dirty="0">
+                <a:solidFill>
+                  <a:schemeClr val="tx1"/>
+                </a:solidFill>
+              </a:endParaRPr>
+            </a:p>
+          </p:txBody>
+        </p:sp>
+      </p:grpSp>
+      <p:sp>
+        <p:nvSpPr>
+          <p:cNvPr id="3" name="TextBox 2"/>
+          <p:cNvSpPr txBox="1"/>
+          <p:nvPr/>
+        </p:nvSpPr>
+        <p:spPr>
+          <a:xfrm>
+            <a:off x="5029200" y="1905001"/>
+            <a:ext cx="2209800" cy="492443"/>
+          </a:xfrm>
+          <a:prstGeom prst="rect">
+            <a:avLst/>
+          </a:prstGeom>
+          <a:noFill/>
+        </p:spPr>
+        <p:txBody>
+          <a:bodyPr wrap="square" lIns="0" tIns="0" rIns="0" bIns="0" rtlCol="0">
+            <a:spAutoFit/>
+          </a:bodyPr>
+          <a:lstStyle/>
+          <a:p>
+            <a:pPr algn="ctr"/>
+            <a:r>
+              <a:rPr lang="en-US" sz="3200" dirty="0">
+                <a:gradFill>
+                  <a:gsLst>
+                    <a:gs pos="0">
+                      <a:schemeClr val="tx1"/>
+                    </a:gs>
+                    <a:gs pos="86000">
+                      <a:schemeClr val="tx1"/>
+                    </a:gs>
+                  </a:gsLst>
+                  <a:lin ang="5400000" scaled="0"/>
+                </a:gradFill>
+              </a:rPr>
+              <a:t>……</a:t>
+            </a:r>
+          </a:p>
+        </p:txBody>
+      </p:sp>
+      <p:sp>
+        <p:nvSpPr>
+          <p:cNvPr id="34" name="TextBox 33"/>
+          <p:cNvSpPr txBox="1"/>
+          <p:nvPr/>
+        </p:nvSpPr>
+        <p:spPr>
+          <a:xfrm>
+            <a:off x="5029200" y="4917758"/>
+            <a:ext cx="2209800" cy="492443"/>
+          </a:xfrm>
+          <a:prstGeom prst="rect">
+            <a:avLst/>
+          </a:prstGeom>
+          <a:noFill/>
+        </p:spPr>
+        <p:txBody>
+          <a:bodyPr wrap="square" lIns="0" tIns="0" rIns="0" bIns="0" rtlCol="0">
+            <a:spAutoFit/>
+          </a:bodyPr>
+          <a:lstStyle/>
+          <a:p>
+            <a:pPr algn="ctr"/>
+            <a:r>
+              <a:rPr lang="en-US" sz="3200" dirty="0">
+                <a:gradFill>
+                  <a:gsLst>
+                    <a:gs pos="0">
+                      <a:schemeClr val="tx1"/>
+                    </a:gs>
+                    <a:gs pos="86000">
+                      <a:schemeClr val="tx1"/>
+                    </a:gs>
+                  </a:gsLst>
+                  <a:lin ang="5400000" scaled="0"/>
+                </a:gradFill>
+              </a:rPr>
+              <a:t>……</a:t>
+            </a:r>
+          </a:p>
+        </p:txBody>
+      </p:sp>
+      <p:cxnSp>
+        <p:nvCxnSpPr>
+          <p:cNvPr id="35" name="Straight Arrow Connector 34"/>
+          <p:cNvCxnSpPr/>
+          <p:nvPr/>
+        </p:nvCxnSpPr>
+        <p:spPr>
+          <a:xfrm flipH="1">
+            <a:off x="736282" y="2776980"/>
+            <a:ext cx="2616518" cy="1795021"/>
+          </a:xfrm>
+          <a:prstGeom prst="straightConnector1">
+            <a:avLst/>
+          </a:prstGeom>
+          <a:ln>
+            <a:prstDash val="dash"/>
+            <a:tailEnd type="arrow"/>
+          </a:ln>
+        </p:spPr>
+        <p:style>
+          <a:lnRef idx="2">
+            <a:schemeClr val="accent2"/>
+          </a:lnRef>
+          <a:fillRef idx="1">
+            <a:schemeClr val="lt1"/>
+          </a:fillRef>
+          <a:effectRef idx="0">
+            <a:schemeClr val="accent2"/>
+          </a:effectRef>
+          <a:fontRef idx="minor">
+            <a:schemeClr val="dk1"/>
+          </a:fontRef>
+        </p:style>
+      </p:cxnSp>
+      <p:cxnSp>
+        <p:nvCxnSpPr>
+          <p:cNvPr id="37" name="Straight Arrow Connector 36"/>
+          <p:cNvCxnSpPr/>
+          <p:nvPr/>
+        </p:nvCxnSpPr>
+        <p:spPr>
+          <a:xfrm>
+            <a:off x="3892602" y="2776979"/>
+            <a:ext cx="958481" cy="1828800"/>
+          </a:xfrm>
+          <a:prstGeom prst="straightConnector1">
+            <a:avLst/>
+          </a:prstGeom>
+          <a:ln>
+            <a:prstDash val="dash"/>
+            <a:tailEnd type="arrow"/>
+          </a:ln>
+        </p:spPr>
+        <p:style>
+          <a:lnRef idx="2">
+            <a:schemeClr val="accent2"/>
+          </a:lnRef>
+          <a:fillRef idx="1">
+            <a:schemeClr val="lt1"/>
+          </a:fillRef>
+          <a:effectRef idx="0">
+            <a:schemeClr val="accent2"/>
+          </a:effectRef>
+          <a:fontRef idx="minor">
+            <a:schemeClr val="dk1"/>
+          </a:fontRef>
+        </p:style>
+      </p:cxnSp>
+      <p:cxnSp>
+        <p:nvCxnSpPr>
+          <p:cNvPr id="39" name="Straight Arrow Connector 38"/>
+          <p:cNvCxnSpPr/>
+          <p:nvPr/>
+        </p:nvCxnSpPr>
+        <p:spPr>
+          <a:xfrm>
+            <a:off x="4547854" y="2776979"/>
+            <a:ext cx="5129546" cy="1828800"/>
+          </a:xfrm>
+          <a:prstGeom prst="straightConnector1">
+            <a:avLst/>
+          </a:prstGeom>
+          <a:ln>
+            <a:prstDash val="dash"/>
+            <a:tailEnd type="arrow"/>
+          </a:ln>
+        </p:spPr>
+        <p:style>
+          <a:lnRef idx="2">
+            <a:schemeClr val="accent2"/>
+          </a:lnRef>
+          <a:fillRef idx="1">
+            <a:schemeClr val="lt1"/>
+          </a:fillRef>
+          <a:effectRef idx="0">
+            <a:schemeClr val="accent2"/>
+          </a:effectRef>
+          <a:fontRef idx="minor">
+            <a:schemeClr val="dk1"/>
+          </a:fontRef>
+        </p:style>
+      </p:cxnSp>
+      <p:cxnSp>
+        <p:nvCxnSpPr>
+          <p:cNvPr id="44" name="Straight Arrow Connector 43"/>
+          <p:cNvCxnSpPr/>
+          <p:nvPr/>
+        </p:nvCxnSpPr>
+        <p:spPr>
+          <a:xfrm flipH="1">
+            <a:off x="914400" y="2776980"/>
+            <a:ext cx="2616518" cy="1795021"/>
+          </a:xfrm>
+          <a:prstGeom prst="straightConnector1">
+            <a:avLst/>
+          </a:prstGeom>
+          <a:ln>
+            <a:prstDash val="dash"/>
+            <a:headEnd type="arrow"/>
+            <a:tailEnd type="none"/>
+          </a:ln>
+        </p:spPr>
+        <p:style>
+          <a:lnRef idx="2">
+            <a:schemeClr val="accent2"/>
+          </a:lnRef>
+          <a:fillRef idx="1">
+            <a:schemeClr val="lt1"/>
+          </a:fillRef>
+          <a:effectRef idx="0">
+            <a:schemeClr val="accent2"/>
+          </a:effectRef>
+          <a:fontRef idx="minor">
+            <a:schemeClr val="dk1"/>
+          </a:fontRef>
+        </p:style>
+      </p:cxnSp>
+      <p:cxnSp>
+        <p:nvCxnSpPr>
+          <p:cNvPr id="45" name="Straight Arrow Connector 44"/>
+          <p:cNvCxnSpPr/>
+          <p:nvPr/>
+        </p:nvCxnSpPr>
+        <p:spPr>
+          <a:xfrm>
+            <a:off x="4030844" y="2776980"/>
+            <a:ext cx="922156" cy="1795021"/>
+          </a:xfrm>
+          <a:prstGeom prst="straightConnector1">
+            <a:avLst/>
+          </a:prstGeom>
+          <a:ln>
+            <a:prstDash val="dash"/>
+            <a:headEnd type="arrow"/>
+            <a:tailEnd type="none"/>
+          </a:ln>
+        </p:spPr>
+        <p:style>
+          <a:lnRef idx="2">
+            <a:schemeClr val="accent2"/>
+          </a:lnRef>
+          <a:fillRef idx="1">
+            <a:schemeClr val="lt1"/>
+          </a:fillRef>
+          <a:effectRef idx="0">
+            <a:schemeClr val="accent2"/>
+          </a:effectRef>
+          <a:fontRef idx="minor">
+            <a:schemeClr val="dk1"/>
+          </a:fontRef>
+        </p:style>
+      </p:cxnSp>
+      <p:cxnSp>
+        <p:nvCxnSpPr>
+          <p:cNvPr id="47" name="Straight Arrow Connector 46"/>
+          <p:cNvCxnSpPr/>
+          <p:nvPr/>
+        </p:nvCxnSpPr>
+        <p:spPr>
+          <a:xfrm>
+            <a:off x="4267200" y="2776980"/>
+            <a:ext cx="5401216" cy="1947421"/>
+          </a:xfrm>
+          <a:prstGeom prst="straightConnector1">
+            <a:avLst/>
+          </a:prstGeom>
+          <a:ln>
+            <a:prstDash val="dash"/>
+            <a:headEnd type="arrow"/>
+            <a:tailEnd type="none"/>
+          </a:ln>
+        </p:spPr>
+        <p:style>
+          <a:lnRef idx="2">
+            <a:schemeClr val="accent2"/>
+          </a:lnRef>
+          <a:fillRef idx="1">
+            <a:schemeClr val="lt1"/>
+          </a:fillRef>
+          <a:effectRef idx="0">
+            <a:schemeClr val="accent2"/>
+          </a:effectRef>
+          <a:fontRef idx="minor">
+            <a:schemeClr val="dk1"/>
+          </a:fontRef>
+        </p:style>
+      </p:cxnSp>
+      <p:cxnSp>
+        <p:nvCxnSpPr>
+          <p:cNvPr id="51" name="Straight Arrow Connector 50"/>
+          <p:cNvCxnSpPr/>
+          <p:nvPr/>
+        </p:nvCxnSpPr>
+        <p:spPr>
+          <a:xfrm flipH="1">
+            <a:off x="3530918" y="2929380"/>
+            <a:ext cx="126682" cy="1642621"/>
+          </a:xfrm>
+          <a:prstGeom prst="straightConnector1">
+            <a:avLst/>
+          </a:prstGeom>
+          <a:ln>
+            <a:prstDash val="dash"/>
+            <a:tailEnd type="arrow"/>
+          </a:ln>
+        </p:spPr>
+        <p:style>
+          <a:lnRef idx="2">
+            <a:schemeClr val="accent2"/>
+          </a:lnRef>
+          <a:fillRef idx="1">
+            <a:schemeClr val="lt1"/>
+          </a:fillRef>
+          <a:effectRef idx="0">
+            <a:schemeClr val="accent2"/>
+          </a:effectRef>
+          <a:fontRef idx="minor">
+            <a:schemeClr val="dk1"/>
+          </a:fontRef>
+        </p:style>
+      </p:cxnSp>
+      <p:cxnSp>
+        <p:nvCxnSpPr>
+          <p:cNvPr id="52" name="Straight Arrow Connector 51"/>
+          <p:cNvCxnSpPr/>
+          <p:nvPr/>
+        </p:nvCxnSpPr>
+        <p:spPr>
+          <a:xfrm flipH="1">
+            <a:off x="3651200" y="2929379"/>
+            <a:ext cx="158801" cy="1676400"/>
+          </a:xfrm>
+          <a:prstGeom prst="straightConnector1">
+            <a:avLst/>
+          </a:prstGeom>
+          <a:ln>
+            <a:prstDash val="dash"/>
+            <a:headEnd type="arrow"/>
+            <a:tailEnd type="none"/>
+          </a:ln>
+        </p:spPr>
+        <p:style>
+          <a:lnRef idx="2">
+            <a:schemeClr val="accent2"/>
+          </a:lnRef>
+          <a:fillRef idx="1">
+            <a:schemeClr val="lt1"/>
+          </a:fillRef>
+          <a:effectRef idx="0">
+            <a:schemeClr val="accent2"/>
+          </a:effectRef>
+          <a:fontRef idx="minor">
+            <a:schemeClr val="dk1"/>
+          </a:fontRef>
+        </p:style>
+      </p:cxnSp>
+      <p:sp>
+        <p:nvSpPr>
+          <p:cNvPr id="43" name="TextBox 42"/>
+          <p:cNvSpPr txBox="1"/>
+          <p:nvPr/>
+        </p:nvSpPr>
+        <p:spPr>
+          <a:xfrm flipH="1">
+            <a:off x="7620000" y="2819400"/>
+            <a:ext cx="4495494" cy="1107996"/>
+          </a:xfrm>
+          <a:prstGeom prst="rect">
+            <a:avLst/>
+          </a:prstGeom>
+          <a:noFill/>
+        </p:spPr>
+        <p:txBody>
+          <a:bodyPr wrap="square" lIns="0" tIns="0" rIns="0" bIns="0" rtlCol="0">
+            <a:spAutoFit/>
+          </a:bodyPr>
+          <a:lstStyle/>
+          <a:p>
+            <a:pPr marL="342900" indent="-342900">
+              <a:buFont typeface="Arial" panose="020B0604020202020204" pitchFamily="34" charset="0"/>
+              <a:buChar char="•"/>
+            </a:pPr>
+            <a:r>
+              <a:rPr lang="en-US" sz="2400" dirty="0">
+                <a:gradFill>
+                  <a:gsLst>
+                    <a:gs pos="0">
+                      <a:schemeClr val="tx1"/>
+                    </a:gs>
+                    <a:gs pos="86000">
+                      <a:schemeClr val="tx1"/>
+                    </a:gs>
+                  </a:gsLst>
+                  <a:lin ang="5400000" scaled="0"/>
+                </a:gradFill>
+                <a:latin typeface="Segoe UI" panose="020B0502040204020203" pitchFamily="34" charset="0"/>
+                <a:cs typeface="Segoe UI" panose="020B0502040204020203" pitchFamily="34" charset="0"/>
+              </a:rPr>
+              <a:t>Extent metadata partitioned</a:t>
+            </a:r>
+          </a:p>
+          <a:p>
+            <a:pPr marL="342900" indent="-342900">
+              <a:buFont typeface="Arial" panose="020B0604020202020204" pitchFamily="34" charset="0"/>
+              <a:buChar char="•"/>
+            </a:pPr>
+            <a:r>
+              <a:rPr lang="en-US" sz="2400" dirty="0">
+                <a:gradFill>
+                  <a:gsLst>
+                    <a:gs pos="0">
+                      <a:schemeClr val="tx1"/>
+                    </a:gs>
+                    <a:gs pos="86000">
+                      <a:schemeClr val="tx1"/>
+                    </a:gs>
+                  </a:gsLst>
+                  <a:lin ang="5400000" scaled="0"/>
+                </a:gradFill>
+                <a:latin typeface="Segoe UI" panose="020B0502040204020203" pitchFamily="34" charset="0"/>
+                <a:cs typeface="Segoe UI" panose="020B0502040204020203" pitchFamily="34" charset="0"/>
+              </a:rPr>
+              <a:t>Each </a:t>
+            </a:r>
+            <a:r>
+              <a:rPr lang="en-US" sz="2400" dirty="0" err="1">
+                <a:gradFill>
+                  <a:gsLst>
+                    <a:gs pos="0">
+                      <a:schemeClr val="tx1"/>
+                    </a:gs>
+                    <a:gs pos="86000">
+                      <a:schemeClr val="tx1"/>
+                    </a:gs>
+                  </a:gsLst>
+                  <a:lin ang="5400000" scaled="0"/>
+                </a:gradFill>
+                <a:latin typeface="Segoe UI" panose="020B0502040204020203" pitchFamily="34" charset="0"/>
+                <a:cs typeface="Segoe UI" panose="020B0502040204020203" pitchFamily="34" charset="0"/>
+              </a:rPr>
+              <a:t>ExtentManager</a:t>
+            </a:r>
+            <a:r>
+              <a:rPr lang="en-US" sz="2400" dirty="0">
+                <a:gradFill>
+                  <a:gsLst>
+                    <a:gs pos="0">
+                      <a:schemeClr val="tx1"/>
+                    </a:gs>
+                    <a:gs pos="86000">
+                      <a:schemeClr val="tx1"/>
+                    </a:gs>
+                  </a:gsLst>
+                  <a:lin ang="5400000" scaled="0"/>
+                </a:gradFill>
+                <a:latin typeface="Segoe UI" panose="020B0502040204020203" pitchFamily="34" charset="0"/>
+                <a:cs typeface="Segoe UI" panose="020B0502040204020203" pitchFamily="34" charset="0"/>
+              </a:rPr>
+              <a:t> in charge of a subset of extents</a:t>
+            </a:r>
+          </a:p>
+        </p:txBody>
+      </p:sp>
+      <p:sp>
+        <p:nvSpPr>
+          <p:cNvPr id="46" name="TextBox 45"/>
+          <p:cNvSpPr txBox="1"/>
+          <p:nvPr/>
+        </p:nvSpPr>
+        <p:spPr>
+          <a:xfrm flipH="1">
+            <a:off x="3811588" y="5867400"/>
+            <a:ext cx="4722812" cy="369332"/>
+          </a:xfrm>
+          <a:prstGeom prst="rect">
+            <a:avLst/>
+          </a:prstGeom>
+          <a:noFill/>
+        </p:spPr>
+        <p:txBody>
+          <a:bodyPr wrap="square" lIns="0" tIns="0" rIns="0" bIns="0" rtlCol="0">
+            <a:spAutoFit/>
+          </a:bodyPr>
+          <a:lstStyle/>
+          <a:p>
+            <a:pPr algn="ctr"/>
+            <a:r>
+              <a:rPr lang="en-US" sz="2400" dirty="0">
+                <a:gradFill>
+                  <a:gsLst>
+                    <a:gs pos="0">
+                      <a:schemeClr val="tx1"/>
+                    </a:gs>
+                    <a:gs pos="86000">
+                      <a:schemeClr val="tx1"/>
+                    </a:gs>
+                  </a:gsLst>
+                  <a:lin ang="5400000" scaled="0"/>
+                </a:gradFill>
+                <a:latin typeface="Segoe UI" panose="020B0502040204020203" pitchFamily="34" charset="0"/>
+                <a:cs typeface="Segoe UI" panose="020B0502040204020203" pitchFamily="34" charset="0"/>
+              </a:rPr>
+              <a:t>Extent Nodes</a:t>
+            </a:r>
+          </a:p>
+        </p:txBody>
+      </p:sp>
+    </p:spTree>
+    <p:extLst>
+      <p:ext uri="{BB962C8B-B14F-4D97-AF65-F5344CB8AC3E}">
+        <p14:creationId xmlns:p14="http://schemas.microsoft.com/office/powerpoint/2010/main" val="3097020959"/>
+      </p:ext>
+    </p:extLst>
+  </p:cSld>
+  <p:clrMapOvr>
+    <a:masterClrMapping/>
+  </p:clrMapOvr>
+</p:sld>
+</file>
+
+<file path=ppt/slides/slide4.xml><?xml version="1.0" encoding="utf-8"?>
+<p:sld xmlns:a="http://schemas.openxmlformats.org/drawingml/2006/main" xmlns:r="http://schemas.openxmlformats.org/officeDocument/2006/relationships" xmlns:p="http://schemas.openxmlformats.org/presentationml/2006/main">
+  <p:cSld>
+    <p:spTree>
+      <p:nvGrpSpPr>
+        <p:cNvPr id="1" name=""/>
+        <p:cNvGrpSpPr/>
+        <p:nvPr/>
+      </p:nvGrpSpPr>
+      <p:grpSpPr>
+        <a:xfrm>
+          <a:off x="0" y="0"/>
+          <a:ext cx="0" cy="0"/>
+          <a:chOff x="0" y="0"/>
+          <a:chExt cx="0" cy="0"/>
+        </a:xfrm>
+      </p:grpSpPr>
+      <p:sp>
+        <p:nvSpPr>
+          <p:cNvPr id="2" name="Title 1"/>
+          <p:cNvSpPr>
+            <a:spLocks noGrp="1"/>
+          </p:cNvSpPr>
+          <p:nvPr>
+            <p:ph type="title"/>
+          </p:nvPr>
+        </p:nvSpPr>
+        <p:spPr/>
+        <p:txBody>
+          <a:bodyPr/>
+          <a:lstStyle/>
+          <a:p>
+            <a:r>
+              <a:rPr lang="en-US" dirty="0"/>
+              <a:t>Replication Logic in Extent Manager</a:t>
+            </a:r>
+          </a:p>
+        </p:txBody>
+      </p:sp>
+      <p:sp>
+        <p:nvSpPr>
+          <p:cNvPr id="5" name="Content Placeholder 4"/>
+          <p:cNvSpPr>
+            <a:spLocks noGrp="1"/>
+          </p:cNvSpPr>
+          <p:nvPr>
+            <p:ph sz="half" idx="2"/>
+          </p:nvPr>
+        </p:nvSpPr>
+        <p:spPr>
+          <a:xfrm>
+            <a:off x="5181601" y="2133601"/>
+            <a:ext cx="6488113" cy="3348609"/>
+          </a:xfrm>
+        </p:spPr>
+        <p:txBody>
+          <a:bodyPr>
+            <a:normAutofit lnSpcReduction="10000"/>
+          </a:bodyPr>
+          <a:lstStyle/>
+          <a:p>
+            <a:r>
+              <a:rPr lang="en-US" dirty="0"/>
+              <a:t>Extent Manager maintains 3 replicas for every extent</a:t>
+            </a:r>
+          </a:p>
+          <a:p>
+            <a:pPr lvl="2"/>
+            <a:endParaRPr lang="en-US" dirty="0"/>
+          </a:p>
+          <a:p>
+            <a:pPr lvl="1"/>
+            <a:r>
+              <a:rPr lang="en-US" dirty="0"/>
+              <a:t>Discover node failures (heartbeat)</a:t>
+            </a:r>
+          </a:p>
+          <a:p>
+            <a:pPr lvl="2"/>
+            <a:endParaRPr lang="en-US" dirty="0"/>
+          </a:p>
+          <a:p>
+            <a:pPr lvl="1"/>
+            <a:r>
+              <a:rPr lang="en-US" dirty="0"/>
+              <a:t>Identify missing replica</a:t>
+            </a:r>
+          </a:p>
+          <a:p>
+            <a:pPr lvl="2"/>
+            <a:r>
+              <a:rPr lang="en-US" dirty="0"/>
+              <a:t>Sync report lists all extents on EN</a:t>
+            </a:r>
+          </a:p>
+          <a:p>
+            <a:pPr lvl="2"/>
+            <a:endParaRPr lang="en-US" dirty="0"/>
+          </a:p>
+          <a:p>
+            <a:pPr lvl="1"/>
+            <a:r>
+              <a:rPr lang="en-US" dirty="0"/>
+              <a:t>Schedule extent repair task</a:t>
+            </a:r>
+          </a:p>
+        </p:txBody>
+      </p:sp>
+      <p:sp>
+        <p:nvSpPr>
+          <p:cNvPr id="4" name="Slide Number Placeholder 3"/>
+          <p:cNvSpPr>
+            <a:spLocks noGrp="1"/>
+          </p:cNvSpPr>
+          <p:nvPr>
+            <p:ph type="sldNum" sz="quarter" idx="11"/>
+          </p:nvPr>
+        </p:nvSpPr>
+        <p:spPr/>
+        <p:txBody>
+          <a:bodyPr/>
+          <a:lstStyle/>
+          <a:p>
+            <a:fld id="{42EDC8D7-FF1B-4ADC-94E7-0E5A9DF51F65}" type="slidenum">
+              <a:rPr lang="en-US" smtClean="0"/>
+              <a:pPr/>
+              <a:t>4</a:t>
+            </a:fld>
+            <a:endParaRPr lang="en-US" dirty="0"/>
+          </a:p>
+        </p:txBody>
+      </p:sp>
+      <p:sp>
+        <p:nvSpPr>
+          <p:cNvPr id="16" name="Rectangle 15"/>
+          <p:cNvSpPr/>
+          <p:nvPr/>
+        </p:nvSpPr>
+        <p:spPr bwMode="auto">
+          <a:xfrm>
+            <a:off x="914401" y="3538954"/>
+            <a:ext cx="1404730" cy="861392"/>
+          </a:xfrm>
+          <a:prstGeom prst="rect">
+            <a:avLst/>
+          </a:prstGeom>
+          <a:ln>
+            <a:headEnd type="none" w="med" len="med"/>
+            <a:tailEnd type="none" w="med" len="med"/>
+          </a:ln>
+        </p:spPr>
+        <p:style>
+          <a:lnRef idx="2">
+            <a:schemeClr val="accent2"/>
+          </a:lnRef>
+          <a:fillRef idx="1">
+            <a:schemeClr val="lt1"/>
+          </a:fillRef>
+          <a:effectRef idx="0">
+            <a:schemeClr val="accent2"/>
+          </a:effectRef>
+          <a:fontRef idx="minor">
+            <a:schemeClr val="dk1"/>
+          </a:fontRef>
+        </p:style>
+        <p:txBody>
+          <a:bodyPr vert="horz" wrap="square" lIns="91436" tIns="45718" rIns="91436" bIns="45718" numCol="1" rtlCol="0" anchor="ctr" anchorCtr="0" compatLnSpc="1">
+            <a:prstTxWarp prst="textNoShape">
+              <a:avLst/>
+            </a:prstTxWarp>
+          </a:bodyPr>
+          <a:lstStyle/>
+          <a:p>
+            <a:pPr algn="ctr" defTabSz="914099" fontAlgn="base">
+              <a:spcBef>
+                <a:spcPct val="0"/>
+              </a:spcBef>
+              <a:spcAft>
+                <a:spcPct val="0"/>
+              </a:spcAft>
+            </a:pPr>
+            <a:r>
+              <a:rPr lang="en-US" sz="2200" b="1" dirty="0">
+                <a:solidFill>
+                  <a:schemeClr val="tx1"/>
+                </a:solidFill>
+                <a:latin typeface="Segoe UI" pitchFamily="34" charset="0"/>
+                <a:ea typeface="Segoe UI" pitchFamily="34" charset="0"/>
+                <a:cs typeface="Segoe UI" pitchFamily="34" charset="0"/>
+              </a:rPr>
+              <a:t>Extent Manager</a:t>
+            </a:r>
+          </a:p>
+        </p:txBody>
+      </p:sp>
+      <p:cxnSp>
+        <p:nvCxnSpPr>
+          <p:cNvPr id="17" name="Straight Arrow Connector 16"/>
+          <p:cNvCxnSpPr/>
+          <p:nvPr/>
+        </p:nvCxnSpPr>
+        <p:spPr>
+          <a:xfrm flipH="1">
+            <a:off x="1905001" y="2929354"/>
+            <a:ext cx="533400" cy="533400"/>
+          </a:xfrm>
+          <a:prstGeom prst="straightConnector1">
+            <a:avLst/>
+          </a:prstGeom>
+          <a:ln>
+            <a:prstDash val="dash"/>
+            <a:tailEnd type="arrow"/>
+          </a:ln>
+        </p:spPr>
+        <p:style>
+          <a:lnRef idx="2">
+            <a:schemeClr val="accent2"/>
+          </a:lnRef>
+          <a:fillRef idx="1">
+            <a:schemeClr val="lt1"/>
+          </a:fillRef>
+          <a:effectRef idx="0">
+            <a:schemeClr val="accent2"/>
+          </a:effectRef>
+          <a:fontRef idx="minor">
+            <a:schemeClr val="dk1"/>
+          </a:fontRef>
+        </p:style>
+      </p:cxnSp>
+      <p:cxnSp>
+        <p:nvCxnSpPr>
+          <p:cNvPr id="20" name="Straight Arrow Connector 19"/>
+          <p:cNvCxnSpPr/>
+          <p:nvPr/>
+        </p:nvCxnSpPr>
+        <p:spPr>
+          <a:xfrm flipH="1" flipV="1">
+            <a:off x="1905002" y="4453355"/>
+            <a:ext cx="533400" cy="457201"/>
+          </a:xfrm>
+          <a:prstGeom prst="straightConnector1">
+            <a:avLst/>
+          </a:prstGeom>
+          <a:ln>
+            <a:prstDash val="dash"/>
+            <a:tailEnd type="arrow"/>
+          </a:ln>
+        </p:spPr>
+        <p:style>
+          <a:lnRef idx="2">
+            <a:schemeClr val="accent2"/>
+          </a:lnRef>
+          <a:fillRef idx="1">
+            <a:schemeClr val="lt1"/>
+          </a:fillRef>
+          <a:effectRef idx="0">
+            <a:schemeClr val="accent2"/>
+          </a:effectRef>
+          <a:fontRef idx="minor">
+            <a:schemeClr val="dk1"/>
+          </a:fontRef>
+        </p:style>
+      </p:cxnSp>
+      <p:cxnSp>
+        <p:nvCxnSpPr>
+          <p:cNvPr id="23" name="Straight Arrow Connector 22"/>
+          <p:cNvCxnSpPr/>
+          <p:nvPr/>
+        </p:nvCxnSpPr>
+        <p:spPr>
+          <a:xfrm>
+            <a:off x="2438402" y="3996154"/>
+            <a:ext cx="2285999" cy="0"/>
+          </a:xfrm>
+          <a:prstGeom prst="straightConnector1">
+            <a:avLst/>
+          </a:prstGeom>
+          <a:ln>
+            <a:prstDash val="dash"/>
+            <a:tailEnd type="arrow"/>
+          </a:ln>
+        </p:spPr>
+        <p:style>
+          <a:lnRef idx="2">
+            <a:schemeClr val="accent2"/>
+          </a:lnRef>
+          <a:fillRef idx="1">
+            <a:schemeClr val="lt1"/>
+          </a:fillRef>
+          <a:effectRef idx="0">
+            <a:schemeClr val="accent2"/>
+          </a:effectRef>
+          <a:fontRef idx="minor">
+            <a:schemeClr val="dk1"/>
+          </a:fontRef>
+        </p:style>
+      </p:cxnSp>
+      <p:sp>
+        <p:nvSpPr>
+          <p:cNvPr id="26" name="TextBox 25"/>
+          <p:cNvSpPr txBox="1"/>
+          <p:nvPr/>
+        </p:nvSpPr>
+        <p:spPr>
+          <a:xfrm flipH="1">
+            <a:off x="2514600" y="2243555"/>
+            <a:ext cx="2209801" cy="615553"/>
+          </a:xfrm>
+          <a:prstGeom prst="rect">
+            <a:avLst/>
+          </a:prstGeom>
+          <a:noFill/>
+        </p:spPr>
+        <p:txBody>
+          <a:bodyPr wrap="square" lIns="0" tIns="0" rIns="0" bIns="0" rtlCol="0">
+            <a:spAutoFit/>
+          </a:bodyPr>
+          <a:lstStyle/>
+          <a:p>
+            <a:pPr algn="ctr"/>
+            <a:r>
+              <a:rPr lang="en-US" sz="2000" dirty="0">
+                <a:gradFill>
+                  <a:gsLst>
+                    <a:gs pos="0">
+                      <a:schemeClr val="tx1"/>
+                    </a:gs>
+                    <a:gs pos="86000">
+                      <a:schemeClr val="tx1"/>
+                    </a:gs>
+                  </a:gsLst>
+                  <a:lin ang="5400000" scaled="0"/>
+                </a:gradFill>
+                <a:latin typeface="Segoe UI" panose="020B0502040204020203" pitchFamily="34" charset="0"/>
+                <a:cs typeface="Segoe UI" panose="020B0502040204020203" pitchFamily="34" charset="0"/>
+              </a:rPr>
+              <a:t>heartbeat from ENs (every 5 secs)</a:t>
+            </a:r>
+          </a:p>
+        </p:txBody>
+      </p:sp>
+      <p:sp>
+        <p:nvSpPr>
+          <p:cNvPr id="27" name="TextBox 26"/>
+          <p:cNvSpPr txBox="1"/>
+          <p:nvPr/>
+        </p:nvSpPr>
+        <p:spPr>
+          <a:xfrm flipH="1">
+            <a:off x="2499656" y="4980802"/>
+            <a:ext cx="2072344" cy="615553"/>
+          </a:xfrm>
+          <a:prstGeom prst="rect">
+            <a:avLst/>
+          </a:prstGeom>
+          <a:noFill/>
+        </p:spPr>
+        <p:txBody>
+          <a:bodyPr wrap="square" lIns="0" tIns="0" rIns="0" bIns="0" rtlCol="0">
+            <a:spAutoFit/>
+          </a:bodyPr>
+          <a:lstStyle/>
+          <a:p>
+            <a:pPr algn="ctr"/>
+            <a:r>
+              <a:rPr lang="en-US" sz="2000" dirty="0">
+                <a:gradFill>
+                  <a:gsLst>
+                    <a:gs pos="0">
+                      <a:schemeClr val="tx1"/>
+                    </a:gs>
+                    <a:gs pos="86000">
+                      <a:schemeClr val="tx1"/>
+                    </a:gs>
+                  </a:gsLst>
+                  <a:lin ang="5400000" scaled="0"/>
+                </a:gradFill>
+                <a:latin typeface="Segoe UI" panose="020B0502040204020203" pitchFamily="34" charset="0"/>
+                <a:cs typeface="Segoe UI" panose="020B0502040204020203" pitchFamily="34" charset="0"/>
+              </a:rPr>
+              <a:t>sync report from ENs (every 5 mins)</a:t>
+            </a:r>
+          </a:p>
+        </p:txBody>
+      </p:sp>
+      <p:sp>
+        <p:nvSpPr>
+          <p:cNvPr id="33" name="TextBox 32"/>
+          <p:cNvSpPr txBox="1"/>
+          <p:nvPr/>
+        </p:nvSpPr>
+        <p:spPr>
+          <a:xfrm flipH="1">
+            <a:off x="2438402" y="3310355"/>
+            <a:ext cx="2285999" cy="615553"/>
+          </a:xfrm>
+          <a:prstGeom prst="rect">
+            <a:avLst/>
+          </a:prstGeom>
+          <a:noFill/>
+        </p:spPr>
+        <p:txBody>
+          <a:bodyPr wrap="square" lIns="0" tIns="0" rIns="0" bIns="0" rtlCol="0">
+            <a:spAutoFit/>
+          </a:bodyPr>
+          <a:lstStyle/>
+          <a:p>
+            <a:pPr algn="ctr"/>
+            <a:r>
+              <a:rPr lang="en-US" sz="2000" dirty="0">
+                <a:gradFill>
+                  <a:gsLst>
+                    <a:gs pos="0">
+                      <a:schemeClr val="tx1"/>
+                    </a:gs>
+                    <a:gs pos="86000">
+                      <a:schemeClr val="tx1"/>
+                    </a:gs>
+                  </a:gsLst>
+                  <a:lin ang="5400000" scaled="0"/>
+                </a:gradFill>
+                <a:latin typeface="Segoe UI" panose="020B0502040204020203" pitchFamily="34" charset="0"/>
+                <a:cs typeface="Segoe UI" panose="020B0502040204020203" pitchFamily="34" charset="0"/>
+              </a:rPr>
+              <a:t>extent repair task to ENs (on-demand)</a:t>
+            </a:r>
+          </a:p>
+        </p:txBody>
+      </p:sp>
+    </p:spTree>
+    <p:extLst>
+      <p:ext uri="{BB962C8B-B14F-4D97-AF65-F5344CB8AC3E}">
+        <p14:creationId xmlns:p14="http://schemas.microsoft.com/office/powerpoint/2010/main" val="127874823"/>
+      </p:ext>
+    </p:extLst>
+  </p:cSld>
+  <p:clrMapOvr>
+    <a:masterClrMapping/>
+  </p:clrMapOvr>
+</p:sld>
+</file>
+
+<file path=ppt/slides/slide5.xml><?xml version="1.0" encoding="utf-8"?>
+<p:sld xmlns:a="http://schemas.openxmlformats.org/drawingml/2006/main" xmlns:r="http://schemas.openxmlformats.org/officeDocument/2006/relationships" xmlns:p="http://schemas.openxmlformats.org/presentationml/2006/main">
+  <p:cSld>
+    <p:spTree>
+      <p:nvGrpSpPr>
+        <p:cNvPr id="1" name=""/>
+        <p:cNvGrpSpPr/>
+        <p:nvPr/>
+      </p:nvGrpSpPr>
+      <p:grpSpPr>
+        <a:xfrm>
+          <a:off x="0" y="0"/>
+          <a:ext cx="0" cy="0"/>
+          <a:chOff x="0" y="0"/>
+          <a:chExt cx="0" cy="0"/>
+        </a:xfrm>
+      </p:grpSpPr>
+      <p:sp>
+        <p:nvSpPr>
+          <p:cNvPr id="2" name="Title 1"/>
+          <p:cNvSpPr>
+            <a:spLocks noGrp="1"/>
+          </p:cNvSpPr>
+          <p:nvPr>
+            <p:ph type="title"/>
+          </p:nvPr>
+        </p:nvSpPr>
+        <p:spPr/>
+        <p:txBody>
+          <a:bodyPr/>
+          <a:lstStyle/>
+          <a:p>
+            <a:r>
+              <a:rPr lang="en-US" dirty="0"/>
+              <a:t>Difficulty in Testing vNext</a:t>
+            </a:r>
+          </a:p>
+        </p:txBody>
+      </p:sp>
+      <p:sp>
+        <p:nvSpPr>
+          <p:cNvPr id="3" name="Content Placeholder 2"/>
+          <p:cNvSpPr>
+            <a:spLocks noGrp="1"/>
+          </p:cNvSpPr>
+          <p:nvPr>
+            <p:ph idx="1"/>
+          </p:nvPr>
+        </p:nvSpPr>
+        <p:spPr>
+          <a:xfrm>
+            <a:off x="520701" y="1447801"/>
+            <a:ext cx="11149013" cy="4924425"/>
+          </a:xfrm>
+        </p:spPr>
+        <p:txBody>
+          <a:bodyPr>
+            <a:normAutofit lnSpcReduction="10000"/>
+          </a:bodyPr>
+          <a:lstStyle/>
+          <a:p>
+            <a:r>
+              <a:rPr lang="en-US" dirty="0"/>
+              <a:t>Unit tests</a:t>
+            </a:r>
+          </a:p>
+          <a:p>
+            <a:pPr lvl="1"/>
+            <a:r>
+              <a:rPr lang="en-US" dirty="0"/>
+              <a:t>Emulate heartbeat, sync report, EN expiration</a:t>
+            </a:r>
+          </a:p>
+          <a:p>
+            <a:pPr lvl="1"/>
+            <a:r>
+              <a:rPr lang="en-US" dirty="0"/>
+              <a:t>Verify Extent Manager behavior</a:t>
+            </a:r>
+          </a:p>
+          <a:p>
+            <a:pPr lvl="2"/>
+            <a:endParaRPr lang="en-US" dirty="0"/>
+          </a:p>
+          <a:p>
+            <a:r>
+              <a:rPr lang="en-US" dirty="0"/>
+              <a:t>Integration tests</a:t>
+            </a:r>
+          </a:p>
+          <a:p>
+            <a:pPr lvl="1"/>
+            <a:r>
+              <a:rPr lang="en-US" dirty="0"/>
+              <a:t>Launch real Extent Manager and Extent Nodes</a:t>
+            </a:r>
+          </a:p>
+          <a:p>
+            <a:pPr lvl="1"/>
+            <a:r>
+              <a:rPr lang="en-US" dirty="0"/>
+              <a:t>Kill EN and launch new EN </a:t>
+            </a:r>
+            <a:r>
+              <a:rPr lang="en-US" dirty="0">
+                <a:sym typeface="Wingdings" panose="05000000000000000000" pitchFamily="2" charset="2"/>
+              </a:rPr>
+              <a:t> verify extents repaired</a:t>
+            </a:r>
+          </a:p>
+          <a:p>
+            <a:r>
+              <a:rPr lang="en-US" dirty="0">
+                <a:sym typeface="Wingdings" panose="05000000000000000000" pitchFamily="2" charset="2"/>
+              </a:rPr>
+              <a:t>Unit tests &amp; integration tests always pass</a:t>
+            </a:r>
+          </a:p>
+          <a:p>
+            <a:pPr lvl="2"/>
+            <a:endParaRPr lang="en-US" dirty="0">
+              <a:sym typeface="Wingdings" panose="05000000000000000000" pitchFamily="2" charset="2"/>
+            </a:endParaRPr>
+          </a:p>
+          <a:p>
+            <a:r>
+              <a:rPr lang="en-US" dirty="0">
+                <a:sym typeface="Wingdings" panose="05000000000000000000" pitchFamily="2" charset="2"/>
+              </a:rPr>
+              <a:t>Stress tests fail </a:t>
+            </a:r>
+            <a:r>
+              <a:rPr lang="en-US" dirty="0">
+                <a:solidFill>
+                  <a:srgbClr val="C00000"/>
+                </a:solidFill>
+                <a:sym typeface="Wingdings" panose="05000000000000000000" pitchFamily="2" charset="2"/>
+              </a:rPr>
+              <a:t>from time to time</a:t>
+            </a:r>
+            <a:r>
+              <a:rPr lang="en-US" dirty="0">
+                <a:sym typeface="Wingdings" panose="05000000000000000000" pitchFamily="2" charset="2"/>
+              </a:rPr>
+              <a:t>, when repair gets stuck as</a:t>
+            </a:r>
+          </a:p>
+          <a:p>
+            <a:pPr lvl="1"/>
+            <a:r>
+              <a:rPr lang="en-US" dirty="0">
+                <a:sym typeface="Wingdings" panose="05000000000000000000" pitchFamily="2" charset="2"/>
+              </a:rPr>
+              <a:t>Many extents are created</a:t>
+            </a:r>
+          </a:p>
+          <a:p>
+            <a:pPr lvl="1"/>
+            <a:r>
+              <a:rPr lang="en-US" dirty="0">
+                <a:sym typeface="Wingdings" panose="05000000000000000000" pitchFamily="2" charset="2"/>
+              </a:rPr>
+              <a:t>ENs are constantly killed and launched</a:t>
+            </a:r>
+            <a:endParaRPr lang="en-US" dirty="0"/>
+          </a:p>
+        </p:txBody>
+      </p:sp>
+      <p:sp>
+        <p:nvSpPr>
+          <p:cNvPr id="4" name="Slide Number Placeholder 3"/>
+          <p:cNvSpPr>
+            <a:spLocks noGrp="1"/>
+          </p:cNvSpPr>
+          <p:nvPr>
+            <p:ph type="sldNum" sz="quarter" idx="11"/>
+          </p:nvPr>
+        </p:nvSpPr>
+        <p:spPr/>
+        <p:txBody>
+          <a:bodyPr/>
+          <a:lstStyle/>
+          <a:p>
+            <a:fld id="{42EDC8D7-FF1B-4ADC-94E7-0E5A9DF51F65}" type="slidenum">
+              <a:rPr lang="en-US" smtClean="0"/>
+              <a:pPr/>
+              <a:t>5</a:t>
+            </a:fld>
+            <a:endParaRPr lang="en-US" dirty="0"/>
+          </a:p>
+        </p:txBody>
+      </p:sp>
+    </p:spTree>
+    <p:extLst>
+      <p:ext uri="{BB962C8B-B14F-4D97-AF65-F5344CB8AC3E}">
+        <p14:creationId xmlns:p14="http://schemas.microsoft.com/office/powerpoint/2010/main" val="789184713"/>
+      </p:ext>
+    </p:extLst>
+  </p:cSld>
+  <p:clrMapOvr>
+    <a:masterClrMapping/>
+  </p:clrMapOvr>
+  <p:timing>
+    <p:tnLst>
+      <p:par>
+        <p:cTn id="1" dur="indefinite" restart="never" nodeType="tmRoot">
+          <p:childTnLst>
+            <p:seq concurrent="1" nextAc="seek">
+              <p:cTn id="2" dur="indefinite" nodeType="mainSeq">
+                <p:childTnLst>
+                  <p:par>
+                    <p:cTn id="3" fill="hold">
+                      <p:stCondLst>
+                        <p:cond delay="indefinite"/>
+                      </p:stCondLst>
+                      <p:childTnLst>
+                        <p:par>
+                          <p:cTn id="4" fill="hold">
+                            <p:stCondLst>
+                              <p:cond delay="0"/>
+                            </p:stCondLst>
+                            <p:childTnLst>
+                              <p:par>
+                                <p:cTn id="5" presetID="9" presetClass="entr" presetSubtype="0" fill="hold" nodeType="clickEffect">
+                                  <p:stCondLst>
+                                    <p:cond delay="0"/>
+                                  </p:stCondLst>
+                                  <p:childTnLst>
+                                    <p:set>
+                                      <p:cBhvr>
+                                        <p:cTn id="6" dur="1" fill="hold">
+                                          <p:stCondLst>
+                                            <p:cond delay="0"/>
+                                          </p:stCondLst>
+                                        </p:cTn>
+                                        <p:tgtEl>
+                                          <p:spTgt spid="3">
+                                            <p:txEl>
+                                              <p:pRg st="9" end="9"/>
+                                            </p:txEl>
+                                          </p:spTgt>
+                                        </p:tgtEl>
+                                        <p:attrNameLst>
+                                          <p:attrName>style.visibility</p:attrName>
+                                        </p:attrNameLst>
+                                      </p:cBhvr>
+                                      <p:to>
+                                        <p:strVal val="visible"/>
+                                      </p:to>
+                                    </p:set>
+                                    <p:animEffect transition="in" filter="dissolve">
+                                      <p:cBhvr>
+                                        <p:cTn id="7" dur="500"/>
+                                        <p:tgtEl>
+                                          <p:spTgt spid="3">
+                                            <p:txEl>
+                                              <p:pRg st="9" end="9"/>
+                                            </p:txEl>
+                                          </p:spTgt>
+                                        </p:tgtEl>
+                                      </p:cBhvr>
+                                    </p:animEffect>
+                                  </p:childTnLst>
+                                </p:cTn>
+                              </p:par>
+                              <p:par>
+                                <p:cTn id="8" presetID="9" presetClass="entr" presetSubtype="0" fill="hold" nodeType="withEffect">
+                                  <p:stCondLst>
+                                    <p:cond delay="0"/>
+                                  </p:stCondLst>
+                                  <p:childTnLst>
+                                    <p:set>
+                                      <p:cBhvr>
+                                        <p:cTn id="9" dur="1" fill="hold">
+                                          <p:stCondLst>
+                                            <p:cond delay="0"/>
+                                          </p:stCondLst>
+                                        </p:cTn>
+                                        <p:tgtEl>
+                                          <p:spTgt spid="3">
+                                            <p:txEl>
+                                              <p:pRg st="10" end="10"/>
+                                            </p:txEl>
+                                          </p:spTgt>
+                                        </p:tgtEl>
+                                        <p:attrNameLst>
+                                          <p:attrName>style.visibility</p:attrName>
+                                        </p:attrNameLst>
+                                      </p:cBhvr>
+                                      <p:to>
+                                        <p:strVal val="visible"/>
+                                      </p:to>
+                                    </p:set>
+                                    <p:animEffect transition="in" filter="dissolve">
+                                      <p:cBhvr>
+                                        <p:cTn id="10" dur="500"/>
+                                        <p:tgtEl>
+                                          <p:spTgt spid="3">
+                                            <p:txEl>
+                                              <p:pRg st="10" end="10"/>
+                                            </p:txEl>
+                                          </p:spTgt>
+                                        </p:tgtEl>
+                                      </p:cBhvr>
+                                    </p:animEffect>
+                                  </p:childTnLst>
+                                </p:cTn>
+                              </p:par>
+                              <p:par>
+                                <p:cTn id="11" presetID="9" presetClass="entr" presetSubtype="0" fill="hold" nodeType="withEffect">
+                                  <p:stCondLst>
+                                    <p:cond delay="0"/>
+                                  </p:stCondLst>
+                                  <p:childTnLst>
+                                    <p:set>
+                                      <p:cBhvr>
+                                        <p:cTn id="12" dur="1" fill="hold">
+                                          <p:stCondLst>
+                                            <p:cond delay="0"/>
+                                          </p:stCondLst>
+                                        </p:cTn>
+                                        <p:tgtEl>
+                                          <p:spTgt spid="3">
+                                            <p:txEl>
+                                              <p:pRg st="11" end="11"/>
+                                            </p:txEl>
+                                          </p:spTgt>
+                                        </p:tgtEl>
+                                        <p:attrNameLst>
+                                          <p:attrName>style.visibility</p:attrName>
+                                        </p:attrNameLst>
+                                      </p:cBhvr>
+                                      <p:to>
+                                        <p:strVal val="visible"/>
+                                      </p:to>
+                                    </p:set>
+                                    <p:animEffect transition="in" filter="dissolve">
+                                      <p:cBhvr>
+                                        <p:cTn id="13" dur="500"/>
+                                        <p:tgtEl>
+                                          <p:spTgt spid="3">
+                                            <p:txEl>
+                                              <p:pRg st="11" end="11"/>
+                                            </p:txEl>
+                                          </p:spTgt>
+                                        </p:tgtEl>
+                                      </p:cBhvr>
+                                    </p:animEffect>
+                                  </p:childTnLst>
+                                </p:cTn>
+                              </p:par>
+                            </p:childTnLst>
+                          </p:cTn>
+                        </p:par>
+                      </p:childTnLst>
+                    </p:cTn>
+                  </p:par>
+                </p:childTnLst>
+              </p:cTn>
+              <p:prevCondLst>
+                <p:cond evt="onPrev" delay="0">
+                  <p:tgtEl>
+                    <p:sldTgt/>
+                  </p:tgtEl>
+                </p:cond>
+              </p:prevCondLst>
+              <p:nextCondLst>
+                <p:cond evt="onNext" delay="0">
+                  <p:tgtEl>
+                    <p:sldTgt/>
+                  </p:tgtEl>
+                </p:cond>
+              </p:nextCondLst>
+            </p:seq>
+          </p:childTnLst>
+        </p:cTn>
+      </p:par>
+    </p:tnLst>
+  </p:timing>
+</p:sld>
+</file>
+
+<file path=ppt/slides/slide6.xml><?xml version="1.0" encoding="utf-8"?>
+<p:sld xmlns:a="http://schemas.openxmlformats.org/drawingml/2006/main" xmlns:r="http://schemas.openxmlformats.org/officeDocument/2006/relationships" xmlns:p="http://schemas.openxmlformats.org/presentationml/2006/main">
+  <p:cSld>
+    <p:spTree>
+      <p:nvGrpSpPr>
+        <p:cNvPr id="1" name=""/>
+        <p:cNvGrpSpPr/>
+        <p:nvPr/>
+      </p:nvGrpSpPr>
+      <p:grpSpPr>
+        <a:xfrm>
+          <a:off x="0" y="0"/>
+          <a:ext cx="0" cy="0"/>
+          <a:chOff x="0" y="0"/>
+          <a:chExt cx="0" cy="0"/>
+        </a:xfrm>
+      </p:grpSpPr>
       <p:grpSp>
         <p:nvGrpSpPr>
           <p:cNvPr id="2" name="Group 1"/>
@@ -7767,7 +10774,7 @@
 </p:sld>
 </file>
 
-<file path=ppt/slides/slide4.xml><?xml version="1.0" encoding="utf-8"?>
+<file path=ppt/slides/slide7.xml><?xml version="1.0" encoding="utf-8"?>
 <p:sld xmlns:a="http://schemas.openxmlformats.org/drawingml/2006/main" xmlns:r="http://schemas.openxmlformats.org/officeDocument/2006/relationships" xmlns:p="http://schemas.openxmlformats.org/presentationml/2006/main">
   <p:cSld>
     <p:spTree>
@@ -8809,7 +11816,7 @@
 </p:sld>
 </file>
 
-<file path=ppt/slides/slide5.xml><?xml version="1.0" encoding="utf-8"?>
+<file path=ppt/slides/slide8.xml><?xml version="1.0" encoding="utf-8"?>
 <p:sld xmlns:a="http://schemas.openxmlformats.org/drawingml/2006/main" xmlns:r="http://schemas.openxmlformats.org/officeDocument/2006/relationships" xmlns:p="http://schemas.openxmlformats.org/presentationml/2006/main">
   <p:cSld>
     <p:spTree>
@@ -9262,279 +12269,6 @@
 </p:sld>
 </file>
 
-<file path=ppt/slides/slide6.xml><?xml version="1.0" encoding="utf-8"?>
-<p:sld xmlns:a="http://schemas.openxmlformats.org/drawingml/2006/main" xmlns:r="http://schemas.openxmlformats.org/officeDocument/2006/relationships" xmlns:p="http://schemas.openxmlformats.org/presentationml/2006/main">
-  <p:cSld>
-    <p:spTree>
-      <p:nvGrpSpPr>
-        <p:cNvPr id="1" name=""/>
-        <p:cNvGrpSpPr/>
-        <p:nvPr/>
-      </p:nvGrpSpPr>
-      <p:grpSpPr>
-        <a:xfrm>
-          <a:off x="0" y="0"/>
-          <a:ext cx="0" cy="0"/>
-          <a:chOff x="0" y="0"/>
-          <a:chExt cx="0" cy="0"/>
-        </a:xfrm>
-      </p:grpSpPr>
-      <p:sp>
-        <p:nvSpPr>
-          <p:cNvPr id="2" name="Title 1"/>
-          <p:cNvSpPr>
-            <a:spLocks noGrp="1"/>
-          </p:cNvSpPr>
-          <p:nvPr>
-            <p:ph type="title"/>
-          </p:nvPr>
-        </p:nvSpPr>
-        <p:spPr/>
-        <p:txBody>
-          <a:bodyPr/>
-          <a:lstStyle/>
-          <a:p>
-            <a:r>
-              <a:rPr lang="en-US" dirty="0"/>
-              <a:t>Expressing asynchrony in P</a:t>
-            </a:r>
-          </a:p>
-        </p:txBody>
-      </p:sp>
-      <p:sp>
-        <p:nvSpPr>
-          <p:cNvPr id="3" name="Content Placeholder 2"/>
-          <p:cNvSpPr>
-            <a:spLocks noGrp="1"/>
-          </p:cNvSpPr>
-          <p:nvPr>
-            <p:ph idx="1"/>
-          </p:nvPr>
-        </p:nvSpPr>
-        <p:spPr/>
-        <p:txBody>
-          <a:bodyPr/>
-          <a:lstStyle/>
-          <a:p>
-            <a:r>
-              <a:rPr lang="en-US" dirty="0"/>
-              <a:t>Ping Pong example with Timer</a:t>
-            </a:r>
-          </a:p>
-          <a:p>
-            <a:r>
-              <a:rPr lang="en-US" dirty="0"/>
-              <a:t>Illustrate basic language features</a:t>
-            </a:r>
-          </a:p>
-          <a:p>
-            <a:r>
-              <a:rPr lang="en-US" dirty="0"/>
-              <a:t>Get students familiar with basic tool chain</a:t>
-            </a:r>
-          </a:p>
-          <a:p>
-            <a:r>
-              <a:rPr lang="en-US" dirty="0"/>
-              <a:t>The problem of systematic testing</a:t>
-            </a:r>
-          </a:p>
-          <a:p>
-            <a:r>
-              <a:rPr lang="en-US" dirty="0"/>
-              <a:t>The problem of specification</a:t>
-            </a:r>
-          </a:p>
-          <a:p>
-            <a:r>
-              <a:rPr lang="en-US" dirty="0"/>
-              <a:t>Safety</a:t>
-            </a:r>
-          </a:p>
-          <a:p>
-            <a:r>
-              <a:rPr lang="en-US" dirty="0"/>
-              <a:t>Liveness</a:t>
-            </a:r>
-          </a:p>
-        </p:txBody>
-      </p:sp>
-    </p:spTree>
-    <p:extLst>
-      <p:ext uri="{BB962C8B-B14F-4D97-AF65-F5344CB8AC3E}">
-        <p14:creationId xmlns:p14="http://schemas.microsoft.com/office/powerpoint/2010/main" val="369208347"/>
-      </p:ext>
-    </p:extLst>
-  </p:cSld>
-  <p:clrMapOvr>
-    <a:masterClrMapping/>
-  </p:clrMapOvr>
-</p:sld>
-</file>
-
-<file path=ppt/slides/slide7.xml><?xml version="1.0" encoding="utf-8"?>
-<p:sld xmlns:a="http://schemas.openxmlformats.org/drawingml/2006/main" xmlns:r="http://schemas.openxmlformats.org/officeDocument/2006/relationships" xmlns:p="http://schemas.openxmlformats.org/presentationml/2006/main">
-  <p:cSld>
-    <p:spTree>
-      <p:nvGrpSpPr>
-        <p:cNvPr id="1" name=""/>
-        <p:cNvGrpSpPr/>
-        <p:nvPr/>
-      </p:nvGrpSpPr>
-      <p:grpSpPr>
-        <a:xfrm>
-          <a:off x="0" y="0"/>
-          <a:ext cx="0" cy="0"/>
-          <a:chOff x="0" y="0"/>
-          <a:chExt cx="0" cy="0"/>
-        </a:xfrm>
-      </p:grpSpPr>
-      <p:sp>
-        <p:nvSpPr>
-          <p:cNvPr id="2" name="Title 1"/>
-          <p:cNvSpPr>
-            <a:spLocks noGrp="1"/>
-          </p:cNvSpPr>
-          <p:nvPr>
-            <p:ph type="title"/>
-          </p:nvPr>
-        </p:nvSpPr>
-        <p:spPr/>
-        <p:txBody>
-          <a:bodyPr/>
-          <a:lstStyle/>
-          <a:p>
-            <a:r>
-              <a:rPr lang="en-US" dirty="0"/>
-              <a:t>Environment modeling</a:t>
-            </a:r>
-          </a:p>
-        </p:txBody>
-      </p:sp>
-      <p:sp>
-        <p:nvSpPr>
-          <p:cNvPr id="3" name="Content Placeholder 2"/>
-          <p:cNvSpPr>
-            <a:spLocks noGrp="1"/>
-          </p:cNvSpPr>
-          <p:nvPr>
-            <p:ph idx="1"/>
-          </p:nvPr>
-        </p:nvSpPr>
-        <p:spPr/>
-        <p:txBody>
-          <a:bodyPr/>
-          <a:lstStyle/>
-          <a:p>
-            <a:r>
-              <a:rPr lang="en-US" dirty="0"/>
-              <a:t>Foreign function interface</a:t>
-            </a:r>
-          </a:p>
-          <a:p>
-            <a:endParaRPr lang="en-US" dirty="0"/>
-          </a:p>
-          <a:p>
-            <a:r>
-              <a:rPr lang="en-US" dirty="0"/>
-              <a:t>Modeling failures using events</a:t>
-            </a:r>
-          </a:p>
-        </p:txBody>
-      </p:sp>
-    </p:spTree>
-    <p:extLst>
-      <p:ext uri="{BB962C8B-B14F-4D97-AF65-F5344CB8AC3E}">
-        <p14:creationId xmlns:p14="http://schemas.microsoft.com/office/powerpoint/2010/main" val="2455387089"/>
-      </p:ext>
-    </p:extLst>
-  </p:cSld>
-  <p:clrMapOvr>
-    <a:masterClrMapping/>
-  </p:clrMapOvr>
-</p:sld>
-</file>
-
-<file path=ppt/slides/slide8.xml><?xml version="1.0" encoding="utf-8"?>
-<p:sld xmlns:a="http://schemas.openxmlformats.org/drawingml/2006/main" xmlns:r="http://schemas.openxmlformats.org/officeDocument/2006/relationships" xmlns:p="http://schemas.openxmlformats.org/presentationml/2006/main">
-  <p:cSld>
-    <p:spTree>
-      <p:nvGrpSpPr>
-        <p:cNvPr id="1" name=""/>
-        <p:cNvGrpSpPr/>
-        <p:nvPr/>
-      </p:nvGrpSpPr>
-      <p:grpSpPr>
-        <a:xfrm>
-          <a:off x="0" y="0"/>
-          <a:ext cx="0" cy="0"/>
-          <a:chOff x="0" y="0"/>
-          <a:chExt cx="0" cy="0"/>
-        </a:xfrm>
-      </p:grpSpPr>
-      <p:sp>
-        <p:nvSpPr>
-          <p:cNvPr id="2" name="Title 1"/>
-          <p:cNvSpPr>
-            <a:spLocks noGrp="1"/>
-          </p:cNvSpPr>
-          <p:nvPr>
-            <p:ph type="title"/>
-          </p:nvPr>
-        </p:nvSpPr>
-        <p:spPr/>
-        <p:txBody>
-          <a:bodyPr/>
-          <a:lstStyle/>
-          <a:p>
-            <a:r>
-              <a:rPr lang="en-US" dirty="0"/>
-              <a:t>Unit interaction tests</a:t>
-            </a:r>
-          </a:p>
-        </p:txBody>
-      </p:sp>
-      <p:sp>
-        <p:nvSpPr>
-          <p:cNvPr id="3" name="Content Placeholder 2"/>
-          <p:cNvSpPr>
-            <a:spLocks noGrp="1"/>
-          </p:cNvSpPr>
-          <p:nvPr>
-            <p:ph idx="1"/>
-          </p:nvPr>
-        </p:nvSpPr>
-        <p:spPr/>
-        <p:txBody>
-          <a:bodyPr/>
-          <a:lstStyle/>
-          <a:p>
-            <a:r>
-              <a:rPr lang="en-US" dirty="0"/>
-              <a:t>Module constructors</a:t>
-            </a:r>
-          </a:p>
-          <a:p>
-            <a:r>
-              <a:rPr lang="en-US" dirty="0"/>
-              <a:t>Test declarations</a:t>
-            </a:r>
-          </a:p>
-        </p:txBody>
-      </p:sp>
-    </p:spTree>
-    <p:extLst>
-      <p:ext uri="{BB962C8B-B14F-4D97-AF65-F5344CB8AC3E}">
-        <p14:creationId xmlns:p14="http://schemas.microsoft.com/office/powerpoint/2010/main" val="628802943"/>
-      </p:ext>
-    </p:extLst>
-  </p:cSld>
-  <p:clrMapOvr>
-    <a:masterClrMapping/>
-  </p:clrMapOvr>
-</p:sld>
-</file>
-
 <file path=ppt/slides/slide9.xml><?xml version="1.0" encoding="utf-8"?>
 <p:sld xmlns:a="http://schemas.openxmlformats.org/drawingml/2006/main" xmlns:r="http://schemas.openxmlformats.org/officeDocument/2006/relationships" xmlns:p="http://schemas.openxmlformats.org/presentationml/2006/main">
   <p:cSld>
@@ -9569,7 +12303,7 @@
           <a:p>
             <a:r>
               <a:rPr lang="en-US" dirty="0"/>
-              <a:t>Advanced language features</a:t>
+              <a:t>Expressing asynchrony in P</a:t>
             </a:r>
           </a:p>
         </p:txBody>
@@ -9591,27 +12325,51 @@
           <a:p>
             <a:r>
               <a:rPr lang="en-US" dirty="0"/>
-              <a:t>Memory management</a:t>
+              <a:t>Ping Pong example with Timer</a:t>
             </a:r>
           </a:p>
           <a:p>
             <a:r>
               <a:rPr lang="en-US" dirty="0"/>
-              <a:t>Data-race freedom</a:t>
-            </a:r>
-          </a:p>
-          <a:p>
-            <a:endParaRPr lang="en-US" dirty="0"/>
-          </a:p>
-          <a:p>
-            <a:endParaRPr lang="en-US" dirty="0"/>
+              <a:t>Illustrate basic language features</a:t>
+            </a:r>
+          </a:p>
+          <a:p>
+            <a:r>
+              <a:rPr lang="en-US" dirty="0"/>
+              <a:t>Get students familiar with basic tool chain</a:t>
+            </a:r>
+          </a:p>
+          <a:p>
+            <a:r>
+              <a:rPr lang="en-US" dirty="0"/>
+              <a:t>The problem of systematic testing</a:t>
+            </a:r>
+          </a:p>
+          <a:p>
+            <a:r>
+              <a:rPr lang="en-US" dirty="0"/>
+              <a:t>The problem of specification</a:t>
+            </a:r>
+          </a:p>
+          <a:p>
+            <a:r>
+              <a:rPr lang="en-US" dirty="0"/>
+              <a:t>Safety</a:t>
+            </a:r>
+          </a:p>
+          <a:p>
+            <a:r>
+              <a:rPr lang="en-US" dirty="0"/>
+              <a:t>Liveness</a:t>
+            </a:r>
           </a:p>
         </p:txBody>
       </p:sp>
     </p:spTree>
     <p:extLst>
       <p:ext uri="{BB962C8B-B14F-4D97-AF65-F5344CB8AC3E}">
-        <p14:creationId xmlns:p14="http://schemas.microsoft.com/office/powerpoint/2010/main" val="3168878971"/>
+        <p14:creationId xmlns:p14="http://schemas.microsoft.com/office/powerpoint/2010/main" val="369208347"/>
       </p:ext>
     </p:extLst>
   </p:cSld>

--- a/Tutorial/P-tutorial.pptx
+++ b/Tutorial/P-tutorial.pptx
@@ -5,7 +5,7 @@
     <p:sldMasterId id="2147483648" r:id="rId1"/>
   </p:sldMasterIdLst>
   <p:notesMasterIdLst>
-    <p:notesMasterId r:id="rId15"/>
+    <p:notesMasterId r:id="rId23"/>
   </p:notesMasterIdLst>
   <p:sldIdLst>
     <p:sldId id="256" r:id="rId2"/>
@@ -21,6 +21,14 @@
     <p:sldId id="262" r:id="rId12"/>
     <p:sldId id="263" r:id="rId13"/>
     <p:sldId id="267" r:id="rId14"/>
+    <p:sldId id="272" r:id="rId15"/>
+    <p:sldId id="273" r:id="rId16"/>
+    <p:sldId id="274" r:id="rId17"/>
+    <p:sldId id="275" r:id="rId18"/>
+    <p:sldId id="276" r:id="rId19"/>
+    <p:sldId id="277" r:id="rId20"/>
+    <p:sldId id="278" r:id="rId21"/>
+    <p:sldId id="279" r:id="rId22"/>
   </p:sldIdLst>
   <p:sldSz cx="12192000" cy="6858000"/>
   <p:notesSz cx="6858000" cy="9144000"/>
@@ -213,7 +221,7 @@
           <a:p>
             <a:fld id="{4D6C1395-F38E-4BBC-A387-C9D21622F6E5}" type="datetimeFigureOut">
               <a:rPr lang="en-US" smtClean="0"/>
-              <a:t>5/20/2017</a:t>
+              <a:t>5/25/2017</a:t>
             </a:fld>
             <a:endParaRPr lang="en-US"/>
           </a:p>
@@ -683,7 +691,7 @@
           <a:p>
             <a:fld id="{DCC5E34C-0BEF-42D1-A3A4-98A0EFA3EE0B}" type="datetime8">
               <a:rPr lang="en-US" smtClean="0"/>
-              <a:t>5/20/2017 3:36 PM</a:t>
+              <a:t>5/25/2017 9:35 PM</a:t>
             </a:fld>
             <a:endParaRPr lang="en-US" dirty="0"/>
           </a:p>
@@ -855,7 +863,7 @@
           <a:p>
             <a:fld id="{4E05C90B-F8EE-4FB7-AEE7-9B0B98AB9CDF}" type="datetimeFigureOut">
               <a:rPr lang="en-US" smtClean="0"/>
-              <a:t>5/20/2017</a:t>
+              <a:t>5/25/2017</a:t>
             </a:fld>
             <a:endParaRPr lang="en-US"/>
           </a:p>
@@ -1023,7 +1031,7 @@
           <a:p>
             <a:fld id="{4E05C90B-F8EE-4FB7-AEE7-9B0B98AB9CDF}" type="datetimeFigureOut">
               <a:rPr lang="en-US" smtClean="0"/>
-              <a:t>5/20/2017</a:t>
+              <a:t>5/25/2017</a:t>
             </a:fld>
             <a:endParaRPr lang="en-US"/>
           </a:p>
@@ -1201,7 +1209,7 @@
           <a:p>
             <a:fld id="{4E05C90B-F8EE-4FB7-AEE7-9B0B98AB9CDF}" type="datetimeFigureOut">
               <a:rPr lang="en-US" smtClean="0"/>
-              <a:t>5/20/2017</a:t>
+              <a:t>5/25/2017</a:t>
             </a:fld>
             <a:endParaRPr lang="en-US"/>
           </a:p>
@@ -1516,7 +1524,7 @@
           <a:p>
             <a:fld id="{4E05C90B-F8EE-4FB7-AEE7-9B0B98AB9CDF}" type="datetimeFigureOut">
               <a:rPr lang="en-US" smtClean="0"/>
-              <a:t>5/20/2017</a:t>
+              <a:t>5/25/2017</a:t>
             </a:fld>
             <a:endParaRPr lang="en-US"/>
           </a:p>
@@ -1761,7 +1769,7 @@
           <a:p>
             <a:fld id="{4E05C90B-F8EE-4FB7-AEE7-9B0B98AB9CDF}" type="datetimeFigureOut">
               <a:rPr lang="en-US" smtClean="0"/>
-              <a:t>5/20/2017</a:t>
+              <a:t>5/25/2017</a:t>
             </a:fld>
             <a:endParaRPr lang="en-US"/>
           </a:p>
@@ -1990,7 +1998,7 @@
           <a:p>
             <a:fld id="{4E05C90B-F8EE-4FB7-AEE7-9B0B98AB9CDF}" type="datetimeFigureOut">
               <a:rPr lang="en-US" smtClean="0"/>
-              <a:t>5/20/2017</a:t>
+              <a:t>5/25/2017</a:t>
             </a:fld>
             <a:endParaRPr lang="en-US"/>
           </a:p>
@@ -2354,7 +2362,7 @@
           <a:p>
             <a:fld id="{4E05C90B-F8EE-4FB7-AEE7-9B0B98AB9CDF}" type="datetimeFigureOut">
               <a:rPr lang="en-US" smtClean="0"/>
-              <a:t>5/20/2017</a:t>
+              <a:t>5/25/2017</a:t>
             </a:fld>
             <a:endParaRPr lang="en-US"/>
           </a:p>
@@ -2471,7 +2479,7 @@
           <a:p>
             <a:fld id="{4E05C90B-F8EE-4FB7-AEE7-9B0B98AB9CDF}" type="datetimeFigureOut">
               <a:rPr lang="en-US" smtClean="0"/>
-              <a:t>5/20/2017</a:t>
+              <a:t>5/25/2017</a:t>
             </a:fld>
             <a:endParaRPr lang="en-US"/>
           </a:p>
@@ -2566,7 +2574,7 @@
           <a:p>
             <a:fld id="{4E05C90B-F8EE-4FB7-AEE7-9B0B98AB9CDF}" type="datetimeFigureOut">
               <a:rPr lang="en-US" smtClean="0"/>
-              <a:t>5/20/2017</a:t>
+              <a:t>5/25/2017</a:t>
             </a:fld>
             <a:endParaRPr lang="en-US"/>
           </a:p>
@@ -2841,7 +2849,7 @@
           <a:p>
             <a:fld id="{4E05C90B-F8EE-4FB7-AEE7-9B0B98AB9CDF}" type="datetimeFigureOut">
               <a:rPr lang="en-US" smtClean="0"/>
-              <a:t>5/20/2017</a:t>
+              <a:t>5/25/2017</a:t>
             </a:fld>
             <a:endParaRPr lang="en-US"/>
           </a:p>
@@ -3093,7 +3101,7 @@
           <a:p>
             <a:fld id="{4E05C90B-F8EE-4FB7-AEE7-9B0B98AB9CDF}" type="datetimeFigureOut">
               <a:rPr lang="en-US" smtClean="0"/>
-              <a:t>5/20/2017</a:t>
+              <a:t>5/25/2017</a:t>
             </a:fld>
             <a:endParaRPr lang="en-US"/>
           </a:p>
@@ -3304,7 +3312,7 @@
           <a:p>
             <a:fld id="{4E05C90B-F8EE-4FB7-AEE7-9B0B98AB9CDF}" type="datetimeFigureOut">
               <a:rPr lang="en-US" smtClean="0"/>
-              <a:t>5/20/2017</a:t>
+              <a:t>5/25/2017</a:t>
             </a:fld>
             <a:endParaRPr lang="en-US"/>
           </a:p>
@@ -6571,6 +6579,5563 @@
 </p:sld>
 </file>
 
+<file path=ppt/slides/slide14.xml><?xml version="1.0" encoding="utf-8"?>
+<p:sld xmlns:a="http://schemas.openxmlformats.org/drawingml/2006/main" xmlns:r="http://schemas.openxmlformats.org/officeDocument/2006/relationships" xmlns:p="http://schemas.openxmlformats.org/presentationml/2006/main">
+  <p:cSld>
+    <p:spTree>
+      <p:nvGrpSpPr>
+        <p:cNvPr id="1" name=""/>
+        <p:cNvGrpSpPr/>
+        <p:nvPr/>
+      </p:nvGrpSpPr>
+      <p:grpSpPr>
+        <a:xfrm>
+          <a:off x="0" y="0"/>
+          <a:ext cx="0" cy="0"/>
+          <a:chOff x="0" y="0"/>
+          <a:chExt cx="0" cy="0"/>
+        </a:xfrm>
+      </p:grpSpPr>
+      <p:sp>
+        <p:nvSpPr>
+          <p:cNvPr id="2" name="Title 1"/>
+          <p:cNvSpPr>
+            <a:spLocks noGrp="1"/>
+          </p:cNvSpPr>
+          <p:nvPr>
+            <p:ph type="title"/>
+          </p:nvPr>
+        </p:nvSpPr>
+        <p:spPr/>
+        <p:txBody>
+          <a:bodyPr/>
+          <a:lstStyle/>
+          <a:p>
+            <a:r>
+              <a:rPr lang="en-US" dirty="0"/>
+              <a:t>Writing P# programs</a:t>
+            </a:r>
+          </a:p>
+        </p:txBody>
+      </p:sp>
+      <p:sp>
+        <p:nvSpPr>
+          <p:cNvPr id="3" name="Content Placeholder 2"/>
+          <p:cNvSpPr>
+            <a:spLocks noGrp="1"/>
+          </p:cNvSpPr>
+          <p:nvPr>
+            <p:ph idx="1"/>
+          </p:nvPr>
+        </p:nvSpPr>
+        <p:spPr/>
+        <p:txBody>
+          <a:bodyPr>
+            <a:normAutofit/>
+          </a:bodyPr>
+          <a:lstStyle/>
+          <a:p>
+            <a:r>
+              <a:rPr lang="en-US" dirty="0"/>
+              <a:t>Two approaches:</a:t>
+            </a:r>
+          </a:p>
+          <a:p>
+            <a:pPr lvl="1"/>
+            <a:r>
+              <a:rPr lang="en-US" dirty="0"/>
+              <a:t>Using the high-level syntax of P# (based on P)</a:t>
+            </a:r>
+          </a:p>
+          <a:p>
+            <a:pPr lvl="1"/>
+            <a:r>
+              <a:rPr lang="en-US" dirty="0"/>
+              <a:t>Using P# as a C# library (e.g. machines inherit a Machine C# abstract class)</a:t>
+            </a:r>
+          </a:p>
+          <a:p>
+            <a:r>
+              <a:rPr lang="en-US" dirty="0"/>
+              <a:t>Able to combine P# and C# syntax in the same project/file</a:t>
+            </a:r>
+          </a:p>
+          <a:p>
+            <a:r>
+              <a:rPr lang="en-US" dirty="0"/>
+              <a:t>Mix-and-match approach:</a:t>
+            </a:r>
+          </a:p>
+          <a:p>
+            <a:pPr lvl="1"/>
+            <a:r>
+              <a:rPr lang="en-US" dirty="0"/>
+              <a:t>Using </a:t>
+            </a:r>
+            <a:r>
+              <a:rPr lang="en-US" i="1" dirty="0"/>
+              <a:t>partial</a:t>
+            </a:r>
+            <a:r>
+              <a:rPr lang="en-US" dirty="0"/>
+              <a:t> machines / actions</a:t>
+            </a:r>
+          </a:p>
+          <a:p>
+            <a:pPr lvl="1"/>
+            <a:r>
+              <a:rPr lang="en-US" dirty="0"/>
+              <a:t>Write state-machine transition logic using the P# syntax</a:t>
+            </a:r>
+          </a:p>
+          <a:p>
+            <a:pPr lvl="1"/>
+            <a:r>
+              <a:rPr lang="en-US" dirty="0"/>
+              <a:t>Write implementation of event handlers in C#</a:t>
+            </a:r>
+          </a:p>
+        </p:txBody>
+      </p:sp>
+    </p:spTree>
+    <p:extLst>
+      <p:ext uri="{BB962C8B-B14F-4D97-AF65-F5344CB8AC3E}">
+        <p14:creationId xmlns:p14="http://schemas.microsoft.com/office/powerpoint/2010/main" val="151188283"/>
+      </p:ext>
+    </p:extLst>
+  </p:cSld>
+  <p:clrMapOvr>
+    <a:masterClrMapping/>
+  </p:clrMapOvr>
+</p:sld>
+</file>
+
+<file path=ppt/slides/slide15.xml><?xml version="1.0" encoding="utf-8"?>
+<p:sld xmlns:a="http://schemas.openxmlformats.org/drawingml/2006/main" xmlns:r="http://schemas.openxmlformats.org/officeDocument/2006/relationships" xmlns:p="http://schemas.openxmlformats.org/presentationml/2006/main">
+  <p:cSld>
+    <p:spTree>
+      <p:nvGrpSpPr>
+        <p:cNvPr id="1" name=""/>
+        <p:cNvGrpSpPr/>
+        <p:nvPr/>
+      </p:nvGrpSpPr>
+      <p:grpSpPr>
+        <a:xfrm>
+          <a:off x="0" y="0"/>
+          <a:ext cx="0" cy="0"/>
+          <a:chOff x="0" y="0"/>
+          <a:chExt cx="0" cy="0"/>
+        </a:xfrm>
+      </p:grpSpPr>
+      <p:sp>
+        <p:nvSpPr>
+          <p:cNvPr id="2" name="Title 1"/>
+          <p:cNvSpPr>
+            <a:spLocks noGrp="1"/>
+          </p:cNvSpPr>
+          <p:nvPr>
+            <p:ph type="title"/>
+          </p:nvPr>
+        </p:nvSpPr>
+        <p:spPr>
+          <a:xfrm>
+            <a:off x="838199" y="365125"/>
+            <a:ext cx="6221361" cy="1325563"/>
+          </a:xfrm>
+        </p:spPr>
+        <p:txBody>
+          <a:bodyPr>
+            <a:noAutofit/>
+          </a:bodyPr>
+          <a:lstStyle/>
+          <a:p>
+            <a:r>
+              <a:rPr lang="en-US" sz="4000" dirty="0"/>
+              <a:t>PingPong in P# (mixed-mode)</a:t>
+            </a:r>
+          </a:p>
+        </p:txBody>
+      </p:sp>
+      <p:sp>
+        <p:nvSpPr>
+          <p:cNvPr id="4" name="Rectangle 3"/>
+          <p:cNvSpPr/>
+          <p:nvPr/>
+        </p:nvSpPr>
+        <p:spPr>
+          <a:xfrm>
+            <a:off x="1071716" y="3956084"/>
+            <a:ext cx="5284839" cy="2169825"/>
+          </a:xfrm>
+          <a:prstGeom prst="rect">
+            <a:avLst/>
+          </a:prstGeom>
+        </p:spPr>
+        <p:txBody>
+          <a:bodyPr wrap="square">
+            <a:spAutoFit/>
+          </a:bodyPr>
+          <a:lstStyle/>
+          <a:p>
+            <a:r>
+              <a:rPr lang="en-GB" sz="900" dirty="0">
+                <a:solidFill>
+                  <a:srgbClr val="0000FF"/>
+                </a:solidFill>
+                <a:latin typeface="Consolas" panose="020B0609020204030204" pitchFamily="49" charset="0"/>
+              </a:rPr>
+              <a:t>machine</a:t>
+            </a:r>
+            <a:r>
+              <a:rPr lang="en-GB" sz="900" dirty="0">
+                <a:solidFill>
+                  <a:srgbClr val="000000"/>
+                </a:solidFill>
+                <a:latin typeface="Consolas" panose="020B0609020204030204" pitchFamily="49" charset="0"/>
+              </a:rPr>
+              <a:t> </a:t>
+            </a:r>
+            <a:r>
+              <a:rPr lang="en-GB" sz="900" dirty="0">
+                <a:solidFill>
+                  <a:srgbClr val="2B91AF"/>
+                </a:solidFill>
+                <a:latin typeface="Consolas" panose="020B0609020204030204" pitchFamily="49" charset="0"/>
+              </a:rPr>
+              <a:t>Server</a:t>
+            </a:r>
+            <a:endParaRPr lang="en-GB" sz="900" dirty="0">
+              <a:solidFill>
+                <a:srgbClr val="000000"/>
+              </a:solidFill>
+              <a:latin typeface="Consolas" panose="020B0609020204030204" pitchFamily="49" charset="0"/>
+            </a:endParaRPr>
+          </a:p>
+          <a:p>
+            <a:r>
+              <a:rPr lang="en-GB" sz="900" dirty="0">
+                <a:solidFill>
+                  <a:srgbClr val="000000"/>
+                </a:solidFill>
+                <a:latin typeface="Consolas" panose="020B0609020204030204" pitchFamily="49" charset="0"/>
+              </a:rPr>
+              <a:t>{</a:t>
+            </a:r>
+          </a:p>
+          <a:p>
+            <a:r>
+              <a:rPr lang="en-GB" sz="900" dirty="0">
+                <a:solidFill>
+                  <a:srgbClr val="000000"/>
+                </a:solidFill>
+                <a:latin typeface="Consolas" panose="020B0609020204030204" pitchFamily="49" charset="0"/>
+              </a:rPr>
+              <a:t>    </a:t>
+            </a:r>
+            <a:r>
+              <a:rPr lang="en-GB" sz="900" dirty="0">
+                <a:solidFill>
+                  <a:srgbClr val="0000FF"/>
+                </a:solidFill>
+                <a:latin typeface="Consolas" panose="020B0609020204030204" pitchFamily="49" charset="0"/>
+              </a:rPr>
+              <a:t>event</a:t>
+            </a:r>
+            <a:r>
+              <a:rPr lang="en-GB" sz="900" dirty="0">
+                <a:solidFill>
+                  <a:srgbClr val="000000"/>
+                </a:solidFill>
+                <a:latin typeface="Consolas" panose="020B0609020204030204" pitchFamily="49" charset="0"/>
+              </a:rPr>
+              <a:t> </a:t>
+            </a:r>
+            <a:r>
+              <a:rPr lang="en-GB" sz="900" dirty="0">
+                <a:solidFill>
+                  <a:srgbClr val="2B91AF"/>
+                </a:solidFill>
+                <a:latin typeface="Consolas" panose="020B0609020204030204" pitchFamily="49" charset="0"/>
+              </a:rPr>
+              <a:t>Pong</a:t>
+            </a:r>
+            <a:r>
+              <a:rPr lang="en-GB" sz="900" dirty="0">
+                <a:solidFill>
+                  <a:srgbClr val="000000"/>
+                </a:solidFill>
+                <a:latin typeface="Consolas" panose="020B0609020204030204" pitchFamily="49" charset="0"/>
+              </a:rPr>
+              <a:t>;</a:t>
+            </a:r>
+          </a:p>
+          <a:p>
+            <a:endParaRPr lang="en-GB" sz="900" dirty="0">
+              <a:solidFill>
+                <a:srgbClr val="000000"/>
+              </a:solidFill>
+              <a:latin typeface="Consolas" panose="020B0609020204030204" pitchFamily="49" charset="0"/>
+            </a:endParaRPr>
+          </a:p>
+          <a:p>
+            <a:r>
+              <a:rPr lang="en-GB" sz="900" dirty="0">
+                <a:solidFill>
+                  <a:srgbClr val="000000"/>
+                </a:solidFill>
+                <a:latin typeface="Consolas" panose="020B0609020204030204" pitchFamily="49" charset="0"/>
+              </a:rPr>
+              <a:t>    </a:t>
+            </a:r>
+            <a:r>
+              <a:rPr lang="en-GB" sz="900" dirty="0">
+                <a:solidFill>
+                  <a:srgbClr val="0000FF"/>
+                </a:solidFill>
+                <a:latin typeface="Consolas" panose="020B0609020204030204" pitchFamily="49" charset="0"/>
+              </a:rPr>
+              <a:t>start state</a:t>
+            </a:r>
+            <a:r>
+              <a:rPr lang="en-GB" sz="900" dirty="0">
+                <a:solidFill>
+                  <a:srgbClr val="0070C0"/>
+                </a:solidFill>
+                <a:latin typeface="Consolas" panose="020B0609020204030204" pitchFamily="49" charset="0"/>
+              </a:rPr>
+              <a:t> </a:t>
+            </a:r>
+            <a:r>
+              <a:rPr lang="en-GB" sz="900" dirty="0">
+                <a:solidFill>
+                  <a:srgbClr val="2B91AF"/>
+                </a:solidFill>
+                <a:latin typeface="Consolas" panose="020B0609020204030204" pitchFamily="49" charset="0"/>
+              </a:rPr>
+              <a:t>Active</a:t>
+            </a:r>
+            <a:endParaRPr lang="en-GB" sz="900" dirty="0">
+              <a:solidFill>
+                <a:srgbClr val="000000"/>
+              </a:solidFill>
+              <a:latin typeface="Consolas" panose="020B0609020204030204" pitchFamily="49" charset="0"/>
+            </a:endParaRPr>
+          </a:p>
+          <a:p>
+            <a:r>
+              <a:rPr lang="en-GB" sz="900" dirty="0">
+                <a:solidFill>
+                  <a:srgbClr val="000000"/>
+                </a:solidFill>
+                <a:latin typeface="Consolas" panose="020B0609020204030204" pitchFamily="49" charset="0"/>
+              </a:rPr>
+              <a:t>    {</a:t>
+            </a:r>
+            <a:endParaRPr lang="en-GB" sz="900" dirty="0">
+              <a:solidFill>
+                <a:schemeClr val="accent6">
+                  <a:lumMod val="75000"/>
+                </a:schemeClr>
+              </a:solidFill>
+              <a:latin typeface="Consolas" panose="020B0609020204030204" pitchFamily="49" charset="0"/>
+            </a:endParaRPr>
+          </a:p>
+          <a:p>
+            <a:r>
+              <a:rPr lang="en-GB" sz="900" dirty="0">
+                <a:solidFill>
+                  <a:srgbClr val="000000"/>
+                </a:solidFill>
+                <a:latin typeface="Consolas" panose="020B0609020204030204" pitchFamily="49" charset="0"/>
+              </a:rPr>
+              <a:t>        </a:t>
+            </a:r>
+            <a:r>
+              <a:rPr lang="en-GB" sz="900" dirty="0">
+                <a:solidFill>
+                  <a:srgbClr val="0000FF"/>
+                </a:solidFill>
+                <a:latin typeface="Consolas" panose="020B0609020204030204" pitchFamily="49" charset="0"/>
+              </a:rPr>
+              <a:t>on</a:t>
+            </a:r>
+            <a:r>
+              <a:rPr lang="en-GB" sz="900" dirty="0">
+                <a:solidFill>
+                  <a:srgbClr val="000000"/>
+                </a:solidFill>
+                <a:latin typeface="Consolas" panose="020B0609020204030204" pitchFamily="49" charset="0"/>
+              </a:rPr>
+              <a:t> </a:t>
+            </a:r>
+            <a:r>
+              <a:rPr lang="en-GB" sz="900" dirty="0" err="1">
+                <a:solidFill>
+                  <a:srgbClr val="000000"/>
+                </a:solidFill>
+                <a:latin typeface="Consolas" panose="020B0609020204030204" pitchFamily="49" charset="0"/>
+              </a:rPr>
+              <a:t>Client.Ping</a:t>
+            </a:r>
+            <a:r>
+              <a:rPr lang="en-GB" sz="900" dirty="0">
+                <a:solidFill>
+                  <a:srgbClr val="000000"/>
+                </a:solidFill>
+                <a:latin typeface="Consolas" panose="020B0609020204030204" pitchFamily="49" charset="0"/>
+              </a:rPr>
+              <a:t> </a:t>
+            </a:r>
+            <a:r>
+              <a:rPr lang="en-GB" sz="900" dirty="0">
+                <a:solidFill>
+                  <a:srgbClr val="0000FF"/>
+                </a:solidFill>
+                <a:latin typeface="Consolas" panose="020B0609020204030204" pitchFamily="49" charset="0"/>
+              </a:rPr>
+              <a:t>do</a:t>
+            </a:r>
+            <a:r>
+              <a:rPr lang="en-GB" sz="900" dirty="0">
+                <a:solidFill>
+                  <a:srgbClr val="000000"/>
+                </a:solidFill>
+                <a:latin typeface="Consolas" panose="020B0609020204030204" pitchFamily="49" charset="0"/>
+              </a:rPr>
+              <a:t> </a:t>
+            </a:r>
+            <a:r>
+              <a:rPr lang="en-GB" sz="900" dirty="0" err="1">
+                <a:solidFill>
+                  <a:srgbClr val="000000"/>
+                </a:solidFill>
+                <a:latin typeface="Consolas" panose="020B0609020204030204" pitchFamily="49" charset="0"/>
+              </a:rPr>
+              <a:t>SendPong</a:t>
+            </a:r>
+            <a:r>
+              <a:rPr lang="en-GB" sz="900" dirty="0">
+                <a:solidFill>
+                  <a:srgbClr val="000000"/>
+                </a:solidFill>
+                <a:latin typeface="Consolas" panose="020B0609020204030204" pitchFamily="49" charset="0"/>
+              </a:rPr>
+              <a:t>;</a:t>
+            </a:r>
+          </a:p>
+          <a:p>
+            <a:r>
+              <a:rPr lang="en-GB" sz="900" dirty="0">
+                <a:solidFill>
+                  <a:srgbClr val="000000"/>
+                </a:solidFill>
+                <a:latin typeface="Consolas" panose="020B0609020204030204" pitchFamily="49" charset="0"/>
+              </a:rPr>
+              <a:t>    }</a:t>
+            </a:r>
+          </a:p>
+          <a:p>
+            <a:endParaRPr lang="en-GB" sz="900" dirty="0">
+              <a:solidFill>
+                <a:srgbClr val="000000"/>
+              </a:solidFill>
+              <a:latin typeface="Consolas" panose="020B0609020204030204" pitchFamily="49" charset="0"/>
+            </a:endParaRPr>
+          </a:p>
+          <a:p>
+            <a:r>
+              <a:rPr lang="en-GB" sz="900" dirty="0">
+                <a:solidFill>
+                  <a:srgbClr val="000000"/>
+                </a:solidFill>
+                <a:latin typeface="Consolas" panose="020B0609020204030204" pitchFamily="49" charset="0"/>
+              </a:rPr>
+              <a:t>    </a:t>
+            </a:r>
+            <a:r>
+              <a:rPr lang="en-GB" sz="900" dirty="0">
+                <a:solidFill>
+                  <a:srgbClr val="0000FF"/>
+                </a:solidFill>
+                <a:latin typeface="Consolas" panose="020B0609020204030204" pitchFamily="49" charset="0"/>
+              </a:rPr>
+              <a:t>void</a:t>
+            </a:r>
+            <a:r>
+              <a:rPr lang="en-GB" sz="900" dirty="0">
+                <a:solidFill>
+                  <a:srgbClr val="000000"/>
+                </a:solidFill>
+                <a:latin typeface="Consolas" panose="020B0609020204030204" pitchFamily="49" charset="0"/>
+              </a:rPr>
+              <a:t> </a:t>
+            </a:r>
+            <a:r>
+              <a:rPr lang="en-GB" sz="900" dirty="0" err="1">
+                <a:solidFill>
+                  <a:srgbClr val="000000"/>
+                </a:solidFill>
+                <a:latin typeface="Consolas" panose="020B0609020204030204" pitchFamily="49" charset="0"/>
+              </a:rPr>
+              <a:t>SendPong</a:t>
+            </a:r>
+            <a:r>
+              <a:rPr lang="en-GB" sz="900" dirty="0">
+                <a:solidFill>
+                  <a:srgbClr val="000000"/>
+                </a:solidFill>
+                <a:latin typeface="Consolas" panose="020B0609020204030204" pitchFamily="49" charset="0"/>
+              </a:rPr>
+              <a:t>()</a:t>
+            </a:r>
+          </a:p>
+          <a:p>
+            <a:r>
+              <a:rPr lang="en-GB" sz="900" dirty="0">
+                <a:solidFill>
+                  <a:srgbClr val="000000"/>
+                </a:solidFill>
+                <a:latin typeface="Consolas" panose="020B0609020204030204" pitchFamily="49" charset="0"/>
+              </a:rPr>
+              <a:t>    {</a:t>
+            </a:r>
+          </a:p>
+          <a:p>
+            <a:r>
+              <a:rPr lang="en-GB" sz="900" dirty="0">
+                <a:solidFill>
+                  <a:srgbClr val="000000"/>
+                </a:solidFill>
+                <a:latin typeface="Consolas" panose="020B0609020204030204" pitchFamily="49" charset="0"/>
+              </a:rPr>
+              <a:t>        </a:t>
+            </a:r>
+            <a:r>
+              <a:rPr lang="en-GB" sz="900" dirty="0" err="1">
+                <a:solidFill>
+                  <a:srgbClr val="0000FF"/>
+                </a:solidFill>
+                <a:latin typeface="Consolas" panose="020B0609020204030204" pitchFamily="49" charset="0"/>
+              </a:rPr>
+              <a:t>var</a:t>
+            </a:r>
+            <a:r>
+              <a:rPr lang="en-GB" sz="900" dirty="0">
+                <a:solidFill>
+                  <a:srgbClr val="000000"/>
+                </a:solidFill>
+                <a:latin typeface="Consolas" panose="020B0609020204030204" pitchFamily="49" charset="0"/>
+              </a:rPr>
+              <a:t> client = (</a:t>
+            </a:r>
+            <a:r>
+              <a:rPr lang="en-GB" sz="900" dirty="0">
+                <a:solidFill>
+                  <a:srgbClr val="0000FF"/>
+                </a:solidFill>
+                <a:latin typeface="Consolas" panose="020B0609020204030204" pitchFamily="49" charset="0"/>
+              </a:rPr>
+              <a:t>trigger as</a:t>
+            </a:r>
+            <a:r>
+              <a:rPr lang="en-GB" sz="900" dirty="0">
+                <a:solidFill>
+                  <a:srgbClr val="000000"/>
+                </a:solidFill>
+                <a:latin typeface="Consolas" panose="020B0609020204030204" pitchFamily="49" charset="0"/>
+              </a:rPr>
+              <a:t> </a:t>
+            </a:r>
+            <a:r>
+              <a:rPr lang="en-GB" sz="900" dirty="0" err="1">
+                <a:solidFill>
+                  <a:srgbClr val="000000"/>
+                </a:solidFill>
+                <a:latin typeface="Consolas" panose="020B0609020204030204" pitchFamily="49" charset="0"/>
+              </a:rPr>
+              <a:t>Client.Ping</a:t>
+            </a:r>
+            <a:r>
+              <a:rPr lang="en-GB" sz="900" dirty="0">
+                <a:solidFill>
+                  <a:srgbClr val="000000"/>
+                </a:solidFill>
+                <a:latin typeface="Consolas" panose="020B0609020204030204" pitchFamily="49" charset="0"/>
+              </a:rPr>
+              <a:t>).client;</a:t>
+            </a:r>
+          </a:p>
+          <a:p>
+            <a:r>
+              <a:rPr lang="en-GB" sz="900" dirty="0">
+                <a:solidFill>
+                  <a:srgbClr val="000000"/>
+                </a:solidFill>
+                <a:latin typeface="Consolas" panose="020B0609020204030204" pitchFamily="49" charset="0"/>
+              </a:rPr>
+              <a:t>        </a:t>
+            </a:r>
+            <a:r>
+              <a:rPr lang="en-GB" sz="900" dirty="0">
+                <a:solidFill>
+                  <a:srgbClr val="0000FF"/>
+                </a:solidFill>
+                <a:latin typeface="Consolas" panose="020B0609020204030204" pitchFamily="49" charset="0"/>
+              </a:rPr>
+              <a:t>send</a:t>
+            </a:r>
+            <a:r>
+              <a:rPr lang="en-GB" sz="900" dirty="0">
+                <a:solidFill>
+                  <a:srgbClr val="000000"/>
+                </a:solidFill>
+                <a:latin typeface="Consolas" panose="020B0609020204030204" pitchFamily="49" charset="0"/>
+              </a:rPr>
+              <a:t>(client, Pong);</a:t>
+            </a:r>
+          </a:p>
+          <a:p>
+            <a:r>
+              <a:rPr lang="en-GB" sz="900" dirty="0">
+                <a:solidFill>
+                  <a:srgbClr val="000000"/>
+                </a:solidFill>
+                <a:latin typeface="Consolas" panose="020B0609020204030204" pitchFamily="49" charset="0"/>
+              </a:rPr>
+              <a:t>    }</a:t>
+            </a:r>
+          </a:p>
+          <a:p>
+            <a:r>
+              <a:rPr lang="en-GB" sz="900" dirty="0">
+                <a:solidFill>
+                  <a:srgbClr val="000000"/>
+                </a:solidFill>
+                <a:latin typeface="Consolas" panose="020B0609020204030204" pitchFamily="49" charset="0"/>
+              </a:rPr>
+              <a:t>}</a:t>
+            </a:r>
+            <a:endParaRPr lang="en-GB" dirty="0"/>
+          </a:p>
+        </p:txBody>
+      </p:sp>
+      <p:sp>
+        <p:nvSpPr>
+          <p:cNvPr id="5" name="Rectangle 4"/>
+          <p:cNvSpPr/>
+          <p:nvPr/>
+        </p:nvSpPr>
+        <p:spPr>
+          <a:xfrm>
+            <a:off x="7355760" y="365125"/>
+            <a:ext cx="4344629" cy="4385816"/>
+          </a:xfrm>
+          <a:prstGeom prst="rect">
+            <a:avLst/>
+          </a:prstGeom>
+        </p:spPr>
+        <p:txBody>
+          <a:bodyPr wrap="square">
+            <a:spAutoFit/>
+          </a:bodyPr>
+          <a:lstStyle/>
+          <a:p>
+            <a:r>
+              <a:rPr lang="en-GB" sz="900" dirty="0">
+                <a:solidFill>
+                  <a:srgbClr val="0000FF"/>
+                </a:solidFill>
+                <a:latin typeface="Consolas" panose="020B0609020204030204" pitchFamily="49" charset="0"/>
+              </a:rPr>
+              <a:t>partial</a:t>
+            </a:r>
+            <a:r>
+              <a:rPr lang="en-GB" sz="900" dirty="0">
+                <a:solidFill>
+                  <a:srgbClr val="0070C0"/>
+                </a:solidFill>
+                <a:latin typeface="Consolas" panose="020B0609020204030204" pitchFamily="49" charset="0"/>
+              </a:rPr>
+              <a:t> </a:t>
+            </a:r>
+            <a:r>
+              <a:rPr lang="en-GB" sz="900" dirty="0">
+                <a:solidFill>
+                  <a:srgbClr val="0000FF"/>
+                </a:solidFill>
+                <a:latin typeface="Consolas" panose="020B0609020204030204" pitchFamily="49" charset="0"/>
+              </a:rPr>
+              <a:t>machine</a:t>
+            </a:r>
+            <a:r>
+              <a:rPr lang="en-GB" sz="900" dirty="0">
+                <a:solidFill>
+                  <a:srgbClr val="000000"/>
+                </a:solidFill>
+                <a:latin typeface="Consolas" panose="020B0609020204030204" pitchFamily="49" charset="0"/>
+              </a:rPr>
+              <a:t> </a:t>
+            </a:r>
+            <a:r>
+              <a:rPr lang="en-GB" sz="900" dirty="0">
+                <a:solidFill>
+                  <a:srgbClr val="2B91AF"/>
+                </a:solidFill>
+                <a:latin typeface="Consolas" panose="020B0609020204030204" pitchFamily="49" charset="0"/>
+              </a:rPr>
+              <a:t>Client</a:t>
+            </a:r>
+            <a:endParaRPr lang="en-GB" sz="900" dirty="0">
+              <a:solidFill>
+                <a:srgbClr val="000000"/>
+              </a:solidFill>
+              <a:latin typeface="Consolas" panose="020B0609020204030204" pitchFamily="49" charset="0"/>
+            </a:endParaRPr>
+          </a:p>
+          <a:p>
+            <a:r>
+              <a:rPr lang="en-GB" sz="900" dirty="0">
+                <a:solidFill>
+                  <a:srgbClr val="000000"/>
+                </a:solidFill>
+                <a:latin typeface="Consolas" panose="020B0609020204030204" pitchFamily="49" charset="0"/>
+              </a:rPr>
+              <a:t>{</a:t>
+            </a:r>
+          </a:p>
+          <a:p>
+            <a:r>
+              <a:rPr lang="en-GB" sz="900" dirty="0">
+                <a:solidFill>
+                  <a:srgbClr val="000000"/>
+                </a:solidFill>
+                <a:latin typeface="Consolas" panose="020B0609020204030204" pitchFamily="49" charset="0"/>
+              </a:rPr>
+              <a:t>    </a:t>
+            </a:r>
+            <a:r>
+              <a:rPr lang="en-GB" sz="900" dirty="0">
+                <a:solidFill>
+                  <a:srgbClr val="0000FF"/>
+                </a:solidFill>
+                <a:latin typeface="Consolas" panose="020B0609020204030204" pitchFamily="49" charset="0"/>
+              </a:rPr>
+              <a:t>event</a:t>
+            </a:r>
+            <a:r>
+              <a:rPr lang="en-GB" sz="900" dirty="0">
+                <a:solidFill>
+                  <a:srgbClr val="000000"/>
+                </a:solidFill>
+                <a:latin typeface="Consolas" panose="020B0609020204030204" pitchFamily="49" charset="0"/>
+              </a:rPr>
+              <a:t> </a:t>
+            </a:r>
+            <a:r>
+              <a:rPr lang="en-GB" sz="900" dirty="0">
+                <a:solidFill>
+                  <a:srgbClr val="2B91AF"/>
+                </a:solidFill>
+                <a:latin typeface="Consolas" panose="020B0609020204030204" pitchFamily="49" charset="0"/>
+              </a:rPr>
+              <a:t>Config</a:t>
+            </a:r>
+            <a:r>
+              <a:rPr lang="en-GB" sz="900" dirty="0">
+                <a:solidFill>
+                  <a:srgbClr val="000000"/>
+                </a:solidFill>
+                <a:latin typeface="Consolas" panose="020B0609020204030204" pitchFamily="49" charset="0"/>
+              </a:rPr>
+              <a:t> (server: </a:t>
+            </a:r>
+            <a:r>
+              <a:rPr lang="en-GB" sz="900" dirty="0">
+                <a:solidFill>
+                  <a:srgbClr val="0000FF"/>
+                </a:solidFill>
+                <a:latin typeface="Consolas" panose="020B0609020204030204" pitchFamily="49" charset="0"/>
+              </a:rPr>
+              <a:t>machine</a:t>
+            </a:r>
+            <a:r>
+              <a:rPr lang="en-GB" sz="900" dirty="0">
+                <a:solidFill>
+                  <a:srgbClr val="000000"/>
+                </a:solidFill>
+                <a:latin typeface="Consolas" panose="020B0609020204030204" pitchFamily="49" charset="0"/>
+              </a:rPr>
+              <a:t>);</a:t>
+            </a:r>
+          </a:p>
+          <a:p>
+            <a:r>
+              <a:rPr lang="en-GB" sz="900" dirty="0">
+                <a:solidFill>
+                  <a:srgbClr val="000000"/>
+                </a:solidFill>
+                <a:latin typeface="Consolas" panose="020B0609020204030204" pitchFamily="49" charset="0"/>
+              </a:rPr>
+              <a:t>    </a:t>
+            </a:r>
+            <a:r>
+              <a:rPr lang="en-GB" sz="900" dirty="0">
+                <a:solidFill>
+                  <a:srgbClr val="0000FF"/>
+                </a:solidFill>
+                <a:latin typeface="Consolas" panose="020B0609020204030204" pitchFamily="49" charset="0"/>
+              </a:rPr>
+              <a:t>event</a:t>
+            </a:r>
+            <a:r>
+              <a:rPr lang="en-GB" sz="900" dirty="0">
+                <a:solidFill>
+                  <a:srgbClr val="000000"/>
+                </a:solidFill>
+                <a:latin typeface="Consolas" panose="020B0609020204030204" pitchFamily="49" charset="0"/>
+              </a:rPr>
+              <a:t> </a:t>
+            </a:r>
+            <a:r>
+              <a:rPr lang="en-GB" sz="900" dirty="0">
+                <a:solidFill>
+                  <a:srgbClr val="2B91AF"/>
+                </a:solidFill>
+                <a:latin typeface="Consolas" panose="020B0609020204030204" pitchFamily="49" charset="0"/>
+              </a:rPr>
+              <a:t>Unit</a:t>
+            </a:r>
+            <a:r>
+              <a:rPr lang="en-GB" sz="900" dirty="0">
+                <a:solidFill>
+                  <a:srgbClr val="000000"/>
+                </a:solidFill>
+                <a:latin typeface="Consolas" panose="020B0609020204030204" pitchFamily="49" charset="0"/>
+              </a:rPr>
+              <a:t>;</a:t>
+            </a:r>
+          </a:p>
+          <a:p>
+            <a:r>
+              <a:rPr lang="en-GB" sz="900" dirty="0">
+                <a:solidFill>
+                  <a:srgbClr val="000000"/>
+                </a:solidFill>
+                <a:latin typeface="Consolas" panose="020B0609020204030204" pitchFamily="49" charset="0"/>
+              </a:rPr>
+              <a:t>    </a:t>
+            </a:r>
+            <a:r>
+              <a:rPr lang="en-GB" sz="900" dirty="0">
+                <a:solidFill>
+                  <a:srgbClr val="0000FF"/>
+                </a:solidFill>
+                <a:latin typeface="Consolas" panose="020B0609020204030204" pitchFamily="49" charset="0"/>
+              </a:rPr>
+              <a:t>event</a:t>
+            </a:r>
+            <a:r>
+              <a:rPr lang="en-GB" sz="900" dirty="0">
+                <a:solidFill>
+                  <a:srgbClr val="000000"/>
+                </a:solidFill>
+                <a:latin typeface="Consolas" panose="020B0609020204030204" pitchFamily="49" charset="0"/>
+              </a:rPr>
+              <a:t> </a:t>
+            </a:r>
+            <a:r>
+              <a:rPr lang="en-GB" sz="900" dirty="0">
+                <a:solidFill>
+                  <a:srgbClr val="2B91AF"/>
+                </a:solidFill>
+                <a:latin typeface="Consolas" panose="020B0609020204030204" pitchFamily="49" charset="0"/>
+              </a:rPr>
+              <a:t>Ping</a:t>
+            </a:r>
+            <a:r>
+              <a:rPr lang="en-GB" sz="900" dirty="0">
+                <a:solidFill>
+                  <a:srgbClr val="000000"/>
+                </a:solidFill>
+                <a:latin typeface="Consolas" panose="020B0609020204030204" pitchFamily="49" charset="0"/>
+              </a:rPr>
+              <a:t> (client: </a:t>
+            </a:r>
+            <a:r>
+              <a:rPr lang="en-GB" sz="900" dirty="0">
+                <a:solidFill>
+                  <a:srgbClr val="0000FF"/>
+                </a:solidFill>
+                <a:latin typeface="Consolas" panose="020B0609020204030204" pitchFamily="49" charset="0"/>
+              </a:rPr>
+              <a:t>machine</a:t>
+            </a:r>
+            <a:r>
+              <a:rPr lang="en-GB" sz="900" dirty="0">
+                <a:solidFill>
+                  <a:srgbClr val="000000"/>
+                </a:solidFill>
+                <a:latin typeface="Consolas" panose="020B0609020204030204" pitchFamily="49" charset="0"/>
+              </a:rPr>
+              <a:t>);</a:t>
+            </a:r>
+          </a:p>
+          <a:p>
+            <a:endParaRPr lang="en-GB" sz="900" dirty="0">
+              <a:solidFill>
+                <a:srgbClr val="000000"/>
+              </a:solidFill>
+              <a:latin typeface="Consolas" panose="020B0609020204030204" pitchFamily="49" charset="0"/>
+            </a:endParaRPr>
+          </a:p>
+          <a:p>
+            <a:r>
+              <a:rPr lang="en-GB" sz="900" dirty="0">
+                <a:solidFill>
+                  <a:srgbClr val="000000"/>
+                </a:solidFill>
+                <a:latin typeface="Consolas" panose="020B0609020204030204" pitchFamily="49" charset="0"/>
+              </a:rPr>
+              <a:t>    </a:t>
+            </a:r>
+            <a:r>
+              <a:rPr lang="en-GB" sz="900" dirty="0">
+                <a:solidFill>
+                  <a:srgbClr val="0000FF"/>
+                </a:solidFill>
+                <a:latin typeface="Consolas" panose="020B0609020204030204" pitchFamily="49" charset="0"/>
+              </a:rPr>
+              <a:t>machine</a:t>
+            </a:r>
+            <a:r>
+              <a:rPr lang="en-GB" sz="900" dirty="0">
+                <a:solidFill>
+                  <a:srgbClr val="000000"/>
+                </a:solidFill>
+                <a:latin typeface="Consolas" panose="020B0609020204030204" pitchFamily="49" charset="0"/>
+              </a:rPr>
+              <a:t> Server;</a:t>
+            </a:r>
+          </a:p>
+          <a:p>
+            <a:r>
+              <a:rPr lang="en-GB" sz="900" dirty="0">
+                <a:solidFill>
+                  <a:srgbClr val="000000"/>
+                </a:solidFill>
+                <a:latin typeface="Consolas" panose="020B0609020204030204" pitchFamily="49" charset="0"/>
+              </a:rPr>
+              <a:t>    </a:t>
+            </a:r>
+            <a:r>
+              <a:rPr lang="en-GB" sz="900" dirty="0" err="1">
+                <a:solidFill>
+                  <a:srgbClr val="0000FF"/>
+                </a:solidFill>
+                <a:latin typeface="Consolas" panose="020B0609020204030204" pitchFamily="49" charset="0"/>
+              </a:rPr>
+              <a:t>int</a:t>
+            </a:r>
+            <a:r>
+              <a:rPr lang="en-GB" sz="900" dirty="0">
+                <a:solidFill>
+                  <a:srgbClr val="000000"/>
+                </a:solidFill>
+                <a:latin typeface="Consolas" panose="020B0609020204030204" pitchFamily="49" charset="0"/>
+              </a:rPr>
+              <a:t> Counter;</a:t>
+            </a:r>
+          </a:p>
+          <a:p>
+            <a:endParaRPr lang="en-GB" sz="900" dirty="0">
+              <a:solidFill>
+                <a:srgbClr val="000000"/>
+              </a:solidFill>
+              <a:latin typeface="Consolas" panose="020B0609020204030204" pitchFamily="49" charset="0"/>
+            </a:endParaRPr>
+          </a:p>
+          <a:p>
+            <a:r>
+              <a:rPr lang="en-GB" sz="900" dirty="0">
+                <a:solidFill>
+                  <a:srgbClr val="000000"/>
+                </a:solidFill>
+                <a:latin typeface="Consolas" panose="020B0609020204030204" pitchFamily="49" charset="0"/>
+              </a:rPr>
+              <a:t>    </a:t>
+            </a:r>
+            <a:r>
+              <a:rPr lang="en-GB" sz="900" dirty="0">
+                <a:solidFill>
+                  <a:srgbClr val="0000FF"/>
+                </a:solidFill>
+                <a:latin typeface="Consolas" panose="020B0609020204030204" pitchFamily="49" charset="0"/>
+              </a:rPr>
+              <a:t>start state</a:t>
+            </a:r>
+            <a:r>
+              <a:rPr lang="en-GB" sz="900" dirty="0">
+                <a:solidFill>
+                  <a:srgbClr val="000000"/>
+                </a:solidFill>
+                <a:latin typeface="Consolas" panose="020B0609020204030204" pitchFamily="49" charset="0"/>
+              </a:rPr>
+              <a:t> </a:t>
+            </a:r>
+            <a:r>
+              <a:rPr lang="en-GB" sz="900" dirty="0" err="1">
+                <a:solidFill>
+                  <a:srgbClr val="2B91AF"/>
+                </a:solidFill>
+                <a:latin typeface="Consolas" panose="020B0609020204030204" pitchFamily="49" charset="0"/>
+              </a:rPr>
+              <a:t>Init</a:t>
+            </a:r>
+            <a:endParaRPr lang="en-GB" sz="900" dirty="0">
+              <a:solidFill>
+                <a:srgbClr val="000000"/>
+              </a:solidFill>
+              <a:latin typeface="Consolas" panose="020B0609020204030204" pitchFamily="49" charset="0"/>
+            </a:endParaRPr>
+          </a:p>
+          <a:p>
+            <a:r>
+              <a:rPr lang="en-GB" sz="900" dirty="0">
+                <a:solidFill>
+                  <a:srgbClr val="000000"/>
+                </a:solidFill>
+                <a:latin typeface="Consolas" panose="020B0609020204030204" pitchFamily="49" charset="0"/>
+              </a:rPr>
+              <a:t>    {</a:t>
+            </a:r>
+          </a:p>
+          <a:p>
+            <a:r>
+              <a:rPr lang="en-GB" sz="900" dirty="0">
+                <a:solidFill>
+                  <a:srgbClr val="000000"/>
+                </a:solidFill>
+                <a:latin typeface="Consolas" panose="020B0609020204030204" pitchFamily="49" charset="0"/>
+              </a:rPr>
+              <a:t>        </a:t>
+            </a:r>
+            <a:r>
+              <a:rPr lang="en-GB" sz="900" dirty="0">
+                <a:solidFill>
+                  <a:srgbClr val="0000FF"/>
+                </a:solidFill>
+                <a:latin typeface="Consolas" panose="020B0609020204030204" pitchFamily="49" charset="0"/>
+              </a:rPr>
+              <a:t>entry</a:t>
+            </a:r>
+            <a:endParaRPr lang="en-GB" sz="900" dirty="0">
+              <a:solidFill>
+                <a:srgbClr val="0070C0"/>
+              </a:solidFill>
+              <a:latin typeface="Consolas" panose="020B0609020204030204" pitchFamily="49" charset="0"/>
+            </a:endParaRPr>
+          </a:p>
+          <a:p>
+            <a:r>
+              <a:rPr lang="en-GB" sz="900" dirty="0">
+                <a:solidFill>
+                  <a:srgbClr val="000000"/>
+                </a:solidFill>
+                <a:latin typeface="Consolas" panose="020B0609020204030204" pitchFamily="49" charset="0"/>
+              </a:rPr>
+              <a:t>        {</a:t>
+            </a:r>
+          </a:p>
+          <a:p>
+            <a:r>
+              <a:rPr lang="en-GB" sz="900" dirty="0">
+                <a:solidFill>
+                  <a:srgbClr val="000000"/>
+                </a:solidFill>
+                <a:latin typeface="Consolas" panose="020B0609020204030204" pitchFamily="49" charset="0"/>
+              </a:rPr>
+              <a:t>            </a:t>
+            </a:r>
+            <a:r>
+              <a:rPr lang="en-GB" sz="900" dirty="0" err="1">
+                <a:solidFill>
+                  <a:srgbClr val="0000FF"/>
+                </a:solidFill>
+                <a:latin typeface="Consolas" panose="020B0609020204030204" pitchFamily="49" charset="0"/>
+              </a:rPr>
+              <a:t>this</a:t>
+            </a:r>
+            <a:r>
+              <a:rPr lang="en-GB" sz="900" dirty="0" err="1">
+                <a:solidFill>
+                  <a:srgbClr val="000000"/>
+                </a:solidFill>
+                <a:latin typeface="Consolas" panose="020B0609020204030204" pitchFamily="49" charset="0"/>
+              </a:rPr>
+              <a:t>.Server</a:t>
+            </a:r>
+            <a:r>
+              <a:rPr lang="en-GB" sz="900" dirty="0">
+                <a:solidFill>
+                  <a:srgbClr val="000000"/>
+                </a:solidFill>
+                <a:latin typeface="Consolas" panose="020B0609020204030204" pitchFamily="49" charset="0"/>
+              </a:rPr>
+              <a:t> = (</a:t>
+            </a:r>
+            <a:r>
+              <a:rPr lang="en-GB" sz="900" dirty="0">
+                <a:solidFill>
+                  <a:srgbClr val="0000FF"/>
+                </a:solidFill>
+                <a:latin typeface="Consolas" panose="020B0609020204030204" pitchFamily="49" charset="0"/>
+              </a:rPr>
+              <a:t>trigger as</a:t>
+            </a:r>
+            <a:r>
+              <a:rPr lang="en-GB" sz="900" dirty="0">
+                <a:solidFill>
+                  <a:srgbClr val="000000"/>
+                </a:solidFill>
+                <a:latin typeface="Consolas" panose="020B0609020204030204" pitchFamily="49" charset="0"/>
+              </a:rPr>
+              <a:t> Config).server;</a:t>
+            </a:r>
+          </a:p>
+          <a:p>
+            <a:r>
+              <a:rPr lang="en-GB" sz="900" dirty="0">
+                <a:solidFill>
+                  <a:srgbClr val="000000"/>
+                </a:solidFill>
+                <a:latin typeface="Consolas" panose="020B0609020204030204" pitchFamily="49" charset="0"/>
+              </a:rPr>
+              <a:t>            </a:t>
+            </a:r>
+            <a:r>
+              <a:rPr lang="en-GB" sz="900" dirty="0" err="1">
+                <a:solidFill>
+                  <a:srgbClr val="0000FF"/>
+                </a:solidFill>
+                <a:latin typeface="Consolas" panose="020B0609020204030204" pitchFamily="49" charset="0"/>
+              </a:rPr>
+              <a:t>this</a:t>
+            </a:r>
+            <a:r>
+              <a:rPr lang="en-GB" sz="900" dirty="0" err="1">
+                <a:solidFill>
+                  <a:srgbClr val="000000"/>
+                </a:solidFill>
+                <a:latin typeface="Consolas" panose="020B0609020204030204" pitchFamily="49" charset="0"/>
+              </a:rPr>
+              <a:t>.Counter</a:t>
+            </a:r>
+            <a:r>
+              <a:rPr lang="en-GB" sz="900" dirty="0">
+                <a:solidFill>
+                  <a:srgbClr val="000000"/>
+                </a:solidFill>
+                <a:latin typeface="Consolas" panose="020B0609020204030204" pitchFamily="49" charset="0"/>
+              </a:rPr>
+              <a:t> = 0;</a:t>
+            </a:r>
+          </a:p>
+          <a:p>
+            <a:r>
+              <a:rPr lang="en-GB" sz="900" dirty="0">
+                <a:solidFill>
+                  <a:srgbClr val="000000"/>
+                </a:solidFill>
+                <a:latin typeface="Consolas" panose="020B0609020204030204" pitchFamily="49" charset="0"/>
+              </a:rPr>
+              <a:t>            </a:t>
+            </a:r>
+            <a:r>
+              <a:rPr lang="en-GB" sz="900" dirty="0">
+                <a:solidFill>
+                  <a:srgbClr val="0000FF"/>
+                </a:solidFill>
+                <a:latin typeface="Consolas" panose="020B0609020204030204" pitchFamily="49" charset="0"/>
+              </a:rPr>
+              <a:t>jump</a:t>
+            </a:r>
+            <a:r>
+              <a:rPr lang="en-GB" sz="900" dirty="0">
+                <a:solidFill>
+                  <a:srgbClr val="000000"/>
+                </a:solidFill>
+                <a:latin typeface="Consolas" panose="020B0609020204030204" pitchFamily="49" charset="0"/>
+              </a:rPr>
+              <a:t>(Active);</a:t>
+            </a:r>
+          </a:p>
+          <a:p>
+            <a:r>
+              <a:rPr lang="en-GB" sz="900" dirty="0">
+                <a:solidFill>
+                  <a:srgbClr val="000000"/>
+                </a:solidFill>
+                <a:latin typeface="Consolas" panose="020B0609020204030204" pitchFamily="49" charset="0"/>
+              </a:rPr>
+              <a:t>        }</a:t>
+            </a:r>
+          </a:p>
+          <a:p>
+            <a:r>
+              <a:rPr lang="en-GB" sz="900" dirty="0">
+                <a:solidFill>
+                  <a:srgbClr val="000000"/>
+                </a:solidFill>
+                <a:latin typeface="Consolas" panose="020B0609020204030204" pitchFamily="49" charset="0"/>
+              </a:rPr>
+              <a:t>    }</a:t>
+            </a:r>
+          </a:p>
+          <a:p>
+            <a:endParaRPr lang="en-GB" sz="900" dirty="0">
+              <a:solidFill>
+                <a:srgbClr val="000000"/>
+              </a:solidFill>
+              <a:latin typeface="Consolas" panose="020B0609020204030204" pitchFamily="49" charset="0"/>
+            </a:endParaRPr>
+          </a:p>
+          <a:p>
+            <a:r>
+              <a:rPr lang="en-GB" sz="900" dirty="0">
+                <a:solidFill>
+                  <a:srgbClr val="000000"/>
+                </a:solidFill>
+                <a:latin typeface="Consolas" panose="020B0609020204030204" pitchFamily="49" charset="0"/>
+              </a:rPr>
+              <a:t>    </a:t>
+            </a:r>
+            <a:r>
+              <a:rPr lang="en-GB" sz="900" dirty="0">
+                <a:solidFill>
+                  <a:srgbClr val="0000FF"/>
+                </a:solidFill>
+                <a:latin typeface="Consolas" panose="020B0609020204030204" pitchFamily="49" charset="0"/>
+              </a:rPr>
+              <a:t>state</a:t>
+            </a:r>
+            <a:r>
+              <a:rPr lang="en-GB" sz="900" dirty="0">
+                <a:solidFill>
+                  <a:srgbClr val="000000"/>
+                </a:solidFill>
+                <a:latin typeface="Consolas" panose="020B0609020204030204" pitchFamily="49" charset="0"/>
+              </a:rPr>
+              <a:t> </a:t>
+            </a:r>
+            <a:r>
+              <a:rPr lang="en-GB" sz="900" dirty="0">
+                <a:solidFill>
+                  <a:srgbClr val="2B91AF"/>
+                </a:solidFill>
+                <a:latin typeface="Consolas" panose="020B0609020204030204" pitchFamily="49" charset="0"/>
+              </a:rPr>
+              <a:t>Active</a:t>
+            </a:r>
+            <a:endParaRPr lang="en-GB" sz="900" dirty="0">
+              <a:solidFill>
+                <a:srgbClr val="000000"/>
+              </a:solidFill>
+              <a:latin typeface="Consolas" panose="020B0609020204030204" pitchFamily="49" charset="0"/>
+            </a:endParaRPr>
+          </a:p>
+          <a:p>
+            <a:r>
+              <a:rPr lang="en-GB" sz="900" dirty="0">
+                <a:solidFill>
+                  <a:srgbClr val="000000"/>
+                </a:solidFill>
+                <a:latin typeface="Consolas" panose="020B0609020204030204" pitchFamily="49" charset="0"/>
+              </a:rPr>
+              <a:t>    {</a:t>
+            </a:r>
+          </a:p>
+          <a:p>
+            <a:r>
+              <a:rPr lang="en-GB" sz="900" dirty="0">
+                <a:solidFill>
+                  <a:srgbClr val="000000"/>
+                </a:solidFill>
+                <a:latin typeface="Consolas" panose="020B0609020204030204" pitchFamily="49" charset="0"/>
+              </a:rPr>
+              <a:t>        </a:t>
+            </a:r>
+            <a:r>
+              <a:rPr lang="en-GB" sz="900" dirty="0">
+                <a:solidFill>
+                  <a:srgbClr val="0000FF"/>
+                </a:solidFill>
+                <a:latin typeface="Consolas" panose="020B0609020204030204" pitchFamily="49" charset="0"/>
+              </a:rPr>
+              <a:t>entry</a:t>
+            </a:r>
+            <a:endParaRPr lang="en-GB" sz="900" dirty="0">
+              <a:solidFill>
+                <a:srgbClr val="0070C0"/>
+              </a:solidFill>
+              <a:latin typeface="Consolas" panose="020B0609020204030204" pitchFamily="49" charset="0"/>
+            </a:endParaRPr>
+          </a:p>
+          <a:p>
+            <a:r>
+              <a:rPr lang="en-GB" sz="900" dirty="0">
+                <a:solidFill>
+                  <a:srgbClr val="000000"/>
+                </a:solidFill>
+                <a:latin typeface="Consolas" panose="020B0609020204030204" pitchFamily="49" charset="0"/>
+              </a:rPr>
+              <a:t>        {</a:t>
+            </a:r>
+          </a:p>
+          <a:p>
+            <a:r>
+              <a:rPr lang="en-GB" sz="900" dirty="0">
+                <a:solidFill>
+                  <a:srgbClr val="000000"/>
+                </a:solidFill>
+                <a:latin typeface="Consolas" panose="020B0609020204030204" pitchFamily="49" charset="0"/>
+              </a:rPr>
+              <a:t>            </a:t>
+            </a:r>
+            <a:r>
+              <a:rPr lang="en-GB" sz="900" dirty="0" err="1">
+                <a:solidFill>
+                  <a:srgbClr val="000000"/>
+                </a:solidFill>
+                <a:latin typeface="Consolas" panose="020B0609020204030204" pitchFamily="49" charset="0"/>
+              </a:rPr>
+              <a:t>SendPing</a:t>
+            </a:r>
+            <a:r>
+              <a:rPr lang="en-GB" sz="900" dirty="0">
+                <a:solidFill>
+                  <a:srgbClr val="000000"/>
+                </a:solidFill>
+                <a:latin typeface="Consolas" panose="020B0609020204030204" pitchFamily="49" charset="0"/>
+              </a:rPr>
+              <a:t>();</a:t>
+            </a:r>
+          </a:p>
+          <a:p>
+            <a:r>
+              <a:rPr lang="en-GB" sz="900" dirty="0">
+                <a:solidFill>
+                  <a:srgbClr val="000000"/>
+                </a:solidFill>
+                <a:latin typeface="Consolas" panose="020B0609020204030204" pitchFamily="49" charset="0"/>
+              </a:rPr>
+              <a:t>        }</a:t>
+            </a:r>
+          </a:p>
+          <a:p>
+            <a:endParaRPr lang="en-GB" sz="900" dirty="0">
+              <a:solidFill>
+                <a:srgbClr val="000000"/>
+              </a:solidFill>
+              <a:latin typeface="Consolas" panose="020B0609020204030204" pitchFamily="49" charset="0"/>
+            </a:endParaRPr>
+          </a:p>
+          <a:p>
+            <a:r>
+              <a:rPr lang="en-GB" sz="900" dirty="0">
+                <a:solidFill>
+                  <a:srgbClr val="000000"/>
+                </a:solidFill>
+                <a:latin typeface="Consolas" panose="020B0609020204030204" pitchFamily="49" charset="0"/>
+              </a:rPr>
+              <a:t>        </a:t>
+            </a:r>
+            <a:r>
+              <a:rPr lang="en-GB" sz="900" dirty="0">
+                <a:solidFill>
+                  <a:srgbClr val="0000FF"/>
+                </a:solidFill>
+                <a:latin typeface="Consolas" panose="020B0609020204030204" pitchFamily="49" charset="0"/>
+              </a:rPr>
+              <a:t>on</a:t>
+            </a:r>
+            <a:r>
+              <a:rPr lang="en-GB" sz="900" dirty="0">
+                <a:solidFill>
+                  <a:srgbClr val="000000"/>
+                </a:solidFill>
+                <a:latin typeface="Consolas" panose="020B0609020204030204" pitchFamily="49" charset="0"/>
+              </a:rPr>
+              <a:t> </a:t>
+            </a:r>
+            <a:r>
+              <a:rPr lang="en-GB" sz="900" dirty="0" err="1">
+                <a:solidFill>
+                  <a:srgbClr val="000000"/>
+                </a:solidFill>
+                <a:latin typeface="Consolas" panose="020B0609020204030204" pitchFamily="49" charset="0"/>
+              </a:rPr>
+              <a:t>Server.Pong</a:t>
+            </a:r>
+            <a:r>
+              <a:rPr lang="en-GB" sz="900" dirty="0">
+                <a:solidFill>
+                  <a:srgbClr val="000000"/>
+                </a:solidFill>
+                <a:latin typeface="Consolas" panose="020B0609020204030204" pitchFamily="49" charset="0"/>
+              </a:rPr>
+              <a:t> </a:t>
+            </a:r>
+            <a:r>
+              <a:rPr lang="en-GB" sz="900" dirty="0">
+                <a:solidFill>
+                  <a:srgbClr val="0000FF"/>
+                </a:solidFill>
+                <a:latin typeface="Consolas" panose="020B0609020204030204" pitchFamily="49" charset="0"/>
+              </a:rPr>
+              <a:t>do</a:t>
+            </a:r>
+            <a:r>
+              <a:rPr lang="en-GB" sz="900" dirty="0">
+                <a:solidFill>
+                  <a:srgbClr val="000000"/>
+                </a:solidFill>
+                <a:latin typeface="Consolas" panose="020B0609020204030204" pitchFamily="49" charset="0"/>
+              </a:rPr>
+              <a:t> </a:t>
+            </a:r>
+            <a:r>
+              <a:rPr lang="en-GB" sz="900" dirty="0" err="1">
+                <a:solidFill>
+                  <a:srgbClr val="000000"/>
+                </a:solidFill>
+                <a:latin typeface="Consolas" panose="020B0609020204030204" pitchFamily="49" charset="0"/>
+              </a:rPr>
+              <a:t>SendPing</a:t>
+            </a:r>
+            <a:r>
+              <a:rPr lang="en-GB" sz="900" dirty="0">
+                <a:solidFill>
+                  <a:srgbClr val="000000"/>
+                </a:solidFill>
+                <a:latin typeface="Consolas" panose="020B0609020204030204" pitchFamily="49" charset="0"/>
+              </a:rPr>
+              <a:t>;</a:t>
+            </a:r>
+          </a:p>
+          <a:p>
+            <a:r>
+              <a:rPr lang="en-GB" sz="900" dirty="0">
+                <a:solidFill>
+                  <a:srgbClr val="000000"/>
+                </a:solidFill>
+                <a:latin typeface="Consolas" panose="020B0609020204030204" pitchFamily="49" charset="0"/>
+              </a:rPr>
+              <a:t>    }</a:t>
+            </a:r>
+          </a:p>
+          <a:p>
+            <a:endParaRPr lang="en-GB" sz="900" dirty="0">
+              <a:solidFill>
+                <a:srgbClr val="000000"/>
+              </a:solidFill>
+              <a:latin typeface="Consolas" panose="020B0609020204030204" pitchFamily="49" charset="0"/>
+            </a:endParaRPr>
+          </a:p>
+          <a:p>
+            <a:r>
+              <a:rPr lang="en-GB" sz="900" dirty="0">
+                <a:solidFill>
+                  <a:srgbClr val="000000"/>
+                </a:solidFill>
+                <a:latin typeface="Consolas" panose="020B0609020204030204" pitchFamily="49" charset="0"/>
+              </a:rPr>
+              <a:t>    </a:t>
+            </a:r>
+            <a:r>
+              <a:rPr lang="en-GB" sz="900" dirty="0">
+                <a:solidFill>
+                  <a:srgbClr val="0000FF"/>
+                </a:solidFill>
+                <a:latin typeface="Consolas" panose="020B0609020204030204" pitchFamily="49" charset="0"/>
+              </a:rPr>
+              <a:t>partial</a:t>
+            </a:r>
+            <a:r>
+              <a:rPr lang="en-GB" sz="900" dirty="0">
+                <a:solidFill>
+                  <a:srgbClr val="0070C0"/>
+                </a:solidFill>
+                <a:latin typeface="Consolas" panose="020B0609020204030204" pitchFamily="49" charset="0"/>
+              </a:rPr>
+              <a:t> </a:t>
+            </a:r>
+            <a:r>
+              <a:rPr lang="en-GB" sz="900" dirty="0">
+                <a:solidFill>
+                  <a:srgbClr val="0000FF"/>
+                </a:solidFill>
+                <a:latin typeface="Consolas" panose="020B0609020204030204" pitchFamily="49" charset="0"/>
+              </a:rPr>
+              <a:t>void</a:t>
+            </a:r>
+            <a:r>
+              <a:rPr lang="en-GB" sz="900" dirty="0">
+                <a:solidFill>
+                  <a:srgbClr val="000000"/>
+                </a:solidFill>
+                <a:latin typeface="Consolas" panose="020B0609020204030204" pitchFamily="49" charset="0"/>
+              </a:rPr>
+              <a:t> </a:t>
+            </a:r>
+            <a:r>
+              <a:rPr lang="en-GB" sz="900" dirty="0" err="1">
+                <a:solidFill>
+                  <a:srgbClr val="000000"/>
+                </a:solidFill>
+                <a:latin typeface="Consolas" panose="020B0609020204030204" pitchFamily="49" charset="0"/>
+              </a:rPr>
+              <a:t>SendPing</a:t>
+            </a:r>
+            <a:r>
+              <a:rPr lang="en-GB" sz="900" dirty="0">
+                <a:solidFill>
+                  <a:srgbClr val="000000"/>
+                </a:solidFill>
+                <a:latin typeface="Consolas" panose="020B0609020204030204" pitchFamily="49" charset="0"/>
+              </a:rPr>
+              <a:t>();</a:t>
+            </a:r>
+          </a:p>
+          <a:p>
+            <a:r>
+              <a:rPr lang="en-GB" sz="900" dirty="0">
+                <a:solidFill>
+                  <a:srgbClr val="000000"/>
+                </a:solidFill>
+                <a:latin typeface="Consolas" panose="020B0609020204030204" pitchFamily="49" charset="0"/>
+              </a:rPr>
+              <a:t>}</a:t>
+            </a:r>
+            <a:endParaRPr lang="en-GB" dirty="0"/>
+          </a:p>
+        </p:txBody>
+      </p:sp>
+      <p:sp>
+        <p:nvSpPr>
+          <p:cNvPr id="7" name="Rectangle 6"/>
+          <p:cNvSpPr/>
+          <p:nvPr/>
+        </p:nvSpPr>
+        <p:spPr>
+          <a:xfrm>
+            <a:off x="7355760" y="4835489"/>
+            <a:ext cx="4344629" cy="1754326"/>
+          </a:xfrm>
+          <a:prstGeom prst="rect">
+            <a:avLst/>
+          </a:prstGeom>
+        </p:spPr>
+        <p:txBody>
+          <a:bodyPr wrap="square">
+            <a:spAutoFit/>
+          </a:bodyPr>
+          <a:lstStyle/>
+          <a:p>
+            <a:r>
+              <a:rPr lang="en-GB" sz="900" dirty="0">
+                <a:solidFill>
+                  <a:srgbClr val="0000FF"/>
+                </a:solidFill>
+                <a:latin typeface="Consolas" panose="020B0609020204030204" pitchFamily="49" charset="0"/>
+              </a:rPr>
+              <a:t>partial</a:t>
+            </a:r>
+            <a:r>
+              <a:rPr lang="en-GB" sz="900" dirty="0">
+                <a:solidFill>
+                  <a:srgbClr val="0070C0"/>
+                </a:solidFill>
+                <a:latin typeface="Consolas" panose="020B0609020204030204" pitchFamily="49" charset="0"/>
+              </a:rPr>
+              <a:t> </a:t>
+            </a:r>
+            <a:r>
+              <a:rPr lang="en-GB" sz="900" dirty="0">
+                <a:solidFill>
+                  <a:srgbClr val="0000FF"/>
+                </a:solidFill>
+                <a:latin typeface="Consolas" panose="020B0609020204030204" pitchFamily="49" charset="0"/>
+              </a:rPr>
+              <a:t>class</a:t>
+            </a:r>
+            <a:r>
+              <a:rPr lang="en-GB" sz="900" dirty="0">
+                <a:latin typeface="Consolas" panose="020B0609020204030204" pitchFamily="49" charset="0"/>
+              </a:rPr>
+              <a:t> </a:t>
+            </a:r>
+            <a:r>
+              <a:rPr lang="en-GB" sz="900" dirty="0">
+                <a:solidFill>
+                  <a:srgbClr val="2B91AF"/>
+                </a:solidFill>
+                <a:latin typeface="Consolas" panose="020B0609020204030204" pitchFamily="49" charset="0"/>
+              </a:rPr>
+              <a:t>Client</a:t>
+            </a:r>
+            <a:r>
+              <a:rPr lang="en-GB" sz="900" dirty="0">
+                <a:latin typeface="Consolas" panose="020B0609020204030204" pitchFamily="49" charset="0"/>
+              </a:rPr>
+              <a:t> : </a:t>
+            </a:r>
+            <a:r>
+              <a:rPr lang="en-GB" sz="900" dirty="0">
+                <a:solidFill>
+                  <a:srgbClr val="2B91AF"/>
+                </a:solidFill>
+                <a:latin typeface="Consolas" panose="020B0609020204030204" pitchFamily="49" charset="0"/>
+              </a:rPr>
+              <a:t>Machine</a:t>
+            </a:r>
+            <a:endParaRPr lang="en-GB" sz="900" dirty="0">
+              <a:latin typeface="Consolas" panose="020B0609020204030204" pitchFamily="49" charset="0"/>
+            </a:endParaRPr>
+          </a:p>
+          <a:p>
+            <a:r>
+              <a:rPr lang="en-GB" sz="900" dirty="0">
+                <a:latin typeface="Consolas" panose="020B0609020204030204" pitchFamily="49" charset="0"/>
+              </a:rPr>
+              <a:t>{</a:t>
+            </a:r>
+          </a:p>
+          <a:p>
+            <a:r>
+              <a:rPr lang="en-GB" sz="900" dirty="0">
+                <a:latin typeface="Consolas" panose="020B0609020204030204" pitchFamily="49" charset="0"/>
+              </a:rPr>
+              <a:t>    </a:t>
+            </a:r>
+            <a:r>
+              <a:rPr lang="en-GB" sz="900" dirty="0">
+                <a:solidFill>
+                  <a:srgbClr val="0000FF"/>
+                </a:solidFill>
+                <a:latin typeface="Consolas" panose="020B0609020204030204" pitchFamily="49" charset="0"/>
+              </a:rPr>
+              <a:t>partial</a:t>
+            </a:r>
+            <a:r>
+              <a:rPr lang="en-GB" sz="900" dirty="0">
+                <a:solidFill>
+                  <a:srgbClr val="0070C0"/>
+                </a:solidFill>
+                <a:latin typeface="Consolas" panose="020B0609020204030204" pitchFamily="49" charset="0"/>
+              </a:rPr>
+              <a:t> </a:t>
+            </a:r>
+            <a:r>
+              <a:rPr lang="en-GB" sz="900" dirty="0">
+                <a:solidFill>
+                  <a:srgbClr val="0000FF"/>
+                </a:solidFill>
+                <a:latin typeface="Consolas" panose="020B0609020204030204" pitchFamily="49" charset="0"/>
+              </a:rPr>
+              <a:t>void</a:t>
+            </a:r>
+            <a:r>
+              <a:rPr lang="en-GB" sz="900" dirty="0">
+                <a:latin typeface="Consolas" panose="020B0609020204030204" pitchFamily="49" charset="0"/>
+              </a:rPr>
+              <a:t> </a:t>
+            </a:r>
+            <a:r>
+              <a:rPr lang="en-GB" sz="900" dirty="0" err="1">
+                <a:latin typeface="Consolas" panose="020B0609020204030204" pitchFamily="49" charset="0"/>
+              </a:rPr>
+              <a:t>SendPing</a:t>
+            </a:r>
+            <a:r>
+              <a:rPr lang="en-GB" sz="900" dirty="0">
+                <a:latin typeface="Consolas" panose="020B0609020204030204" pitchFamily="49" charset="0"/>
+              </a:rPr>
+              <a:t>()</a:t>
+            </a:r>
+          </a:p>
+          <a:p>
+            <a:r>
+              <a:rPr lang="en-GB" sz="900" dirty="0">
+                <a:latin typeface="Consolas" panose="020B0609020204030204" pitchFamily="49" charset="0"/>
+              </a:rPr>
+              <a:t>    {</a:t>
+            </a:r>
+          </a:p>
+          <a:p>
+            <a:r>
+              <a:rPr lang="en-GB" sz="900" dirty="0">
+                <a:latin typeface="Consolas" panose="020B0609020204030204" pitchFamily="49" charset="0"/>
+              </a:rPr>
+              <a:t>        </a:t>
+            </a:r>
+            <a:r>
+              <a:rPr lang="en-GB" sz="900" dirty="0" err="1">
+                <a:solidFill>
+                  <a:srgbClr val="0000FF"/>
+                </a:solidFill>
+                <a:latin typeface="Consolas" panose="020B0609020204030204" pitchFamily="49" charset="0"/>
+              </a:rPr>
+              <a:t>this</a:t>
+            </a:r>
+            <a:r>
+              <a:rPr lang="en-GB" sz="900" dirty="0" err="1">
+                <a:latin typeface="Consolas" panose="020B0609020204030204" pitchFamily="49" charset="0"/>
+              </a:rPr>
+              <a:t>.Counter</a:t>
+            </a:r>
+            <a:r>
+              <a:rPr lang="en-GB" sz="900" dirty="0">
+                <a:latin typeface="Consolas" panose="020B0609020204030204" pitchFamily="49" charset="0"/>
+              </a:rPr>
+              <a:t>++;</a:t>
+            </a:r>
+          </a:p>
+          <a:p>
+            <a:r>
+              <a:rPr lang="en-GB" sz="900" dirty="0">
+                <a:latin typeface="Consolas" panose="020B0609020204030204" pitchFamily="49" charset="0"/>
+              </a:rPr>
+              <a:t>        </a:t>
+            </a:r>
+            <a:r>
+              <a:rPr lang="en-GB" sz="900" dirty="0" err="1">
+                <a:solidFill>
+                  <a:srgbClr val="0000FF"/>
+                </a:solidFill>
+                <a:latin typeface="Consolas" panose="020B0609020204030204" pitchFamily="49" charset="0"/>
+              </a:rPr>
+              <a:t>this</a:t>
+            </a:r>
+            <a:r>
+              <a:rPr lang="en-GB" sz="900" dirty="0" err="1">
+                <a:latin typeface="Consolas" panose="020B0609020204030204" pitchFamily="49" charset="0"/>
+              </a:rPr>
+              <a:t>.Send</a:t>
+            </a:r>
+            <a:r>
+              <a:rPr lang="en-GB" sz="900" dirty="0">
+                <a:latin typeface="Consolas" panose="020B0609020204030204" pitchFamily="49" charset="0"/>
+              </a:rPr>
+              <a:t>(</a:t>
+            </a:r>
+            <a:r>
+              <a:rPr lang="en-GB" sz="900" dirty="0" err="1">
+                <a:solidFill>
+                  <a:srgbClr val="0000FF"/>
+                </a:solidFill>
+                <a:latin typeface="Consolas" panose="020B0609020204030204" pitchFamily="49" charset="0"/>
+              </a:rPr>
+              <a:t>this</a:t>
+            </a:r>
+            <a:r>
+              <a:rPr lang="en-GB" sz="900" dirty="0" err="1">
+                <a:latin typeface="Consolas" panose="020B0609020204030204" pitchFamily="49" charset="0"/>
+              </a:rPr>
+              <a:t>.Server</a:t>
+            </a:r>
+            <a:r>
+              <a:rPr lang="en-GB" sz="900" dirty="0">
+                <a:latin typeface="Consolas" panose="020B0609020204030204" pitchFamily="49" charset="0"/>
+              </a:rPr>
+              <a:t>, </a:t>
+            </a:r>
+            <a:r>
+              <a:rPr lang="en-GB" sz="900" dirty="0">
+                <a:solidFill>
+                  <a:srgbClr val="0000FF"/>
+                </a:solidFill>
+                <a:latin typeface="Consolas" panose="020B0609020204030204" pitchFamily="49" charset="0"/>
+              </a:rPr>
+              <a:t>new</a:t>
+            </a:r>
+            <a:r>
+              <a:rPr lang="en-GB" sz="900" dirty="0">
+                <a:latin typeface="Consolas" panose="020B0609020204030204" pitchFamily="49" charset="0"/>
+              </a:rPr>
+              <a:t> Ping(</a:t>
+            </a:r>
+            <a:r>
+              <a:rPr lang="en-GB" sz="900" dirty="0" err="1">
+                <a:solidFill>
+                  <a:srgbClr val="0000FF"/>
+                </a:solidFill>
+                <a:latin typeface="Consolas" panose="020B0609020204030204" pitchFamily="49" charset="0"/>
+              </a:rPr>
+              <a:t>this</a:t>
+            </a:r>
+            <a:r>
+              <a:rPr lang="en-GB" sz="900" dirty="0" err="1">
+                <a:latin typeface="Consolas" panose="020B0609020204030204" pitchFamily="49" charset="0"/>
+              </a:rPr>
+              <a:t>.Id</a:t>
+            </a:r>
+            <a:r>
+              <a:rPr lang="en-GB" sz="900" dirty="0">
+                <a:latin typeface="Consolas" panose="020B0609020204030204" pitchFamily="49" charset="0"/>
+              </a:rPr>
+              <a:t>));</a:t>
+            </a:r>
+          </a:p>
+          <a:p>
+            <a:r>
+              <a:rPr lang="en-GB" sz="900" dirty="0">
+                <a:latin typeface="Consolas" panose="020B0609020204030204" pitchFamily="49" charset="0"/>
+              </a:rPr>
+              <a:t>        if (</a:t>
+            </a:r>
+            <a:r>
+              <a:rPr lang="en-GB" sz="900" dirty="0" err="1">
+                <a:solidFill>
+                  <a:srgbClr val="0000FF"/>
+                </a:solidFill>
+                <a:latin typeface="Consolas" panose="020B0609020204030204" pitchFamily="49" charset="0"/>
+              </a:rPr>
+              <a:t>this</a:t>
+            </a:r>
+            <a:r>
+              <a:rPr lang="en-GB" sz="900" dirty="0" err="1">
+                <a:latin typeface="Consolas" panose="020B0609020204030204" pitchFamily="49" charset="0"/>
+              </a:rPr>
+              <a:t>.Counter</a:t>
+            </a:r>
+            <a:r>
+              <a:rPr lang="en-GB" sz="900" dirty="0">
+                <a:latin typeface="Consolas" panose="020B0609020204030204" pitchFamily="49" charset="0"/>
+              </a:rPr>
+              <a:t> == 5)</a:t>
+            </a:r>
+          </a:p>
+          <a:p>
+            <a:r>
+              <a:rPr lang="en-GB" sz="900" dirty="0">
+                <a:latin typeface="Consolas" panose="020B0609020204030204" pitchFamily="49" charset="0"/>
+              </a:rPr>
+              <a:t>        {</a:t>
+            </a:r>
+          </a:p>
+          <a:p>
+            <a:r>
+              <a:rPr lang="en-GB" sz="900" dirty="0">
+                <a:latin typeface="Consolas" panose="020B0609020204030204" pitchFamily="49" charset="0"/>
+              </a:rPr>
+              <a:t>            </a:t>
+            </a:r>
+            <a:r>
+              <a:rPr lang="en-GB" sz="900" dirty="0" err="1">
+                <a:solidFill>
+                  <a:srgbClr val="0000FF"/>
+                </a:solidFill>
+                <a:latin typeface="Consolas" panose="020B0609020204030204" pitchFamily="49" charset="0"/>
+              </a:rPr>
+              <a:t>this</a:t>
+            </a:r>
+            <a:r>
+              <a:rPr lang="en-GB" sz="900" dirty="0" err="1">
+                <a:latin typeface="Consolas" panose="020B0609020204030204" pitchFamily="49" charset="0"/>
+              </a:rPr>
+              <a:t>.Raise</a:t>
+            </a:r>
+            <a:r>
+              <a:rPr lang="en-GB" sz="900" dirty="0">
+                <a:latin typeface="Consolas" panose="020B0609020204030204" pitchFamily="49" charset="0"/>
+              </a:rPr>
+              <a:t>(</a:t>
+            </a:r>
+            <a:r>
+              <a:rPr lang="en-GB" sz="900" dirty="0">
+                <a:solidFill>
+                  <a:srgbClr val="0000FF"/>
+                </a:solidFill>
+                <a:latin typeface="Consolas" panose="020B0609020204030204" pitchFamily="49" charset="0"/>
+              </a:rPr>
+              <a:t>new</a:t>
+            </a:r>
+            <a:r>
+              <a:rPr lang="en-GB" sz="900" dirty="0">
+                <a:latin typeface="Consolas" panose="020B0609020204030204" pitchFamily="49" charset="0"/>
+              </a:rPr>
+              <a:t> Halt());</a:t>
+            </a:r>
+          </a:p>
+          <a:p>
+            <a:r>
+              <a:rPr lang="en-GB" sz="900" dirty="0">
+                <a:latin typeface="Consolas" panose="020B0609020204030204" pitchFamily="49" charset="0"/>
+              </a:rPr>
+              <a:t>        }</a:t>
+            </a:r>
+          </a:p>
+          <a:p>
+            <a:r>
+              <a:rPr lang="en-GB" sz="900" dirty="0">
+                <a:latin typeface="Consolas" panose="020B0609020204030204" pitchFamily="49" charset="0"/>
+              </a:rPr>
+              <a:t>    }</a:t>
+            </a:r>
+          </a:p>
+          <a:p>
+            <a:r>
+              <a:rPr lang="en-GB" sz="900" dirty="0">
+                <a:latin typeface="Consolas" panose="020B0609020204030204" pitchFamily="49" charset="0"/>
+              </a:rPr>
+              <a:t>}</a:t>
+            </a:r>
+            <a:endParaRPr lang="en-GB" dirty="0"/>
+          </a:p>
+        </p:txBody>
+      </p:sp>
+      <p:sp>
+        <p:nvSpPr>
+          <p:cNvPr id="9" name="Rectangle 8"/>
+          <p:cNvSpPr/>
+          <p:nvPr/>
+        </p:nvSpPr>
+        <p:spPr>
+          <a:xfrm>
+            <a:off x="1071716" y="1980744"/>
+            <a:ext cx="6096000" cy="1754326"/>
+          </a:xfrm>
+          <a:prstGeom prst="rect">
+            <a:avLst/>
+          </a:prstGeom>
+        </p:spPr>
+        <p:txBody>
+          <a:bodyPr>
+            <a:spAutoFit/>
+          </a:bodyPr>
+          <a:lstStyle/>
+          <a:p>
+            <a:r>
+              <a:rPr lang="en-GB" sz="900" dirty="0">
+                <a:solidFill>
+                  <a:srgbClr val="0000FF"/>
+                </a:solidFill>
+                <a:latin typeface="Consolas" panose="020B0609020204030204" pitchFamily="49" charset="0"/>
+              </a:rPr>
+              <a:t>machine</a:t>
+            </a:r>
+            <a:r>
+              <a:rPr lang="en-GB" sz="900" dirty="0">
+                <a:solidFill>
+                  <a:srgbClr val="0070C0"/>
+                </a:solidFill>
+                <a:latin typeface="Consolas" panose="020B0609020204030204" pitchFamily="49" charset="0"/>
+              </a:rPr>
+              <a:t> </a:t>
+            </a:r>
+            <a:r>
+              <a:rPr lang="en-GB" sz="900" dirty="0">
+                <a:solidFill>
+                  <a:srgbClr val="2B91AF"/>
+                </a:solidFill>
+                <a:latin typeface="Consolas" panose="020B0609020204030204" pitchFamily="49" charset="0"/>
+              </a:rPr>
+              <a:t>Environment</a:t>
+            </a:r>
+            <a:endParaRPr lang="en-GB" sz="900" dirty="0">
+              <a:latin typeface="Consolas" panose="020B0609020204030204" pitchFamily="49" charset="0"/>
+            </a:endParaRPr>
+          </a:p>
+          <a:p>
+            <a:r>
+              <a:rPr lang="en-GB" sz="900" dirty="0">
+                <a:solidFill>
+                  <a:srgbClr val="000000"/>
+                </a:solidFill>
+                <a:latin typeface="Consolas" panose="020B0609020204030204" pitchFamily="49" charset="0"/>
+              </a:rPr>
+              <a:t>{</a:t>
+            </a:r>
+          </a:p>
+          <a:p>
+            <a:r>
+              <a:rPr lang="en-GB" sz="900" dirty="0">
+                <a:solidFill>
+                  <a:srgbClr val="000000"/>
+                </a:solidFill>
+                <a:latin typeface="Consolas" panose="020B0609020204030204" pitchFamily="49" charset="0"/>
+              </a:rPr>
+              <a:t>    </a:t>
+            </a:r>
+            <a:r>
+              <a:rPr lang="en-GB" sz="900" dirty="0">
+                <a:solidFill>
+                  <a:srgbClr val="0000FF"/>
+                </a:solidFill>
+                <a:latin typeface="Consolas" panose="020B0609020204030204" pitchFamily="49" charset="0"/>
+              </a:rPr>
+              <a:t>start state</a:t>
+            </a:r>
+            <a:r>
+              <a:rPr lang="en-GB" sz="900" dirty="0">
+                <a:solidFill>
+                  <a:srgbClr val="000000"/>
+                </a:solidFill>
+                <a:latin typeface="Consolas" panose="020B0609020204030204" pitchFamily="49" charset="0"/>
+              </a:rPr>
+              <a:t> </a:t>
+            </a:r>
+            <a:r>
+              <a:rPr lang="en-GB" sz="900" dirty="0" err="1">
+                <a:solidFill>
+                  <a:srgbClr val="2B91AF"/>
+                </a:solidFill>
+                <a:latin typeface="Consolas" panose="020B0609020204030204" pitchFamily="49" charset="0"/>
+              </a:rPr>
+              <a:t>Init</a:t>
+            </a:r>
+            <a:endParaRPr lang="en-GB" sz="900" dirty="0">
+              <a:solidFill>
+                <a:srgbClr val="000000"/>
+              </a:solidFill>
+              <a:latin typeface="Consolas" panose="020B0609020204030204" pitchFamily="49" charset="0"/>
+            </a:endParaRPr>
+          </a:p>
+          <a:p>
+            <a:r>
+              <a:rPr lang="en-GB" sz="900" dirty="0">
+                <a:solidFill>
+                  <a:srgbClr val="000000"/>
+                </a:solidFill>
+                <a:latin typeface="Consolas" panose="020B0609020204030204" pitchFamily="49" charset="0"/>
+              </a:rPr>
+              <a:t>    {</a:t>
+            </a:r>
+          </a:p>
+          <a:p>
+            <a:r>
+              <a:rPr lang="en-GB" sz="900" dirty="0">
+                <a:solidFill>
+                  <a:srgbClr val="000000"/>
+                </a:solidFill>
+                <a:latin typeface="Consolas" panose="020B0609020204030204" pitchFamily="49" charset="0"/>
+              </a:rPr>
+              <a:t>        </a:t>
+            </a:r>
+            <a:r>
+              <a:rPr lang="en-GB" sz="900" dirty="0">
+                <a:solidFill>
+                  <a:srgbClr val="0000FF"/>
+                </a:solidFill>
+                <a:latin typeface="Consolas" panose="020B0609020204030204" pitchFamily="49" charset="0"/>
+              </a:rPr>
+              <a:t>entry</a:t>
+            </a:r>
+            <a:endParaRPr lang="en-GB" sz="900" dirty="0">
+              <a:solidFill>
+                <a:srgbClr val="0070C0"/>
+              </a:solidFill>
+              <a:latin typeface="Consolas" panose="020B0609020204030204" pitchFamily="49" charset="0"/>
+            </a:endParaRPr>
+          </a:p>
+          <a:p>
+            <a:r>
+              <a:rPr lang="en-GB" sz="900" dirty="0">
+                <a:solidFill>
+                  <a:srgbClr val="000000"/>
+                </a:solidFill>
+                <a:latin typeface="Consolas" panose="020B0609020204030204" pitchFamily="49" charset="0"/>
+              </a:rPr>
+              <a:t>        {</a:t>
+            </a:r>
+          </a:p>
+          <a:p>
+            <a:r>
+              <a:rPr lang="en-GB" sz="900" dirty="0">
+                <a:solidFill>
+                  <a:srgbClr val="000000"/>
+                </a:solidFill>
+                <a:latin typeface="Consolas" panose="020B0609020204030204" pitchFamily="49" charset="0"/>
+              </a:rPr>
+              <a:t>            </a:t>
+            </a:r>
+            <a:r>
+              <a:rPr lang="en-GB" sz="900" dirty="0" err="1">
+                <a:solidFill>
+                  <a:srgbClr val="0000FF"/>
+                </a:solidFill>
+                <a:latin typeface="Consolas" panose="020B0609020204030204" pitchFamily="49" charset="0"/>
+              </a:rPr>
+              <a:t>var</a:t>
+            </a:r>
+            <a:r>
+              <a:rPr lang="en-GB" sz="900" dirty="0">
+                <a:solidFill>
+                  <a:srgbClr val="0000FF"/>
+                </a:solidFill>
+                <a:latin typeface="Consolas" panose="020B0609020204030204" pitchFamily="49" charset="0"/>
+              </a:rPr>
+              <a:t> </a:t>
+            </a:r>
+            <a:r>
+              <a:rPr lang="en-GB" sz="900" dirty="0">
+                <a:solidFill>
+                  <a:srgbClr val="000000"/>
+                </a:solidFill>
+                <a:latin typeface="Consolas" panose="020B0609020204030204" pitchFamily="49" charset="0"/>
+              </a:rPr>
+              <a:t>server = </a:t>
+            </a:r>
+            <a:r>
+              <a:rPr lang="en-GB" sz="900" dirty="0">
+                <a:solidFill>
+                  <a:srgbClr val="0000FF"/>
+                </a:solidFill>
+                <a:latin typeface="Consolas" panose="020B0609020204030204" pitchFamily="49" charset="0"/>
+              </a:rPr>
+              <a:t>create</a:t>
+            </a:r>
+            <a:r>
+              <a:rPr lang="en-GB" sz="900" dirty="0">
+                <a:solidFill>
+                  <a:srgbClr val="000000"/>
+                </a:solidFill>
+                <a:latin typeface="Consolas" panose="020B0609020204030204" pitchFamily="49" charset="0"/>
+              </a:rPr>
+              <a:t>(Server);</a:t>
+            </a:r>
+          </a:p>
+          <a:p>
+            <a:endParaRPr lang="en-GB" sz="900" dirty="0">
+              <a:solidFill>
+                <a:srgbClr val="000000"/>
+              </a:solidFill>
+              <a:latin typeface="Consolas" panose="020B0609020204030204" pitchFamily="49" charset="0"/>
+            </a:endParaRPr>
+          </a:p>
+          <a:p>
+            <a:r>
+              <a:rPr lang="en-GB" sz="900" dirty="0">
+                <a:solidFill>
+                  <a:srgbClr val="000000"/>
+                </a:solidFill>
+                <a:latin typeface="Consolas" panose="020B0609020204030204" pitchFamily="49" charset="0"/>
+              </a:rPr>
+              <a:t>            </a:t>
+            </a:r>
+            <a:r>
+              <a:rPr lang="en-GB" sz="900" dirty="0">
+                <a:solidFill>
+                  <a:srgbClr val="0000FF"/>
+                </a:solidFill>
+                <a:latin typeface="Consolas" panose="020B0609020204030204" pitchFamily="49" charset="0"/>
+              </a:rPr>
+              <a:t>create</a:t>
+            </a:r>
+            <a:r>
+              <a:rPr lang="en-GB" sz="900" dirty="0">
+                <a:solidFill>
+                  <a:srgbClr val="000000"/>
+                </a:solidFill>
+                <a:latin typeface="Consolas" panose="020B0609020204030204" pitchFamily="49" charset="0"/>
+              </a:rPr>
+              <a:t>(Client, </a:t>
+            </a:r>
+            <a:r>
+              <a:rPr lang="en-GB" sz="900" dirty="0" err="1">
+                <a:solidFill>
+                  <a:srgbClr val="000000"/>
+                </a:solidFill>
+                <a:latin typeface="Consolas" panose="020B0609020204030204" pitchFamily="49" charset="0"/>
+              </a:rPr>
+              <a:t>Client.Config</a:t>
+            </a:r>
+            <a:r>
+              <a:rPr lang="en-GB" sz="900" dirty="0">
+                <a:solidFill>
+                  <a:srgbClr val="000000"/>
+                </a:solidFill>
+                <a:latin typeface="Consolas" panose="020B0609020204030204" pitchFamily="49" charset="0"/>
+              </a:rPr>
+              <a:t>, server);</a:t>
+            </a:r>
+          </a:p>
+          <a:p>
+            <a:r>
+              <a:rPr lang="en-GB" sz="900" dirty="0">
+                <a:solidFill>
+                  <a:srgbClr val="000000"/>
+                </a:solidFill>
+                <a:latin typeface="Consolas" panose="020B0609020204030204" pitchFamily="49" charset="0"/>
+              </a:rPr>
+              <a:t>        }</a:t>
+            </a:r>
+          </a:p>
+          <a:p>
+            <a:r>
+              <a:rPr lang="en-GB" sz="900" dirty="0">
+                <a:solidFill>
+                  <a:srgbClr val="000000"/>
+                </a:solidFill>
+                <a:latin typeface="Consolas" panose="020B0609020204030204" pitchFamily="49" charset="0"/>
+              </a:rPr>
+              <a:t>    }</a:t>
+            </a:r>
+          </a:p>
+          <a:p>
+            <a:r>
+              <a:rPr lang="en-GB" sz="900" dirty="0">
+                <a:solidFill>
+                  <a:srgbClr val="000000"/>
+                </a:solidFill>
+                <a:latin typeface="Consolas" panose="020B0609020204030204" pitchFamily="49" charset="0"/>
+              </a:rPr>
+              <a:t>}</a:t>
+            </a:r>
+            <a:endParaRPr lang="en-GB" dirty="0"/>
+          </a:p>
+        </p:txBody>
+      </p:sp>
+      <p:grpSp>
+        <p:nvGrpSpPr>
+          <p:cNvPr id="32" name="Group 31"/>
+          <p:cNvGrpSpPr/>
+          <p:nvPr/>
+        </p:nvGrpSpPr>
+        <p:grpSpPr>
+          <a:xfrm>
+            <a:off x="7873796" y="3956084"/>
+            <a:ext cx="1900084" cy="423519"/>
+            <a:chOff x="1821426" y="2813237"/>
+            <a:chExt cx="1900084" cy="423519"/>
+          </a:xfrm>
+        </p:grpSpPr>
+        <p:cxnSp>
+          <p:nvCxnSpPr>
+            <p:cNvPr id="33" name="Straight Arrow Connector 32"/>
+            <p:cNvCxnSpPr>
+              <a:stCxn id="34" idx="2"/>
+            </p:cNvCxnSpPr>
+            <p:nvPr/>
+          </p:nvCxnSpPr>
+          <p:spPr>
+            <a:xfrm flipH="1">
+              <a:off x="2255888" y="3033252"/>
+              <a:ext cx="515580" cy="203504"/>
+            </a:xfrm>
+            <a:prstGeom prst="straightConnector1">
+              <a:avLst/>
+            </a:prstGeom>
+            <a:ln>
+              <a:solidFill>
+                <a:srgbClr val="7030A0"/>
+              </a:solidFill>
+              <a:tailEnd type="triangle"/>
+            </a:ln>
+          </p:spPr>
+          <p:style>
+            <a:lnRef idx="3">
+              <a:schemeClr val="accent2"/>
+            </a:lnRef>
+            <a:fillRef idx="0">
+              <a:schemeClr val="accent2"/>
+            </a:fillRef>
+            <a:effectRef idx="2">
+              <a:schemeClr val="accent2"/>
+            </a:effectRef>
+            <a:fontRef idx="minor">
+              <a:schemeClr val="tx1"/>
+            </a:fontRef>
+          </p:style>
+        </p:cxnSp>
+        <p:sp>
+          <p:nvSpPr>
+            <p:cNvPr id="34" name="Rectangle 33"/>
+            <p:cNvSpPr/>
+            <p:nvPr/>
+          </p:nvSpPr>
+          <p:spPr>
+            <a:xfrm>
+              <a:off x="1821426" y="2813237"/>
+              <a:ext cx="1900084" cy="220015"/>
+            </a:xfrm>
+            <a:prstGeom prst="rect">
+              <a:avLst/>
+            </a:prstGeom>
+            <a:noFill/>
+            <a:ln w="19050">
+              <a:solidFill>
+                <a:srgbClr val="7030A0"/>
+              </a:solidFill>
+            </a:ln>
+          </p:spPr>
+          <p:style>
+            <a:lnRef idx="2">
+              <a:schemeClr val="accent2"/>
+            </a:lnRef>
+            <a:fillRef idx="1">
+              <a:schemeClr val="lt1"/>
+            </a:fillRef>
+            <a:effectRef idx="0">
+              <a:schemeClr val="accent2"/>
+            </a:effectRef>
+            <a:fontRef idx="minor">
+              <a:schemeClr val="dk1"/>
+            </a:fontRef>
+          </p:style>
+          <p:txBody>
+            <a:bodyPr rtlCol="0" anchor="ctr"/>
+            <a:lstStyle/>
+            <a:p>
+              <a:pPr algn="ctr"/>
+              <a:endParaRPr lang="en-GB" dirty="0"/>
+            </a:p>
+          </p:txBody>
+        </p:sp>
+      </p:grpSp>
+      <p:grpSp>
+        <p:nvGrpSpPr>
+          <p:cNvPr id="60" name="Group 59"/>
+          <p:cNvGrpSpPr/>
+          <p:nvPr/>
+        </p:nvGrpSpPr>
+        <p:grpSpPr>
+          <a:xfrm>
+            <a:off x="1846006" y="2813237"/>
+            <a:ext cx="2625031" cy="1670272"/>
+            <a:chOff x="1821426" y="2813237"/>
+            <a:chExt cx="2625031" cy="1670272"/>
+          </a:xfrm>
+        </p:grpSpPr>
+        <p:grpSp>
+          <p:nvGrpSpPr>
+            <p:cNvPr id="19" name="Group 18"/>
+            <p:cNvGrpSpPr/>
+            <p:nvPr/>
+          </p:nvGrpSpPr>
+          <p:grpSpPr>
+            <a:xfrm>
+              <a:off x="1821426" y="2813237"/>
+              <a:ext cx="1900084" cy="1670272"/>
+              <a:chOff x="1821426" y="2813237"/>
+              <a:chExt cx="1900084" cy="1670272"/>
+            </a:xfrm>
+          </p:grpSpPr>
+          <p:cxnSp>
+            <p:nvCxnSpPr>
+              <p:cNvPr id="11" name="Straight Arrow Connector 10"/>
+              <p:cNvCxnSpPr>
+                <a:stCxn id="17" idx="2"/>
+              </p:cNvCxnSpPr>
+              <p:nvPr/>
+            </p:nvCxnSpPr>
+            <p:spPr>
+              <a:xfrm flipH="1">
+                <a:off x="2310582" y="3033252"/>
+                <a:ext cx="460886" cy="1450257"/>
+              </a:xfrm>
+              <a:prstGeom prst="straightConnector1">
+                <a:avLst/>
+              </a:prstGeom>
+              <a:ln>
+                <a:solidFill>
+                  <a:schemeClr val="accent2">
+                    <a:lumMod val="50000"/>
+                  </a:schemeClr>
+                </a:solidFill>
+                <a:tailEnd type="triangle"/>
+              </a:ln>
+            </p:spPr>
+            <p:style>
+              <a:lnRef idx="3">
+                <a:schemeClr val="accent2"/>
+              </a:lnRef>
+              <a:fillRef idx="0">
+                <a:schemeClr val="accent2"/>
+              </a:fillRef>
+              <a:effectRef idx="2">
+                <a:schemeClr val="accent2"/>
+              </a:effectRef>
+              <a:fontRef idx="minor">
+                <a:schemeClr val="tx1"/>
+              </a:fontRef>
+            </p:style>
+          </p:cxnSp>
+          <p:sp>
+            <p:nvSpPr>
+              <p:cNvPr id="17" name="Rectangle 16"/>
+              <p:cNvSpPr/>
+              <p:nvPr/>
+            </p:nvSpPr>
+            <p:spPr>
+              <a:xfrm>
+                <a:off x="1821426" y="2813237"/>
+                <a:ext cx="1900084" cy="220015"/>
+              </a:xfrm>
+              <a:prstGeom prst="rect">
+                <a:avLst/>
+              </a:prstGeom>
+              <a:noFill/>
+              <a:ln w="19050">
+                <a:solidFill>
+                  <a:schemeClr val="accent2">
+                    <a:lumMod val="50000"/>
+                  </a:schemeClr>
+                </a:solidFill>
+              </a:ln>
+            </p:spPr>
+            <p:style>
+              <a:lnRef idx="2">
+                <a:schemeClr val="accent2"/>
+              </a:lnRef>
+              <a:fillRef idx="1">
+                <a:schemeClr val="lt1"/>
+              </a:fillRef>
+              <a:effectRef idx="0">
+                <a:schemeClr val="accent2"/>
+              </a:effectRef>
+              <a:fontRef idx="minor">
+                <a:schemeClr val="dk1"/>
+              </a:fontRef>
+            </p:style>
+            <p:txBody>
+              <a:bodyPr rtlCol="0" anchor="ctr"/>
+              <a:lstStyle/>
+              <a:p>
+                <a:pPr algn="ctr"/>
+                <a:endParaRPr lang="en-GB" dirty="0"/>
+              </a:p>
+            </p:txBody>
+          </p:sp>
+        </p:grpSp>
+        <p:sp>
+          <p:nvSpPr>
+            <p:cNvPr id="53" name="TextBox 52"/>
+            <p:cNvSpPr txBox="1"/>
+            <p:nvPr/>
+          </p:nvSpPr>
+          <p:spPr>
+            <a:xfrm>
+              <a:off x="2448232" y="3532382"/>
+              <a:ext cx="1998225" cy="566656"/>
+            </a:xfrm>
+            <a:prstGeom prst="rect">
+              <a:avLst/>
+            </a:prstGeom>
+            <a:noFill/>
+          </p:spPr>
+          <p:txBody>
+            <a:bodyPr wrap="none" lIns="179285" tIns="143428" rIns="179285" bIns="143428" rtlCol="0">
+              <a:spAutoFit/>
+            </a:bodyPr>
+            <a:lstStyle/>
+            <a:p>
+              <a:pPr>
+                <a:lnSpc>
+                  <a:spcPct val="90000"/>
+                </a:lnSpc>
+                <a:spcAft>
+                  <a:spcPts val="588"/>
+                </a:spcAft>
+              </a:pPr>
+              <a:r>
+                <a:rPr lang="en-US" sz="2000" dirty="0">
+                  <a:solidFill>
+                    <a:schemeClr val="accent2">
+                      <a:lumMod val="50000"/>
+                    </a:schemeClr>
+                  </a:solidFill>
+                </a:rPr>
+                <a:t>create machine</a:t>
+              </a:r>
+            </a:p>
+          </p:txBody>
+        </p:sp>
+      </p:grpSp>
+      <p:grpSp>
+        <p:nvGrpSpPr>
+          <p:cNvPr id="59" name="Group 58"/>
+          <p:cNvGrpSpPr/>
+          <p:nvPr/>
+        </p:nvGrpSpPr>
+        <p:grpSpPr>
+          <a:xfrm>
+            <a:off x="1870586" y="1808012"/>
+            <a:ext cx="5737126" cy="1507372"/>
+            <a:chOff x="1870586" y="1817844"/>
+            <a:chExt cx="5737126" cy="1507372"/>
+          </a:xfrm>
+        </p:grpSpPr>
+        <p:grpSp>
+          <p:nvGrpSpPr>
+            <p:cNvPr id="22" name="Group 21"/>
+            <p:cNvGrpSpPr/>
+            <p:nvPr/>
+          </p:nvGrpSpPr>
+          <p:grpSpPr>
+            <a:xfrm>
+              <a:off x="1870586" y="1817844"/>
+              <a:ext cx="5737126" cy="1507372"/>
+              <a:chOff x="1821426" y="1525880"/>
+              <a:chExt cx="4179828" cy="1507372"/>
+            </a:xfrm>
+          </p:grpSpPr>
+          <p:cxnSp>
+            <p:nvCxnSpPr>
+              <p:cNvPr id="23" name="Straight Arrow Connector 22"/>
+              <p:cNvCxnSpPr>
+                <a:stCxn id="24" idx="3"/>
+              </p:cNvCxnSpPr>
+              <p:nvPr/>
+            </p:nvCxnSpPr>
+            <p:spPr>
+              <a:xfrm flipV="1">
+                <a:off x="3721510" y="1525880"/>
+                <a:ext cx="2279744" cy="1397365"/>
+              </a:xfrm>
+              <a:prstGeom prst="straightConnector1">
+                <a:avLst/>
+              </a:prstGeom>
+              <a:ln>
+                <a:solidFill>
+                  <a:schemeClr val="accent2">
+                    <a:lumMod val="50000"/>
+                  </a:schemeClr>
+                </a:solidFill>
+                <a:tailEnd type="triangle"/>
+              </a:ln>
+            </p:spPr>
+            <p:style>
+              <a:lnRef idx="3">
+                <a:schemeClr val="accent2"/>
+              </a:lnRef>
+              <a:fillRef idx="0">
+                <a:schemeClr val="accent2"/>
+              </a:fillRef>
+              <a:effectRef idx="2">
+                <a:schemeClr val="accent2"/>
+              </a:effectRef>
+              <a:fontRef idx="minor">
+                <a:schemeClr val="tx1"/>
+              </a:fontRef>
+            </p:style>
+          </p:cxnSp>
+          <p:sp>
+            <p:nvSpPr>
+              <p:cNvPr id="24" name="Rectangle 23"/>
+              <p:cNvSpPr/>
+              <p:nvPr/>
+            </p:nvSpPr>
+            <p:spPr>
+              <a:xfrm>
+                <a:off x="1821426" y="2813237"/>
+                <a:ext cx="1900084" cy="220015"/>
+              </a:xfrm>
+              <a:prstGeom prst="rect">
+                <a:avLst/>
+              </a:prstGeom>
+              <a:noFill/>
+              <a:ln w="19050">
+                <a:solidFill>
+                  <a:schemeClr val="accent2">
+                    <a:lumMod val="50000"/>
+                  </a:schemeClr>
+                </a:solidFill>
+              </a:ln>
+            </p:spPr>
+            <p:style>
+              <a:lnRef idx="2">
+                <a:schemeClr val="accent2"/>
+              </a:lnRef>
+              <a:fillRef idx="1">
+                <a:schemeClr val="lt1"/>
+              </a:fillRef>
+              <a:effectRef idx="0">
+                <a:schemeClr val="accent2"/>
+              </a:effectRef>
+              <a:fontRef idx="minor">
+                <a:schemeClr val="dk1"/>
+              </a:fontRef>
+            </p:style>
+            <p:txBody>
+              <a:bodyPr rtlCol="0" anchor="ctr"/>
+              <a:lstStyle/>
+              <a:p>
+                <a:pPr algn="ctr"/>
+                <a:endParaRPr lang="en-GB" dirty="0"/>
+              </a:p>
+            </p:txBody>
+          </p:sp>
+        </p:grpSp>
+        <p:sp>
+          <p:nvSpPr>
+            <p:cNvPr id="54" name="TextBox 53"/>
+            <p:cNvSpPr txBox="1"/>
+            <p:nvPr/>
+          </p:nvSpPr>
+          <p:spPr>
+            <a:xfrm rot="20143671">
+              <a:off x="5000151" y="2080006"/>
+              <a:ext cx="1998225" cy="566656"/>
+            </a:xfrm>
+            <a:prstGeom prst="rect">
+              <a:avLst/>
+            </a:prstGeom>
+            <a:noFill/>
+          </p:spPr>
+          <p:txBody>
+            <a:bodyPr wrap="none" lIns="179285" tIns="143428" rIns="179285" bIns="143428" rtlCol="0">
+              <a:spAutoFit/>
+            </a:bodyPr>
+            <a:lstStyle/>
+            <a:p>
+              <a:pPr>
+                <a:lnSpc>
+                  <a:spcPct val="90000"/>
+                </a:lnSpc>
+                <a:spcAft>
+                  <a:spcPts val="588"/>
+                </a:spcAft>
+              </a:pPr>
+              <a:r>
+                <a:rPr lang="en-US" sz="2000" dirty="0">
+                  <a:solidFill>
+                    <a:schemeClr val="accent2">
+                      <a:lumMod val="50000"/>
+                    </a:schemeClr>
+                  </a:solidFill>
+                </a:rPr>
+                <a:t>create machine</a:t>
+              </a:r>
+            </a:p>
+          </p:txBody>
+        </p:sp>
+      </p:grpSp>
+      <p:grpSp>
+        <p:nvGrpSpPr>
+          <p:cNvPr id="62" name="Group 61"/>
+          <p:cNvGrpSpPr/>
+          <p:nvPr/>
+        </p:nvGrpSpPr>
+        <p:grpSpPr>
+          <a:xfrm>
+            <a:off x="3559276" y="4916129"/>
+            <a:ext cx="7074311" cy="921730"/>
+            <a:chOff x="3559276" y="4916129"/>
+            <a:chExt cx="7074311" cy="921730"/>
+          </a:xfrm>
+        </p:grpSpPr>
+        <p:grpSp>
+          <p:nvGrpSpPr>
+            <p:cNvPr id="43" name="Group 42"/>
+            <p:cNvGrpSpPr/>
+            <p:nvPr/>
+          </p:nvGrpSpPr>
+          <p:grpSpPr>
+            <a:xfrm>
+              <a:off x="3559276" y="4916129"/>
+              <a:ext cx="7074311" cy="847880"/>
+              <a:chOff x="-1228428" y="2185372"/>
+              <a:chExt cx="4949938" cy="847880"/>
+            </a:xfrm>
+          </p:grpSpPr>
+          <p:cxnSp>
+            <p:nvCxnSpPr>
+              <p:cNvPr id="44" name="Straight Arrow Connector 43"/>
+              <p:cNvCxnSpPr>
+                <a:stCxn id="45" idx="1"/>
+              </p:cNvCxnSpPr>
+              <p:nvPr/>
+            </p:nvCxnSpPr>
+            <p:spPr>
+              <a:xfrm flipH="1" flipV="1">
+                <a:off x="-1228428" y="2185372"/>
+                <a:ext cx="3049854" cy="737873"/>
+              </a:xfrm>
+              <a:prstGeom prst="straightConnector1">
+                <a:avLst/>
+              </a:prstGeom>
+              <a:ln>
+                <a:solidFill>
+                  <a:schemeClr val="accent6">
+                    <a:lumMod val="50000"/>
+                  </a:schemeClr>
+                </a:solidFill>
+                <a:tailEnd type="triangle"/>
+              </a:ln>
+            </p:spPr>
+            <p:style>
+              <a:lnRef idx="3">
+                <a:schemeClr val="accent2"/>
+              </a:lnRef>
+              <a:fillRef idx="0">
+                <a:schemeClr val="accent2"/>
+              </a:fillRef>
+              <a:effectRef idx="2">
+                <a:schemeClr val="accent2"/>
+              </a:effectRef>
+              <a:fontRef idx="minor">
+                <a:schemeClr val="tx1"/>
+              </a:fontRef>
+            </p:style>
+          </p:cxnSp>
+          <p:sp>
+            <p:nvSpPr>
+              <p:cNvPr id="45" name="Rectangle 44"/>
+              <p:cNvSpPr/>
+              <p:nvPr/>
+            </p:nvSpPr>
+            <p:spPr>
+              <a:xfrm>
+                <a:off x="1821426" y="2813237"/>
+                <a:ext cx="1900084" cy="220015"/>
+              </a:xfrm>
+              <a:prstGeom prst="rect">
+                <a:avLst/>
+              </a:prstGeom>
+              <a:noFill/>
+              <a:ln w="19050">
+                <a:solidFill>
+                  <a:schemeClr val="accent6">
+                    <a:lumMod val="50000"/>
+                  </a:schemeClr>
+                </a:solidFill>
+              </a:ln>
+            </p:spPr>
+            <p:style>
+              <a:lnRef idx="2">
+                <a:schemeClr val="accent2"/>
+              </a:lnRef>
+              <a:fillRef idx="1">
+                <a:schemeClr val="lt1"/>
+              </a:fillRef>
+              <a:effectRef idx="0">
+                <a:schemeClr val="accent2"/>
+              </a:effectRef>
+              <a:fontRef idx="minor">
+                <a:schemeClr val="dk1"/>
+              </a:fontRef>
+            </p:style>
+            <p:txBody>
+              <a:bodyPr rtlCol="0" anchor="ctr"/>
+              <a:lstStyle/>
+              <a:p>
+                <a:pPr algn="ctr"/>
+                <a:endParaRPr lang="en-GB" dirty="0"/>
+              </a:p>
+            </p:txBody>
+          </p:sp>
+        </p:grpSp>
+        <p:sp>
+          <p:nvSpPr>
+            <p:cNvPr id="55" name="TextBox 54"/>
+            <p:cNvSpPr txBox="1"/>
+            <p:nvPr/>
+          </p:nvSpPr>
+          <p:spPr>
+            <a:xfrm rot="575711">
+              <a:off x="5585820" y="5271203"/>
+              <a:ext cx="1522902" cy="566656"/>
+            </a:xfrm>
+            <a:prstGeom prst="rect">
+              <a:avLst/>
+            </a:prstGeom>
+            <a:noFill/>
+            <a:ln>
+              <a:noFill/>
+            </a:ln>
+          </p:spPr>
+          <p:txBody>
+            <a:bodyPr wrap="none" lIns="179285" tIns="143428" rIns="179285" bIns="143428" rtlCol="0">
+              <a:spAutoFit/>
+            </a:bodyPr>
+            <a:lstStyle/>
+            <a:p>
+              <a:pPr>
+                <a:lnSpc>
+                  <a:spcPct val="90000"/>
+                </a:lnSpc>
+                <a:spcAft>
+                  <a:spcPts val="588"/>
+                </a:spcAft>
+              </a:pPr>
+              <a:r>
+                <a:rPr lang="en-US" sz="2000" dirty="0">
+                  <a:solidFill>
+                    <a:schemeClr val="accent6">
+                      <a:lumMod val="75000"/>
+                    </a:schemeClr>
+                  </a:solidFill>
+                </a:rPr>
+                <a:t>send event</a:t>
+              </a:r>
+            </a:p>
+          </p:txBody>
+        </p:sp>
+      </p:grpSp>
+      <p:grpSp>
+        <p:nvGrpSpPr>
+          <p:cNvPr id="64" name="Group 63"/>
+          <p:cNvGrpSpPr/>
+          <p:nvPr/>
+        </p:nvGrpSpPr>
+        <p:grpSpPr>
+          <a:xfrm>
+            <a:off x="8144799" y="2451837"/>
+            <a:ext cx="1759693" cy="920628"/>
+            <a:chOff x="8144799" y="2466585"/>
+            <a:chExt cx="1759693" cy="920628"/>
+          </a:xfrm>
+        </p:grpSpPr>
+        <p:grpSp>
+          <p:nvGrpSpPr>
+            <p:cNvPr id="39" name="Group 38"/>
+            <p:cNvGrpSpPr/>
+            <p:nvPr/>
+          </p:nvGrpSpPr>
+          <p:grpSpPr>
+            <a:xfrm>
+              <a:off x="8144799" y="2466585"/>
+              <a:ext cx="950040" cy="920628"/>
+              <a:chOff x="1821426" y="2813237"/>
+              <a:chExt cx="1900084" cy="920628"/>
+            </a:xfrm>
+          </p:grpSpPr>
+          <p:cxnSp>
+            <p:nvCxnSpPr>
+              <p:cNvPr id="40" name="Straight Arrow Connector 39"/>
+              <p:cNvCxnSpPr>
+                <a:stCxn id="41" idx="2"/>
+              </p:cNvCxnSpPr>
+              <p:nvPr/>
+            </p:nvCxnSpPr>
+            <p:spPr>
+              <a:xfrm flipH="1">
+                <a:off x="2384319" y="3033252"/>
+                <a:ext cx="387149" cy="700613"/>
+              </a:xfrm>
+              <a:prstGeom prst="straightConnector1">
+                <a:avLst/>
+              </a:prstGeom>
+              <a:ln>
+                <a:solidFill>
+                  <a:schemeClr val="bg2">
+                    <a:lumMod val="50000"/>
+                  </a:schemeClr>
+                </a:solidFill>
+                <a:tailEnd type="triangle"/>
+              </a:ln>
+            </p:spPr>
+            <p:style>
+              <a:lnRef idx="3">
+                <a:schemeClr val="accent2"/>
+              </a:lnRef>
+              <a:fillRef idx="0">
+                <a:schemeClr val="accent2"/>
+              </a:fillRef>
+              <a:effectRef idx="2">
+                <a:schemeClr val="accent2"/>
+              </a:effectRef>
+              <a:fontRef idx="minor">
+                <a:schemeClr val="tx1"/>
+              </a:fontRef>
+            </p:style>
+          </p:cxnSp>
+          <p:sp>
+            <p:nvSpPr>
+              <p:cNvPr id="41" name="Rectangle 40"/>
+              <p:cNvSpPr/>
+              <p:nvPr/>
+            </p:nvSpPr>
+            <p:spPr>
+              <a:xfrm>
+                <a:off x="1821426" y="2813237"/>
+                <a:ext cx="1900084" cy="220015"/>
+              </a:xfrm>
+              <a:prstGeom prst="rect">
+                <a:avLst/>
+              </a:prstGeom>
+              <a:noFill/>
+              <a:ln w="19050">
+                <a:solidFill>
+                  <a:schemeClr val="bg2">
+                    <a:lumMod val="50000"/>
+                  </a:schemeClr>
+                </a:solidFill>
+              </a:ln>
+            </p:spPr>
+            <p:style>
+              <a:lnRef idx="2">
+                <a:schemeClr val="accent2"/>
+              </a:lnRef>
+              <a:fillRef idx="1">
+                <a:schemeClr val="lt1"/>
+              </a:fillRef>
+              <a:effectRef idx="0">
+                <a:schemeClr val="accent2"/>
+              </a:effectRef>
+              <a:fontRef idx="minor">
+                <a:schemeClr val="dk1"/>
+              </a:fontRef>
+            </p:style>
+            <p:txBody>
+              <a:bodyPr rtlCol="0" anchor="ctr"/>
+              <a:lstStyle/>
+              <a:p>
+                <a:pPr algn="ctr"/>
+                <a:endParaRPr lang="en-GB" dirty="0"/>
+              </a:p>
+            </p:txBody>
+          </p:sp>
+        </p:grpSp>
+        <p:sp>
+          <p:nvSpPr>
+            <p:cNvPr id="56" name="TextBox 55"/>
+            <p:cNvSpPr txBox="1"/>
+            <p:nvPr/>
+          </p:nvSpPr>
+          <p:spPr>
+            <a:xfrm>
+              <a:off x="8515216" y="2753578"/>
+              <a:ext cx="1389276" cy="566656"/>
+            </a:xfrm>
+            <a:prstGeom prst="rect">
+              <a:avLst/>
+            </a:prstGeom>
+            <a:noFill/>
+            <a:ln>
+              <a:noFill/>
+            </a:ln>
+          </p:spPr>
+          <p:txBody>
+            <a:bodyPr wrap="none" lIns="179285" tIns="143428" rIns="179285" bIns="143428" rtlCol="0">
+              <a:spAutoFit/>
+            </a:bodyPr>
+            <a:lstStyle/>
+            <a:p>
+              <a:pPr>
+                <a:lnSpc>
+                  <a:spcPct val="90000"/>
+                </a:lnSpc>
+                <a:spcAft>
+                  <a:spcPts val="588"/>
+                </a:spcAft>
+              </a:pPr>
+              <a:r>
+                <a:rPr lang="en-US" sz="2000" dirty="0">
+                  <a:solidFill>
+                    <a:schemeClr val="bg2">
+                      <a:lumMod val="50000"/>
+                    </a:schemeClr>
+                  </a:solidFill>
+                </a:rPr>
+                <a:t>transition</a:t>
+              </a:r>
+            </a:p>
+          </p:txBody>
+        </p:sp>
+      </p:grpSp>
+      <p:grpSp>
+        <p:nvGrpSpPr>
+          <p:cNvPr id="63" name="Group 62"/>
+          <p:cNvGrpSpPr/>
+          <p:nvPr/>
+        </p:nvGrpSpPr>
+        <p:grpSpPr>
+          <a:xfrm>
+            <a:off x="7616006" y="4173630"/>
+            <a:ext cx="3627917" cy="978474"/>
+            <a:chOff x="7616006" y="4188378"/>
+            <a:chExt cx="3627917" cy="978474"/>
+          </a:xfrm>
+        </p:grpSpPr>
+        <p:grpSp>
+          <p:nvGrpSpPr>
+            <p:cNvPr id="35" name="Group 34"/>
+            <p:cNvGrpSpPr/>
+            <p:nvPr/>
+          </p:nvGrpSpPr>
+          <p:grpSpPr>
+            <a:xfrm>
+              <a:off x="7616006" y="4396114"/>
+              <a:ext cx="1900084" cy="770738"/>
+              <a:chOff x="1821426" y="2813237"/>
+              <a:chExt cx="1900084" cy="770738"/>
+            </a:xfrm>
+          </p:grpSpPr>
+          <p:cxnSp>
+            <p:nvCxnSpPr>
+              <p:cNvPr id="36" name="Straight Arrow Connector 35"/>
+              <p:cNvCxnSpPr>
+                <a:stCxn id="37" idx="2"/>
+              </p:cNvCxnSpPr>
+              <p:nvPr/>
+            </p:nvCxnSpPr>
+            <p:spPr>
+              <a:xfrm flipH="1">
+                <a:off x="2710323" y="3033252"/>
+                <a:ext cx="61145" cy="550723"/>
+              </a:xfrm>
+              <a:prstGeom prst="straightConnector1">
+                <a:avLst/>
+              </a:prstGeom>
+              <a:ln>
+                <a:prstDash val="sysDash"/>
+                <a:tailEnd type="triangle"/>
+              </a:ln>
+            </p:spPr>
+            <p:style>
+              <a:lnRef idx="3">
+                <a:schemeClr val="accent2"/>
+              </a:lnRef>
+              <a:fillRef idx="0">
+                <a:schemeClr val="accent2"/>
+              </a:fillRef>
+              <a:effectRef idx="2">
+                <a:schemeClr val="accent2"/>
+              </a:effectRef>
+              <a:fontRef idx="minor">
+                <a:schemeClr val="tx1"/>
+              </a:fontRef>
+            </p:style>
+          </p:cxnSp>
+          <p:sp>
+            <p:nvSpPr>
+              <p:cNvPr id="37" name="Rectangle 36"/>
+              <p:cNvSpPr/>
+              <p:nvPr/>
+            </p:nvSpPr>
+            <p:spPr>
+              <a:xfrm>
+                <a:off x="1821426" y="2813237"/>
+                <a:ext cx="1900084" cy="220015"/>
+              </a:xfrm>
+              <a:prstGeom prst="rect">
+                <a:avLst/>
+              </a:prstGeom>
+              <a:noFill/>
+              <a:ln w="19050">
+                <a:prstDash val="sysDash"/>
+              </a:ln>
+            </p:spPr>
+            <p:style>
+              <a:lnRef idx="2">
+                <a:schemeClr val="accent2"/>
+              </a:lnRef>
+              <a:fillRef idx="1">
+                <a:schemeClr val="lt1"/>
+              </a:fillRef>
+              <a:effectRef idx="0">
+                <a:schemeClr val="accent2"/>
+              </a:effectRef>
+              <a:fontRef idx="minor">
+                <a:schemeClr val="dk1"/>
+              </a:fontRef>
+            </p:style>
+            <p:txBody>
+              <a:bodyPr rtlCol="0" anchor="ctr"/>
+              <a:lstStyle/>
+              <a:p>
+                <a:pPr algn="ctr"/>
+                <a:endParaRPr lang="en-GB" dirty="0"/>
+              </a:p>
+            </p:txBody>
+          </p:sp>
+        </p:grpSp>
+        <p:sp>
+          <p:nvSpPr>
+            <p:cNvPr id="57" name="TextBox 56"/>
+            <p:cNvSpPr txBox="1"/>
+            <p:nvPr/>
+          </p:nvSpPr>
+          <p:spPr>
+            <a:xfrm>
+              <a:off x="9507180" y="4188378"/>
+              <a:ext cx="1736743" cy="566656"/>
+            </a:xfrm>
+            <a:prstGeom prst="rect">
+              <a:avLst/>
+            </a:prstGeom>
+            <a:noFill/>
+            <a:ln>
+              <a:noFill/>
+            </a:ln>
+          </p:spPr>
+          <p:txBody>
+            <a:bodyPr wrap="none" lIns="179285" tIns="143428" rIns="179285" bIns="143428" rtlCol="0">
+              <a:spAutoFit/>
+            </a:bodyPr>
+            <a:lstStyle/>
+            <a:p>
+              <a:pPr>
+                <a:lnSpc>
+                  <a:spcPct val="90000"/>
+                </a:lnSpc>
+                <a:spcAft>
+                  <a:spcPts val="588"/>
+                </a:spcAft>
+              </a:pPr>
+              <a:r>
+                <a:rPr lang="en-US" sz="2000" dirty="0">
+                  <a:solidFill>
+                    <a:schemeClr val="accent2">
+                      <a:lumMod val="75000"/>
+                    </a:schemeClr>
+                  </a:solidFill>
+                </a:rPr>
+                <a:t>partial action</a:t>
+              </a:r>
+            </a:p>
+          </p:txBody>
+        </p:sp>
+      </p:grpSp>
+      <p:grpSp>
+        <p:nvGrpSpPr>
+          <p:cNvPr id="61" name="Group 60"/>
+          <p:cNvGrpSpPr/>
+          <p:nvPr/>
+        </p:nvGrpSpPr>
+        <p:grpSpPr>
+          <a:xfrm>
+            <a:off x="1590983" y="4369077"/>
+            <a:ext cx="2711395" cy="842020"/>
+            <a:chOff x="1590983" y="4369077"/>
+            <a:chExt cx="2711395" cy="842020"/>
+          </a:xfrm>
+        </p:grpSpPr>
+        <p:grpSp>
+          <p:nvGrpSpPr>
+            <p:cNvPr id="27" name="Group 26"/>
+            <p:cNvGrpSpPr/>
+            <p:nvPr/>
+          </p:nvGrpSpPr>
+          <p:grpSpPr>
+            <a:xfrm>
+              <a:off x="1590983" y="4787578"/>
+              <a:ext cx="1900084" cy="423519"/>
+              <a:chOff x="1821426" y="2813237"/>
+              <a:chExt cx="1900084" cy="423519"/>
+            </a:xfrm>
+          </p:grpSpPr>
+          <p:cxnSp>
+            <p:nvCxnSpPr>
+              <p:cNvPr id="28" name="Straight Arrow Connector 27"/>
+              <p:cNvCxnSpPr>
+                <a:stCxn id="29" idx="2"/>
+              </p:cNvCxnSpPr>
+              <p:nvPr/>
+            </p:nvCxnSpPr>
+            <p:spPr>
+              <a:xfrm flipH="1">
+                <a:off x="2255888" y="3033252"/>
+                <a:ext cx="515580" cy="203504"/>
+              </a:xfrm>
+              <a:prstGeom prst="straightConnector1">
+                <a:avLst/>
+              </a:prstGeom>
+              <a:ln>
+                <a:solidFill>
+                  <a:srgbClr val="7030A0"/>
+                </a:solidFill>
+                <a:tailEnd type="triangle"/>
+              </a:ln>
+            </p:spPr>
+            <p:style>
+              <a:lnRef idx="3">
+                <a:schemeClr val="accent2"/>
+              </a:lnRef>
+              <a:fillRef idx="0">
+                <a:schemeClr val="accent2"/>
+              </a:fillRef>
+              <a:effectRef idx="2">
+                <a:schemeClr val="accent2"/>
+              </a:effectRef>
+              <a:fontRef idx="minor">
+                <a:schemeClr val="tx1"/>
+              </a:fontRef>
+            </p:style>
+          </p:cxnSp>
+          <p:sp>
+            <p:nvSpPr>
+              <p:cNvPr id="29" name="Rectangle 28"/>
+              <p:cNvSpPr/>
+              <p:nvPr/>
+            </p:nvSpPr>
+            <p:spPr>
+              <a:xfrm>
+                <a:off x="1821426" y="2813237"/>
+                <a:ext cx="1900084" cy="220015"/>
+              </a:xfrm>
+              <a:prstGeom prst="rect">
+                <a:avLst/>
+              </a:prstGeom>
+              <a:noFill/>
+              <a:ln w="19050">
+                <a:solidFill>
+                  <a:srgbClr val="7030A0"/>
+                </a:solidFill>
+              </a:ln>
+            </p:spPr>
+            <p:style>
+              <a:lnRef idx="2">
+                <a:schemeClr val="accent2"/>
+              </a:lnRef>
+              <a:fillRef idx="1">
+                <a:schemeClr val="lt1"/>
+              </a:fillRef>
+              <a:effectRef idx="0">
+                <a:schemeClr val="accent2"/>
+              </a:effectRef>
+              <a:fontRef idx="minor">
+                <a:schemeClr val="dk1"/>
+              </a:fontRef>
+            </p:style>
+            <p:txBody>
+              <a:bodyPr rtlCol="0" anchor="ctr"/>
+              <a:lstStyle/>
+              <a:p>
+                <a:pPr algn="ctr"/>
+                <a:endParaRPr lang="en-GB" dirty="0"/>
+              </a:p>
+            </p:txBody>
+          </p:sp>
+        </p:grpSp>
+        <p:sp>
+          <p:nvSpPr>
+            <p:cNvPr id="58" name="TextBox 57"/>
+            <p:cNvSpPr txBox="1"/>
+            <p:nvPr/>
+          </p:nvSpPr>
+          <p:spPr>
+            <a:xfrm>
+              <a:off x="2555760" y="4369077"/>
+              <a:ext cx="1746618" cy="566656"/>
+            </a:xfrm>
+            <a:prstGeom prst="rect">
+              <a:avLst/>
+            </a:prstGeom>
+            <a:noFill/>
+          </p:spPr>
+          <p:txBody>
+            <a:bodyPr wrap="none" lIns="179285" tIns="143428" rIns="179285" bIns="143428" rtlCol="0">
+              <a:spAutoFit/>
+            </a:bodyPr>
+            <a:lstStyle/>
+            <a:p>
+              <a:pPr>
+                <a:lnSpc>
+                  <a:spcPct val="90000"/>
+                </a:lnSpc>
+                <a:spcAft>
+                  <a:spcPts val="588"/>
+                </a:spcAft>
+              </a:pPr>
+              <a:r>
+                <a:rPr lang="en-US" sz="2000" dirty="0">
+                  <a:solidFill>
+                    <a:srgbClr val="7030A0"/>
+                  </a:solidFill>
+                </a:rPr>
+                <a:t>invoke action</a:t>
+              </a:r>
+            </a:p>
+          </p:txBody>
+        </p:sp>
+      </p:grpSp>
+      <p:grpSp>
+        <p:nvGrpSpPr>
+          <p:cNvPr id="66" name="Group 65"/>
+          <p:cNvGrpSpPr/>
+          <p:nvPr/>
+        </p:nvGrpSpPr>
+        <p:grpSpPr>
+          <a:xfrm>
+            <a:off x="1590983" y="4066092"/>
+            <a:ext cx="6230578" cy="1793176"/>
+            <a:chOff x="1590983" y="4066092"/>
+            <a:chExt cx="6230578" cy="1793176"/>
+          </a:xfrm>
+        </p:grpSpPr>
+        <p:grpSp>
+          <p:nvGrpSpPr>
+            <p:cNvPr id="48" name="Group 47"/>
+            <p:cNvGrpSpPr/>
+            <p:nvPr/>
+          </p:nvGrpSpPr>
+          <p:grpSpPr>
+            <a:xfrm>
+              <a:off x="1590983" y="4066092"/>
+              <a:ext cx="6230578" cy="1793176"/>
+              <a:chOff x="1821426" y="1240076"/>
+              <a:chExt cx="8808852" cy="1793176"/>
+            </a:xfrm>
+          </p:grpSpPr>
+          <p:cxnSp>
+            <p:nvCxnSpPr>
+              <p:cNvPr id="49" name="Straight Arrow Connector 48"/>
+              <p:cNvCxnSpPr>
+                <a:stCxn id="50" idx="3"/>
+              </p:cNvCxnSpPr>
+              <p:nvPr/>
+            </p:nvCxnSpPr>
+            <p:spPr>
+              <a:xfrm flipV="1">
+                <a:off x="3721510" y="1240076"/>
+                <a:ext cx="6908768" cy="1683169"/>
+              </a:xfrm>
+              <a:prstGeom prst="straightConnector1">
+                <a:avLst/>
+              </a:prstGeom>
+              <a:ln>
+                <a:solidFill>
+                  <a:schemeClr val="accent6">
+                    <a:lumMod val="50000"/>
+                  </a:schemeClr>
+                </a:solidFill>
+                <a:tailEnd type="triangle"/>
+              </a:ln>
+            </p:spPr>
+            <p:style>
+              <a:lnRef idx="3">
+                <a:schemeClr val="accent2"/>
+              </a:lnRef>
+              <a:fillRef idx="0">
+                <a:schemeClr val="accent2"/>
+              </a:fillRef>
+              <a:effectRef idx="2">
+                <a:schemeClr val="accent2"/>
+              </a:effectRef>
+              <a:fontRef idx="minor">
+                <a:schemeClr val="tx1"/>
+              </a:fontRef>
+            </p:style>
+          </p:cxnSp>
+          <p:sp>
+            <p:nvSpPr>
+              <p:cNvPr id="50" name="Rectangle 49"/>
+              <p:cNvSpPr/>
+              <p:nvPr/>
+            </p:nvSpPr>
+            <p:spPr>
+              <a:xfrm>
+                <a:off x="1821426" y="2813237"/>
+                <a:ext cx="1900084" cy="220015"/>
+              </a:xfrm>
+              <a:prstGeom prst="rect">
+                <a:avLst/>
+              </a:prstGeom>
+              <a:noFill/>
+              <a:ln w="19050">
+                <a:solidFill>
+                  <a:schemeClr val="accent6">
+                    <a:lumMod val="50000"/>
+                  </a:schemeClr>
+                </a:solidFill>
+              </a:ln>
+            </p:spPr>
+            <p:style>
+              <a:lnRef idx="2">
+                <a:schemeClr val="accent2"/>
+              </a:lnRef>
+              <a:fillRef idx="1">
+                <a:schemeClr val="lt1"/>
+              </a:fillRef>
+              <a:effectRef idx="0">
+                <a:schemeClr val="accent2"/>
+              </a:effectRef>
+              <a:fontRef idx="minor">
+                <a:schemeClr val="dk1"/>
+              </a:fontRef>
+            </p:style>
+            <p:txBody>
+              <a:bodyPr rtlCol="0" anchor="ctr"/>
+              <a:lstStyle/>
+              <a:p>
+                <a:pPr algn="ctr"/>
+                <a:endParaRPr lang="en-GB" dirty="0"/>
+              </a:p>
+            </p:txBody>
+          </p:sp>
+        </p:grpSp>
+        <p:sp>
+          <p:nvSpPr>
+            <p:cNvPr id="65" name="TextBox 64"/>
+            <p:cNvSpPr txBox="1"/>
+            <p:nvPr/>
+          </p:nvSpPr>
+          <p:spPr>
+            <a:xfrm rot="20492357">
+              <a:off x="5564079" y="4130497"/>
+              <a:ext cx="1522902" cy="566656"/>
+            </a:xfrm>
+            <a:prstGeom prst="rect">
+              <a:avLst/>
+            </a:prstGeom>
+            <a:noFill/>
+            <a:ln>
+              <a:noFill/>
+            </a:ln>
+          </p:spPr>
+          <p:txBody>
+            <a:bodyPr wrap="none" lIns="179285" tIns="143428" rIns="179285" bIns="143428" rtlCol="0">
+              <a:spAutoFit/>
+            </a:bodyPr>
+            <a:lstStyle/>
+            <a:p>
+              <a:pPr>
+                <a:lnSpc>
+                  <a:spcPct val="90000"/>
+                </a:lnSpc>
+                <a:spcAft>
+                  <a:spcPts val="588"/>
+                </a:spcAft>
+              </a:pPr>
+              <a:r>
+                <a:rPr lang="en-US" sz="2000" dirty="0">
+                  <a:solidFill>
+                    <a:schemeClr val="accent6">
+                      <a:lumMod val="75000"/>
+                    </a:schemeClr>
+                  </a:solidFill>
+                </a:rPr>
+                <a:t>send event</a:t>
+              </a:r>
+            </a:p>
+          </p:txBody>
+        </p:sp>
+      </p:grpSp>
+    </p:spTree>
+    <p:extLst>
+      <p:ext uri="{BB962C8B-B14F-4D97-AF65-F5344CB8AC3E}">
+        <p14:creationId xmlns:p14="http://schemas.microsoft.com/office/powerpoint/2010/main" val="3367925017"/>
+      </p:ext>
+    </p:extLst>
+  </p:cSld>
+  <p:clrMapOvr>
+    <a:masterClrMapping/>
+  </p:clrMapOvr>
+  <p:timing>
+    <p:tnLst>
+      <p:par>
+        <p:cTn id="1" dur="indefinite" restart="never" nodeType="tmRoot">
+          <p:childTnLst>
+            <p:seq concurrent="1" nextAc="seek">
+              <p:cTn id="2" dur="indefinite" nodeType="mainSeq">
+                <p:childTnLst>
+                  <p:par>
+                    <p:cTn id="3" fill="hold">
+                      <p:stCondLst>
+                        <p:cond delay="indefinite"/>
+                      </p:stCondLst>
+                      <p:childTnLst>
+                        <p:par>
+                          <p:cTn id="4" fill="hold">
+                            <p:stCondLst>
+                              <p:cond delay="0"/>
+                            </p:stCondLst>
+                            <p:childTnLst>
+                              <p:par>
+                                <p:cTn id="5" presetID="1" presetClass="entr" presetSubtype="0" fill="hold" nodeType="clickEffect">
+                                  <p:stCondLst>
+                                    <p:cond delay="0"/>
+                                  </p:stCondLst>
+                                  <p:childTnLst>
+                                    <p:set>
+                                      <p:cBhvr>
+                                        <p:cTn id="6" dur="1" fill="hold">
+                                          <p:stCondLst>
+                                            <p:cond delay="0"/>
+                                          </p:stCondLst>
+                                        </p:cTn>
+                                        <p:tgtEl>
+                                          <p:spTgt spid="60"/>
+                                        </p:tgtEl>
+                                        <p:attrNameLst>
+                                          <p:attrName>style.visibility</p:attrName>
+                                        </p:attrNameLst>
+                                      </p:cBhvr>
+                                      <p:to>
+                                        <p:strVal val="visible"/>
+                                      </p:to>
+                                    </p:set>
+                                  </p:childTnLst>
+                                </p:cTn>
+                              </p:par>
+                            </p:childTnLst>
+                          </p:cTn>
+                        </p:par>
+                      </p:childTnLst>
+                    </p:cTn>
+                  </p:par>
+                  <p:par>
+                    <p:cTn id="7" fill="hold">
+                      <p:stCondLst>
+                        <p:cond delay="indefinite"/>
+                      </p:stCondLst>
+                      <p:childTnLst>
+                        <p:par>
+                          <p:cTn id="8" fill="hold">
+                            <p:stCondLst>
+                              <p:cond delay="0"/>
+                            </p:stCondLst>
+                            <p:childTnLst>
+                              <p:par>
+                                <p:cTn id="9" presetID="1" presetClass="entr" presetSubtype="0" fill="hold" nodeType="clickEffect">
+                                  <p:stCondLst>
+                                    <p:cond delay="0"/>
+                                  </p:stCondLst>
+                                  <p:childTnLst>
+                                    <p:set>
+                                      <p:cBhvr>
+                                        <p:cTn id="10" dur="1" fill="hold">
+                                          <p:stCondLst>
+                                            <p:cond delay="0"/>
+                                          </p:stCondLst>
+                                        </p:cTn>
+                                        <p:tgtEl>
+                                          <p:spTgt spid="59"/>
+                                        </p:tgtEl>
+                                        <p:attrNameLst>
+                                          <p:attrName>style.visibility</p:attrName>
+                                        </p:attrNameLst>
+                                      </p:cBhvr>
+                                      <p:to>
+                                        <p:strVal val="visible"/>
+                                      </p:to>
+                                    </p:set>
+                                  </p:childTnLst>
+                                </p:cTn>
+                              </p:par>
+                            </p:childTnLst>
+                          </p:cTn>
+                        </p:par>
+                      </p:childTnLst>
+                    </p:cTn>
+                  </p:par>
+                  <p:par>
+                    <p:cTn id="11" fill="hold">
+                      <p:stCondLst>
+                        <p:cond delay="indefinite"/>
+                      </p:stCondLst>
+                      <p:childTnLst>
+                        <p:par>
+                          <p:cTn id="12" fill="hold">
+                            <p:stCondLst>
+                              <p:cond delay="0"/>
+                            </p:stCondLst>
+                            <p:childTnLst>
+                              <p:par>
+                                <p:cTn id="13" presetID="1" presetClass="entr" presetSubtype="0" fill="hold" nodeType="clickEffect">
+                                  <p:stCondLst>
+                                    <p:cond delay="0"/>
+                                  </p:stCondLst>
+                                  <p:childTnLst>
+                                    <p:set>
+                                      <p:cBhvr>
+                                        <p:cTn id="14" dur="1" fill="hold">
+                                          <p:stCondLst>
+                                            <p:cond delay="0"/>
+                                          </p:stCondLst>
+                                        </p:cTn>
+                                        <p:tgtEl>
+                                          <p:spTgt spid="64"/>
+                                        </p:tgtEl>
+                                        <p:attrNameLst>
+                                          <p:attrName>style.visibility</p:attrName>
+                                        </p:attrNameLst>
+                                      </p:cBhvr>
+                                      <p:to>
+                                        <p:strVal val="visible"/>
+                                      </p:to>
+                                    </p:set>
+                                  </p:childTnLst>
+                                </p:cTn>
+                              </p:par>
+                            </p:childTnLst>
+                          </p:cTn>
+                        </p:par>
+                      </p:childTnLst>
+                    </p:cTn>
+                  </p:par>
+                  <p:par>
+                    <p:cTn id="15" fill="hold">
+                      <p:stCondLst>
+                        <p:cond delay="indefinite"/>
+                      </p:stCondLst>
+                      <p:childTnLst>
+                        <p:par>
+                          <p:cTn id="16" fill="hold">
+                            <p:stCondLst>
+                              <p:cond delay="0"/>
+                            </p:stCondLst>
+                            <p:childTnLst>
+                              <p:par>
+                                <p:cTn id="17" presetID="1" presetClass="entr" presetSubtype="0" fill="hold" nodeType="clickEffect">
+                                  <p:stCondLst>
+                                    <p:cond delay="0"/>
+                                  </p:stCondLst>
+                                  <p:childTnLst>
+                                    <p:set>
+                                      <p:cBhvr>
+                                        <p:cTn id="18" dur="1" fill="hold">
+                                          <p:stCondLst>
+                                            <p:cond delay="0"/>
+                                          </p:stCondLst>
+                                        </p:cTn>
+                                        <p:tgtEl>
+                                          <p:spTgt spid="32"/>
+                                        </p:tgtEl>
+                                        <p:attrNameLst>
+                                          <p:attrName>style.visibility</p:attrName>
+                                        </p:attrNameLst>
+                                      </p:cBhvr>
+                                      <p:to>
+                                        <p:strVal val="visible"/>
+                                      </p:to>
+                                    </p:set>
+                                  </p:childTnLst>
+                                </p:cTn>
+                              </p:par>
+                            </p:childTnLst>
+                          </p:cTn>
+                        </p:par>
+                      </p:childTnLst>
+                    </p:cTn>
+                  </p:par>
+                  <p:par>
+                    <p:cTn id="19" fill="hold">
+                      <p:stCondLst>
+                        <p:cond delay="indefinite"/>
+                      </p:stCondLst>
+                      <p:childTnLst>
+                        <p:par>
+                          <p:cTn id="20" fill="hold">
+                            <p:stCondLst>
+                              <p:cond delay="0"/>
+                            </p:stCondLst>
+                            <p:childTnLst>
+                              <p:par>
+                                <p:cTn id="21" presetID="1" presetClass="entr" presetSubtype="0" fill="hold" nodeType="clickEffect">
+                                  <p:stCondLst>
+                                    <p:cond delay="0"/>
+                                  </p:stCondLst>
+                                  <p:childTnLst>
+                                    <p:set>
+                                      <p:cBhvr>
+                                        <p:cTn id="22" dur="1" fill="hold">
+                                          <p:stCondLst>
+                                            <p:cond delay="0"/>
+                                          </p:stCondLst>
+                                        </p:cTn>
+                                        <p:tgtEl>
+                                          <p:spTgt spid="63"/>
+                                        </p:tgtEl>
+                                        <p:attrNameLst>
+                                          <p:attrName>style.visibility</p:attrName>
+                                        </p:attrNameLst>
+                                      </p:cBhvr>
+                                      <p:to>
+                                        <p:strVal val="visible"/>
+                                      </p:to>
+                                    </p:set>
+                                  </p:childTnLst>
+                                </p:cTn>
+                              </p:par>
+                            </p:childTnLst>
+                          </p:cTn>
+                        </p:par>
+                      </p:childTnLst>
+                    </p:cTn>
+                  </p:par>
+                  <p:par>
+                    <p:cTn id="23" fill="hold">
+                      <p:stCondLst>
+                        <p:cond delay="indefinite"/>
+                      </p:stCondLst>
+                      <p:childTnLst>
+                        <p:par>
+                          <p:cTn id="24" fill="hold">
+                            <p:stCondLst>
+                              <p:cond delay="0"/>
+                            </p:stCondLst>
+                            <p:childTnLst>
+                              <p:par>
+                                <p:cTn id="25" presetID="1" presetClass="entr" presetSubtype="0" fill="hold" nodeType="clickEffect">
+                                  <p:stCondLst>
+                                    <p:cond delay="0"/>
+                                  </p:stCondLst>
+                                  <p:childTnLst>
+                                    <p:set>
+                                      <p:cBhvr>
+                                        <p:cTn id="26" dur="1" fill="hold">
+                                          <p:stCondLst>
+                                            <p:cond delay="0"/>
+                                          </p:stCondLst>
+                                        </p:cTn>
+                                        <p:tgtEl>
+                                          <p:spTgt spid="62"/>
+                                        </p:tgtEl>
+                                        <p:attrNameLst>
+                                          <p:attrName>style.visibility</p:attrName>
+                                        </p:attrNameLst>
+                                      </p:cBhvr>
+                                      <p:to>
+                                        <p:strVal val="visible"/>
+                                      </p:to>
+                                    </p:set>
+                                  </p:childTnLst>
+                                </p:cTn>
+                              </p:par>
+                            </p:childTnLst>
+                          </p:cTn>
+                        </p:par>
+                      </p:childTnLst>
+                    </p:cTn>
+                  </p:par>
+                  <p:par>
+                    <p:cTn id="27" fill="hold">
+                      <p:stCondLst>
+                        <p:cond delay="indefinite"/>
+                      </p:stCondLst>
+                      <p:childTnLst>
+                        <p:par>
+                          <p:cTn id="28" fill="hold">
+                            <p:stCondLst>
+                              <p:cond delay="0"/>
+                            </p:stCondLst>
+                            <p:childTnLst>
+                              <p:par>
+                                <p:cTn id="29" presetID="1" presetClass="entr" presetSubtype="0" fill="hold" nodeType="clickEffect">
+                                  <p:stCondLst>
+                                    <p:cond delay="0"/>
+                                  </p:stCondLst>
+                                  <p:childTnLst>
+                                    <p:set>
+                                      <p:cBhvr>
+                                        <p:cTn id="30" dur="1" fill="hold">
+                                          <p:stCondLst>
+                                            <p:cond delay="0"/>
+                                          </p:stCondLst>
+                                        </p:cTn>
+                                        <p:tgtEl>
+                                          <p:spTgt spid="61"/>
+                                        </p:tgtEl>
+                                        <p:attrNameLst>
+                                          <p:attrName>style.visibility</p:attrName>
+                                        </p:attrNameLst>
+                                      </p:cBhvr>
+                                      <p:to>
+                                        <p:strVal val="visible"/>
+                                      </p:to>
+                                    </p:set>
+                                  </p:childTnLst>
+                                </p:cTn>
+                              </p:par>
+                            </p:childTnLst>
+                          </p:cTn>
+                        </p:par>
+                      </p:childTnLst>
+                    </p:cTn>
+                  </p:par>
+                </p:childTnLst>
+              </p:cTn>
+              <p:prevCondLst>
+                <p:cond evt="onPrev" delay="0">
+                  <p:tgtEl>
+                    <p:sldTgt/>
+                  </p:tgtEl>
+                </p:cond>
+              </p:prevCondLst>
+              <p:nextCondLst>
+                <p:cond evt="onNext" delay="0">
+                  <p:tgtEl>
+                    <p:sldTgt/>
+                  </p:tgtEl>
+                </p:cond>
+              </p:nextCondLst>
+            </p:seq>
+          </p:childTnLst>
+        </p:cTn>
+      </p:par>
+    </p:tnLst>
+  </p:timing>
+</p:sld>
+</file>
+
+<file path=ppt/slides/slide16.xml><?xml version="1.0" encoding="utf-8"?>
+<p:sld xmlns:a="http://schemas.openxmlformats.org/drawingml/2006/main" xmlns:r="http://schemas.openxmlformats.org/officeDocument/2006/relationships" xmlns:p="http://schemas.openxmlformats.org/presentationml/2006/main">
+  <p:cSld>
+    <p:spTree>
+      <p:nvGrpSpPr>
+        <p:cNvPr id="1" name=""/>
+        <p:cNvGrpSpPr/>
+        <p:nvPr/>
+      </p:nvGrpSpPr>
+      <p:grpSpPr>
+        <a:xfrm>
+          <a:off x="0" y="0"/>
+          <a:ext cx="0" cy="0"/>
+          <a:chOff x="0" y="0"/>
+          <a:chExt cx="0" cy="0"/>
+        </a:xfrm>
+      </p:grpSpPr>
+      <p:sp>
+        <p:nvSpPr>
+          <p:cNvPr id="2" name="Title 1"/>
+          <p:cNvSpPr>
+            <a:spLocks noGrp="1"/>
+          </p:cNvSpPr>
+          <p:nvPr>
+            <p:ph type="title"/>
+          </p:nvPr>
+        </p:nvSpPr>
+        <p:spPr>
+          <a:xfrm>
+            <a:off x="838200" y="159179"/>
+            <a:ext cx="10515600" cy="1325563"/>
+          </a:xfrm>
+        </p:spPr>
+        <p:txBody>
+          <a:bodyPr/>
+          <a:lstStyle/>
+          <a:p>
+            <a:r>
+              <a:rPr lang="en-US" dirty="0"/>
+              <a:t>Screenshot: C# IntelliSense picks up P# types</a:t>
+            </a:r>
+          </a:p>
+        </p:txBody>
+      </p:sp>
+      <p:pic>
+        <p:nvPicPr>
+          <p:cNvPr id="4" name="Content Placeholder 3"/>
+          <p:cNvPicPr>
+            <a:picLocks noGrp="1" noChangeAspect="1"/>
+          </p:cNvPicPr>
+          <p:nvPr>
+            <p:ph idx="1"/>
+          </p:nvPr>
+        </p:nvPicPr>
+        <p:blipFill>
+          <a:blip r:embed="rId2" cstate="print">
+            <a:extLst>
+              <a:ext uri="{28A0092B-C50C-407E-A947-70E740481C1C}">
+                <a14:useLocalDpi xmlns:a14="http://schemas.microsoft.com/office/drawing/2010/main" val="0"/>
+              </a:ext>
+            </a:extLst>
+          </a:blip>
+          <a:stretch>
+            <a:fillRect/>
+          </a:stretch>
+        </p:blipFill>
+        <p:spPr>
+          <a:xfrm>
+            <a:off x="838200" y="1295270"/>
+            <a:ext cx="9692008" cy="5451755"/>
+          </a:xfrm>
+        </p:spPr>
+      </p:pic>
+      <p:sp>
+        <p:nvSpPr>
+          <p:cNvPr id="5" name="Rectangle 4"/>
+          <p:cNvSpPr/>
+          <p:nvPr/>
+        </p:nvSpPr>
+        <p:spPr>
+          <a:xfrm>
+            <a:off x="7232822" y="3822357"/>
+            <a:ext cx="1392194" cy="280086"/>
+          </a:xfrm>
+          <a:prstGeom prst="rect">
+            <a:avLst/>
+          </a:prstGeom>
+          <a:noFill/>
+          <a:ln w="50800">
+            <a:solidFill>
+              <a:srgbClr val="FF0000"/>
+            </a:solidFill>
+          </a:ln>
+        </p:spPr>
+        <p:style>
+          <a:lnRef idx="2">
+            <a:schemeClr val="accent1">
+              <a:shade val="50000"/>
+            </a:schemeClr>
+          </a:lnRef>
+          <a:fillRef idx="1">
+            <a:schemeClr val="accent1"/>
+          </a:fillRef>
+          <a:effectRef idx="0">
+            <a:schemeClr val="accent1"/>
+          </a:effectRef>
+          <a:fontRef idx="minor">
+            <a:schemeClr val="lt1"/>
+          </a:fontRef>
+        </p:style>
+        <p:txBody>
+          <a:bodyPr rtlCol="0" anchor="ctr"/>
+          <a:lstStyle/>
+          <a:p>
+            <a:pPr algn="ctr"/>
+            <a:endParaRPr lang="en-US"/>
+          </a:p>
+        </p:txBody>
+      </p:sp>
+    </p:spTree>
+    <p:extLst>
+      <p:ext uri="{BB962C8B-B14F-4D97-AF65-F5344CB8AC3E}">
+        <p14:creationId xmlns:p14="http://schemas.microsoft.com/office/powerpoint/2010/main" val="4084056420"/>
+      </p:ext>
+    </p:extLst>
+  </p:cSld>
+  <p:clrMapOvr>
+    <a:masterClrMapping/>
+  </p:clrMapOvr>
+</p:sld>
+</file>
+
+<file path=ppt/slides/slide17.xml><?xml version="1.0" encoding="utf-8"?>
+<p:sld xmlns:a="http://schemas.openxmlformats.org/drawingml/2006/main" xmlns:r="http://schemas.openxmlformats.org/officeDocument/2006/relationships" xmlns:p="http://schemas.openxmlformats.org/presentationml/2006/main">
+  <p:cSld>
+    <p:spTree>
+      <p:nvGrpSpPr>
+        <p:cNvPr id="1" name=""/>
+        <p:cNvGrpSpPr/>
+        <p:nvPr/>
+      </p:nvGrpSpPr>
+      <p:grpSpPr>
+        <a:xfrm>
+          <a:off x="0" y="0"/>
+          <a:ext cx="0" cy="0"/>
+          <a:chOff x="0" y="0"/>
+          <a:chExt cx="0" cy="0"/>
+        </a:xfrm>
+      </p:grpSpPr>
+      <p:sp>
+        <p:nvSpPr>
+          <p:cNvPr id="2" name="Title 1"/>
+          <p:cNvSpPr>
+            <a:spLocks noGrp="1"/>
+          </p:cNvSpPr>
+          <p:nvPr>
+            <p:ph type="title"/>
+          </p:nvPr>
+        </p:nvSpPr>
+        <p:spPr/>
+        <p:txBody>
+          <a:bodyPr/>
+          <a:lstStyle/>
+          <a:p>
+            <a:r>
+              <a:rPr lang="en-US" dirty="0"/>
+              <a:t>Lowering P# to C#</a:t>
+            </a:r>
+          </a:p>
+        </p:txBody>
+      </p:sp>
+      <p:sp>
+        <p:nvSpPr>
+          <p:cNvPr id="3" name="Content Placeholder 2"/>
+          <p:cNvSpPr>
+            <a:spLocks noGrp="1"/>
+          </p:cNvSpPr>
+          <p:nvPr>
+            <p:ph idx="1"/>
+          </p:nvPr>
+        </p:nvSpPr>
+        <p:spPr/>
+        <p:txBody>
+          <a:bodyPr>
+            <a:normAutofit/>
+          </a:bodyPr>
+          <a:lstStyle/>
+          <a:p>
+            <a:r>
+              <a:rPr lang="en-US" dirty="0"/>
+              <a:t>Top-down recursive descent parsing</a:t>
+            </a:r>
+          </a:p>
+          <a:p>
+            <a:r>
+              <a:rPr lang="en-US" dirty="0"/>
+              <a:t>P# syntax nodes are rewritten to C#</a:t>
+            </a:r>
+          </a:p>
+          <a:p>
+            <a:r>
+              <a:rPr lang="en-US" dirty="0"/>
+              <a:t>C# statements and expressions are parsed verbatim (as a black box)</a:t>
+            </a:r>
+          </a:p>
+          <a:p>
+            <a:pPr lvl="1"/>
+            <a:r>
+              <a:rPr lang="en-US" dirty="0"/>
+              <a:t>No need to re-invent the wheel (i.e. C# parser)</a:t>
+            </a:r>
+          </a:p>
+          <a:p>
+            <a:r>
+              <a:rPr lang="en-US" dirty="0"/>
+              <a:t>Rewritten syntax tree is compiled using the Roslyn compiler APIs</a:t>
+            </a:r>
+          </a:p>
+          <a:p>
+            <a:r>
+              <a:rPr lang="en-US" dirty="0"/>
+              <a:t>The C# code is made available to the compiler, which enables IntelliSense</a:t>
+            </a:r>
+          </a:p>
+        </p:txBody>
+      </p:sp>
+    </p:spTree>
+    <p:extLst>
+      <p:ext uri="{BB962C8B-B14F-4D97-AF65-F5344CB8AC3E}">
+        <p14:creationId xmlns:p14="http://schemas.microsoft.com/office/powerpoint/2010/main" val="991596060"/>
+      </p:ext>
+    </p:extLst>
+  </p:cSld>
+  <p:clrMapOvr>
+    <a:masterClrMapping/>
+  </p:clrMapOvr>
+</p:sld>
+</file>
+
+<file path=ppt/slides/slide18.xml><?xml version="1.0" encoding="utf-8"?>
+<p:sld xmlns:a="http://schemas.openxmlformats.org/drawingml/2006/main" xmlns:r="http://schemas.openxmlformats.org/officeDocument/2006/relationships" xmlns:p="http://schemas.openxmlformats.org/presentationml/2006/main">
+  <p:cSld>
+    <p:spTree>
+      <p:nvGrpSpPr>
+        <p:cNvPr id="1" name=""/>
+        <p:cNvGrpSpPr/>
+        <p:nvPr/>
+      </p:nvGrpSpPr>
+      <p:grpSpPr>
+        <a:xfrm>
+          <a:off x="0" y="0"/>
+          <a:ext cx="0" cy="0"/>
+          <a:chOff x="0" y="0"/>
+          <a:chExt cx="0" cy="0"/>
+        </a:xfrm>
+      </p:grpSpPr>
+      <p:sp>
+        <p:nvSpPr>
+          <p:cNvPr id="2" name="Title 1"/>
+          <p:cNvSpPr>
+            <a:spLocks noGrp="1"/>
+          </p:cNvSpPr>
+          <p:nvPr>
+            <p:ph type="title"/>
+          </p:nvPr>
+        </p:nvSpPr>
+        <p:spPr>
+          <a:xfrm>
+            <a:off x="838199" y="365125"/>
+            <a:ext cx="7696201" cy="1325563"/>
+          </a:xfrm>
+        </p:spPr>
+        <p:txBody>
+          <a:bodyPr>
+            <a:noAutofit/>
+          </a:bodyPr>
+          <a:lstStyle/>
+          <a:p>
+            <a:r>
+              <a:rPr lang="en-US" sz="4000" dirty="0"/>
+              <a:t>Executing and testing a P# program</a:t>
+            </a:r>
+          </a:p>
+        </p:txBody>
+      </p:sp>
+      <p:sp>
+        <p:nvSpPr>
+          <p:cNvPr id="6" name="Rectangle 5"/>
+          <p:cNvSpPr/>
+          <p:nvPr/>
+        </p:nvSpPr>
+        <p:spPr>
+          <a:xfrm>
+            <a:off x="428929" y="1572761"/>
+            <a:ext cx="6096000" cy="3554819"/>
+          </a:xfrm>
+          <a:prstGeom prst="rect">
+            <a:avLst/>
+          </a:prstGeom>
+        </p:spPr>
+        <p:txBody>
+          <a:bodyPr>
+            <a:spAutoFit/>
+          </a:bodyPr>
+          <a:lstStyle/>
+          <a:p>
+            <a:r>
+              <a:rPr lang="en-GB" sz="900" dirty="0">
+                <a:solidFill>
+                  <a:srgbClr val="0000FF"/>
+                </a:solidFill>
+                <a:latin typeface="Consolas" panose="020B0609020204030204" pitchFamily="49" charset="0"/>
+              </a:rPr>
+              <a:t>public</a:t>
+            </a:r>
+            <a:r>
+              <a:rPr lang="en-GB" sz="900" dirty="0">
+                <a:solidFill>
+                  <a:srgbClr val="000000"/>
+                </a:solidFill>
+                <a:latin typeface="Consolas" panose="020B0609020204030204" pitchFamily="49" charset="0"/>
+              </a:rPr>
+              <a:t> </a:t>
+            </a:r>
+            <a:r>
+              <a:rPr lang="en-GB" sz="900" dirty="0">
+                <a:solidFill>
+                  <a:srgbClr val="0000FF"/>
+                </a:solidFill>
+                <a:latin typeface="Consolas" panose="020B0609020204030204" pitchFamily="49" charset="0"/>
+              </a:rPr>
+              <a:t>class</a:t>
+            </a:r>
+            <a:r>
+              <a:rPr lang="en-GB" sz="900" dirty="0">
+                <a:solidFill>
+                  <a:srgbClr val="000000"/>
+                </a:solidFill>
+                <a:latin typeface="Consolas" panose="020B0609020204030204" pitchFamily="49" charset="0"/>
+              </a:rPr>
+              <a:t> </a:t>
+            </a:r>
+            <a:r>
+              <a:rPr lang="en-GB" sz="900" dirty="0">
+                <a:solidFill>
+                  <a:srgbClr val="2B91AF"/>
+                </a:solidFill>
+                <a:latin typeface="Consolas" panose="020B0609020204030204" pitchFamily="49" charset="0"/>
+              </a:rPr>
+              <a:t>Program</a:t>
+            </a:r>
+            <a:endParaRPr lang="en-GB" sz="900" dirty="0">
+              <a:solidFill>
+                <a:srgbClr val="000000"/>
+              </a:solidFill>
+              <a:latin typeface="Consolas" panose="020B0609020204030204" pitchFamily="49" charset="0"/>
+            </a:endParaRPr>
+          </a:p>
+          <a:p>
+            <a:r>
+              <a:rPr lang="en-GB" sz="900" dirty="0">
+                <a:solidFill>
+                  <a:srgbClr val="000000"/>
+                </a:solidFill>
+                <a:latin typeface="Consolas" panose="020B0609020204030204" pitchFamily="49" charset="0"/>
+              </a:rPr>
+              <a:t>{</a:t>
+            </a:r>
+          </a:p>
+          <a:p>
+            <a:r>
+              <a:rPr lang="en-GB" sz="900" dirty="0">
+                <a:solidFill>
+                  <a:srgbClr val="000000"/>
+                </a:solidFill>
+                <a:latin typeface="Consolas" panose="020B0609020204030204" pitchFamily="49" charset="0"/>
+              </a:rPr>
+              <a:t>    </a:t>
+            </a:r>
+            <a:r>
+              <a:rPr lang="en-GB" sz="900" dirty="0">
+                <a:solidFill>
+                  <a:srgbClr val="0000FF"/>
+                </a:solidFill>
+                <a:latin typeface="Consolas" panose="020B0609020204030204" pitchFamily="49" charset="0"/>
+              </a:rPr>
+              <a:t>public</a:t>
+            </a:r>
+            <a:r>
+              <a:rPr lang="en-GB" sz="900" dirty="0">
+                <a:solidFill>
+                  <a:srgbClr val="000000"/>
+                </a:solidFill>
+                <a:latin typeface="Consolas" panose="020B0609020204030204" pitchFamily="49" charset="0"/>
+              </a:rPr>
+              <a:t> </a:t>
+            </a:r>
+            <a:r>
+              <a:rPr lang="en-GB" sz="900" dirty="0">
+                <a:solidFill>
+                  <a:srgbClr val="0000FF"/>
+                </a:solidFill>
+                <a:latin typeface="Consolas" panose="020B0609020204030204" pitchFamily="49" charset="0"/>
+              </a:rPr>
+              <a:t>static</a:t>
+            </a:r>
+            <a:r>
+              <a:rPr lang="en-GB" sz="900" dirty="0">
+                <a:solidFill>
+                  <a:srgbClr val="000000"/>
+                </a:solidFill>
+                <a:latin typeface="Consolas" panose="020B0609020204030204" pitchFamily="49" charset="0"/>
+              </a:rPr>
+              <a:t> </a:t>
+            </a:r>
+            <a:r>
+              <a:rPr lang="en-GB" sz="900" dirty="0">
+                <a:solidFill>
+                  <a:srgbClr val="0000FF"/>
+                </a:solidFill>
+                <a:latin typeface="Consolas" panose="020B0609020204030204" pitchFamily="49" charset="0"/>
+              </a:rPr>
+              <a:t>void</a:t>
+            </a:r>
+            <a:r>
+              <a:rPr lang="en-GB" sz="900" dirty="0">
+                <a:solidFill>
+                  <a:srgbClr val="000000"/>
+                </a:solidFill>
+                <a:latin typeface="Consolas" panose="020B0609020204030204" pitchFamily="49" charset="0"/>
+              </a:rPr>
+              <a:t> Main(</a:t>
+            </a:r>
+            <a:r>
+              <a:rPr lang="en-GB" sz="900" dirty="0">
+                <a:solidFill>
+                  <a:srgbClr val="0000FF"/>
+                </a:solidFill>
+                <a:latin typeface="Consolas" panose="020B0609020204030204" pitchFamily="49" charset="0"/>
+              </a:rPr>
+              <a:t>string</a:t>
+            </a:r>
+            <a:r>
+              <a:rPr lang="en-GB" sz="900" dirty="0">
+                <a:solidFill>
+                  <a:srgbClr val="000000"/>
+                </a:solidFill>
+                <a:latin typeface="Consolas" panose="020B0609020204030204" pitchFamily="49" charset="0"/>
+              </a:rPr>
+              <a:t>[] </a:t>
+            </a:r>
+            <a:r>
+              <a:rPr lang="en-GB" sz="900" dirty="0" err="1">
+                <a:solidFill>
+                  <a:srgbClr val="000000"/>
+                </a:solidFill>
+                <a:latin typeface="Consolas" panose="020B0609020204030204" pitchFamily="49" charset="0"/>
+              </a:rPr>
+              <a:t>args</a:t>
+            </a:r>
+            <a:r>
+              <a:rPr lang="en-GB" sz="900" dirty="0">
+                <a:solidFill>
+                  <a:srgbClr val="000000"/>
+                </a:solidFill>
+                <a:latin typeface="Consolas" panose="020B0609020204030204" pitchFamily="49" charset="0"/>
+              </a:rPr>
+              <a:t>)</a:t>
+            </a:r>
+          </a:p>
+          <a:p>
+            <a:r>
+              <a:rPr lang="en-GB" sz="900" dirty="0">
+                <a:solidFill>
+                  <a:srgbClr val="000000"/>
+                </a:solidFill>
+                <a:latin typeface="Consolas" panose="020B0609020204030204" pitchFamily="49" charset="0"/>
+              </a:rPr>
+              <a:t>    {</a:t>
+            </a:r>
+          </a:p>
+          <a:p>
+            <a:r>
+              <a:rPr lang="en-GB" sz="900" dirty="0">
+                <a:solidFill>
+                  <a:srgbClr val="000000"/>
+                </a:solidFill>
+                <a:latin typeface="Consolas" panose="020B0609020204030204" pitchFamily="49" charset="0"/>
+              </a:rPr>
+              <a:t>        </a:t>
+            </a:r>
+            <a:r>
+              <a:rPr lang="en-GB" sz="900" dirty="0">
+                <a:solidFill>
+                  <a:srgbClr val="008000"/>
+                </a:solidFill>
+                <a:latin typeface="Consolas" panose="020B0609020204030204" pitchFamily="49" charset="0"/>
+              </a:rPr>
+              <a:t>// Creates a new P# runtime instance.</a:t>
+            </a:r>
+            <a:endParaRPr lang="en-GB" sz="900" dirty="0">
+              <a:solidFill>
+                <a:srgbClr val="000000"/>
+              </a:solidFill>
+              <a:latin typeface="Consolas" panose="020B0609020204030204" pitchFamily="49" charset="0"/>
+            </a:endParaRPr>
+          </a:p>
+          <a:p>
+            <a:r>
+              <a:rPr lang="en-GB" sz="900" dirty="0">
+                <a:solidFill>
+                  <a:srgbClr val="000000"/>
+                </a:solidFill>
+                <a:latin typeface="Consolas" panose="020B0609020204030204" pitchFamily="49" charset="0"/>
+              </a:rPr>
+              <a:t>        </a:t>
+            </a:r>
+            <a:r>
+              <a:rPr lang="en-GB" sz="900" dirty="0" err="1">
+                <a:solidFill>
+                  <a:srgbClr val="0000FF"/>
+                </a:solidFill>
+                <a:latin typeface="Consolas" panose="020B0609020204030204" pitchFamily="49" charset="0"/>
+              </a:rPr>
+              <a:t>var</a:t>
+            </a:r>
+            <a:r>
+              <a:rPr lang="en-GB" sz="900" dirty="0">
+                <a:solidFill>
+                  <a:srgbClr val="000000"/>
+                </a:solidFill>
+                <a:latin typeface="Consolas" panose="020B0609020204030204" pitchFamily="49" charset="0"/>
+              </a:rPr>
+              <a:t> runtime = </a:t>
+            </a:r>
+            <a:r>
+              <a:rPr lang="en-GB" sz="900" dirty="0" err="1">
+                <a:solidFill>
+                  <a:srgbClr val="2B91AF"/>
+                </a:solidFill>
+                <a:latin typeface="Consolas" panose="020B0609020204030204" pitchFamily="49" charset="0"/>
+              </a:rPr>
+              <a:t>PSharpRuntime</a:t>
+            </a:r>
+            <a:r>
+              <a:rPr lang="en-GB" sz="900" dirty="0" err="1">
+                <a:solidFill>
+                  <a:srgbClr val="000000"/>
+                </a:solidFill>
+                <a:latin typeface="Consolas" panose="020B0609020204030204" pitchFamily="49" charset="0"/>
+              </a:rPr>
+              <a:t>.Create</a:t>
+            </a:r>
+            <a:r>
+              <a:rPr lang="en-GB" sz="900" dirty="0">
+                <a:solidFill>
+                  <a:srgbClr val="000000"/>
+                </a:solidFill>
+                <a:latin typeface="Consolas" panose="020B0609020204030204" pitchFamily="49" charset="0"/>
+              </a:rPr>
+              <a:t>();</a:t>
+            </a:r>
+          </a:p>
+          <a:p>
+            <a:endParaRPr lang="en-GB" sz="900" dirty="0">
+              <a:solidFill>
+                <a:srgbClr val="000000"/>
+              </a:solidFill>
+              <a:latin typeface="Consolas" panose="020B0609020204030204" pitchFamily="49" charset="0"/>
+            </a:endParaRPr>
+          </a:p>
+          <a:p>
+            <a:r>
+              <a:rPr lang="en-GB" sz="900" dirty="0">
+                <a:solidFill>
+                  <a:srgbClr val="000000"/>
+                </a:solidFill>
+                <a:latin typeface="Consolas" panose="020B0609020204030204" pitchFamily="49" charset="0"/>
+              </a:rPr>
+              <a:t>        </a:t>
+            </a:r>
+            <a:r>
+              <a:rPr lang="en-GB" sz="900" dirty="0">
+                <a:solidFill>
+                  <a:srgbClr val="008000"/>
+                </a:solidFill>
+                <a:latin typeface="Consolas" panose="020B0609020204030204" pitchFamily="49" charset="0"/>
+              </a:rPr>
+              <a:t>// Executes the P# program.</a:t>
+            </a:r>
+            <a:endParaRPr lang="en-GB" sz="900" dirty="0">
+              <a:solidFill>
+                <a:srgbClr val="000000"/>
+              </a:solidFill>
+              <a:latin typeface="Consolas" panose="020B0609020204030204" pitchFamily="49" charset="0"/>
+            </a:endParaRPr>
+          </a:p>
+          <a:p>
+            <a:r>
+              <a:rPr lang="en-GB" sz="900" dirty="0">
+                <a:solidFill>
+                  <a:srgbClr val="000000"/>
+                </a:solidFill>
+                <a:latin typeface="Consolas" panose="020B0609020204030204" pitchFamily="49" charset="0"/>
+              </a:rPr>
+              <a:t>        </a:t>
+            </a:r>
+            <a:r>
+              <a:rPr lang="en-GB" sz="900" dirty="0" err="1">
+                <a:solidFill>
+                  <a:srgbClr val="2B91AF"/>
+                </a:solidFill>
+                <a:latin typeface="Consolas" panose="020B0609020204030204" pitchFamily="49" charset="0"/>
+              </a:rPr>
+              <a:t>Program</a:t>
+            </a:r>
+            <a:r>
+              <a:rPr lang="en-GB" sz="900" dirty="0" err="1">
+                <a:solidFill>
+                  <a:srgbClr val="000000"/>
+                </a:solidFill>
+                <a:latin typeface="Consolas" panose="020B0609020204030204" pitchFamily="49" charset="0"/>
+              </a:rPr>
+              <a:t>.Execute</a:t>
+            </a:r>
+            <a:r>
+              <a:rPr lang="en-GB" sz="900" dirty="0">
+                <a:solidFill>
+                  <a:srgbClr val="000000"/>
+                </a:solidFill>
+                <a:latin typeface="Consolas" panose="020B0609020204030204" pitchFamily="49" charset="0"/>
+              </a:rPr>
+              <a:t>(runtime);</a:t>
+            </a:r>
+          </a:p>
+          <a:p>
+            <a:endParaRPr lang="en-GB" sz="900" dirty="0">
+              <a:solidFill>
+                <a:srgbClr val="000000"/>
+              </a:solidFill>
+              <a:latin typeface="Consolas" panose="020B0609020204030204" pitchFamily="49" charset="0"/>
+            </a:endParaRPr>
+          </a:p>
+          <a:p>
+            <a:r>
+              <a:rPr lang="en-GB" sz="900" dirty="0">
+                <a:solidFill>
+                  <a:srgbClr val="000000"/>
+                </a:solidFill>
+                <a:latin typeface="Consolas" panose="020B0609020204030204" pitchFamily="49" charset="0"/>
+              </a:rPr>
+              <a:t>        </a:t>
+            </a:r>
+            <a:r>
+              <a:rPr lang="en-GB" sz="900" dirty="0">
+                <a:solidFill>
+                  <a:srgbClr val="008000"/>
+                </a:solidFill>
+                <a:latin typeface="Consolas" panose="020B0609020204030204" pitchFamily="49" charset="0"/>
+              </a:rPr>
+              <a:t>// The P# runtime executes asynchronously, so we wait</a:t>
+            </a:r>
+            <a:endParaRPr lang="en-GB" sz="900" dirty="0">
+              <a:solidFill>
+                <a:srgbClr val="000000"/>
+              </a:solidFill>
+              <a:latin typeface="Consolas" panose="020B0609020204030204" pitchFamily="49" charset="0"/>
+            </a:endParaRPr>
+          </a:p>
+          <a:p>
+            <a:r>
+              <a:rPr lang="en-GB" sz="900" dirty="0">
+                <a:solidFill>
+                  <a:srgbClr val="000000"/>
+                </a:solidFill>
+                <a:latin typeface="Consolas" panose="020B0609020204030204" pitchFamily="49" charset="0"/>
+              </a:rPr>
+              <a:t>        </a:t>
+            </a:r>
+            <a:r>
+              <a:rPr lang="en-GB" sz="900" dirty="0">
+                <a:solidFill>
+                  <a:srgbClr val="008000"/>
+                </a:solidFill>
+                <a:latin typeface="Consolas" panose="020B0609020204030204" pitchFamily="49" charset="0"/>
+              </a:rPr>
+              <a:t>// to not terminate the process.</a:t>
+            </a:r>
+            <a:endParaRPr lang="en-GB" sz="900" dirty="0">
+              <a:solidFill>
+                <a:srgbClr val="000000"/>
+              </a:solidFill>
+              <a:latin typeface="Consolas" panose="020B0609020204030204" pitchFamily="49" charset="0"/>
+            </a:endParaRPr>
+          </a:p>
+          <a:p>
+            <a:r>
+              <a:rPr lang="en-GB" sz="900" dirty="0">
+                <a:solidFill>
+                  <a:srgbClr val="000000"/>
+                </a:solidFill>
+                <a:latin typeface="Consolas" panose="020B0609020204030204" pitchFamily="49" charset="0"/>
+              </a:rPr>
+              <a:t>        </a:t>
+            </a:r>
+            <a:r>
+              <a:rPr lang="en-GB" sz="900" dirty="0" err="1">
+                <a:solidFill>
+                  <a:srgbClr val="2B91AF"/>
+                </a:solidFill>
+                <a:latin typeface="Consolas" panose="020B0609020204030204" pitchFamily="49" charset="0"/>
+              </a:rPr>
+              <a:t>Console</a:t>
+            </a:r>
+            <a:r>
+              <a:rPr lang="en-GB" sz="900" dirty="0" err="1">
+                <a:solidFill>
+                  <a:srgbClr val="000000"/>
+                </a:solidFill>
+                <a:latin typeface="Consolas" panose="020B0609020204030204" pitchFamily="49" charset="0"/>
+              </a:rPr>
+              <a:t>.WriteLine</a:t>
+            </a:r>
+            <a:r>
+              <a:rPr lang="en-GB" sz="900" dirty="0">
+                <a:solidFill>
+                  <a:srgbClr val="000000"/>
+                </a:solidFill>
+                <a:latin typeface="Consolas" panose="020B0609020204030204" pitchFamily="49" charset="0"/>
+              </a:rPr>
+              <a:t>(</a:t>
+            </a:r>
+            <a:r>
+              <a:rPr lang="en-GB" sz="900" dirty="0">
+                <a:solidFill>
+                  <a:srgbClr val="A31515"/>
+                </a:solidFill>
+                <a:latin typeface="Consolas" panose="020B0609020204030204" pitchFamily="49" charset="0"/>
+              </a:rPr>
+              <a:t>"Press Enter to terminate..."</a:t>
+            </a:r>
+            <a:r>
+              <a:rPr lang="en-GB" sz="900" dirty="0">
+                <a:solidFill>
+                  <a:srgbClr val="000000"/>
+                </a:solidFill>
+                <a:latin typeface="Consolas" panose="020B0609020204030204" pitchFamily="49" charset="0"/>
+              </a:rPr>
+              <a:t>);</a:t>
+            </a:r>
+          </a:p>
+          <a:p>
+            <a:r>
+              <a:rPr lang="en-GB" sz="900" dirty="0">
+                <a:solidFill>
+                  <a:srgbClr val="000000"/>
+                </a:solidFill>
+                <a:latin typeface="Consolas" panose="020B0609020204030204" pitchFamily="49" charset="0"/>
+              </a:rPr>
+              <a:t>        </a:t>
+            </a:r>
+            <a:r>
+              <a:rPr lang="en-GB" sz="900" dirty="0" err="1">
+                <a:solidFill>
+                  <a:srgbClr val="2B91AF"/>
+                </a:solidFill>
+                <a:latin typeface="Consolas" panose="020B0609020204030204" pitchFamily="49" charset="0"/>
+              </a:rPr>
+              <a:t>Console</a:t>
+            </a:r>
+            <a:r>
+              <a:rPr lang="en-GB" sz="900" dirty="0" err="1">
+                <a:solidFill>
+                  <a:srgbClr val="000000"/>
+                </a:solidFill>
+                <a:latin typeface="Consolas" panose="020B0609020204030204" pitchFamily="49" charset="0"/>
+              </a:rPr>
+              <a:t>.ReadLine</a:t>
+            </a:r>
+            <a:r>
+              <a:rPr lang="en-GB" sz="900" dirty="0">
+                <a:solidFill>
+                  <a:srgbClr val="000000"/>
+                </a:solidFill>
+                <a:latin typeface="Consolas" panose="020B0609020204030204" pitchFamily="49" charset="0"/>
+              </a:rPr>
+              <a:t>();</a:t>
+            </a:r>
+          </a:p>
+          <a:p>
+            <a:r>
+              <a:rPr lang="en-GB" sz="900" dirty="0">
+                <a:solidFill>
+                  <a:srgbClr val="000000"/>
+                </a:solidFill>
+                <a:latin typeface="Consolas" panose="020B0609020204030204" pitchFamily="49" charset="0"/>
+              </a:rPr>
+              <a:t>    }</a:t>
+            </a:r>
+          </a:p>
+          <a:p>
+            <a:endParaRPr lang="en-GB" sz="900" dirty="0">
+              <a:solidFill>
+                <a:srgbClr val="000000"/>
+              </a:solidFill>
+              <a:latin typeface="Consolas" panose="020B0609020204030204" pitchFamily="49" charset="0"/>
+            </a:endParaRPr>
+          </a:p>
+          <a:p>
+            <a:r>
+              <a:rPr lang="en-GB" sz="900" dirty="0">
+                <a:solidFill>
+                  <a:srgbClr val="000000"/>
+                </a:solidFill>
+                <a:latin typeface="Consolas" panose="020B0609020204030204" pitchFamily="49" charset="0"/>
+              </a:rPr>
+              <a:t>    </a:t>
+            </a:r>
+          </a:p>
+          <a:p>
+            <a:endParaRPr lang="en-GB" sz="900" dirty="0">
+              <a:solidFill>
+                <a:srgbClr val="000000"/>
+              </a:solidFill>
+              <a:latin typeface="Consolas" panose="020B0609020204030204" pitchFamily="49" charset="0"/>
+            </a:endParaRPr>
+          </a:p>
+          <a:p>
+            <a:endParaRPr lang="en-GB" sz="900" dirty="0">
+              <a:solidFill>
+                <a:srgbClr val="000000"/>
+              </a:solidFill>
+              <a:latin typeface="Consolas" panose="020B0609020204030204" pitchFamily="49" charset="0"/>
+            </a:endParaRPr>
+          </a:p>
+          <a:p>
+            <a:r>
+              <a:rPr lang="en-GB" sz="900" dirty="0">
+                <a:solidFill>
+                  <a:srgbClr val="000000"/>
+                </a:solidFill>
+                <a:latin typeface="Consolas" panose="020B0609020204030204" pitchFamily="49" charset="0"/>
+              </a:rPr>
+              <a:t>    [</a:t>
+            </a:r>
+            <a:r>
+              <a:rPr lang="en-GB" sz="900" dirty="0" err="1">
+                <a:solidFill>
+                  <a:srgbClr val="000000"/>
+                </a:solidFill>
+                <a:latin typeface="Consolas" panose="020B0609020204030204" pitchFamily="49" charset="0"/>
+              </a:rPr>
+              <a:t>Microsoft.PSharp.</a:t>
+            </a:r>
+            <a:r>
+              <a:rPr lang="en-GB" sz="900" dirty="0" err="1">
+                <a:solidFill>
+                  <a:srgbClr val="2B91AF"/>
+                </a:solidFill>
+                <a:latin typeface="Consolas" panose="020B0609020204030204" pitchFamily="49" charset="0"/>
+              </a:rPr>
+              <a:t>Test</a:t>
+            </a:r>
+            <a:r>
+              <a:rPr lang="en-GB" sz="900" dirty="0">
+                <a:solidFill>
+                  <a:srgbClr val="000000"/>
+                </a:solidFill>
+                <a:latin typeface="Consolas" panose="020B0609020204030204" pitchFamily="49" charset="0"/>
+              </a:rPr>
+              <a:t>]</a:t>
+            </a:r>
+          </a:p>
+          <a:p>
+            <a:r>
+              <a:rPr lang="en-GB" sz="900" dirty="0">
+                <a:solidFill>
+                  <a:srgbClr val="000000"/>
+                </a:solidFill>
+                <a:latin typeface="Consolas" panose="020B0609020204030204" pitchFamily="49" charset="0"/>
+              </a:rPr>
+              <a:t>    </a:t>
+            </a:r>
+            <a:r>
+              <a:rPr lang="en-GB" sz="900" dirty="0">
+                <a:solidFill>
+                  <a:srgbClr val="0000FF"/>
+                </a:solidFill>
+                <a:latin typeface="Consolas" panose="020B0609020204030204" pitchFamily="49" charset="0"/>
+              </a:rPr>
+              <a:t>public</a:t>
+            </a:r>
+            <a:r>
+              <a:rPr lang="en-GB" sz="900" dirty="0">
+                <a:solidFill>
+                  <a:srgbClr val="000000"/>
+                </a:solidFill>
+                <a:latin typeface="Consolas" panose="020B0609020204030204" pitchFamily="49" charset="0"/>
+              </a:rPr>
+              <a:t> </a:t>
+            </a:r>
+            <a:r>
+              <a:rPr lang="en-GB" sz="900" dirty="0">
+                <a:solidFill>
+                  <a:srgbClr val="0000FF"/>
+                </a:solidFill>
+                <a:latin typeface="Consolas" panose="020B0609020204030204" pitchFamily="49" charset="0"/>
+              </a:rPr>
+              <a:t>static</a:t>
+            </a:r>
+            <a:r>
+              <a:rPr lang="en-GB" sz="900" dirty="0">
+                <a:solidFill>
+                  <a:srgbClr val="000000"/>
+                </a:solidFill>
+                <a:latin typeface="Consolas" panose="020B0609020204030204" pitchFamily="49" charset="0"/>
+              </a:rPr>
+              <a:t> </a:t>
+            </a:r>
+            <a:r>
+              <a:rPr lang="en-GB" sz="900" dirty="0">
+                <a:solidFill>
+                  <a:srgbClr val="0000FF"/>
+                </a:solidFill>
+                <a:latin typeface="Consolas" panose="020B0609020204030204" pitchFamily="49" charset="0"/>
+              </a:rPr>
+              <a:t>void</a:t>
+            </a:r>
+            <a:r>
+              <a:rPr lang="en-GB" sz="900" dirty="0">
+                <a:solidFill>
+                  <a:srgbClr val="000000"/>
+                </a:solidFill>
+                <a:latin typeface="Consolas" panose="020B0609020204030204" pitchFamily="49" charset="0"/>
+              </a:rPr>
+              <a:t> Execute(</a:t>
+            </a:r>
+            <a:r>
+              <a:rPr lang="en-GB" sz="900" dirty="0" err="1">
+                <a:solidFill>
+                  <a:srgbClr val="2B91AF"/>
+                </a:solidFill>
+                <a:latin typeface="Consolas" panose="020B0609020204030204" pitchFamily="49" charset="0"/>
+              </a:rPr>
+              <a:t>PSharpRuntime</a:t>
+            </a:r>
+            <a:r>
+              <a:rPr lang="en-GB" sz="900" dirty="0">
+                <a:solidFill>
+                  <a:srgbClr val="000000"/>
+                </a:solidFill>
+                <a:latin typeface="Consolas" panose="020B0609020204030204" pitchFamily="49" charset="0"/>
+              </a:rPr>
+              <a:t> runtime)</a:t>
+            </a:r>
+          </a:p>
+          <a:p>
+            <a:r>
+              <a:rPr lang="en-GB" sz="900" dirty="0">
+                <a:solidFill>
+                  <a:srgbClr val="000000"/>
+                </a:solidFill>
+                <a:latin typeface="Consolas" panose="020B0609020204030204" pitchFamily="49" charset="0"/>
+              </a:rPr>
+              <a:t>    {</a:t>
+            </a:r>
+          </a:p>
+          <a:p>
+            <a:r>
+              <a:rPr lang="en-GB" sz="900" dirty="0">
+                <a:solidFill>
+                  <a:srgbClr val="000000"/>
+                </a:solidFill>
+                <a:latin typeface="Consolas" panose="020B0609020204030204" pitchFamily="49" charset="0"/>
+              </a:rPr>
+              <a:t>        </a:t>
+            </a:r>
+            <a:r>
+              <a:rPr lang="en-GB" sz="900" dirty="0" err="1">
+                <a:solidFill>
+                  <a:srgbClr val="000000"/>
+                </a:solidFill>
+                <a:latin typeface="Consolas" panose="020B0609020204030204" pitchFamily="49" charset="0"/>
+              </a:rPr>
+              <a:t>runtime.CreateMachine</a:t>
+            </a:r>
+            <a:r>
+              <a:rPr lang="en-GB" sz="900" dirty="0">
+                <a:solidFill>
+                  <a:srgbClr val="000000"/>
+                </a:solidFill>
+                <a:latin typeface="Consolas" panose="020B0609020204030204" pitchFamily="49" charset="0"/>
+              </a:rPr>
+              <a:t>(</a:t>
+            </a:r>
+            <a:r>
+              <a:rPr lang="en-GB" sz="900" dirty="0" err="1">
+                <a:solidFill>
+                  <a:srgbClr val="0000FF"/>
+                </a:solidFill>
+                <a:latin typeface="Consolas" panose="020B0609020204030204" pitchFamily="49" charset="0"/>
+              </a:rPr>
+              <a:t>typeof</a:t>
+            </a:r>
+            <a:r>
+              <a:rPr lang="en-GB" sz="900" dirty="0">
+                <a:solidFill>
+                  <a:srgbClr val="000000"/>
+                </a:solidFill>
+                <a:latin typeface="Consolas" panose="020B0609020204030204" pitchFamily="49" charset="0"/>
+              </a:rPr>
+              <a:t>(</a:t>
+            </a:r>
+            <a:r>
+              <a:rPr lang="en-GB" sz="900" dirty="0">
+                <a:solidFill>
+                  <a:srgbClr val="2B91AF"/>
+                </a:solidFill>
+                <a:latin typeface="Consolas" panose="020B0609020204030204" pitchFamily="49" charset="0"/>
+              </a:rPr>
+              <a:t>Environment</a:t>
+            </a:r>
+            <a:r>
+              <a:rPr lang="en-GB" sz="900" dirty="0">
+                <a:solidFill>
+                  <a:srgbClr val="000000"/>
+                </a:solidFill>
+                <a:latin typeface="Consolas" panose="020B0609020204030204" pitchFamily="49" charset="0"/>
+              </a:rPr>
+              <a:t>));</a:t>
+            </a:r>
+          </a:p>
+          <a:p>
+            <a:r>
+              <a:rPr lang="en-GB" sz="900" dirty="0">
+                <a:solidFill>
+                  <a:srgbClr val="000000"/>
+                </a:solidFill>
+                <a:latin typeface="Consolas" panose="020B0609020204030204" pitchFamily="49" charset="0"/>
+              </a:rPr>
+              <a:t>    }</a:t>
+            </a:r>
+          </a:p>
+          <a:p>
+            <a:r>
+              <a:rPr lang="en-GB" sz="900" dirty="0">
+                <a:solidFill>
+                  <a:srgbClr val="000000"/>
+                </a:solidFill>
+                <a:latin typeface="Consolas" panose="020B0609020204030204" pitchFamily="49" charset="0"/>
+              </a:rPr>
+              <a:t>}</a:t>
+            </a:r>
+            <a:endParaRPr lang="en-GB" dirty="0"/>
+          </a:p>
+        </p:txBody>
+      </p:sp>
+      <p:grpSp>
+        <p:nvGrpSpPr>
+          <p:cNvPr id="46" name="Group 45"/>
+          <p:cNvGrpSpPr/>
+          <p:nvPr/>
+        </p:nvGrpSpPr>
+        <p:grpSpPr>
+          <a:xfrm>
+            <a:off x="672281" y="1619894"/>
+            <a:ext cx="10679390" cy="2111449"/>
+            <a:chOff x="8144799" y="2185249"/>
+            <a:chExt cx="10679390" cy="2111449"/>
+          </a:xfrm>
+        </p:grpSpPr>
+        <p:grpSp>
+          <p:nvGrpSpPr>
+            <p:cNvPr id="47" name="Group 46"/>
+            <p:cNvGrpSpPr/>
+            <p:nvPr/>
+          </p:nvGrpSpPr>
+          <p:grpSpPr>
+            <a:xfrm>
+              <a:off x="8144799" y="2432173"/>
+              <a:ext cx="5353459" cy="1864525"/>
+              <a:chOff x="1821426" y="2778825"/>
+              <a:chExt cx="10706938" cy="1864525"/>
+            </a:xfrm>
+          </p:grpSpPr>
+          <p:cxnSp>
+            <p:nvCxnSpPr>
+              <p:cNvPr id="52" name="Straight Arrow Connector 51"/>
+              <p:cNvCxnSpPr>
+                <a:stCxn id="51" idx="1"/>
+              </p:cNvCxnSpPr>
+              <p:nvPr/>
+            </p:nvCxnSpPr>
+            <p:spPr>
+              <a:xfrm flipH="1">
+                <a:off x="9618419" y="3346144"/>
+                <a:ext cx="2909945" cy="363140"/>
+              </a:xfrm>
+              <a:prstGeom prst="straightConnector1">
+                <a:avLst/>
+              </a:prstGeom>
+              <a:ln>
+                <a:solidFill>
+                  <a:schemeClr val="tx1"/>
+                </a:solidFill>
+                <a:tailEnd type="triangle"/>
+              </a:ln>
+            </p:spPr>
+            <p:style>
+              <a:lnRef idx="3">
+                <a:schemeClr val="accent2"/>
+              </a:lnRef>
+              <a:fillRef idx="0">
+                <a:schemeClr val="accent2"/>
+              </a:fillRef>
+              <a:effectRef idx="2">
+                <a:schemeClr val="accent2"/>
+              </a:effectRef>
+              <a:fontRef idx="minor">
+                <a:schemeClr val="tx1"/>
+              </a:fontRef>
+            </p:style>
+          </p:cxnSp>
+          <p:sp>
+            <p:nvSpPr>
+              <p:cNvPr id="65" name="Rectangle 64"/>
+              <p:cNvSpPr/>
+              <p:nvPr/>
+            </p:nvSpPr>
+            <p:spPr>
+              <a:xfrm>
+                <a:off x="1821426" y="2778825"/>
+                <a:ext cx="7671631" cy="1864525"/>
+              </a:xfrm>
+              <a:prstGeom prst="rect">
+                <a:avLst/>
+              </a:prstGeom>
+              <a:noFill/>
+              <a:ln w="19050">
+                <a:solidFill>
+                  <a:schemeClr val="tx1"/>
+                </a:solidFill>
+              </a:ln>
+            </p:spPr>
+            <p:style>
+              <a:lnRef idx="2">
+                <a:schemeClr val="accent2"/>
+              </a:lnRef>
+              <a:fillRef idx="1">
+                <a:schemeClr val="lt1"/>
+              </a:fillRef>
+              <a:effectRef idx="0">
+                <a:schemeClr val="accent2"/>
+              </a:effectRef>
+              <a:fontRef idx="minor">
+                <a:schemeClr val="dk1"/>
+              </a:fontRef>
+            </p:style>
+            <p:txBody>
+              <a:bodyPr rtlCol="0" anchor="ctr"/>
+              <a:lstStyle/>
+              <a:p>
+                <a:pPr algn="ctr"/>
+                <a:endParaRPr lang="en-GB" dirty="0"/>
+              </a:p>
+            </p:txBody>
+          </p:sp>
+        </p:grpSp>
+        <p:sp>
+          <p:nvSpPr>
+            <p:cNvPr id="51" name="TextBox 50"/>
+            <p:cNvSpPr txBox="1"/>
+            <p:nvPr/>
+          </p:nvSpPr>
+          <p:spPr>
+            <a:xfrm>
+              <a:off x="13498258" y="2185249"/>
+              <a:ext cx="5325931" cy="1628485"/>
+            </a:xfrm>
+            <a:prstGeom prst="rect">
+              <a:avLst/>
+            </a:prstGeom>
+            <a:noFill/>
+            <a:ln>
+              <a:noFill/>
+            </a:ln>
+          </p:spPr>
+          <p:txBody>
+            <a:bodyPr wrap="none" lIns="179285" tIns="143428" rIns="179285" bIns="143428" rtlCol="0">
+              <a:spAutoFit/>
+            </a:bodyPr>
+            <a:lstStyle/>
+            <a:p>
+              <a:pPr algn="ctr">
+                <a:lnSpc>
+                  <a:spcPct val="90000"/>
+                </a:lnSpc>
+                <a:spcAft>
+                  <a:spcPts val="588"/>
+                </a:spcAft>
+              </a:pPr>
+              <a:r>
+                <a:rPr lang="en-US" sz="2000" u="sng" dirty="0"/>
+                <a:t>C# Host</a:t>
+              </a:r>
+            </a:p>
+            <a:p>
+              <a:pPr marL="342900" indent="-342900">
+                <a:lnSpc>
+                  <a:spcPct val="90000"/>
+                </a:lnSpc>
+                <a:spcAft>
+                  <a:spcPts val="588"/>
+                </a:spcAft>
+                <a:buFont typeface="Arial" panose="020B0604020202020204" pitchFamily="34" charset="0"/>
+                <a:buChar char="•"/>
+              </a:pPr>
+              <a:r>
+                <a:rPr lang="en-US" sz="2000" dirty="0"/>
+                <a:t>Entry point to a P# program</a:t>
+              </a:r>
+            </a:p>
+            <a:p>
+              <a:pPr marL="342900" indent="-342900">
+                <a:lnSpc>
+                  <a:spcPct val="90000"/>
+                </a:lnSpc>
+                <a:spcAft>
+                  <a:spcPts val="588"/>
+                </a:spcAft>
+                <a:buFont typeface="Arial" panose="020B0604020202020204" pitchFamily="34" charset="0"/>
+                <a:buChar char="•"/>
+              </a:pPr>
+              <a:r>
+                <a:rPr lang="en-US" sz="2000" dirty="0"/>
+                <a:t>Responsible for instantiating the P# runtime</a:t>
+              </a:r>
+            </a:p>
+            <a:p>
+              <a:pPr marL="342900" indent="-342900">
+                <a:lnSpc>
+                  <a:spcPct val="90000"/>
+                </a:lnSpc>
+                <a:spcAft>
+                  <a:spcPts val="588"/>
+                </a:spcAft>
+                <a:buFont typeface="Arial" panose="020B0604020202020204" pitchFamily="34" charset="0"/>
+                <a:buChar char="•"/>
+              </a:pPr>
+              <a:r>
+                <a:rPr lang="en-US" sz="2000" dirty="0"/>
+                <a:t>P# program runs unrestricted for production</a:t>
+              </a:r>
+            </a:p>
+          </p:txBody>
+        </p:sp>
+      </p:grpSp>
+      <p:grpSp>
+        <p:nvGrpSpPr>
+          <p:cNvPr id="67" name="Group 66"/>
+          <p:cNvGrpSpPr/>
+          <p:nvPr/>
+        </p:nvGrpSpPr>
+        <p:grpSpPr>
+          <a:xfrm>
+            <a:off x="721443" y="3568924"/>
+            <a:ext cx="11254247" cy="2813425"/>
+            <a:chOff x="8144799" y="989221"/>
+            <a:chExt cx="11254247" cy="2813425"/>
+          </a:xfrm>
+        </p:grpSpPr>
+        <p:grpSp>
+          <p:nvGrpSpPr>
+            <p:cNvPr id="68" name="Group 67"/>
+            <p:cNvGrpSpPr/>
+            <p:nvPr/>
+          </p:nvGrpSpPr>
+          <p:grpSpPr>
+            <a:xfrm>
+              <a:off x="8144799" y="1606263"/>
+              <a:ext cx="4224182" cy="1102121"/>
+              <a:chOff x="1821426" y="1952915"/>
+              <a:chExt cx="8448380" cy="1102121"/>
+            </a:xfrm>
+          </p:grpSpPr>
+          <p:cxnSp>
+            <p:nvCxnSpPr>
+              <p:cNvPr id="70" name="Straight Arrow Connector 69"/>
+              <p:cNvCxnSpPr>
+                <a:stCxn id="69" idx="1"/>
+              </p:cNvCxnSpPr>
+              <p:nvPr/>
+            </p:nvCxnSpPr>
+            <p:spPr>
+              <a:xfrm flipH="1" flipV="1">
+                <a:off x="8568823" y="2525762"/>
+                <a:ext cx="1700983" cy="216824"/>
+              </a:xfrm>
+              <a:prstGeom prst="straightConnector1">
+                <a:avLst/>
+              </a:prstGeom>
+              <a:ln>
+                <a:solidFill>
+                  <a:schemeClr val="tx1"/>
+                </a:solidFill>
+                <a:tailEnd type="triangle"/>
+              </a:ln>
+            </p:spPr>
+            <p:style>
+              <a:lnRef idx="3">
+                <a:schemeClr val="accent2"/>
+              </a:lnRef>
+              <a:fillRef idx="0">
+                <a:schemeClr val="accent2"/>
+              </a:fillRef>
+              <a:effectRef idx="2">
+                <a:schemeClr val="accent2"/>
+              </a:effectRef>
+              <a:fontRef idx="minor">
+                <a:schemeClr val="tx1"/>
+              </a:fontRef>
+            </p:style>
+          </p:cxnSp>
+          <p:sp>
+            <p:nvSpPr>
+              <p:cNvPr id="71" name="Rectangle 70"/>
+              <p:cNvSpPr/>
+              <p:nvPr/>
+            </p:nvSpPr>
+            <p:spPr>
+              <a:xfrm>
+                <a:off x="1821426" y="1952915"/>
+                <a:ext cx="6599915" cy="1102121"/>
+              </a:xfrm>
+              <a:prstGeom prst="rect">
+                <a:avLst/>
+              </a:prstGeom>
+              <a:noFill/>
+              <a:ln w="19050">
+                <a:solidFill>
+                  <a:schemeClr val="tx1"/>
+                </a:solidFill>
+              </a:ln>
+            </p:spPr>
+            <p:style>
+              <a:lnRef idx="2">
+                <a:schemeClr val="accent2"/>
+              </a:lnRef>
+              <a:fillRef idx="1">
+                <a:schemeClr val="lt1"/>
+              </a:fillRef>
+              <a:effectRef idx="0">
+                <a:schemeClr val="accent2"/>
+              </a:effectRef>
+              <a:fontRef idx="minor">
+                <a:schemeClr val="dk1"/>
+              </a:fontRef>
+            </p:style>
+            <p:txBody>
+              <a:bodyPr rtlCol="0" anchor="ctr"/>
+              <a:lstStyle/>
+              <a:p>
+                <a:pPr algn="ctr"/>
+                <a:endParaRPr lang="en-GB" dirty="0"/>
+              </a:p>
+            </p:txBody>
+          </p:sp>
+        </p:grpSp>
+        <p:sp>
+          <p:nvSpPr>
+            <p:cNvPr id="69" name="TextBox 68"/>
+            <p:cNvSpPr txBox="1"/>
+            <p:nvPr/>
+          </p:nvSpPr>
+          <p:spPr>
+            <a:xfrm>
+              <a:off x="12368981" y="989221"/>
+              <a:ext cx="7030065" cy="2813425"/>
+            </a:xfrm>
+            <a:prstGeom prst="rect">
+              <a:avLst/>
+            </a:prstGeom>
+            <a:noFill/>
+            <a:ln>
+              <a:noFill/>
+            </a:ln>
+          </p:spPr>
+          <p:txBody>
+            <a:bodyPr wrap="square" lIns="179285" tIns="143428" rIns="179285" bIns="143428" rtlCol="0">
+              <a:spAutoFit/>
+            </a:bodyPr>
+            <a:lstStyle/>
+            <a:p>
+              <a:pPr algn="ctr">
+                <a:lnSpc>
+                  <a:spcPct val="90000"/>
+                </a:lnSpc>
+                <a:spcAft>
+                  <a:spcPts val="588"/>
+                </a:spcAft>
+              </a:pPr>
+              <a:r>
+                <a:rPr lang="en-US" sz="2000" u="sng" dirty="0"/>
+                <a:t>P# Test</a:t>
+              </a:r>
+            </a:p>
+            <a:p>
+              <a:pPr marL="342900" indent="-342900">
+                <a:lnSpc>
+                  <a:spcPct val="90000"/>
+                </a:lnSpc>
+                <a:spcAft>
+                  <a:spcPts val="588"/>
+                </a:spcAft>
+                <a:buFont typeface="Arial" panose="020B0604020202020204" pitchFamily="34" charset="0"/>
+                <a:buChar char="•"/>
+              </a:pPr>
+              <a:r>
+                <a:rPr lang="en-US" sz="2000" dirty="0"/>
+                <a:t>Entry point to a P# test</a:t>
+              </a:r>
+            </a:p>
+            <a:p>
+              <a:pPr marL="342900" indent="-342900">
+                <a:lnSpc>
+                  <a:spcPct val="90000"/>
+                </a:lnSpc>
+                <a:spcAft>
+                  <a:spcPts val="588"/>
+                </a:spcAft>
+                <a:buFont typeface="Arial" panose="020B0604020202020204" pitchFamily="34" charset="0"/>
+                <a:buChar char="•"/>
+              </a:pPr>
+              <a:r>
+                <a:rPr lang="en-US" sz="2000" dirty="0"/>
+                <a:t>P# tester finds all methods in a specified binary that are marked with [</a:t>
+              </a:r>
+              <a:r>
+                <a:rPr lang="en-US" sz="2000" dirty="0" err="1"/>
+                <a:t>Microsoft.Psharp.Test</a:t>
+              </a:r>
+              <a:r>
+                <a:rPr lang="en-US" sz="2000" dirty="0"/>
+                <a:t>] attribute</a:t>
+              </a:r>
+            </a:p>
+            <a:p>
+              <a:pPr marL="342900" indent="-342900">
+                <a:lnSpc>
+                  <a:spcPct val="90000"/>
+                </a:lnSpc>
+                <a:spcAft>
+                  <a:spcPts val="588"/>
+                </a:spcAft>
+                <a:buFont typeface="Arial" panose="020B0604020202020204" pitchFamily="34" charset="0"/>
+                <a:buChar char="•"/>
+              </a:pPr>
+              <a:r>
+                <a:rPr lang="en-US" sz="2000" dirty="0"/>
+                <a:t>P# tester invokes test method by passing the P# bug-finding runtime</a:t>
+              </a:r>
+            </a:p>
+            <a:p>
+              <a:pPr marL="342900" indent="-342900">
+                <a:lnSpc>
+                  <a:spcPct val="90000"/>
+                </a:lnSpc>
+                <a:spcAft>
+                  <a:spcPts val="588"/>
+                </a:spcAft>
+                <a:buFont typeface="Arial" panose="020B0604020202020204" pitchFamily="34" charset="0"/>
+                <a:buChar char="•"/>
+              </a:pPr>
+              <a:r>
+                <a:rPr lang="en-US" sz="2000" dirty="0"/>
+                <a:t>Runs many iterations of the program using the P# bug-finding runtime</a:t>
+              </a:r>
+            </a:p>
+          </p:txBody>
+        </p:sp>
+      </p:grpSp>
+    </p:spTree>
+    <p:extLst>
+      <p:ext uri="{BB962C8B-B14F-4D97-AF65-F5344CB8AC3E}">
+        <p14:creationId xmlns:p14="http://schemas.microsoft.com/office/powerpoint/2010/main" val="3242813616"/>
+      </p:ext>
+    </p:extLst>
+  </p:cSld>
+  <p:clrMapOvr>
+    <a:masterClrMapping/>
+  </p:clrMapOvr>
+  <p:timing>
+    <p:tnLst>
+      <p:par>
+        <p:cTn id="1" dur="indefinite" restart="never" nodeType="tmRoot">
+          <p:childTnLst>
+            <p:seq concurrent="1" nextAc="seek">
+              <p:cTn id="2" dur="indefinite" nodeType="mainSeq">
+                <p:childTnLst>
+                  <p:par>
+                    <p:cTn id="3" fill="hold">
+                      <p:stCondLst>
+                        <p:cond delay="indefinite"/>
+                      </p:stCondLst>
+                      <p:childTnLst>
+                        <p:par>
+                          <p:cTn id="4" fill="hold">
+                            <p:stCondLst>
+                              <p:cond delay="0"/>
+                            </p:stCondLst>
+                            <p:childTnLst>
+                              <p:par>
+                                <p:cTn id="5" presetID="1" presetClass="entr" presetSubtype="0" fill="hold" nodeType="clickEffect">
+                                  <p:stCondLst>
+                                    <p:cond delay="0"/>
+                                  </p:stCondLst>
+                                  <p:childTnLst>
+                                    <p:set>
+                                      <p:cBhvr>
+                                        <p:cTn id="6" dur="1" fill="hold">
+                                          <p:stCondLst>
+                                            <p:cond delay="0"/>
+                                          </p:stCondLst>
+                                        </p:cTn>
+                                        <p:tgtEl>
+                                          <p:spTgt spid="46"/>
+                                        </p:tgtEl>
+                                        <p:attrNameLst>
+                                          <p:attrName>style.visibility</p:attrName>
+                                        </p:attrNameLst>
+                                      </p:cBhvr>
+                                      <p:to>
+                                        <p:strVal val="visible"/>
+                                      </p:to>
+                                    </p:set>
+                                  </p:childTnLst>
+                                </p:cTn>
+                              </p:par>
+                            </p:childTnLst>
+                          </p:cTn>
+                        </p:par>
+                      </p:childTnLst>
+                    </p:cTn>
+                  </p:par>
+                  <p:par>
+                    <p:cTn id="7" fill="hold">
+                      <p:stCondLst>
+                        <p:cond delay="indefinite"/>
+                      </p:stCondLst>
+                      <p:childTnLst>
+                        <p:par>
+                          <p:cTn id="8" fill="hold">
+                            <p:stCondLst>
+                              <p:cond delay="0"/>
+                            </p:stCondLst>
+                            <p:childTnLst>
+                              <p:par>
+                                <p:cTn id="9" presetID="1" presetClass="entr" presetSubtype="0" fill="hold" nodeType="clickEffect">
+                                  <p:stCondLst>
+                                    <p:cond delay="0"/>
+                                  </p:stCondLst>
+                                  <p:childTnLst>
+                                    <p:set>
+                                      <p:cBhvr>
+                                        <p:cTn id="10" dur="1" fill="hold">
+                                          <p:stCondLst>
+                                            <p:cond delay="0"/>
+                                          </p:stCondLst>
+                                        </p:cTn>
+                                        <p:tgtEl>
+                                          <p:spTgt spid="67"/>
+                                        </p:tgtEl>
+                                        <p:attrNameLst>
+                                          <p:attrName>style.visibility</p:attrName>
+                                        </p:attrNameLst>
+                                      </p:cBhvr>
+                                      <p:to>
+                                        <p:strVal val="visible"/>
+                                      </p:to>
+                                    </p:set>
+                                  </p:childTnLst>
+                                </p:cTn>
+                              </p:par>
+                            </p:childTnLst>
+                          </p:cTn>
+                        </p:par>
+                      </p:childTnLst>
+                    </p:cTn>
+                  </p:par>
+                </p:childTnLst>
+              </p:cTn>
+              <p:prevCondLst>
+                <p:cond evt="onPrev" delay="0">
+                  <p:tgtEl>
+                    <p:sldTgt/>
+                  </p:tgtEl>
+                </p:cond>
+              </p:prevCondLst>
+              <p:nextCondLst>
+                <p:cond evt="onNext" delay="0">
+                  <p:tgtEl>
+                    <p:sldTgt/>
+                  </p:tgtEl>
+                </p:cond>
+              </p:nextCondLst>
+            </p:seq>
+          </p:childTnLst>
+        </p:cTn>
+      </p:par>
+    </p:tnLst>
+  </p:timing>
+</p:sld>
+</file>
+
+<file path=ppt/slides/slide19.xml><?xml version="1.0" encoding="utf-8"?>
+<p:sld xmlns:a="http://schemas.openxmlformats.org/drawingml/2006/main" xmlns:r="http://schemas.openxmlformats.org/officeDocument/2006/relationships" xmlns:p="http://schemas.openxmlformats.org/presentationml/2006/main">
+  <p:cSld>
+    <p:spTree>
+      <p:nvGrpSpPr>
+        <p:cNvPr id="1" name=""/>
+        <p:cNvGrpSpPr/>
+        <p:nvPr/>
+      </p:nvGrpSpPr>
+      <p:grpSpPr>
+        <a:xfrm>
+          <a:off x="0" y="0"/>
+          <a:ext cx="0" cy="0"/>
+          <a:chOff x="0" y="0"/>
+          <a:chExt cx="0" cy="0"/>
+        </a:xfrm>
+      </p:grpSpPr>
+      <p:sp>
+        <p:nvSpPr>
+          <p:cNvPr id="2" name="Title 1"/>
+          <p:cNvSpPr>
+            <a:spLocks noGrp="1"/>
+          </p:cNvSpPr>
+          <p:nvPr>
+            <p:ph type="title"/>
+          </p:nvPr>
+        </p:nvSpPr>
+        <p:spPr/>
+        <p:txBody>
+          <a:bodyPr/>
+          <a:lstStyle/>
+          <a:p>
+            <a:r>
+              <a:rPr lang="en-US" dirty="0"/>
+              <a:t>P# Tester</a:t>
+            </a:r>
+          </a:p>
+        </p:txBody>
+      </p:sp>
+      <p:sp>
+        <p:nvSpPr>
+          <p:cNvPr id="3" name="Content Placeholder 2"/>
+          <p:cNvSpPr>
+            <a:spLocks noGrp="1"/>
+          </p:cNvSpPr>
+          <p:nvPr>
+            <p:ph idx="1"/>
+          </p:nvPr>
+        </p:nvSpPr>
+        <p:spPr/>
+        <p:txBody>
+          <a:bodyPr>
+            <a:normAutofit fontScale="92500" lnSpcReduction="20000"/>
+          </a:bodyPr>
+          <a:lstStyle/>
+          <a:p>
+            <a:r>
+              <a:rPr lang="en-US" dirty="0"/>
+              <a:t>Executes a given P# test method using the P# bug-finding runtime:</a:t>
+            </a:r>
+          </a:p>
+          <a:p>
+            <a:pPr lvl="1"/>
+            <a:r>
+              <a:rPr lang="en-US" dirty="0"/>
+              <a:t>Takes control of the machine scheduler</a:t>
+            </a:r>
+          </a:p>
+          <a:p>
+            <a:pPr lvl="1"/>
+            <a:r>
+              <a:rPr lang="en-US" dirty="0"/>
+              <a:t>Serializes program execution</a:t>
+            </a:r>
+          </a:p>
+          <a:p>
+            <a:pPr lvl="1"/>
+            <a:r>
+              <a:rPr lang="en-US" dirty="0"/>
+              <a:t>Runs the P# test from start to finish, for a user-specified number of iterations, each time executing a (potentially) different schedule</a:t>
+            </a:r>
+          </a:p>
+          <a:p>
+            <a:pPr lvl="1"/>
+            <a:r>
+              <a:rPr lang="en-US" dirty="0"/>
+              <a:t>Iterations can be parallelized on </a:t>
+            </a:r>
+            <a:r>
+              <a:rPr lang="en-US"/>
+              <a:t>the cloud!</a:t>
+            </a:r>
+            <a:endParaRPr lang="en-US" dirty="0"/>
+          </a:p>
+          <a:p>
+            <a:r>
+              <a:rPr lang="en-US" dirty="0"/>
+              <a:t>If a bug is found, the tester dumps:</a:t>
+            </a:r>
+          </a:p>
+          <a:p>
+            <a:pPr lvl="1"/>
+            <a:r>
+              <a:rPr lang="en-US" dirty="0"/>
+              <a:t>Reproducible trace</a:t>
+            </a:r>
+          </a:p>
+          <a:p>
+            <a:pPr lvl="1"/>
+            <a:r>
+              <a:rPr lang="en-US" dirty="0"/>
+              <a:t>Human-readable log of all events that led to the bug</a:t>
+            </a:r>
+          </a:p>
+          <a:p>
+            <a:pPr lvl="1"/>
+            <a:r>
+              <a:rPr lang="en-US" dirty="0"/>
+              <a:t>Various statistics (e.g. coverage)</a:t>
+            </a:r>
+          </a:p>
+          <a:p>
+            <a:r>
+              <a:rPr lang="en-US" dirty="0" err="1"/>
+              <a:t>Replayer</a:t>
+            </a:r>
+            <a:r>
+              <a:rPr lang="en-US" dirty="0"/>
+              <a:t> tool can replay the buggy schedule</a:t>
+            </a:r>
+          </a:p>
+          <a:p>
+            <a:pPr lvl="1"/>
+            <a:r>
+              <a:rPr lang="en-US" dirty="0"/>
+              <a:t>Allows to attach the visual studio debugger</a:t>
+            </a:r>
+          </a:p>
+          <a:p>
+            <a:pPr lvl="1"/>
+            <a:r>
+              <a:rPr lang="en-US" dirty="0"/>
+              <a:t>User can insert breakpoints</a:t>
+            </a:r>
+          </a:p>
+        </p:txBody>
+      </p:sp>
+    </p:spTree>
+    <p:extLst>
+      <p:ext uri="{BB962C8B-B14F-4D97-AF65-F5344CB8AC3E}">
+        <p14:creationId xmlns:p14="http://schemas.microsoft.com/office/powerpoint/2010/main" val="2027814071"/>
+      </p:ext>
+    </p:extLst>
+  </p:cSld>
+  <p:clrMapOvr>
+    <a:masterClrMapping/>
+  </p:clrMapOvr>
+</p:sld>
+</file>
+
 <file path=ppt/slides/slide2.xml><?xml version="1.0" encoding="utf-8"?>
 <p:sld xmlns:a="http://schemas.openxmlformats.org/drawingml/2006/main" xmlns:r="http://schemas.openxmlformats.org/officeDocument/2006/relationships" xmlns:p="http://schemas.openxmlformats.org/presentationml/2006/main">
   <p:cSld>
@@ -6887,6 +12452,168 @@
     <p:extLst>
       <p:ext uri="{BB962C8B-B14F-4D97-AF65-F5344CB8AC3E}">
         <p14:creationId xmlns:p14="http://schemas.microsoft.com/office/powerpoint/2010/main" val="2734397116"/>
+      </p:ext>
+    </p:extLst>
+  </p:cSld>
+  <p:clrMapOvr>
+    <a:masterClrMapping/>
+  </p:clrMapOvr>
+</p:sld>
+</file>
+
+<file path=ppt/slides/slide20.xml><?xml version="1.0" encoding="utf-8"?>
+<p:sld xmlns:a="http://schemas.openxmlformats.org/drawingml/2006/main" xmlns:r="http://schemas.openxmlformats.org/officeDocument/2006/relationships" xmlns:p="http://schemas.openxmlformats.org/presentationml/2006/main">
+  <p:cSld>
+    <p:spTree>
+      <p:nvGrpSpPr>
+        <p:cNvPr id="1" name=""/>
+        <p:cNvGrpSpPr/>
+        <p:nvPr/>
+      </p:nvGrpSpPr>
+      <p:grpSpPr>
+        <a:xfrm>
+          <a:off x="0" y="0"/>
+          <a:ext cx="0" cy="0"/>
+          <a:chOff x="0" y="0"/>
+          <a:chExt cx="0" cy="0"/>
+        </a:xfrm>
+      </p:grpSpPr>
+      <p:sp>
+        <p:nvSpPr>
+          <p:cNvPr id="2" name="Title 1"/>
+          <p:cNvSpPr>
+            <a:spLocks noGrp="1"/>
+          </p:cNvSpPr>
+          <p:nvPr>
+            <p:ph type="title"/>
+          </p:nvPr>
+        </p:nvSpPr>
+        <p:spPr/>
+        <p:txBody>
+          <a:bodyPr/>
+          <a:lstStyle/>
+          <a:p>
+            <a:r>
+              <a:rPr lang="en-US" dirty="0"/>
+              <a:t>Screenshot: VS debugging</a:t>
+            </a:r>
+          </a:p>
+        </p:txBody>
+      </p:sp>
+      <p:pic>
+        <p:nvPicPr>
+          <p:cNvPr id="4" name="Content Placeholder 3"/>
+          <p:cNvPicPr>
+            <a:picLocks noGrp="1" noChangeAspect="1"/>
+          </p:cNvPicPr>
+          <p:nvPr>
+            <p:ph idx="1"/>
+          </p:nvPr>
+        </p:nvPicPr>
+        <p:blipFill>
+          <a:blip r:embed="rId2" cstate="print">
+            <a:extLst>
+              <a:ext uri="{28A0092B-C50C-407E-A947-70E740481C1C}">
+                <a14:useLocalDpi xmlns:a14="http://schemas.microsoft.com/office/drawing/2010/main" val="0"/>
+              </a:ext>
+            </a:extLst>
+          </a:blip>
+          <a:stretch>
+            <a:fillRect/>
+          </a:stretch>
+        </p:blipFill>
+        <p:spPr>
+          <a:xfrm>
+            <a:off x="838200" y="1493115"/>
+            <a:ext cx="9090891" cy="5113626"/>
+          </a:xfrm>
+        </p:spPr>
+      </p:pic>
+    </p:spTree>
+    <p:extLst>
+      <p:ext uri="{BB962C8B-B14F-4D97-AF65-F5344CB8AC3E}">
+        <p14:creationId xmlns:p14="http://schemas.microsoft.com/office/powerpoint/2010/main" val="4203720449"/>
+      </p:ext>
+    </p:extLst>
+  </p:cSld>
+  <p:clrMapOvr>
+    <a:masterClrMapping/>
+  </p:clrMapOvr>
+</p:sld>
+</file>
+
+<file path=ppt/slides/slide21.xml><?xml version="1.0" encoding="utf-8"?>
+<p:sld xmlns:a="http://schemas.openxmlformats.org/drawingml/2006/main" xmlns:r="http://schemas.openxmlformats.org/officeDocument/2006/relationships" xmlns:p="http://schemas.openxmlformats.org/presentationml/2006/main">
+  <p:cSld>
+    <p:spTree>
+      <p:nvGrpSpPr>
+        <p:cNvPr id="1" name=""/>
+        <p:cNvGrpSpPr/>
+        <p:nvPr/>
+      </p:nvGrpSpPr>
+      <p:grpSpPr>
+        <a:xfrm>
+          <a:off x="0" y="0"/>
+          <a:ext cx="0" cy="0"/>
+          <a:chOff x="0" y="0"/>
+          <a:chExt cx="0" cy="0"/>
+        </a:xfrm>
+      </p:grpSpPr>
+      <p:sp>
+        <p:nvSpPr>
+          <p:cNvPr id="2" name="Title 1"/>
+          <p:cNvSpPr>
+            <a:spLocks noGrp="1"/>
+          </p:cNvSpPr>
+          <p:nvPr>
+            <p:ph type="title"/>
+          </p:nvPr>
+        </p:nvSpPr>
+        <p:spPr/>
+        <p:txBody>
+          <a:bodyPr/>
+          <a:lstStyle/>
+          <a:p>
+            <a:r>
+              <a:rPr lang="en-US" dirty="0"/>
+              <a:t>Screenshot: Coverage of a test run</a:t>
+            </a:r>
+          </a:p>
+        </p:txBody>
+      </p:sp>
+      <p:pic>
+        <p:nvPicPr>
+          <p:cNvPr id="4" name="Content Placeholder 3"/>
+          <p:cNvPicPr>
+            <a:picLocks noGrp="1" noChangeAspect="1"/>
+          </p:cNvPicPr>
+          <p:nvPr>
+            <p:ph idx="1"/>
+          </p:nvPr>
+        </p:nvPicPr>
+        <p:blipFill>
+          <a:blip r:embed="rId2" cstate="print">
+            <a:extLst>
+              <a:ext uri="{28A0092B-C50C-407E-A947-70E740481C1C}">
+                <a14:useLocalDpi xmlns:a14="http://schemas.microsoft.com/office/drawing/2010/main" val="0"/>
+              </a:ext>
+            </a:extLst>
+          </a:blip>
+          <a:stretch>
+            <a:fillRect/>
+          </a:stretch>
+        </p:blipFill>
+        <p:spPr>
+          <a:xfrm>
+            <a:off x="1018181" y="1690688"/>
+            <a:ext cx="8809310" cy="4955237"/>
+          </a:xfrm>
+        </p:spPr>
+      </p:pic>
+    </p:spTree>
+    <p:extLst>
+      <p:ext uri="{BB962C8B-B14F-4D97-AF65-F5344CB8AC3E}">
+        <p14:creationId xmlns:p14="http://schemas.microsoft.com/office/powerpoint/2010/main" val="417009358"/>
       </p:ext>
     </p:extLst>
   </p:cSld>

--- a/Tutorial/P-tutorial.pptx
+++ b/Tutorial/P-tutorial.pptx
@@ -5,7 +5,7 @@
     <p:sldMasterId id="2147483648" r:id="rId1"/>
   </p:sldMasterIdLst>
   <p:notesMasterIdLst>
-    <p:notesMasterId r:id="rId23"/>
+    <p:notesMasterId r:id="rId25"/>
   </p:notesMasterIdLst>
   <p:sldIdLst>
     <p:sldId id="256" r:id="rId2"/>
@@ -16,19 +16,21 @@
     <p:sldId id="258" r:id="rId7"/>
     <p:sldId id="266" r:id="rId8"/>
     <p:sldId id="259" r:id="rId9"/>
-    <p:sldId id="260" r:id="rId10"/>
-    <p:sldId id="261" r:id="rId11"/>
-    <p:sldId id="262" r:id="rId12"/>
-    <p:sldId id="263" r:id="rId13"/>
-    <p:sldId id="267" r:id="rId14"/>
-    <p:sldId id="272" r:id="rId15"/>
-    <p:sldId id="273" r:id="rId16"/>
-    <p:sldId id="274" r:id="rId17"/>
-    <p:sldId id="275" r:id="rId18"/>
-    <p:sldId id="276" r:id="rId19"/>
-    <p:sldId id="277" r:id="rId20"/>
-    <p:sldId id="278" r:id="rId21"/>
-    <p:sldId id="279" r:id="rId22"/>
+    <p:sldId id="280" r:id="rId10"/>
+    <p:sldId id="283" r:id="rId11"/>
+    <p:sldId id="267" r:id="rId12"/>
+    <p:sldId id="284" r:id="rId13"/>
+    <p:sldId id="285" r:id="rId14"/>
+    <p:sldId id="287" r:id="rId15"/>
+    <p:sldId id="288" r:id="rId16"/>
+    <p:sldId id="272" r:id="rId17"/>
+    <p:sldId id="273" r:id="rId18"/>
+    <p:sldId id="274" r:id="rId19"/>
+    <p:sldId id="275" r:id="rId20"/>
+    <p:sldId id="276" r:id="rId21"/>
+    <p:sldId id="277" r:id="rId22"/>
+    <p:sldId id="278" r:id="rId23"/>
+    <p:sldId id="279" r:id="rId24"/>
   </p:sldIdLst>
   <p:sldSz cx="12192000" cy="6858000"/>
   <p:notesSz cx="6858000" cy="9144000"/>
@@ -221,7 +223,7 @@
           <a:p>
             <a:fld id="{4D6C1395-F38E-4BBC-A387-C9D21622F6E5}" type="datetimeFigureOut">
               <a:rPr lang="en-US" smtClean="0"/>
-              <a:t>5/25/2017</a:t>
+              <a:t>5/27/2017</a:t>
             </a:fld>
             <a:endParaRPr lang="en-US"/>
           </a:p>
@@ -691,7 +693,7 @@
           <a:p>
             <a:fld id="{DCC5E34C-0BEF-42D1-A3A4-98A0EFA3EE0B}" type="datetime8">
               <a:rPr lang="en-US" smtClean="0"/>
-              <a:t>5/25/2017 9:35 PM</a:t>
+              <a:t>5/27/2017 9:20 AM</a:t>
             </a:fld>
             <a:endParaRPr lang="en-US" dirty="0"/>
           </a:p>
@@ -863,7 +865,7 @@
           <a:p>
             <a:fld id="{4E05C90B-F8EE-4FB7-AEE7-9B0B98AB9CDF}" type="datetimeFigureOut">
               <a:rPr lang="en-US" smtClean="0"/>
-              <a:t>5/25/2017</a:t>
+              <a:t>5/27/2017</a:t>
             </a:fld>
             <a:endParaRPr lang="en-US"/>
           </a:p>
@@ -1031,7 +1033,7 @@
           <a:p>
             <a:fld id="{4E05C90B-F8EE-4FB7-AEE7-9B0B98AB9CDF}" type="datetimeFigureOut">
               <a:rPr lang="en-US" smtClean="0"/>
-              <a:t>5/25/2017</a:t>
+              <a:t>5/27/2017</a:t>
             </a:fld>
             <a:endParaRPr lang="en-US"/>
           </a:p>
@@ -1209,7 +1211,7 @@
           <a:p>
             <a:fld id="{4E05C90B-F8EE-4FB7-AEE7-9B0B98AB9CDF}" type="datetimeFigureOut">
               <a:rPr lang="en-US" smtClean="0"/>
-              <a:t>5/25/2017</a:t>
+              <a:t>5/27/2017</a:t>
             </a:fld>
             <a:endParaRPr lang="en-US"/>
           </a:p>
@@ -1524,7 +1526,7 @@
           <a:p>
             <a:fld id="{4E05C90B-F8EE-4FB7-AEE7-9B0B98AB9CDF}" type="datetimeFigureOut">
               <a:rPr lang="en-US" smtClean="0"/>
-              <a:t>5/25/2017</a:t>
+              <a:t>5/27/2017</a:t>
             </a:fld>
             <a:endParaRPr lang="en-US"/>
           </a:p>
@@ -1769,7 +1771,7 @@
           <a:p>
             <a:fld id="{4E05C90B-F8EE-4FB7-AEE7-9B0B98AB9CDF}" type="datetimeFigureOut">
               <a:rPr lang="en-US" smtClean="0"/>
-              <a:t>5/25/2017</a:t>
+              <a:t>5/27/2017</a:t>
             </a:fld>
             <a:endParaRPr lang="en-US"/>
           </a:p>
@@ -1998,7 +2000,7 @@
           <a:p>
             <a:fld id="{4E05C90B-F8EE-4FB7-AEE7-9B0B98AB9CDF}" type="datetimeFigureOut">
               <a:rPr lang="en-US" smtClean="0"/>
-              <a:t>5/25/2017</a:t>
+              <a:t>5/27/2017</a:t>
             </a:fld>
             <a:endParaRPr lang="en-US"/>
           </a:p>
@@ -2362,7 +2364,7 @@
           <a:p>
             <a:fld id="{4E05C90B-F8EE-4FB7-AEE7-9B0B98AB9CDF}" type="datetimeFigureOut">
               <a:rPr lang="en-US" smtClean="0"/>
-              <a:t>5/25/2017</a:t>
+              <a:t>5/27/2017</a:t>
             </a:fld>
             <a:endParaRPr lang="en-US"/>
           </a:p>
@@ -2479,7 +2481,7 @@
           <a:p>
             <a:fld id="{4E05C90B-F8EE-4FB7-AEE7-9B0B98AB9CDF}" type="datetimeFigureOut">
               <a:rPr lang="en-US" smtClean="0"/>
-              <a:t>5/25/2017</a:t>
+              <a:t>5/27/2017</a:t>
             </a:fld>
             <a:endParaRPr lang="en-US"/>
           </a:p>
@@ -2574,7 +2576,7 @@
           <a:p>
             <a:fld id="{4E05C90B-F8EE-4FB7-AEE7-9B0B98AB9CDF}" type="datetimeFigureOut">
               <a:rPr lang="en-US" smtClean="0"/>
-              <a:t>5/25/2017</a:t>
+              <a:t>5/27/2017</a:t>
             </a:fld>
             <a:endParaRPr lang="en-US"/>
           </a:p>
@@ -2849,7 +2851,7 @@
           <a:p>
             <a:fld id="{4E05C90B-F8EE-4FB7-AEE7-9B0B98AB9CDF}" type="datetimeFigureOut">
               <a:rPr lang="en-US" smtClean="0"/>
-              <a:t>5/25/2017</a:t>
+              <a:t>5/27/2017</a:t>
             </a:fld>
             <a:endParaRPr lang="en-US"/>
           </a:p>
@@ -3101,7 +3103,7 @@
           <a:p>
             <a:fld id="{4E05C90B-F8EE-4FB7-AEE7-9B0B98AB9CDF}" type="datetimeFigureOut">
               <a:rPr lang="en-US" smtClean="0"/>
-              <a:t>5/25/2017</a:t>
+              <a:t>5/27/2017</a:t>
             </a:fld>
             <a:endParaRPr lang="en-US"/>
           </a:p>
@@ -3312,7 +3314,7 @@
           <a:p>
             <a:fld id="{4E05C90B-F8EE-4FB7-AEE7-9B0B98AB9CDF}" type="datetimeFigureOut">
               <a:rPr lang="en-US" smtClean="0"/>
-              <a:t>5/25/2017</a:t>
+              <a:t>5/27/2017</a:t>
             </a:fld>
             <a:endParaRPr lang="en-US"/>
           </a:p>
@@ -3810,53 +3812,29 @@
       </p:grpSpPr>
       <p:sp>
         <p:nvSpPr>
-          <p:cNvPr id="2" name="Title 1"/>
-          <p:cNvSpPr>
-            <a:spLocks noGrp="1"/>
-          </p:cNvSpPr>
-          <p:nvPr>
-            <p:ph type="title"/>
-          </p:nvPr>
+          <p:cNvPr id="2" name="TextBox 1"/>
+          <p:cNvSpPr txBox="1"/>
+          <p:nvPr/>
         </p:nvSpPr>
-        <p:spPr/>
+        <p:spPr>
+          <a:xfrm>
+            <a:off x="4922520" y="3058160"/>
+            <a:ext cx="1805302" cy="1015663"/>
+          </a:xfrm>
+          <a:prstGeom prst="rect">
+            <a:avLst/>
+          </a:prstGeom>
+          <a:noFill/>
+        </p:spPr>
         <p:txBody>
-          <a:bodyPr/>
+          <a:bodyPr wrap="none" rtlCol="0">
+            <a:spAutoFit/>
+          </a:bodyPr>
           <a:lstStyle/>
           <a:p>
             <a:r>
-              <a:rPr lang="en-US" dirty="0"/>
-              <a:t>Environment modeling</a:t>
-            </a:r>
-          </a:p>
-        </p:txBody>
-      </p:sp>
-      <p:sp>
-        <p:nvSpPr>
-          <p:cNvPr id="3" name="Content Placeholder 2"/>
-          <p:cNvSpPr>
-            <a:spLocks noGrp="1"/>
-          </p:cNvSpPr>
-          <p:nvPr>
-            <p:ph idx="1"/>
-          </p:nvPr>
-        </p:nvSpPr>
-        <p:spPr/>
-        <p:txBody>
-          <a:bodyPr/>
-          <a:lstStyle/>
-          <a:p>
-            <a:r>
-              <a:rPr lang="en-US" dirty="0"/>
-              <a:t>Foreign function interface</a:t>
-            </a:r>
-          </a:p>
-          <a:p>
-            <a:endParaRPr lang="en-US" dirty="0"/>
-          </a:p>
-          <a:p>
-            <a:r>
-              <a:rPr lang="en-US" dirty="0"/>
-              <a:t>Modeling failures using events</a:t>
+              <a:rPr lang="en-US" sz="6000" dirty="0"/>
+              <a:t>Hello</a:t>
             </a:r>
           </a:p>
         </p:txBody>
@@ -3864,7 +3842,7 @@
     </p:spTree>
     <p:extLst>
       <p:ext uri="{BB962C8B-B14F-4D97-AF65-F5344CB8AC3E}">
-        <p14:creationId xmlns:p14="http://schemas.microsoft.com/office/powerpoint/2010/main" val="2455387089"/>
+        <p14:creationId xmlns:p14="http://schemas.microsoft.com/office/powerpoint/2010/main" val="1629686468"/>
       </p:ext>
     </p:extLst>
   </p:cSld>
@@ -3903,172 +3881,6 @@
         </p:nvSpPr>
         <p:spPr/>
         <p:txBody>
-          <a:bodyPr/>
-          <a:lstStyle/>
-          <a:p>
-            <a:r>
-              <a:rPr lang="en-US" dirty="0"/>
-              <a:t>Unit interaction tests</a:t>
-            </a:r>
-          </a:p>
-        </p:txBody>
-      </p:sp>
-      <p:sp>
-        <p:nvSpPr>
-          <p:cNvPr id="3" name="Content Placeholder 2"/>
-          <p:cNvSpPr>
-            <a:spLocks noGrp="1"/>
-          </p:cNvSpPr>
-          <p:nvPr>
-            <p:ph idx="1"/>
-          </p:nvPr>
-        </p:nvSpPr>
-        <p:spPr/>
-        <p:txBody>
-          <a:bodyPr/>
-          <a:lstStyle/>
-          <a:p>
-            <a:r>
-              <a:rPr lang="en-US" dirty="0"/>
-              <a:t>Module constructors</a:t>
-            </a:r>
-          </a:p>
-          <a:p>
-            <a:r>
-              <a:rPr lang="en-US" dirty="0"/>
-              <a:t>Test declarations</a:t>
-            </a:r>
-          </a:p>
-        </p:txBody>
-      </p:sp>
-    </p:spTree>
-    <p:extLst>
-      <p:ext uri="{BB962C8B-B14F-4D97-AF65-F5344CB8AC3E}">
-        <p14:creationId xmlns:p14="http://schemas.microsoft.com/office/powerpoint/2010/main" val="628802943"/>
-      </p:ext>
-    </p:extLst>
-  </p:cSld>
-  <p:clrMapOvr>
-    <a:masterClrMapping/>
-  </p:clrMapOvr>
-</p:sld>
-</file>
-
-<file path=ppt/slides/slide12.xml><?xml version="1.0" encoding="utf-8"?>
-<p:sld xmlns:a="http://schemas.openxmlformats.org/drawingml/2006/main" xmlns:r="http://schemas.openxmlformats.org/officeDocument/2006/relationships" xmlns:p="http://schemas.openxmlformats.org/presentationml/2006/main">
-  <p:cSld>
-    <p:spTree>
-      <p:nvGrpSpPr>
-        <p:cNvPr id="1" name=""/>
-        <p:cNvGrpSpPr/>
-        <p:nvPr/>
-      </p:nvGrpSpPr>
-      <p:grpSpPr>
-        <a:xfrm>
-          <a:off x="0" y="0"/>
-          <a:ext cx="0" cy="0"/>
-          <a:chOff x="0" y="0"/>
-          <a:chExt cx="0" cy="0"/>
-        </a:xfrm>
-      </p:grpSpPr>
-      <p:sp>
-        <p:nvSpPr>
-          <p:cNvPr id="2" name="Title 1"/>
-          <p:cNvSpPr>
-            <a:spLocks noGrp="1"/>
-          </p:cNvSpPr>
-          <p:nvPr>
-            <p:ph type="title"/>
-          </p:nvPr>
-        </p:nvSpPr>
-        <p:spPr/>
-        <p:txBody>
-          <a:bodyPr/>
-          <a:lstStyle/>
-          <a:p>
-            <a:r>
-              <a:rPr lang="en-US" dirty="0"/>
-              <a:t>Advanced language features</a:t>
-            </a:r>
-          </a:p>
-        </p:txBody>
-      </p:sp>
-      <p:sp>
-        <p:nvSpPr>
-          <p:cNvPr id="3" name="Content Placeholder 2"/>
-          <p:cNvSpPr>
-            <a:spLocks noGrp="1"/>
-          </p:cNvSpPr>
-          <p:nvPr>
-            <p:ph idx="1"/>
-          </p:nvPr>
-        </p:nvSpPr>
-        <p:spPr/>
-        <p:txBody>
-          <a:bodyPr/>
-          <a:lstStyle/>
-          <a:p>
-            <a:r>
-              <a:rPr lang="en-US" dirty="0"/>
-              <a:t>Memory management</a:t>
-            </a:r>
-          </a:p>
-          <a:p>
-            <a:r>
-              <a:rPr lang="en-US" dirty="0"/>
-              <a:t>Data-race freedom</a:t>
-            </a:r>
-          </a:p>
-          <a:p>
-            <a:endParaRPr lang="en-US" dirty="0"/>
-          </a:p>
-          <a:p>
-            <a:endParaRPr lang="en-US" dirty="0"/>
-          </a:p>
-        </p:txBody>
-      </p:sp>
-    </p:spTree>
-    <p:extLst>
-      <p:ext uri="{BB962C8B-B14F-4D97-AF65-F5344CB8AC3E}">
-        <p14:creationId xmlns:p14="http://schemas.microsoft.com/office/powerpoint/2010/main" val="3168878971"/>
-      </p:ext>
-    </p:extLst>
-  </p:cSld>
-  <p:clrMapOvr>
-    <a:masterClrMapping/>
-  </p:clrMapOvr>
-</p:sld>
-</file>
-
-<file path=ppt/slides/slide13.xml><?xml version="1.0" encoding="utf-8"?>
-<p:sld xmlns:a="http://schemas.openxmlformats.org/drawingml/2006/main" xmlns:r="http://schemas.openxmlformats.org/officeDocument/2006/relationships" xmlns:p="http://schemas.openxmlformats.org/presentationml/2006/main">
-  <p:cSld>
-    <p:spTree>
-      <p:nvGrpSpPr>
-        <p:cNvPr id="1" name=""/>
-        <p:cNvGrpSpPr/>
-        <p:nvPr/>
-      </p:nvGrpSpPr>
-      <p:grpSpPr>
-        <a:xfrm>
-          <a:off x="0" y="0"/>
-          <a:ext cx="0" cy="0"/>
-          <a:chOff x="0" y="0"/>
-          <a:chExt cx="0" cy="0"/>
-        </a:xfrm>
-      </p:grpSpPr>
-      <p:sp>
-        <p:nvSpPr>
-          <p:cNvPr id="2" name="Title 1"/>
-          <p:cNvSpPr>
-            <a:spLocks noGrp="1"/>
-          </p:cNvSpPr>
-          <p:nvPr>
-            <p:ph type="title"/>
-          </p:nvPr>
-        </p:nvSpPr>
-        <p:spPr/>
-        <p:txBody>
           <a:bodyPr>
             <a:noAutofit/>
           </a:bodyPr>
@@ -4076,7 +3888,7 @@
           <a:p>
             <a:r>
               <a:rPr lang="en-US" sz="4000" dirty="0"/>
-              <a:t>Systematic testing as a search problem</a:t>
+              <a:t>Asynchronous system as a state-transition graph</a:t>
             </a:r>
           </a:p>
         </p:txBody>
@@ -6579,6 +6391,179 @@
 </p:sld>
 </file>
 
+<file path=ppt/slides/slide12.xml><?xml version="1.0" encoding="utf-8"?>
+<p:sld xmlns:a="http://schemas.openxmlformats.org/drawingml/2006/main" xmlns:r="http://schemas.openxmlformats.org/officeDocument/2006/relationships" xmlns:p="http://schemas.openxmlformats.org/presentationml/2006/main">
+  <p:cSld>
+    <p:spTree>
+      <p:nvGrpSpPr>
+        <p:cNvPr id="1" name=""/>
+        <p:cNvGrpSpPr/>
+        <p:nvPr/>
+      </p:nvGrpSpPr>
+      <p:grpSpPr>
+        <a:xfrm>
+          <a:off x="0" y="0"/>
+          <a:ext cx="0" cy="0"/>
+          <a:chOff x="0" y="0"/>
+          <a:chExt cx="0" cy="0"/>
+        </a:xfrm>
+      </p:grpSpPr>
+      <p:sp>
+        <p:nvSpPr>
+          <p:cNvPr id="2" name="Title 1"/>
+          <p:cNvSpPr>
+            <a:spLocks noGrp="1"/>
+          </p:cNvSpPr>
+          <p:nvPr>
+            <p:ph type="title"/>
+          </p:nvPr>
+        </p:nvSpPr>
+        <p:spPr/>
+        <p:txBody>
+          <a:bodyPr/>
+          <a:lstStyle/>
+          <a:p>
+            <a:r>
+              <a:rPr lang="en-US" dirty="0"/>
+              <a:t>Safety specifications</a:t>
+            </a:r>
+          </a:p>
+        </p:txBody>
+      </p:sp>
+      <p:sp>
+        <p:nvSpPr>
+          <p:cNvPr id="3" name="Content Placeholder 2"/>
+          <p:cNvSpPr>
+            <a:spLocks noGrp="1"/>
+          </p:cNvSpPr>
+          <p:nvPr>
+            <p:ph idx="1"/>
+          </p:nvPr>
+        </p:nvSpPr>
+        <p:spPr/>
+        <p:txBody>
+          <a:bodyPr/>
+          <a:lstStyle/>
+          <a:p>
+            <a:r>
+              <a:rPr lang="en-US" dirty="0"/>
+              <a:t>Generalizes assertion in sequential programs</a:t>
+            </a:r>
+          </a:p>
+          <a:p>
+            <a:endParaRPr lang="en-US" dirty="0"/>
+          </a:p>
+          <a:p>
+            <a:r>
+              <a:rPr lang="en-US" dirty="0"/>
+              <a:t>Violation is a finite execution</a:t>
+            </a:r>
+          </a:p>
+          <a:p>
+            <a:endParaRPr lang="en-US" dirty="0"/>
+          </a:p>
+          <a:p>
+            <a:r>
+              <a:rPr lang="en-US" dirty="0"/>
+              <a:t>Categories</a:t>
+            </a:r>
+          </a:p>
+          <a:p>
+            <a:pPr lvl="1"/>
+            <a:r>
+              <a:rPr lang="en-US" dirty="0"/>
+              <a:t>Assertion</a:t>
+            </a:r>
+          </a:p>
+          <a:p>
+            <a:pPr lvl="1"/>
+            <a:r>
+              <a:rPr lang="en-US" dirty="0"/>
+              <a:t>Unhandled event</a:t>
+            </a:r>
+          </a:p>
+          <a:p>
+            <a:pPr lvl="1"/>
+            <a:r>
+              <a:rPr lang="en-US" dirty="0"/>
+              <a:t>Monitor</a:t>
+            </a:r>
+          </a:p>
+        </p:txBody>
+      </p:sp>
+    </p:spTree>
+    <p:extLst>
+      <p:ext uri="{BB962C8B-B14F-4D97-AF65-F5344CB8AC3E}">
+        <p14:creationId xmlns:p14="http://schemas.microsoft.com/office/powerpoint/2010/main" val="1446004434"/>
+      </p:ext>
+    </p:extLst>
+  </p:cSld>
+  <p:clrMapOvr>
+    <a:masterClrMapping/>
+  </p:clrMapOvr>
+</p:sld>
+</file>
+
+<file path=ppt/slides/slide13.xml><?xml version="1.0" encoding="utf-8"?>
+<p:sld xmlns:a="http://schemas.openxmlformats.org/drawingml/2006/main" xmlns:r="http://schemas.openxmlformats.org/officeDocument/2006/relationships" xmlns:p="http://schemas.openxmlformats.org/presentationml/2006/main">
+  <p:cSld>
+    <p:spTree>
+      <p:nvGrpSpPr>
+        <p:cNvPr id="1" name=""/>
+        <p:cNvGrpSpPr/>
+        <p:nvPr/>
+      </p:nvGrpSpPr>
+      <p:grpSpPr>
+        <a:xfrm>
+          <a:off x="0" y="0"/>
+          <a:ext cx="0" cy="0"/>
+          <a:chOff x="0" y="0"/>
+          <a:chExt cx="0" cy="0"/>
+        </a:xfrm>
+      </p:grpSpPr>
+      <p:sp>
+        <p:nvSpPr>
+          <p:cNvPr id="2" name="TextBox 1"/>
+          <p:cNvSpPr txBox="1"/>
+          <p:nvPr/>
+        </p:nvSpPr>
+        <p:spPr>
+          <a:xfrm>
+            <a:off x="4922520" y="3058160"/>
+            <a:ext cx="3078728" cy="1015663"/>
+          </a:xfrm>
+          <a:prstGeom prst="rect">
+            <a:avLst/>
+          </a:prstGeom>
+          <a:noFill/>
+        </p:spPr>
+        <p:txBody>
+          <a:bodyPr wrap="none" rtlCol="0">
+            <a:spAutoFit/>
+          </a:bodyPr>
+          <a:lstStyle/>
+          <a:p>
+            <a:r>
+              <a:rPr lang="en-US" sz="6000" dirty="0" err="1"/>
+              <a:t>PingPong</a:t>
+            </a:r>
+            <a:endParaRPr lang="en-US" sz="6000" dirty="0"/>
+          </a:p>
+        </p:txBody>
+      </p:sp>
+    </p:spTree>
+    <p:extLst>
+      <p:ext uri="{BB962C8B-B14F-4D97-AF65-F5344CB8AC3E}">
+        <p14:creationId xmlns:p14="http://schemas.microsoft.com/office/powerpoint/2010/main" val="4040758676"/>
+      </p:ext>
+    </p:extLst>
+  </p:cSld>
+  <p:clrMapOvr>
+    <a:masterClrMapping/>
+  </p:clrMapOvr>
+</p:sld>
+</file>
+
 <file path=ppt/slides/slide14.xml><?xml version="1.0" encoding="utf-8"?>
 <p:sld xmlns:a="http://schemas.openxmlformats.org/drawingml/2006/main" xmlns:r="http://schemas.openxmlformats.org/officeDocument/2006/relationships" xmlns:p="http://schemas.openxmlformats.org/presentationml/2006/main">
   <p:cSld>
@@ -6613,6 +6598,173 @@
           <a:p>
             <a:r>
               <a:rPr lang="en-US" dirty="0"/>
+              <a:t>Liveness specifications</a:t>
+            </a:r>
+          </a:p>
+        </p:txBody>
+      </p:sp>
+      <p:sp>
+        <p:nvSpPr>
+          <p:cNvPr id="3" name="Content Placeholder 2"/>
+          <p:cNvSpPr>
+            <a:spLocks noGrp="1"/>
+          </p:cNvSpPr>
+          <p:nvPr>
+            <p:ph idx="1"/>
+          </p:nvPr>
+        </p:nvSpPr>
+        <p:spPr/>
+        <p:txBody>
+          <a:bodyPr/>
+          <a:lstStyle/>
+          <a:p>
+            <a:r>
+              <a:rPr lang="en-US" dirty="0"/>
+              <a:t>Generalizes termination in sequential programs</a:t>
+            </a:r>
+          </a:p>
+          <a:p>
+            <a:endParaRPr lang="en-US" dirty="0"/>
+          </a:p>
+          <a:p>
+            <a:r>
+              <a:rPr lang="en-US" dirty="0"/>
+              <a:t>Violation is an infinite execution</a:t>
+            </a:r>
+          </a:p>
+          <a:p>
+            <a:endParaRPr lang="en-US" dirty="0"/>
+          </a:p>
+          <a:p>
+            <a:r>
+              <a:rPr lang="en-US" dirty="0"/>
+              <a:t>Safety -&gt; Bad never happens</a:t>
+            </a:r>
+          </a:p>
+          <a:p>
+            <a:r>
+              <a:rPr lang="en-US" dirty="0"/>
+              <a:t>Liveness -&gt; Good eventually happens</a:t>
+            </a:r>
+          </a:p>
+          <a:p>
+            <a:endParaRPr lang="en-US" dirty="0"/>
+          </a:p>
+          <a:p>
+            <a:r>
+              <a:rPr lang="en-US" dirty="0"/>
+              <a:t>Encode “Good” using liveness monitor</a:t>
+            </a:r>
+          </a:p>
+        </p:txBody>
+      </p:sp>
+    </p:spTree>
+    <p:extLst>
+      <p:ext uri="{BB962C8B-B14F-4D97-AF65-F5344CB8AC3E}">
+        <p14:creationId xmlns:p14="http://schemas.microsoft.com/office/powerpoint/2010/main" val="1649541553"/>
+      </p:ext>
+    </p:extLst>
+  </p:cSld>
+  <p:clrMapOvr>
+    <a:masterClrMapping/>
+  </p:clrMapOvr>
+</p:sld>
+</file>
+
+<file path=ppt/slides/slide15.xml><?xml version="1.0" encoding="utf-8"?>
+<p:sld xmlns:a="http://schemas.openxmlformats.org/drawingml/2006/main" xmlns:r="http://schemas.openxmlformats.org/officeDocument/2006/relationships" xmlns:p="http://schemas.openxmlformats.org/presentationml/2006/main">
+  <p:cSld>
+    <p:spTree>
+      <p:nvGrpSpPr>
+        <p:cNvPr id="1" name=""/>
+        <p:cNvGrpSpPr/>
+        <p:nvPr/>
+      </p:nvGrpSpPr>
+      <p:grpSpPr>
+        <a:xfrm>
+          <a:off x="0" y="0"/>
+          <a:ext cx="0" cy="0"/>
+          <a:chOff x="0" y="0"/>
+          <a:chExt cx="0" cy="0"/>
+        </a:xfrm>
+      </p:grpSpPr>
+      <p:sp>
+        <p:nvSpPr>
+          <p:cNvPr id="2" name="TextBox 1"/>
+          <p:cNvSpPr txBox="1"/>
+          <p:nvPr/>
+        </p:nvSpPr>
+        <p:spPr>
+          <a:xfrm>
+            <a:off x="4922520" y="3058160"/>
+            <a:ext cx="3078728" cy="1015663"/>
+          </a:xfrm>
+          <a:prstGeom prst="rect">
+            <a:avLst/>
+          </a:prstGeom>
+          <a:noFill/>
+        </p:spPr>
+        <p:txBody>
+          <a:bodyPr wrap="none" rtlCol="0">
+            <a:spAutoFit/>
+          </a:bodyPr>
+          <a:lstStyle/>
+          <a:p>
+            <a:r>
+              <a:rPr lang="en-US" sz="6000" dirty="0" err="1"/>
+              <a:t>PingPong</a:t>
+            </a:r>
+            <a:endParaRPr lang="en-US" sz="6000" dirty="0"/>
+          </a:p>
+        </p:txBody>
+      </p:sp>
+    </p:spTree>
+    <p:extLst>
+      <p:ext uri="{BB962C8B-B14F-4D97-AF65-F5344CB8AC3E}">
+        <p14:creationId xmlns:p14="http://schemas.microsoft.com/office/powerpoint/2010/main" val="190483553"/>
+      </p:ext>
+    </p:extLst>
+  </p:cSld>
+  <p:clrMapOvr>
+    <a:masterClrMapping/>
+  </p:clrMapOvr>
+</p:sld>
+</file>
+
+<file path=ppt/slides/slide16.xml><?xml version="1.0" encoding="utf-8"?>
+<p:sld xmlns:a="http://schemas.openxmlformats.org/drawingml/2006/main" xmlns:r="http://schemas.openxmlformats.org/officeDocument/2006/relationships" xmlns:p="http://schemas.openxmlformats.org/presentationml/2006/main">
+  <p:cSld>
+    <p:spTree>
+      <p:nvGrpSpPr>
+        <p:cNvPr id="1" name=""/>
+        <p:cNvGrpSpPr/>
+        <p:nvPr/>
+      </p:nvGrpSpPr>
+      <p:grpSpPr>
+        <a:xfrm>
+          <a:off x="0" y="0"/>
+          <a:ext cx="0" cy="0"/>
+          <a:chOff x="0" y="0"/>
+          <a:chExt cx="0" cy="0"/>
+        </a:xfrm>
+      </p:grpSpPr>
+      <p:sp>
+        <p:nvSpPr>
+          <p:cNvPr id="2" name="Title 1"/>
+          <p:cNvSpPr>
+            <a:spLocks noGrp="1"/>
+          </p:cNvSpPr>
+          <p:nvPr>
+            <p:ph type="title"/>
+          </p:nvPr>
+        </p:nvSpPr>
+        <p:spPr/>
+        <p:txBody>
+          <a:bodyPr/>
+          <a:lstStyle/>
+          <a:p>
+            <a:r>
+              <a:rPr lang="en-US" dirty="0"/>
               <a:t>Writing P# programs</a:t>
             </a:r>
           </a:p>
@@ -6710,7 +6862,7 @@
 </p:sld>
 </file>
 
-<file path=ppt/slides/slide15.xml><?xml version="1.0" encoding="utf-8"?>
+<file path=ppt/slides/slide17.xml><?xml version="1.0" encoding="utf-8"?>
 <p:sld xmlns:a="http://schemas.openxmlformats.org/drawingml/2006/main" xmlns:r="http://schemas.openxmlformats.org/officeDocument/2006/relationships" xmlns:p="http://schemas.openxmlformats.org/presentationml/2006/main">
   <p:cSld>
     <p:spTree>
@@ -6784,6 +6936,52 @@
                 </a:solidFill>
                 <a:latin typeface="Consolas" panose="020B0609020204030204" pitchFamily="49" charset="0"/>
               </a:rPr>
+              <a:t>event</a:t>
+            </a:r>
+            <a:r>
+              <a:rPr lang="en-GB" sz="900" dirty="0">
+                <a:solidFill>
+                  <a:srgbClr val="000000"/>
+                </a:solidFill>
+                <a:latin typeface="Consolas" panose="020B0609020204030204" pitchFamily="49" charset="0"/>
+              </a:rPr>
+              <a:t> </a:t>
+            </a:r>
+            <a:r>
+              <a:rPr lang="en-GB" sz="900" dirty="0">
+                <a:solidFill>
+                  <a:srgbClr val="2B91AF"/>
+                </a:solidFill>
+                <a:latin typeface="Consolas" panose="020B0609020204030204" pitchFamily="49" charset="0"/>
+              </a:rPr>
+              <a:t>Pong</a:t>
+            </a:r>
+            <a:r>
+              <a:rPr lang="en-GB" sz="900" dirty="0">
+                <a:solidFill>
+                  <a:srgbClr val="000000"/>
+                </a:solidFill>
+                <a:latin typeface="Consolas" panose="020B0609020204030204" pitchFamily="49" charset="0"/>
+              </a:rPr>
+              <a:t>;</a:t>
+            </a:r>
+          </a:p>
+          <a:p>
+            <a:endParaRPr lang="en-GB" sz="900" dirty="0">
+              <a:solidFill>
+                <a:srgbClr val="0000FF"/>
+              </a:solidFill>
+              <a:latin typeface="Consolas" panose="020B0609020204030204" pitchFamily="49" charset="0"/>
+            </a:endParaRPr>
+          </a:p>
+          <a:p>
+            <a:r>
+              <a:rPr lang="en-GB" sz="900" dirty="0">
+                <a:solidFill>
+                  <a:srgbClr val="0000FF"/>
+                </a:solidFill>
+                <a:latin typeface="Consolas" panose="020B0609020204030204" pitchFamily="49" charset="0"/>
+              </a:rPr>
               <a:t>machine</a:t>
             </a:r>
             <a:r>
@@ -6821,61 +7019,6 @@
               </a:rPr>
               <a:t>{</a:t>
             </a:r>
-          </a:p>
-          <a:p>
-            <a:r>
-              <a:rPr lang="en-GB" sz="900" dirty="0">
-                <a:solidFill>
-                  <a:srgbClr val="000000"/>
-                </a:solidFill>
-                <a:latin typeface="Consolas" panose="020B0609020204030204" pitchFamily="49" charset="0"/>
-              </a:rPr>
-              <a:t>    </a:t>
-            </a:r>
-            <a:r>
-              <a:rPr lang="en-GB" sz="900" dirty="0">
-                <a:solidFill>
-                  <a:srgbClr val="0000FF"/>
-                </a:solidFill>
-                <a:latin typeface="Consolas" panose="020B0609020204030204" pitchFamily="49" charset="0"/>
-              </a:rPr>
-              <a:t>event</a:t>
-            </a:r>
-            <a:r>
-              <a:rPr lang="en-GB" sz="900" dirty="0">
-                <a:solidFill>
-                  <a:srgbClr val="000000"/>
-                </a:solidFill>
-                <a:latin typeface="Consolas" panose="020B0609020204030204" pitchFamily="49" charset="0"/>
-              </a:rPr>
-              <a:t> </a:t>
-            </a:r>
-            <a:r>
-              <a:rPr lang="en-GB" sz="900" dirty="0">
-                <a:solidFill>
-                  <a:srgbClr val="2B91AF"/>
-                </a:solidFill>
-                <a:latin typeface="Consolas" panose="020B0609020204030204" pitchFamily="49" charset="0"/>
-              </a:rPr>
-              <a:t>Pong</a:t>
-            </a:r>
-            <a:r>
-              <a:rPr lang="en-GB" sz="900" dirty="0">
-                <a:solidFill>
-                  <a:srgbClr val="000000"/>
-                </a:solidFill>
-                <a:latin typeface="Consolas" panose="020B0609020204030204" pitchFamily="49" charset="0"/>
-              </a:rPr>
-              <a:t>;</a:t>
-            </a:r>
-          </a:p>
-          <a:p>
-            <a:endParaRPr lang="en-GB" sz="900" dirty="0">
-              <a:solidFill>
-                <a:srgbClr val="000000"/>
-              </a:solidFill>
-              <a:latin typeface="Consolas" panose="020B0609020204030204" pitchFamily="49" charset="0"/>
-            </a:endParaRPr>
           </a:p>
           <a:p>
             <a:r>
@@ -6966,25 +7109,7 @@
                 </a:solidFill>
                 <a:latin typeface="Consolas" panose="020B0609020204030204" pitchFamily="49" charset="0"/>
               </a:rPr>
-              <a:t> </a:t>
-            </a:r>
-            <a:r>
-              <a:rPr lang="en-GB" sz="900" dirty="0" err="1">
-                <a:solidFill>
-                  <a:srgbClr val="000000"/>
-                </a:solidFill>
-                <a:latin typeface="Consolas" panose="020B0609020204030204" pitchFamily="49" charset="0"/>
-              </a:rPr>
-              <a:t>Client.Ping</a:t>
-            </a:r>
-            <a:r>
-              <a:rPr lang="en-GB" sz="900" dirty="0">
-                <a:solidFill>
-                  <a:srgbClr val="000000"/>
-                </a:solidFill>
-                <a:latin typeface="Consolas" panose="020B0609020204030204" pitchFamily="49" charset="0"/>
-              </a:rPr>
-              <a:t> </a:t>
+              <a:t> Ping </a:t>
             </a:r>
             <a:r>
               <a:rPr lang="en-GB" sz="900" dirty="0">
@@ -7144,25 +7269,7 @@
                 </a:solidFill>
                 <a:latin typeface="Consolas" panose="020B0609020204030204" pitchFamily="49" charset="0"/>
               </a:rPr>
-              <a:t> </a:t>
-            </a:r>
-            <a:r>
-              <a:rPr lang="en-GB" sz="900" dirty="0" err="1">
-                <a:solidFill>
-                  <a:srgbClr val="000000"/>
-                </a:solidFill>
-                <a:latin typeface="Consolas" panose="020B0609020204030204" pitchFamily="49" charset="0"/>
-              </a:rPr>
-              <a:t>Client.Ping</a:t>
-            </a:r>
-            <a:r>
-              <a:rPr lang="en-GB" sz="900" dirty="0">
-                <a:solidFill>
-                  <a:srgbClr val="000000"/>
-                </a:solidFill>
-                <a:latin typeface="Consolas" panose="020B0609020204030204" pitchFamily="49" charset="0"/>
-              </a:rPr>
-              <a:t>).client;</a:t>
+              <a:t> Ping).client;</a:t>
             </a:r>
           </a:p>
           <a:p>
@@ -7247,6 +7354,164 @@
                 </a:solidFill>
                 <a:latin typeface="Consolas" panose="020B0609020204030204" pitchFamily="49" charset="0"/>
               </a:rPr>
+              <a:t>event</a:t>
+            </a:r>
+            <a:r>
+              <a:rPr lang="en-GB" sz="900" dirty="0">
+                <a:solidFill>
+                  <a:srgbClr val="000000"/>
+                </a:solidFill>
+                <a:latin typeface="Consolas" panose="020B0609020204030204" pitchFamily="49" charset="0"/>
+              </a:rPr>
+              <a:t> </a:t>
+            </a:r>
+            <a:r>
+              <a:rPr lang="en-GB" sz="900" dirty="0">
+                <a:solidFill>
+                  <a:srgbClr val="2B91AF"/>
+                </a:solidFill>
+                <a:latin typeface="Consolas" panose="020B0609020204030204" pitchFamily="49" charset="0"/>
+              </a:rPr>
+              <a:t>Config</a:t>
+            </a:r>
+            <a:r>
+              <a:rPr lang="en-GB" sz="900" dirty="0">
+                <a:solidFill>
+                  <a:srgbClr val="000000"/>
+                </a:solidFill>
+                <a:latin typeface="Consolas" panose="020B0609020204030204" pitchFamily="49" charset="0"/>
+              </a:rPr>
+              <a:t> (server: </a:t>
+            </a:r>
+            <a:r>
+              <a:rPr lang="en-GB" sz="900" dirty="0">
+                <a:solidFill>
+                  <a:srgbClr val="0000FF"/>
+                </a:solidFill>
+                <a:latin typeface="Consolas" panose="020B0609020204030204" pitchFamily="49" charset="0"/>
+              </a:rPr>
+              <a:t>machine</a:t>
+            </a:r>
+            <a:r>
+              <a:rPr lang="en-GB" sz="900" dirty="0">
+                <a:solidFill>
+                  <a:srgbClr val="000000"/>
+                </a:solidFill>
+                <a:latin typeface="Consolas" panose="020B0609020204030204" pitchFamily="49" charset="0"/>
+              </a:rPr>
+              <a:t>);</a:t>
+            </a:r>
+          </a:p>
+          <a:p>
+            <a:r>
+              <a:rPr lang="en-GB" sz="900" dirty="0">
+                <a:solidFill>
+                  <a:srgbClr val="0000FF"/>
+                </a:solidFill>
+                <a:latin typeface="Consolas" panose="020B0609020204030204" pitchFamily="49" charset="0"/>
+              </a:rPr>
+              <a:t>event</a:t>
+            </a:r>
+            <a:r>
+              <a:rPr lang="en-GB" sz="900" dirty="0">
+                <a:solidFill>
+                  <a:srgbClr val="000000"/>
+                </a:solidFill>
+                <a:latin typeface="Consolas" panose="020B0609020204030204" pitchFamily="49" charset="0"/>
+              </a:rPr>
+              <a:t> </a:t>
+            </a:r>
+            <a:r>
+              <a:rPr lang="en-GB" sz="900" dirty="0">
+                <a:solidFill>
+                  <a:srgbClr val="2B91AF"/>
+                </a:solidFill>
+                <a:latin typeface="Consolas" panose="020B0609020204030204" pitchFamily="49" charset="0"/>
+              </a:rPr>
+              <a:t>Unit</a:t>
+            </a:r>
+            <a:r>
+              <a:rPr lang="en-GB" sz="900" dirty="0">
+                <a:solidFill>
+                  <a:srgbClr val="000000"/>
+                </a:solidFill>
+                <a:latin typeface="Consolas" panose="020B0609020204030204" pitchFamily="49" charset="0"/>
+              </a:rPr>
+              <a:t>;</a:t>
+            </a:r>
+          </a:p>
+          <a:p>
+            <a:r>
+              <a:rPr lang="en-GB" sz="900" dirty="0">
+                <a:solidFill>
+                  <a:srgbClr val="0000FF"/>
+                </a:solidFill>
+                <a:latin typeface="Consolas" panose="020B0609020204030204" pitchFamily="49" charset="0"/>
+              </a:rPr>
+              <a:t>event</a:t>
+            </a:r>
+            <a:r>
+              <a:rPr lang="en-GB" sz="900" dirty="0">
+                <a:solidFill>
+                  <a:srgbClr val="000000"/>
+                </a:solidFill>
+                <a:latin typeface="Consolas" panose="020B0609020204030204" pitchFamily="49" charset="0"/>
+              </a:rPr>
+              <a:t> </a:t>
+            </a:r>
+            <a:r>
+              <a:rPr lang="en-GB" sz="900" dirty="0">
+                <a:solidFill>
+                  <a:srgbClr val="2B91AF"/>
+                </a:solidFill>
+                <a:latin typeface="Consolas" panose="020B0609020204030204" pitchFamily="49" charset="0"/>
+              </a:rPr>
+              <a:t>Ping</a:t>
+            </a:r>
+            <a:r>
+              <a:rPr lang="en-GB" sz="900" dirty="0">
+                <a:solidFill>
+                  <a:srgbClr val="000000"/>
+                </a:solidFill>
+                <a:latin typeface="Consolas" panose="020B0609020204030204" pitchFamily="49" charset="0"/>
+              </a:rPr>
+              <a:t> (client: </a:t>
+            </a:r>
+            <a:r>
+              <a:rPr lang="en-GB" sz="900" dirty="0">
+                <a:solidFill>
+                  <a:srgbClr val="0000FF"/>
+                </a:solidFill>
+                <a:latin typeface="Consolas" panose="020B0609020204030204" pitchFamily="49" charset="0"/>
+              </a:rPr>
+              <a:t>machine</a:t>
+            </a:r>
+            <a:r>
+              <a:rPr lang="en-GB" sz="900" dirty="0">
+                <a:solidFill>
+                  <a:srgbClr val="000000"/>
+                </a:solidFill>
+                <a:latin typeface="Consolas" panose="020B0609020204030204" pitchFamily="49" charset="0"/>
+              </a:rPr>
+              <a:t>);</a:t>
+            </a:r>
+          </a:p>
+          <a:p>
+            <a:endParaRPr lang="en-GB" sz="900" dirty="0">
+              <a:solidFill>
+                <a:srgbClr val="0000FF"/>
+              </a:solidFill>
+              <a:latin typeface="Consolas" panose="020B0609020204030204" pitchFamily="49" charset="0"/>
+            </a:endParaRPr>
+          </a:p>
+          <a:p>
+            <a:r>
+              <a:rPr lang="en-GB" sz="900" dirty="0">
+                <a:solidFill>
+                  <a:srgbClr val="0000FF"/>
+                </a:solidFill>
+                <a:latin typeface="Consolas" panose="020B0609020204030204" pitchFamily="49" charset="0"/>
+              </a:rPr>
               <a:t>partial</a:t>
             </a:r>
             <a:r>
@@ -7307,20 +7572,40 @@
             <a:r>
               <a:rPr lang="en-GB" sz="900" dirty="0">
                 <a:solidFill>
+                  <a:srgbClr val="0000FF"/>
+                </a:solidFill>
+                <a:latin typeface="Consolas" panose="020B0609020204030204" pitchFamily="49" charset="0"/>
+              </a:rPr>
+              <a:t>    machine</a:t>
+            </a:r>
+            <a:r>
+              <a:rPr lang="en-GB" sz="900" dirty="0">
+                <a:solidFill>
                   <a:srgbClr val="000000"/>
                 </a:solidFill>
                 <a:latin typeface="Consolas" panose="020B0609020204030204" pitchFamily="49" charset="0"/>
               </a:rPr>
+              <a:t> Server;</a:t>
+            </a:r>
+          </a:p>
+          <a:p>
+            <a:r>
+              <a:rPr lang="en-GB" sz="900" dirty="0">
+                <a:solidFill>
+                  <a:srgbClr val="000000"/>
+                </a:solidFill>
+                <a:latin typeface="Consolas" panose="020B0609020204030204" pitchFamily="49" charset="0"/>
+              </a:rPr>
               <a:t>    </a:t>
             </a:r>
             <a:r>
-              <a:rPr lang="en-GB" sz="900" dirty="0">
+              <a:rPr lang="en-GB" sz="900" dirty="0" err="1">
                 <a:solidFill>
                   <a:srgbClr val="0000FF"/>
                 </a:solidFill>
                 <a:latin typeface="Consolas" panose="020B0609020204030204" pitchFamily="49" charset="0"/>
               </a:rPr>
-              <a:t>event</a:t>
+              <a:t>int</a:t>
             </a:r>
             <a:r>
               <a:rPr lang="en-GB" sz="900" dirty="0">
@@ -7329,155 +7614,7 @@
                 </a:solidFill>
                 <a:latin typeface="Consolas" panose="020B0609020204030204" pitchFamily="49" charset="0"/>
               </a:rPr>
-              <a:t> </a:t>
-            </a:r>
-            <a:r>
-              <a:rPr lang="en-GB" sz="900" dirty="0">
-                <a:solidFill>
-                  <a:srgbClr val="2B91AF"/>
-                </a:solidFill>
-                <a:latin typeface="Consolas" panose="020B0609020204030204" pitchFamily="49" charset="0"/>
-              </a:rPr>
-              <a:t>Config</a:t>
-            </a:r>
-            <a:r>
-              <a:rPr lang="en-GB" sz="900" dirty="0">
-                <a:solidFill>
-                  <a:srgbClr val="000000"/>
-                </a:solidFill>
-                <a:latin typeface="Consolas" panose="020B0609020204030204" pitchFamily="49" charset="0"/>
-              </a:rPr>
-              <a:t> (server: </a:t>
-            </a:r>
-            <a:r>
-              <a:rPr lang="en-GB" sz="900" dirty="0">
-                <a:solidFill>
-                  <a:srgbClr val="0000FF"/>
-                </a:solidFill>
-                <a:latin typeface="Consolas" panose="020B0609020204030204" pitchFamily="49" charset="0"/>
-              </a:rPr>
-              <a:t>machine</a:t>
-            </a:r>
-            <a:r>
-              <a:rPr lang="en-GB" sz="900" dirty="0">
-                <a:solidFill>
-                  <a:srgbClr val="000000"/>
-                </a:solidFill>
-                <a:latin typeface="Consolas" panose="020B0609020204030204" pitchFamily="49" charset="0"/>
-              </a:rPr>
-              <a:t>);</a:t>
-            </a:r>
-          </a:p>
-          <a:p>
-            <a:r>
-              <a:rPr lang="en-GB" sz="900" dirty="0">
-                <a:solidFill>
-                  <a:srgbClr val="000000"/>
-                </a:solidFill>
-                <a:latin typeface="Consolas" panose="020B0609020204030204" pitchFamily="49" charset="0"/>
-              </a:rPr>
-              <a:t>    </a:t>
-            </a:r>
-            <a:r>
-              <a:rPr lang="en-GB" sz="900" dirty="0">
-                <a:solidFill>
-                  <a:srgbClr val="0000FF"/>
-                </a:solidFill>
-                <a:latin typeface="Consolas" panose="020B0609020204030204" pitchFamily="49" charset="0"/>
-              </a:rPr>
-              <a:t>event</a:t>
-            </a:r>
-            <a:r>
-              <a:rPr lang="en-GB" sz="900" dirty="0">
-                <a:solidFill>
-                  <a:srgbClr val="000000"/>
-                </a:solidFill>
-                <a:latin typeface="Consolas" panose="020B0609020204030204" pitchFamily="49" charset="0"/>
-              </a:rPr>
-              <a:t> </a:t>
-            </a:r>
-            <a:r>
-              <a:rPr lang="en-GB" sz="900" dirty="0">
-                <a:solidFill>
-                  <a:srgbClr val="2B91AF"/>
-                </a:solidFill>
-                <a:latin typeface="Consolas" panose="020B0609020204030204" pitchFamily="49" charset="0"/>
-              </a:rPr>
-              <a:t>Unit</a:t>
-            </a:r>
-            <a:r>
-              <a:rPr lang="en-GB" sz="900" dirty="0">
-                <a:solidFill>
-                  <a:srgbClr val="000000"/>
-                </a:solidFill>
-                <a:latin typeface="Consolas" panose="020B0609020204030204" pitchFamily="49" charset="0"/>
-              </a:rPr>
-              <a:t>;</a:t>
-            </a:r>
-          </a:p>
-          <a:p>
-            <a:r>
-              <a:rPr lang="en-GB" sz="900" dirty="0">
-                <a:solidFill>
-                  <a:srgbClr val="000000"/>
-                </a:solidFill>
-                <a:latin typeface="Consolas" panose="020B0609020204030204" pitchFamily="49" charset="0"/>
-              </a:rPr>
-              <a:t>    </a:t>
-            </a:r>
-            <a:r>
-              <a:rPr lang="en-GB" sz="900" dirty="0">
-                <a:solidFill>
-                  <a:srgbClr val="0000FF"/>
-                </a:solidFill>
-                <a:latin typeface="Consolas" panose="020B0609020204030204" pitchFamily="49" charset="0"/>
-              </a:rPr>
-              <a:t>event</a:t>
-            </a:r>
-            <a:r>
-              <a:rPr lang="en-GB" sz="900" dirty="0">
-                <a:solidFill>
-                  <a:srgbClr val="000000"/>
-                </a:solidFill>
-                <a:latin typeface="Consolas" panose="020B0609020204030204" pitchFamily="49" charset="0"/>
-              </a:rPr>
-              <a:t> </a:t>
-            </a:r>
-            <a:r>
-              <a:rPr lang="en-GB" sz="900" dirty="0">
-                <a:solidFill>
-                  <a:srgbClr val="2B91AF"/>
-                </a:solidFill>
-                <a:latin typeface="Consolas" panose="020B0609020204030204" pitchFamily="49" charset="0"/>
-              </a:rPr>
-              <a:t>Ping</a:t>
-            </a:r>
-            <a:r>
-              <a:rPr lang="en-GB" sz="900" dirty="0">
-                <a:solidFill>
-                  <a:srgbClr val="000000"/>
-                </a:solidFill>
-                <a:latin typeface="Consolas" panose="020B0609020204030204" pitchFamily="49" charset="0"/>
-              </a:rPr>
-              <a:t> (client: </a:t>
-            </a:r>
-            <a:r>
-              <a:rPr lang="en-GB" sz="900" dirty="0">
-                <a:solidFill>
-                  <a:srgbClr val="0000FF"/>
-                </a:solidFill>
-                <a:latin typeface="Consolas" panose="020B0609020204030204" pitchFamily="49" charset="0"/>
-              </a:rPr>
-              <a:t>machine</a:t>
-            </a:r>
-            <a:r>
-              <a:rPr lang="en-GB" sz="900" dirty="0">
-                <a:solidFill>
-                  <a:srgbClr val="000000"/>
-                </a:solidFill>
-                <a:latin typeface="Consolas" panose="020B0609020204030204" pitchFamily="49" charset="0"/>
-              </a:rPr>
-              <a:t>);</a:t>
+              <a:t> Counter;</a:t>
             </a:r>
           </a:p>
           <a:p>
@@ -7505,7 +7642,7 @@
                 </a:solidFill>
                 <a:latin typeface="Consolas" panose="020B0609020204030204" pitchFamily="49" charset="0"/>
               </a:rPr>
-              <a:t>machine</a:t>
+              <a:t>start state</a:t>
             </a:r>
             <a:r>
               <a:rPr lang="en-GB" sz="900" dirty="0">
@@ -7514,39 +7651,17 @@
                 </a:solidFill>
                 <a:latin typeface="Consolas" panose="020B0609020204030204" pitchFamily="49" charset="0"/>
               </a:rPr>
-              <a:t> Server;</a:t>
-            </a:r>
-          </a:p>
-          <a:p>
-            <a:r>
-              <a:rPr lang="en-GB" sz="900" dirty="0">
-                <a:solidFill>
-                  <a:srgbClr val="000000"/>
-                </a:solidFill>
-                <a:latin typeface="Consolas" panose="020B0609020204030204" pitchFamily="49" charset="0"/>
-              </a:rPr>
-              <a:t>    </a:t>
+              <a:t> </a:t>
             </a:r>
             <a:r>
               <a:rPr lang="en-GB" sz="900" dirty="0" err="1">
                 <a:solidFill>
-                  <a:srgbClr val="0000FF"/>
-                </a:solidFill>
-                <a:latin typeface="Consolas" panose="020B0609020204030204" pitchFamily="49" charset="0"/>
-              </a:rPr>
-              <a:t>int</a:t>
-            </a:r>
-            <a:r>
-              <a:rPr lang="en-GB" sz="900" dirty="0">
-                <a:solidFill>
-                  <a:srgbClr val="000000"/>
-                </a:solidFill>
-                <a:latin typeface="Consolas" panose="020B0609020204030204" pitchFamily="49" charset="0"/>
-              </a:rPr>
-              <a:t> Counter;</a:t>
-            </a:r>
-          </a:p>
-          <a:p>
+                  <a:srgbClr val="2B91AF"/>
+                </a:solidFill>
+                <a:latin typeface="Consolas" panose="020B0609020204030204" pitchFamily="49" charset="0"/>
+              </a:rPr>
+              <a:t>Init</a:t>
+            </a:r>
             <a:endParaRPr lang="en-GB" sz="900" dirty="0">
               <a:solidFill>
                 <a:srgbClr val="000000"/>
@@ -7562,7 +7677,18 @@
                 </a:solidFill>
                 <a:latin typeface="Consolas" panose="020B0609020204030204" pitchFamily="49" charset="0"/>
               </a:rPr>
-              <a:t>    </a:t>
+              <a:t>    {</a:t>
+            </a:r>
+          </a:p>
+          <a:p>
+            <a:r>
+              <a:rPr lang="en-GB" sz="900" dirty="0">
+                <a:solidFill>
+                  <a:srgbClr val="000000"/>
+                </a:solidFill>
+                <a:latin typeface="Consolas" panose="020B0609020204030204" pitchFamily="49" charset="0"/>
+              </a:rPr>
+              <a:t>        </a:t>
             </a:r>
             <a:r>
               <a:rPr lang="en-GB" sz="900" dirty="0">
@@ -7571,8 +7697,16 @@
                 </a:solidFill>
                 <a:latin typeface="Consolas" panose="020B0609020204030204" pitchFamily="49" charset="0"/>
               </a:rPr>
-              <a:t>start state</a:t>
-            </a:r>
+              <a:t>entry</a:t>
+            </a:r>
+            <a:endParaRPr lang="en-GB" sz="900" dirty="0">
+              <a:solidFill>
+                <a:srgbClr val="0070C0"/>
+              </a:solidFill>
+              <a:latin typeface="Consolas" panose="020B0609020204030204" pitchFamily="49" charset="0"/>
+            </a:endParaRPr>
+          </a:p>
+          <a:p>
             <a:r>
               <a:rPr lang="en-GB" sz="900" dirty="0">
                 <a:solidFill>
@@ -7580,17 +7714,155 @@
                 </a:solidFill>
                 <a:latin typeface="Consolas" panose="020B0609020204030204" pitchFamily="49" charset="0"/>
               </a:rPr>
-              <a:t> </a:t>
+              <a:t>        {</a:t>
+            </a:r>
+          </a:p>
+          <a:p>
+            <a:r>
+              <a:rPr lang="en-GB" sz="900" dirty="0">
+                <a:solidFill>
+                  <a:srgbClr val="000000"/>
+                </a:solidFill>
+                <a:latin typeface="Consolas" panose="020B0609020204030204" pitchFamily="49" charset="0"/>
+              </a:rPr>
+              <a:t>            </a:t>
             </a:r>
             <a:r>
               <a:rPr lang="en-GB" sz="900" dirty="0" err="1">
                 <a:solidFill>
-                  <a:srgbClr val="2B91AF"/>
-                </a:solidFill>
-                <a:latin typeface="Consolas" panose="020B0609020204030204" pitchFamily="49" charset="0"/>
-              </a:rPr>
-              <a:t>Init</a:t>
-            </a:r>
+                  <a:srgbClr val="0000FF"/>
+                </a:solidFill>
+                <a:latin typeface="Consolas" panose="020B0609020204030204" pitchFamily="49" charset="0"/>
+              </a:rPr>
+              <a:t>this</a:t>
+            </a:r>
+            <a:r>
+              <a:rPr lang="en-GB" sz="900" dirty="0" err="1">
+                <a:solidFill>
+                  <a:srgbClr val="000000"/>
+                </a:solidFill>
+                <a:latin typeface="Consolas" panose="020B0609020204030204" pitchFamily="49" charset="0"/>
+              </a:rPr>
+              <a:t>.Server</a:t>
+            </a:r>
+            <a:r>
+              <a:rPr lang="en-GB" sz="900" dirty="0">
+                <a:solidFill>
+                  <a:srgbClr val="000000"/>
+                </a:solidFill>
+                <a:latin typeface="Consolas" panose="020B0609020204030204" pitchFamily="49" charset="0"/>
+              </a:rPr>
+              <a:t> = (</a:t>
+            </a:r>
+            <a:r>
+              <a:rPr lang="en-GB" sz="900" dirty="0">
+                <a:solidFill>
+                  <a:srgbClr val="0000FF"/>
+                </a:solidFill>
+                <a:latin typeface="Consolas" panose="020B0609020204030204" pitchFamily="49" charset="0"/>
+              </a:rPr>
+              <a:t>trigger as</a:t>
+            </a:r>
+            <a:r>
+              <a:rPr lang="en-GB" sz="900" dirty="0">
+                <a:solidFill>
+                  <a:srgbClr val="000000"/>
+                </a:solidFill>
+                <a:latin typeface="Consolas" panose="020B0609020204030204" pitchFamily="49" charset="0"/>
+              </a:rPr>
+              <a:t> Config).server;</a:t>
+            </a:r>
+          </a:p>
+          <a:p>
+            <a:r>
+              <a:rPr lang="en-GB" sz="900" dirty="0">
+                <a:solidFill>
+                  <a:srgbClr val="000000"/>
+                </a:solidFill>
+                <a:latin typeface="Consolas" panose="020B0609020204030204" pitchFamily="49" charset="0"/>
+              </a:rPr>
+              <a:t>            </a:t>
+            </a:r>
+            <a:r>
+              <a:rPr lang="en-GB" sz="900" dirty="0" err="1">
+                <a:solidFill>
+                  <a:srgbClr val="0000FF"/>
+                </a:solidFill>
+                <a:latin typeface="Consolas" panose="020B0609020204030204" pitchFamily="49" charset="0"/>
+              </a:rPr>
+              <a:t>this</a:t>
+            </a:r>
+            <a:r>
+              <a:rPr lang="en-GB" sz="900" dirty="0" err="1">
+                <a:solidFill>
+                  <a:srgbClr val="000000"/>
+                </a:solidFill>
+                <a:latin typeface="Consolas" panose="020B0609020204030204" pitchFamily="49" charset="0"/>
+              </a:rPr>
+              <a:t>.Counter</a:t>
+            </a:r>
+            <a:r>
+              <a:rPr lang="en-GB" sz="900" dirty="0">
+                <a:solidFill>
+                  <a:srgbClr val="000000"/>
+                </a:solidFill>
+                <a:latin typeface="Consolas" panose="020B0609020204030204" pitchFamily="49" charset="0"/>
+              </a:rPr>
+              <a:t> = 0;</a:t>
+            </a:r>
+          </a:p>
+          <a:p>
+            <a:r>
+              <a:rPr lang="en-GB" sz="900" dirty="0">
+                <a:solidFill>
+                  <a:srgbClr val="000000"/>
+                </a:solidFill>
+                <a:latin typeface="Consolas" panose="020B0609020204030204" pitchFamily="49" charset="0"/>
+              </a:rPr>
+              <a:t>            </a:t>
+            </a:r>
+            <a:r>
+              <a:rPr lang="en-GB" sz="900" dirty="0">
+                <a:solidFill>
+                  <a:srgbClr val="0000FF"/>
+                </a:solidFill>
+                <a:latin typeface="Consolas" panose="020B0609020204030204" pitchFamily="49" charset="0"/>
+              </a:rPr>
+              <a:t>jump</a:t>
+            </a:r>
+            <a:r>
+              <a:rPr lang="en-GB" sz="900" dirty="0">
+                <a:solidFill>
+                  <a:srgbClr val="000000"/>
+                </a:solidFill>
+                <a:latin typeface="Consolas" panose="020B0609020204030204" pitchFamily="49" charset="0"/>
+              </a:rPr>
+              <a:t>(Active);</a:t>
+            </a:r>
+          </a:p>
+          <a:p>
+            <a:r>
+              <a:rPr lang="en-GB" sz="900" dirty="0">
+                <a:solidFill>
+                  <a:srgbClr val="000000"/>
+                </a:solidFill>
+                <a:latin typeface="Consolas" panose="020B0609020204030204" pitchFamily="49" charset="0"/>
+              </a:rPr>
+              <a:t>        }</a:t>
+            </a:r>
+          </a:p>
+          <a:p>
+            <a:r>
+              <a:rPr lang="en-GB" sz="900" dirty="0">
+                <a:solidFill>
+                  <a:srgbClr val="000000"/>
+                </a:solidFill>
+                <a:latin typeface="Consolas" panose="020B0609020204030204" pitchFamily="49" charset="0"/>
+              </a:rPr>
+              <a:t>    }</a:t>
+            </a:r>
+          </a:p>
+          <a:p>
             <a:endParaRPr lang="en-GB" sz="900" dirty="0">
               <a:solidFill>
                 <a:srgbClr val="000000"/>
@@ -7606,6 +7878,50 @@
                 </a:solidFill>
                 <a:latin typeface="Consolas" panose="020B0609020204030204" pitchFamily="49" charset="0"/>
               </a:rPr>
+              <a:t>    </a:t>
+            </a:r>
+            <a:r>
+              <a:rPr lang="en-GB" sz="900" dirty="0">
+                <a:solidFill>
+                  <a:srgbClr val="0000FF"/>
+                </a:solidFill>
+                <a:latin typeface="Consolas" panose="020B0609020204030204" pitchFamily="49" charset="0"/>
+              </a:rPr>
+              <a:t>state</a:t>
+            </a:r>
+            <a:r>
+              <a:rPr lang="en-GB" sz="900" dirty="0">
+                <a:solidFill>
+                  <a:srgbClr val="000000"/>
+                </a:solidFill>
+                <a:latin typeface="Consolas" panose="020B0609020204030204" pitchFamily="49" charset="0"/>
+              </a:rPr>
+              <a:t> </a:t>
+            </a:r>
+            <a:r>
+              <a:rPr lang="en-GB" sz="900" dirty="0">
+                <a:solidFill>
+                  <a:srgbClr val="2B91AF"/>
+                </a:solidFill>
+                <a:latin typeface="Consolas" panose="020B0609020204030204" pitchFamily="49" charset="0"/>
+              </a:rPr>
+              <a:t>Active</a:t>
+            </a:r>
+            <a:endParaRPr lang="en-GB" sz="900" dirty="0">
+              <a:solidFill>
+                <a:srgbClr val="000000"/>
+              </a:solidFill>
+              <a:latin typeface="Consolas" panose="020B0609020204030204" pitchFamily="49" charset="0"/>
+            </a:endParaRPr>
+          </a:p>
+          <a:p>
+            <a:r>
+              <a:rPr lang="en-GB" sz="900" dirty="0">
+                <a:solidFill>
+                  <a:srgbClr val="000000"/>
+                </a:solidFill>
+                <a:latin typeface="Consolas" panose="020B0609020204030204" pitchFamily="49" charset="0"/>
+              </a:rPr>
               <a:t>    {</a:t>
             </a:r>
           </a:p>
@@ -7659,20 +7975,11 @@
             <a:r>
               <a:rPr lang="en-GB" sz="900" dirty="0" err="1">
                 <a:solidFill>
-                  <a:srgbClr val="0000FF"/>
-                </a:solidFill>
-                <a:latin typeface="Consolas" panose="020B0609020204030204" pitchFamily="49" charset="0"/>
-              </a:rPr>
-              <a:t>this</a:t>
-            </a:r>
-            <a:r>
-              <a:rPr lang="en-GB" sz="900" dirty="0" err="1">
-                <a:solidFill>
                   <a:srgbClr val="000000"/>
                 </a:solidFill>
                 <a:latin typeface="Consolas" panose="020B0609020204030204" pitchFamily="49" charset="0"/>
               </a:rPr>
-              <a:t>.Server</a:t>
+              <a:t>SendPing</a:t>
             </a:r>
             <a:r>
               <a:rPr lang="en-GB" sz="900" dirty="0">
@@ -7681,17 +7988,10 @@
                 </a:solidFill>
                 <a:latin typeface="Consolas" panose="020B0609020204030204" pitchFamily="49" charset="0"/>
               </a:rPr>
-              <a:t> = (</a:t>
-            </a:r>
-            <a:r>
-              <a:rPr lang="en-GB" sz="900" dirty="0">
-                <a:solidFill>
-                  <a:srgbClr val="0000FF"/>
-                </a:solidFill>
-                <a:latin typeface="Consolas" panose="020B0609020204030204" pitchFamily="49" charset="0"/>
-              </a:rPr>
-              <a:t>trigger as</a:t>
-            </a:r>
+              <a:t>();</a:t>
+            </a:r>
+          </a:p>
+          <a:p>
             <a:r>
               <a:rPr lang="en-GB" sz="900" dirty="0">
                 <a:solidFill>
@@ -7699,96 +7999,7 @@
                 </a:solidFill>
                 <a:latin typeface="Consolas" panose="020B0609020204030204" pitchFamily="49" charset="0"/>
               </a:rPr>
-              <a:t> Config).server;</a:t>
-            </a:r>
-          </a:p>
-          <a:p>
-            <a:r>
-              <a:rPr lang="en-GB" sz="900" dirty="0">
-                <a:solidFill>
-                  <a:srgbClr val="000000"/>
-                </a:solidFill>
-                <a:latin typeface="Consolas" panose="020B0609020204030204" pitchFamily="49" charset="0"/>
-              </a:rPr>
-              <a:t>            </a:t>
-            </a:r>
-            <a:r>
-              <a:rPr lang="en-GB" sz="900" dirty="0" err="1">
-                <a:solidFill>
-                  <a:srgbClr val="0000FF"/>
-                </a:solidFill>
-                <a:latin typeface="Consolas" panose="020B0609020204030204" pitchFamily="49" charset="0"/>
-              </a:rPr>
-              <a:t>this</a:t>
-            </a:r>
-            <a:r>
-              <a:rPr lang="en-GB" sz="900" dirty="0" err="1">
-                <a:solidFill>
-                  <a:srgbClr val="000000"/>
-                </a:solidFill>
-                <a:latin typeface="Consolas" panose="020B0609020204030204" pitchFamily="49" charset="0"/>
-              </a:rPr>
-              <a:t>.Counter</a:t>
-            </a:r>
-            <a:r>
-              <a:rPr lang="en-GB" sz="900" dirty="0">
-                <a:solidFill>
-                  <a:srgbClr val="000000"/>
-                </a:solidFill>
-                <a:latin typeface="Consolas" panose="020B0609020204030204" pitchFamily="49" charset="0"/>
-              </a:rPr>
-              <a:t> = 0;</a:t>
-            </a:r>
-          </a:p>
-          <a:p>
-            <a:r>
-              <a:rPr lang="en-GB" sz="900" dirty="0">
-                <a:solidFill>
-                  <a:srgbClr val="000000"/>
-                </a:solidFill>
-                <a:latin typeface="Consolas" panose="020B0609020204030204" pitchFamily="49" charset="0"/>
-              </a:rPr>
-              <a:t>            </a:t>
-            </a:r>
-            <a:r>
-              <a:rPr lang="en-GB" sz="900" dirty="0">
-                <a:solidFill>
-                  <a:srgbClr val="0000FF"/>
-                </a:solidFill>
-                <a:latin typeface="Consolas" panose="020B0609020204030204" pitchFamily="49" charset="0"/>
-              </a:rPr>
-              <a:t>jump</a:t>
-            </a:r>
-            <a:r>
-              <a:rPr lang="en-GB" sz="900" dirty="0">
-                <a:solidFill>
-                  <a:srgbClr val="000000"/>
-                </a:solidFill>
-                <a:latin typeface="Consolas" panose="020B0609020204030204" pitchFamily="49" charset="0"/>
-              </a:rPr>
-              <a:t>(Active);</a:t>
-            </a:r>
-          </a:p>
-          <a:p>
-            <a:r>
-              <a:rPr lang="en-GB" sz="900" dirty="0">
-                <a:solidFill>
-                  <a:srgbClr val="000000"/>
-                </a:solidFill>
-                <a:latin typeface="Consolas" panose="020B0609020204030204" pitchFamily="49" charset="0"/>
-              </a:rPr>
               <a:t>        }</a:t>
-            </a:r>
-          </a:p>
-          <a:p>
-            <a:r>
-              <a:rPr lang="en-GB" sz="900" dirty="0">
-                <a:solidFill>
-                  <a:srgbClr val="000000"/>
-                </a:solidFill>
-                <a:latin typeface="Consolas" panose="020B0609020204030204" pitchFamily="49" charset="0"/>
-              </a:rPr>
-              <a:t>    }</a:t>
             </a:r>
           </a:p>
           <a:p>
@@ -7807,7 +8018,7 @@
                 </a:solidFill>
                 <a:latin typeface="Consolas" panose="020B0609020204030204" pitchFamily="49" charset="0"/>
               </a:rPr>
-              <a:t>    </a:t>
+              <a:t>        </a:t>
             </a:r>
             <a:r>
               <a:rPr lang="en-GB" sz="900" dirty="0">
@@ -7816,7 +8027,7 @@
                 </a:solidFill>
                 <a:latin typeface="Consolas" panose="020B0609020204030204" pitchFamily="49" charset="0"/>
               </a:rPr>
-              <a:t>state</a:t>
+              <a:t>on</a:t>
             </a:r>
             <a:r>
               <a:rPr lang="en-GB" sz="900" dirty="0">
@@ -7825,165 +8036,7 @@
                 </a:solidFill>
                 <a:latin typeface="Consolas" panose="020B0609020204030204" pitchFamily="49" charset="0"/>
               </a:rPr>
-              <a:t> </a:t>
-            </a:r>
-            <a:r>
-              <a:rPr lang="en-GB" sz="900" dirty="0">
-                <a:solidFill>
-                  <a:srgbClr val="2B91AF"/>
-                </a:solidFill>
-                <a:latin typeface="Consolas" panose="020B0609020204030204" pitchFamily="49" charset="0"/>
-              </a:rPr>
-              <a:t>Active</a:t>
-            </a:r>
-            <a:endParaRPr lang="en-GB" sz="900" dirty="0">
-              <a:solidFill>
-                <a:srgbClr val="000000"/>
-              </a:solidFill>
-              <a:latin typeface="Consolas" panose="020B0609020204030204" pitchFamily="49" charset="0"/>
-            </a:endParaRPr>
-          </a:p>
-          <a:p>
-            <a:r>
-              <a:rPr lang="en-GB" sz="900" dirty="0">
-                <a:solidFill>
-                  <a:srgbClr val="000000"/>
-                </a:solidFill>
-                <a:latin typeface="Consolas" panose="020B0609020204030204" pitchFamily="49" charset="0"/>
-              </a:rPr>
-              <a:t>    {</a:t>
-            </a:r>
-          </a:p>
-          <a:p>
-            <a:r>
-              <a:rPr lang="en-GB" sz="900" dirty="0">
-                <a:solidFill>
-                  <a:srgbClr val="000000"/>
-                </a:solidFill>
-                <a:latin typeface="Consolas" panose="020B0609020204030204" pitchFamily="49" charset="0"/>
-              </a:rPr>
-              <a:t>        </a:t>
-            </a:r>
-            <a:r>
-              <a:rPr lang="en-GB" sz="900" dirty="0">
-                <a:solidFill>
-                  <a:srgbClr val="0000FF"/>
-                </a:solidFill>
-                <a:latin typeface="Consolas" panose="020B0609020204030204" pitchFamily="49" charset="0"/>
-              </a:rPr>
-              <a:t>entry</a:t>
-            </a:r>
-            <a:endParaRPr lang="en-GB" sz="900" dirty="0">
-              <a:solidFill>
-                <a:srgbClr val="0070C0"/>
-              </a:solidFill>
-              <a:latin typeface="Consolas" panose="020B0609020204030204" pitchFamily="49" charset="0"/>
-            </a:endParaRPr>
-          </a:p>
-          <a:p>
-            <a:r>
-              <a:rPr lang="en-GB" sz="900" dirty="0">
-                <a:solidFill>
-                  <a:srgbClr val="000000"/>
-                </a:solidFill>
-                <a:latin typeface="Consolas" panose="020B0609020204030204" pitchFamily="49" charset="0"/>
-              </a:rPr>
-              <a:t>        {</a:t>
-            </a:r>
-          </a:p>
-          <a:p>
-            <a:r>
-              <a:rPr lang="en-GB" sz="900" dirty="0">
-                <a:solidFill>
-                  <a:srgbClr val="000000"/>
-                </a:solidFill>
-                <a:latin typeface="Consolas" panose="020B0609020204030204" pitchFamily="49" charset="0"/>
-              </a:rPr>
-              <a:t>            </a:t>
-            </a:r>
-            <a:r>
-              <a:rPr lang="en-GB" sz="900" dirty="0" err="1">
-                <a:solidFill>
-                  <a:srgbClr val="000000"/>
-                </a:solidFill>
-                <a:latin typeface="Consolas" panose="020B0609020204030204" pitchFamily="49" charset="0"/>
-              </a:rPr>
-              <a:t>SendPing</a:t>
-            </a:r>
-            <a:r>
-              <a:rPr lang="en-GB" sz="900" dirty="0">
-                <a:solidFill>
-                  <a:srgbClr val="000000"/>
-                </a:solidFill>
-                <a:latin typeface="Consolas" panose="020B0609020204030204" pitchFamily="49" charset="0"/>
-              </a:rPr>
-              <a:t>();</a:t>
-            </a:r>
-          </a:p>
-          <a:p>
-            <a:r>
-              <a:rPr lang="en-GB" sz="900" dirty="0">
-                <a:solidFill>
-                  <a:srgbClr val="000000"/>
-                </a:solidFill>
-                <a:latin typeface="Consolas" panose="020B0609020204030204" pitchFamily="49" charset="0"/>
-              </a:rPr>
-              <a:t>        }</a:t>
-            </a:r>
-          </a:p>
-          <a:p>
-            <a:endParaRPr lang="en-GB" sz="900" dirty="0">
-              <a:solidFill>
-                <a:srgbClr val="000000"/>
-              </a:solidFill>
-              <a:latin typeface="Consolas" panose="020B0609020204030204" pitchFamily="49" charset="0"/>
-            </a:endParaRPr>
-          </a:p>
-          <a:p>
-            <a:r>
-              <a:rPr lang="en-GB" sz="900" dirty="0">
-                <a:solidFill>
-                  <a:srgbClr val="000000"/>
-                </a:solidFill>
-                <a:latin typeface="Consolas" panose="020B0609020204030204" pitchFamily="49" charset="0"/>
-              </a:rPr>
-              <a:t>        </a:t>
-            </a:r>
-            <a:r>
-              <a:rPr lang="en-GB" sz="900" dirty="0">
-                <a:solidFill>
-                  <a:srgbClr val="0000FF"/>
-                </a:solidFill>
-                <a:latin typeface="Consolas" panose="020B0609020204030204" pitchFamily="49" charset="0"/>
-              </a:rPr>
-              <a:t>on</a:t>
-            </a:r>
-            <a:r>
-              <a:rPr lang="en-GB" sz="900" dirty="0">
-                <a:solidFill>
-                  <a:srgbClr val="000000"/>
-                </a:solidFill>
-                <a:latin typeface="Consolas" panose="020B0609020204030204" pitchFamily="49" charset="0"/>
-              </a:rPr>
-              <a:t> </a:t>
-            </a:r>
-            <a:r>
-              <a:rPr lang="en-GB" sz="900" dirty="0" err="1">
-                <a:solidFill>
-                  <a:srgbClr val="000000"/>
-                </a:solidFill>
-                <a:latin typeface="Consolas" panose="020B0609020204030204" pitchFamily="49" charset="0"/>
-              </a:rPr>
-              <a:t>Server.Pong</a:t>
-            </a:r>
-            <a:r>
-              <a:rPr lang="en-GB" sz="900" dirty="0">
-                <a:solidFill>
-                  <a:srgbClr val="000000"/>
-                </a:solidFill>
-                <a:latin typeface="Consolas" panose="020B0609020204030204" pitchFamily="49" charset="0"/>
-              </a:rPr>
-              <a:t> </a:t>
+              <a:t> Pong </a:t>
             </a:r>
             <a:r>
               <a:rPr lang="en-GB" sz="900" dirty="0">
@@ -8739,25 +8792,7 @@
                 </a:solidFill>
                 <a:latin typeface="Consolas" panose="020B0609020204030204" pitchFamily="49" charset="0"/>
               </a:rPr>
-              <a:t>(Client, </a:t>
-            </a:r>
-            <a:r>
-              <a:rPr lang="en-GB" sz="900" dirty="0" err="1">
-                <a:solidFill>
-                  <a:srgbClr val="000000"/>
-                </a:solidFill>
-                <a:latin typeface="Consolas" panose="020B0609020204030204" pitchFamily="49" charset="0"/>
-              </a:rPr>
-              <a:t>Client.Config</a:t>
-            </a:r>
-            <a:r>
-              <a:rPr lang="en-GB" sz="900" dirty="0">
-                <a:solidFill>
-                  <a:srgbClr val="000000"/>
-                </a:solidFill>
-                <a:latin typeface="Consolas" panose="020B0609020204030204" pitchFamily="49" charset="0"/>
-              </a:rPr>
-              <a:t>, server);</a:t>
+              <a:t>(Client, Config, server);</a:t>
             </a:r>
           </a:p>
           <a:p>
@@ -10362,7 +10397,7 @@
 </p:sld>
 </file>
 
-<file path=ppt/slides/slide16.xml><?xml version="1.0" encoding="utf-8"?>
+<file path=ppt/slides/slide18.xml><?xml version="1.0" encoding="utf-8"?>
 <p:sld xmlns:a="http://schemas.openxmlformats.org/drawingml/2006/main" xmlns:r="http://schemas.openxmlformats.org/officeDocument/2006/relationships" xmlns:p="http://schemas.openxmlformats.org/presentationml/2006/main">
   <p:cSld>
     <p:spTree>
@@ -10494,7 +10529,7 @@
 </p:sld>
 </file>
 
-<file path=ppt/slides/slide17.xml><?xml version="1.0" encoding="utf-8"?>
+<file path=ppt/slides/slide19.xml><?xml version="1.0" encoding="utf-8"?>
 <p:sld xmlns:a="http://schemas.openxmlformats.org/drawingml/2006/main" xmlns:r="http://schemas.openxmlformats.org/officeDocument/2006/relationships" xmlns:p="http://schemas.openxmlformats.org/presentationml/2006/main">
   <p:cSld>
     <p:spTree>
@@ -10601,7 +10636,332 @@
 </p:sld>
 </file>
 
-<file path=ppt/slides/slide18.xml><?xml version="1.0" encoding="utf-8"?>
+<file path=ppt/slides/slide2.xml><?xml version="1.0" encoding="utf-8"?>
+<p:sld xmlns:a="http://schemas.openxmlformats.org/drawingml/2006/main" xmlns:r="http://schemas.openxmlformats.org/officeDocument/2006/relationships" xmlns:p="http://schemas.openxmlformats.org/presentationml/2006/main">
+  <p:cSld>
+    <p:spTree>
+      <p:nvGrpSpPr>
+        <p:cNvPr id="1" name=""/>
+        <p:cNvGrpSpPr/>
+        <p:nvPr/>
+      </p:nvGrpSpPr>
+      <p:grpSpPr>
+        <a:xfrm>
+          <a:off x="0" y="0"/>
+          <a:ext cx="0" cy="0"/>
+          <a:chOff x="0" y="0"/>
+          <a:chExt cx="0" cy="0"/>
+        </a:xfrm>
+      </p:grpSpPr>
+      <p:sp>
+        <p:nvSpPr>
+          <p:cNvPr id="2" name="Title 1"/>
+          <p:cNvSpPr>
+            <a:spLocks noGrp="1"/>
+          </p:cNvSpPr>
+          <p:nvPr>
+            <p:ph type="title"/>
+          </p:nvPr>
+        </p:nvSpPr>
+        <p:spPr/>
+        <p:txBody>
+          <a:bodyPr/>
+          <a:lstStyle/>
+          <a:p>
+            <a:r>
+              <a:rPr lang="en-US" dirty="0"/>
+              <a:t>The Heisenbug problem</a:t>
+            </a:r>
+          </a:p>
+        </p:txBody>
+      </p:sp>
+      <p:sp>
+        <p:nvSpPr>
+          <p:cNvPr id="6" name="Rectangle 5"/>
+          <p:cNvSpPr/>
+          <p:nvPr/>
+        </p:nvSpPr>
+        <p:spPr>
+          <a:xfrm>
+            <a:off x="5848285" y="2011680"/>
+            <a:ext cx="2225040" cy="1270000"/>
+          </a:xfrm>
+          <a:prstGeom prst="rect">
+            <a:avLst/>
+          </a:prstGeom>
+          <a:noFill/>
+          <a:ln w="25400">
+            <a:solidFill>
+              <a:schemeClr val="tx1"/>
+            </a:solidFill>
+          </a:ln>
+        </p:spPr>
+        <p:style>
+          <a:lnRef idx="2">
+            <a:schemeClr val="accent1">
+              <a:shade val="50000"/>
+            </a:schemeClr>
+          </a:lnRef>
+          <a:fillRef idx="1">
+            <a:schemeClr val="accent1"/>
+          </a:fillRef>
+          <a:effectRef idx="0">
+            <a:schemeClr val="accent1"/>
+          </a:effectRef>
+          <a:fontRef idx="minor">
+            <a:schemeClr val="lt1"/>
+          </a:fontRef>
+        </p:style>
+        <p:txBody>
+          <a:bodyPr rtlCol="0" anchor="ctr"/>
+          <a:lstStyle/>
+          <a:p>
+            <a:pPr algn="ctr"/>
+            <a:endParaRPr lang="en-US"/>
+          </a:p>
+        </p:txBody>
+      </p:sp>
+      <p:sp>
+        <p:nvSpPr>
+          <p:cNvPr id="7" name="TextBox 6"/>
+          <p:cNvSpPr txBox="1"/>
+          <p:nvPr/>
+        </p:nvSpPr>
+        <p:spPr>
+          <a:xfrm>
+            <a:off x="3015991" y="2410460"/>
+            <a:ext cx="1222258" cy="523220"/>
+          </a:xfrm>
+          <a:prstGeom prst="rect">
+            <a:avLst/>
+          </a:prstGeom>
+          <a:noFill/>
+        </p:spPr>
+        <p:txBody>
+          <a:bodyPr wrap="none" rtlCol="0">
+            <a:spAutoFit/>
+          </a:bodyPr>
+          <a:lstStyle/>
+          <a:p>
+            <a:r>
+              <a:rPr lang="en-US" sz="2800" dirty="0"/>
+              <a:t>System</a:t>
+            </a:r>
+          </a:p>
+        </p:txBody>
+      </p:sp>
+      <p:sp>
+        <p:nvSpPr>
+          <p:cNvPr id="8" name="TextBox 7"/>
+          <p:cNvSpPr txBox="1"/>
+          <p:nvPr/>
+        </p:nvSpPr>
+        <p:spPr>
+          <a:xfrm>
+            <a:off x="5933440" y="2410460"/>
+            <a:ext cx="2054730" cy="523220"/>
+          </a:xfrm>
+          <a:prstGeom prst="rect">
+            <a:avLst/>
+          </a:prstGeom>
+          <a:noFill/>
+        </p:spPr>
+        <p:txBody>
+          <a:bodyPr wrap="none" rtlCol="0">
+            <a:spAutoFit/>
+          </a:bodyPr>
+          <a:lstStyle/>
+          <a:p>
+            <a:r>
+              <a:rPr lang="en-US" sz="2800" dirty="0"/>
+              <a:t>Environment</a:t>
+            </a:r>
+          </a:p>
+        </p:txBody>
+      </p:sp>
+      <p:sp>
+        <p:nvSpPr>
+          <p:cNvPr id="9" name="Rectangle 8"/>
+          <p:cNvSpPr/>
+          <p:nvPr/>
+        </p:nvSpPr>
+        <p:spPr>
+          <a:xfrm>
+            <a:off x="2514600" y="2011680"/>
+            <a:ext cx="2225040" cy="1270000"/>
+          </a:xfrm>
+          <a:prstGeom prst="rect">
+            <a:avLst/>
+          </a:prstGeom>
+          <a:noFill/>
+          <a:ln w="25400">
+            <a:solidFill>
+              <a:schemeClr val="tx1"/>
+            </a:solidFill>
+          </a:ln>
+        </p:spPr>
+        <p:style>
+          <a:lnRef idx="2">
+            <a:schemeClr val="accent1">
+              <a:shade val="50000"/>
+            </a:schemeClr>
+          </a:lnRef>
+          <a:fillRef idx="1">
+            <a:schemeClr val="accent1"/>
+          </a:fillRef>
+          <a:effectRef idx="0">
+            <a:schemeClr val="accent1"/>
+          </a:effectRef>
+          <a:fontRef idx="minor">
+            <a:schemeClr val="lt1"/>
+          </a:fontRef>
+        </p:style>
+        <p:txBody>
+          <a:bodyPr rtlCol="0" anchor="ctr"/>
+          <a:lstStyle/>
+          <a:p>
+            <a:pPr algn="ctr"/>
+            <a:endParaRPr lang="en-US"/>
+          </a:p>
+        </p:txBody>
+      </p:sp>
+      <p:cxnSp>
+        <p:nvCxnSpPr>
+          <p:cNvPr id="13" name="Straight Arrow Connector 12"/>
+          <p:cNvCxnSpPr>
+            <a:stCxn id="9" idx="3"/>
+            <a:endCxn id="6" idx="1"/>
+          </p:cNvCxnSpPr>
+          <p:nvPr/>
+        </p:nvCxnSpPr>
+        <p:spPr>
+          <a:xfrm>
+            <a:off x="4739640" y="2646680"/>
+            <a:ext cx="1108645" cy="0"/>
+          </a:xfrm>
+          <a:prstGeom prst="straightConnector1">
+            <a:avLst/>
+          </a:prstGeom>
+          <a:ln w="25400">
+            <a:solidFill>
+              <a:schemeClr val="tx1"/>
+            </a:solidFill>
+            <a:headEnd type="triangle"/>
+            <a:tailEnd type="triangle"/>
+          </a:ln>
+        </p:spPr>
+        <p:style>
+          <a:lnRef idx="1">
+            <a:schemeClr val="accent1"/>
+          </a:lnRef>
+          <a:fillRef idx="0">
+            <a:schemeClr val="accent1"/>
+          </a:fillRef>
+          <a:effectRef idx="0">
+            <a:schemeClr val="accent1"/>
+          </a:effectRef>
+          <a:fontRef idx="minor">
+            <a:schemeClr val="tx1"/>
+          </a:fontRef>
+        </p:style>
+      </p:cxnSp>
+      <p:sp>
+        <p:nvSpPr>
+          <p:cNvPr id="15" name="TextBox 14"/>
+          <p:cNvSpPr txBox="1"/>
+          <p:nvPr/>
+        </p:nvSpPr>
+        <p:spPr>
+          <a:xfrm>
+            <a:off x="1244600" y="3683952"/>
+            <a:ext cx="10170413" cy="2123658"/>
+          </a:xfrm>
+          <a:prstGeom prst="rect">
+            <a:avLst/>
+          </a:prstGeom>
+          <a:noFill/>
+        </p:spPr>
+        <p:txBody>
+          <a:bodyPr wrap="none" rtlCol="0">
+            <a:spAutoFit/>
+          </a:bodyPr>
+          <a:lstStyle/>
+          <a:p>
+            <a:pPr marL="342900" indent="-342900">
+              <a:buFont typeface="Arial" panose="020B0604020202020204" pitchFamily="34" charset="0"/>
+              <a:buChar char="•"/>
+            </a:pPr>
+            <a:r>
+              <a:rPr lang="en-US" sz="2400" dirty="0"/>
+              <a:t>Happen when interaction between system and environment is uncontrollable</a:t>
+            </a:r>
+          </a:p>
+          <a:p>
+            <a:pPr marL="800100" lvl="1" indent="-342900">
+              <a:buFont typeface="Arial" panose="020B0604020202020204" pitchFamily="34" charset="0"/>
+              <a:buChar char="•"/>
+            </a:pPr>
+            <a:r>
+              <a:rPr lang="en-US" sz="2000" dirty="0"/>
+              <a:t>Timing-dependent behavior</a:t>
+            </a:r>
+          </a:p>
+          <a:p>
+            <a:pPr marL="800100" lvl="1" indent="-342900">
+              <a:buFont typeface="Arial" panose="020B0604020202020204" pitchFamily="34" charset="0"/>
+              <a:buChar char="•"/>
+            </a:pPr>
+            <a:r>
+              <a:rPr lang="en-US" sz="2000" dirty="0"/>
+              <a:t>Failures</a:t>
+            </a:r>
+          </a:p>
+          <a:p>
+            <a:pPr marL="800100" lvl="1" indent="-342900">
+              <a:buFont typeface="Arial" panose="020B0604020202020204" pitchFamily="34" charset="0"/>
+              <a:buChar char="•"/>
+            </a:pPr>
+            <a:r>
+              <a:rPr lang="en-US" sz="2000" dirty="0"/>
+              <a:t>Interaction with physical world</a:t>
+            </a:r>
+          </a:p>
+          <a:p>
+            <a:pPr marL="342900" indent="-342900">
+              <a:buFont typeface="Arial" panose="020B0604020202020204" pitchFamily="34" charset="0"/>
+              <a:buChar char="•"/>
+            </a:pPr>
+            <a:r>
+              <a:rPr lang="en-US" sz="2400" dirty="0"/>
+              <a:t>Extremely difficult to reproduce, diagnose, and fix</a:t>
+            </a:r>
+          </a:p>
+          <a:p>
+            <a:pPr marL="342900" indent="-342900">
+              <a:buFont typeface="Arial" panose="020B0604020202020204" pitchFamily="34" charset="0"/>
+              <a:buChar char="•"/>
+            </a:pPr>
+            <a:r>
+              <a:rPr lang="en-US" sz="2400" dirty="0"/>
+              <a:t>Enormous impediment to programmer productivity and software quality</a:t>
+            </a:r>
+          </a:p>
+        </p:txBody>
+      </p:sp>
+    </p:spTree>
+    <p:extLst>
+      <p:ext uri="{BB962C8B-B14F-4D97-AF65-F5344CB8AC3E}">
+        <p14:creationId xmlns:p14="http://schemas.microsoft.com/office/powerpoint/2010/main" val="2734397116"/>
+      </p:ext>
+    </p:extLst>
+  </p:cSld>
+  <p:clrMapOvr>
+    <a:masterClrMapping/>
+  </p:clrMapOvr>
+</p:sld>
+</file>
+
+<file path=ppt/slides/slide20.xml><?xml version="1.0" encoding="utf-8"?>
 <p:sld xmlns:a="http://schemas.openxmlformats.org/drawingml/2006/main" xmlns:r="http://schemas.openxmlformats.org/officeDocument/2006/relationships" xmlns:p="http://schemas.openxmlformats.org/presentationml/2006/main">
   <p:cSld>
     <p:spTree>
@@ -11976,7 +12336,7 @@
 </p:sld>
 </file>
 
-<file path=ppt/slides/slide19.xml><?xml version="1.0" encoding="utf-8"?>
+<file path=ppt/slides/slide21.xml><?xml version="1.0" encoding="utf-8"?>
 <p:sld xmlns:a="http://schemas.openxmlformats.org/drawingml/2006/main" xmlns:r="http://schemas.openxmlformats.org/officeDocument/2006/relationships" xmlns:p="http://schemas.openxmlformats.org/presentationml/2006/main">
   <p:cSld>
     <p:spTree>
@@ -12136,332 +12496,7 @@
 </p:sld>
 </file>
 
-<file path=ppt/slides/slide2.xml><?xml version="1.0" encoding="utf-8"?>
-<p:sld xmlns:a="http://schemas.openxmlformats.org/drawingml/2006/main" xmlns:r="http://schemas.openxmlformats.org/officeDocument/2006/relationships" xmlns:p="http://schemas.openxmlformats.org/presentationml/2006/main">
-  <p:cSld>
-    <p:spTree>
-      <p:nvGrpSpPr>
-        <p:cNvPr id="1" name=""/>
-        <p:cNvGrpSpPr/>
-        <p:nvPr/>
-      </p:nvGrpSpPr>
-      <p:grpSpPr>
-        <a:xfrm>
-          <a:off x="0" y="0"/>
-          <a:ext cx="0" cy="0"/>
-          <a:chOff x="0" y="0"/>
-          <a:chExt cx="0" cy="0"/>
-        </a:xfrm>
-      </p:grpSpPr>
-      <p:sp>
-        <p:nvSpPr>
-          <p:cNvPr id="2" name="Title 1"/>
-          <p:cNvSpPr>
-            <a:spLocks noGrp="1"/>
-          </p:cNvSpPr>
-          <p:nvPr>
-            <p:ph type="title"/>
-          </p:nvPr>
-        </p:nvSpPr>
-        <p:spPr/>
-        <p:txBody>
-          <a:bodyPr/>
-          <a:lstStyle/>
-          <a:p>
-            <a:r>
-              <a:rPr lang="en-US" dirty="0"/>
-              <a:t>The Heisenbug problem</a:t>
-            </a:r>
-          </a:p>
-        </p:txBody>
-      </p:sp>
-      <p:sp>
-        <p:nvSpPr>
-          <p:cNvPr id="6" name="Rectangle 5"/>
-          <p:cNvSpPr/>
-          <p:nvPr/>
-        </p:nvSpPr>
-        <p:spPr>
-          <a:xfrm>
-            <a:off x="5848285" y="2011680"/>
-            <a:ext cx="2225040" cy="1270000"/>
-          </a:xfrm>
-          <a:prstGeom prst="rect">
-            <a:avLst/>
-          </a:prstGeom>
-          <a:noFill/>
-          <a:ln w="25400">
-            <a:solidFill>
-              <a:schemeClr val="tx1"/>
-            </a:solidFill>
-          </a:ln>
-        </p:spPr>
-        <p:style>
-          <a:lnRef idx="2">
-            <a:schemeClr val="accent1">
-              <a:shade val="50000"/>
-            </a:schemeClr>
-          </a:lnRef>
-          <a:fillRef idx="1">
-            <a:schemeClr val="accent1"/>
-          </a:fillRef>
-          <a:effectRef idx="0">
-            <a:schemeClr val="accent1"/>
-          </a:effectRef>
-          <a:fontRef idx="minor">
-            <a:schemeClr val="lt1"/>
-          </a:fontRef>
-        </p:style>
-        <p:txBody>
-          <a:bodyPr rtlCol="0" anchor="ctr"/>
-          <a:lstStyle/>
-          <a:p>
-            <a:pPr algn="ctr"/>
-            <a:endParaRPr lang="en-US"/>
-          </a:p>
-        </p:txBody>
-      </p:sp>
-      <p:sp>
-        <p:nvSpPr>
-          <p:cNvPr id="7" name="TextBox 6"/>
-          <p:cNvSpPr txBox="1"/>
-          <p:nvPr/>
-        </p:nvSpPr>
-        <p:spPr>
-          <a:xfrm>
-            <a:off x="3015991" y="2410460"/>
-            <a:ext cx="1222258" cy="523220"/>
-          </a:xfrm>
-          <a:prstGeom prst="rect">
-            <a:avLst/>
-          </a:prstGeom>
-          <a:noFill/>
-        </p:spPr>
-        <p:txBody>
-          <a:bodyPr wrap="none" rtlCol="0">
-            <a:spAutoFit/>
-          </a:bodyPr>
-          <a:lstStyle/>
-          <a:p>
-            <a:r>
-              <a:rPr lang="en-US" sz="2800" dirty="0"/>
-              <a:t>System</a:t>
-            </a:r>
-          </a:p>
-        </p:txBody>
-      </p:sp>
-      <p:sp>
-        <p:nvSpPr>
-          <p:cNvPr id="8" name="TextBox 7"/>
-          <p:cNvSpPr txBox="1"/>
-          <p:nvPr/>
-        </p:nvSpPr>
-        <p:spPr>
-          <a:xfrm>
-            <a:off x="5933440" y="2410460"/>
-            <a:ext cx="2054730" cy="523220"/>
-          </a:xfrm>
-          <a:prstGeom prst="rect">
-            <a:avLst/>
-          </a:prstGeom>
-          <a:noFill/>
-        </p:spPr>
-        <p:txBody>
-          <a:bodyPr wrap="none" rtlCol="0">
-            <a:spAutoFit/>
-          </a:bodyPr>
-          <a:lstStyle/>
-          <a:p>
-            <a:r>
-              <a:rPr lang="en-US" sz="2800" dirty="0"/>
-              <a:t>Environment</a:t>
-            </a:r>
-          </a:p>
-        </p:txBody>
-      </p:sp>
-      <p:sp>
-        <p:nvSpPr>
-          <p:cNvPr id="9" name="Rectangle 8"/>
-          <p:cNvSpPr/>
-          <p:nvPr/>
-        </p:nvSpPr>
-        <p:spPr>
-          <a:xfrm>
-            <a:off x="2514600" y="2011680"/>
-            <a:ext cx="2225040" cy="1270000"/>
-          </a:xfrm>
-          <a:prstGeom prst="rect">
-            <a:avLst/>
-          </a:prstGeom>
-          <a:noFill/>
-          <a:ln w="25400">
-            <a:solidFill>
-              <a:schemeClr val="tx1"/>
-            </a:solidFill>
-          </a:ln>
-        </p:spPr>
-        <p:style>
-          <a:lnRef idx="2">
-            <a:schemeClr val="accent1">
-              <a:shade val="50000"/>
-            </a:schemeClr>
-          </a:lnRef>
-          <a:fillRef idx="1">
-            <a:schemeClr val="accent1"/>
-          </a:fillRef>
-          <a:effectRef idx="0">
-            <a:schemeClr val="accent1"/>
-          </a:effectRef>
-          <a:fontRef idx="minor">
-            <a:schemeClr val="lt1"/>
-          </a:fontRef>
-        </p:style>
-        <p:txBody>
-          <a:bodyPr rtlCol="0" anchor="ctr"/>
-          <a:lstStyle/>
-          <a:p>
-            <a:pPr algn="ctr"/>
-            <a:endParaRPr lang="en-US"/>
-          </a:p>
-        </p:txBody>
-      </p:sp>
-      <p:cxnSp>
-        <p:nvCxnSpPr>
-          <p:cNvPr id="13" name="Straight Arrow Connector 12"/>
-          <p:cNvCxnSpPr>
-            <a:stCxn id="9" idx="3"/>
-            <a:endCxn id="6" idx="1"/>
-          </p:cNvCxnSpPr>
-          <p:nvPr/>
-        </p:nvCxnSpPr>
-        <p:spPr>
-          <a:xfrm>
-            <a:off x="4739640" y="2646680"/>
-            <a:ext cx="1108645" cy="0"/>
-          </a:xfrm>
-          <a:prstGeom prst="straightConnector1">
-            <a:avLst/>
-          </a:prstGeom>
-          <a:ln w="25400">
-            <a:solidFill>
-              <a:schemeClr val="tx1"/>
-            </a:solidFill>
-            <a:headEnd type="triangle"/>
-            <a:tailEnd type="triangle"/>
-          </a:ln>
-        </p:spPr>
-        <p:style>
-          <a:lnRef idx="1">
-            <a:schemeClr val="accent1"/>
-          </a:lnRef>
-          <a:fillRef idx="0">
-            <a:schemeClr val="accent1"/>
-          </a:fillRef>
-          <a:effectRef idx="0">
-            <a:schemeClr val="accent1"/>
-          </a:effectRef>
-          <a:fontRef idx="minor">
-            <a:schemeClr val="tx1"/>
-          </a:fontRef>
-        </p:style>
-      </p:cxnSp>
-      <p:sp>
-        <p:nvSpPr>
-          <p:cNvPr id="15" name="TextBox 14"/>
-          <p:cNvSpPr txBox="1"/>
-          <p:nvPr/>
-        </p:nvSpPr>
-        <p:spPr>
-          <a:xfrm>
-            <a:off x="1244600" y="3683952"/>
-            <a:ext cx="10170413" cy="2123658"/>
-          </a:xfrm>
-          <a:prstGeom prst="rect">
-            <a:avLst/>
-          </a:prstGeom>
-          <a:noFill/>
-        </p:spPr>
-        <p:txBody>
-          <a:bodyPr wrap="none" rtlCol="0">
-            <a:spAutoFit/>
-          </a:bodyPr>
-          <a:lstStyle/>
-          <a:p>
-            <a:pPr marL="342900" indent="-342900">
-              <a:buFont typeface="Arial" panose="020B0604020202020204" pitchFamily="34" charset="0"/>
-              <a:buChar char="•"/>
-            </a:pPr>
-            <a:r>
-              <a:rPr lang="en-US" sz="2400" dirty="0"/>
-              <a:t>Happen when interaction between system and environment is uncontrollable</a:t>
-            </a:r>
-          </a:p>
-          <a:p>
-            <a:pPr marL="800100" lvl="1" indent="-342900">
-              <a:buFont typeface="Arial" panose="020B0604020202020204" pitchFamily="34" charset="0"/>
-              <a:buChar char="•"/>
-            </a:pPr>
-            <a:r>
-              <a:rPr lang="en-US" sz="2000" dirty="0"/>
-              <a:t>Timing-dependent behavior</a:t>
-            </a:r>
-          </a:p>
-          <a:p>
-            <a:pPr marL="800100" lvl="1" indent="-342900">
-              <a:buFont typeface="Arial" panose="020B0604020202020204" pitchFamily="34" charset="0"/>
-              <a:buChar char="•"/>
-            </a:pPr>
-            <a:r>
-              <a:rPr lang="en-US" sz="2000" dirty="0"/>
-              <a:t>Failures</a:t>
-            </a:r>
-          </a:p>
-          <a:p>
-            <a:pPr marL="800100" lvl="1" indent="-342900">
-              <a:buFont typeface="Arial" panose="020B0604020202020204" pitchFamily="34" charset="0"/>
-              <a:buChar char="•"/>
-            </a:pPr>
-            <a:r>
-              <a:rPr lang="en-US" sz="2000" dirty="0"/>
-              <a:t>Physical world, more generally</a:t>
-            </a:r>
-          </a:p>
-          <a:p>
-            <a:pPr marL="342900" indent="-342900">
-              <a:buFont typeface="Arial" panose="020B0604020202020204" pitchFamily="34" charset="0"/>
-              <a:buChar char="•"/>
-            </a:pPr>
-            <a:r>
-              <a:rPr lang="en-US" sz="2400" dirty="0"/>
-              <a:t>Extremely difficult to reproduce, diagnose, and fix</a:t>
-            </a:r>
-          </a:p>
-          <a:p>
-            <a:pPr marL="342900" indent="-342900">
-              <a:buFont typeface="Arial" panose="020B0604020202020204" pitchFamily="34" charset="0"/>
-              <a:buChar char="•"/>
-            </a:pPr>
-            <a:r>
-              <a:rPr lang="en-US" sz="2400" dirty="0"/>
-              <a:t>Enormous impediment to programmer productivity and software quality</a:t>
-            </a:r>
-          </a:p>
-        </p:txBody>
-      </p:sp>
-    </p:spTree>
-    <p:extLst>
-      <p:ext uri="{BB962C8B-B14F-4D97-AF65-F5344CB8AC3E}">
-        <p14:creationId xmlns:p14="http://schemas.microsoft.com/office/powerpoint/2010/main" val="2734397116"/>
-      </p:ext>
-    </p:extLst>
-  </p:cSld>
-  <p:clrMapOvr>
-    <a:masterClrMapping/>
-  </p:clrMapOvr>
-</p:sld>
-</file>
-
-<file path=ppt/slides/slide20.xml><?xml version="1.0" encoding="utf-8"?>
+<file path=ppt/slides/slide22.xml><?xml version="1.0" encoding="utf-8"?>
 <p:sld xmlns:a="http://schemas.openxmlformats.org/drawingml/2006/main" xmlns:r="http://schemas.openxmlformats.org/officeDocument/2006/relationships" xmlns:p="http://schemas.openxmlformats.org/presentationml/2006/main">
   <p:cSld>
     <p:spTree>
@@ -12542,7 +12577,7 @@
 </p:sld>
 </file>
 
-<file path=ppt/slides/slide21.xml><?xml version="1.0" encoding="utf-8"?>
+<file path=ppt/slides/slide23.xml><?xml version="1.0" encoding="utf-8"?>
 <p:sld xmlns:a="http://schemas.openxmlformats.org/drawingml/2006/main" xmlns:r="http://schemas.openxmlformats.org/officeDocument/2006/relationships" xmlns:p="http://schemas.openxmlformats.org/presentationml/2006/main">
   <p:cSld>
     <p:spTree>
@@ -17569,7 +17604,7 @@
         <p:spPr>
           <a:xfrm>
             <a:off x="1238864" y="1727363"/>
-            <a:ext cx="3247556" cy="4524315"/>
+            <a:ext cx="3247556" cy="4093428"/>
           </a:xfrm>
           <a:prstGeom prst="rect">
             <a:avLst/>
@@ -17592,6 +17627,7 @@
             </a:r>
           </a:p>
           <a:p>
+            <a:pPr lvl="0"/>
             <a:endParaRPr lang="en-US" sz="2800" dirty="0"/>
           </a:p>
           <a:p>
@@ -17621,9 +17657,6 @@
               <a:rPr lang="en-US" sz="2800" dirty="0"/>
               <a:t>Hid class</a:t>
             </a:r>
-          </a:p>
-          <a:p>
-            <a:endParaRPr lang="en-US" sz="2800" dirty="0"/>
           </a:p>
           <a:p>
             <a:pPr lvl="0"/>
@@ -17657,7 +17690,7 @@
         <p:spPr>
           <a:xfrm>
             <a:off x="5331541" y="1727363"/>
-            <a:ext cx="2132763" cy="1938992"/>
+            <a:ext cx="3171189" cy="3231654"/>
           </a:xfrm>
           <a:prstGeom prst="rect">
             <a:avLst/>
@@ -17694,6 +17727,24 @@
               <a:t>Batch Service</a:t>
             </a:r>
           </a:p>
+          <a:p>
+            <a:r>
+              <a:rPr lang="en-US" sz="2800" dirty="0"/>
+              <a:t>Learning Service</a:t>
+            </a:r>
+          </a:p>
+          <a:p>
+            <a:r>
+              <a:rPr lang="en-US" sz="2800" dirty="0"/>
+              <a:t>AZSM</a:t>
+            </a:r>
+          </a:p>
+          <a:p>
+            <a:r>
+              <a:rPr lang="en-US" sz="2800" dirty="0"/>
+              <a:t>CAT (Connected Car)</a:t>
+            </a:r>
+          </a:p>
         </p:txBody>
       </p:sp>
       <p:sp>
@@ -17704,8 +17755,8 @@
         </p:nvSpPr>
         <p:spPr>
           <a:xfrm>
-            <a:off x="8200102" y="1727363"/>
-            <a:ext cx="2232599" cy="1938992"/>
+            <a:off x="8596342" y="1727363"/>
+            <a:ext cx="2673809" cy="1508105"/>
           </a:xfrm>
           <a:prstGeom prst="rect">
             <a:avLst/>
@@ -17733,55 +17784,7 @@
           <a:p>
             <a:r>
               <a:rPr lang="en-US" sz="2800" dirty="0"/>
-              <a:t>P++</a:t>
-            </a:r>
-          </a:p>
-          <a:p>
-            <a:r>
-              <a:rPr lang="en-US" sz="2800" dirty="0"/>
-              <a:t>P-style testing</a:t>
-            </a:r>
-          </a:p>
-        </p:txBody>
-      </p:sp>
-      <p:sp>
-        <p:nvSpPr>
-          <p:cNvPr id="3" name="TextBox 2"/>
-          <p:cNvSpPr txBox="1"/>
-          <p:nvPr/>
-        </p:nvSpPr>
-        <p:spPr>
-          <a:xfrm>
-            <a:off x="5405283" y="4802404"/>
-            <a:ext cx="1911101" cy="1354217"/>
-          </a:xfrm>
-          <a:prstGeom prst="rect">
-            <a:avLst/>
-          </a:prstGeom>
-          <a:noFill/>
-        </p:spPr>
-        <p:txBody>
-          <a:bodyPr wrap="none" rtlCol="0">
-            <a:spAutoFit/>
-          </a:bodyPr>
-          <a:lstStyle/>
-          <a:p>
-            <a:r>
-              <a:rPr lang="en-US" sz="3600" dirty="0">
-                <a:solidFill>
-                  <a:srgbClr val="FF0000"/>
-                </a:solidFill>
-              </a:rPr>
-              <a:t>HoloLens</a:t>
-            </a:r>
-          </a:p>
-          <a:p>
-            <a:endParaRPr lang="en-US" dirty="0"/>
-          </a:p>
-          <a:p>
-            <a:r>
-              <a:rPr lang="en-US" sz="2800" dirty="0"/>
-              <a:t>DMA driver</a:t>
+              <a:t>Client-server app</a:t>
             </a:r>
           </a:p>
         </p:txBody>
@@ -17808,7 +17811,7 @@
           <a:p>
             <a:r>
               <a:rPr lang="en-US" dirty="0"/>
-              <a:t>Tons of experience</a:t>
+              <a:t>Users</a:t>
             </a:r>
           </a:p>
         </p:txBody>
@@ -18030,7 +18033,7 @@
           <a:p>
             <a:r>
               <a:rPr lang="en-US" dirty="0"/>
-              <a:t>Expressing asynchrony in P</a:t>
+              <a:t>Outline</a:t>
             </a:r>
           </a:p>
         </p:txBody>
@@ -18047,48 +18050,82 @@
         </p:nvSpPr>
         <p:spPr/>
         <p:txBody>
-          <a:bodyPr/>
+          <a:bodyPr>
+            <a:normAutofit lnSpcReduction="10000"/>
+          </a:bodyPr>
           <a:lstStyle/>
           <a:p>
             <a:r>
               <a:rPr lang="en-US" dirty="0"/>
-              <a:t>Ping Pong example with Timer</a:t>
-            </a:r>
-          </a:p>
-          <a:p>
+              <a:t>State machine programming model and language features</a:t>
+            </a:r>
+          </a:p>
+          <a:p>
+            <a:pPr lvl="1"/>
             <a:r>
               <a:rPr lang="en-US" dirty="0"/>
-              <a:t>Illustrate basic language features</a:t>
+              <a:t>Hello</a:t>
             </a:r>
           </a:p>
           <a:p>
             <a:r>
               <a:rPr lang="en-US" dirty="0"/>
-              <a:t>Get students familiar with basic tool chain</a:t>
-            </a:r>
+              <a:t>Safety and liveness specifications</a:t>
+            </a:r>
+          </a:p>
+          <a:p>
+            <a:pPr lvl="1"/>
+            <a:r>
+              <a:rPr lang="en-US" dirty="0" err="1"/>
+              <a:t>PingPong</a:t>
+            </a:r>
+            <a:endParaRPr lang="en-US" dirty="0"/>
           </a:p>
           <a:p>
             <a:r>
               <a:rPr lang="en-US" dirty="0"/>
-              <a:t>The problem of systematic testing</a:t>
-            </a:r>
-          </a:p>
-          <a:p>
+              <a:t>Unit interaction tests</a:t>
+            </a:r>
+          </a:p>
+          <a:p>
+            <a:pPr lvl="1"/>
+            <a:r>
+              <a:rPr lang="en-US" dirty="0" err="1"/>
+              <a:t>PingPong</a:t>
+            </a:r>
             <a:r>
               <a:rPr lang="en-US" dirty="0"/>
-              <a:t>The problem of specification</a:t>
+              <a:t>, Failover</a:t>
             </a:r>
           </a:p>
           <a:p>
             <a:r>
               <a:rPr lang="en-US" dirty="0"/>
-              <a:t>Safety</a:t>
-            </a:r>
-          </a:p>
-          <a:p>
+              <a:t>Failure modeling</a:t>
+            </a:r>
+          </a:p>
+          <a:p>
+            <a:pPr lvl="1"/>
             <a:r>
               <a:rPr lang="en-US" dirty="0"/>
-              <a:t>Liveness</a:t>
+              <a:t>Failover</a:t>
+            </a:r>
+          </a:p>
+          <a:p>
+            <a:r>
+              <a:rPr lang="en-US" dirty="0"/>
+              <a:t>Avoiding data races</a:t>
+            </a:r>
+          </a:p>
+          <a:p>
+            <a:pPr lvl="1"/>
+            <a:r>
+              <a:rPr lang="en-US" dirty="0" err="1"/>
+              <a:t>CoarseGrainedLocking</a:t>
+            </a:r>
+            <a:r>
+              <a:rPr lang="en-US" dirty="0"/>
+              <a:t> </a:t>
             </a:r>
           </a:p>
         </p:txBody>
@@ -18096,7 +18133,7 @@
     </p:spTree>
     <p:extLst>
       <p:ext uri="{BB962C8B-B14F-4D97-AF65-F5344CB8AC3E}">
-        <p14:creationId xmlns:p14="http://schemas.microsoft.com/office/powerpoint/2010/main" val="369208347"/>
+        <p14:creationId xmlns:p14="http://schemas.microsoft.com/office/powerpoint/2010/main" val="777189268"/>
       </p:ext>
     </p:extLst>
   </p:cSld>

--- a/Tutorial/P-tutorial.pptx
+++ b/Tutorial/P-tutorial.pptx
@@ -5,7 +5,7 @@
     <p:sldMasterId id="2147483648" r:id="rId1"/>
   </p:sldMasterIdLst>
   <p:notesMasterIdLst>
-    <p:notesMasterId r:id="rId25"/>
+    <p:notesMasterId r:id="rId28"/>
   </p:notesMasterIdLst>
   <p:sldIdLst>
     <p:sldId id="256" r:id="rId2"/>
@@ -19,18 +19,21 @@
     <p:sldId id="280" r:id="rId10"/>
     <p:sldId id="283" r:id="rId11"/>
     <p:sldId id="267" r:id="rId12"/>
-    <p:sldId id="284" r:id="rId13"/>
-    <p:sldId id="285" r:id="rId14"/>
-    <p:sldId id="287" r:id="rId15"/>
-    <p:sldId id="288" r:id="rId16"/>
-    <p:sldId id="272" r:id="rId17"/>
-    <p:sldId id="273" r:id="rId18"/>
-    <p:sldId id="274" r:id="rId19"/>
-    <p:sldId id="275" r:id="rId20"/>
-    <p:sldId id="276" r:id="rId21"/>
-    <p:sldId id="277" r:id="rId22"/>
-    <p:sldId id="278" r:id="rId23"/>
-    <p:sldId id="279" r:id="rId24"/>
+    <p:sldId id="291" r:id="rId13"/>
+    <p:sldId id="284" r:id="rId14"/>
+    <p:sldId id="285" r:id="rId15"/>
+    <p:sldId id="287" r:id="rId16"/>
+    <p:sldId id="288" r:id="rId17"/>
+    <p:sldId id="290" r:id="rId18"/>
+    <p:sldId id="292" r:id="rId19"/>
+    <p:sldId id="272" r:id="rId20"/>
+    <p:sldId id="273" r:id="rId21"/>
+    <p:sldId id="274" r:id="rId22"/>
+    <p:sldId id="275" r:id="rId23"/>
+    <p:sldId id="276" r:id="rId24"/>
+    <p:sldId id="277" r:id="rId25"/>
+    <p:sldId id="278" r:id="rId26"/>
+    <p:sldId id="279" r:id="rId27"/>
   </p:sldIdLst>
   <p:sldSz cx="12192000" cy="6858000"/>
   <p:notesSz cx="6858000" cy="9144000"/>
@@ -6425,7 +6428,7 @@
           <a:p>
             <a:r>
               <a:rPr lang="en-US" dirty="0"/>
-              <a:t>Safety specifications</a:t>
+              <a:t>Exceptions</a:t>
             </a:r>
           </a:p>
         </p:txBody>
@@ -6447,6 +6450,121 @@
           <a:p>
             <a:r>
               <a:rPr lang="en-US" dirty="0"/>
+              <a:t>Unhandled event exception</a:t>
+            </a:r>
+          </a:p>
+          <a:p>
+            <a:endParaRPr lang="en-US" dirty="0"/>
+          </a:p>
+          <a:p>
+            <a:r>
+              <a:rPr lang="en-US" dirty="0"/>
+              <a:t>Event and queue cardinality constraints</a:t>
+            </a:r>
+          </a:p>
+          <a:p>
+            <a:endParaRPr lang="en-US" dirty="0"/>
+          </a:p>
+          <a:p>
+            <a:r>
+              <a:rPr lang="en-US" dirty="0"/>
+              <a:t>Exceptions in the statement language</a:t>
+            </a:r>
+          </a:p>
+          <a:p>
+            <a:pPr lvl="1"/>
+            <a:r>
+              <a:rPr lang="en-US" dirty="0"/>
+              <a:t>Cast exceptions</a:t>
+            </a:r>
+          </a:p>
+          <a:p>
+            <a:pPr lvl="1"/>
+            <a:r>
+              <a:rPr lang="en-US" dirty="0"/>
+              <a:t>Null dereference exceptions </a:t>
+            </a:r>
+          </a:p>
+          <a:p>
+            <a:pPr lvl="1"/>
+            <a:r>
+              <a:rPr lang="en-US" dirty="0"/>
+              <a:t>…</a:t>
+            </a:r>
+          </a:p>
+        </p:txBody>
+      </p:sp>
+    </p:spTree>
+    <p:extLst>
+      <p:ext uri="{BB962C8B-B14F-4D97-AF65-F5344CB8AC3E}">
+        <p14:creationId xmlns:p14="http://schemas.microsoft.com/office/powerpoint/2010/main" val="1408383419"/>
+      </p:ext>
+    </p:extLst>
+  </p:cSld>
+  <p:clrMapOvr>
+    <a:masterClrMapping/>
+  </p:clrMapOvr>
+</p:sld>
+</file>
+
+<file path=ppt/slides/slide13.xml><?xml version="1.0" encoding="utf-8"?>
+<p:sld xmlns:a="http://schemas.openxmlformats.org/drawingml/2006/main" xmlns:r="http://schemas.openxmlformats.org/officeDocument/2006/relationships" xmlns:p="http://schemas.openxmlformats.org/presentationml/2006/main">
+  <p:cSld>
+    <p:spTree>
+      <p:nvGrpSpPr>
+        <p:cNvPr id="1" name=""/>
+        <p:cNvGrpSpPr/>
+        <p:nvPr/>
+      </p:nvGrpSpPr>
+      <p:grpSpPr>
+        <a:xfrm>
+          <a:off x="0" y="0"/>
+          <a:ext cx="0" cy="0"/>
+          <a:chOff x="0" y="0"/>
+          <a:chExt cx="0" cy="0"/>
+        </a:xfrm>
+      </p:grpSpPr>
+      <p:sp>
+        <p:nvSpPr>
+          <p:cNvPr id="2" name="Title 1"/>
+          <p:cNvSpPr>
+            <a:spLocks noGrp="1"/>
+          </p:cNvSpPr>
+          <p:nvPr>
+            <p:ph type="title"/>
+          </p:nvPr>
+        </p:nvSpPr>
+        <p:spPr/>
+        <p:txBody>
+          <a:bodyPr/>
+          <a:lstStyle/>
+          <a:p>
+            <a:r>
+              <a:rPr lang="en-US" dirty="0"/>
+              <a:t>Safety specifications</a:t>
+            </a:r>
+          </a:p>
+        </p:txBody>
+      </p:sp>
+      <p:sp>
+        <p:nvSpPr>
+          <p:cNvPr id="3" name="Content Placeholder 2"/>
+          <p:cNvSpPr>
+            <a:spLocks noGrp="1"/>
+          </p:cNvSpPr>
+          <p:nvPr>
+            <p:ph idx="1"/>
+          </p:nvPr>
+        </p:nvSpPr>
+        <p:spPr/>
+        <p:txBody>
+          <a:bodyPr>
+            <a:normAutofit/>
+          </a:bodyPr>
+          <a:lstStyle/>
+          <a:p>
+            <a:r>
+              <a:rPr lang="en-US" dirty="0"/>
               <a:t>Generalizes assertion in sequential programs</a:t>
             </a:r>
           </a:p>
@@ -6465,28 +6583,16 @@
           <a:p>
             <a:r>
               <a:rPr lang="en-US" dirty="0"/>
-              <a:t>Categories</a:t>
-            </a:r>
-          </a:p>
-          <a:p>
-            <a:pPr lvl="1"/>
+              <a:t>Bad never happens</a:t>
+            </a:r>
+          </a:p>
+          <a:p>
+            <a:endParaRPr lang="en-US" dirty="0"/>
+          </a:p>
+          <a:p>
             <a:r>
               <a:rPr lang="en-US" dirty="0"/>
-              <a:t>Assertion</a:t>
-            </a:r>
-          </a:p>
-          <a:p>
-            <a:pPr lvl="1"/>
-            <a:r>
-              <a:rPr lang="en-US" dirty="0"/>
-              <a:t>Unhandled event</a:t>
-            </a:r>
-          </a:p>
-          <a:p>
-            <a:pPr lvl="1"/>
-            <a:r>
-              <a:rPr lang="en-US" dirty="0"/>
-              <a:t>Monitor</a:t>
+              <a:t>Encode “Bad” using safety monitor</a:t>
             </a:r>
           </a:p>
         </p:txBody>
@@ -6504,7 +6610,7 @@
 </p:sld>
 </file>
 
-<file path=ppt/slides/slide13.xml><?xml version="1.0" encoding="utf-8"?>
+<file path=ppt/slides/slide14.xml><?xml version="1.0" encoding="utf-8"?>
 <p:sld xmlns:a="http://schemas.openxmlformats.org/drawingml/2006/main" xmlns:r="http://schemas.openxmlformats.org/officeDocument/2006/relationships" xmlns:p="http://schemas.openxmlformats.org/presentationml/2006/main">
   <p:cSld>
     <p:spTree>
@@ -6564,7 +6670,7 @@
 </p:sld>
 </file>
 
-<file path=ppt/slides/slide14.xml><?xml version="1.0" encoding="utf-8"?>
+<file path=ppt/slides/slide15.xml><?xml version="1.0" encoding="utf-8"?>
 <p:sld xmlns:a="http://schemas.openxmlformats.org/drawingml/2006/main" xmlns:r="http://schemas.openxmlformats.org/officeDocument/2006/relationships" xmlns:p="http://schemas.openxmlformats.org/presentationml/2006/main">
   <p:cSld>
     <p:spTree>
@@ -6638,13 +6744,7 @@
           <a:p>
             <a:r>
               <a:rPr lang="en-US" dirty="0"/>
-              <a:t>Safety -&gt; Bad never happens</a:t>
-            </a:r>
-          </a:p>
-          <a:p>
-            <a:r>
-              <a:rPr lang="en-US" dirty="0"/>
-              <a:t>Liveness -&gt; Good eventually happens</a:t>
+              <a:t>Good eventually happens</a:t>
             </a:r>
           </a:p>
           <a:p>
@@ -6671,7 +6771,7 @@
 </p:sld>
 </file>
 
-<file path=ppt/slides/slide15.xml><?xml version="1.0" encoding="utf-8"?>
+<file path=ppt/slides/slide16.xml><?xml version="1.0" encoding="utf-8"?>
 <p:sld xmlns:a="http://schemas.openxmlformats.org/drawingml/2006/main" xmlns:r="http://schemas.openxmlformats.org/officeDocument/2006/relationships" xmlns:p="http://schemas.openxmlformats.org/presentationml/2006/main">
   <p:cSld>
     <p:spTree>
@@ -6731,7 +6831,7 @@
 </p:sld>
 </file>
 
-<file path=ppt/slides/slide16.xml><?xml version="1.0" encoding="utf-8"?>
+<file path=ppt/slides/slide17.xml><?xml version="1.0" encoding="utf-8"?>
 <p:sld xmlns:a="http://schemas.openxmlformats.org/drawingml/2006/main" xmlns:r="http://schemas.openxmlformats.org/officeDocument/2006/relationships" xmlns:p="http://schemas.openxmlformats.org/presentationml/2006/main">
   <p:cSld>
     <p:spTree>
@@ -6765,6 +6865,211 @@
           <a:p>
             <a:r>
               <a:rPr lang="en-US" dirty="0"/>
+              <a:t>How do we test concurrent programs?</a:t>
+            </a:r>
+          </a:p>
+        </p:txBody>
+      </p:sp>
+      <p:sp>
+        <p:nvSpPr>
+          <p:cNvPr id="3" name="Content Placeholder 2"/>
+          <p:cNvSpPr>
+            <a:spLocks noGrp="1"/>
+          </p:cNvSpPr>
+          <p:nvPr>
+            <p:ph idx="1"/>
+          </p:nvPr>
+        </p:nvSpPr>
+        <p:spPr/>
+        <p:txBody>
+          <a:bodyPr>
+            <a:normAutofit lnSpcReduction="10000"/>
+          </a:bodyPr>
+          <a:lstStyle/>
+          <a:p>
+            <a:r>
+              <a:rPr lang="en-US" dirty="0"/>
+              <a:t>Unit tests are unable to find timing-related errors</a:t>
+            </a:r>
+          </a:p>
+          <a:p>
+            <a:endParaRPr lang="en-US" dirty="0"/>
+          </a:p>
+          <a:p>
+            <a:r>
+              <a:rPr lang="en-US" dirty="0"/>
+              <a:t>Unit tests are usually followed by integration tests</a:t>
+            </a:r>
+          </a:p>
+          <a:p>
+            <a:pPr lvl="1"/>
+            <a:r>
+              <a:rPr lang="en-US" dirty="0"/>
+              <a:t>Expensive</a:t>
+            </a:r>
+          </a:p>
+          <a:p>
+            <a:pPr lvl="1"/>
+            <a:r>
+              <a:rPr lang="en-US" dirty="0"/>
+              <a:t>Difficult to debug</a:t>
+            </a:r>
+          </a:p>
+          <a:p>
+            <a:pPr lvl="1"/>
+            <a:endParaRPr lang="en-US" dirty="0"/>
+          </a:p>
+          <a:p>
+            <a:r>
+              <a:rPr lang="en-US" dirty="0"/>
+              <a:t>Unit interaction tests</a:t>
+            </a:r>
+          </a:p>
+          <a:p>
+            <a:pPr lvl="1"/>
+            <a:r>
+              <a:rPr lang="en-US" dirty="0"/>
+              <a:t>Leverages that execution is </a:t>
+            </a:r>
+            <a:r>
+              <a:rPr lang="en-US" dirty="0" err="1"/>
+              <a:t>replayable</a:t>
+            </a:r>
+            <a:r>
+              <a:rPr lang="en-US" dirty="0"/>
+              <a:t> and controllable</a:t>
+            </a:r>
+          </a:p>
+          <a:p>
+            <a:pPr lvl="1"/>
+            <a:r>
+              <a:rPr lang="en-US" dirty="0"/>
+              <a:t>Programmer writes a collection of small test cases</a:t>
+            </a:r>
+          </a:p>
+          <a:p>
+            <a:pPr lvl="1"/>
+            <a:r>
+              <a:rPr lang="en-US" dirty="0"/>
+              <a:t>Let the test framework generate executions</a:t>
+            </a:r>
+          </a:p>
+        </p:txBody>
+      </p:sp>
+    </p:spTree>
+    <p:extLst>
+      <p:ext uri="{BB962C8B-B14F-4D97-AF65-F5344CB8AC3E}">
+        <p14:creationId xmlns:p14="http://schemas.microsoft.com/office/powerpoint/2010/main" val="1575357782"/>
+      </p:ext>
+    </p:extLst>
+  </p:cSld>
+  <p:clrMapOvr>
+    <a:masterClrMapping/>
+  </p:clrMapOvr>
+</p:sld>
+</file>
+
+<file path=ppt/slides/slide18.xml><?xml version="1.0" encoding="utf-8"?>
+<p:sld xmlns:a="http://schemas.openxmlformats.org/drawingml/2006/main" xmlns:r="http://schemas.openxmlformats.org/officeDocument/2006/relationships" xmlns:p="http://schemas.openxmlformats.org/presentationml/2006/main">
+  <p:cSld>
+    <p:spTree>
+      <p:nvGrpSpPr>
+        <p:cNvPr id="1" name=""/>
+        <p:cNvGrpSpPr/>
+        <p:nvPr/>
+      </p:nvGrpSpPr>
+      <p:grpSpPr>
+        <a:xfrm>
+          <a:off x="0" y="0"/>
+          <a:ext cx="0" cy="0"/>
+          <a:chOff x="0" y="0"/>
+          <a:chExt cx="0" cy="0"/>
+        </a:xfrm>
+      </p:grpSpPr>
+      <p:sp>
+        <p:nvSpPr>
+          <p:cNvPr id="2" name="TextBox 1"/>
+          <p:cNvSpPr txBox="1"/>
+          <p:nvPr/>
+        </p:nvSpPr>
+        <p:spPr>
+          <a:xfrm>
+            <a:off x="4922520" y="3058160"/>
+            <a:ext cx="3078728" cy="1938992"/>
+          </a:xfrm>
+          <a:prstGeom prst="rect">
+            <a:avLst/>
+          </a:prstGeom>
+          <a:noFill/>
+        </p:spPr>
+        <p:txBody>
+          <a:bodyPr wrap="none" rtlCol="0">
+            <a:spAutoFit/>
+          </a:bodyPr>
+          <a:lstStyle/>
+          <a:p>
+            <a:r>
+              <a:rPr lang="en-US" sz="6000" dirty="0" err="1"/>
+              <a:t>PingPong</a:t>
+            </a:r>
+            <a:endParaRPr lang="en-US" sz="6000" dirty="0"/>
+          </a:p>
+          <a:p>
+            <a:r>
+              <a:rPr lang="en-US" sz="6000"/>
+              <a:t>Failover</a:t>
+            </a:r>
+            <a:endParaRPr lang="en-US" sz="6000" dirty="0"/>
+          </a:p>
+        </p:txBody>
+      </p:sp>
+    </p:spTree>
+    <p:extLst>
+      <p:ext uri="{BB962C8B-B14F-4D97-AF65-F5344CB8AC3E}">
+        <p14:creationId xmlns:p14="http://schemas.microsoft.com/office/powerpoint/2010/main" val="2516206290"/>
+      </p:ext>
+    </p:extLst>
+  </p:cSld>
+  <p:clrMapOvr>
+    <a:masterClrMapping/>
+  </p:clrMapOvr>
+</p:sld>
+</file>
+
+<file path=ppt/slides/slide19.xml><?xml version="1.0" encoding="utf-8"?>
+<p:sld xmlns:a="http://schemas.openxmlformats.org/drawingml/2006/main" xmlns:r="http://schemas.openxmlformats.org/officeDocument/2006/relationships" xmlns:p="http://schemas.openxmlformats.org/presentationml/2006/main">
+  <p:cSld>
+    <p:spTree>
+      <p:nvGrpSpPr>
+        <p:cNvPr id="1" name=""/>
+        <p:cNvGrpSpPr/>
+        <p:nvPr/>
+      </p:nvGrpSpPr>
+      <p:grpSpPr>
+        <a:xfrm>
+          <a:off x="0" y="0"/>
+          <a:ext cx="0" cy="0"/>
+          <a:chOff x="0" y="0"/>
+          <a:chExt cx="0" cy="0"/>
+        </a:xfrm>
+      </p:grpSpPr>
+      <p:sp>
+        <p:nvSpPr>
+          <p:cNvPr id="2" name="Title 1"/>
+          <p:cNvSpPr>
+            <a:spLocks noGrp="1"/>
+          </p:cNvSpPr>
+          <p:nvPr>
+            <p:ph type="title"/>
+          </p:nvPr>
+        </p:nvSpPr>
+        <p:spPr/>
+        <p:txBody>
+          <a:bodyPr/>
+          <a:lstStyle/>
+          <a:p>
+            <a:r>
+              <a:rPr lang="en-US" dirty="0"/>
               <a:t>Writing P# programs</a:t>
             </a:r>
           </a:p>
@@ -6862,7 +7167,332 @@
 </p:sld>
 </file>
 
-<file path=ppt/slides/slide17.xml><?xml version="1.0" encoding="utf-8"?>
+<file path=ppt/slides/slide2.xml><?xml version="1.0" encoding="utf-8"?>
+<p:sld xmlns:a="http://schemas.openxmlformats.org/drawingml/2006/main" xmlns:r="http://schemas.openxmlformats.org/officeDocument/2006/relationships" xmlns:p="http://schemas.openxmlformats.org/presentationml/2006/main">
+  <p:cSld>
+    <p:spTree>
+      <p:nvGrpSpPr>
+        <p:cNvPr id="1" name=""/>
+        <p:cNvGrpSpPr/>
+        <p:nvPr/>
+      </p:nvGrpSpPr>
+      <p:grpSpPr>
+        <a:xfrm>
+          <a:off x="0" y="0"/>
+          <a:ext cx="0" cy="0"/>
+          <a:chOff x="0" y="0"/>
+          <a:chExt cx="0" cy="0"/>
+        </a:xfrm>
+      </p:grpSpPr>
+      <p:sp>
+        <p:nvSpPr>
+          <p:cNvPr id="2" name="Title 1"/>
+          <p:cNvSpPr>
+            <a:spLocks noGrp="1"/>
+          </p:cNvSpPr>
+          <p:nvPr>
+            <p:ph type="title"/>
+          </p:nvPr>
+        </p:nvSpPr>
+        <p:spPr/>
+        <p:txBody>
+          <a:bodyPr/>
+          <a:lstStyle/>
+          <a:p>
+            <a:r>
+              <a:rPr lang="en-US" dirty="0"/>
+              <a:t>The Heisenbug problem</a:t>
+            </a:r>
+          </a:p>
+        </p:txBody>
+      </p:sp>
+      <p:sp>
+        <p:nvSpPr>
+          <p:cNvPr id="6" name="Rectangle 5"/>
+          <p:cNvSpPr/>
+          <p:nvPr/>
+        </p:nvSpPr>
+        <p:spPr>
+          <a:xfrm>
+            <a:off x="5848285" y="2011680"/>
+            <a:ext cx="2225040" cy="1270000"/>
+          </a:xfrm>
+          <a:prstGeom prst="rect">
+            <a:avLst/>
+          </a:prstGeom>
+          <a:noFill/>
+          <a:ln w="25400">
+            <a:solidFill>
+              <a:schemeClr val="tx1"/>
+            </a:solidFill>
+          </a:ln>
+        </p:spPr>
+        <p:style>
+          <a:lnRef idx="2">
+            <a:schemeClr val="accent1">
+              <a:shade val="50000"/>
+            </a:schemeClr>
+          </a:lnRef>
+          <a:fillRef idx="1">
+            <a:schemeClr val="accent1"/>
+          </a:fillRef>
+          <a:effectRef idx="0">
+            <a:schemeClr val="accent1"/>
+          </a:effectRef>
+          <a:fontRef idx="minor">
+            <a:schemeClr val="lt1"/>
+          </a:fontRef>
+        </p:style>
+        <p:txBody>
+          <a:bodyPr rtlCol="0" anchor="ctr"/>
+          <a:lstStyle/>
+          <a:p>
+            <a:pPr algn="ctr"/>
+            <a:endParaRPr lang="en-US"/>
+          </a:p>
+        </p:txBody>
+      </p:sp>
+      <p:sp>
+        <p:nvSpPr>
+          <p:cNvPr id="7" name="TextBox 6"/>
+          <p:cNvSpPr txBox="1"/>
+          <p:nvPr/>
+        </p:nvSpPr>
+        <p:spPr>
+          <a:xfrm>
+            <a:off x="3015991" y="2410460"/>
+            <a:ext cx="1222258" cy="523220"/>
+          </a:xfrm>
+          <a:prstGeom prst="rect">
+            <a:avLst/>
+          </a:prstGeom>
+          <a:noFill/>
+        </p:spPr>
+        <p:txBody>
+          <a:bodyPr wrap="none" rtlCol="0">
+            <a:spAutoFit/>
+          </a:bodyPr>
+          <a:lstStyle/>
+          <a:p>
+            <a:r>
+              <a:rPr lang="en-US" sz="2800" dirty="0"/>
+              <a:t>System</a:t>
+            </a:r>
+          </a:p>
+        </p:txBody>
+      </p:sp>
+      <p:sp>
+        <p:nvSpPr>
+          <p:cNvPr id="8" name="TextBox 7"/>
+          <p:cNvSpPr txBox="1"/>
+          <p:nvPr/>
+        </p:nvSpPr>
+        <p:spPr>
+          <a:xfrm>
+            <a:off x="5933440" y="2410460"/>
+            <a:ext cx="2054730" cy="523220"/>
+          </a:xfrm>
+          <a:prstGeom prst="rect">
+            <a:avLst/>
+          </a:prstGeom>
+          <a:noFill/>
+        </p:spPr>
+        <p:txBody>
+          <a:bodyPr wrap="none" rtlCol="0">
+            <a:spAutoFit/>
+          </a:bodyPr>
+          <a:lstStyle/>
+          <a:p>
+            <a:r>
+              <a:rPr lang="en-US" sz="2800" dirty="0"/>
+              <a:t>Environment</a:t>
+            </a:r>
+          </a:p>
+        </p:txBody>
+      </p:sp>
+      <p:sp>
+        <p:nvSpPr>
+          <p:cNvPr id="9" name="Rectangle 8"/>
+          <p:cNvSpPr/>
+          <p:nvPr/>
+        </p:nvSpPr>
+        <p:spPr>
+          <a:xfrm>
+            <a:off x="2514600" y="2011680"/>
+            <a:ext cx="2225040" cy="1270000"/>
+          </a:xfrm>
+          <a:prstGeom prst="rect">
+            <a:avLst/>
+          </a:prstGeom>
+          <a:noFill/>
+          <a:ln w="25400">
+            <a:solidFill>
+              <a:schemeClr val="tx1"/>
+            </a:solidFill>
+          </a:ln>
+        </p:spPr>
+        <p:style>
+          <a:lnRef idx="2">
+            <a:schemeClr val="accent1">
+              <a:shade val="50000"/>
+            </a:schemeClr>
+          </a:lnRef>
+          <a:fillRef idx="1">
+            <a:schemeClr val="accent1"/>
+          </a:fillRef>
+          <a:effectRef idx="0">
+            <a:schemeClr val="accent1"/>
+          </a:effectRef>
+          <a:fontRef idx="minor">
+            <a:schemeClr val="lt1"/>
+          </a:fontRef>
+        </p:style>
+        <p:txBody>
+          <a:bodyPr rtlCol="0" anchor="ctr"/>
+          <a:lstStyle/>
+          <a:p>
+            <a:pPr algn="ctr"/>
+            <a:endParaRPr lang="en-US"/>
+          </a:p>
+        </p:txBody>
+      </p:sp>
+      <p:cxnSp>
+        <p:nvCxnSpPr>
+          <p:cNvPr id="13" name="Straight Arrow Connector 12"/>
+          <p:cNvCxnSpPr>
+            <a:stCxn id="9" idx="3"/>
+            <a:endCxn id="6" idx="1"/>
+          </p:cNvCxnSpPr>
+          <p:nvPr/>
+        </p:nvCxnSpPr>
+        <p:spPr>
+          <a:xfrm>
+            <a:off x="4739640" y="2646680"/>
+            <a:ext cx="1108645" cy="0"/>
+          </a:xfrm>
+          <a:prstGeom prst="straightConnector1">
+            <a:avLst/>
+          </a:prstGeom>
+          <a:ln w="25400">
+            <a:solidFill>
+              <a:schemeClr val="tx1"/>
+            </a:solidFill>
+            <a:headEnd type="triangle"/>
+            <a:tailEnd type="triangle"/>
+          </a:ln>
+        </p:spPr>
+        <p:style>
+          <a:lnRef idx="1">
+            <a:schemeClr val="accent1"/>
+          </a:lnRef>
+          <a:fillRef idx="0">
+            <a:schemeClr val="accent1"/>
+          </a:fillRef>
+          <a:effectRef idx="0">
+            <a:schemeClr val="accent1"/>
+          </a:effectRef>
+          <a:fontRef idx="minor">
+            <a:schemeClr val="tx1"/>
+          </a:fontRef>
+        </p:style>
+      </p:cxnSp>
+      <p:sp>
+        <p:nvSpPr>
+          <p:cNvPr id="15" name="TextBox 14"/>
+          <p:cNvSpPr txBox="1"/>
+          <p:nvPr/>
+        </p:nvSpPr>
+        <p:spPr>
+          <a:xfrm>
+            <a:off x="1244600" y="3683952"/>
+            <a:ext cx="10170413" cy="2123658"/>
+          </a:xfrm>
+          <a:prstGeom prst="rect">
+            <a:avLst/>
+          </a:prstGeom>
+          <a:noFill/>
+        </p:spPr>
+        <p:txBody>
+          <a:bodyPr wrap="none" rtlCol="0">
+            <a:spAutoFit/>
+          </a:bodyPr>
+          <a:lstStyle/>
+          <a:p>
+            <a:pPr marL="342900" indent="-342900">
+              <a:buFont typeface="Arial" panose="020B0604020202020204" pitchFamily="34" charset="0"/>
+              <a:buChar char="•"/>
+            </a:pPr>
+            <a:r>
+              <a:rPr lang="en-US" sz="2400" dirty="0"/>
+              <a:t>Happen when interaction between system and environment is uncontrollable</a:t>
+            </a:r>
+          </a:p>
+          <a:p>
+            <a:pPr marL="800100" lvl="1" indent="-342900">
+              <a:buFont typeface="Arial" panose="020B0604020202020204" pitchFamily="34" charset="0"/>
+              <a:buChar char="•"/>
+            </a:pPr>
+            <a:r>
+              <a:rPr lang="en-US" sz="2000" dirty="0"/>
+              <a:t>Timing-dependent behavior</a:t>
+            </a:r>
+          </a:p>
+          <a:p>
+            <a:pPr marL="800100" lvl="1" indent="-342900">
+              <a:buFont typeface="Arial" panose="020B0604020202020204" pitchFamily="34" charset="0"/>
+              <a:buChar char="•"/>
+            </a:pPr>
+            <a:r>
+              <a:rPr lang="en-US" sz="2000" dirty="0"/>
+              <a:t>Failures</a:t>
+            </a:r>
+          </a:p>
+          <a:p>
+            <a:pPr marL="800100" lvl="1" indent="-342900">
+              <a:buFont typeface="Arial" panose="020B0604020202020204" pitchFamily="34" charset="0"/>
+              <a:buChar char="•"/>
+            </a:pPr>
+            <a:r>
+              <a:rPr lang="en-US" sz="2000" dirty="0"/>
+              <a:t>Interaction with physical world</a:t>
+            </a:r>
+          </a:p>
+          <a:p>
+            <a:pPr marL="342900" indent="-342900">
+              <a:buFont typeface="Arial" panose="020B0604020202020204" pitchFamily="34" charset="0"/>
+              <a:buChar char="•"/>
+            </a:pPr>
+            <a:r>
+              <a:rPr lang="en-US" sz="2400" dirty="0"/>
+              <a:t>Extremely difficult to reproduce, diagnose, and fix</a:t>
+            </a:r>
+          </a:p>
+          <a:p>
+            <a:pPr marL="342900" indent="-342900">
+              <a:buFont typeface="Arial" panose="020B0604020202020204" pitchFamily="34" charset="0"/>
+              <a:buChar char="•"/>
+            </a:pPr>
+            <a:r>
+              <a:rPr lang="en-US" sz="2400" dirty="0"/>
+              <a:t>Enormous impediment to programmer productivity and software quality</a:t>
+            </a:r>
+          </a:p>
+        </p:txBody>
+      </p:sp>
+    </p:spTree>
+    <p:extLst>
+      <p:ext uri="{BB962C8B-B14F-4D97-AF65-F5344CB8AC3E}">
+        <p14:creationId xmlns:p14="http://schemas.microsoft.com/office/powerpoint/2010/main" val="2734397116"/>
+      </p:ext>
+    </p:extLst>
+  </p:cSld>
+  <p:clrMapOvr>
+    <a:masterClrMapping/>
+  </p:clrMapOvr>
+</p:sld>
+</file>
+
+<file path=ppt/slides/slide20.xml><?xml version="1.0" encoding="utf-8"?>
 <p:sld xmlns:a="http://schemas.openxmlformats.org/drawingml/2006/main" xmlns:r="http://schemas.openxmlformats.org/officeDocument/2006/relationships" xmlns:p="http://schemas.openxmlformats.org/presentationml/2006/main">
   <p:cSld>
     <p:spTree>
@@ -10397,7 +11027,7 @@
 </p:sld>
 </file>
 
-<file path=ppt/slides/slide18.xml><?xml version="1.0" encoding="utf-8"?>
+<file path=ppt/slides/slide21.xml><?xml version="1.0" encoding="utf-8"?>
 <p:sld xmlns:a="http://schemas.openxmlformats.org/drawingml/2006/main" xmlns:r="http://schemas.openxmlformats.org/officeDocument/2006/relationships" xmlns:p="http://schemas.openxmlformats.org/presentationml/2006/main">
   <p:cSld>
     <p:spTree>
@@ -10529,7 +11159,7 @@
 </p:sld>
 </file>
 
-<file path=ppt/slides/slide19.xml><?xml version="1.0" encoding="utf-8"?>
+<file path=ppt/slides/slide22.xml><?xml version="1.0" encoding="utf-8"?>
 <p:sld xmlns:a="http://schemas.openxmlformats.org/drawingml/2006/main" xmlns:r="http://schemas.openxmlformats.org/officeDocument/2006/relationships" xmlns:p="http://schemas.openxmlformats.org/presentationml/2006/main">
   <p:cSld>
     <p:spTree>
@@ -10636,332 +11266,7 @@
 </p:sld>
 </file>
 
-<file path=ppt/slides/slide2.xml><?xml version="1.0" encoding="utf-8"?>
-<p:sld xmlns:a="http://schemas.openxmlformats.org/drawingml/2006/main" xmlns:r="http://schemas.openxmlformats.org/officeDocument/2006/relationships" xmlns:p="http://schemas.openxmlformats.org/presentationml/2006/main">
-  <p:cSld>
-    <p:spTree>
-      <p:nvGrpSpPr>
-        <p:cNvPr id="1" name=""/>
-        <p:cNvGrpSpPr/>
-        <p:nvPr/>
-      </p:nvGrpSpPr>
-      <p:grpSpPr>
-        <a:xfrm>
-          <a:off x="0" y="0"/>
-          <a:ext cx="0" cy="0"/>
-          <a:chOff x="0" y="0"/>
-          <a:chExt cx="0" cy="0"/>
-        </a:xfrm>
-      </p:grpSpPr>
-      <p:sp>
-        <p:nvSpPr>
-          <p:cNvPr id="2" name="Title 1"/>
-          <p:cNvSpPr>
-            <a:spLocks noGrp="1"/>
-          </p:cNvSpPr>
-          <p:nvPr>
-            <p:ph type="title"/>
-          </p:nvPr>
-        </p:nvSpPr>
-        <p:spPr/>
-        <p:txBody>
-          <a:bodyPr/>
-          <a:lstStyle/>
-          <a:p>
-            <a:r>
-              <a:rPr lang="en-US" dirty="0"/>
-              <a:t>The Heisenbug problem</a:t>
-            </a:r>
-          </a:p>
-        </p:txBody>
-      </p:sp>
-      <p:sp>
-        <p:nvSpPr>
-          <p:cNvPr id="6" name="Rectangle 5"/>
-          <p:cNvSpPr/>
-          <p:nvPr/>
-        </p:nvSpPr>
-        <p:spPr>
-          <a:xfrm>
-            <a:off x="5848285" y="2011680"/>
-            <a:ext cx="2225040" cy="1270000"/>
-          </a:xfrm>
-          <a:prstGeom prst="rect">
-            <a:avLst/>
-          </a:prstGeom>
-          <a:noFill/>
-          <a:ln w="25400">
-            <a:solidFill>
-              <a:schemeClr val="tx1"/>
-            </a:solidFill>
-          </a:ln>
-        </p:spPr>
-        <p:style>
-          <a:lnRef idx="2">
-            <a:schemeClr val="accent1">
-              <a:shade val="50000"/>
-            </a:schemeClr>
-          </a:lnRef>
-          <a:fillRef idx="1">
-            <a:schemeClr val="accent1"/>
-          </a:fillRef>
-          <a:effectRef idx="0">
-            <a:schemeClr val="accent1"/>
-          </a:effectRef>
-          <a:fontRef idx="minor">
-            <a:schemeClr val="lt1"/>
-          </a:fontRef>
-        </p:style>
-        <p:txBody>
-          <a:bodyPr rtlCol="0" anchor="ctr"/>
-          <a:lstStyle/>
-          <a:p>
-            <a:pPr algn="ctr"/>
-            <a:endParaRPr lang="en-US"/>
-          </a:p>
-        </p:txBody>
-      </p:sp>
-      <p:sp>
-        <p:nvSpPr>
-          <p:cNvPr id="7" name="TextBox 6"/>
-          <p:cNvSpPr txBox="1"/>
-          <p:nvPr/>
-        </p:nvSpPr>
-        <p:spPr>
-          <a:xfrm>
-            <a:off x="3015991" y="2410460"/>
-            <a:ext cx="1222258" cy="523220"/>
-          </a:xfrm>
-          <a:prstGeom prst="rect">
-            <a:avLst/>
-          </a:prstGeom>
-          <a:noFill/>
-        </p:spPr>
-        <p:txBody>
-          <a:bodyPr wrap="none" rtlCol="0">
-            <a:spAutoFit/>
-          </a:bodyPr>
-          <a:lstStyle/>
-          <a:p>
-            <a:r>
-              <a:rPr lang="en-US" sz="2800" dirty="0"/>
-              <a:t>System</a:t>
-            </a:r>
-          </a:p>
-        </p:txBody>
-      </p:sp>
-      <p:sp>
-        <p:nvSpPr>
-          <p:cNvPr id="8" name="TextBox 7"/>
-          <p:cNvSpPr txBox="1"/>
-          <p:nvPr/>
-        </p:nvSpPr>
-        <p:spPr>
-          <a:xfrm>
-            <a:off x="5933440" y="2410460"/>
-            <a:ext cx="2054730" cy="523220"/>
-          </a:xfrm>
-          <a:prstGeom prst="rect">
-            <a:avLst/>
-          </a:prstGeom>
-          <a:noFill/>
-        </p:spPr>
-        <p:txBody>
-          <a:bodyPr wrap="none" rtlCol="0">
-            <a:spAutoFit/>
-          </a:bodyPr>
-          <a:lstStyle/>
-          <a:p>
-            <a:r>
-              <a:rPr lang="en-US" sz="2800" dirty="0"/>
-              <a:t>Environment</a:t>
-            </a:r>
-          </a:p>
-        </p:txBody>
-      </p:sp>
-      <p:sp>
-        <p:nvSpPr>
-          <p:cNvPr id="9" name="Rectangle 8"/>
-          <p:cNvSpPr/>
-          <p:nvPr/>
-        </p:nvSpPr>
-        <p:spPr>
-          <a:xfrm>
-            <a:off x="2514600" y="2011680"/>
-            <a:ext cx="2225040" cy="1270000"/>
-          </a:xfrm>
-          <a:prstGeom prst="rect">
-            <a:avLst/>
-          </a:prstGeom>
-          <a:noFill/>
-          <a:ln w="25400">
-            <a:solidFill>
-              <a:schemeClr val="tx1"/>
-            </a:solidFill>
-          </a:ln>
-        </p:spPr>
-        <p:style>
-          <a:lnRef idx="2">
-            <a:schemeClr val="accent1">
-              <a:shade val="50000"/>
-            </a:schemeClr>
-          </a:lnRef>
-          <a:fillRef idx="1">
-            <a:schemeClr val="accent1"/>
-          </a:fillRef>
-          <a:effectRef idx="0">
-            <a:schemeClr val="accent1"/>
-          </a:effectRef>
-          <a:fontRef idx="minor">
-            <a:schemeClr val="lt1"/>
-          </a:fontRef>
-        </p:style>
-        <p:txBody>
-          <a:bodyPr rtlCol="0" anchor="ctr"/>
-          <a:lstStyle/>
-          <a:p>
-            <a:pPr algn="ctr"/>
-            <a:endParaRPr lang="en-US"/>
-          </a:p>
-        </p:txBody>
-      </p:sp>
-      <p:cxnSp>
-        <p:nvCxnSpPr>
-          <p:cNvPr id="13" name="Straight Arrow Connector 12"/>
-          <p:cNvCxnSpPr>
-            <a:stCxn id="9" idx="3"/>
-            <a:endCxn id="6" idx="1"/>
-          </p:cNvCxnSpPr>
-          <p:nvPr/>
-        </p:nvCxnSpPr>
-        <p:spPr>
-          <a:xfrm>
-            <a:off x="4739640" y="2646680"/>
-            <a:ext cx="1108645" cy="0"/>
-          </a:xfrm>
-          <a:prstGeom prst="straightConnector1">
-            <a:avLst/>
-          </a:prstGeom>
-          <a:ln w="25400">
-            <a:solidFill>
-              <a:schemeClr val="tx1"/>
-            </a:solidFill>
-            <a:headEnd type="triangle"/>
-            <a:tailEnd type="triangle"/>
-          </a:ln>
-        </p:spPr>
-        <p:style>
-          <a:lnRef idx="1">
-            <a:schemeClr val="accent1"/>
-          </a:lnRef>
-          <a:fillRef idx="0">
-            <a:schemeClr val="accent1"/>
-          </a:fillRef>
-          <a:effectRef idx="0">
-            <a:schemeClr val="accent1"/>
-          </a:effectRef>
-          <a:fontRef idx="minor">
-            <a:schemeClr val="tx1"/>
-          </a:fontRef>
-        </p:style>
-      </p:cxnSp>
-      <p:sp>
-        <p:nvSpPr>
-          <p:cNvPr id="15" name="TextBox 14"/>
-          <p:cNvSpPr txBox="1"/>
-          <p:nvPr/>
-        </p:nvSpPr>
-        <p:spPr>
-          <a:xfrm>
-            <a:off x="1244600" y="3683952"/>
-            <a:ext cx="10170413" cy="2123658"/>
-          </a:xfrm>
-          <a:prstGeom prst="rect">
-            <a:avLst/>
-          </a:prstGeom>
-          <a:noFill/>
-        </p:spPr>
-        <p:txBody>
-          <a:bodyPr wrap="none" rtlCol="0">
-            <a:spAutoFit/>
-          </a:bodyPr>
-          <a:lstStyle/>
-          <a:p>
-            <a:pPr marL="342900" indent="-342900">
-              <a:buFont typeface="Arial" panose="020B0604020202020204" pitchFamily="34" charset="0"/>
-              <a:buChar char="•"/>
-            </a:pPr>
-            <a:r>
-              <a:rPr lang="en-US" sz="2400" dirty="0"/>
-              <a:t>Happen when interaction between system and environment is uncontrollable</a:t>
-            </a:r>
-          </a:p>
-          <a:p>
-            <a:pPr marL="800100" lvl="1" indent="-342900">
-              <a:buFont typeface="Arial" panose="020B0604020202020204" pitchFamily="34" charset="0"/>
-              <a:buChar char="•"/>
-            </a:pPr>
-            <a:r>
-              <a:rPr lang="en-US" sz="2000" dirty="0"/>
-              <a:t>Timing-dependent behavior</a:t>
-            </a:r>
-          </a:p>
-          <a:p>
-            <a:pPr marL="800100" lvl="1" indent="-342900">
-              <a:buFont typeface="Arial" panose="020B0604020202020204" pitchFamily="34" charset="0"/>
-              <a:buChar char="•"/>
-            </a:pPr>
-            <a:r>
-              <a:rPr lang="en-US" sz="2000" dirty="0"/>
-              <a:t>Failures</a:t>
-            </a:r>
-          </a:p>
-          <a:p>
-            <a:pPr marL="800100" lvl="1" indent="-342900">
-              <a:buFont typeface="Arial" panose="020B0604020202020204" pitchFamily="34" charset="0"/>
-              <a:buChar char="•"/>
-            </a:pPr>
-            <a:r>
-              <a:rPr lang="en-US" sz="2000" dirty="0"/>
-              <a:t>Interaction with physical world</a:t>
-            </a:r>
-          </a:p>
-          <a:p>
-            <a:pPr marL="342900" indent="-342900">
-              <a:buFont typeface="Arial" panose="020B0604020202020204" pitchFamily="34" charset="0"/>
-              <a:buChar char="•"/>
-            </a:pPr>
-            <a:r>
-              <a:rPr lang="en-US" sz="2400" dirty="0"/>
-              <a:t>Extremely difficult to reproduce, diagnose, and fix</a:t>
-            </a:r>
-          </a:p>
-          <a:p>
-            <a:pPr marL="342900" indent="-342900">
-              <a:buFont typeface="Arial" panose="020B0604020202020204" pitchFamily="34" charset="0"/>
-              <a:buChar char="•"/>
-            </a:pPr>
-            <a:r>
-              <a:rPr lang="en-US" sz="2400" dirty="0"/>
-              <a:t>Enormous impediment to programmer productivity and software quality</a:t>
-            </a:r>
-          </a:p>
-        </p:txBody>
-      </p:sp>
-    </p:spTree>
-    <p:extLst>
-      <p:ext uri="{BB962C8B-B14F-4D97-AF65-F5344CB8AC3E}">
-        <p14:creationId xmlns:p14="http://schemas.microsoft.com/office/powerpoint/2010/main" val="2734397116"/>
-      </p:ext>
-    </p:extLst>
-  </p:cSld>
-  <p:clrMapOvr>
-    <a:masterClrMapping/>
-  </p:clrMapOvr>
-</p:sld>
-</file>
-
-<file path=ppt/slides/slide20.xml><?xml version="1.0" encoding="utf-8"?>
+<file path=ppt/slides/slide23.xml><?xml version="1.0" encoding="utf-8"?>
 <p:sld xmlns:a="http://schemas.openxmlformats.org/drawingml/2006/main" xmlns:r="http://schemas.openxmlformats.org/officeDocument/2006/relationships" xmlns:p="http://schemas.openxmlformats.org/presentationml/2006/main">
   <p:cSld>
     <p:spTree>
@@ -12336,7 +12641,7 @@
 </p:sld>
 </file>
 
-<file path=ppt/slides/slide21.xml><?xml version="1.0" encoding="utf-8"?>
+<file path=ppt/slides/slide24.xml><?xml version="1.0" encoding="utf-8"?>
 <p:sld xmlns:a="http://schemas.openxmlformats.org/drawingml/2006/main" xmlns:r="http://schemas.openxmlformats.org/officeDocument/2006/relationships" xmlns:p="http://schemas.openxmlformats.org/presentationml/2006/main">
   <p:cSld>
     <p:spTree>
@@ -12496,7 +12801,7 @@
 </p:sld>
 </file>
 
-<file path=ppt/slides/slide22.xml><?xml version="1.0" encoding="utf-8"?>
+<file path=ppt/slides/slide25.xml><?xml version="1.0" encoding="utf-8"?>
 <p:sld xmlns:a="http://schemas.openxmlformats.org/drawingml/2006/main" xmlns:r="http://schemas.openxmlformats.org/officeDocument/2006/relationships" xmlns:p="http://schemas.openxmlformats.org/presentationml/2006/main">
   <p:cSld>
     <p:spTree>
@@ -12577,7 +12882,7 @@
 </p:sld>
 </file>
 
-<file path=ppt/slides/slide23.xml><?xml version="1.0" encoding="utf-8"?>
+<file path=ppt/slides/slide26.xml><?xml version="1.0" encoding="utf-8"?>
 <p:sld xmlns:a="http://schemas.openxmlformats.org/drawingml/2006/main" xmlns:r="http://schemas.openxmlformats.org/officeDocument/2006/relationships" xmlns:p="http://schemas.openxmlformats.org/presentationml/2006/main">
   <p:cSld>
     <p:spTree>

--- a/Tutorial/P-tutorial.pptx
+++ b/Tutorial/P-tutorial.pptx
@@ -5,7 +5,7 @@
     <p:sldMasterId id="2147483648" r:id="rId1"/>
   </p:sldMasterIdLst>
   <p:notesMasterIdLst>
-    <p:notesMasterId r:id="rId28"/>
+    <p:notesMasterId r:id="rId32"/>
   </p:notesMasterIdLst>
   <p:sldIdLst>
     <p:sldId id="256" r:id="rId2"/>
@@ -26,14 +26,18 @@
     <p:sldId id="288" r:id="rId17"/>
     <p:sldId id="290" r:id="rId18"/>
     <p:sldId id="292" r:id="rId19"/>
-    <p:sldId id="272" r:id="rId20"/>
-    <p:sldId id="273" r:id="rId21"/>
-    <p:sldId id="274" r:id="rId22"/>
-    <p:sldId id="275" r:id="rId23"/>
-    <p:sldId id="276" r:id="rId24"/>
-    <p:sldId id="277" r:id="rId25"/>
-    <p:sldId id="278" r:id="rId26"/>
-    <p:sldId id="279" r:id="rId27"/>
+    <p:sldId id="294" r:id="rId20"/>
+    <p:sldId id="295" r:id="rId21"/>
+    <p:sldId id="297" r:id="rId22"/>
+    <p:sldId id="298" r:id="rId23"/>
+    <p:sldId id="272" r:id="rId24"/>
+    <p:sldId id="273" r:id="rId25"/>
+    <p:sldId id="274" r:id="rId26"/>
+    <p:sldId id="275" r:id="rId27"/>
+    <p:sldId id="276" r:id="rId28"/>
+    <p:sldId id="277" r:id="rId29"/>
+    <p:sldId id="278" r:id="rId30"/>
+    <p:sldId id="279" r:id="rId31"/>
   </p:sldIdLst>
   <p:sldSz cx="12192000" cy="6858000"/>
   <p:notesSz cx="6858000" cy="9144000"/>
@@ -696,7 +700,7 @@
           <a:p>
             <a:fld id="{DCC5E34C-0BEF-42D1-A3A4-98A0EFA3EE0B}" type="datetime8">
               <a:rPr lang="en-US" smtClean="0"/>
-              <a:t>5/27/2017 9:20 AM</a:t>
+              <a:t>5/27/2017 5:12 PM</a:t>
             </a:fld>
             <a:endParaRPr lang="en-US" dirty="0"/>
           </a:p>
@@ -6796,7 +6800,7 @@
         </p:nvSpPr>
         <p:spPr>
           <a:xfrm>
-            <a:off x="4922520" y="3058160"/>
+            <a:off x="4814943" y="2974495"/>
             <a:ext cx="3078728" cy="1015663"/>
           </a:xfrm>
           <a:prstGeom prst="rect">
@@ -6994,7 +6998,7 @@
         </p:nvSpPr>
         <p:spPr>
           <a:xfrm>
-            <a:off x="4922520" y="3058160"/>
+            <a:off x="4498194" y="2352940"/>
             <a:ext cx="3078728" cy="1938992"/>
           </a:xfrm>
           <a:prstGeom prst="rect">
@@ -7016,10 +7020,9 @@
           </a:p>
           <a:p>
             <a:r>
-              <a:rPr lang="en-US" sz="6000"/>
+              <a:rPr lang="en-US" sz="6000" dirty="0"/>
               <a:t>Failover</a:t>
             </a:r>
-            <a:endParaRPr lang="en-US" sz="6000" dirty="0"/>
           </a:p>
         </p:txBody>
       </p:sp>
@@ -7070,86 +7073,365 @@
           <a:p>
             <a:r>
               <a:rPr lang="en-US" dirty="0"/>
-              <a:t>Writing P# programs</a:t>
+              <a:t>Data races in shared-memory programs</a:t>
             </a:r>
           </a:p>
         </p:txBody>
       </p:sp>
       <p:sp>
         <p:nvSpPr>
-          <p:cNvPr id="3" name="Content Placeholder 2"/>
-          <p:cNvSpPr>
-            <a:spLocks noGrp="1"/>
-          </p:cNvSpPr>
-          <p:nvPr>
-            <p:ph idx="1"/>
-          </p:nvPr>
+          <p:cNvPr id="4" name="TextBox 3"/>
+          <p:cNvSpPr txBox="1"/>
+          <p:nvPr/>
         </p:nvSpPr>
-        <p:spPr/>
+        <p:spPr>
+          <a:xfrm>
+            <a:off x="1544320" y="2677160"/>
+            <a:ext cx="1258678" cy="1200329"/>
+          </a:xfrm>
+          <a:prstGeom prst="rect">
+            <a:avLst/>
+          </a:prstGeom>
+          <a:noFill/>
+        </p:spPr>
         <p:txBody>
-          <a:bodyPr>
-            <a:normAutofit/>
+          <a:bodyPr wrap="none" rtlCol="0">
+            <a:spAutoFit/>
           </a:bodyPr>
           <a:lstStyle/>
           <a:p>
             <a:r>
-              <a:rPr lang="en-US" dirty="0"/>
-              <a:t>Two approaches:</a:t>
-            </a:r>
-          </a:p>
-          <a:p>
-            <a:pPr lvl="1"/>
-            <a:r>
-              <a:rPr lang="en-US" dirty="0"/>
-              <a:t>Using the high-level syntax of P# (based on P)</a:t>
-            </a:r>
-          </a:p>
-          <a:p>
-            <a:pPr lvl="1"/>
-            <a:r>
-              <a:rPr lang="en-US" dirty="0"/>
-              <a:t>Using P# as a C# library (e.g. machines inherit a Machine C# abstract class)</a:t>
-            </a:r>
-          </a:p>
-          <a:p>
-            <a:r>
-              <a:rPr lang="en-US" dirty="0"/>
-              <a:t>Able to combine P# and C# syntax in the same project/file</a:t>
-            </a:r>
-          </a:p>
-          <a:p>
-            <a:r>
-              <a:rPr lang="en-US" dirty="0"/>
-              <a:t>Mix-and-match approach:</a:t>
-            </a:r>
-          </a:p>
-          <a:p>
-            <a:pPr lvl="1"/>
-            <a:r>
-              <a:rPr lang="en-US" dirty="0"/>
-              <a:t>Using </a:t>
-            </a:r>
-            <a:r>
-              <a:rPr lang="en-US" i="1" dirty="0"/>
-              <a:t>partial</a:t>
-            </a:r>
-            <a:r>
-              <a:rPr lang="en-US" dirty="0"/>
-              <a:t> machines / actions</a:t>
-            </a:r>
-          </a:p>
-          <a:p>
-            <a:pPr lvl="1"/>
-            <a:r>
-              <a:rPr lang="en-US" dirty="0"/>
-              <a:t>Write state-machine transition logic using the P# syntax</a:t>
-            </a:r>
-          </a:p>
-          <a:p>
-            <a:pPr lvl="1"/>
-            <a:r>
-              <a:rPr lang="en-US" dirty="0"/>
-              <a:t>Write implementation of event handlers in C#</a:t>
+              <a:rPr lang="en-US" sz="2400" dirty="0"/>
+              <a:t>Task A</a:t>
+            </a:r>
+          </a:p>
+          <a:p>
+            <a:endParaRPr lang="en-US" sz="2400" dirty="0"/>
+          </a:p>
+          <a:p>
+            <a:r>
+              <a:rPr lang="en-US" sz="2400" dirty="0"/>
+              <a:t>x = x + 1 </a:t>
+            </a:r>
+          </a:p>
+        </p:txBody>
+      </p:sp>
+      <p:sp>
+        <p:nvSpPr>
+          <p:cNvPr id="5" name="TextBox 4"/>
+          <p:cNvSpPr txBox="1"/>
+          <p:nvPr/>
+        </p:nvSpPr>
+        <p:spPr>
+          <a:xfrm>
+            <a:off x="2133600" y="1981200"/>
+            <a:ext cx="1390445" cy="461665"/>
+          </a:xfrm>
+          <a:prstGeom prst="rect">
+            <a:avLst/>
+          </a:prstGeom>
+          <a:noFill/>
+        </p:spPr>
+        <p:txBody>
+          <a:bodyPr wrap="none" rtlCol="0">
+            <a:spAutoFit/>
+          </a:bodyPr>
+          <a:lstStyle/>
+          <a:p>
+            <a:r>
+              <a:rPr lang="en-US" sz="2400" dirty="0" err="1"/>
+              <a:t>int</a:t>
+            </a:r>
+            <a:r>
+              <a:rPr lang="en-US" sz="2400" dirty="0"/>
+              <a:t> x = 10 </a:t>
+            </a:r>
+          </a:p>
+        </p:txBody>
+      </p:sp>
+      <p:sp>
+        <p:nvSpPr>
+          <p:cNvPr id="6" name="TextBox 5"/>
+          <p:cNvSpPr txBox="1"/>
+          <p:nvPr/>
+        </p:nvSpPr>
+        <p:spPr>
+          <a:xfrm>
+            <a:off x="3083560" y="2677160"/>
+            <a:ext cx="1258678" cy="1200329"/>
+          </a:xfrm>
+          <a:prstGeom prst="rect">
+            <a:avLst/>
+          </a:prstGeom>
+          <a:noFill/>
+        </p:spPr>
+        <p:txBody>
+          <a:bodyPr wrap="none" rtlCol="0">
+            <a:spAutoFit/>
+          </a:bodyPr>
+          <a:lstStyle/>
+          <a:p>
+            <a:r>
+              <a:rPr lang="en-US" sz="2400" dirty="0"/>
+              <a:t>Task B</a:t>
+            </a:r>
+          </a:p>
+          <a:p>
+            <a:endParaRPr lang="en-US" sz="2400" dirty="0"/>
+          </a:p>
+          <a:p>
+            <a:r>
+              <a:rPr lang="en-US" sz="2400" dirty="0"/>
+              <a:t>x = x + 1 </a:t>
+            </a:r>
+          </a:p>
+        </p:txBody>
+      </p:sp>
+      <p:sp>
+        <p:nvSpPr>
+          <p:cNvPr id="7" name="TextBox 6"/>
+          <p:cNvSpPr txBox="1"/>
+          <p:nvPr/>
+        </p:nvSpPr>
+        <p:spPr>
+          <a:xfrm>
+            <a:off x="2181049" y="4975860"/>
+            <a:ext cx="1377300" cy="461665"/>
+          </a:xfrm>
+          <a:prstGeom prst="rect">
+            <a:avLst/>
+          </a:prstGeom>
+          <a:noFill/>
+        </p:spPr>
+        <p:txBody>
+          <a:bodyPr wrap="none" rtlCol="0">
+            <a:spAutoFit/>
+          </a:bodyPr>
+          <a:lstStyle/>
+          <a:p>
+            <a:r>
+              <a:rPr lang="en-US" sz="2400" dirty="0"/>
+              <a:t>x = 12, 11</a:t>
+            </a:r>
+          </a:p>
+        </p:txBody>
+      </p:sp>
+      <p:sp>
+        <p:nvSpPr>
+          <p:cNvPr id="8" name="TextBox 7"/>
+          <p:cNvSpPr txBox="1"/>
+          <p:nvPr/>
+        </p:nvSpPr>
+        <p:spPr>
+          <a:xfrm>
+            <a:off x="5068536" y="5753100"/>
+            <a:ext cx="6511654" cy="461665"/>
+          </a:xfrm>
+          <a:prstGeom prst="rect">
+            <a:avLst/>
+          </a:prstGeom>
+          <a:noFill/>
+        </p:spPr>
+        <p:txBody>
+          <a:bodyPr wrap="none" rtlCol="0">
+            <a:spAutoFit/>
+          </a:bodyPr>
+          <a:lstStyle/>
+          <a:p>
+            <a:r>
+              <a:rPr lang="en-US" sz="2400" dirty="0"/>
+              <a:t>Cause behavior that is not sequentially consistent</a:t>
+            </a:r>
+          </a:p>
+        </p:txBody>
+      </p:sp>
+      <p:sp>
+        <p:nvSpPr>
+          <p:cNvPr id="9" name="TextBox 8"/>
+          <p:cNvSpPr txBox="1"/>
+          <p:nvPr/>
+        </p:nvSpPr>
+        <p:spPr>
+          <a:xfrm>
+            <a:off x="6461760" y="2661920"/>
+            <a:ext cx="1345240" cy="1938992"/>
+          </a:xfrm>
+          <a:prstGeom prst="rect">
+            <a:avLst/>
+          </a:prstGeom>
+          <a:noFill/>
+        </p:spPr>
+        <p:txBody>
+          <a:bodyPr wrap="none" rtlCol="0">
+            <a:spAutoFit/>
+          </a:bodyPr>
+          <a:lstStyle/>
+          <a:p>
+            <a:r>
+              <a:rPr lang="en-US" sz="2400" dirty="0"/>
+              <a:t>Task A</a:t>
+            </a:r>
+          </a:p>
+          <a:p>
+            <a:endParaRPr lang="en-US" sz="2400" dirty="0"/>
+          </a:p>
+          <a:p>
+            <a:r>
+              <a:rPr lang="en-US" sz="2400" dirty="0"/>
+              <a:t>x = 1</a:t>
+            </a:r>
+          </a:p>
+          <a:p>
+            <a:r>
+              <a:rPr lang="en-US" sz="2400" dirty="0"/>
+              <a:t>if (y == 0)</a:t>
+            </a:r>
+          </a:p>
+          <a:p>
+            <a:r>
+              <a:rPr lang="en-US" sz="2400" dirty="0"/>
+              <a:t>   print A </a:t>
+            </a:r>
+          </a:p>
+        </p:txBody>
+      </p:sp>
+      <p:sp>
+        <p:nvSpPr>
+          <p:cNvPr id="10" name="TextBox 9"/>
+          <p:cNvSpPr txBox="1"/>
+          <p:nvPr/>
+        </p:nvSpPr>
+        <p:spPr>
+          <a:xfrm>
+            <a:off x="7340600" y="1965960"/>
+            <a:ext cx="1967526" cy="461665"/>
+          </a:xfrm>
+          <a:prstGeom prst="rect">
+            <a:avLst/>
+          </a:prstGeom>
+          <a:noFill/>
+        </p:spPr>
+        <p:txBody>
+          <a:bodyPr wrap="none" rtlCol="0">
+            <a:spAutoFit/>
+          </a:bodyPr>
+          <a:lstStyle/>
+          <a:p>
+            <a:r>
+              <a:rPr lang="en-US" sz="2400" dirty="0" err="1"/>
+              <a:t>int</a:t>
+            </a:r>
+            <a:r>
+              <a:rPr lang="en-US" sz="2400" dirty="0"/>
+              <a:t> x = 0, y = 0 </a:t>
+            </a:r>
+          </a:p>
+        </p:txBody>
+      </p:sp>
+      <p:sp>
+        <p:nvSpPr>
+          <p:cNvPr id="11" name="TextBox 10"/>
+          <p:cNvSpPr txBox="1"/>
+          <p:nvPr/>
+        </p:nvSpPr>
+        <p:spPr>
+          <a:xfrm>
+            <a:off x="8961120" y="2661920"/>
+            <a:ext cx="1366400" cy="1938992"/>
+          </a:xfrm>
+          <a:prstGeom prst="rect">
+            <a:avLst/>
+          </a:prstGeom>
+          <a:noFill/>
+        </p:spPr>
+        <p:txBody>
+          <a:bodyPr wrap="none" rtlCol="0">
+            <a:spAutoFit/>
+          </a:bodyPr>
+          <a:lstStyle/>
+          <a:p>
+            <a:r>
+              <a:rPr lang="en-US" sz="2400" dirty="0"/>
+              <a:t>Task B</a:t>
+            </a:r>
+          </a:p>
+          <a:p>
+            <a:endParaRPr lang="en-US" sz="2400" dirty="0"/>
+          </a:p>
+          <a:p>
+            <a:r>
+              <a:rPr lang="en-US" sz="2400" dirty="0"/>
+              <a:t>y = 1</a:t>
+            </a:r>
+          </a:p>
+          <a:p>
+            <a:r>
+              <a:rPr lang="en-US" sz="2400" dirty="0"/>
+              <a:t>if (x == 0)</a:t>
+            </a:r>
+          </a:p>
+          <a:p>
+            <a:r>
+              <a:rPr lang="en-US" sz="2400" dirty="0"/>
+              <a:t>    print B </a:t>
+            </a:r>
+          </a:p>
+        </p:txBody>
+      </p:sp>
+      <p:sp>
+        <p:nvSpPr>
+          <p:cNvPr id="12" name="TextBox 11"/>
+          <p:cNvSpPr txBox="1"/>
+          <p:nvPr/>
+        </p:nvSpPr>
+        <p:spPr>
+          <a:xfrm>
+            <a:off x="6746655" y="4975860"/>
+            <a:ext cx="3155416" cy="461665"/>
+          </a:xfrm>
+          <a:prstGeom prst="rect">
+            <a:avLst/>
+          </a:prstGeom>
+          <a:noFill/>
+        </p:spPr>
+        <p:txBody>
+          <a:bodyPr wrap="none" rtlCol="0">
+            <a:spAutoFit/>
+          </a:bodyPr>
+          <a:lstStyle/>
+          <a:p>
+            <a:r>
+              <a:rPr lang="en-US" sz="2400" dirty="0"/>
+              <a:t>Console = ., A, B, AB, BA</a:t>
+            </a:r>
+          </a:p>
+        </p:txBody>
+      </p:sp>
+      <p:sp>
+        <p:nvSpPr>
+          <p:cNvPr id="13" name="TextBox 12"/>
+          <p:cNvSpPr txBox="1"/>
+          <p:nvPr/>
+        </p:nvSpPr>
+        <p:spPr>
+          <a:xfrm>
+            <a:off x="1107440" y="5753100"/>
+            <a:ext cx="3287951" cy="461665"/>
+          </a:xfrm>
+          <a:prstGeom prst="rect">
+            <a:avLst/>
+          </a:prstGeom>
+          <a:noFill/>
+        </p:spPr>
+        <p:txBody>
+          <a:bodyPr wrap="none" rtlCol="0">
+            <a:spAutoFit/>
+          </a:bodyPr>
+          <a:lstStyle/>
+          <a:p>
+            <a:r>
+              <a:rPr lang="en-US" sz="2400" dirty="0"/>
+              <a:t>Violate desired atomicity</a:t>
             </a:r>
           </a:p>
         </p:txBody>
@@ -7157,7 +7439,7 @@
     </p:spTree>
     <p:extLst>
       <p:ext uri="{BB962C8B-B14F-4D97-AF65-F5344CB8AC3E}">
-        <p14:creationId xmlns:p14="http://schemas.microsoft.com/office/powerpoint/2010/main" val="151188283"/>
+        <p14:creationId xmlns:p14="http://schemas.microsoft.com/office/powerpoint/2010/main" val="4283642993"/>
       </p:ext>
     </p:extLst>
   </p:cSld>
@@ -7493,6 +7775,789 @@
 </file>
 
 <file path=ppt/slides/slide20.xml><?xml version="1.0" encoding="utf-8"?>
+<p:sld xmlns:a="http://schemas.openxmlformats.org/drawingml/2006/main" xmlns:r="http://schemas.openxmlformats.org/officeDocument/2006/relationships" xmlns:p="http://schemas.openxmlformats.org/presentationml/2006/main">
+  <p:cSld>
+    <p:spTree>
+      <p:nvGrpSpPr>
+        <p:cNvPr id="1" name=""/>
+        <p:cNvGrpSpPr/>
+        <p:nvPr/>
+      </p:nvGrpSpPr>
+      <p:grpSpPr>
+        <a:xfrm>
+          <a:off x="0" y="0"/>
+          <a:ext cx="0" cy="0"/>
+          <a:chOff x="0" y="0"/>
+          <a:chExt cx="0" cy="0"/>
+        </a:xfrm>
+      </p:grpSpPr>
+      <p:sp>
+        <p:nvSpPr>
+          <p:cNvPr id="2" name="Title 1"/>
+          <p:cNvSpPr>
+            <a:spLocks noGrp="1"/>
+          </p:cNvSpPr>
+          <p:nvPr>
+            <p:ph type="title"/>
+          </p:nvPr>
+        </p:nvSpPr>
+        <p:spPr/>
+        <p:txBody>
+          <a:bodyPr/>
+          <a:lstStyle/>
+          <a:p>
+            <a:r>
+              <a:rPr lang="en-US" dirty="0"/>
+              <a:t>Data races in message-passing programs</a:t>
+            </a:r>
+          </a:p>
+        </p:txBody>
+      </p:sp>
+      <p:sp>
+        <p:nvSpPr>
+          <p:cNvPr id="3" name="TextBox 2"/>
+          <p:cNvSpPr txBox="1"/>
+          <p:nvPr/>
+        </p:nvSpPr>
+        <p:spPr>
+          <a:xfrm>
+            <a:off x="2758440" y="2966720"/>
+            <a:ext cx="1592680" cy="2677656"/>
+          </a:xfrm>
+          <a:prstGeom prst="rect">
+            <a:avLst/>
+          </a:prstGeom>
+          <a:noFill/>
+        </p:spPr>
+        <p:txBody>
+          <a:bodyPr wrap="none" rtlCol="0">
+            <a:spAutoFit/>
+          </a:bodyPr>
+          <a:lstStyle/>
+          <a:p>
+            <a:r>
+              <a:rPr lang="en-US" sz="2400" dirty="0"/>
+              <a:t>Task A</a:t>
+            </a:r>
+          </a:p>
+          <a:p>
+            <a:endParaRPr lang="en-US" sz="2400" dirty="0"/>
+          </a:p>
+          <a:p>
+            <a:r>
+              <a:rPr lang="en-US" sz="2400" dirty="0" err="1"/>
+              <a:t>var</a:t>
+            </a:r>
+            <a:r>
+              <a:rPr lang="en-US" sz="2400" dirty="0"/>
+              <a:t> x: H</a:t>
+            </a:r>
+          </a:p>
+          <a:p>
+            <a:endParaRPr lang="en-US" sz="2400" dirty="0"/>
+          </a:p>
+          <a:p>
+            <a:endParaRPr lang="en-US" sz="2400" dirty="0"/>
+          </a:p>
+          <a:p>
+            <a:r>
+              <a:rPr lang="en-US" sz="2400" dirty="0"/>
+              <a:t>send B, e, x</a:t>
+            </a:r>
+          </a:p>
+          <a:p>
+            <a:r>
+              <a:rPr lang="en-US" sz="2400" dirty="0" err="1"/>
+              <a:t>x.f</a:t>
+            </a:r>
+            <a:r>
+              <a:rPr lang="en-US" sz="2400" dirty="0"/>
+              <a:t> = </a:t>
+            </a:r>
+            <a:r>
+              <a:rPr lang="en-US" sz="2400" dirty="0" err="1"/>
+              <a:t>x.f</a:t>
+            </a:r>
+            <a:r>
+              <a:rPr lang="en-US" sz="2400" dirty="0"/>
+              <a:t> + 1</a:t>
+            </a:r>
+          </a:p>
+        </p:txBody>
+      </p:sp>
+      <p:sp>
+        <p:nvSpPr>
+          <p:cNvPr id="4" name="TextBox 3"/>
+          <p:cNvSpPr txBox="1"/>
+          <p:nvPr/>
+        </p:nvSpPr>
+        <p:spPr>
+          <a:xfrm>
+            <a:off x="6522720" y="2966720"/>
+            <a:ext cx="2026517" cy="3046988"/>
+          </a:xfrm>
+          <a:prstGeom prst="rect">
+            <a:avLst/>
+          </a:prstGeom>
+          <a:noFill/>
+        </p:spPr>
+        <p:txBody>
+          <a:bodyPr wrap="none" rtlCol="0">
+            <a:spAutoFit/>
+          </a:bodyPr>
+          <a:lstStyle/>
+          <a:p>
+            <a:r>
+              <a:rPr lang="en-US" sz="2400" dirty="0"/>
+              <a:t>Task B</a:t>
+            </a:r>
+          </a:p>
+          <a:p>
+            <a:endParaRPr lang="en-US" sz="2400" dirty="0"/>
+          </a:p>
+          <a:p>
+            <a:endParaRPr lang="en-US" sz="2400" dirty="0"/>
+          </a:p>
+          <a:p>
+            <a:endParaRPr lang="en-US" sz="2400" dirty="0"/>
+          </a:p>
+          <a:p>
+            <a:endParaRPr lang="en-US" sz="2400" dirty="0"/>
+          </a:p>
+          <a:p>
+            <a:r>
+              <a:rPr lang="en-US" sz="2400" dirty="0"/>
+              <a:t>on e do (y: H) {</a:t>
+            </a:r>
+          </a:p>
+          <a:p>
+            <a:r>
+              <a:rPr lang="en-US" sz="2400" dirty="0"/>
+              <a:t>    </a:t>
+            </a:r>
+            <a:r>
+              <a:rPr lang="en-US" sz="2400" dirty="0" err="1"/>
+              <a:t>y.f</a:t>
+            </a:r>
+            <a:r>
+              <a:rPr lang="en-US" sz="2400" dirty="0"/>
+              <a:t> = </a:t>
+            </a:r>
+            <a:r>
+              <a:rPr lang="en-US" sz="2400" dirty="0" err="1"/>
+              <a:t>y.f</a:t>
+            </a:r>
+            <a:r>
+              <a:rPr lang="en-US" sz="2400" dirty="0"/>
+              <a:t> + 1 </a:t>
+            </a:r>
+          </a:p>
+          <a:p>
+            <a:r>
+              <a:rPr lang="en-US" sz="2400" dirty="0"/>
+              <a:t>}</a:t>
+            </a:r>
+          </a:p>
+        </p:txBody>
+      </p:sp>
+      <p:sp>
+        <p:nvSpPr>
+          <p:cNvPr id="5" name="TextBox 4"/>
+          <p:cNvSpPr txBox="1"/>
+          <p:nvPr/>
+        </p:nvSpPr>
+        <p:spPr>
+          <a:xfrm>
+            <a:off x="3769360" y="2052320"/>
+            <a:ext cx="2968120" cy="461665"/>
+          </a:xfrm>
+          <a:prstGeom prst="rect">
+            <a:avLst/>
+          </a:prstGeom>
+          <a:noFill/>
+        </p:spPr>
+        <p:txBody>
+          <a:bodyPr wrap="none" rtlCol="0">
+            <a:spAutoFit/>
+          </a:bodyPr>
+          <a:lstStyle/>
+          <a:p>
+            <a:r>
+              <a:rPr lang="en-US" sz="2400" dirty="0"/>
+              <a:t>type  H = { </a:t>
+            </a:r>
+            <a:r>
+              <a:rPr lang="en-US" sz="2400" dirty="0" err="1"/>
+              <a:t>int</a:t>
+            </a:r>
+            <a:r>
+              <a:rPr lang="en-US" sz="2400" dirty="0"/>
+              <a:t> f; </a:t>
+            </a:r>
+            <a:r>
+              <a:rPr lang="en-US" sz="2400" dirty="0" err="1"/>
+              <a:t>int</a:t>
+            </a:r>
+            <a:r>
+              <a:rPr lang="en-US" sz="2400" dirty="0"/>
+              <a:t> g; }</a:t>
+            </a:r>
+          </a:p>
+        </p:txBody>
+      </p:sp>
+      <p:cxnSp>
+        <p:nvCxnSpPr>
+          <p:cNvPr id="9" name="Straight Arrow Connector 8"/>
+          <p:cNvCxnSpPr/>
+          <p:nvPr/>
+        </p:nvCxnSpPr>
+        <p:spPr>
+          <a:xfrm>
+            <a:off x="4419600" y="5015742"/>
+            <a:ext cx="2072640" cy="71120"/>
+          </a:xfrm>
+          <a:prstGeom prst="straightConnector1">
+            <a:avLst/>
+          </a:prstGeom>
+          <a:ln w="25400">
+            <a:solidFill>
+              <a:schemeClr val="tx1"/>
+            </a:solidFill>
+            <a:tailEnd type="triangle"/>
+          </a:ln>
+        </p:spPr>
+        <p:style>
+          <a:lnRef idx="1">
+            <a:schemeClr val="accent1"/>
+          </a:lnRef>
+          <a:fillRef idx="0">
+            <a:schemeClr val="accent1"/>
+          </a:fillRef>
+          <a:effectRef idx="0">
+            <a:schemeClr val="accent1"/>
+          </a:effectRef>
+          <a:fontRef idx="minor">
+            <a:schemeClr val="tx1"/>
+          </a:fontRef>
+        </p:style>
+      </p:cxnSp>
+    </p:spTree>
+    <p:extLst>
+      <p:ext uri="{BB962C8B-B14F-4D97-AF65-F5344CB8AC3E}">
+        <p14:creationId xmlns:p14="http://schemas.microsoft.com/office/powerpoint/2010/main" val="3888224230"/>
+      </p:ext>
+    </p:extLst>
+  </p:cSld>
+  <p:clrMapOvr>
+    <a:masterClrMapping/>
+  </p:clrMapOvr>
+</p:sld>
+</file>
+
+<file path=ppt/slides/slide21.xml><?xml version="1.0" encoding="utf-8"?>
+<p:sld xmlns:a="http://schemas.openxmlformats.org/drawingml/2006/main" xmlns:r="http://schemas.openxmlformats.org/officeDocument/2006/relationships" xmlns:p="http://schemas.openxmlformats.org/presentationml/2006/main">
+  <p:cSld>
+    <p:spTree>
+      <p:nvGrpSpPr>
+        <p:cNvPr id="1" name=""/>
+        <p:cNvGrpSpPr/>
+        <p:nvPr/>
+      </p:nvGrpSpPr>
+      <p:grpSpPr>
+        <a:xfrm>
+          <a:off x="0" y="0"/>
+          <a:ext cx="0" cy="0"/>
+          <a:chOff x="0" y="0"/>
+          <a:chExt cx="0" cy="0"/>
+        </a:xfrm>
+      </p:grpSpPr>
+      <p:sp>
+        <p:nvSpPr>
+          <p:cNvPr id="2" name="Title 1"/>
+          <p:cNvSpPr>
+            <a:spLocks noGrp="1"/>
+          </p:cNvSpPr>
+          <p:nvPr>
+            <p:ph type="title"/>
+          </p:nvPr>
+        </p:nvSpPr>
+        <p:spPr/>
+        <p:txBody>
+          <a:bodyPr/>
+          <a:lstStyle/>
+          <a:p>
+            <a:r>
+              <a:rPr lang="en-US" dirty="0"/>
+              <a:t>Avoiding data races</a:t>
+            </a:r>
+          </a:p>
+        </p:txBody>
+      </p:sp>
+      <p:sp>
+        <p:nvSpPr>
+          <p:cNvPr id="3" name="TextBox 2"/>
+          <p:cNvSpPr txBox="1"/>
+          <p:nvPr/>
+        </p:nvSpPr>
+        <p:spPr>
+          <a:xfrm>
+            <a:off x="2758440" y="2966720"/>
+            <a:ext cx="1592680" cy="2308324"/>
+          </a:xfrm>
+          <a:prstGeom prst="rect">
+            <a:avLst/>
+          </a:prstGeom>
+          <a:noFill/>
+        </p:spPr>
+        <p:txBody>
+          <a:bodyPr wrap="none" rtlCol="0">
+            <a:spAutoFit/>
+          </a:bodyPr>
+          <a:lstStyle/>
+          <a:p>
+            <a:r>
+              <a:rPr lang="en-US" sz="2400" dirty="0"/>
+              <a:t>Task A</a:t>
+            </a:r>
+          </a:p>
+          <a:p>
+            <a:endParaRPr lang="en-US" sz="2400" dirty="0"/>
+          </a:p>
+          <a:p>
+            <a:r>
+              <a:rPr lang="en-US" sz="2400" dirty="0" err="1"/>
+              <a:t>var</a:t>
+            </a:r>
+            <a:r>
+              <a:rPr lang="en-US" sz="2400" dirty="0"/>
+              <a:t> x: H</a:t>
+            </a:r>
+          </a:p>
+          <a:p>
+            <a:endParaRPr lang="en-US" sz="2400" dirty="0"/>
+          </a:p>
+          <a:p>
+            <a:r>
+              <a:rPr lang="en-US" sz="2400" dirty="0" err="1"/>
+              <a:t>x.f</a:t>
+            </a:r>
+            <a:r>
+              <a:rPr lang="en-US" sz="2400" dirty="0"/>
+              <a:t> = </a:t>
+            </a:r>
+            <a:r>
+              <a:rPr lang="en-US" sz="2400" dirty="0" err="1"/>
+              <a:t>x.f</a:t>
+            </a:r>
+            <a:r>
+              <a:rPr lang="en-US" sz="2400" dirty="0"/>
+              <a:t> + 1</a:t>
+            </a:r>
+          </a:p>
+          <a:p>
+            <a:r>
+              <a:rPr lang="en-US" sz="2400" dirty="0"/>
+              <a:t>send B, e, x</a:t>
+            </a:r>
+          </a:p>
+        </p:txBody>
+      </p:sp>
+      <p:sp>
+        <p:nvSpPr>
+          <p:cNvPr id="4" name="TextBox 3"/>
+          <p:cNvSpPr txBox="1"/>
+          <p:nvPr/>
+        </p:nvSpPr>
+        <p:spPr>
+          <a:xfrm>
+            <a:off x="6522720" y="2966720"/>
+            <a:ext cx="2026517" cy="3046988"/>
+          </a:xfrm>
+          <a:prstGeom prst="rect">
+            <a:avLst/>
+          </a:prstGeom>
+          <a:noFill/>
+        </p:spPr>
+        <p:txBody>
+          <a:bodyPr wrap="none" rtlCol="0">
+            <a:spAutoFit/>
+          </a:bodyPr>
+          <a:lstStyle/>
+          <a:p>
+            <a:r>
+              <a:rPr lang="en-US" sz="2400" dirty="0"/>
+              <a:t>Task B</a:t>
+            </a:r>
+          </a:p>
+          <a:p>
+            <a:endParaRPr lang="en-US" sz="2400" dirty="0"/>
+          </a:p>
+          <a:p>
+            <a:endParaRPr lang="en-US" sz="2400" dirty="0"/>
+          </a:p>
+          <a:p>
+            <a:endParaRPr lang="en-US" sz="2400" dirty="0"/>
+          </a:p>
+          <a:p>
+            <a:endParaRPr lang="en-US" sz="2400" dirty="0"/>
+          </a:p>
+          <a:p>
+            <a:r>
+              <a:rPr lang="en-US" sz="2400" dirty="0"/>
+              <a:t>on e do (y: H) {</a:t>
+            </a:r>
+          </a:p>
+          <a:p>
+            <a:r>
+              <a:rPr lang="en-US" sz="2400" dirty="0"/>
+              <a:t>    </a:t>
+            </a:r>
+            <a:r>
+              <a:rPr lang="en-US" sz="2400" dirty="0" err="1"/>
+              <a:t>y.f</a:t>
+            </a:r>
+            <a:r>
+              <a:rPr lang="en-US" sz="2400" dirty="0"/>
+              <a:t> = </a:t>
+            </a:r>
+            <a:r>
+              <a:rPr lang="en-US" sz="2400" dirty="0" err="1"/>
+              <a:t>y.f</a:t>
+            </a:r>
+            <a:r>
+              <a:rPr lang="en-US" sz="2400" dirty="0"/>
+              <a:t> + 1 </a:t>
+            </a:r>
+          </a:p>
+          <a:p>
+            <a:r>
+              <a:rPr lang="en-US" sz="2400" dirty="0"/>
+              <a:t>}</a:t>
+            </a:r>
+          </a:p>
+        </p:txBody>
+      </p:sp>
+      <p:sp>
+        <p:nvSpPr>
+          <p:cNvPr id="5" name="TextBox 4"/>
+          <p:cNvSpPr txBox="1"/>
+          <p:nvPr/>
+        </p:nvSpPr>
+        <p:spPr>
+          <a:xfrm>
+            <a:off x="3769360" y="2052320"/>
+            <a:ext cx="2968120" cy="461665"/>
+          </a:xfrm>
+          <a:prstGeom prst="rect">
+            <a:avLst/>
+          </a:prstGeom>
+          <a:noFill/>
+        </p:spPr>
+        <p:txBody>
+          <a:bodyPr wrap="none" rtlCol="0">
+            <a:spAutoFit/>
+          </a:bodyPr>
+          <a:lstStyle/>
+          <a:p>
+            <a:r>
+              <a:rPr lang="en-US" sz="2400" dirty="0"/>
+              <a:t>type  H = { </a:t>
+            </a:r>
+            <a:r>
+              <a:rPr lang="en-US" sz="2400" dirty="0" err="1"/>
+              <a:t>int</a:t>
+            </a:r>
+            <a:r>
+              <a:rPr lang="en-US" sz="2400" dirty="0"/>
+              <a:t> f; </a:t>
+            </a:r>
+            <a:r>
+              <a:rPr lang="en-US" sz="2400" dirty="0" err="1"/>
+              <a:t>int</a:t>
+            </a:r>
+            <a:r>
+              <a:rPr lang="en-US" sz="2400" dirty="0"/>
+              <a:t> g; }</a:t>
+            </a:r>
+          </a:p>
+        </p:txBody>
+      </p:sp>
+      <p:cxnSp>
+        <p:nvCxnSpPr>
+          <p:cNvPr id="9" name="Straight Arrow Connector 8"/>
+          <p:cNvCxnSpPr/>
+          <p:nvPr/>
+        </p:nvCxnSpPr>
+        <p:spPr>
+          <a:xfrm>
+            <a:off x="4419600" y="5015742"/>
+            <a:ext cx="2072640" cy="71120"/>
+          </a:xfrm>
+          <a:prstGeom prst="straightConnector1">
+            <a:avLst/>
+          </a:prstGeom>
+          <a:ln w="25400">
+            <a:solidFill>
+              <a:schemeClr val="tx1"/>
+            </a:solidFill>
+            <a:tailEnd type="triangle"/>
+          </a:ln>
+        </p:spPr>
+        <p:style>
+          <a:lnRef idx="1">
+            <a:schemeClr val="accent1"/>
+          </a:lnRef>
+          <a:fillRef idx="0">
+            <a:schemeClr val="accent1"/>
+          </a:fillRef>
+          <a:effectRef idx="0">
+            <a:schemeClr val="accent1"/>
+          </a:effectRef>
+          <a:fontRef idx="minor">
+            <a:schemeClr val="tx1"/>
+          </a:fontRef>
+        </p:style>
+      </p:cxnSp>
+      <p:sp>
+        <p:nvSpPr>
+          <p:cNvPr id="6" name="TextBox 5"/>
+          <p:cNvSpPr txBox="1"/>
+          <p:nvPr/>
+        </p:nvSpPr>
+        <p:spPr>
+          <a:xfrm>
+            <a:off x="4661647" y="4643718"/>
+            <a:ext cx="1609287" cy="830997"/>
+          </a:xfrm>
+          <a:prstGeom prst="rect">
+            <a:avLst/>
+          </a:prstGeom>
+          <a:noFill/>
+        </p:spPr>
+        <p:txBody>
+          <a:bodyPr wrap="none" rtlCol="0">
+            <a:spAutoFit/>
+          </a:bodyPr>
+          <a:lstStyle/>
+          <a:p>
+            <a:r>
+              <a:rPr lang="en-US" sz="2400" dirty="0"/>
+              <a:t>Ownership </a:t>
+            </a:r>
+          </a:p>
+          <a:p>
+            <a:r>
+              <a:rPr lang="en-US" sz="2400" dirty="0"/>
+              <a:t>transfer</a:t>
+            </a:r>
+          </a:p>
+        </p:txBody>
+      </p:sp>
+    </p:spTree>
+    <p:extLst>
+      <p:ext uri="{BB962C8B-B14F-4D97-AF65-F5344CB8AC3E}">
+        <p14:creationId xmlns:p14="http://schemas.microsoft.com/office/powerpoint/2010/main" val="3271617347"/>
+      </p:ext>
+    </p:extLst>
+  </p:cSld>
+  <p:clrMapOvr>
+    <a:masterClrMapping/>
+  </p:clrMapOvr>
+</p:sld>
+</file>
+
+<file path=ppt/slides/slide22.xml><?xml version="1.0" encoding="utf-8"?>
+<p:sld xmlns:a="http://schemas.openxmlformats.org/drawingml/2006/main" xmlns:r="http://schemas.openxmlformats.org/officeDocument/2006/relationships" xmlns:p="http://schemas.openxmlformats.org/presentationml/2006/main">
+  <p:cSld>
+    <p:spTree>
+      <p:nvGrpSpPr>
+        <p:cNvPr id="1" name=""/>
+        <p:cNvGrpSpPr/>
+        <p:nvPr/>
+      </p:nvGrpSpPr>
+      <p:grpSpPr>
+        <a:xfrm>
+          <a:off x="0" y="0"/>
+          <a:ext cx="0" cy="0"/>
+          <a:chOff x="0" y="0"/>
+          <a:chExt cx="0" cy="0"/>
+        </a:xfrm>
+      </p:grpSpPr>
+      <p:sp>
+        <p:nvSpPr>
+          <p:cNvPr id="2" name="TextBox 1"/>
+          <p:cNvSpPr txBox="1"/>
+          <p:nvPr/>
+        </p:nvSpPr>
+        <p:spPr>
+          <a:xfrm>
+            <a:off x="2723182" y="2974495"/>
+            <a:ext cx="7128811" cy="1015663"/>
+          </a:xfrm>
+          <a:prstGeom prst="rect">
+            <a:avLst/>
+          </a:prstGeom>
+          <a:noFill/>
+        </p:spPr>
+        <p:txBody>
+          <a:bodyPr wrap="none" rtlCol="0">
+            <a:spAutoFit/>
+          </a:bodyPr>
+          <a:lstStyle/>
+          <a:p>
+            <a:r>
+              <a:rPr lang="en-US" sz="6000" dirty="0" err="1"/>
+              <a:t>CoarseGrainedLocking</a:t>
+            </a:r>
+            <a:endParaRPr lang="en-US" sz="6000" dirty="0"/>
+          </a:p>
+        </p:txBody>
+      </p:sp>
+    </p:spTree>
+    <p:extLst>
+      <p:ext uri="{BB962C8B-B14F-4D97-AF65-F5344CB8AC3E}">
+        <p14:creationId xmlns:p14="http://schemas.microsoft.com/office/powerpoint/2010/main" val="3833407040"/>
+      </p:ext>
+    </p:extLst>
+  </p:cSld>
+  <p:clrMapOvr>
+    <a:masterClrMapping/>
+  </p:clrMapOvr>
+</p:sld>
+</file>
+
+<file path=ppt/slides/slide23.xml><?xml version="1.0" encoding="utf-8"?>
+<p:sld xmlns:a="http://schemas.openxmlformats.org/drawingml/2006/main" xmlns:r="http://schemas.openxmlformats.org/officeDocument/2006/relationships" xmlns:p="http://schemas.openxmlformats.org/presentationml/2006/main">
+  <p:cSld>
+    <p:spTree>
+      <p:nvGrpSpPr>
+        <p:cNvPr id="1" name=""/>
+        <p:cNvGrpSpPr/>
+        <p:nvPr/>
+      </p:nvGrpSpPr>
+      <p:grpSpPr>
+        <a:xfrm>
+          <a:off x="0" y="0"/>
+          <a:ext cx="0" cy="0"/>
+          <a:chOff x="0" y="0"/>
+          <a:chExt cx="0" cy="0"/>
+        </a:xfrm>
+      </p:grpSpPr>
+      <p:sp>
+        <p:nvSpPr>
+          <p:cNvPr id="2" name="Title 1"/>
+          <p:cNvSpPr>
+            <a:spLocks noGrp="1"/>
+          </p:cNvSpPr>
+          <p:nvPr>
+            <p:ph type="title"/>
+          </p:nvPr>
+        </p:nvSpPr>
+        <p:spPr/>
+        <p:txBody>
+          <a:bodyPr/>
+          <a:lstStyle/>
+          <a:p>
+            <a:r>
+              <a:rPr lang="en-US" dirty="0"/>
+              <a:t>Writing P# programs</a:t>
+            </a:r>
+          </a:p>
+        </p:txBody>
+      </p:sp>
+      <p:sp>
+        <p:nvSpPr>
+          <p:cNvPr id="3" name="Content Placeholder 2"/>
+          <p:cNvSpPr>
+            <a:spLocks noGrp="1"/>
+          </p:cNvSpPr>
+          <p:nvPr>
+            <p:ph idx="1"/>
+          </p:nvPr>
+        </p:nvSpPr>
+        <p:spPr/>
+        <p:txBody>
+          <a:bodyPr>
+            <a:normAutofit/>
+          </a:bodyPr>
+          <a:lstStyle/>
+          <a:p>
+            <a:r>
+              <a:rPr lang="en-US" dirty="0"/>
+              <a:t>Two approaches:</a:t>
+            </a:r>
+          </a:p>
+          <a:p>
+            <a:pPr lvl="1"/>
+            <a:r>
+              <a:rPr lang="en-US" dirty="0"/>
+              <a:t>Using the high-level syntax of P# (based on P)</a:t>
+            </a:r>
+          </a:p>
+          <a:p>
+            <a:pPr lvl="1"/>
+            <a:r>
+              <a:rPr lang="en-US" dirty="0"/>
+              <a:t>Using P# as a C# library (e.g. machines inherit a Machine C# abstract class)</a:t>
+            </a:r>
+          </a:p>
+          <a:p>
+            <a:r>
+              <a:rPr lang="en-US" dirty="0"/>
+              <a:t>Able to combine P# and C# syntax in the same project/file</a:t>
+            </a:r>
+          </a:p>
+          <a:p>
+            <a:r>
+              <a:rPr lang="en-US" dirty="0"/>
+              <a:t>Mix-and-match approach:</a:t>
+            </a:r>
+          </a:p>
+          <a:p>
+            <a:pPr lvl="1"/>
+            <a:r>
+              <a:rPr lang="en-US" dirty="0"/>
+              <a:t>Using </a:t>
+            </a:r>
+            <a:r>
+              <a:rPr lang="en-US" i="1" dirty="0"/>
+              <a:t>partial</a:t>
+            </a:r>
+            <a:r>
+              <a:rPr lang="en-US" dirty="0"/>
+              <a:t> machines / actions</a:t>
+            </a:r>
+          </a:p>
+          <a:p>
+            <a:pPr lvl="1"/>
+            <a:r>
+              <a:rPr lang="en-US" dirty="0"/>
+              <a:t>Write state-machine transition logic using the P# syntax</a:t>
+            </a:r>
+          </a:p>
+          <a:p>
+            <a:pPr lvl="1"/>
+            <a:r>
+              <a:rPr lang="en-US" dirty="0"/>
+              <a:t>Write implementation of event handlers in C#</a:t>
+            </a:r>
+          </a:p>
+        </p:txBody>
+      </p:sp>
+    </p:spTree>
+    <p:extLst>
+      <p:ext uri="{BB962C8B-B14F-4D97-AF65-F5344CB8AC3E}">
+        <p14:creationId xmlns:p14="http://schemas.microsoft.com/office/powerpoint/2010/main" val="151188283"/>
+      </p:ext>
+    </p:extLst>
+  </p:cSld>
+  <p:clrMapOvr>
+    <a:masterClrMapping/>
+  </p:clrMapOvr>
+</p:sld>
+</file>
+
+<file path=ppt/slides/slide24.xml><?xml version="1.0" encoding="utf-8"?>
 <p:sld xmlns:a="http://schemas.openxmlformats.org/drawingml/2006/main" xmlns:r="http://schemas.openxmlformats.org/officeDocument/2006/relationships" xmlns:p="http://schemas.openxmlformats.org/presentationml/2006/main">
   <p:cSld>
     <p:spTree>
@@ -11027,7 +12092,7 @@
 </p:sld>
 </file>
 
-<file path=ppt/slides/slide21.xml><?xml version="1.0" encoding="utf-8"?>
+<file path=ppt/slides/slide25.xml><?xml version="1.0" encoding="utf-8"?>
 <p:sld xmlns:a="http://schemas.openxmlformats.org/drawingml/2006/main" xmlns:r="http://schemas.openxmlformats.org/officeDocument/2006/relationships" xmlns:p="http://schemas.openxmlformats.org/presentationml/2006/main">
   <p:cSld>
     <p:spTree>
@@ -11159,7 +12224,7 @@
 </p:sld>
 </file>
 
-<file path=ppt/slides/slide22.xml><?xml version="1.0" encoding="utf-8"?>
+<file path=ppt/slides/slide26.xml><?xml version="1.0" encoding="utf-8"?>
 <p:sld xmlns:a="http://schemas.openxmlformats.org/drawingml/2006/main" xmlns:r="http://schemas.openxmlformats.org/officeDocument/2006/relationships" xmlns:p="http://schemas.openxmlformats.org/presentationml/2006/main">
   <p:cSld>
     <p:spTree>
@@ -11266,7 +12331,7 @@
 </p:sld>
 </file>
 
-<file path=ppt/slides/slide23.xml><?xml version="1.0" encoding="utf-8"?>
+<file path=ppt/slides/slide27.xml><?xml version="1.0" encoding="utf-8"?>
 <p:sld xmlns:a="http://schemas.openxmlformats.org/drawingml/2006/main" xmlns:r="http://schemas.openxmlformats.org/officeDocument/2006/relationships" xmlns:p="http://schemas.openxmlformats.org/presentationml/2006/main">
   <p:cSld>
     <p:spTree>
@@ -12641,7 +13706,7 @@
 </p:sld>
 </file>
 
-<file path=ppt/slides/slide24.xml><?xml version="1.0" encoding="utf-8"?>
+<file path=ppt/slides/slide28.xml><?xml version="1.0" encoding="utf-8"?>
 <p:sld xmlns:a="http://schemas.openxmlformats.org/drawingml/2006/main" xmlns:r="http://schemas.openxmlformats.org/officeDocument/2006/relationships" xmlns:p="http://schemas.openxmlformats.org/presentationml/2006/main">
   <p:cSld>
     <p:spTree>
@@ -12801,7 +13866,7 @@
 </p:sld>
 </file>
 
-<file path=ppt/slides/slide25.xml><?xml version="1.0" encoding="utf-8"?>
+<file path=ppt/slides/slide29.xml><?xml version="1.0" encoding="utf-8"?>
 <p:sld xmlns:a="http://schemas.openxmlformats.org/drawingml/2006/main" xmlns:r="http://schemas.openxmlformats.org/officeDocument/2006/relationships" xmlns:p="http://schemas.openxmlformats.org/presentationml/2006/main">
   <p:cSld>
     <p:spTree>
@@ -12873,87 +13938,6 @@
     <p:extLst>
       <p:ext uri="{BB962C8B-B14F-4D97-AF65-F5344CB8AC3E}">
         <p14:creationId xmlns:p14="http://schemas.microsoft.com/office/powerpoint/2010/main" val="4203720449"/>
-      </p:ext>
-    </p:extLst>
-  </p:cSld>
-  <p:clrMapOvr>
-    <a:masterClrMapping/>
-  </p:clrMapOvr>
-</p:sld>
-</file>
-
-<file path=ppt/slides/slide26.xml><?xml version="1.0" encoding="utf-8"?>
-<p:sld xmlns:a="http://schemas.openxmlformats.org/drawingml/2006/main" xmlns:r="http://schemas.openxmlformats.org/officeDocument/2006/relationships" xmlns:p="http://schemas.openxmlformats.org/presentationml/2006/main">
-  <p:cSld>
-    <p:spTree>
-      <p:nvGrpSpPr>
-        <p:cNvPr id="1" name=""/>
-        <p:cNvGrpSpPr/>
-        <p:nvPr/>
-      </p:nvGrpSpPr>
-      <p:grpSpPr>
-        <a:xfrm>
-          <a:off x="0" y="0"/>
-          <a:ext cx="0" cy="0"/>
-          <a:chOff x="0" y="0"/>
-          <a:chExt cx="0" cy="0"/>
-        </a:xfrm>
-      </p:grpSpPr>
-      <p:sp>
-        <p:nvSpPr>
-          <p:cNvPr id="2" name="Title 1"/>
-          <p:cNvSpPr>
-            <a:spLocks noGrp="1"/>
-          </p:cNvSpPr>
-          <p:nvPr>
-            <p:ph type="title"/>
-          </p:nvPr>
-        </p:nvSpPr>
-        <p:spPr/>
-        <p:txBody>
-          <a:bodyPr/>
-          <a:lstStyle/>
-          <a:p>
-            <a:r>
-              <a:rPr lang="en-US" dirty="0"/>
-              <a:t>Screenshot: Coverage of a test run</a:t>
-            </a:r>
-          </a:p>
-        </p:txBody>
-      </p:sp>
-      <p:pic>
-        <p:nvPicPr>
-          <p:cNvPr id="4" name="Content Placeholder 3"/>
-          <p:cNvPicPr>
-            <a:picLocks noGrp="1" noChangeAspect="1"/>
-          </p:cNvPicPr>
-          <p:nvPr>
-            <p:ph idx="1"/>
-          </p:nvPr>
-        </p:nvPicPr>
-        <p:blipFill>
-          <a:blip r:embed="rId2" cstate="print">
-            <a:extLst>
-              <a:ext uri="{28A0092B-C50C-407E-A947-70E740481C1C}">
-                <a14:useLocalDpi xmlns:a14="http://schemas.microsoft.com/office/drawing/2010/main" val="0"/>
-              </a:ext>
-            </a:extLst>
-          </a:blip>
-          <a:stretch>
-            <a:fillRect/>
-          </a:stretch>
-        </p:blipFill>
-        <p:spPr>
-          <a:xfrm>
-            <a:off x="1018181" y="1690688"/>
-            <a:ext cx="8809310" cy="4955237"/>
-          </a:xfrm>
-        </p:spPr>
-      </p:pic>
-    </p:spTree>
-    <p:extLst>
-      <p:ext uri="{BB962C8B-B14F-4D97-AF65-F5344CB8AC3E}">
-        <p14:creationId xmlns:p14="http://schemas.microsoft.com/office/powerpoint/2010/main" val="417009358"/>
       </p:ext>
     </p:extLst>
   </p:cSld>
@@ -14889,6 +15873,87 @@
     <p:extLst>
       <p:ext uri="{BB962C8B-B14F-4D97-AF65-F5344CB8AC3E}">
         <p14:creationId xmlns:p14="http://schemas.microsoft.com/office/powerpoint/2010/main" val="3097020959"/>
+      </p:ext>
+    </p:extLst>
+  </p:cSld>
+  <p:clrMapOvr>
+    <a:masterClrMapping/>
+  </p:clrMapOvr>
+</p:sld>
+</file>
+
+<file path=ppt/slides/slide30.xml><?xml version="1.0" encoding="utf-8"?>
+<p:sld xmlns:a="http://schemas.openxmlformats.org/drawingml/2006/main" xmlns:r="http://schemas.openxmlformats.org/officeDocument/2006/relationships" xmlns:p="http://schemas.openxmlformats.org/presentationml/2006/main">
+  <p:cSld>
+    <p:spTree>
+      <p:nvGrpSpPr>
+        <p:cNvPr id="1" name=""/>
+        <p:cNvGrpSpPr/>
+        <p:nvPr/>
+      </p:nvGrpSpPr>
+      <p:grpSpPr>
+        <a:xfrm>
+          <a:off x="0" y="0"/>
+          <a:ext cx="0" cy="0"/>
+          <a:chOff x="0" y="0"/>
+          <a:chExt cx="0" cy="0"/>
+        </a:xfrm>
+      </p:grpSpPr>
+      <p:sp>
+        <p:nvSpPr>
+          <p:cNvPr id="2" name="Title 1"/>
+          <p:cNvSpPr>
+            <a:spLocks noGrp="1"/>
+          </p:cNvSpPr>
+          <p:nvPr>
+            <p:ph type="title"/>
+          </p:nvPr>
+        </p:nvSpPr>
+        <p:spPr/>
+        <p:txBody>
+          <a:bodyPr/>
+          <a:lstStyle/>
+          <a:p>
+            <a:r>
+              <a:rPr lang="en-US" dirty="0"/>
+              <a:t>Screenshot: Coverage of a test run</a:t>
+            </a:r>
+          </a:p>
+        </p:txBody>
+      </p:sp>
+      <p:pic>
+        <p:nvPicPr>
+          <p:cNvPr id="4" name="Content Placeholder 3"/>
+          <p:cNvPicPr>
+            <a:picLocks noGrp="1" noChangeAspect="1"/>
+          </p:cNvPicPr>
+          <p:nvPr>
+            <p:ph idx="1"/>
+          </p:nvPr>
+        </p:nvPicPr>
+        <p:blipFill>
+          <a:blip r:embed="rId2" cstate="print">
+            <a:extLst>
+              <a:ext uri="{28A0092B-C50C-407E-A947-70E740481C1C}">
+                <a14:useLocalDpi xmlns:a14="http://schemas.microsoft.com/office/drawing/2010/main" val="0"/>
+              </a:ext>
+            </a:extLst>
+          </a:blip>
+          <a:stretch>
+            <a:fillRect/>
+          </a:stretch>
+        </p:blipFill>
+        <p:spPr>
+          <a:xfrm>
+            <a:off x="1018181" y="1690688"/>
+            <a:ext cx="8809310" cy="4955237"/>
+          </a:xfrm>
+        </p:spPr>
+      </p:pic>
+    </p:spTree>
+    <p:extLst>
+      <p:ext uri="{BB962C8B-B14F-4D97-AF65-F5344CB8AC3E}">
+        <p14:creationId xmlns:p14="http://schemas.microsoft.com/office/powerpoint/2010/main" val="417009358"/>
       </p:ext>
     </p:extLst>
   </p:cSld>

--- a/Tutorial/P-tutorial.pptx
+++ b/Tutorial/P-tutorial.pptx
@@ -5,7 +5,7 @@
     <p:sldMasterId id="2147483648" r:id="rId1"/>
   </p:sldMasterIdLst>
   <p:notesMasterIdLst>
-    <p:notesMasterId r:id="rId32"/>
+    <p:notesMasterId r:id="rId33"/>
   </p:notesMasterIdLst>
   <p:sldIdLst>
     <p:sldId id="256" r:id="rId2"/>
@@ -25,19 +25,20 @@
     <p:sldId id="287" r:id="rId16"/>
     <p:sldId id="288" r:id="rId17"/>
     <p:sldId id="290" r:id="rId18"/>
-    <p:sldId id="292" r:id="rId19"/>
-    <p:sldId id="294" r:id="rId20"/>
-    <p:sldId id="295" r:id="rId21"/>
-    <p:sldId id="297" r:id="rId22"/>
-    <p:sldId id="298" r:id="rId23"/>
-    <p:sldId id="272" r:id="rId24"/>
-    <p:sldId id="273" r:id="rId25"/>
-    <p:sldId id="274" r:id="rId26"/>
-    <p:sldId id="275" r:id="rId27"/>
-    <p:sldId id="276" r:id="rId28"/>
-    <p:sldId id="277" r:id="rId29"/>
-    <p:sldId id="278" r:id="rId30"/>
-    <p:sldId id="279" r:id="rId31"/>
+    <p:sldId id="301" r:id="rId19"/>
+    <p:sldId id="300" r:id="rId20"/>
+    <p:sldId id="292" r:id="rId21"/>
+    <p:sldId id="294" r:id="rId22"/>
+    <p:sldId id="295" r:id="rId23"/>
+    <p:sldId id="297" r:id="rId24"/>
+    <p:sldId id="298" r:id="rId25"/>
+    <p:sldId id="272" r:id="rId26"/>
+    <p:sldId id="273" r:id="rId27"/>
+    <p:sldId id="274" r:id="rId28"/>
+    <p:sldId id="276" r:id="rId29"/>
+    <p:sldId id="277" r:id="rId30"/>
+    <p:sldId id="278" r:id="rId31"/>
+    <p:sldId id="279" r:id="rId32"/>
   </p:sldIdLst>
   <p:sldSz cx="12192000" cy="6858000"/>
   <p:notesSz cx="6858000" cy="9144000"/>
@@ -230,7 +231,7 @@
           <a:p>
             <a:fld id="{4D6C1395-F38E-4BBC-A387-C9D21622F6E5}" type="datetimeFigureOut">
               <a:rPr lang="en-US" smtClean="0"/>
-              <a:t>5/27/2017</a:t>
+              <a:t>6/13/2017</a:t>
             </a:fld>
             <a:endParaRPr lang="en-US"/>
           </a:p>
@@ -700,7 +701,7 @@
           <a:p>
             <a:fld id="{DCC5E34C-0BEF-42D1-A3A4-98A0EFA3EE0B}" type="datetime8">
               <a:rPr lang="en-US" smtClean="0"/>
-              <a:t>5/27/2017 5:12 PM</a:t>
+              <a:t>6/13/2017 9:13 PM</a:t>
             </a:fld>
             <a:endParaRPr lang="en-US" dirty="0"/>
           </a:p>
@@ -872,7 +873,7 @@
           <a:p>
             <a:fld id="{4E05C90B-F8EE-4FB7-AEE7-9B0B98AB9CDF}" type="datetimeFigureOut">
               <a:rPr lang="en-US" smtClean="0"/>
-              <a:t>5/27/2017</a:t>
+              <a:t>6/13/2017</a:t>
             </a:fld>
             <a:endParaRPr lang="en-US"/>
           </a:p>
@@ -1040,7 +1041,7 @@
           <a:p>
             <a:fld id="{4E05C90B-F8EE-4FB7-AEE7-9B0B98AB9CDF}" type="datetimeFigureOut">
               <a:rPr lang="en-US" smtClean="0"/>
-              <a:t>5/27/2017</a:t>
+              <a:t>6/13/2017</a:t>
             </a:fld>
             <a:endParaRPr lang="en-US"/>
           </a:p>
@@ -1218,7 +1219,7 @@
           <a:p>
             <a:fld id="{4E05C90B-F8EE-4FB7-AEE7-9B0B98AB9CDF}" type="datetimeFigureOut">
               <a:rPr lang="en-US" smtClean="0"/>
-              <a:t>5/27/2017</a:t>
+              <a:t>6/13/2017</a:t>
             </a:fld>
             <a:endParaRPr lang="en-US"/>
           </a:p>
@@ -1533,7 +1534,7 @@
           <a:p>
             <a:fld id="{4E05C90B-F8EE-4FB7-AEE7-9B0B98AB9CDF}" type="datetimeFigureOut">
               <a:rPr lang="en-US" smtClean="0"/>
-              <a:t>5/27/2017</a:t>
+              <a:t>6/13/2017</a:t>
             </a:fld>
             <a:endParaRPr lang="en-US"/>
           </a:p>
@@ -1778,7 +1779,7 @@
           <a:p>
             <a:fld id="{4E05C90B-F8EE-4FB7-AEE7-9B0B98AB9CDF}" type="datetimeFigureOut">
               <a:rPr lang="en-US" smtClean="0"/>
-              <a:t>5/27/2017</a:t>
+              <a:t>6/13/2017</a:t>
             </a:fld>
             <a:endParaRPr lang="en-US"/>
           </a:p>
@@ -2007,7 +2008,7 @@
           <a:p>
             <a:fld id="{4E05C90B-F8EE-4FB7-AEE7-9B0B98AB9CDF}" type="datetimeFigureOut">
               <a:rPr lang="en-US" smtClean="0"/>
-              <a:t>5/27/2017</a:t>
+              <a:t>6/13/2017</a:t>
             </a:fld>
             <a:endParaRPr lang="en-US"/>
           </a:p>
@@ -2371,7 +2372,7 @@
           <a:p>
             <a:fld id="{4E05C90B-F8EE-4FB7-AEE7-9B0B98AB9CDF}" type="datetimeFigureOut">
               <a:rPr lang="en-US" smtClean="0"/>
-              <a:t>5/27/2017</a:t>
+              <a:t>6/13/2017</a:t>
             </a:fld>
             <a:endParaRPr lang="en-US"/>
           </a:p>
@@ -2488,7 +2489,7 @@
           <a:p>
             <a:fld id="{4E05C90B-F8EE-4FB7-AEE7-9B0B98AB9CDF}" type="datetimeFigureOut">
               <a:rPr lang="en-US" smtClean="0"/>
-              <a:t>5/27/2017</a:t>
+              <a:t>6/13/2017</a:t>
             </a:fld>
             <a:endParaRPr lang="en-US"/>
           </a:p>
@@ -2583,7 +2584,7 @@
           <a:p>
             <a:fld id="{4E05C90B-F8EE-4FB7-AEE7-9B0B98AB9CDF}" type="datetimeFigureOut">
               <a:rPr lang="en-US" smtClean="0"/>
-              <a:t>5/27/2017</a:t>
+              <a:t>6/13/2017</a:t>
             </a:fld>
             <a:endParaRPr lang="en-US"/>
           </a:p>
@@ -2858,7 +2859,7 @@
           <a:p>
             <a:fld id="{4E05C90B-F8EE-4FB7-AEE7-9B0B98AB9CDF}" type="datetimeFigureOut">
               <a:rPr lang="en-US" smtClean="0"/>
-              <a:t>5/27/2017</a:t>
+              <a:t>6/13/2017</a:t>
             </a:fld>
             <a:endParaRPr lang="en-US"/>
           </a:p>
@@ -3110,7 +3111,7 @@
           <a:p>
             <a:fld id="{4E05C90B-F8EE-4FB7-AEE7-9B0B98AB9CDF}" type="datetimeFigureOut">
               <a:rPr lang="en-US" smtClean="0"/>
-              <a:t>5/27/2017</a:t>
+              <a:t>6/13/2017</a:t>
             </a:fld>
             <a:endParaRPr lang="en-US"/>
           </a:p>
@@ -3321,7 +3322,7 @@
           <a:p>
             <a:fld id="{4E05C90B-F8EE-4FB7-AEE7-9B0B98AB9CDF}" type="datetimeFigureOut">
               <a:rPr lang="en-US" smtClean="0"/>
-              <a:t>5/27/2017</a:t>
+              <a:t>6/13/2017</a:t>
             </a:fld>
             <a:endParaRPr lang="en-US"/>
           </a:p>
@@ -3895,7 +3896,7 @@
           <a:p>
             <a:r>
               <a:rPr lang="en-US" sz="4000" dirty="0"/>
-              <a:t>Asynchronous system as a state-transition graph</a:t>
+              <a:t>Concurrent program as a state-transition graph</a:t>
             </a:r>
           </a:p>
         </p:txBody>
@@ -6639,7 +6640,7 @@
         </p:nvSpPr>
         <p:spPr>
           <a:xfrm>
-            <a:off x="4922520" y="3058160"/>
+            <a:off x="4378662" y="2944610"/>
             <a:ext cx="3078728" cy="1015663"/>
           </a:xfrm>
           <a:prstGeom prst="rect">
@@ -6862,104 +6863,141 @@
             <p:ph type="title"/>
           </p:nvPr>
         </p:nvSpPr>
-        <p:spPr/>
+        <p:spPr>
+          <a:xfrm>
+            <a:off x="838200" y="354965"/>
+            <a:ext cx="10515600" cy="1325563"/>
+          </a:xfrm>
+        </p:spPr>
         <p:txBody>
           <a:bodyPr/>
           <a:lstStyle/>
           <a:p>
             <a:r>
               <a:rPr lang="en-US" dirty="0"/>
-              <a:t>How do we test concurrent programs?</a:t>
+              <a:t>Modeling failures with events</a:t>
             </a:r>
           </a:p>
         </p:txBody>
       </p:sp>
       <p:sp>
         <p:nvSpPr>
-          <p:cNvPr id="3" name="Content Placeholder 2"/>
-          <p:cNvSpPr>
-            <a:spLocks noGrp="1"/>
-          </p:cNvSpPr>
-          <p:nvPr>
-            <p:ph idx="1"/>
-          </p:nvPr>
+          <p:cNvPr id="7" name="TextBox 6">
+            <a:extLst>
+              <a:ext uri="{FF2B5EF4-FFF2-40B4-BE49-F238E27FC236}">
+                <a16:creationId xmlns:a16="http://schemas.microsoft.com/office/drawing/2014/main" id="{1773A0FE-A14D-4A7C-8647-69E446D090FB}"/>
+              </a:ext>
+            </a:extLst>
+          </p:cNvPr>
+          <p:cNvSpPr txBox="1"/>
+          <p:nvPr/>
         </p:nvSpPr>
-        <p:spPr/>
+        <p:spPr>
+          <a:xfrm>
+            <a:off x="7141883" y="3380287"/>
+            <a:ext cx="2468282" cy="1077218"/>
+          </a:xfrm>
+          <a:prstGeom prst="rect">
+            <a:avLst/>
+          </a:prstGeom>
+          <a:noFill/>
+        </p:spPr>
         <p:txBody>
-          <a:bodyPr>
-            <a:normAutofit lnSpcReduction="10000"/>
+          <a:bodyPr wrap="square" rtlCol="0">
+            <a:spAutoFit/>
           </a:bodyPr>
           <a:lstStyle/>
           <a:p>
             <a:r>
-              <a:rPr lang="en-US" dirty="0"/>
-              <a:t>Unit tests are unable to find timing-related errors</a:t>
-            </a:r>
-          </a:p>
-          <a:p>
-            <a:endParaRPr lang="en-US" dirty="0"/>
-          </a:p>
-          <a:p>
-            <a:r>
-              <a:rPr lang="en-US" dirty="0"/>
-              <a:t>Unit tests are usually followed by integration tests</a:t>
-            </a:r>
-          </a:p>
-          <a:p>
-            <a:pPr lvl="1"/>
-            <a:r>
-              <a:rPr lang="en-US" dirty="0"/>
-              <a:t>Expensive</a:t>
-            </a:r>
-          </a:p>
-          <a:p>
-            <a:pPr lvl="1"/>
-            <a:r>
-              <a:rPr lang="en-US" dirty="0"/>
-              <a:t>Difficult to debug</a:t>
-            </a:r>
-          </a:p>
-          <a:p>
-            <a:pPr lvl="1"/>
-            <a:endParaRPr lang="en-US" dirty="0"/>
-          </a:p>
-          <a:p>
-            <a:r>
-              <a:rPr lang="en-US" dirty="0"/>
-              <a:t>Unit interaction tests</a:t>
-            </a:r>
-          </a:p>
-          <a:p>
-            <a:pPr lvl="1"/>
-            <a:r>
-              <a:rPr lang="en-US" dirty="0"/>
-              <a:t>Leverages that execution is </a:t>
-            </a:r>
-            <a:r>
-              <a:rPr lang="en-US" dirty="0" err="1"/>
-              <a:t>replayable</a:t>
-            </a:r>
-            <a:r>
-              <a:rPr lang="en-US" dirty="0"/>
-              <a:t> and controllable</a:t>
-            </a:r>
-          </a:p>
-          <a:p>
-            <a:pPr lvl="1"/>
-            <a:r>
-              <a:rPr lang="en-US" dirty="0"/>
-              <a:t>Programmer writes a collection of small test cases</a:t>
-            </a:r>
-          </a:p>
-          <a:p>
-            <a:pPr lvl="1"/>
-            <a:r>
-              <a:rPr lang="en-US" dirty="0"/>
-              <a:t>Let the test framework generate executions</a:t>
+              <a:rPr lang="en-US" sz="3200" dirty="0"/>
+              <a:t>Fault-tolerant machine </a:t>
             </a:r>
           </a:p>
         </p:txBody>
       </p:sp>
+      <p:sp>
+        <p:nvSpPr>
+          <p:cNvPr id="8" name="TextBox 7">
+            <a:extLst>
+              <a:ext uri="{FF2B5EF4-FFF2-40B4-BE49-F238E27FC236}">
+                <a16:creationId xmlns:a16="http://schemas.microsoft.com/office/drawing/2014/main" id="{E6BBB56A-576A-40DB-830C-E45DA5AE9BD9}"/>
+              </a:ext>
+            </a:extLst>
+          </p:cNvPr>
+          <p:cNvSpPr txBox="1"/>
+          <p:nvPr/>
+        </p:nvSpPr>
+        <p:spPr>
+          <a:xfrm>
+            <a:off x="1960282" y="3380287"/>
+            <a:ext cx="3086101" cy="1077218"/>
+          </a:xfrm>
+          <a:prstGeom prst="rect">
+            <a:avLst/>
+          </a:prstGeom>
+          <a:noFill/>
+        </p:spPr>
+        <p:txBody>
+          <a:bodyPr wrap="none" rtlCol="0">
+            <a:spAutoFit/>
+          </a:bodyPr>
+          <a:lstStyle/>
+          <a:p>
+            <a:r>
+              <a:rPr lang="en-US" sz="3200" dirty="0"/>
+              <a:t>Failure-injecting </a:t>
+            </a:r>
+          </a:p>
+          <a:p>
+            <a:r>
+              <a:rPr lang="en-US" sz="3200" dirty="0"/>
+              <a:t>daemon machine</a:t>
+            </a:r>
+          </a:p>
+        </p:txBody>
+      </p:sp>
+      <p:cxnSp>
+        <p:nvCxnSpPr>
+          <p:cNvPr id="10" name="Straight Arrow Connector 9">
+            <a:extLst>
+              <a:ext uri="{FF2B5EF4-FFF2-40B4-BE49-F238E27FC236}">
+                <a16:creationId xmlns:a16="http://schemas.microsoft.com/office/drawing/2014/main" id="{D0DBBF3A-59D9-4470-BBA4-693A390C4E0D}"/>
+              </a:ext>
+            </a:extLst>
+          </p:cNvPr>
+          <p:cNvCxnSpPr/>
+          <p:nvPr/>
+        </p:nvCxnSpPr>
+        <p:spPr>
+          <a:xfrm>
+            <a:off x="5189813" y="3918896"/>
+            <a:ext cx="1838511" cy="0"/>
+          </a:xfrm>
+          <a:prstGeom prst="straightConnector1">
+            <a:avLst/>
+          </a:prstGeom>
+          <a:ln w="25400">
+            <a:solidFill>
+              <a:schemeClr val="tx1"/>
+            </a:solidFill>
+            <a:tailEnd type="triangle"/>
+          </a:ln>
+        </p:spPr>
+        <p:style>
+          <a:lnRef idx="1">
+            <a:schemeClr val="accent1"/>
+          </a:lnRef>
+          <a:fillRef idx="0">
+            <a:schemeClr val="accent1"/>
+          </a:fillRef>
+          <a:effectRef idx="0">
+            <a:schemeClr val="accent1"/>
+          </a:effectRef>
+          <a:fontRef idx="minor">
+            <a:schemeClr val="tx1"/>
+          </a:fontRef>
+        </p:style>
+      </p:cxnSp>
     </p:spTree>
     <p:extLst>
       <p:ext uri="{BB962C8B-B14F-4D97-AF65-F5344CB8AC3E}">
@@ -6998,8 +7036,8 @@
         </p:nvSpPr>
         <p:spPr>
           <a:xfrm>
-            <a:off x="4498194" y="2352940"/>
-            <a:ext cx="3078728" cy="1938992"/>
+            <a:off x="4814943" y="2974495"/>
+            <a:ext cx="2632965" cy="1015663"/>
           </a:xfrm>
           <a:prstGeom prst="rect">
             <a:avLst/>
@@ -7013,13 +7051,6 @@
           <a:lstStyle/>
           <a:p>
             <a:r>
-              <a:rPr lang="en-US" sz="6000" dirty="0" err="1"/>
-              <a:t>PingPong</a:t>
-            </a:r>
-            <a:endParaRPr lang="en-US" sz="6000" dirty="0"/>
-          </a:p>
-          <a:p>
-            <a:r>
               <a:rPr lang="en-US" sz="6000" dirty="0"/>
               <a:t>Failover</a:t>
             </a:r>
@@ -7029,7 +7060,7 @@
     </p:spTree>
     <p:extLst>
       <p:ext uri="{BB962C8B-B14F-4D97-AF65-F5344CB8AC3E}">
-        <p14:creationId xmlns:p14="http://schemas.microsoft.com/office/powerpoint/2010/main" val="2516206290"/>
+        <p14:creationId xmlns:p14="http://schemas.microsoft.com/office/powerpoint/2010/main" val="1797598704"/>
       </p:ext>
     </p:extLst>
   </p:cSld>
@@ -7073,365 +7104,93 @@
           <a:p>
             <a:r>
               <a:rPr lang="en-US" dirty="0"/>
-              <a:t>Data races in shared-memory programs</a:t>
+              <a:t>How do we test concurrent programs?</a:t>
             </a:r>
           </a:p>
         </p:txBody>
       </p:sp>
       <p:sp>
         <p:nvSpPr>
-          <p:cNvPr id="4" name="TextBox 3"/>
-          <p:cNvSpPr txBox="1"/>
-          <p:nvPr/>
+          <p:cNvPr id="3" name="Content Placeholder 2"/>
+          <p:cNvSpPr>
+            <a:spLocks noGrp="1"/>
+          </p:cNvSpPr>
+          <p:nvPr>
+            <p:ph idx="1"/>
+          </p:nvPr>
         </p:nvSpPr>
-        <p:spPr>
-          <a:xfrm>
-            <a:off x="1544320" y="2677160"/>
-            <a:ext cx="1258678" cy="1200329"/>
-          </a:xfrm>
-          <a:prstGeom prst="rect">
-            <a:avLst/>
-          </a:prstGeom>
-          <a:noFill/>
-        </p:spPr>
+        <p:spPr/>
         <p:txBody>
-          <a:bodyPr wrap="none" rtlCol="0">
-            <a:spAutoFit/>
+          <a:bodyPr>
+            <a:normAutofit lnSpcReduction="10000"/>
           </a:bodyPr>
           <a:lstStyle/>
           <a:p>
             <a:r>
-              <a:rPr lang="en-US" sz="2400" dirty="0"/>
-              <a:t>Task A</a:t>
-            </a:r>
-          </a:p>
-          <a:p>
-            <a:endParaRPr lang="en-US" sz="2400" dirty="0"/>
-          </a:p>
-          <a:p>
-            <a:r>
-              <a:rPr lang="en-US" sz="2400" dirty="0"/>
-              <a:t>x = x + 1 </a:t>
-            </a:r>
-          </a:p>
-        </p:txBody>
-      </p:sp>
-      <p:sp>
-        <p:nvSpPr>
-          <p:cNvPr id="5" name="TextBox 4"/>
-          <p:cNvSpPr txBox="1"/>
-          <p:nvPr/>
-        </p:nvSpPr>
-        <p:spPr>
-          <a:xfrm>
-            <a:off x="2133600" y="1981200"/>
-            <a:ext cx="1390445" cy="461665"/>
-          </a:xfrm>
-          <a:prstGeom prst="rect">
-            <a:avLst/>
-          </a:prstGeom>
-          <a:noFill/>
-        </p:spPr>
-        <p:txBody>
-          <a:bodyPr wrap="none" rtlCol="0">
-            <a:spAutoFit/>
-          </a:bodyPr>
-          <a:lstStyle/>
-          <a:p>
-            <a:r>
-              <a:rPr lang="en-US" sz="2400" dirty="0" err="1"/>
-              <a:t>int</a:t>
-            </a:r>
-            <a:r>
-              <a:rPr lang="en-US" sz="2400" dirty="0"/>
-              <a:t> x = 10 </a:t>
-            </a:r>
-          </a:p>
-        </p:txBody>
-      </p:sp>
-      <p:sp>
-        <p:nvSpPr>
-          <p:cNvPr id="6" name="TextBox 5"/>
-          <p:cNvSpPr txBox="1"/>
-          <p:nvPr/>
-        </p:nvSpPr>
-        <p:spPr>
-          <a:xfrm>
-            <a:off x="3083560" y="2677160"/>
-            <a:ext cx="1258678" cy="1200329"/>
-          </a:xfrm>
-          <a:prstGeom prst="rect">
-            <a:avLst/>
-          </a:prstGeom>
-          <a:noFill/>
-        </p:spPr>
-        <p:txBody>
-          <a:bodyPr wrap="none" rtlCol="0">
-            <a:spAutoFit/>
-          </a:bodyPr>
-          <a:lstStyle/>
-          <a:p>
-            <a:r>
-              <a:rPr lang="en-US" sz="2400" dirty="0"/>
-              <a:t>Task B</a:t>
-            </a:r>
-          </a:p>
-          <a:p>
-            <a:endParaRPr lang="en-US" sz="2400" dirty="0"/>
-          </a:p>
-          <a:p>
-            <a:r>
-              <a:rPr lang="en-US" sz="2400" dirty="0"/>
-              <a:t>x = x + 1 </a:t>
-            </a:r>
-          </a:p>
-        </p:txBody>
-      </p:sp>
-      <p:sp>
-        <p:nvSpPr>
-          <p:cNvPr id="7" name="TextBox 6"/>
-          <p:cNvSpPr txBox="1"/>
-          <p:nvPr/>
-        </p:nvSpPr>
-        <p:spPr>
-          <a:xfrm>
-            <a:off x="2181049" y="4975860"/>
-            <a:ext cx="1377300" cy="461665"/>
-          </a:xfrm>
-          <a:prstGeom prst="rect">
-            <a:avLst/>
-          </a:prstGeom>
-          <a:noFill/>
-        </p:spPr>
-        <p:txBody>
-          <a:bodyPr wrap="none" rtlCol="0">
-            <a:spAutoFit/>
-          </a:bodyPr>
-          <a:lstStyle/>
-          <a:p>
-            <a:r>
-              <a:rPr lang="en-US" sz="2400" dirty="0"/>
-              <a:t>x = 12, 11</a:t>
-            </a:r>
-          </a:p>
-        </p:txBody>
-      </p:sp>
-      <p:sp>
-        <p:nvSpPr>
-          <p:cNvPr id="8" name="TextBox 7"/>
-          <p:cNvSpPr txBox="1"/>
-          <p:nvPr/>
-        </p:nvSpPr>
-        <p:spPr>
-          <a:xfrm>
-            <a:off x="5068536" y="5753100"/>
-            <a:ext cx="6511654" cy="461665"/>
-          </a:xfrm>
-          <a:prstGeom prst="rect">
-            <a:avLst/>
-          </a:prstGeom>
-          <a:noFill/>
-        </p:spPr>
-        <p:txBody>
-          <a:bodyPr wrap="none" rtlCol="0">
-            <a:spAutoFit/>
-          </a:bodyPr>
-          <a:lstStyle/>
-          <a:p>
-            <a:r>
-              <a:rPr lang="en-US" sz="2400" dirty="0"/>
-              <a:t>Cause behavior that is not sequentially consistent</a:t>
-            </a:r>
-          </a:p>
-        </p:txBody>
-      </p:sp>
-      <p:sp>
-        <p:nvSpPr>
-          <p:cNvPr id="9" name="TextBox 8"/>
-          <p:cNvSpPr txBox="1"/>
-          <p:nvPr/>
-        </p:nvSpPr>
-        <p:spPr>
-          <a:xfrm>
-            <a:off x="6461760" y="2661920"/>
-            <a:ext cx="1345240" cy="1938992"/>
-          </a:xfrm>
-          <a:prstGeom prst="rect">
-            <a:avLst/>
-          </a:prstGeom>
-          <a:noFill/>
-        </p:spPr>
-        <p:txBody>
-          <a:bodyPr wrap="none" rtlCol="0">
-            <a:spAutoFit/>
-          </a:bodyPr>
-          <a:lstStyle/>
-          <a:p>
-            <a:r>
-              <a:rPr lang="en-US" sz="2400" dirty="0"/>
-              <a:t>Task A</a:t>
-            </a:r>
-          </a:p>
-          <a:p>
-            <a:endParaRPr lang="en-US" sz="2400" dirty="0"/>
-          </a:p>
-          <a:p>
-            <a:r>
-              <a:rPr lang="en-US" sz="2400" dirty="0"/>
-              <a:t>x = 1</a:t>
-            </a:r>
-          </a:p>
-          <a:p>
-            <a:r>
-              <a:rPr lang="en-US" sz="2400" dirty="0"/>
-              <a:t>if (y == 0)</a:t>
-            </a:r>
-          </a:p>
-          <a:p>
-            <a:r>
-              <a:rPr lang="en-US" sz="2400" dirty="0"/>
-              <a:t>   print A </a:t>
-            </a:r>
-          </a:p>
-        </p:txBody>
-      </p:sp>
-      <p:sp>
-        <p:nvSpPr>
-          <p:cNvPr id="10" name="TextBox 9"/>
-          <p:cNvSpPr txBox="1"/>
-          <p:nvPr/>
-        </p:nvSpPr>
-        <p:spPr>
-          <a:xfrm>
-            <a:off x="7340600" y="1965960"/>
-            <a:ext cx="1967526" cy="461665"/>
-          </a:xfrm>
-          <a:prstGeom prst="rect">
-            <a:avLst/>
-          </a:prstGeom>
-          <a:noFill/>
-        </p:spPr>
-        <p:txBody>
-          <a:bodyPr wrap="none" rtlCol="0">
-            <a:spAutoFit/>
-          </a:bodyPr>
-          <a:lstStyle/>
-          <a:p>
-            <a:r>
-              <a:rPr lang="en-US" sz="2400" dirty="0" err="1"/>
-              <a:t>int</a:t>
-            </a:r>
-            <a:r>
-              <a:rPr lang="en-US" sz="2400" dirty="0"/>
-              <a:t> x = 0, y = 0 </a:t>
-            </a:r>
-          </a:p>
-        </p:txBody>
-      </p:sp>
-      <p:sp>
-        <p:nvSpPr>
-          <p:cNvPr id="11" name="TextBox 10"/>
-          <p:cNvSpPr txBox="1"/>
-          <p:nvPr/>
-        </p:nvSpPr>
-        <p:spPr>
-          <a:xfrm>
-            <a:off x="8961120" y="2661920"/>
-            <a:ext cx="1366400" cy="1938992"/>
-          </a:xfrm>
-          <a:prstGeom prst="rect">
-            <a:avLst/>
-          </a:prstGeom>
-          <a:noFill/>
-        </p:spPr>
-        <p:txBody>
-          <a:bodyPr wrap="none" rtlCol="0">
-            <a:spAutoFit/>
-          </a:bodyPr>
-          <a:lstStyle/>
-          <a:p>
-            <a:r>
-              <a:rPr lang="en-US" sz="2400" dirty="0"/>
-              <a:t>Task B</a:t>
-            </a:r>
-          </a:p>
-          <a:p>
-            <a:endParaRPr lang="en-US" sz="2400" dirty="0"/>
-          </a:p>
-          <a:p>
-            <a:r>
-              <a:rPr lang="en-US" sz="2400" dirty="0"/>
-              <a:t>y = 1</a:t>
-            </a:r>
-          </a:p>
-          <a:p>
-            <a:r>
-              <a:rPr lang="en-US" sz="2400" dirty="0"/>
-              <a:t>if (x == 0)</a:t>
-            </a:r>
-          </a:p>
-          <a:p>
-            <a:r>
-              <a:rPr lang="en-US" sz="2400" dirty="0"/>
-              <a:t>    print B </a:t>
-            </a:r>
-          </a:p>
-        </p:txBody>
-      </p:sp>
-      <p:sp>
-        <p:nvSpPr>
-          <p:cNvPr id="12" name="TextBox 11"/>
-          <p:cNvSpPr txBox="1"/>
-          <p:nvPr/>
-        </p:nvSpPr>
-        <p:spPr>
-          <a:xfrm>
-            <a:off x="6746655" y="4975860"/>
-            <a:ext cx="3155416" cy="461665"/>
-          </a:xfrm>
-          <a:prstGeom prst="rect">
-            <a:avLst/>
-          </a:prstGeom>
-          <a:noFill/>
-        </p:spPr>
-        <p:txBody>
-          <a:bodyPr wrap="none" rtlCol="0">
-            <a:spAutoFit/>
-          </a:bodyPr>
-          <a:lstStyle/>
-          <a:p>
-            <a:r>
-              <a:rPr lang="en-US" sz="2400" dirty="0"/>
-              <a:t>Console = ., A, B, AB, BA</a:t>
-            </a:r>
-          </a:p>
-        </p:txBody>
-      </p:sp>
-      <p:sp>
-        <p:nvSpPr>
-          <p:cNvPr id="13" name="TextBox 12"/>
-          <p:cNvSpPr txBox="1"/>
-          <p:nvPr/>
-        </p:nvSpPr>
-        <p:spPr>
-          <a:xfrm>
-            <a:off x="1107440" y="5753100"/>
-            <a:ext cx="3287951" cy="461665"/>
-          </a:xfrm>
-          <a:prstGeom prst="rect">
-            <a:avLst/>
-          </a:prstGeom>
-          <a:noFill/>
-        </p:spPr>
-        <p:txBody>
-          <a:bodyPr wrap="none" rtlCol="0">
-            <a:spAutoFit/>
-          </a:bodyPr>
-          <a:lstStyle/>
-          <a:p>
-            <a:r>
-              <a:rPr lang="en-US" sz="2400" dirty="0"/>
-              <a:t>Violate desired atomicity</a:t>
+              <a:rPr lang="en-US" dirty="0"/>
+              <a:t>Unit tests are unable to find timing-related errors</a:t>
+            </a:r>
+          </a:p>
+          <a:p>
+            <a:endParaRPr lang="en-US" dirty="0"/>
+          </a:p>
+          <a:p>
+            <a:r>
+              <a:rPr lang="en-US" dirty="0"/>
+              <a:t>Unit tests are usually followed by integration tests</a:t>
+            </a:r>
+          </a:p>
+          <a:p>
+            <a:pPr lvl="1"/>
+            <a:r>
+              <a:rPr lang="en-US" dirty="0"/>
+              <a:t>Expensive</a:t>
+            </a:r>
+          </a:p>
+          <a:p>
+            <a:pPr lvl="1"/>
+            <a:r>
+              <a:rPr lang="en-US" dirty="0"/>
+              <a:t>Difficult to debug</a:t>
+            </a:r>
+          </a:p>
+          <a:p>
+            <a:pPr lvl="1"/>
+            <a:endParaRPr lang="en-US" dirty="0"/>
+          </a:p>
+          <a:p>
+            <a:r>
+              <a:rPr lang="en-US" dirty="0"/>
+              <a:t>Unit interaction tests</a:t>
+            </a:r>
+          </a:p>
+          <a:p>
+            <a:pPr lvl="1"/>
+            <a:r>
+              <a:rPr lang="en-US" dirty="0"/>
+              <a:t>Leverages that execution is </a:t>
+            </a:r>
+            <a:r>
+              <a:rPr lang="en-US" dirty="0" err="1"/>
+              <a:t>replayable</a:t>
+            </a:r>
+            <a:r>
+              <a:rPr lang="en-US" dirty="0"/>
+              <a:t> and controllable</a:t>
+            </a:r>
+          </a:p>
+          <a:p>
+            <a:pPr lvl="1"/>
+            <a:r>
+              <a:rPr lang="en-US" dirty="0"/>
+              <a:t>Programmer writes a collection of small test cases</a:t>
+            </a:r>
+          </a:p>
+          <a:p>
+            <a:pPr lvl="1"/>
+            <a:r>
+              <a:rPr lang="en-US" dirty="0"/>
+              <a:t>Let the test framework generate executions</a:t>
             </a:r>
           </a:p>
         </p:txBody>
@@ -7439,7 +7198,7 @@
     </p:spTree>
     <p:extLst>
       <p:ext uri="{BB962C8B-B14F-4D97-AF65-F5344CB8AC3E}">
-        <p14:creationId xmlns:p14="http://schemas.microsoft.com/office/powerpoint/2010/main" val="4283642993"/>
+        <p14:creationId xmlns:p14="http://schemas.microsoft.com/office/powerpoint/2010/main" val="1907829654"/>
       </p:ext>
     </p:extLst>
   </p:cSld>
@@ -7793,6 +7552,572 @@
       </p:grpSpPr>
       <p:sp>
         <p:nvSpPr>
+          <p:cNvPr id="2" name="TextBox 1"/>
+          <p:cNvSpPr txBox="1"/>
+          <p:nvPr/>
+        </p:nvSpPr>
+        <p:spPr>
+          <a:xfrm>
+            <a:off x="3563474" y="2906660"/>
+            <a:ext cx="4926926" cy="1015663"/>
+          </a:xfrm>
+          <a:prstGeom prst="rect">
+            <a:avLst/>
+          </a:prstGeom>
+          <a:noFill/>
+        </p:spPr>
+        <p:txBody>
+          <a:bodyPr wrap="none" rtlCol="0">
+            <a:spAutoFit/>
+          </a:bodyPr>
+          <a:lstStyle/>
+          <a:p>
+            <a:r>
+              <a:rPr lang="en-US" sz="6000" dirty="0" err="1"/>
+              <a:t>CoffeeMachine</a:t>
+            </a:r>
+            <a:endParaRPr lang="en-US" sz="6000" dirty="0"/>
+          </a:p>
+        </p:txBody>
+      </p:sp>
+    </p:spTree>
+    <p:extLst>
+      <p:ext uri="{BB962C8B-B14F-4D97-AF65-F5344CB8AC3E}">
+        <p14:creationId xmlns:p14="http://schemas.microsoft.com/office/powerpoint/2010/main" val="2516206290"/>
+      </p:ext>
+    </p:extLst>
+  </p:cSld>
+  <p:clrMapOvr>
+    <a:masterClrMapping/>
+  </p:clrMapOvr>
+</p:sld>
+</file>
+
+<file path=ppt/slides/slide21.xml><?xml version="1.0" encoding="utf-8"?>
+<p:sld xmlns:a="http://schemas.openxmlformats.org/drawingml/2006/main" xmlns:r="http://schemas.openxmlformats.org/officeDocument/2006/relationships" xmlns:p="http://schemas.openxmlformats.org/presentationml/2006/main">
+  <p:cSld>
+    <p:spTree>
+      <p:nvGrpSpPr>
+        <p:cNvPr id="1" name=""/>
+        <p:cNvGrpSpPr/>
+        <p:nvPr/>
+      </p:nvGrpSpPr>
+      <p:grpSpPr>
+        <a:xfrm>
+          <a:off x="0" y="0"/>
+          <a:ext cx="0" cy="0"/>
+          <a:chOff x="0" y="0"/>
+          <a:chExt cx="0" cy="0"/>
+        </a:xfrm>
+      </p:grpSpPr>
+      <p:sp>
+        <p:nvSpPr>
+          <p:cNvPr id="2" name="Title 1"/>
+          <p:cNvSpPr>
+            <a:spLocks noGrp="1"/>
+          </p:cNvSpPr>
+          <p:nvPr>
+            <p:ph type="title"/>
+          </p:nvPr>
+        </p:nvSpPr>
+        <p:spPr/>
+        <p:txBody>
+          <a:bodyPr/>
+          <a:lstStyle/>
+          <a:p>
+            <a:r>
+              <a:rPr lang="en-US" dirty="0"/>
+              <a:t>Data races in shared-memory programs</a:t>
+            </a:r>
+          </a:p>
+        </p:txBody>
+      </p:sp>
+      <p:sp>
+        <p:nvSpPr>
+          <p:cNvPr id="4" name="TextBox 3"/>
+          <p:cNvSpPr txBox="1"/>
+          <p:nvPr/>
+        </p:nvSpPr>
+        <p:spPr>
+          <a:xfrm>
+            <a:off x="1544320" y="2677160"/>
+            <a:ext cx="1258678" cy="1200329"/>
+          </a:xfrm>
+          <a:prstGeom prst="rect">
+            <a:avLst/>
+          </a:prstGeom>
+          <a:noFill/>
+        </p:spPr>
+        <p:txBody>
+          <a:bodyPr wrap="none" rtlCol="0">
+            <a:spAutoFit/>
+          </a:bodyPr>
+          <a:lstStyle/>
+          <a:p>
+            <a:r>
+              <a:rPr lang="en-US" sz="2400" dirty="0"/>
+              <a:t>Task A</a:t>
+            </a:r>
+          </a:p>
+          <a:p>
+            <a:endParaRPr lang="en-US" sz="2400" dirty="0"/>
+          </a:p>
+          <a:p>
+            <a:r>
+              <a:rPr lang="en-US" sz="2400" dirty="0"/>
+              <a:t>x = x + 1 </a:t>
+            </a:r>
+          </a:p>
+        </p:txBody>
+      </p:sp>
+      <p:sp>
+        <p:nvSpPr>
+          <p:cNvPr id="5" name="TextBox 4"/>
+          <p:cNvSpPr txBox="1"/>
+          <p:nvPr/>
+        </p:nvSpPr>
+        <p:spPr>
+          <a:xfrm>
+            <a:off x="2133600" y="1981200"/>
+            <a:ext cx="1390445" cy="461665"/>
+          </a:xfrm>
+          <a:prstGeom prst="rect">
+            <a:avLst/>
+          </a:prstGeom>
+          <a:noFill/>
+        </p:spPr>
+        <p:txBody>
+          <a:bodyPr wrap="none" rtlCol="0">
+            <a:spAutoFit/>
+          </a:bodyPr>
+          <a:lstStyle/>
+          <a:p>
+            <a:r>
+              <a:rPr lang="en-US" sz="2400" dirty="0" err="1"/>
+              <a:t>int</a:t>
+            </a:r>
+            <a:r>
+              <a:rPr lang="en-US" sz="2400" dirty="0"/>
+              <a:t> x = 10 </a:t>
+            </a:r>
+          </a:p>
+        </p:txBody>
+      </p:sp>
+      <p:sp>
+        <p:nvSpPr>
+          <p:cNvPr id="6" name="TextBox 5"/>
+          <p:cNvSpPr txBox="1"/>
+          <p:nvPr/>
+        </p:nvSpPr>
+        <p:spPr>
+          <a:xfrm>
+            <a:off x="3083560" y="2677160"/>
+            <a:ext cx="1258678" cy="1200329"/>
+          </a:xfrm>
+          <a:prstGeom prst="rect">
+            <a:avLst/>
+          </a:prstGeom>
+          <a:noFill/>
+        </p:spPr>
+        <p:txBody>
+          <a:bodyPr wrap="none" rtlCol="0">
+            <a:spAutoFit/>
+          </a:bodyPr>
+          <a:lstStyle/>
+          <a:p>
+            <a:r>
+              <a:rPr lang="en-US" sz="2400" dirty="0"/>
+              <a:t>Task B</a:t>
+            </a:r>
+          </a:p>
+          <a:p>
+            <a:endParaRPr lang="en-US" sz="2400" dirty="0"/>
+          </a:p>
+          <a:p>
+            <a:r>
+              <a:rPr lang="en-US" sz="2400" dirty="0"/>
+              <a:t>x = x + 1 </a:t>
+            </a:r>
+          </a:p>
+        </p:txBody>
+      </p:sp>
+      <p:sp>
+        <p:nvSpPr>
+          <p:cNvPr id="7" name="TextBox 6"/>
+          <p:cNvSpPr txBox="1"/>
+          <p:nvPr/>
+        </p:nvSpPr>
+        <p:spPr>
+          <a:xfrm>
+            <a:off x="2181049" y="4975860"/>
+            <a:ext cx="1377300" cy="461665"/>
+          </a:xfrm>
+          <a:prstGeom prst="rect">
+            <a:avLst/>
+          </a:prstGeom>
+          <a:noFill/>
+        </p:spPr>
+        <p:txBody>
+          <a:bodyPr wrap="none" rtlCol="0">
+            <a:spAutoFit/>
+          </a:bodyPr>
+          <a:lstStyle/>
+          <a:p>
+            <a:r>
+              <a:rPr lang="en-US" sz="2400" dirty="0"/>
+              <a:t>x = 12, 11</a:t>
+            </a:r>
+          </a:p>
+        </p:txBody>
+      </p:sp>
+      <p:grpSp>
+        <p:nvGrpSpPr>
+          <p:cNvPr id="3" name="Group 2">
+            <a:extLst>
+              <a:ext uri="{FF2B5EF4-FFF2-40B4-BE49-F238E27FC236}">
+                <a16:creationId xmlns:a16="http://schemas.microsoft.com/office/drawing/2014/main" id="{E33F7EB8-632A-41B3-9E6F-0C12E7F299D3}"/>
+              </a:ext>
+            </a:extLst>
+          </p:cNvPr>
+          <p:cNvGrpSpPr/>
+          <p:nvPr/>
+        </p:nvGrpSpPr>
+        <p:grpSpPr>
+          <a:xfrm>
+            <a:off x="5068536" y="1965960"/>
+            <a:ext cx="6511654" cy="4248805"/>
+            <a:chOff x="5068536" y="1965960"/>
+            <a:chExt cx="6511654" cy="4248805"/>
+          </a:xfrm>
+        </p:grpSpPr>
+        <p:sp>
+          <p:nvSpPr>
+            <p:cNvPr id="8" name="TextBox 7"/>
+            <p:cNvSpPr txBox="1"/>
+            <p:nvPr/>
+          </p:nvSpPr>
+          <p:spPr>
+            <a:xfrm>
+              <a:off x="5068536" y="5753100"/>
+              <a:ext cx="6511654" cy="461665"/>
+            </a:xfrm>
+            <a:prstGeom prst="rect">
+              <a:avLst/>
+            </a:prstGeom>
+            <a:noFill/>
+          </p:spPr>
+          <p:txBody>
+            <a:bodyPr wrap="none" rtlCol="0">
+              <a:spAutoFit/>
+            </a:bodyPr>
+            <a:lstStyle/>
+            <a:p>
+              <a:r>
+                <a:rPr lang="en-US" sz="2400" dirty="0"/>
+                <a:t>Cause behavior that is not sequentially consistent</a:t>
+              </a:r>
+            </a:p>
+          </p:txBody>
+        </p:sp>
+        <p:sp>
+          <p:nvSpPr>
+            <p:cNvPr id="9" name="TextBox 8"/>
+            <p:cNvSpPr txBox="1"/>
+            <p:nvPr/>
+          </p:nvSpPr>
+          <p:spPr>
+            <a:xfrm>
+              <a:off x="6461760" y="2661920"/>
+              <a:ext cx="1345240" cy="1938992"/>
+            </a:xfrm>
+            <a:prstGeom prst="rect">
+              <a:avLst/>
+            </a:prstGeom>
+            <a:noFill/>
+          </p:spPr>
+          <p:txBody>
+            <a:bodyPr wrap="none" rtlCol="0">
+              <a:spAutoFit/>
+            </a:bodyPr>
+            <a:lstStyle/>
+            <a:p>
+              <a:r>
+                <a:rPr lang="en-US" sz="2400" dirty="0"/>
+                <a:t>Task A</a:t>
+              </a:r>
+            </a:p>
+            <a:p>
+              <a:endParaRPr lang="en-US" sz="2400" dirty="0"/>
+            </a:p>
+            <a:p>
+              <a:r>
+                <a:rPr lang="en-US" sz="2400" dirty="0"/>
+                <a:t>x = 1</a:t>
+              </a:r>
+            </a:p>
+            <a:p>
+              <a:r>
+                <a:rPr lang="en-US" sz="2400" dirty="0"/>
+                <a:t>if (y == 0)</a:t>
+              </a:r>
+            </a:p>
+            <a:p>
+              <a:r>
+                <a:rPr lang="en-US" sz="2400" dirty="0"/>
+                <a:t>   print A </a:t>
+              </a:r>
+            </a:p>
+          </p:txBody>
+        </p:sp>
+        <p:sp>
+          <p:nvSpPr>
+            <p:cNvPr id="10" name="TextBox 9"/>
+            <p:cNvSpPr txBox="1"/>
+            <p:nvPr/>
+          </p:nvSpPr>
+          <p:spPr>
+            <a:xfrm>
+              <a:off x="7340600" y="1965960"/>
+              <a:ext cx="1967526" cy="461665"/>
+            </a:xfrm>
+            <a:prstGeom prst="rect">
+              <a:avLst/>
+            </a:prstGeom>
+            <a:noFill/>
+          </p:spPr>
+          <p:txBody>
+            <a:bodyPr wrap="none" rtlCol="0">
+              <a:spAutoFit/>
+            </a:bodyPr>
+            <a:lstStyle/>
+            <a:p>
+              <a:r>
+                <a:rPr lang="en-US" sz="2400" dirty="0" err="1"/>
+                <a:t>int</a:t>
+              </a:r>
+              <a:r>
+                <a:rPr lang="en-US" sz="2400" dirty="0"/>
+                <a:t> x = 0, y = 0 </a:t>
+              </a:r>
+            </a:p>
+          </p:txBody>
+        </p:sp>
+        <p:sp>
+          <p:nvSpPr>
+            <p:cNvPr id="11" name="TextBox 10"/>
+            <p:cNvSpPr txBox="1"/>
+            <p:nvPr/>
+          </p:nvSpPr>
+          <p:spPr>
+            <a:xfrm>
+              <a:off x="8961120" y="2661920"/>
+              <a:ext cx="1366400" cy="1938992"/>
+            </a:xfrm>
+            <a:prstGeom prst="rect">
+              <a:avLst/>
+            </a:prstGeom>
+            <a:noFill/>
+          </p:spPr>
+          <p:txBody>
+            <a:bodyPr wrap="none" rtlCol="0">
+              <a:spAutoFit/>
+            </a:bodyPr>
+            <a:lstStyle/>
+            <a:p>
+              <a:r>
+                <a:rPr lang="en-US" sz="2400" dirty="0"/>
+                <a:t>Task B</a:t>
+              </a:r>
+            </a:p>
+            <a:p>
+              <a:endParaRPr lang="en-US" sz="2400" dirty="0"/>
+            </a:p>
+            <a:p>
+              <a:r>
+                <a:rPr lang="en-US" sz="2400" dirty="0"/>
+                <a:t>y = 1</a:t>
+              </a:r>
+            </a:p>
+            <a:p>
+              <a:r>
+                <a:rPr lang="en-US" sz="2400" dirty="0"/>
+                <a:t>if (x == 0)</a:t>
+              </a:r>
+            </a:p>
+            <a:p>
+              <a:r>
+                <a:rPr lang="en-US" sz="2400" dirty="0"/>
+                <a:t>    print B </a:t>
+              </a:r>
+            </a:p>
+          </p:txBody>
+        </p:sp>
+        <p:sp>
+          <p:nvSpPr>
+            <p:cNvPr id="12" name="TextBox 11"/>
+            <p:cNvSpPr txBox="1"/>
+            <p:nvPr/>
+          </p:nvSpPr>
+          <p:spPr>
+            <a:xfrm>
+              <a:off x="6746655" y="4975860"/>
+              <a:ext cx="3155416" cy="461665"/>
+            </a:xfrm>
+            <a:prstGeom prst="rect">
+              <a:avLst/>
+            </a:prstGeom>
+            <a:noFill/>
+          </p:spPr>
+          <p:txBody>
+            <a:bodyPr wrap="none" rtlCol="0">
+              <a:spAutoFit/>
+            </a:bodyPr>
+            <a:lstStyle/>
+            <a:p>
+              <a:r>
+                <a:rPr lang="en-US" sz="2400" dirty="0"/>
+                <a:t>Console = ., A, B, AB, BA</a:t>
+              </a:r>
+            </a:p>
+          </p:txBody>
+        </p:sp>
+      </p:grpSp>
+      <p:sp>
+        <p:nvSpPr>
+          <p:cNvPr id="13" name="TextBox 12"/>
+          <p:cNvSpPr txBox="1"/>
+          <p:nvPr/>
+        </p:nvSpPr>
+        <p:spPr>
+          <a:xfrm>
+            <a:off x="1107440" y="5753100"/>
+            <a:ext cx="3287951" cy="461665"/>
+          </a:xfrm>
+          <a:prstGeom prst="rect">
+            <a:avLst/>
+          </a:prstGeom>
+          <a:noFill/>
+        </p:spPr>
+        <p:txBody>
+          <a:bodyPr wrap="none" rtlCol="0">
+            <a:spAutoFit/>
+          </a:bodyPr>
+          <a:lstStyle/>
+          <a:p>
+            <a:r>
+              <a:rPr lang="en-US" sz="2400" dirty="0"/>
+              <a:t>Violate desired atomicity</a:t>
+            </a:r>
+          </a:p>
+        </p:txBody>
+      </p:sp>
+    </p:spTree>
+    <p:extLst>
+      <p:ext uri="{BB962C8B-B14F-4D97-AF65-F5344CB8AC3E}">
+        <p14:creationId xmlns:p14="http://schemas.microsoft.com/office/powerpoint/2010/main" val="4283642993"/>
+      </p:ext>
+    </p:extLst>
+  </p:cSld>
+  <p:clrMapOvr>
+    <a:masterClrMapping/>
+  </p:clrMapOvr>
+  <p:timing>
+    <p:tnLst>
+      <p:par>
+        <p:cTn id="1" dur="indefinite" restart="never" nodeType="tmRoot">
+          <p:childTnLst>
+            <p:seq concurrent="1" nextAc="seek">
+              <p:cTn id="2" dur="indefinite" nodeType="mainSeq">
+                <p:childTnLst>
+                  <p:par>
+                    <p:cTn id="3" fill="hold">
+                      <p:stCondLst>
+                        <p:cond delay="indefinite"/>
+                      </p:stCondLst>
+                      <p:childTnLst>
+                        <p:par>
+                          <p:cTn id="4" fill="hold">
+                            <p:stCondLst>
+                              <p:cond delay="0"/>
+                            </p:stCondLst>
+                            <p:childTnLst>
+                              <p:par>
+                                <p:cTn id="5" presetID="1" presetClass="entr" presetSubtype="0" fill="hold" nodeType="clickEffect">
+                                  <p:stCondLst>
+                                    <p:cond delay="0"/>
+                                  </p:stCondLst>
+                                  <p:childTnLst>
+                                    <p:set>
+                                      <p:cBhvr>
+                                        <p:cTn id="6" dur="1" fill="hold">
+                                          <p:stCondLst>
+                                            <p:cond delay="0"/>
+                                          </p:stCondLst>
+                                        </p:cTn>
+                                        <p:tgtEl>
+                                          <p:spTgt spid="3"/>
+                                        </p:tgtEl>
+                                        <p:attrNameLst>
+                                          <p:attrName>style.visibility</p:attrName>
+                                        </p:attrNameLst>
+                                      </p:cBhvr>
+                                      <p:to>
+                                        <p:strVal val="visible"/>
+                                      </p:to>
+                                    </p:set>
+                                  </p:childTnLst>
+                                </p:cTn>
+                              </p:par>
+                            </p:childTnLst>
+                          </p:cTn>
+                        </p:par>
+                      </p:childTnLst>
+                    </p:cTn>
+                  </p:par>
+                </p:childTnLst>
+              </p:cTn>
+              <p:prevCondLst>
+                <p:cond evt="onPrev" delay="0">
+                  <p:tgtEl>
+                    <p:sldTgt/>
+                  </p:tgtEl>
+                </p:cond>
+              </p:prevCondLst>
+              <p:nextCondLst>
+                <p:cond evt="onNext" delay="0">
+                  <p:tgtEl>
+                    <p:sldTgt/>
+                  </p:tgtEl>
+                </p:cond>
+              </p:nextCondLst>
+            </p:seq>
+          </p:childTnLst>
+        </p:cTn>
+      </p:par>
+    </p:tnLst>
+  </p:timing>
+</p:sld>
+</file>
+
+<file path=ppt/slides/slide22.xml><?xml version="1.0" encoding="utf-8"?>
+<p:sld xmlns:a="http://schemas.openxmlformats.org/drawingml/2006/main" xmlns:r="http://schemas.openxmlformats.org/officeDocument/2006/relationships" xmlns:p="http://schemas.openxmlformats.org/presentationml/2006/main">
+  <p:cSld>
+    <p:spTree>
+      <p:nvGrpSpPr>
+        <p:cNvPr id="1" name=""/>
+        <p:cNvGrpSpPr/>
+        <p:nvPr/>
+      </p:nvGrpSpPr>
+      <p:grpSpPr>
+        <a:xfrm>
+          <a:off x="0" y="0"/>
+          <a:ext cx="0" cy="0"/>
+          <a:chOff x="0" y="0"/>
+          <a:chExt cx="0" cy="0"/>
+        </a:xfrm>
+      </p:grpSpPr>
+      <p:sp>
+        <p:nvSpPr>
           <p:cNvPr id="2" name="Title 1"/>
           <p:cNvSpPr>
             <a:spLocks noGrp="1"/>
@@ -8054,7 +8379,7 @@
 </p:sld>
 </file>
 
-<file path=ppt/slides/slide21.xml><?xml version="1.0" encoding="utf-8"?>
+<file path=ppt/slides/slide23.xml><?xml version="1.0" encoding="utf-8"?>
 <p:sld xmlns:a="http://schemas.openxmlformats.org/drawingml/2006/main" xmlns:r="http://schemas.openxmlformats.org/officeDocument/2006/relationships" xmlns:p="http://schemas.openxmlformats.org/presentationml/2006/main">
   <p:cSld>
     <p:spTree>
@@ -8366,7 +8691,7 @@
 </p:sld>
 </file>
 
-<file path=ppt/slides/slide22.xml><?xml version="1.0" encoding="utf-8"?>
+<file path=ppt/slides/slide24.xml><?xml version="1.0" encoding="utf-8"?>
 <p:sld xmlns:a="http://schemas.openxmlformats.org/drawingml/2006/main" xmlns:r="http://schemas.openxmlformats.org/officeDocument/2006/relationships" xmlns:p="http://schemas.openxmlformats.org/presentationml/2006/main">
   <p:cSld>
     <p:spTree>
@@ -8426,7 +8751,7 @@
 </p:sld>
 </file>
 
-<file path=ppt/slides/slide23.xml><?xml version="1.0" encoding="utf-8"?>
+<file path=ppt/slides/slide25.xml><?xml version="1.0" encoding="utf-8"?>
 <p:sld xmlns:a="http://schemas.openxmlformats.org/drawingml/2006/main" xmlns:r="http://schemas.openxmlformats.org/officeDocument/2006/relationships" xmlns:p="http://schemas.openxmlformats.org/presentationml/2006/main">
   <p:cSld>
     <p:spTree>
@@ -8557,7 +8882,7 @@
 </p:sld>
 </file>
 
-<file path=ppt/slides/slide24.xml><?xml version="1.0" encoding="utf-8"?>
+<file path=ppt/slides/slide26.xml><?xml version="1.0" encoding="utf-8"?>
 <p:sld xmlns:a="http://schemas.openxmlformats.org/drawingml/2006/main" xmlns:r="http://schemas.openxmlformats.org/officeDocument/2006/relationships" xmlns:p="http://schemas.openxmlformats.org/presentationml/2006/main">
   <p:cSld>
     <p:spTree>
@@ -12092,7 +12417,7 @@
 </p:sld>
 </file>
 
-<file path=ppt/slides/slide25.xml><?xml version="1.0" encoding="utf-8"?>
+<file path=ppt/slides/slide27.xml><?xml version="1.0" encoding="utf-8"?>
 <p:sld xmlns:a="http://schemas.openxmlformats.org/drawingml/2006/main" xmlns:r="http://schemas.openxmlformats.org/officeDocument/2006/relationships" xmlns:p="http://schemas.openxmlformats.org/presentationml/2006/main">
   <p:cSld>
     <p:spTree>
@@ -12224,114 +12549,7 @@
 </p:sld>
 </file>
 
-<file path=ppt/slides/slide26.xml><?xml version="1.0" encoding="utf-8"?>
-<p:sld xmlns:a="http://schemas.openxmlformats.org/drawingml/2006/main" xmlns:r="http://schemas.openxmlformats.org/officeDocument/2006/relationships" xmlns:p="http://schemas.openxmlformats.org/presentationml/2006/main">
-  <p:cSld>
-    <p:spTree>
-      <p:nvGrpSpPr>
-        <p:cNvPr id="1" name=""/>
-        <p:cNvGrpSpPr/>
-        <p:nvPr/>
-      </p:nvGrpSpPr>
-      <p:grpSpPr>
-        <a:xfrm>
-          <a:off x="0" y="0"/>
-          <a:ext cx="0" cy="0"/>
-          <a:chOff x="0" y="0"/>
-          <a:chExt cx="0" cy="0"/>
-        </a:xfrm>
-      </p:grpSpPr>
-      <p:sp>
-        <p:nvSpPr>
-          <p:cNvPr id="2" name="Title 1"/>
-          <p:cNvSpPr>
-            <a:spLocks noGrp="1"/>
-          </p:cNvSpPr>
-          <p:nvPr>
-            <p:ph type="title"/>
-          </p:nvPr>
-        </p:nvSpPr>
-        <p:spPr/>
-        <p:txBody>
-          <a:bodyPr/>
-          <a:lstStyle/>
-          <a:p>
-            <a:r>
-              <a:rPr lang="en-US" dirty="0"/>
-              <a:t>Lowering P# to C#</a:t>
-            </a:r>
-          </a:p>
-        </p:txBody>
-      </p:sp>
-      <p:sp>
-        <p:nvSpPr>
-          <p:cNvPr id="3" name="Content Placeholder 2"/>
-          <p:cNvSpPr>
-            <a:spLocks noGrp="1"/>
-          </p:cNvSpPr>
-          <p:nvPr>
-            <p:ph idx="1"/>
-          </p:nvPr>
-        </p:nvSpPr>
-        <p:spPr/>
-        <p:txBody>
-          <a:bodyPr>
-            <a:normAutofit/>
-          </a:bodyPr>
-          <a:lstStyle/>
-          <a:p>
-            <a:r>
-              <a:rPr lang="en-US" dirty="0"/>
-              <a:t>Top-down recursive descent parsing</a:t>
-            </a:r>
-          </a:p>
-          <a:p>
-            <a:r>
-              <a:rPr lang="en-US" dirty="0"/>
-              <a:t>P# syntax nodes are rewritten to C#</a:t>
-            </a:r>
-          </a:p>
-          <a:p>
-            <a:r>
-              <a:rPr lang="en-US" dirty="0"/>
-              <a:t>C# statements and expressions are parsed verbatim (as a black box)</a:t>
-            </a:r>
-          </a:p>
-          <a:p>
-            <a:pPr lvl="1"/>
-            <a:r>
-              <a:rPr lang="en-US" dirty="0"/>
-              <a:t>No need to re-invent the wheel (i.e. C# parser)</a:t>
-            </a:r>
-          </a:p>
-          <a:p>
-            <a:r>
-              <a:rPr lang="en-US" dirty="0"/>
-              <a:t>Rewritten syntax tree is compiled using the Roslyn compiler APIs</a:t>
-            </a:r>
-          </a:p>
-          <a:p>
-            <a:r>
-              <a:rPr lang="en-US" dirty="0"/>
-              <a:t>The C# code is made available to the compiler, which enables IntelliSense</a:t>
-            </a:r>
-          </a:p>
-        </p:txBody>
-      </p:sp>
-    </p:spTree>
-    <p:extLst>
-      <p:ext uri="{BB962C8B-B14F-4D97-AF65-F5344CB8AC3E}">
-        <p14:creationId xmlns:p14="http://schemas.microsoft.com/office/powerpoint/2010/main" val="991596060"/>
-      </p:ext>
-    </p:extLst>
-  </p:cSld>
-  <p:clrMapOvr>
-    <a:masterClrMapping/>
-  </p:clrMapOvr>
-</p:sld>
-</file>
-
-<file path=ppt/slides/slide27.xml><?xml version="1.0" encoding="utf-8"?>
+<file path=ppt/slides/slide28.xml><?xml version="1.0" encoding="utf-8"?>
 <p:sld xmlns:a="http://schemas.openxmlformats.org/drawingml/2006/main" xmlns:r="http://schemas.openxmlformats.org/officeDocument/2006/relationships" xmlns:p="http://schemas.openxmlformats.org/presentationml/2006/main">
   <p:cSld>
     <p:spTree>
@@ -13706,166 +13924,6 @@
 </p:sld>
 </file>
 
-<file path=ppt/slides/slide28.xml><?xml version="1.0" encoding="utf-8"?>
-<p:sld xmlns:a="http://schemas.openxmlformats.org/drawingml/2006/main" xmlns:r="http://schemas.openxmlformats.org/officeDocument/2006/relationships" xmlns:p="http://schemas.openxmlformats.org/presentationml/2006/main">
-  <p:cSld>
-    <p:spTree>
-      <p:nvGrpSpPr>
-        <p:cNvPr id="1" name=""/>
-        <p:cNvGrpSpPr/>
-        <p:nvPr/>
-      </p:nvGrpSpPr>
-      <p:grpSpPr>
-        <a:xfrm>
-          <a:off x="0" y="0"/>
-          <a:ext cx="0" cy="0"/>
-          <a:chOff x="0" y="0"/>
-          <a:chExt cx="0" cy="0"/>
-        </a:xfrm>
-      </p:grpSpPr>
-      <p:sp>
-        <p:nvSpPr>
-          <p:cNvPr id="2" name="Title 1"/>
-          <p:cNvSpPr>
-            <a:spLocks noGrp="1"/>
-          </p:cNvSpPr>
-          <p:nvPr>
-            <p:ph type="title"/>
-          </p:nvPr>
-        </p:nvSpPr>
-        <p:spPr/>
-        <p:txBody>
-          <a:bodyPr/>
-          <a:lstStyle/>
-          <a:p>
-            <a:r>
-              <a:rPr lang="en-US" dirty="0"/>
-              <a:t>P# Tester</a:t>
-            </a:r>
-          </a:p>
-        </p:txBody>
-      </p:sp>
-      <p:sp>
-        <p:nvSpPr>
-          <p:cNvPr id="3" name="Content Placeholder 2"/>
-          <p:cNvSpPr>
-            <a:spLocks noGrp="1"/>
-          </p:cNvSpPr>
-          <p:nvPr>
-            <p:ph idx="1"/>
-          </p:nvPr>
-        </p:nvSpPr>
-        <p:spPr/>
-        <p:txBody>
-          <a:bodyPr>
-            <a:normAutofit fontScale="92500" lnSpcReduction="20000"/>
-          </a:bodyPr>
-          <a:lstStyle/>
-          <a:p>
-            <a:r>
-              <a:rPr lang="en-US" dirty="0"/>
-              <a:t>Executes a given P# test method using the P# bug-finding runtime:</a:t>
-            </a:r>
-          </a:p>
-          <a:p>
-            <a:pPr lvl="1"/>
-            <a:r>
-              <a:rPr lang="en-US" dirty="0"/>
-              <a:t>Takes control of the machine scheduler</a:t>
-            </a:r>
-          </a:p>
-          <a:p>
-            <a:pPr lvl="1"/>
-            <a:r>
-              <a:rPr lang="en-US" dirty="0"/>
-              <a:t>Serializes program execution</a:t>
-            </a:r>
-          </a:p>
-          <a:p>
-            <a:pPr lvl="1"/>
-            <a:r>
-              <a:rPr lang="en-US" dirty="0"/>
-              <a:t>Runs the P# test from start to finish, for a user-specified number of iterations, each time executing a (potentially) different schedule</a:t>
-            </a:r>
-          </a:p>
-          <a:p>
-            <a:pPr lvl="1"/>
-            <a:r>
-              <a:rPr lang="en-US" dirty="0"/>
-              <a:t>Iterations can be parallelized on </a:t>
-            </a:r>
-            <a:r>
-              <a:rPr lang="en-US"/>
-              <a:t>the cloud!</a:t>
-            </a:r>
-            <a:endParaRPr lang="en-US" dirty="0"/>
-          </a:p>
-          <a:p>
-            <a:r>
-              <a:rPr lang="en-US" dirty="0"/>
-              <a:t>If a bug is found, the tester dumps:</a:t>
-            </a:r>
-          </a:p>
-          <a:p>
-            <a:pPr lvl="1"/>
-            <a:r>
-              <a:rPr lang="en-US" dirty="0"/>
-              <a:t>Reproducible trace</a:t>
-            </a:r>
-          </a:p>
-          <a:p>
-            <a:pPr lvl="1"/>
-            <a:r>
-              <a:rPr lang="en-US" dirty="0"/>
-              <a:t>Human-readable log of all events that led to the bug</a:t>
-            </a:r>
-          </a:p>
-          <a:p>
-            <a:pPr lvl="1"/>
-            <a:r>
-              <a:rPr lang="en-US" dirty="0"/>
-              <a:t>Various statistics (e.g. coverage)</a:t>
-            </a:r>
-          </a:p>
-          <a:p>
-            <a:r>
-              <a:rPr lang="en-US" dirty="0" err="1"/>
-              <a:t>Replayer</a:t>
-            </a:r>
-            <a:r>
-              <a:rPr lang="en-US" dirty="0"/>
-              <a:t> tool can replay the buggy schedule</a:t>
-            </a:r>
-          </a:p>
-          <a:p>
-            <a:pPr lvl="1"/>
-            <a:r>
-              <a:rPr lang="en-US" dirty="0"/>
-              <a:t>Allows to attach the visual studio debugger</a:t>
-            </a:r>
-          </a:p>
-          <a:p>
-            <a:pPr lvl="1"/>
-            <a:r>
-              <a:rPr lang="en-US" dirty="0"/>
-              <a:t>User can insert breakpoints</a:t>
-            </a:r>
-          </a:p>
-        </p:txBody>
-      </p:sp>
-    </p:spTree>
-    <p:extLst>
-      <p:ext uri="{BB962C8B-B14F-4D97-AF65-F5344CB8AC3E}">
-        <p14:creationId xmlns:p14="http://schemas.microsoft.com/office/powerpoint/2010/main" val="2027814071"/>
-      </p:ext>
-    </p:extLst>
-  </p:cSld>
-  <p:clrMapOvr>
-    <a:masterClrMapping/>
-  </p:clrMapOvr>
-</p:sld>
-</file>
-
 <file path=ppt/slides/slide29.xml><?xml version="1.0" encoding="utf-8"?>
 <p:sld xmlns:a="http://schemas.openxmlformats.org/drawingml/2006/main" xmlns:r="http://schemas.openxmlformats.org/officeDocument/2006/relationships" xmlns:p="http://schemas.openxmlformats.org/presentationml/2006/main">
   <p:cSld>
@@ -13900,44 +13958,123 @@
           <a:p>
             <a:r>
               <a:rPr lang="en-US" dirty="0"/>
-              <a:t>Screenshot: VS debugging</a:t>
+              <a:t>P# Tester</a:t>
             </a:r>
           </a:p>
         </p:txBody>
       </p:sp>
-      <p:pic>
-        <p:nvPicPr>
-          <p:cNvPr id="4" name="Content Placeholder 3"/>
-          <p:cNvPicPr>
-            <a:picLocks noGrp="1" noChangeAspect="1"/>
-          </p:cNvPicPr>
+      <p:sp>
+        <p:nvSpPr>
+          <p:cNvPr id="3" name="Content Placeholder 2"/>
+          <p:cNvSpPr>
+            <a:spLocks noGrp="1"/>
+          </p:cNvSpPr>
           <p:nvPr>
             <p:ph idx="1"/>
           </p:nvPr>
-        </p:nvPicPr>
-        <p:blipFill>
-          <a:blip r:embed="rId2" cstate="print">
-            <a:extLst>
-              <a:ext uri="{28A0092B-C50C-407E-A947-70E740481C1C}">
-                <a14:useLocalDpi xmlns:a14="http://schemas.microsoft.com/office/drawing/2010/main" val="0"/>
-              </a:ext>
-            </a:extLst>
-          </a:blip>
-          <a:stretch>
-            <a:fillRect/>
-          </a:stretch>
-        </p:blipFill>
-        <p:spPr>
-          <a:xfrm>
-            <a:off x="838200" y="1493115"/>
-            <a:ext cx="9090891" cy="5113626"/>
-          </a:xfrm>
-        </p:spPr>
-      </p:pic>
+        </p:nvSpPr>
+        <p:spPr/>
+        <p:txBody>
+          <a:bodyPr>
+            <a:normAutofit fontScale="92500" lnSpcReduction="20000"/>
+          </a:bodyPr>
+          <a:lstStyle/>
+          <a:p>
+            <a:r>
+              <a:rPr lang="en-US" dirty="0"/>
+              <a:t>Executes a given P# test method using the P# bug-finding runtime:</a:t>
+            </a:r>
+          </a:p>
+          <a:p>
+            <a:pPr lvl="1"/>
+            <a:r>
+              <a:rPr lang="en-US" dirty="0"/>
+              <a:t>Takes control of the machine scheduler</a:t>
+            </a:r>
+          </a:p>
+          <a:p>
+            <a:pPr lvl="1"/>
+            <a:r>
+              <a:rPr lang="en-US" dirty="0"/>
+              <a:t>Serializes program execution</a:t>
+            </a:r>
+          </a:p>
+          <a:p>
+            <a:pPr lvl="1"/>
+            <a:r>
+              <a:rPr lang="en-US" dirty="0"/>
+              <a:t>Runs the P# test from start to finish, for a user-specified number of iterations, each time executing a (potentially) different schedule</a:t>
+            </a:r>
+          </a:p>
+          <a:p>
+            <a:pPr lvl="1"/>
+            <a:r>
+              <a:rPr lang="en-US" dirty="0"/>
+              <a:t>Iterations can be parallelized on </a:t>
+            </a:r>
+            <a:r>
+              <a:rPr lang="en-US"/>
+              <a:t>the cloud!</a:t>
+            </a:r>
+            <a:endParaRPr lang="en-US" dirty="0"/>
+          </a:p>
+          <a:p>
+            <a:r>
+              <a:rPr lang="en-US" dirty="0"/>
+              <a:t>If a bug is found, the tester dumps:</a:t>
+            </a:r>
+          </a:p>
+          <a:p>
+            <a:pPr lvl="1"/>
+            <a:r>
+              <a:rPr lang="en-US" dirty="0"/>
+              <a:t>Reproducible trace</a:t>
+            </a:r>
+          </a:p>
+          <a:p>
+            <a:pPr lvl="1"/>
+            <a:r>
+              <a:rPr lang="en-US" dirty="0"/>
+              <a:t>Human-readable log of all events that led to the bug</a:t>
+            </a:r>
+          </a:p>
+          <a:p>
+            <a:pPr lvl="1"/>
+            <a:r>
+              <a:rPr lang="en-US" dirty="0"/>
+              <a:t>Various statistics (e.g. coverage)</a:t>
+            </a:r>
+          </a:p>
+          <a:p>
+            <a:r>
+              <a:rPr lang="en-US" dirty="0" err="1"/>
+              <a:t>Replayer</a:t>
+            </a:r>
+            <a:r>
+              <a:rPr lang="en-US" dirty="0"/>
+              <a:t> tool can replay the buggy schedule</a:t>
+            </a:r>
+          </a:p>
+          <a:p>
+            <a:pPr lvl="1"/>
+            <a:r>
+              <a:rPr lang="en-US" dirty="0"/>
+              <a:t>Allows to attach the visual studio debugger</a:t>
+            </a:r>
+          </a:p>
+          <a:p>
+            <a:pPr lvl="1"/>
+            <a:r>
+              <a:rPr lang="en-US" dirty="0"/>
+              <a:t>User can insert breakpoints</a:t>
+            </a:r>
+          </a:p>
+        </p:txBody>
+      </p:sp>
     </p:spTree>
     <p:extLst>
       <p:ext uri="{BB962C8B-B14F-4D97-AF65-F5344CB8AC3E}">
-        <p14:creationId xmlns:p14="http://schemas.microsoft.com/office/powerpoint/2010/main" val="4203720449"/>
+        <p14:creationId xmlns:p14="http://schemas.microsoft.com/office/powerpoint/2010/main" val="2027814071"/>
       </p:ext>
     </p:extLst>
   </p:cSld>
@@ -15883,6 +16020,87 @@
 </file>
 
 <file path=ppt/slides/slide30.xml><?xml version="1.0" encoding="utf-8"?>
+<p:sld xmlns:a="http://schemas.openxmlformats.org/drawingml/2006/main" xmlns:r="http://schemas.openxmlformats.org/officeDocument/2006/relationships" xmlns:p="http://schemas.openxmlformats.org/presentationml/2006/main">
+  <p:cSld>
+    <p:spTree>
+      <p:nvGrpSpPr>
+        <p:cNvPr id="1" name=""/>
+        <p:cNvGrpSpPr/>
+        <p:nvPr/>
+      </p:nvGrpSpPr>
+      <p:grpSpPr>
+        <a:xfrm>
+          <a:off x="0" y="0"/>
+          <a:ext cx="0" cy="0"/>
+          <a:chOff x="0" y="0"/>
+          <a:chExt cx="0" cy="0"/>
+        </a:xfrm>
+      </p:grpSpPr>
+      <p:sp>
+        <p:nvSpPr>
+          <p:cNvPr id="2" name="Title 1"/>
+          <p:cNvSpPr>
+            <a:spLocks noGrp="1"/>
+          </p:cNvSpPr>
+          <p:nvPr>
+            <p:ph type="title"/>
+          </p:nvPr>
+        </p:nvSpPr>
+        <p:spPr/>
+        <p:txBody>
+          <a:bodyPr/>
+          <a:lstStyle/>
+          <a:p>
+            <a:r>
+              <a:rPr lang="en-US" dirty="0"/>
+              <a:t>Screenshot: VS debugging</a:t>
+            </a:r>
+          </a:p>
+        </p:txBody>
+      </p:sp>
+      <p:pic>
+        <p:nvPicPr>
+          <p:cNvPr id="4" name="Content Placeholder 3"/>
+          <p:cNvPicPr>
+            <a:picLocks noGrp="1" noChangeAspect="1"/>
+          </p:cNvPicPr>
+          <p:nvPr>
+            <p:ph idx="1"/>
+          </p:nvPr>
+        </p:nvPicPr>
+        <p:blipFill>
+          <a:blip r:embed="rId2" cstate="print">
+            <a:extLst>
+              <a:ext uri="{28A0092B-C50C-407E-A947-70E740481C1C}">
+                <a14:useLocalDpi xmlns:a14="http://schemas.microsoft.com/office/drawing/2010/main" val="0"/>
+              </a:ext>
+            </a:extLst>
+          </a:blip>
+          <a:stretch>
+            <a:fillRect/>
+          </a:stretch>
+        </p:blipFill>
+        <p:spPr>
+          <a:xfrm>
+            <a:off x="838200" y="1493115"/>
+            <a:ext cx="9090891" cy="5113626"/>
+          </a:xfrm>
+        </p:spPr>
+      </p:pic>
+    </p:spTree>
+    <p:extLst>
+      <p:ext uri="{BB962C8B-B14F-4D97-AF65-F5344CB8AC3E}">
+        <p14:creationId xmlns:p14="http://schemas.microsoft.com/office/powerpoint/2010/main" val="4203720449"/>
+      </p:ext>
+    </p:extLst>
+  </p:cSld>
+  <p:clrMapOvr>
+    <a:masterClrMapping/>
+  </p:clrMapOvr>
+</p:sld>
+</file>
+
+<file path=ppt/slides/slide31.xml><?xml version="1.0" encoding="utf-8"?>
 <p:sld xmlns:a="http://schemas.openxmlformats.org/drawingml/2006/main" xmlns:r="http://schemas.openxmlformats.org/officeDocument/2006/relationships" xmlns:p="http://schemas.openxmlformats.org/presentationml/2006/main">
   <p:cSld>
     <p:spTree>
@@ -19454,6 +19672,19 @@
           <a:p>
             <a:r>
               <a:rPr lang="en-US" dirty="0"/>
+              <a:t>Failure modeling</a:t>
+            </a:r>
+          </a:p>
+          <a:p>
+            <a:pPr lvl="1"/>
+            <a:r>
+              <a:rPr lang="en-US" dirty="0"/>
+              <a:t>Failover</a:t>
+            </a:r>
+          </a:p>
+          <a:p>
+            <a:r>
+              <a:rPr lang="en-US" dirty="0"/>
               <a:t>Unit interaction tests</a:t>
             </a:r>
           </a:p>
@@ -19465,21 +19696,13 @@
             </a:r>
             <a:r>
               <a:rPr lang="en-US" dirty="0"/>
-              <a:t>, Failover</a:t>
-            </a:r>
-          </a:p>
-          <a:p>
-            <a:r>
-              <a:rPr lang="en-US" dirty="0"/>
-              <a:t>Failure modeling</a:t>
-            </a:r>
-          </a:p>
-          <a:p>
-            <a:pPr lvl="1"/>
-            <a:r>
-              <a:rPr lang="en-US" dirty="0"/>
-              <a:t>Failover</a:t>
-            </a:r>
+              <a:t>, Failover, </a:t>
+            </a:r>
+            <a:r>
+              <a:rPr lang="en-US"/>
+              <a:t>CoffeeMachine</a:t>
+            </a:r>
+            <a:endParaRPr lang="en-US" dirty="0"/>
           </a:p>
           <a:p>
             <a:r>

--- a/Tutorial/P-tutorial.pptx
+++ b/Tutorial/P-tutorial.pptx
@@ -231,7 +231,7 @@
           <a:p>
             <a:fld id="{4D6C1395-F38E-4BBC-A387-C9D21622F6E5}" type="datetimeFigureOut">
               <a:rPr lang="en-US" smtClean="0"/>
-              <a:t>6/13/2017</a:t>
+              <a:t>6/15/2017</a:t>
             </a:fld>
             <a:endParaRPr lang="en-US"/>
           </a:p>
@@ -701,7 +701,7 @@
           <a:p>
             <a:fld id="{DCC5E34C-0BEF-42D1-A3A4-98A0EFA3EE0B}" type="datetime8">
               <a:rPr lang="en-US" smtClean="0"/>
-              <a:t>6/13/2017 9:13 PM</a:t>
+              <a:t>6/15/2017 9:10 AM</a:t>
             </a:fld>
             <a:endParaRPr lang="en-US" dirty="0"/>
           </a:p>
@@ -873,7 +873,7 @@
           <a:p>
             <a:fld id="{4E05C90B-F8EE-4FB7-AEE7-9B0B98AB9CDF}" type="datetimeFigureOut">
               <a:rPr lang="en-US" smtClean="0"/>
-              <a:t>6/13/2017</a:t>
+              <a:t>6/15/2017</a:t>
             </a:fld>
             <a:endParaRPr lang="en-US"/>
           </a:p>
@@ -1041,7 +1041,7 @@
           <a:p>
             <a:fld id="{4E05C90B-F8EE-4FB7-AEE7-9B0B98AB9CDF}" type="datetimeFigureOut">
               <a:rPr lang="en-US" smtClean="0"/>
-              <a:t>6/13/2017</a:t>
+              <a:t>6/15/2017</a:t>
             </a:fld>
             <a:endParaRPr lang="en-US"/>
           </a:p>
@@ -1219,7 +1219,7 @@
           <a:p>
             <a:fld id="{4E05C90B-F8EE-4FB7-AEE7-9B0B98AB9CDF}" type="datetimeFigureOut">
               <a:rPr lang="en-US" smtClean="0"/>
-              <a:t>6/13/2017</a:t>
+              <a:t>6/15/2017</a:t>
             </a:fld>
             <a:endParaRPr lang="en-US"/>
           </a:p>
@@ -1534,7 +1534,7 @@
           <a:p>
             <a:fld id="{4E05C90B-F8EE-4FB7-AEE7-9B0B98AB9CDF}" type="datetimeFigureOut">
               <a:rPr lang="en-US" smtClean="0"/>
-              <a:t>6/13/2017</a:t>
+              <a:t>6/15/2017</a:t>
             </a:fld>
             <a:endParaRPr lang="en-US"/>
           </a:p>
@@ -1779,7 +1779,7 @@
           <a:p>
             <a:fld id="{4E05C90B-F8EE-4FB7-AEE7-9B0B98AB9CDF}" type="datetimeFigureOut">
               <a:rPr lang="en-US" smtClean="0"/>
-              <a:t>6/13/2017</a:t>
+              <a:t>6/15/2017</a:t>
             </a:fld>
             <a:endParaRPr lang="en-US"/>
           </a:p>
@@ -2008,7 +2008,7 @@
           <a:p>
             <a:fld id="{4E05C90B-F8EE-4FB7-AEE7-9B0B98AB9CDF}" type="datetimeFigureOut">
               <a:rPr lang="en-US" smtClean="0"/>
-              <a:t>6/13/2017</a:t>
+              <a:t>6/15/2017</a:t>
             </a:fld>
             <a:endParaRPr lang="en-US"/>
           </a:p>
@@ -2372,7 +2372,7 @@
           <a:p>
             <a:fld id="{4E05C90B-F8EE-4FB7-AEE7-9B0B98AB9CDF}" type="datetimeFigureOut">
               <a:rPr lang="en-US" smtClean="0"/>
-              <a:t>6/13/2017</a:t>
+              <a:t>6/15/2017</a:t>
             </a:fld>
             <a:endParaRPr lang="en-US"/>
           </a:p>
@@ -2489,7 +2489,7 @@
           <a:p>
             <a:fld id="{4E05C90B-F8EE-4FB7-AEE7-9B0B98AB9CDF}" type="datetimeFigureOut">
               <a:rPr lang="en-US" smtClean="0"/>
-              <a:t>6/13/2017</a:t>
+              <a:t>6/15/2017</a:t>
             </a:fld>
             <a:endParaRPr lang="en-US"/>
           </a:p>
@@ -2584,7 +2584,7 @@
           <a:p>
             <a:fld id="{4E05C90B-F8EE-4FB7-AEE7-9B0B98AB9CDF}" type="datetimeFigureOut">
               <a:rPr lang="en-US" smtClean="0"/>
-              <a:t>6/13/2017</a:t>
+              <a:t>6/15/2017</a:t>
             </a:fld>
             <a:endParaRPr lang="en-US"/>
           </a:p>
@@ -2859,7 +2859,7 @@
           <a:p>
             <a:fld id="{4E05C90B-F8EE-4FB7-AEE7-9B0B98AB9CDF}" type="datetimeFigureOut">
               <a:rPr lang="en-US" smtClean="0"/>
-              <a:t>6/13/2017</a:t>
+              <a:t>6/15/2017</a:t>
             </a:fld>
             <a:endParaRPr lang="en-US"/>
           </a:p>
@@ -3111,7 +3111,7 @@
           <a:p>
             <a:fld id="{4E05C90B-F8EE-4FB7-AEE7-9B0B98AB9CDF}" type="datetimeFigureOut">
               <a:rPr lang="en-US" smtClean="0"/>
-              <a:t>6/13/2017</a:t>
+              <a:t>6/15/2017</a:t>
             </a:fld>
             <a:endParaRPr lang="en-US"/>
           </a:p>
@@ -3322,7 +3322,7 @@
           <a:p>
             <a:fld id="{4E05C90B-F8EE-4FB7-AEE7-9B0B98AB9CDF}" type="datetimeFigureOut">
               <a:rPr lang="en-US" smtClean="0"/>
-              <a:t>6/13/2017</a:t>
+              <a:t>6/15/2017</a:t>
             </a:fld>
             <a:endParaRPr lang="en-US"/>
           </a:p>
@@ -18046,81 +18046,6 @@
   <p:clrMapOvr>
     <a:masterClrMapping/>
   </p:clrMapOvr>
-  <p:timing>
-    <p:tnLst>
-      <p:par>
-        <p:cTn id="1" dur="indefinite" restart="never" nodeType="tmRoot">
-          <p:childTnLst>
-            <p:seq concurrent="1" nextAc="seek">
-              <p:cTn id="2" dur="indefinite" nodeType="mainSeq">
-                <p:childTnLst>
-                  <p:par>
-                    <p:cTn id="3" fill="hold">
-                      <p:stCondLst>
-                        <p:cond delay="indefinite"/>
-                      </p:stCondLst>
-                      <p:childTnLst>
-                        <p:par>
-                          <p:cTn id="4" fill="hold">
-                            <p:stCondLst>
-                              <p:cond delay="0"/>
-                            </p:stCondLst>
-                            <p:childTnLst>
-                              <p:par>
-                                <p:cTn id="5" presetID="1" presetClass="entr" presetSubtype="0" fill="hold" nodeType="clickEffect">
-                                  <p:stCondLst>
-                                    <p:cond delay="0"/>
-                                  </p:stCondLst>
-                                  <p:childTnLst>
-                                    <p:set>
-                                      <p:cBhvr>
-                                        <p:cTn id="6" dur="1" fill="hold">
-                                          <p:stCondLst>
-                                            <p:cond delay="0"/>
-                                          </p:stCondLst>
-                                        </p:cTn>
-                                        <p:tgtEl>
-                                          <p:spTgt spid="2"/>
-                                        </p:tgtEl>
-                                        <p:attrNameLst>
-                                          <p:attrName>style.visibility</p:attrName>
-                                        </p:attrNameLst>
-                                      </p:cBhvr>
-                                      <p:to>
-                                        <p:strVal val="visible"/>
-                                      </p:to>
-                                    </p:set>
-                                  </p:childTnLst>
-                                </p:cTn>
-                              </p:par>
-                            </p:childTnLst>
-                          </p:cTn>
-                        </p:par>
-                      </p:childTnLst>
-                    </p:cTn>
-                  </p:par>
-                </p:childTnLst>
-              </p:cTn>
-              <p:prevCondLst>
-                <p:cond evt="onPrev" delay="0">
-                  <p:tgtEl>
-                    <p:sldTgt/>
-                  </p:tgtEl>
-                </p:cond>
-              </p:prevCondLst>
-              <p:nextCondLst>
-                <p:cond evt="onNext" delay="0">
-                  <p:tgtEl>
-                    <p:sldTgt/>
-                  </p:tgtEl>
-                </p:cond>
-              </p:nextCondLst>
-            </p:seq>
-          </p:childTnLst>
-        </p:cTn>
-      </p:par>
-    </p:tnLst>
-  </p:timing>
 </p:sld>
 </file>
 
@@ -18159,13 +18084,13 @@
         </p:spPr>
         <p:txBody>
           <a:bodyPr>
-            <a:normAutofit/>
+            <a:normAutofit fontScale="90000"/>
           </a:bodyPr>
           <a:lstStyle/>
           <a:p>
             <a:r>
               <a:rPr lang="en-US" dirty="0"/>
-              <a:t>P: A language for writing asynchronous controllers</a:t>
+              <a:t>P: A domain-specific language for asynchronous controllers</a:t>
             </a:r>
           </a:p>
         </p:txBody>
@@ -18178,7 +18103,7 @@
         </p:nvSpPr>
         <p:spPr bwMode="auto">
           <a:xfrm>
-            <a:off x="3496397" y="4863254"/>
+            <a:off x="3496397" y="5584614"/>
             <a:ext cx="1882472" cy="896425"/>
           </a:xfrm>
           <a:prstGeom prst="rect">
@@ -18254,8 +18179,8 @@
         </p:nvSpPr>
         <p:spPr>
           <a:xfrm>
-            <a:off x="3675680" y="4952906"/>
-            <a:ext cx="1386391" cy="724135"/>
+            <a:off x="3675680" y="5670759"/>
+            <a:ext cx="1529955" cy="724135"/>
           </a:xfrm>
           <a:prstGeom prst="rect">
             <a:avLst/>
@@ -18284,26 +18209,8 @@
                   </a:schemeClr>
                 </a:solidFill>
               </a:rPr>
-              <a:t>P </a:t>
-            </a:r>
-            <a:r>
-              <a:rPr lang="en-US" sz="3137" dirty="0">
-                <a:solidFill>
-                  <a:schemeClr val="tx1">
-                    <a:lumMod val="50000"/>
-                  </a:schemeClr>
-                </a:solidFill>
-                <a:sym typeface="Symbol" panose="05050102010706020507" pitchFamily="18" charset="2"/>
-              </a:rPr>
-              <a:t> C</a:t>
-            </a:r>
-            <a:endParaRPr lang="en-US" sz="3137" dirty="0">
-              <a:solidFill>
-                <a:schemeClr val="tx1">
-                  <a:lumMod val="50000"/>
-                </a:schemeClr>
-              </a:solidFill>
-            </a:endParaRPr>
+              <a:t>PRT (C)</a:t>
+            </a:r>
           </a:p>
         </p:txBody>
       </p:sp>
@@ -18315,7 +18222,7 @@
         </p:nvSpPr>
         <p:spPr bwMode="auto">
           <a:xfrm>
-            <a:off x="6364926" y="4863254"/>
+            <a:off x="6364926" y="5584614"/>
             <a:ext cx="1882472" cy="896425"/>
           </a:xfrm>
           <a:prstGeom prst="rect">
@@ -18391,8 +18298,8 @@
         </p:nvSpPr>
         <p:spPr>
           <a:xfrm>
-            <a:off x="6295656" y="4952906"/>
-            <a:ext cx="1790091" cy="724135"/>
+            <a:off x="6382016" y="5670759"/>
+            <a:ext cx="1859276" cy="724135"/>
           </a:xfrm>
           <a:prstGeom prst="rect">
             <a:avLst/>
@@ -18420,19 +18327,9 @@
                     <a:lumMod val="50000"/>
                   </a:schemeClr>
                 </a:solidFill>
-              </a:rPr>
-              <a:t>P </a:t>
-            </a:r>
-            <a:r>
-              <a:rPr lang="en-US" sz="3137" dirty="0">
-                <a:solidFill>
-                  <a:schemeClr val="tx1">
-                    <a:lumMod val="50000"/>
-                  </a:schemeClr>
-                </a:solidFill>
                 <a:sym typeface="Symbol" panose="05050102010706020507" pitchFamily="18" charset="2"/>
               </a:rPr>
-              <a:t> C++</a:t>
+              <a:t>P# (.NET)</a:t>
             </a:r>
             <a:endParaRPr lang="en-US" sz="3137" dirty="0">
               <a:solidFill>
@@ -18452,7 +18349,7 @@
         </p:nvSpPr>
         <p:spPr bwMode="auto">
           <a:xfrm>
-            <a:off x="9233454" y="4863254"/>
+            <a:off x="9233454" y="5584614"/>
             <a:ext cx="1882472" cy="896425"/>
           </a:xfrm>
           <a:prstGeom prst="rect">
@@ -18528,8 +18425,8 @@
         </p:nvSpPr>
         <p:spPr>
           <a:xfrm>
-            <a:off x="9312729" y="4952906"/>
-            <a:ext cx="1586766" cy="724135"/>
+            <a:off x="9302569" y="5670759"/>
+            <a:ext cx="1727574" cy="724135"/>
           </a:xfrm>
           <a:prstGeom prst="rect">
             <a:avLst/>
@@ -18558,26 +18455,8 @@
                   </a:schemeClr>
                 </a:solidFill>
               </a:rPr>
-              <a:t>P </a:t>
-            </a:r>
-            <a:r>
-              <a:rPr lang="en-US" sz="3137" dirty="0">
-                <a:solidFill>
-                  <a:schemeClr val="tx1">
-                    <a:lumMod val="50000"/>
-                  </a:schemeClr>
-                </a:solidFill>
-                <a:sym typeface="Symbol" panose="05050102010706020507" pitchFamily="18" charset="2"/>
-              </a:rPr>
-              <a:t> C#</a:t>
-            </a:r>
-            <a:endParaRPr lang="en-US" sz="3137" dirty="0">
-              <a:solidFill>
-                <a:schemeClr val="tx1">
-                  <a:lumMod val="50000"/>
-                </a:schemeClr>
-              </a:solidFill>
-            </a:endParaRPr>
+              <a:t>P3 (C++)</a:t>
+            </a:r>
           </a:p>
         </p:txBody>
       </p:sp>
@@ -18590,7 +18469,7 @@
         <p:spPr bwMode="auto">
           <a:xfrm>
             <a:off x="2599982" y="3886195"/>
-            <a:ext cx="9412358" cy="2142409"/>
+            <a:ext cx="9412358" cy="2727965"/>
           </a:xfrm>
           <a:prstGeom prst="rect">
             <a:avLst/>
@@ -18661,7 +18540,7 @@
         </p:nvSpPr>
         <p:spPr>
           <a:xfrm>
-            <a:off x="2958548" y="4114031"/>
+            <a:off x="2958548" y="3905751"/>
             <a:ext cx="1200443" cy="724135"/>
           </a:xfrm>
           <a:prstGeom prst="rect">
@@ -18710,7 +18589,7 @@
         </p:nvSpPr>
         <p:spPr>
           <a:xfrm>
-            <a:off x="4572094" y="4114031"/>
+            <a:off x="4572094" y="3905751"/>
             <a:ext cx="1580354" cy="724135"/>
           </a:xfrm>
           <a:prstGeom prst="rect">
@@ -18759,7 +18638,7 @@
         </p:nvSpPr>
         <p:spPr>
           <a:xfrm>
-            <a:off x="6633849" y="4114031"/>
+            <a:off x="6633849" y="3905751"/>
             <a:ext cx="2443732" cy="724135"/>
           </a:xfrm>
           <a:prstGeom prst="rect">
@@ -18933,7 +18812,7 @@
         </p:nvSpPr>
         <p:spPr>
           <a:xfrm>
-            <a:off x="9502377" y="4114031"/>
+            <a:off x="9502377" y="3905751"/>
             <a:ext cx="2224954" cy="724135"/>
           </a:xfrm>
           <a:prstGeom prst="rect">
@@ -18982,8 +18861,8 @@
         </p:nvSpPr>
         <p:spPr>
           <a:xfrm>
-            <a:off x="358944" y="4415057"/>
-            <a:ext cx="2039775" cy="1235557"/>
+            <a:off x="297984" y="3870311"/>
+            <a:ext cx="2291382" cy="2769823"/>
           </a:xfrm>
           <a:prstGeom prst="rect">
             <a:avLst/>
@@ -19018,7 +18897,7 @@
                   <a:lin ang="5400000" scaled="0"/>
                 </a:gradFill>
               </a:rPr>
-              <a:t>Deep </a:t>
+              <a:t>Automated </a:t>
             </a:r>
           </a:p>
           <a:p>
@@ -19047,6 +18926,84 @@
               <a:t>Reasoning</a:t>
             </a:r>
           </a:p>
+          <a:p>
+            <a:pPr>
+              <a:lnSpc>
+                <a:spcPct val="90000"/>
+              </a:lnSpc>
+              <a:spcAft>
+                <a:spcPts val="588"/>
+              </a:spcAft>
+            </a:pPr>
+            <a:r>
+              <a:rPr lang="en-US" sz="3137" dirty="0">
+                <a:gradFill>
+                  <a:gsLst>
+                    <a:gs pos="2917">
+                      <a:schemeClr val="tx1"/>
+                    </a:gs>
+                    <a:gs pos="30000">
+                      <a:schemeClr val="tx1"/>
+                    </a:gs>
+                  </a:gsLst>
+                  <a:lin ang="5400000" scaled="0"/>
+                </a:gradFill>
+              </a:rPr>
+              <a:t>&amp;</a:t>
+            </a:r>
+          </a:p>
+          <a:p>
+            <a:pPr>
+              <a:lnSpc>
+                <a:spcPct val="90000"/>
+              </a:lnSpc>
+              <a:spcAft>
+                <a:spcPts val="588"/>
+              </a:spcAft>
+            </a:pPr>
+            <a:r>
+              <a:rPr lang="en-US" sz="3137" dirty="0">
+                <a:gradFill>
+                  <a:gsLst>
+                    <a:gs pos="2917">
+                      <a:schemeClr val="tx1"/>
+                    </a:gs>
+                    <a:gs pos="30000">
+                      <a:schemeClr val="tx1"/>
+                    </a:gs>
+                  </a:gsLst>
+                  <a:lin ang="5400000" scaled="0"/>
+                </a:gradFill>
+              </a:rPr>
+              <a:t>Efficient </a:t>
+            </a:r>
+          </a:p>
+          <a:p>
+            <a:pPr>
+              <a:lnSpc>
+                <a:spcPct val="90000"/>
+              </a:lnSpc>
+              <a:spcAft>
+                <a:spcPts val="588"/>
+              </a:spcAft>
+            </a:pPr>
+            <a:r>
+              <a:rPr lang="en-US" sz="3137" dirty="0">
+                <a:gradFill>
+                  <a:gsLst>
+                    <a:gs pos="2917">
+                      <a:schemeClr val="tx1"/>
+                    </a:gs>
+                    <a:gs pos="30000">
+                      <a:schemeClr val="tx1"/>
+                    </a:gs>
+                  </a:gsLst>
+                  <a:lin ang="5400000" scaled="0"/>
+                </a:gradFill>
+              </a:rPr>
+              <a:t>Execution</a:t>
+            </a:r>
+          </a:p>
         </p:txBody>
       </p:sp>
       <p:sp>
@@ -19057,7 +19014,7 @@
         </p:nvSpPr>
         <p:spPr>
           <a:xfrm>
-            <a:off x="358944" y="1725812"/>
+            <a:off x="358944" y="1648121"/>
             <a:ext cx="2691620" cy="1746979"/>
           </a:xfrm>
           <a:prstGeom prst="rect">
@@ -19146,6 +19103,93 @@
                 </a:gradFill>
               </a:rPr>
               <a:t>infrastructure</a:t>
+            </a:r>
+          </a:p>
+        </p:txBody>
+      </p:sp>
+      <p:sp>
+        <p:nvSpPr>
+          <p:cNvPr id="11" name="Rectangle 10">
+            <a:extLst>
+              <a:ext uri="{FF2B5EF4-FFF2-40B4-BE49-F238E27FC236}">
+                <a16:creationId xmlns:a16="http://schemas.microsoft.com/office/drawing/2014/main" id="{3EEA6210-0554-432B-9E62-F4339EAEF3E7}"/>
+              </a:ext>
+            </a:extLst>
+          </p:cNvPr>
+          <p:cNvSpPr/>
+          <p:nvPr/>
+        </p:nvSpPr>
+        <p:spPr>
+          <a:xfrm>
+            <a:off x="3474720" y="4983480"/>
+            <a:ext cx="7635240" cy="563880"/>
+          </a:xfrm>
+          <a:prstGeom prst="rect">
+            <a:avLst/>
+          </a:prstGeom>
+          <a:noFill/>
+          <a:ln w="25400">
+            <a:solidFill>
+              <a:schemeClr val="tx1"/>
+            </a:solidFill>
+          </a:ln>
+        </p:spPr>
+        <p:style>
+          <a:lnRef idx="2">
+            <a:schemeClr val="accent1">
+              <a:shade val="50000"/>
+            </a:schemeClr>
+          </a:lnRef>
+          <a:fillRef idx="1">
+            <a:schemeClr val="accent1"/>
+          </a:fillRef>
+          <a:effectRef idx="0">
+            <a:schemeClr val="accent1"/>
+          </a:effectRef>
+          <a:fontRef idx="minor">
+            <a:schemeClr val="lt1"/>
+          </a:fontRef>
+        </p:style>
+        <p:txBody>
+          <a:bodyPr rtlCol="0" anchor="ctr"/>
+          <a:lstStyle/>
+          <a:p>
+            <a:pPr algn="ctr"/>
+            <a:endParaRPr lang="en-US"/>
+          </a:p>
+        </p:txBody>
+      </p:sp>
+      <p:sp>
+        <p:nvSpPr>
+          <p:cNvPr id="12" name="TextBox 11">
+            <a:extLst>
+              <a:ext uri="{FF2B5EF4-FFF2-40B4-BE49-F238E27FC236}">
+                <a16:creationId xmlns:a16="http://schemas.microsoft.com/office/drawing/2014/main" id="{F947188D-8993-4CD0-A054-94DBDA001211}"/>
+              </a:ext>
+            </a:extLst>
+          </p:cNvPr>
+          <p:cNvSpPr txBox="1"/>
+          <p:nvPr/>
+        </p:nvSpPr>
+        <p:spPr>
+          <a:xfrm>
+            <a:off x="6950636" y="4936575"/>
+            <a:ext cx="423514" cy="646331"/>
+          </a:xfrm>
+          <a:prstGeom prst="rect">
+            <a:avLst/>
+          </a:prstGeom>
+          <a:noFill/>
+        </p:spPr>
+        <p:txBody>
+          <a:bodyPr wrap="none" rtlCol="0">
+            <a:spAutoFit/>
+          </a:bodyPr>
+          <a:lstStyle/>
+          <a:p>
+            <a:r>
+              <a:rPr lang="en-US" sz="3600" dirty="0"/>
+              <a:t>P</a:t>
             </a:r>
           </a:p>
         </p:txBody>
@@ -19337,48 +19381,6 @@
       </p:sp>
       <p:sp>
         <p:nvSpPr>
-          <p:cNvPr id="6" name="TextBox 5"/>
-          <p:cNvSpPr txBox="1"/>
-          <p:nvPr/>
-        </p:nvSpPr>
-        <p:spPr>
-          <a:xfrm>
-            <a:off x="8596342" y="1727363"/>
-            <a:ext cx="2673809" cy="1508105"/>
-          </a:xfrm>
-          <a:prstGeom prst="rect">
-            <a:avLst/>
-          </a:prstGeom>
-          <a:noFill/>
-        </p:spPr>
-        <p:txBody>
-          <a:bodyPr wrap="none" rtlCol="0">
-            <a:spAutoFit/>
-          </a:bodyPr>
-          <a:lstStyle/>
-          <a:p>
-            <a:r>
-              <a:rPr lang="en-US" sz="3600" dirty="0">
-                <a:solidFill>
-                  <a:srgbClr val="FF0000"/>
-                </a:solidFill>
-              </a:rPr>
-              <a:t>Office</a:t>
-            </a:r>
-          </a:p>
-          <a:p>
-            <a:endParaRPr lang="en-US" sz="2800" dirty="0"/>
-          </a:p>
-          <a:p>
-            <a:r>
-              <a:rPr lang="en-US" sz="2800" dirty="0"/>
-              <a:t>Client-server app</a:t>
-            </a:r>
-          </a:p>
-        </p:txBody>
-      </p:sp>
-      <p:sp>
-        <p:nvSpPr>
           <p:cNvPr id="8" name="Title 1"/>
           <p:cNvSpPr>
             <a:spLocks noGrp="1"/>
@@ -19414,176 +19416,6 @@
   <p:clrMapOvr>
     <a:masterClrMapping/>
   </p:clrMapOvr>
-  <p:timing>
-    <p:tnLst>
-      <p:par>
-        <p:cTn id="1" dur="indefinite" restart="never" nodeType="tmRoot">
-          <p:childTnLst>
-            <p:seq concurrent="1" nextAc="seek">
-              <p:cTn id="2" dur="indefinite" nodeType="mainSeq">
-                <p:childTnLst>
-                  <p:par>
-                    <p:cTn id="3" fill="hold">
-                      <p:stCondLst>
-                        <p:cond delay="indefinite"/>
-                      </p:stCondLst>
-                      <p:childTnLst>
-                        <p:par>
-                          <p:cTn id="4" fill="hold">
-                            <p:stCondLst>
-                              <p:cond delay="0"/>
-                            </p:stCondLst>
-                            <p:childTnLst>
-                              <p:par>
-                                <p:cTn id="5" presetID="1" presetClass="entr" presetSubtype="0" fill="hold" grpId="0" nodeType="clickEffect">
-                                  <p:stCondLst>
-                                    <p:cond delay="0"/>
-                                  </p:stCondLst>
-                                  <p:childTnLst>
-                                    <p:set>
-                                      <p:cBhvr>
-                                        <p:cTn id="6" dur="1" fill="hold">
-                                          <p:stCondLst>
-                                            <p:cond delay="0"/>
-                                          </p:stCondLst>
-                                        </p:cTn>
-                                        <p:tgtEl>
-                                          <p:spTgt spid="4"/>
-                                        </p:tgtEl>
-                                        <p:attrNameLst>
-                                          <p:attrName>style.visibility</p:attrName>
-                                        </p:attrNameLst>
-                                      </p:cBhvr>
-                                      <p:to>
-                                        <p:strVal val="visible"/>
-                                      </p:to>
-                                    </p:set>
-                                  </p:childTnLst>
-                                </p:cTn>
-                              </p:par>
-                            </p:childTnLst>
-                          </p:cTn>
-                        </p:par>
-                      </p:childTnLst>
-                    </p:cTn>
-                  </p:par>
-                  <p:par>
-                    <p:cTn id="7" fill="hold">
-                      <p:stCondLst>
-                        <p:cond delay="indefinite"/>
-                      </p:stCondLst>
-                      <p:childTnLst>
-                        <p:par>
-                          <p:cTn id="8" fill="hold">
-                            <p:stCondLst>
-                              <p:cond delay="0"/>
-                            </p:stCondLst>
-                            <p:childTnLst>
-                              <p:par>
-                                <p:cTn id="9" presetID="1" presetClass="entr" presetSubtype="0" fill="hold" grpId="0" nodeType="clickEffect">
-                                  <p:stCondLst>
-                                    <p:cond delay="0"/>
-                                  </p:stCondLst>
-                                  <p:childTnLst>
-                                    <p:set>
-                                      <p:cBhvr>
-                                        <p:cTn id="10" dur="1" fill="hold">
-                                          <p:stCondLst>
-                                            <p:cond delay="0"/>
-                                          </p:stCondLst>
-                                        </p:cTn>
-                                        <p:tgtEl>
-                                          <p:spTgt spid="5"/>
-                                        </p:tgtEl>
-                                        <p:attrNameLst>
-                                          <p:attrName>style.visibility</p:attrName>
-                                        </p:attrNameLst>
-                                      </p:cBhvr>
-                                      <p:to>
-                                        <p:strVal val="visible"/>
-                                      </p:to>
-                                    </p:set>
-                                  </p:childTnLst>
-                                </p:cTn>
-                              </p:par>
-                            </p:childTnLst>
-                          </p:cTn>
-                        </p:par>
-                      </p:childTnLst>
-                    </p:cTn>
-                  </p:par>
-                  <p:par>
-                    <p:cTn id="11" fill="hold">
-                      <p:stCondLst>
-                        <p:cond delay="indefinite"/>
-                      </p:stCondLst>
-                      <p:childTnLst>
-                        <p:par>
-                          <p:cTn id="12" fill="hold">
-                            <p:stCondLst>
-                              <p:cond delay="0"/>
-                            </p:stCondLst>
-                            <p:childTnLst>
-                              <p:par>
-                                <p:cTn id="13" presetID="1" presetClass="entr" presetSubtype="0" fill="hold" grpId="0" nodeType="clickEffect">
-                                  <p:stCondLst>
-                                    <p:cond delay="0"/>
-                                  </p:stCondLst>
-                                  <p:childTnLst>
-                                    <p:set>
-                                      <p:cBhvr>
-                                        <p:cTn id="14" dur="1" fill="hold">
-                                          <p:stCondLst>
-                                            <p:cond delay="0"/>
-                                          </p:stCondLst>
-                                        </p:cTn>
-                                        <p:tgtEl>
-                                          <p:spTgt spid="6"/>
-                                        </p:tgtEl>
-                                        <p:attrNameLst>
-                                          <p:attrName>style.visibility</p:attrName>
-                                        </p:attrNameLst>
-                                      </p:cBhvr>
-                                      <p:to>
-                                        <p:strVal val="visible"/>
-                                      </p:to>
-                                    </p:set>
-                                  </p:childTnLst>
-                                </p:cTn>
-                              </p:par>
-                            </p:childTnLst>
-                          </p:cTn>
-                        </p:par>
-                      </p:childTnLst>
-                    </p:cTn>
-                  </p:par>
-                </p:childTnLst>
-              </p:cTn>
-              <p:prevCondLst>
-                <p:cond evt="onPrev" delay="0">
-                  <p:tgtEl>
-                    <p:sldTgt/>
-                  </p:tgtEl>
-                </p:cond>
-              </p:prevCondLst>
-              <p:nextCondLst>
-                <p:cond evt="onNext" delay="0">
-                  <p:tgtEl>
-                    <p:sldTgt/>
-                  </p:tgtEl>
-                </p:cond>
-              </p:nextCondLst>
-            </p:seq>
-          </p:childTnLst>
-        </p:cTn>
-      </p:par>
-    </p:tnLst>
-    <p:bldLst>
-      <p:bldP spid="4" grpId="0"/>
-      <p:bldP spid="5" grpId="0"/>
-      <p:bldP spid="6" grpId="0"/>
-    </p:bldLst>
-  </p:timing>
 </p:sld>
 </file>
 
@@ -19699,7 +19531,7 @@
               <a:t>, Failover, </a:t>
             </a:r>
             <a:r>
-              <a:rPr lang="en-US"/>
+              <a:rPr lang="en-US" dirty="0" err="1"/>
               <a:t>CoffeeMachine</a:t>
             </a:r>
             <a:endParaRPr lang="en-US" dirty="0"/>

--- a/Tutorial/P-tutorial.pptx
+++ b/Tutorial/P-tutorial.pptx
@@ -19235,8 +19235,8 @@
         </p:nvSpPr>
         <p:spPr>
           <a:xfrm>
-            <a:off x="1238864" y="1727363"/>
-            <a:ext cx="3247556" cy="4093428"/>
+            <a:off x="527664" y="1727363"/>
+            <a:ext cx="3492559" cy="4093428"/>
           </a:xfrm>
           <a:prstGeom prst="rect">
             <a:avLst/>
@@ -19255,7 +19255,23 @@
                   <a:srgbClr val="FF0000"/>
                 </a:solidFill>
               </a:rPr>
-              <a:t>Windows</a:t>
+              <a:t>Windows (</a:t>
+            </a:r>
+            <a:r>
+              <a:rPr lang="en-US" sz="3600" dirty="0" err="1">
+                <a:solidFill>
+                  <a:srgbClr val="FF0000"/>
+                </a:solidFill>
+              </a:rPr>
+              <a:t>vivekg</a:t>
+            </a:r>
+            <a:r>
+              <a:rPr lang="en-US" sz="3600" dirty="0">
+                <a:solidFill>
+                  <a:srgbClr val="FF0000"/>
+                </a:solidFill>
+              </a:rPr>
+              <a:t>)</a:t>
             </a:r>
           </a:p>
           <a:p>
@@ -19321,7 +19337,7 @@
         </p:nvSpPr>
         <p:spPr>
           <a:xfrm>
-            <a:off x="5331541" y="1727363"/>
+            <a:off x="4620341" y="1727363"/>
             <a:ext cx="3171189" cy="3231654"/>
           </a:xfrm>
           <a:prstGeom prst="rect">
@@ -19341,7 +19357,23 @@
                   <a:srgbClr val="FF0000"/>
                 </a:solidFill>
               </a:rPr>
-              <a:t>Azure</a:t>
+              <a:t>Azure (</a:t>
+            </a:r>
+            <a:r>
+              <a:rPr lang="en-US" sz="3600" dirty="0" err="1">
+                <a:solidFill>
+                  <a:srgbClr val="FF0000"/>
+                </a:solidFill>
+              </a:rPr>
+              <a:t>narg</a:t>
+            </a:r>
+            <a:r>
+              <a:rPr lang="en-US" sz="3600" dirty="0">
+                <a:solidFill>
+                  <a:srgbClr val="FF0000"/>
+                </a:solidFill>
+              </a:rPr>
+              <a:t>)</a:t>
             </a:r>
           </a:p>
           <a:p>
@@ -19402,6 +19434,70 @@
             <a:r>
               <a:rPr lang="en-US" dirty="0"/>
               <a:t>Users</a:t>
+            </a:r>
+          </a:p>
+        </p:txBody>
+      </p:sp>
+      <p:sp>
+        <p:nvSpPr>
+          <p:cNvPr id="2" name="TextBox 1">
+            <a:extLst>
+              <a:ext uri="{FF2B5EF4-FFF2-40B4-BE49-F238E27FC236}">
+                <a16:creationId xmlns:a16="http://schemas.microsoft.com/office/drawing/2014/main" id="{33ACCA08-E753-4BC9-AA28-ED6826D1966B}"/>
+              </a:ext>
+            </a:extLst>
+          </p:cNvPr>
+          <p:cNvSpPr txBox="1"/>
+          <p:nvPr/>
+        </p:nvSpPr>
+        <p:spPr>
+          <a:xfrm>
+            <a:off x="8277408" y="1727363"/>
+            <a:ext cx="3406589" cy="1508105"/>
+          </a:xfrm>
+          <a:prstGeom prst="rect">
+            <a:avLst/>
+          </a:prstGeom>
+          <a:noFill/>
+        </p:spPr>
+        <p:txBody>
+          <a:bodyPr wrap="square" rtlCol="0">
+            <a:spAutoFit/>
+          </a:bodyPr>
+          <a:lstStyle/>
+          <a:p>
+            <a:r>
+              <a:rPr lang="en-US" sz="3600" dirty="0">
+                <a:solidFill>
+                  <a:srgbClr val="FF0000"/>
+                </a:solidFill>
+              </a:rPr>
+              <a:t>Office (</a:t>
+            </a:r>
+            <a:r>
+              <a:rPr lang="en-US" sz="3600" dirty="0" err="1">
+                <a:solidFill>
+                  <a:srgbClr val="FF0000"/>
+                </a:solidFill>
+              </a:rPr>
+              <a:t>alexgrig</a:t>
+            </a:r>
+            <a:r>
+              <a:rPr lang="en-US" sz="3600" dirty="0">
+                <a:solidFill>
+                  <a:srgbClr val="FF0000"/>
+                </a:solidFill>
+              </a:rPr>
+              <a:t>)</a:t>
+            </a:r>
+          </a:p>
+          <a:p>
+            <a:endParaRPr lang="en-US" sz="2800" dirty="0"/>
+          </a:p>
+          <a:p>
+            <a:r>
+              <a:rPr lang="en-US" sz="2800" dirty="0"/>
+              <a:t>Office Client</a:t>
             </a:r>
           </a:p>
         </p:txBody>

--- a/Tutorial/P-tutorial.pptx
+++ b/Tutorial/P-tutorial.pptx
@@ -5,7 +5,7 @@
     <p:sldMasterId id="2147483648" r:id="rId1"/>
   </p:sldMasterIdLst>
   <p:notesMasterIdLst>
-    <p:notesMasterId r:id="rId33"/>
+    <p:notesMasterId r:id="rId34"/>
   </p:notesMasterIdLst>
   <p:sldIdLst>
     <p:sldId id="256" r:id="rId2"/>
@@ -39,6 +39,7 @@
     <p:sldId id="277" r:id="rId30"/>
     <p:sldId id="278" r:id="rId31"/>
     <p:sldId id="279" r:id="rId32"/>
+    <p:sldId id="302" r:id="rId33"/>
   </p:sldIdLst>
   <p:sldSz cx="12192000" cy="6858000"/>
   <p:notesSz cx="6858000" cy="9144000"/>
@@ -701,7 +702,7 @@
           <a:p>
             <a:fld id="{DCC5E34C-0BEF-42D1-A3A4-98A0EFA3EE0B}" type="datetime8">
               <a:rPr lang="en-US" smtClean="0"/>
-              <a:t>6/15/2017 9:10 AM</a:t>
+              <a:t>6/15/2017 2:27 PM</a:t>
             </a:fld>
             <a:endParaRPr lang="en-US" dirty="0"/>
           </a:p>
@@ -16181,6 +16182,121 @@
 </p:sld>
 </file>
 
+<file path=ppt/slides/slide32.xml><?xml version="1.0" encoding="utf-8"?>
+<p:sld xmlns:a="http://schemas.openxmlformats.org/drawingml/2006/main" xmlns:r="http://schemas.openxmlformats.org/officeDocument/2006/relationships" xmlns:p="http://schemas.openxmlformats.org/presentationml/2006/main">
+  <p:cSld>
+    <p:spTree>
+      <p:nvGrpSpPr>
+        <p:cNvPr id="1" name=""/>
+        <p:cNvGrpSpPr/>
+        <p:nvPr/>
+      </p:nvGrpSpPr>
+      <p:grpSpPr>
+        <a:xfrm>
+          <a:off x="0" y="0"/>
+          <a:ext cx="0" cy="0"/>
+          <a:chOff x="0" y="0"/>
+          <a:chExt cx="0" cy="0"/>
+        </a:xfrm>
+      </p:grpSpPr>
+      <p:sp>
+        <p:nvSpPr>
+          <p:cNvPr id="2" name="Title 1">
+            <a:extLst>
+              <a:ext uri="{FF2B5EF4-FFF2-40B4-BE49-F238E27FC236}">
+                <a16:creationId xmlns:a16="http://schemas.microsoft.com/office/drawing/2014/main" id="{048C5215-40DC-4A28-B0D2-C16232BD8739}"/>
+              </a:ext>
+            </a:extLst>
+          </p:cNvPr>
+          <p:cNvSpPr>
+            <a:spLocks noGrp="1"/>
+          </p:cNvSpPr>
+          <p:nvPr>
+            <p:ph type="title"/>
+          </p:nvPr>
+        </p:nvSpPr>
+        <p:spPr/>
+        <p:txBody>
+          <a:bodyPr/>
+          <a:lstStyle/>
+          <a:p>
+            <a:r>
+              <a:rPr lang="en-US" dirty="0"/>
+              <a:t>Resources</a:t>
+            </a:r>
+          </a:p>
+        </p:txBody>
+      </p:sp>
+      <p:sp>
+        <p:nvSpPr>
+          <p:cNvPr id="3" name="Content Placeholder 2">
+            <a:extLst>
+              <a:ext uri="{FF2B5EF4-FFF2-40B4-BE49-F238E27FC236}">
+                <a16:creationId xmlns:a16="http://schemas.microsoft.com/office/drawing/2014/main" id="{4305C858-C769-419D-91BA-0291B7C5BE33}"/>
+              </a:ext>
+            </a:extLst>
+          </p:cNvPr>
+          <p:cNvSpPr>
+            <a:spLocks noGrp="1"/>
+          </p:cNvSpPr>
+          <p:nvPr>
+            <p:ph idx="1"/>
+          </p:nvPr>
+        </p:nvSpPr>
+        <p:spPr/>
+        <p:txBody>
+          <a:bodyPr/>
+          <a:lstStyle/>
+          <a:p>
+            <a:r>
+              <a:rPr lang="en-US"/>
+              <a:t>Repository: </a:t>
+            </a:r>
+            <a:r>
+              <a:rPr lang="en-US" dirty="0">
+                <a:hlinkClick r:id="rId2"/>
+              </a:rPr>
+              <a:t>https://github.com/p-org</a:t>
+            </a:r>
+            <a:endParaRPr lang="en-US" dirty="0"/>
+          </a:p>
+          <a:p>
+            <a:endParaRPr lang="en-US" dirty="0"/>
+          </a:p>
+          <a:p>
+            <a:r>
+              <a:rPr lang="en-US" dirty="0"/>
+              <a:t>Contact: </a:t>
+            </a:r>
+            <a:r>
+              <a:rPr lang="en-US" dirty="0">
+                <a:hlinkClick r:id="rId3"/>
+              </a:rPr>
+              <a:t>pdev@microsoft.com</a:t>
+            </a:r>
+            <a:endParaRPr lang="en-US" dirty="0"/>
+          </a:p>
+          <a:p>
+            <a:endParaRPr lang="en-US" dirty="0"/>
+          </a:p>
+          <a:p>
+            <a:endParaRPr lang="en-US" dirty="0"/>
+          </a:p>
+        </p:txBody>
+      </p:sp>
+    </p:spTree>
+    <p:extLst>
+      <p:ext uri="{BB962C8B-B14F-4D97-AF65-F5344CB8AC3E}">
+        <p14:creationId xmlns:p14="http://schemas.microsoft.com/office/powerpoint/2010/main" val="1065062066"/>
+      </p:ext>
+    </p:extLst>
+  </p:cSld>
+  <p:clrMapOvr>
+    <a:masterClrMapping/>
+  </p:clrMapOvr>
+</p:sld>
+</file>
+
 <file path=ppt/slides/slide4.xml><?xml version="1.0" encoding="utf-8"?>
 <p:sld xmlns:a="http://schemas.openxmlformats.org/drawingml/2006/main" xmlns:r="http://schemas.openxmlformats.org/officeDocument/2006/relationships" xmlns:p="http://schemas.openxmlformats.org/presentationml/2006/main">
   <p:cSld>
